--- a/document/计划-1-三维资源平台.pptx
+++ b/document/计划-1-三维资源平台.pptx
@@ -234,7 +234,7 @@
           <a:p>
             <a:fld id="{92560736-7F85-4515-A6D8-4542283B826A}" type="datetimeFigureOut">
               <a:rPr lang="zh-CN" altLang="en-US" smtClean="0"/>
-              <a:t>2015/4/13</a:t>
+              <a:t>2015/4/14</a:t>
             </a:fld>
             <a:endParaRPr lang="zh-CN" altLang="en-US"/>
           </a:p>
@@ -399,7 +399,7 @@
           <a:p>
             <a:fld id="{92548700-594F-44E5-8A8A-527182797791}" type="datetimeFigureOut">
               <a:rPr lang="zh-CN" altLang="en-US" smtClean="0"/>
-              <a:t>2015/4/13</a:t>
+              <a:t>2015/4/14</a:t>
             </a:fld>
             <a:endParaRPr lang="zh-CN" altLang="en-US"/>
           </a:p>
@@ -848,7 +848,7 @@
           <a:p>
             <a:fld id="{D3091F99-555A-4E70-BF70-8E07EE828744}" type="datetimeFigureOut">
               <a:rPr lang="zh-CN" altLang="en-US" smtClean="0"/>
-              <a:t>2015/4/13</a:t>
+              <a:t>2015/4/14</a:t>
             </a:fld>
             <a:endParaRPr lang="zh-CN" altLang="en-US"/>
           </a:p>
@@ -1025,7 +1025,7 @@
           <a:p>
             <a:fld id="{D3091F99-555A-4E70-BF70-8E07EE828744}" type="datetimeFigureOut">
               <a:rPr lang="zh-CN" altLang="en-US" smtClean="0"/>
-              <a:t>2015/4/13</a:t>
+              <a:t>2015/4/14</a:t>
             </a:fld>
             <a:endParaRPr lang="zh-CN" altLang="en-US"/>
           </a:p>
@@ -1205,7 +1205,7 @@
           <a:p>
             <a:fld id="{D3091F99-555A-4E70-BF70-8E07EE828744}" type="datetimeFigureOut">
               <a:rPr lang="zh-CN" altLang="en-US" smtClean="0"/>
-              <a:t>2015/4/13</a:t>
+              <a:t>2015/4/14</a:t>
             </a:fld>
             <a:endParaRPr lang="zh-CN" altLang="en-US"/>
           </a:p>
@@ -1375,7 +1375,7 @@
           <a:p>
             <a:fld id="{D3091F99-555A-4E70-BF70-8E07EE828744}" type="datetimeFigureOut">
               <a:rPr lang="zh-CN" altLang="en-US" smtClean="0"/>
-              <a:t>2015/4/13</a:t>
+              <a:t>2015/4/14</a:t>
             </a:fld>
             <a:endParaRPr lang="zh-CN" altLang="en-US"/>
           </a:p>
@@ -1628,7 +1628,7 @@
           <a:p>
             <a:fld id="{D3091F99-555A-4E70-BF70-8E07EE828744}" type="datetimeFigureOut">
               <a:rPr lang="zh-CN" altLang="en-US" smtClean="0"/>
-              <a:t>2015/4/13</a:t>
+              <a:t>2015/4/14</a:t>
             </a:fld>
             <a:endParaRPr lang="zh-CN" altLang="en-US"/>
           </a:p>
@@ -1916,7 +1916,7 @@
           <a:p>
             <a:fld id="{D3091F99-555A-4E70-BF70-8E07EE828744}" type="datetimeFigureOut">
               <a:rPr lang="zh-CN" altLang="en-US" smtClean="0"/>
-              <a:t>2015/4/13</a:t>
+              <a:t>2015/4/14</a:t>
             </a:fld>
             <a:endParaRPr lang="zh-CN" altLang="en-US"/>
           </a:p>
@@ -2343,7 +2343,7 @@
           <a:p>
             <a:fld id="{D3091F99-555A-4E70-BF70-8E07EE828744}" type="datetimeFigureOut">
               <a:rPr lang="zh-CN" altLang="en-US" smtClean="0"/>
-              <a:t>2015/4/13</a:t>
+              <a:t>2015/4/14</a:t>
             </a:fld>
             <a:endParaRPr lang="zh-CN" altLang="en-US"/>
           </a:p>
@@ -2461,7 +2461,7 @@
           <a:p>
             <a:fld id="{D3091F99-555A-4E70-BF70-8E07EE828744}" type="datetimeFigureOut">
               <a:rPr lang="zh-CN" altLang="en-US" smtClean="0"/>
-              <a:t>2015/4/13</a:t>
+              <a:t>2015/4/14</a:t>
             </a:fld>
             <a:endParaRPr lang="zh-CN" altLang="en-US"/>
           </a:p>
@@ -2556,7 +2556,7 @@
           <a:p>
             <a:fld id="{D3091F99-555A-4E70-BF70-8E07EE828744}" type="datetimeFigureOut">
               <a:rPr lang="zh-CN" altLang="en-US" smtClean="0"/>
-              <a:t>2015/4/13</a:t>
+              <a:t>2015/4/14</a:t>
             </a:fld>
             <a:endParaRPr lang="zh-CN" altLang="en-US"/>
           </a:p>
@@ -2833,7 +2833,7 @@
           <a:p>
             <a:fld id="{D3091F99-555A-4E70-BF70-8E07EE828744}" type="datetimeFigureOut">
               <a:rPr lang="zh-CN" altLang="en-US" smtClean="0"/>
-              <a:t>2015/4/13</a:t>
+              <a:t>2015/4/14</a:t>
             </a:fld>
             <a:endParaRPr lang="zh-CN" altLang="en-US"/>
           </a:p>
@@ -3086,7 +3086,7 @@
           <a:p>
             <a:fld id="{D3091F99-555A-4E70-BF70-8E07EE828744}" type="datetimeFigureOut">
               <a:rPr lang="zh-CN" altLang="en-US" smtClean="0"/>
-              <a:t>2015/4/13</a:t>
+              <a:t>2015/4/14</a:t>
             </a:fld>
             <a:endParaRPr lang="zh-CN" altLang="en-US"/>
           </a:p>
@@ -3308,7 +3308,7 @@
           <a:p>
             <a:fld id="{D3091F99-555A-4E70-BF70-8E07EE828744}" type="datetimeFigureOut">
               <a:rPr lang="zh-CN" altLang="en-US" smtClean="0"/>
-              <a:t>2015/4/13</a:t>
+              <a:t>2015/4/14</a:t>
             </a:fld>
             <a:endParaRPr lang="zh-CN" altLang="en-US"/>
           </a:p>
@@ -3782,29 +3782,7 @@
                   </a:schemeClr>
                 </a:solidFill>
               </a:rPr>
-              <a:t>三维</a:t>
-            </a:r>
-            <a:r>
-              <a:rPr lang="zh-CN" altLang="en-US" sz="2800" b="1" smtClean="0">
-                <a:solidFill>
-                  <a:schemeClr val="tx1">
-                    <a:lumMod val="75000"/>
-                    <a:lumOff val="25000"/>
-                  </a:schemeClr>
-                </a:solidFill>
-              </a:rPr>
-              <a:t>资源</a:t>
-            </a:r>
-            <a:r>
-              <a:rPr lang="zh-CN" altLang="en-US" sz="2800" b="1" smtClean="0">
-                <a:solidFill>
-                  <a:schemeClr val="tx1">
-                    <a:lumMod val="75000"/>
-                    <a:lumOff val="25000"/>
-                  </a:schemeClr>
-                </a:solidFill>
-              </a:rPr>
-              <a:t>服务</a:t>
+              <a:t>三维资源服务</a:t>
             </a:r>
             <a:endParaRPr lang="en-US" altLang="zh-CN" sz="2800" b="1" dirty="0" smtClean="0">
               <a:solidFill>
@@ -3841,18 +3819,7 @@
                   </a:schemeClr>
                 </a:solidFill>
               </a:rPr>
-              <a:t>	</a:t>
-            </a:r>
-            <a:r>
-              <a:rPr lang="en-US" altLang="zh-CN" sz="2000" b="1" smtClean="0">
-                <a:solidFill>
-                  <a:schemeClr val="tx1">
-                    <a:lumMod val="75000"/>
-                    <a:lumOff val="25000"/>
-                  </a:schemeClr>
-                </a:solidFill>
-              </a:rPr>
-              <a:t>2015.04.13    </a:t>
+              <a:t>	2015.04.13    </a:t>
             </a:r>
             <a:r>
               <a:rPr lang="zh-CN" altLang="en-US" sz="2000" b="1" dirty="0" smtClean="0">
@@ -4086,7 +4053,6 @@
               <a:rPr lang="zh-CN" altLang="en-US"/>
               <a:t>用户</a:t>
             </a:r>
-            <a:endParaRPr lang="zh-CN" altLang="en-US"/>
           </a:p>
         </p:txBody>
       </p:sp>
@@ -4594,7 +4560,6 @@
               <a:rPr lang="zh-CN" altLang="en-US" sz="1200"/>
               <a:t>客户</a:t>
             </a:r>
-            <a:endParaRPr lang="zh-CN" altLang="en-US" sz="1200"/>
           </a:p>
         </p:txBody>
       </p:sp>
@@ -4851,7 +4816,6 @@
               <a:rPr lang="zh-CN" altLang="en-US" sz="1200"/>
               <a:t>资源</a:t>
             </a:r>
-            <a:endParaRPr lang="zh-CN" altLang="en-US" sz="1200"/>
           </a:p>
         </p:txBody>
       </p:sp>
@@ -4893,7 +4857,6 @@
               <a:rPr lang="zh-CN" altLang="en-US" sz="1200"/>
               <a:t>用户</a:t>
             </a:r>
-            <a:endParaRPr lang="zh-CN" altLang="en-US" sz="1200"/>
           </a:p>
         </p:txBody>
       </p:sp>
@@ -5121,7 +5084,6 @@
               <a:rPr lang="zh-CN" altLang="en-US" sz="1200"/>
               <a:t>悬赏</a:t>
             </a:r>
-            <a:endParaRPr lang="zh-CN" altLang="en-US" sz="1200"/>
           </a:p>
         </p:txBody>
       </p:sp>
@@ -5299,7 +5261,6 @@
               <a:rPr lang="zh-CN" altLang="en-US" sz="1200"/>
               <a:t>使用</a:t>
             </a:r>
-            <a:endParaRPr lang="zh-CN" altLang="en-US" sz="1200"/>
           </a:p>
         </p:txBody>
       </p:sp>
@@ -5761,8 +5722,8 @@
         </p:nvSpPr>
         <p:spPr>
           <a:xfrm>
-            <a:off x="1331640" y="944488"/>
-            <a:ext cx="1008112" cy="216024"/>
+            <a:off x="971600" y="944488"/>
+            <a:ext cx="1368152" cy="216024"/>
           </a:xfrm>
           <a:prstGeom prst="roundRect">
             <a:avLst/>
@@ -5788,8 +5749,12 @@
           <a:p>
             <a:pPr algn="ctr"/>
             <a:r>
-              <a:rPr lang="zh-CN" altLang="en-US" sz="1200"/>
+              <a:rPr lang="zh-CN" altLang="en-US" sz="1200" smtClean="0"/>
               <a:t>资源</a:t>
+            </a:r>
+            <a:r>
+              <a:rPr lang="en-US" altLang="zh-CN" sz="1200" smtClean="0"/>
+              <a:t>(Resource)</a:t>
             </a:r>
             <a:endParaRPr lang="zh-CN" altLang="en-US" sz="1200"/>
           </a:p>
@@ -5803,7 +5768,7 @@
         </p:nvSpPr>
         <p:spPr>
           <a:xfrm>
-            <a:off x="2271841" y="1329737"/>
+            <a:off x="2271841" y="1302166"/>
             <a:ext cx="1420493" cy="216024"/>
           </a:xfrm>
           <a:prstGeom prst="roundRect">
@@ -5812,13 +5777,13 @@
         </p:spPr>
         <p:style>
           <a:lnRef idx="1">
-            <a:schemeClr val="accent2"/>
+            <a:schemeClr val="accent4"/>
           </a:lnRef>
           <a:fillRef idx="2">
-            <a:schemeClr val="accent2"/>
+            <a:schemeClr val="accent4"/>
           </a:fillRef>
           <a:effectRef idx="1">
-            <a:schemeClr val="accent2"/>
+            <a:schemeClr val="accent4"/>
           </a:effectRef>
           <a:fontRef idx="minor">
             <a:schemeClr val="dk1"/>
@@ -5831,11 +5796,15 @@
             <a:pPr algn="ctr"/>
             <a:r>
               <a:rPr lang="zh-CN" altLang="en-US" sz="1200" smtClean="0"/>
-              <a:t>图片</a:t>
+              <a:t>位图</a:t>
             </a:r>
             <a:r>
               <a:rPr lang="en-US" altLang="zh-CN" sz="1200" smtClean="0"/>
-              <a:t>(Bitmap)</a:t>
+              <a:t>(Bitmap</a:t>
+            </a:r>
+            <a:r>
+              <a:rPr lang="en-US" altLang="zh-CN" sz="1200" smtClean="0"/>
+              <a:t>)</a:t>
             </a:r>
             <a:endParaRPr lang="zh-CN" altLang="en-US" sz="1200"/>
           </a:p>
@@ -5852,8 +5821,8 @@
         </p:nvCxnSpPr>
         <p:spPr>
           <a:xfrm rot="16200000" flipH="1">
-            <a:off x="1915150" y="1081057"/>
-            <a:ext cx="277237" cy="436145"/>
+            <a:off x="1838925" y="977262"/>
+            <a:ext cx="249666" cy="616165"/>
           </a:xfrm>
           <a:prstGeom prst="bentConnector2">
             <a:avLst/>
@@ -5885,7 +5854,7 @@
         </p:nvSpPr>
         <p:spPr>
           <a:xfrm>
-            <a:off x="7308304" y="3176186"/>
+            <a:off x="7309718" y="2870064"/>
             <a:ext cx="307777" cy="184666"/>
           </a:xfrm>
           <a:prstGeom prst="rect">
@@ -5908,95 +5877,13 @@
       </p:sp>
       <p:sp>
         <p:nvSpPr>
-          <p:cNvPr id="36" name="圆角矩形 35"/>
-          <p:cNvSpPr/>
-          <p:nvPr/>
-        </p:nvSpPr>
-        <p:spPr>
-          <a:xfrm>
-            <a:off x="2271841" y="1682546"/>
-            <a:ext cx="1420493" cy="216024"/>
-          </a:xfrm>
-          <a:prstGeom prst="roundRect">
-            <a:avLst/>
-          </a:prstGeom>
-        </p:spPr>
-        <p:style>
-          <a:lnRef idx="1">
-            <a:schemeClr val="accent2"/>
-          </a:lnRef>
-          <a:fillRef idx="2">
-            <a:schemeClr val="accent2"/>
-          </a:fillRef>
-          <a:effectRef idx="1">
-            <a:schemeClr val="accent2"/>
-          </a:effectRef>
-          <a:fontRef idx="minor">
-            <a:schemeClr val="dk1"/>
-          </a:fontRef>
-        </p:style>
-        <p:txBody>
-          <a:bodyPr lIns="0" tIns="0" rIns="0" bIns="0" rtlCol="0" anchor="ctr" anchorCtr="1"/>
-          <a:lstStyle/>
-          <a:p>
-            <a:pPr algn="ctr"/>
-            <a:r>
-              <a:rPr lang="zh-CN" altLang="en-US" sz="1200"/>
-              <a:t>纹理</a:t>
-            </a:r>
-            <a:r>
-              <a:rPr lang="en-US" altLang="zh-CN" sz="1200" smtClean="0"/>
-              <a:t>(Texture)</a:t>
-            </a:r>
-            <a:endParaRPr lang="zh-CN" altLang="en-US" sz="1200"/>
-          </a:p>
-        </p:txBody>
-      </p:sp>
-      <p:cxnSp>
-        <p:nvCxnSpPr>
-          <p:cNvPr id="38" name="直接连接符 14"/>
-          <p:cNvCxnSpPr>
-            <a:stCxn id="3" idx="2"/>
-            <a:endCxn id="36" idx="1"/>
-          </p:cNvCxnSpPr>
-          <p:nvPr/>
-        </p:nvCxnSpPr>
-        <p:spPr>
-          <a:xfrm rot="16200000" flipH="1">
-            <a:off x="1738745" y="1257462"/>
-            <a:ext cx="630046" cy="436145"/>
-          </a:xfrm>
-          <a:prstGeom prst="bentConnector2">
-            <a:avLst/>
-          </a:prstGeom>
-          <a:ln>
-            <a:tailEnd type="triangle" w="med" len="lg"/>
-          </a:ln>
-        </p:spPr>
-        <p:style>
-          <a:lnRef idx="1">
-            <a:schemeClr val="accent1"/>
-          </a:lnRef>
-          <a:fillRef idx="0">
-            <a:schemeClr val="accent1"/>
-          </a:fillRef>
-          <a:effectRef idx="0">
-            <a:schemeClr val="accent1"/>
-          </a:effectRef>
-          <a:fontRef idx="minor">
-            <a:schemeClr val="tx1"/>
-          </a:fontRef>
-        </p:style>
-      </p:cxnSp>
-      <p:sp>
-        <p:nvSpPr>
           <p:cNvPr id="42" name="圆角矩形 41"/>
           <p:cNvSpPr/>
           <p:nvPr/>
         </p:nvSpPr>
         <p:spPr>
           <a:xfrm>
-            <a:off x="2270427" y="2037396"/>
+            <a:off x="2271841" y="1659844"/>
             <a:ext cx="1420493" cy="216024"/>
           </a:xfrm>
           <a:prstGeom prst="roundRect">
@@ -6005,13 +5892,13 @@
         </p:spPr>
         <p:style>
           <a:lnRef idx="1">
-            <a:schemeClr val="accent2"/>
+            <a:schemeClr val="accent4"/>
           </a:lnRef>
           <a:fillRef idx="2">
-            <a:schemeClr val="accent2"/>
+            <a:schemeClr val="accent4"/>
           </a:fillRef>
           <a:effectRef idx="1">
-            <a:schemeClr val="accent2"/>
+            <a:schemeClr val="accent4"/>
           </a:effectRef>
           <a:fontRef idx="minor">
             <a:schemeClr val="dk1"/>
@@ -6045,8 +5932,8 @@
         </p:nvCxnSpPr>
         <p:spPr>
           <a:xfrm rot="16200000" flipH="1">
-            <a:off x="1560613" y="1435594"/>
-            <a:ext cx="984896" cy="434731"/>
+            <a:off x="1660086" y="1156101"/>
+            <a:ext cx="607344" cy="616165"/>
           </a:xfrm>
           <a:prstGeom prst="bentConnector2">
             <a:avLst/>
@@ -6078,7 +5965,7 @@
         </p:nvSpPr>
         <p:spPr>
           <a:xfrm>
-            <a:off x="2270427" y="2384648"/>
+            <a:off x="2271841" y="2017522"/>
             <a:ext cx="1420493" cy="216024"/>
           </a:xfrm>
           <a:prstGeom prst="roundRect">
@@ -6120,14 +6007,15 @@
         <p:nvCxnSpPr>
           <p:cNvPr id="48" name="直接连接符 14"/>
           <p:cNvCxnSpPr>
+            <a:stCxn id="3" idx="2"/>
             <a:endCxn id="47" idx="1"/>
           </p:cNvCxnSpPr>
           <p:nvPr/>
         </p:nvCxnSpPr>
         <p:spPr>
           <a:xfrm rot="16200000" flipH="1">
-            <a:off x="1424334" y="1646566"/>
-            <a:ext cx="1260139" cy="432048"/>
+            <a:off x="1481247" y="1334940"/>
+            <a:ext cx="965022" cy="616165"/>
           </a:xfrm>
           <a:prstGeom prst="bentConnector2">
             <a:avLst/>
@@ -6159,7 +6047,7 @@
         </p:nvSpPr>
         <p:spPr>
           <a:xfrm>
-            <a:off x="3351961" y="2730722"/>
+            <a:off x="3353375" y="2375200"/>
             <a:ext cx="1420493" cy="216024"/>
           </a:xfrm>
           <a:prstGeom prst="roundRect">
@@ -6208,8 +6096,8 @@
         </p:nvCxnSpPr>
         <p:spPr>
           <a:xfrm rot="16200000" flipH="1">
-            <a:off x="3047286" y="2534059"/>
-            <a:ext cx="238062" cy="371287"/>
+            <a:off x="3042898" y="2172735"/>
+            <a:ext cx="249666" cy="371287"/>
           </a:xfrm>
           <a:prstGeom prst="bentConnector2">
             <a:avLst/>
@@ -6241,7 +6129,7 @@
         </p:nvSpPr>
         <p:spPr>
           <a:xfrm>
-            <a:off x="3346628" y="3077974"/>
+            <a:off x="3348042" y="2732878"/>
             <a:ext cx="1420493" cy="216024"/>
           </a:xfrm>
           <a:prstGeom prst="roundRect">
@@ -6290,8 +6178,8 @@
         </p:nvCxnSpPr>
         <p:spPr>
           <a:xfrm rot="16200000" flipH="1">
-            <a:off x="2870994" y="2710352"/>
-            <a:ext cx="585314" cy="365954"/>
+            <a:off x="2861393" y="2354241"/>
+            <a:ext cx="607344" cy="365954"/>
           </a:xfrm>
           <a:prstGeom prst="bentConnector2">
             <a:avLst/>
@@ -6323,7 +6211,7 @@
         </p:nvSpPr>
         <p:spPr>
           <a:xfrm>
-            <a:off x="3346628" y="3404561"/>
+            <a:off x="3348042" y="3090556"/>
             <a:ext cx="1420493" cy="216024"/>
           </a:xfrm>
           <a:prstGeom prst="roundRect">
@@ -6372,8 +6260,8 @@
         </p:nvCxnSpPr>
         <p:spPr>
           <a:xfrm rot="16200000" flipH="1">
-            <a:off x="2707701" y="2873645"/>
-            <a:ext cx="911901" cy="365954"/>
+            <a:off x="2682554" y="2533080"/>
+            <a:ext cx="965022" cy="365954"/>
           </a:xfrm>
           <a:prstGeom prst="bentConnector2">
             <a:avLst/>
@@ -6405,7 +6293,7 @@
         </p:nvSpPr>
         <p:spPr>
           <a:xfrm>
-            <a:off x="3346628" y="3737735"/>
+            <a:off x="3348042" y="3448234"/>
             <a:ext cx="1420493" cy="216024"/>
           </a:xfrm>
           <a:prstGeom prst="roundRect">
@@ -6454,8 +6342,8 @@
         </p:nvCxnSpPr>
         <p:spPr>
           <a:xfrm rot="16200000" flipH="1">
-            <a:off x="2541114" y="3040232"/>
-            <a:ext cx="1245075" cy="365954"/>
+            <a:off x="2503715" y="2711919"/>
+            <a:ext cx="1322700" cy="365954"/>
           </a:xfrm>
           <a:prstGeom prst="bentConnector2">
             <a:avLst/>
@@ -6487,7 +6375,7 @@
         </p:nvSpPr>
         <p:spPr>
           <a:xfrm>
-            <a:off x="5580112" y="3368128"/>
+            <a:off x="5581526" y="3090556"/>
             <a:ext cx="1420493" cy="216024"/>
           </a:xfrm>
           <a:prstGeom prst="roundRect">
@@ -6540,8 +6428,8 @@
         </p:nvCxnSpPr>
         <p:spPr>
           <a:xfrm>
-            <a:off x="4772454" y="2838734"/>
-            <a:ext cx="807658" cy="637406"/>
+            <a:off x="4773868" y="2483212"/>
+            <a:ext cx="807658" cy="715356"/>
           </a:xfrm>
           <a:prstGeom prst="straightConnector1">
             <a:avLst/>
@@ -6573,7 +6461,7 @@
         </p:nvSpPr>
         <p:spPr>
           <a:xfrm>
-            <a:off x="5586462" y="3698008"/>
+            <a:off x="5587876" y="3448234"/>
             <a:ext cx="1420493" cy="216024"/>
           </a:xfrm>
           <a:prstGeom prst="roundRect">
@@ -6626,8 +6514,8 @@
         </p:nvCxnSpPr>
         <p:spPr>
           <a:xfrm flipV="1">
-            <a:off x="4767121" y="3476140"/>
-            <a:ext cx="812991" cy="369607"/>
+            <a:off x="4768535" y="3198568"/>
+            <a:ext cx="812991" cy="357678"/>
           </a:xfrm>
           <a:prstGeom prst="straightConnector1">
             <a:avLst/>
@@ -6661,9 +6549,9 @@
           <p:nvPr/>
         </p:nvCxnSpPr>
         <p:spPr>
-          <a:xfrm flipV="1">
-            <a:off x="4767121" y="3806020"/>
-            <a:ext cx="819341" cy="39727"/>
+          <a:xfrm>
+            <a:off x="4768535" y="3556246"/>
+            <a:ext cx="819341" cy="0"/>
           </a:xfrm>
           <a:prstGeom prst="straightConnector1">
             <a:avLst/>
@@ -6695,7 +6583,7 @@
         </p:nvSpPr>
         <p:spPr>
           <a:xfrm>
-            <a:off x="5580112" y="3038248"/>
+            <a:off x="5581526" y="2732878"/>
             <a:ext cx="1420493" cy="216024"/>
           </a:xfrm>
           <a:prstGeom prst="roundRect">
@@ -6744,8 +6632,8 @@
         </p:nvCxnSpPr>
         <p:spPr>
           <a:xfrm flipV="1">
-            <a:off x="4767121" y="3146260"/>
-            <a:ext cx="812991" cy="366313"/>
+            <a:off x="4768535" y="2840890"/>
+            <a:ext cx="812991" cy="357678"/>
           </a:xfrm>
           <a:prstGeom prst="straightConnector1">
             <a:avLst/>
@@ -6780,8 +6668,8 @@
         </p:nvCxnSpPr>
         <p:spPr>
           <a:xfrm>
-            <a:off x="7000605" y="3146260"/>
-            <a:ext cx="12700" cy="329880"/>
+            <a:off x="7002019" y="2840890"/>
+            <a:ext cx="12700" cy="357678"/>
           </a:xfrm>
           <a:prstGeom prst="bentConnector3">
             <a:avLst>
@@ -6815,7 +6703,7 @@
         </p:nvSpPr>
         <p:spPr>
           <a:xfrm>
-            <a:off x="2270427" y="4126921"/>
+            <a:off x="2271841" y="3805912"/>
             <a:ext cx="1420493" cy="216024"/>
           </a:xfrm>
           <a:prstGeom prst="roundRect">
@@ -6824,13 +6712,13 @@
         </p:spPr>
         <p:style>
           <a:lnRef idx="1">
-            <a:schemeClr val="accent2"/>
+            <a:schemeClr val="accent4"/>
           </a:lnRef>
           <a:fillRef idx="2">
-            <a:schemeClr val="accent2"/>
+            <a:schemeClr val="accent4"/>
           </a:fillRef>
           <a:effectRef idx="1">
-            <a:schemeClr val="accent2"/>
+            <a:schemeClr val="accent4"/>
           </a:effectRef>
           <a:fontRef idx="minor">
             <a:schemeClr val="dk1"/>
@@ -6864,8 +6752,8 @@
         </p:nvCxnSpPr>
         <p:spPr>
           <a:xfrm rot="16200000" flipH="1">
-            <a:off x="515851" y="2480356"/>
-            <a:ext cx="3074421" cy="434731"/>
+            <a:off x="587052" y="2229135"/>
+            <a:ext cx="2753412" cy="616165"/>
           </a:xfrm>
           <a:prstGeom prst="bentConnector2">
             <a:avLst/>
@@ -6897,7 +6785,7 @@
         </p:nvSpPr>
         <p:spPr>
           <a:xfrm>
-            <a:off x="2270427" y="4469709"/>
+            <a:off x="2271841" y="4163587"/>
             <a:ext cx="1420493" cy="216024"/>
           </a:xfrm>
           <a:prstGeom prst="roundRect">
@@ -6906,13 +6794,13 @@
         </p:spPr>
         <p:style>
           <a:lnRef idx="1">
-            <a:schemeClr val="accent2"/>
+            <a:schemeClr val="accent4"/>
           </a:lnRef>
           <a:fillRef idx="2">
-            <a:schemeClr val="accent2"/>
+            <a:schemeClr val="accent4"/>
           </a:fillRef>
           <a:effectRef idx="1">
-            <a:schemeClr val="accent2"/>
+            <a:schemeClr val="accent4"/>
           </a:effectRef>
           <a:fontRef idx="minor">
             <a:schemeClr val="dk1"/>
@@ -6946,8 +6834,8 @@
         </p:nvCxnSpPr>
         <p:spPr>
           <a:xfrm rot="16200000" flipH="1">
-            <a:off x="344457" y="2651750"/>
-            <a:ext cx="3417209" cy="434731"/>
+            <a:off x="408215" y="2407972"/>
+            <a:ext cx="3111087" cy="616165"/>
           </a:xfrm>
           <a:prstGeom prst="bentConnector2">
             <a:avLst/>
@@ -6979,7 +6867,7 @@
         </p:nvSpPr>
         <p:spPr>
           <a:xfrm>
-            <a:off x="5580112" y="2730722"/>
+            <a:off x="5581526" y="2375200"/>
             <a:ext cx="1420493" cy="216024"/>
           </a:xfrm>
           <a:prstGeom prst="roundRect">
@@ -7028,7 +6916,7 @@
         </p:nvCxnSpPr>
         <p:spPr>
           <a:xfrm>
-            <a:off x="4772454" y="2838734"/>
+            <a:off x="4773868" y="2483212"/>
             <a:ext cx="807658" cy="0"/>
           </a:xfrm>
           <a:prstGeom prst="straightConnector1">
@@ -7157,7 +7045,6 @@
               <a:rPr lang="zh-CN" altLang="en-US" sz="1200"/>
               <a:t>站点</a:t>
             </a:r>
-            <a:endParaRPr lang="zh-CN" altLang="en-US" sz="1200"/>
           </a:p>
         </p:txBody>
       </p:sp>
@@ -7199,7 +7086,6 @@
               <a:rPr lang="zh-CN" altLang="en-US" sz="1200"/>
               <a:t>首页</a:t>
             </a:r>
-            <a:endParaRPr lang="zh-CN" altLang="en-US" sz="1200"/>
           </a:p>
         </p:txBody>
       </p:sp>
@@ -7761,7 +7647,6 @@
               <a:rPr lang="zh-CN" altLang="en-US" sz="1200"/>
               <a:t>用户</a:t>
             </a:r>
-            <a:endParaRPr lang="zh-CN" altLang="en-US" sz="1200"/>
           </a:p>
         </p:txBody>
       </p:sp>
@@ -7839,7 +7724,6 @@
               <a:rPr lang="zh-CN" altLang="en-US" sz="1200"/>
               <a:t>充值</a:t>
             </a:r>
-            <a:endParaRPr lang="zh-CN" altLang="en-US" sz="1200"/>
           </a:p>
         </p:txBody>
       </p:sp>
@@ -7917,7 +7801,6 @@
               <a:rPr lang="zh-CN" altLang="en-US" sz="1200"/>
               <a:t>注册</a:t>
             </a:r>
-            <a:endParaRPr lang="zh-CN" altLang="en-US" sz="1200"/>
           </a:p>
         </p:txBody>
       </p:sp>
@@ -9209,7 +9092,6 @@
               <a:rPr lang="zh-CN" altLang="en-US" sz="1200"/>
               <a:t>站点</a:t>
             </a:r>
-            <a:endParaRPr lang="zh-CN" altLang="en-US" sz="1200"/>
           </a:p>
         </p:txBody>
       </p:sp>
@@ -9491,11 +9373,7 @@
             <a:pPr algn="ctr"/>
             <a:r>
               <a:rPr lang="zh-CN" altLang="en-US" sz="1200" smtClean="0"/>
-              <a:t>国家列表 </a:t>
-            </a:r>
-            <a:r>
-              <a:rPr lang="zh-CN" altLang="en-US" sz="1200" smtClean="0"/>
-              <a:t>（测试用）</a:t>
+              <a:t>国家列表 （测试用）</a:t>
             </a:r>
             <a:endParaRPr lang="zh-CN" altLang="en-US" sz="1200"/>
           </a:p>

--- a/document/计划-1-三维资源平台.pptx
+++ b/document/计划-1-三维资源平台.pptx
@@ -5,10 +5,10 @@
     <p:sldMasterId id="2147483648" r:id="rId1"/>
   </p:sldMasterIdLst>
   <p:notesMasterIdLst>
-    <p:notesMasterId r:id="rId12"/>
+    <p:notesMasterId r:id="rId14"/>
   </p:notesMasterIdLst>
   <p:handoutMasterIdLst>
-    <p:handoutMasterId r:id="rId13"/>
+    <p:handoutMasterId r:id="rId15"/>
   </p:handoutMasterIdLst>
   <p:sldIdLst>
     <p:sldId id="256" r:id="rId2"/>
@@ -16,11 +16,13 @@
     <p:sldId id="454" r:id="rId4"/>
     <p:sldId id="455" r:id="rId5"/>
     <p:sldId id="448" r:id="rId6"/>
-    <p:sldId id="453" r:id="rId7"/>
-    <p:sldId id="452" r:id="rId8"/>
-    <p:sldId id="456" r:id="rId9"/>
-    <p:sldId id="436" r:id="rId10"/>
-    <p:sldId id="426" r:id="rId11"/>
+    <p:sldId id="458" r:id="rId7"/>
+    <p:sldId id="457" r:id="rId8"/>
+    <p:sldId id="453" r:id="rId9"/>
+    <p:sldId id="452" r:id="rId10"/>
+    <p:sldId id="456" r:id="rId11"/>
+    <p:sldId id="436" r:id="rId12"/>
+    <p:sldId id="426" r:id="rId13"/>
   </p:sldIdLst>
   <p:sldSz cx="9144000" cy="5865813"/>
   <p:notesSz cx="6858000" cy="9144000"/>
@@ -121,7 +123,7 @@
   </p:defaultTextStyle>
   <p:extLst>
     <p:ext uri="{EFAFB233-063F-42B5-8137-9DF3F51BA10A}">
-      <p15:sldGuideLst xmlns:p15="http://schemas.microsoft.com/office/powerpoint/2012/main">
+      <p15:sldGuideLst xmlns:p15="http://schemas.microsoft.com/office/powerpoint/2012/main" xmlns="">
         <p15:guide id="1" orient="horz" pos="1848">
           <p15:clr>
             <a:srgbClr val="A4A3A4"/>
@@ -135,7 +137,7 @@
       </p15:sldGuideLst>
     </p:ext>
     <p:ext uri="{2D200454-40CA-4A62-9FC3-DE9A4176ACB9}">
-      <p15:notesGuideLst xmlns:p15="http://schemas.microsoft.com/office/powerpoint/2012/main">
+      <p15:notesGuideLst xmlns:p15="http://schemas.microsoft.com/office/powerpoint/2012/main" xmlns="">
         <p15:guide id="1" orient="horz" pos="2880">
           <p15:clr>
             <a:srgbClr val="A4A3A4"/>
@@ -3923,6 +3925,731 @@
       </p:grpSpPr>
       <p:sp>
         <p:nvSpPr>
+          <p:cNvPr id="2" name="标题 1"/>
+          <p:cNvSpPr>
+            <a:spLocks noGrp="1"/>
+          </p:cNvSpPr>
+          <p:nvPr>
+            <p:ph type="title"/>
+          </p:nvPr>
+        </p:nvSpPr>
+        <p:spPr/>
+        <p:txBody>
+          <a:bodyPr>
+            <a:normAutofit fontScale="90000"/>
+          </a:bodyPr>
+          <a:lstStyle/>
+          <a:p>
+            <a:r>
+              <a:rPr lang="en-US" altLang="zh-CN" smtClean="0"/>
+              <a:t>WEB – </a:t>
+            </a:r>
+            <a:r>
+              <a:rPr lang="zh-CN" altLang="en-US"/>
+              <a:t>后台</a:t>
+            </a:r>
+            <a:endParaRPr lang="zh-CN" altLang="en-US" dirty="0"/>
+          </a:p>
+        </p:txBody>
+      </p:sp>
+      <p:sp>
+        <p:nvSpPr>
+          <p:cNvPr id="3" name="圆角矩形 2"/>
+          <p:cNvSpPr/>
+          <p:nvPr/>
+        </p:nvSpPr>
+        <p:spPr>
+          <a:xfrm>
+            <a:off x="819883" y="1247186"/>
+            <a:ext cx="1008112" cy="216024"/>
+          </a:xfrm>
+          <a:prstGeom prst="roundRect">
+            <a:avLst/>
+          </a:prstGeom>
+        </p:spPr>
+        <p:style>
+          <a:lnRef idx="1">
+            <a:schemeClr val="accent6"/>
+          </a:lnRef>
+          <a:fillRef idx="2">
+            <a:schemeClr val="accent6"/>
+          </a:fillRef>
+          <a:effectRef idx="1">
+            <a:schemeClr val="accent6"/>
+          </a:effectRef>
+          <a:fontRef idx="minor">
+            <a:schemeClr val="dk1"/>
+          </a:fontRef>
+        </p:style>
+        <p:txBody>
+          <a:bodyPr lIns="0" tIns="0" rIns="0" bIns="0" rtlCol="0" anchor="ctr" anchorCtr="1"/>
+          <a:lstStyle/>
+          <a:p>
+            <a:pPr algn="ctr"/>
+            <a:r>
+              <a:rPr lang="zh-CN" altLang="en-US" sz="1200"/>
+              <a:t>站点</a:t>
+            </a:r>
+          </a:p>
+        </p:txBody>
+      </p:sp>
+      <p:sp>
+        <p:nvSpPr>
+          <p:cNvPr id="36" name="圆角矩形 35"/>
+          <p:cNvSpPr/>
+          <p:nvPr/>
+        </p:nvSpPr>
+        <p:spPr>
+          <a:xfrm>
+            <a:off x="1974227" y="1597900"/>
+            <a:ext cx="1420493" cy="216024"/>
+          </a:xfrm>
+          <a:prstGeom prst="roundRect">
+            <a:avLst/>
+          </a:prstGeom>
+        </p:spPr>
+        <p:style>
+          <a:lnRef idx="1">
+            <a:schemeClr val="accent6"/>
+          </a:lnRef>
+          <a:fillRef idx="2">
+            <a:schemeClr val="accent6"/>
+          </a:fillRef>
+          <a:effectRef idx="1">
+            <a:schemeClr val="accent6"/>
+          </a:effectRef>
+          <a:fontRef idx="minor">
+            <a:schemeClr val="dk1"/>
+          </a:fontRef>
+        </p:style>
+        <p:txBody>
+          <a:bodyPr lIns="0" tIns="0" rIns="0" bIns="0" rtlCol="0" anchor="ctr" anchorCtr="1"/>
+          <a:lstStyle/>
+          <a:p>
+            <a:pPr algn="ctr"/>
+            <a:r>
+              <a:rPr lang="zh-CN" altLang="en-US" sz="1200"/>
+              <a:t>共通</a:t>
+            </a:r>
+            <a:r>
+              <a:rPr lang="zh-CN" altLang="en-US" sz="1200" smtClean="0"/>
+              <a:t>管理</a:t>
+            </a:r>
+            <a:endParaRPr lang="zh-CN" altLang="en-US" sz="1200"/>
+          </a:p>
+        </p:txBody>
+      </p:sp>
+      <p:cxnSp>
+        <p:nvCxnSpPr>
+          <p:cNvPr id="38" name="直接连接符 14"/>
+          <p:cNvCxnSpPr>
+            <a:stCxn id="3" idx="2"/>
+            <a:endCxn id="36" idx="1"/>
+          </p:cNvCxnSpPr>
+          <p:nvPr/>
+        </p:nvCxnSpPr>
+        <p:spPr>
+          <a:xfrm rot="16200000" flipH="1">
+            <a:off x="1527732" y="1259417"/>
+            <a:ext cx="242702" cy="650288"/>
+          </a:xfrm>
+          <a:prstGeom prst="bentConnector2">
+            <a:avLst/>
+          </a:prstGeom>
+          <a:ln>
+            <a:tailEnd type="triangle" w="med" len="lg"/>
+          </a:ln>
+        </p:spPr>
+        <p:style>
+          <a:lnRef idx="1">
+            <a:schemeClr val="accent1"/>
+          </a:lnRef>
+          <a:fillRef idx="0">
+            <a:schemeClr val="accent1"/>
+          </a:fillRef>
+          <a:effectRef idx="0">
+            <a:schemeClr val="accent1"/>
+          </a:effectRef>
+          <a:fontRef idx="minor">
+            <a:schemeClr val="tx1"/>
+          </a:fontRef>
+        </p:style>
+      </p:cxnSp>
+      <p:cxnSp>
+        <p:nvCxnSpPr>
+          <p:cNvPr id="43" name="直接连接符 14"/>
+          <p:cNvCxnSpPr>
+            <a:stCxn id="3" idx="2"/>
+            <a:endCxn id="29" idx="1"/>
+          </p:cNvCxnSpPr>
+          <p:nvPr/>
+        </p:nvCxnSpPr>
+        <p:spPr>
+          <a:xfrm rot="16200000" flipH="1">
+            <a:off x="1122362" y="1664787"/>
+            <a:ext cx="1053443" cy="650288"/>
+          </a:xfrm>
+          <a:prstGeom prst="bentConnector2">
+            <a:avLst/>
+          </a:prstGeom>
+          <a:ln>
+            <a:tailEnd type="triangle" w="med" len="lg"/>
+          </a:ln>
+        </p:spPr>
+        <p:style>
+          <a:lnRef idx="1">
+            <a:schemeClr val="accent1"/>
+          </a:lnRef>
+          <a:fillRef idx="0">
+            <a:schemeClr val="accent1"/>
+          </a:fillRef>
+          <a:effectRef idx="0">
+            <a:schemeClr val="accent1"/>
+          </a:effectRef>
+          <a:fontRef idx="minor">
+            <a:schemeClr val="tx1"/>
+          </a:fontRef>
+        </p:style>
+      </p:cxnSp>
+      <p:sp>
+        <p:nvSpPr>
+          <p:cNvPr id="29" name="圆角矩形 28"/>
+          <p:cNvSpPr/>
+          <p:nvPr/>
+        </p:nvSpPr>
+        <p:spPr>
+          <a:xfrm>
+            <a:off x="1974227" y="2408641"/>
+            <a:ext cx="1420493" cy="216024"/>
+          </a:xfrm>
+          <a:prstGeom prst="roundRect">
+            <a:avLst/>
+          </a:prstGeom>
+        </p:spPr>
+        <p:style>
+          <a:lnRef idx="1">
+            <a:schemeClr val="accent6"/>
+          </a:lnRef>
+          <a:fillRef idx="2">
+            <a:schemeClr val="accent6"/>
+          </a:fillRef>
+          <a:effectRef idx="1">
+            <a:schemeClr val="accent6"/>
+          </a:effectRef>
+          <a:fontRef idx="minor">
+            <a:schemeClr val="dk1"/>
+          </a:fontRef>
+        </p:style>
+        <p:txBody>
+          <a:bodyPr lIns="0" tIns="0" rIns="0" bIns="0" rtlCol="0" anchor="ctr" anchorCtr="1"/>
+          <a:lstStyle/>
+          <a:p>
+            <a:pPr algn="ctr"/>
+            <a:r>
+              <a:rPr lang="zh-CN" altLang="en-US" sz="1200"/>
+              <a:t>业务</a:t>
+            </a:r>
+            <a:r>
+              <a:rPr lang="zh-CN" altLang="en-US" sz="1200" smtClean="0"/>
+              <a:t>列表</a:t>
+            </a:r>
+            <a:endParaRPr lang="zh-CN" altLang="en-US" sz="1200"/>
+          </a:p>
+        </p:txBody>
+      </p:sp>
+      <p:sp>
+        <p:nvSpPr>
+          <p:cNvPr id="35" name="圆角矩形 34"/>
+          <p:cNvSpPr/>
+          <p:nvPr/>
+        </p:nvSpPr>
+        <p:spPr>
+          <a:xfrm>
+            <a:off x="3415040" y="2768681"/>
+            <a:ext cx="1420493" cy="216024"/>
+          </a:xfrm>
+          <a:prstGeom prst="roundRect">
+            <a:avLst/>
+          </a:prstGeom>
+        </p:spPr>
+        <p:style>
+          <a:lnRef idx="1">
+            <a:schemeClr val="accent6"/>
+          </a:lnRef>
+          <a:fillRef idx="2">
+            <a:schemeClr val="accent6"/>
+          </a:fillRef>
+          <a:effectRef idx="1">
+            <a:schemeClr val="accent6"/>
+          </a:effectRef>
+          <a:fontRef idx="minor">
+            <a:schemeClr val="dk1"/>
+          </a:fontRef>
+        </p:style>
+        <p:txBody>
+          <a:bodyPr lIns="0" tIns="0" rIns="0" bIns="0" rtlCol="0" anchor="ctr" anchorCtr="1"/>
+          <a:lstStyle/>
+          <a:p>
+            <a:pPr algn="ctr"/>
+            <a:r>
+              <a:rPr lang="zh-CN" altLang="en-US" sz="1200" smtClean="0"/>
+              <a:t>用户列表</a:t>
+            </a:r>
+            <a:endParaRPr lang="zh-CN" altLang="en-US" sz="1200"/>
+          </a:p>
+        </p:txBody>
+      </p:sp>
+      <p:cxnSp>
+        <p:nvCxnSpPr>
+          <p:cNvPr id="37" name="直接连接符 14"/>
+          <p:cNvCxnSpPr>
+            <a:stCxn id="29" idx="2"/>
+            <a:endCxn id="35" idx="1"/>
+          </p:cNvCxnSpPr>
+          <p:nvPr/>
+        </p:nvCxnSpPr>
+        <p:spPr>
+          <a:xfrm rot="16200000" flipH="1">
+            <a:off x="2923743" y="2385396"/>
+            <a:ext cx="252028" cy="730566"/>
+          </a:xfrm>
+          <a:prstGeom prst="bentConnector2">
+            <a:avLst/>
+          </a:prstGeom>
+          <a:ln>
+            <a:tailEnd type="triangle" w="med" len="lg"/>
+          </a:ln>
+        </p:spPr>
+        <p:style>
+          <a:lnRef idx="1">
+            <a:schemeClr val="accent1"/>
+          </a:lnRef>
+          <a:fillRef idx="0">
+            <a:schemeClr val="accent1"/>
+          </a:fillRef>
+          <a:effectRef idx="0">
+            <a:schemeClr val="accent1"/>
+          </a:effectRef>
+          <a:fontRef idx="minor">
+            <a:schemeClr val="tx1"/>
+          </a:fontRef>
+        </p:style>
+      </p:cxnSp>
+      <p:sp>
+        <p:nvSpPr>
+          <p:cNvPr id="41" name="圆角矩形 40"/>
+          <p:cNvSpPr/>
+          <p:nvPr/>
+        </p:nvSpPr>
+        <p:spPr>
+          <a:xfrm>
+            <a:off x="3419872" y="1924794"/>
+            <a:ext cx="2088232" cy="216024"/>
+          </a:xfrm>
+          <a:prstGeom prst="roundRect">
+            <a:avLst/>
+          </a:prstGeom>
+        </p:spPr>
+        <p:style>
+          <a:lnRef idx="1">
+            <a:schemeClr val="accent6"/>
+          </a:lnRef>
+          <a:fillRef idx="2">
+            <a:schemeClr val="accent6"/>
+          </a:fillRef>
+          <a:effectRef idx="1">
+            <a:schemeClr val="accent6"/>
+          </a:effectRef>
+          <a:fontRef idx="minor">
+            <a:schemeClr val="dk1"/>
+          </a:fontRef>
+        </p:style>
+        <p:txBody>
+          <a:bodyPr lIns="0" tIns="0" rIns="0" bIns="0" rtlCol="0" anchor="ctr" anchorCtr="1"/>
+          <a:lstStyle/>
+          <a:p>
+            <a:pPr algn="ctr"/>
+            <a:r>
+              <a:rPr lang="zh-CN" altLang="en-US" sz="1200" smtClean="0"/>
+              <a:t>国家列表 （测试用）</a:t>
+            </a:r>
+            <a:endParaRPr lang="zh-CN" altLang="en-US" sz="1200"/>
+          </a:p>
+        </p:txBody>
+      </p:sp>
+      <p:cxnSp>
+        <p:nvCxnSpPr>
+          <p:cNvPr id="44" name="直接连接符 14"/>
+          <p:cNvCxnSpPr>
+            <a:stCxn id="36" idx="2"/>
+            <a:endCxn id="41" idx="1"/>
+          </p:cNvCxnSpPr>
+          <p:nvPr/>
+        </p:nvCxnSpPr>
+        <p:spPr>
+          <a:xfrm rot="16200000" flipH="1">
+            <a:off x="2942732" y="1555666"/>
+            <a:ext cx="218882" cy="735398"/>
+          </a:xfrm>
+          <a:prstGeom prst="bentConnector2">
+            <a:avLst/>
+          </a:prstGeom>
+          <a:ln>
+            <a:tailEnd type="triangle" w="med" len="lg"/>
+          </a:ln>
+        </p:spPr>
+        <p:style>
+          <a:lnRef idx="1">
+            <a:schemeClr val="accent1"/>
+          </a:lnRef>
+          <a:fillRef idx="0">
+            <a:schemeClr val="accent1"/>
+          </a:fillRef>
+          <a:effectRef idx="0">
+            <a:schemeClr val="accent1"/>
+          </a:effectRef>
+          <a:fontRef idx="minor">
+            <a:schemeClr val="tx1"/>
+          </a:fontRef>
+        </p:style>
+      </p:cxnSp>
+    </p:spTree>
+    <p:extLst>
+      <p:ext uri="{BB962C8B-B14F-4D97-AF65-F5344CB8AC3E}">
+        <p14:creationId xmlns:p14="http://schemas.microsoft.com/office/powerpoint/2010/main" val="1532287507"/>
+      </p:ext>
+    </p:extLst>
+  </p:cSld>
+  <p:clrMapOvr>
+    <a:masterClrMapping/>
+  </p:clrMapOvr>
+  <p:timing>
+    <p:tnLst>
+      <p:par>
+        <p:cTn id="1" dur="indefinite" restart="never" nodeType="tmRoot"/>
+      </p:par>
+    </p:tnLst>
+  </p:timing>
+</p:sld>
+</file>
+
+<file path=ppt/slides/slide11.xml><?xml version="1.0" encoding="utf-8"?>
+<p:sld xmlns:a="http://schemas.openxmlformats.org/drawingml/2006/main" xmlns:r="http://schemas.openxmlformats.org/officeDocument/2006/relationships" xmlns:p="http://schemas.openxmlformats.org/presentationml/2006/main">
+  <p:cSld>
+    <p:spTree>
+      <p:nvGrpSpPr>
+        <p:cNvPr id="1" name=""/>
+        <p:cNvGrpSpPr/>
+        <p:nvPr/>
+      </p:nvGrpSpPr>
+      <p:grpSpPr>
+        <a:xfrm>
+          <a:off x="0" y="0"/>
+          <a:ext cx="0" cy="0"/>
+          <a:chOff x="0" y="0"/>
+          <a:chExt cx="0" cy="0"/>
+        </a:xfrm>
+      </p:grpSpPr>
+      <p:sp>
+        <p:nvSpPr>
+          <p:cNvPr id="2" name="标题 1"/>
+          <p:cNvSpPr>
+            <a:spLocks noGrp="1"/>
+          </p:cNvSpPr>
+          <p:nvPr>
+            <p:ph type="title"/>
+          </p:nvPr>
+        </p:nvSpPr>
+        <p:spPr/>
+        <p:txBody>
+          <a:bodyPr>
+            <a:normAutofit fontScale="90000"/>
+          </a:bodyPr>
+          <a:lstStyle/>
+          <a:p>
+            <a:r>
+              <a:rPr lang="zh-CN" altLang="en-US" smtClean="0"/>
+              <a:t>工作重点</a:t>
+            </a:r>
+            <a:endParaRPr lang="zh-CN" altLang="en-US" dirty="0"/>
+          </a:p>
+        </p:txBody>
+      </p:sp>
+      <p:sp>
+        <p:nvSpPr>
+          <p:cNvPr id="5" name="矩形 4"/>
+          <p:cNvSpPr/>
+          <p:nvPr/>
+        </p:nvSpPr>
+        <p:spPr>
+          <a:xfrm>
+            <a:off x="467544" y="988690"/>
+            <a:ext cx="8352928" cy="3785652"/>
+          </a:xfrm>
+          <a:prstGeom prst="rect">
+            <a:avLst/>
+          </a:prstGeom>
+        </p:spPr>
+        <p:txBody>
+          <a:bodyPr wrap="square">
+            <a:spAutoFit/>
+          </a:bodyPr>
+          <a:lstStyle/>
+          <a:p>
+            <a:r>
+              <a:rPr lang="zh-CN" altLang="en-US" sz="1600"/>
+              <a:t>资源</a:t>
+            </a:r>
+            <a:r>
+              <a:rPr lang="zh-CN" altLang="en-US" sz="1600" smtClean="0"/>
+              <a:t>：</a:t>
+            </a:r>
+            <a:r>
+              <a:rPr lang="en-US" altLang="zh-CN" sz="1600" smtClean="0"/>
+              <a:t>Level1</a:t>
+            </a:r>
+          </a:p>
+          <a:p>
+            <a:pPr marL="285750" indent="-285750">
+              <a:buFont typeface="Arial" panose="020B0604020202020204" pitchFamily="34" charset="0"/>
+              <a:buChar char="•"/>
+            </a:pPr>
+            <a:r>
+              <a:rPr lang="zh-CN" altLang="en-US" sz="1600" smtClean="0"/>
+              <a:t>数据导入：</a:t>
+            </a:r>
+            <a:r>
+              <a:rPr lang="en-US" altLang="zh-CN" sz="1600" smtClean="0"/>
+              <a:t>FBX/PLY/OBJ/STL </a:t>
+            </a:r>
+            <a:r>
+              <a:rPr lang="zh-CN" altLang="en-US" sz="1600" smtClean="0"/>
+              <a:t>格式，支持</a:t>
+            </a:r>
+            <a:r>
+              <a:rPr lang="en-US" altLang="zh-CN" sz="1600" smtClean="0"/>
+              <a:t>ZIP</a:t>
+            </a:r>
+            <a:r>
+              <a:rPr lang="zh-CN" altLang="en-US" sz="1600" smtClean="0"/>
+              <a:t>打包格式。</a:t>
+            </a:r>
+            <a:endParaRPr lang="en-US" altLang="zh-CN" sz="1600" smtClean="0"/>
+          </a:p>
+          <a:p>
+            <a:pPr marL="285750" indent="-285750">
+              <a:buFont typeface="Arial" panose="020B0604020202020204" pitchFamily="34" charset="0"/>
+              <a:buChar char="•"/>
+            </a:pPr>
+            <a:r>
+              <a:rPr lang="zh-CN" altLang="en-US" sz="1600" smtClean="0"/>
+              <a:t>材质编辑：纹理贴图</a:t>
+            </a:r>
+            <a:endParaRPr lang="en-US" altLang="zh-CN" sz="1600" dirty="0" smtClean="0"/>
+          </a:p>
+          <a:p>
+            <a:endParaRPr lang="en-US" altLang="zh-CN" sz="1600" dirty="0"/>
+          </a:p>
+          <a:p>
+            <a:r>
+              <a:rPr lang="zh-CN" altLang="en-US" sz="1600" smtClean="0"/>
+              <a:t>用户；</a:t>
+            </a:r>
+            <a:r>
+              <a:rPr lang="en-US" altLang="zh-CN" sz="1600" smtClean="0"/>
+              <a:t>Level1</a:t>
+            </a:r>
+          </a:p>
+          <a:p>
+            <a:pPr marL="285750" indent="-285750">
+              <a:buFont typeface="Arial" panose="020B0604020202020204" pitchFamily="34" charset="0"/>
+              <a:buChar char="•"/>
+            </a:pPr>
+            <a:r>
+              <a:rPr lang="zh-CN" altLang="en-US" sz="1600" smtClean="0"/>
+              <a:t>用户注册</a:t>
+            </a:r>
+            <a:r>
+              <a:rPr lang="en-US" altLang="zh-CN" sz="1600" smtClean="0"/>
+              <a:t>/</a:t>
+            </a:r>
+            <a:r>
+              <a:rPr lang="zh-CN" altLang="en-US" sz="1600" smtClean="0"/>
+              <a:t>登录</a:t>
+            </a:r>
+            <a:r>
+              <a:rPr lang="en-US" altLang="zh-CN" sz="1600" smtClean="0"/>
+              <a:t>/</a:t>
+            </a:r>
+            <a:r>
+              <a:rPr lang="zh-CN" altLang="en-US" sz="1600"/>
+              <a:t>重置</a:t>
+            </a:r>
+            <a:r>
+              <a:rPr lang="zh-CN" altLang="en-US" sz="1600" smtClean="0"/>
+              <a:t>密码（邮件方式）</a:t>
+            </a:r>
+            <a:endParaRPr lang="en-US" altLang="zh-CN" sz="1600" smtClean="0"/>
+          </a:p>
+          <a:p>
+            <a:pPr marL="285750" indent="-285750">
+              <a:buFont typeface="Arial" panose="020B0604020202020204" pitchFamily="34" charset="0"/>
+              <a:buChar char="•"/>
+            </a:pPr>
+            <a:r>
+              <a:rPr lang="zh-CN" altLang="en-US" sz="1600" smtClean="0"/>
+              <a:t>信息修改（用户名</a:t>
+            </a:r>
+            <a:r>
+              <a:rPr lang="en-US" altLang="zh-CN" sz="1600" smtClean="0"/>
+              <a:t>/</a:t>
+            </a:r>
+            <a:r>
+              <a:rPr lang="zh-CN" altLang="en-US" sz="1600" smtClean="0"/>
+              <a:t>邮箱</a:t>
+            </a:r>
+            <a:r>
+              <a:rPr lang="en-US" altLang="zh-CN" sz="1600" smtClean="0"/>
+              <a:t>/</a:t>
+            </a:r>
+            <a:r>
+              <a:rPr lang="zh-CN" altLang="en-US" sz="1600" smtClean="0"/>
+              <a:t>手机号</a:t>
+            </a:r>
+            <a:r>
+              <a:rPr lang="en-US" altLang="zh-CN" sz="1600" smtClean="0"/>
+              <a:t>/QQ</a:t>
+            </a:r>
+            <a:r>
+              <a:rPr lang="zh-CN" altLang="en-US" sz="1600" smtClean="0"/>
+              <a:t>号）</a:t>
+            </a:r>
+            <a:endParaRPr lang="en-US" altLang="zh-CN" sz="1600" smtClean="0"/>
+          </a:p>
+          <a:p>
+            <a:endParaRPr lang="en-US" altLang="zh-CN" sz="1600"/>
+          </a:p>
+          <a:p>
+            <a:r>
+              <a:rPr lang="zh-CN" altLang="en-US" sz="1600" smtClean="0"/>
+              <a:t>资金：</a:t>
+            </a:r>
+            <a:r>
+              <a:rPr lang="en-US" altLang="zh-CN" sz="1600" smtClean="0"/>
+              <a:t>Level2</a:t>
+            </a:r>
+          </a:p>
+          <a:p>
+            <a:pPr marL="285750" indent="-285750">
+              <a:buFont typeface="Arial" panose="020B0604020202020204" pitchFamily="34" charset="0"/>
+              <a:buChar char="•"/>
+            </a:pPr>
+            <a:r>
+              <a:rPr lang="zh-CN" altLang="en-US" sz="1600"/>
+              <a:t>充</a:t>
+            </a:r>
+            <a:r>
+              <a:rPr lang="zh-CN" altLang="en-US" sz="1600" smtClean="0"/>
+              <a:t>值，自动兑换点数</a:t>
+            </a:r>
+            <a:endParaRPr lang="en-US" altLang="zh-CN" sz="1600" smtClean="0"/>
+          </a:p>
+          <a:p>
+            <a:endParaRPr lang="en-US" altLang="zh-CN" sz="1600" smtClean="0"/>
+          </a:p>
+          <a:p>
+            <a:r>
+              <a:rPr lang="zh-CN" altLang="en-US" sz="1600" smtClean="0"/>
+              <a:t>悬赏</a:t>
+            </a:r>
+            <a:r>
+              <a:rPr lang="zh-CN" altLang="en-US" sz="1600" smtClean="0">
+                <a:sym typeface="Wingdings" panose="05000000000000000000" pitchFamily="2" charset="2"/>
+              </a:rPr>
+              <a:t>：</a:t>
+            </a:r>
+            <a:r>
+              <a:rPr lang="en-US" altLang="zh-CN" sz="1600" smtClean="0">
+                <a:sym typeface="Wingdings" panose="05000000000000000000" pitchFamily="2" charset="2"/>
+              </a:rPr>
+              <a:t>Level3</a:t>
+            </a:r>
+            <a:endParaRPr lang="en-US" altLang="zh-CN" sz="1600" smtClean="0"/>
+          </a:p>
+          <a:p>
+            <a:pPr marL="285750" indent="-285750">
+              <a:buFont typeface="Arial" panose="020B0604020202020204" pitchFamily="34" charset="0"/>
+              <a:buChar char="•"/>
+            </a:pPr>
+            <a:r>
+              <a:rPr lang="zh-CN" altLang="en-US" sz="1600"/>
+              <a:t>发布</a:t>
+            </a:r>
+            <a:endParaRPr lang="en-US" altLang="zh-CN" sz="1600" smtClean="0"/>
+          </a:p>
+          <a:p>
+            <a:pPr marL="285750" indent="-285750">
+              <a:buFont typeface="Arial" panose="020B0604020202020204" pitchFamily="34" charset="0"/>
+              <a:buChar char="•"/>
+            </a:pPr>
+            <a:r>
+              <a:rPr lang="zh-CN" altLang="en-US" sz="1600" smtClean="0"/>
+              <a:t>接单</a:t>
+            </a:r>
+            <a:endParaRPr lang="en-US" altLang="zh-CN" sz="1600" smtClean="0"/>
+          </a:p>
+          <a:p>
+            <a:pPr marL="285750" indent="-285750">
+              <a:buFont typeface="Arial" panose="020B0604020202020204" pitchFamily="34" charset="0"/>
+              <a:buChar char="•"/>
+            </a:pPr>
+            <a:r>
+              <a:rPr lang="zh-CN" altLang="en-US" sz="1600"/>
+              <a:t>交付</a:t>
+            </a:r>
+            <a:endParaRPr lang="en-US" altLang="zh-CN" sz="1600" dirty="0"/>
+          </a:p>
+        </p:txBody>
+      </p:sp>
+    </p:spTree>
+    <p:extLst>
+      <p:ext uri="{BB962C8B-B14F-4D97-AF65-F5344CB8AC3E}">
+        <p14:creationId xmlns:p14="http://schemas.microsoft.com/office/powerpoint/2010/main" val="1284212560"/>
+      </p:ext>
+    </p:extLst>
+  </p:cSld>
+  <p:clrMapOvr>
+    <a:masterClrMapping/>
+  </p:clrMapOvr>
+  <p:timing>
+    <p:tnLst>
+      <p:par>
+        <p:cTn id="1" dur="indefinite" restart="never" nodeType="tmRoot"/>
+      </p:par>
+    </p:tnLst>
+  </p:timing>
+</p:sld>
+</file>
+
+<file path=ppt/slides/slide12.xml><?xml version="1.0" encoding="utf-8"?>
+<p:sld xmlns:a="http://schemas.openxmlformats.org/drawingml/2006/main" xmlns:r="http://schemas.openxmlformats.org/officeDocument/2006/relationships" xmlns:p="http://schemas.openxmlformats.org/presentationml/2006/main">
+  <p:cSld>
+    <p:spTree>
+      <p:nvGrpSpPr>
+        <p:cNvPr id="1" name=""/>
+        <p:cNvGrpSpPr/>
+        <p:nvPr/>
+      </p:nvGrpSpPr>
+      <p:grpSpPr>
+        <a:xfrm>
+          <a:off x="0" y="0"/>
+          <a:ext cx="0" cy="0"/>
+          <a:chOff x="0" y="0"/>
+          <a:chExt cx="0" cy="0"/>
+        </a:xfrm>
+      </p:grpSpPr>
+      <p:sp>
+        <p:nvSpPr>
           <p:cNvPr id="3" name="内容占位符 2"/>
           <p:cNvSpPr>
             <a:spLocks noGrp="1"/>
@@ -5800,11 +6527,7 @@
             </a:r>
             <a:r>
               <a:rPr lang="en-US" altLang="zh-CN" sz="1200" smtClean="0"/>
-              <a:t>(Bitmap</a:t>
-            </a:r>
-            <a:r>
-              <a:rPr lang="en-US" altLang="zh-CN" sz="1200" smtClean="0"/>
-              <a:t>)</a:t>
+              <a:t>(Bitmap)</a:t>
             </a:r>
             <a:endParaRPr lang="zh-CN" altLang="en-US" sz="1200"/>
           </a:p>
@@ -6996,12 +7719,8 @@
           <a:lstStyle/>
           <a:p>
             <a:r>
-              <a:rPr lang="en-US" altLang="zh-CN" smtClean="0"/>
-              <a:t>WEB – </a:t>
-            </a:r>
-            <a:r>
-              <a:rPr lang="zh-CN" altLang="en-US"/>
-              <a:t>前台</a:t>
+              <a:rPr lang="zh-CN" altLang="en-US" dirty="0" smtClean="0"/>
+              <a:t>继承结构</a:t>
             </a:r>
             <a:endParaRPr lang="zh-CN" altLang="en-US" dirty="0"/>
           </a:p>
@@ -7015,8 +7734,8 @@
         </p:nvSpPr>
         <p:spPr>
           <a:xfrm>
-            <a:off x="755576" y="916682"/>
-            <a:ext cx="1008112" cy="216024"/>
+            <a:off x="493708" y="1014933"/>
+            <a:ext cx="1368152" cy="216024"/>
           </a:xfrm>
           <a:prstGeom prst="roundRect">
             <a:avLst/>
@@ -7024,13 +7743,13 @@
         </p:spPr>
         <p:style>
           <a:lnRef idx="1">
-            <a:schemeClr val="accent6"/>
+            <a:schemeClr val="accent5"/>
           </a:lnRef>
           <a:fillRef idx="2">
-            <a:schemeClr val="accent6"/>
+            <a:schemeClr val="accent5"/>
           </a:fillRef>
           <a:effectRef idx="1">
-            <a:schemeClr val="accent6"/>
+            <a:schemeClr val="accent5"/>
           </a:effectRef>
           <a:fontRef idx="minor">
             <a:schemeClr val="dk1"/>
@@ -7042,9 +7761,14 @@
           <a:p>
             <a:pPr algn="ctr"/>
             <a:r>
-              <a:rPr lang="zh-CN" altLang="en-US" sz="1200"/>
-              <a:t>站点</a:t>
-            </a:r>
+              <a:rPr lang="zh-CN" altLang="en-US" sz="1200" dirty="0" smtClean="0"/>
+              <a:t>对象</a:t>
+            </a:r>
+            <a:r>
+              <a:rPr lang="en-US" altLang="zh-CN" sz="1200" dirty="0" smtClean="0"/>
+              <a:t>(Object)</a:t>
+            </a:r>
+            <a:endParaRPr lang="zh-CN" altLang="en-US" sz="1200" dirty="0"/>
           </a:p>
         </p:txBody>
       </p:sp>
@@ -7056,7 +7780,7 @@
         </p:nvSpPr>
         <p:spPr>
           <a:xfrm>
-            <a:off x="1695777" y="1281124"/>
+            <a:off x="467537" y="1576906"/>
             <a:ext cx="1420493" cy="216024"/>
           </a:xfrm>
           <a:prstGeom prst="roundRect">
@@ -7065,13 +7789,13 @@
         </p:spPr>
         <p:style>
           <a:lnRef idx="1">
-            <a:schemeClr val="accent6"/>
+            <a:schemeClr val="accent5"/>
           </a:lnRef>
           <a:fillRef idx="2">
-            <a:schemeClr val="accent6"/>
+            <a:schemeClr val="accent5"/>
           </a:fillRef>
           <a:effectRef idx="1">
-            <a:schemeClr val="accent6"/>
+            <a:schemeClr val="accent5"/>
           </a:effectRef>
           <a:fontRef idx="minor">
             <a:schemeClr val="dk1"/>
@@ -7083,9 +7807,14 @@
           <a:p>
             <a:pPr algn="ctr"/>
             <a:r>
-              <a:rPr lang="zh-CN" altLang="en-US" sz="1200"/>
-              <a:t>首页</a:t>
-            </a:r>
+              <a:rPr lang="zh-CN" altLang="en-US" sz="1200" dirty="0" smtClean="0"/>
+              <a:t>组件</a:t>
+            </a:r>
+            <a:r>
+              <a:rPr lang="en-US" altLang="zh-CN" sz="1200" dirty="0" smtClean="0"/>
+              <a:t>(Component)</a:t>
+            </a:r>
+            <a:endParaRPr lang="zh-CN" altLang="en-US" sz="1200" dirty="0"/>
           </a:p>
         </p:txBody>
       </p:sp>
@@ -7094,16 +7823,16 @@
           <p:cNvPr id="34" name="直接连接符 14"/>
           <p:cNvCxnSpPr>
             <a:stCxn id="3" idx="2"/>
-            <a:endCxn id="31" idx="1"/>
+            <a:endCxn id="31" idx="0"/>
           </p:cNvCxnSpPr>
           <p:nvPr/>
         </p:nvCxnSpPr>
         <p:spPr>
-          <a:xfrm rot="16200000" flipH="1">
-            <a:off x="1349489" y="1042848"/>
-            <a:ext cx="256430" cy="436145"/>
-          </a:xfrm>
-          <a:prstGeom prst="bentConnector2">
+          <a:xfrm>
+            <a:off x="1177784" y="1230957"/>
+            <a:ext cx="0" cy="345949"/>
+          </a:xfrm>
+          <a:prstGeom prst="straightConnector1">
             <a:avLst/>
           </a:prstGeom>
           <a:ln>
@@ -7127,14 +7856,460 @@
       </p:cxnSp>
       <p:sp>
         <p:nvSpPr>
-          <p:cNvPr id="36" name="圆角矩形 35"/>
+          <p:cNvPr id="42" name="圆角矩形 41"/>
           <p:cNvSpPr/>
           <p:nvPr/>
         </p:nvSpPr>
         <p:spPr>
           <a:xfrm>
-            <a:off x="1706958" y="3103334"/>
+            <a:off x="1547664" y="1996802"/>
             <a:ext cx="1420493" cy="216024"/>
+          </a:xfrm>
+          <a:prstGeom prst="roundRect">
+            <a:avLst/>
+          </a:prstGeom>
+        </p:spPr>
+        <p:style>
+          <a:lnRef idx="1">
+            <a:schemeClr val="accent4"/>
+          </a:lnRef>
+          <a:fillRef idx="2">
+            <a:schemeClr val="accent4"/>
+          </a:fillRef>
+          <a:effectRef idx="1">
+            <a:schemeClr val="accent4"/>
+          </a:effectRef>
+          <a:fontRef idx="minor">
+            <a:schemeClr val="dk1"/>
+          </a:fontRef>
+        </p:style>
+        <p:txBody>
+          <a:bodyPr lIns="0" tIns="0" rIns="0" bIns="0" rtlCol="0" anchor="ctr" anchorCtr="1"/>
+          <a:lstStyle/>
+          <a:p>
+            <a:pPr algn="ctr"/>
+            <a:r>
+              <a:rPr lang="zh-CN" altLang="en-US" sz="1200" dirty="0" smtClean="0"/>
+              <a:t>绘制对象</a:t>
+            </a:r>
+            <a:r>
+              <a:rPr lang="en-US" altLang="zh-CN" sz="1200" dirty="0" smtClean="0"/>
+              <a:t>(</a:t>
+            </a:r>
+            <a:r>
+              <a:rPr lang="en-US" altLang="zh-CN" sz="1200" dirty="0" err="1" smtClean="0"/>
+              <a:t>Drawable</a:t>
+            </a:r>
+            <a:r>
+              <a:rPr lang="en-US" altLang="zh-CN" sz="1200" dirty="0" smtClean="0"/>
+              <a:t>)</a:t>
+            </a:r>
+            <a:endParaRPr lang="zh-CN" altLang="en-US" sz="1200" dirty="0"/>
+          </a:p>
+        </p:txBody>
+      </p:sp>
+      <p:cxnSp>
+        <p:nvCxnSpPr>
+          <p:cNvPr id="43" name="直接连接符 14"/>
+          <p:cNvCxnSpPr>
+            <a:stCxn id="31" idx="2"/>
+            <a:endCxn id="42" idx="1"/>
+          </p:cNvCxnSpPr>
+          <p:nvPr/>
+        </p:nvCxnSpPr>
+        <p:spPr>
+          <a:xfrm rot="16200000" flipH="1">
+            <a:off x="1206782" y="1763932"/>
+            <a:ext cx="311884" cy="369880"/>
+          </a:xfrm>
+          <a:prstGeom prst="bentConnector2">
+            <a:avLst/>
+          </a:prstGeom>
+          <a:ln>
+            <a:tailEnd type="triangle" w="med" len="lg"/>
+          </a:ln>
+        </p:spPr>
+        <p:style>
+          <a:lnRef idx="1">
+            <a:schemeClr val="accent1"/>
+          </a:lnRef>
+          <a:fillRef idx="0">
+            <a:schemeClr val="accent1"/>
+          </a:fillRef>
+          <a:effectRef idx="0">
+            <a:schemeClr val="accent1"/>
+          </a:effectRef>
+          <a:fontRef idx="minor">
+            <a:schemeClr val="tx1"/>
+          </a:fontRef>
+        </p:style>
+      </p:cxnSp>
+      <p:sp>
+        <p:nvSpPr>
+          <p:cNvPr id="125" name="圆角矩形 124"/>
+          <p:cNvSpPr/>
+          <p:nvPr/>
+        </p:nvSpPr>
+        <p:spPr>
+          <a:xfrm>
+            <a:off x="2777510" y="2405768"/>
+            <a:ext cx="1420493" cy="216024"/>
+          </a:xfrm>
+          <a:prstGeom prst="roundRect">
+            <a:avLst/>
+          </a:prstGeom>
+        </p:spPr>
+        <p:style>
+          <a:lnRef idx="1">
+            <a:schemeClr val="accent4"/>
+          </a:lnRef>
+          <a:fillRef idx="2">
+            <a:schemeClr val="accent4"/>
+          </a:fillRef>
+          <a:effectRef idx="1">
+            <a:schemeClr val="accent4"/>
+          </a:effectRef>
+          <a:fontRef idx="minor">
+            <a:schemeClr val="dk1"/>
+          </a:fontRef>
+        </p:style>
+        <p:txBody>
+          <a:bodyPr lIns="0" tIns="0" rIns="0" bIns="0" rtlCol="0" anchor="ctr" anchorCtr="1"/>
+          <a:lstStyle/>
+          <a:p>
+            <a:pPr algn="ctr"/>
+            <a:r>
+              <a:rPr lang="zh-CN" altLang="en-US" sz="1200" dirty="0" smtClean="0"/>
+              <a:t>显示对象</a:t>
+            </a:r>
+            <a:r>
+              <a:rPr lang="en-US" altLang="zh-CN" sz="1200" dirty="0" smtClean="0"/>
+              <a:t>(Display)</a:t>
+            </a:r>
+            <a:endParaRPr lang="zh-CN" altLang="en-US" sz="1200" dirty="0"/>
+          </a:p>
+        </p:txBody>
+      </p:sp>
+      <p:cxnSp>
+        <p:nvCxnSpPr>
+          <p:cNvPr id="126" name="直接连接符 14"/>
+          <p:cNvCxnSpPr>
+            <a:stCxn id="42" idx="2"/>
+            <a:endCxn id="125" idx="1"/>
+          </p:cNvCxnSpPr>
+          <p:nvPr/>
+        </p:nvCxnSpPr>
+        <p:spPr>
+          <a:xfrm rot="16200000" flipH="1">
+            <a:off x="2367233" y="2103503"/>
+            <a:ext cx="300954" cy="519599"/>
+          </a:xfrm>
+          <a:prstGeom prst="bentConnector2">
+            <a:avLst/>
+          </a:prstGeom>
+          <a:ln>
+            <a:tailEnd type="triangle" w="med" len="lg"/>
+          </a:ln>
+        </p:spPr>
+        <p:style>
+          <a:lnRef idx="1">
+            <a:schemeClr val="accent1"/>
+          </a:lnRef>
+          <a:fillRef idx="0">
+            <a:schemeClr val="accent1"/>
+          </a:fillRef>
+          <a:effectRef idx="0">
+            <a:schemeClr val="accent1"/>
+          </a:effectRef>
+          <a:fontRef idx="minor">
+            <a:schemeClr val="tx1"/>
+          </a:fontRef>
+        </p:style>
+      </p:cxnSp>
+      <p:sp>
+        <p:nvSpPr>
+          <p:cNvPr id="131" name="圆角矩形 130"/>
+          <p:cNvSpPr/>
+          <p:nvPr/>
+        </p:nvSpPr>
+        <p:spPr>
+          <a:xfrm>
+            <a:off x="2777510" y="3872721"/>
+            <a:ext cx="1656184" cy="216024"/>
+          </a:xfrm>
+          <a:prstGeom prst="roundRect">
+            <a:avLst/>
+          </a:prstGeom>
+        </p:spPr>
+        <p:style>
+          <a:lnRef idx="1">
+            <a:schemeClr val="accent4"/>
+          </a:lnRef>
+          <a:fillRef idx="2">
+            <a:schemeClr val="accent4"/>
+          </a:fillRef>
+          <a:effectRef idx="1">
+            <a:schemeClr val="accent4"/>
+          </a:effectRef>
+          <a:fontRef idx="minor">
+            <a:schemeClr val="dk1"/>
+          </a:fontRef>
+        </p:style>
+        <p:txBody>
+          <a:bodyPr lIns="0" tIns="0" rIns="0" bIns="0" rtlCol="0" anchor="ctr" anchorCtr="1"/>
+          <a:lstStyle/>
+          <a:p>
+            <a:pPr algn="ctr"/>
+            <a:r>
+              <a:rPr lang="zh-CN" altLang="en-US" sz="1200" dirty="0"/>
+              <a:t>渲染</a:t>
+            </a:r>
+            <a:r>
+              <a:rPr lang="zh-CN" altLang="en-US" sz="1200" dirty="0" smtClean="0"/>
+              <a:t>对象</a:t>
+            </a:r>
+            <a:r>
+              <a:rPr lang="en-US" altLang="zh-CN" sz="1200" dirty="0" smtClean="0"/>
+              <a:t>(</a:t>
+            </a:r>
+            <a:r>
+              <a:rPr lang="en-US" altLang="zh-CN" sz="1200" dirty="0" err="1" smtClean="0"/>
+              <a:t>Renderable</a:t>
+            </a:r>
+            <a:r>
+              <a:rPr lang="en-US" altLang="zh-CN" sz="1200" dirty="0" smtClean="0"/>
+              <a:t>)</a:t>
+            </a:r>
+            <a:endParaRPr lang="zh-CN" altLang="en-US" sz="1200" dirty="0"/>
+          </a:p>
+        </p:txBody>
+      </p:sp>
+      <p:cxnSp>
+        <p:nvCxnSpPr>
+          <p:cNvPr id="132" name="直接连接符 14"/>
+          <p:cNvCxnSpPr>
+            <a:stCxn id="42" idx="2"/>
+            <a:endCxn id="131" idx="1"/>
+          </p:cNvCxnSpPr>
+          <p:nvPr/>
+        </p:nvCxnSpPr>
+        <p:spPr>
+          <a:xfrm rot="16200000" flipH="1">
+            <a:off x="1633757" y="2836979"/>
+            <a:ext cx="1767907" cy="519599"/>
+          </a:xfrm>
+          <a:prstGeom prst="bentConnector2">
+            <a:avLst/>
+          </a:prstGeom>
+          <a:ln>
+            <a:tailEnd type="triangle" w="med" len="lg"/>
+          </a:ln>
+        </p:spPr>
+        <p:style>
+          <a:lnRef idx="1">
+            <a:schemeClr val="accent1"/>
+          </a:lnRef>
+          <a:fillRef idx="0">
+            <a:schemeClr val="accent1"/>
+          </a:fillRef>
+          <a:effectRef idx="0">
+            <a:schemeClr val="accent1"/>
+          </a:effectRef>
+          <a:fontRef idx="minor">
+            <a:schemeClr val="tx1"/>
+          </a:fontRef>
+        </p:style>
+      </p:cxnSp>
+      <p:sp>
+        <p:nvSpPr>
+          <p:cNvPr id="40" name="圆角矩形 39"/>
+          <p:cNvSpPr/>
+          <p:nvPr/>
+        </p:nvSpPr>
+        <p:spPr>
+          <a:xfrm>
+            <a:off x="3909178" y="2820774"/>
+            <a:ext cx="1872208" cy="216024"/>
+          </a:xfrm>
+          <a:prstGeom prst="roundRect">
+            <a:avLst/>
+          </a:prstGeom>
+        </p:spPr>
+        <p:style>
+          <a:lnRef idx="1">
+            <a:schemeClr val="accent4"/>
+          </a:lnRef>
+          <a:fillRef idx="2">
+            <a:schemeClr val="accent4"/>
+          </a:fillRef>
+          <a:effectRef idx="1">
+            <a:schemeClr val="accent4"/>
+          </a:effectRef>
+          <a:fontRef idx="minor">
+            <a:schemeClr val="dk1"/>
+          </a:fontRef>
+        </p:style>
+        <p:txBody>
+          <a:bodyPr lIns="0" tIns="0" rIns="0" bIns="0" rtlCol="0" anchor="ctr" anchorCtr="1"/>
+          <a:lstStyle/>
+          <a:p>
+            <a:pPr algn="ctr"/>
+            <a:r>
+              <a:rPr lang="zh-CN" altLang="en-US" sz="1200" dirty="0" smtClean="0"/>
+              <a:t>显示</a:t>
+            </a:r>
+            <a:r>
+              <a:rPr lang="zh-CN" altLang="en-US" sz="1200" dirty="0"/>
+              <a:t>集合</a:t>
+            </a:r>
+            <a:r>
+              <a:rPr lang="en-US" altLang="zh-CN" sz="1200" dirty="0" smtClean="0"/>
+              <a:t>(</a:t>
+            </a:r>
+            <a:r>
+              <a:rPr lang="en-US" altLang="zh-CN" sz="1200" dirty="0" err="1" smtClean="0"/>
+              <a:t>DisplayContainer</a:t>
+            </a:r>
+            <a:r>
+              <a:rPr lang="en-US" altLang="zh-CN" sz="1200" dirty="0" smtClean="0"/>
+              <a:t>)</a:t>
+            </a:r>
+            <a:endParaRPr lang="zh-CN" altLang="en-US" sz="1200" dirty="0"/>
+          </a:p>
+        </p:txBody>
+      </p:sp>
+      <p:cxnSp>
+        <p:nvCxnSpPr>
+          <p:cNvPr id="41" name="直接连接符 14"/>
+          <p:cNvCxnSpPr>
+            <a:stCxn id="125" idx="2"/>
+            <a:endCxn id="40" idx="1"/>
+          </p:cNvCxnSpPr>
+          <p:nvPr/>
+        </p:nvCxnSpPr>
+        <p:spPr>
+          <a:xfrm rot="16200000" flipH="1">
+            <a:off x="3544970" y="2564578"/>
+            <a:ext cx="306994" cy="421421"/>
+          </a:xfrm>
+          <a:prstGeom prst="bentConnector2">
+            <a:avLst/>
+          </a:prstGeom>
+          <a:ln>
+            <a:tailEnd type="triangle" w="med" len="lg"/>
+          </a:ln>
+        </p:spPr>
+        <p:style>
+          <a:lnRef idx="1">
+            <a:schemeClr val="accent1"/>
+          </a:lnRef>
+          <a:fillRef idx="0">
+            <a:schemeClr val="accent1"/>
+          </a:fillRef>
+          <a:effectRef idx="0">
+            <a:schemeClr val="accent1"/>
+          </a:effectRef>
+          <a:fontRef idx="minor">
+            <a:schemeClr val="tx1"/>
+          </a:fontRef>
+        </p:style>
+      </p:cxnSp>
+      <p:sp>
+        <p:nvSpPr>
+          <p:cNvPr id="49" name="圆角矩形 48"/>
+          <p:cNvSpPr/>
+          <p:nvPr/>
+        </p:nvSpPr>
+        <p:spPr>
+          <a:xfrm>
+            <a:off x="5362885" y="3218877"/>
+            <a:ext cx="1420493" cy="216024"/>
+          </a:xfrm>
+          <a:prstGeom prst="roundRect">
+            <a:avLst/>
+          </a:prstGeom>
+        </p:spPr>
+        <p:style>
+          <a:lnRef idx="1">
+            <a:schemeClr val="accent4"/>
+          </a:lnRef>
+          <a:fillRef idx="2">
+            <a:schemeClr val="accent4"/>
+          </a:fillRef>
+          <a:effectRef idx="1">
+            <a:schemeClr val="accent4"/>
+          </a:effectRef>
+          <a:fontRef idx="minor">
+            <a:schemeClr val="dk1"/>
+          </a:fontRef>
+        </p:style>
+        <p:txBody>
+          <a:bodyPr lIns="0" tIns="0" rIns="0" bIns="0" rtlCol="0" anchor="ctr" anchorCtr="1"/>
+          <a:lstStyle/>
+          <a:p>
+            <a:pPr algn="ctr"/>
+            <a:r>
+              <a:rPr lang="zh-CN" altLang="en-US" sz="1200" smtClean="0"/>
+              <a:t>空间对象</a:t>
+            </a:r>
+            <a:r>
+              <a:rPr lang="en-US" altLang="zh-CN" sz="1200" smtClean="0"/>
+              <a:t>(Spatial</a:t>
+            </a:r>
+            <a:r>
+              <a:rPr lang="en-US" altLang="zh-CN" sz="1200" dirty="0" smtClean="0"/>
+              <a:t>)</a:t>
+            </a:r>
+            <a:endParaRPr lang="zh-CN" altLang="en-US" sz="1200" dirty="0"/>
+          </a:p>
+        </p:txBody>
+      </p:sp>
+      <p:cxnSp>
+        <p:nvCxnSpPr>
+          <p:cNvPr id="50" name="直接连接符 14"/>
+          <p:cNvCxnSpPr>
+            <a:stCxn id="40" idx="2"/>
+            <a:endCxn id="49" idx="1"/>
+          </p:cNvCxnSpPr>
+          <p:nvPr/>
+        </p:nvCxnSpPr>
+        <p:spPr>
+          <a:xfrm rot="16200000" flipH="1">
+            <a:off x="4959038" y="2923041"/>
+            <a:ext cx="290091" cy="517603"/>
+          </a:xfrm>
+          <a:prstGeom prst="bentConnector2">
+            <a:avLst/>
+          </a:prstGeom>
+          <a:ln>
+            <a:tailEnd type="triangle" w="med" len="lg"/>
+          </a:ln>
+        </p:spPr>
+        <p:style>
+          <a:lnRef idx="1">
+            <a:schemeClr val="accent1"/>
+          </a:lnRef>
+          <a:fillRef idx="0">
+            <a:schemeClr val="accent1"/>
+          </a:fillRef>
+          <a:effectRef idx="0">
+            <a:schemeClr val="accent1"/>
+          </a:effectRef>
+          <a:fontRef idx="minor">
+            <a:schemeClr val="tx1"/>
+          </a:fontRef>
+        </p:style>
+      </p:cxnSp>
+      <p:sp>
+        <p:nvSpPr>
+          <p:cNvPr id="30" name="圆角矩形 29"/>
+          <p:cNvSpPr/>
+          <p:nvPr/>
+        </p:nvSpPr>
+        <p:spPr>
+          <a:xfrm>
+            <a:off x="6444208" y="2808493"/>
+            <a:ext cx="1368152" cy="216024"/>
           </a:xfrm>
           <a:prstGeom prst="roundRect">
             <a:avLst/>
@@ -7160,14 +8335,14 @@
           <a:p>
             <a:pPr algn="ctr"/>
             <a:r>
-              <a:rPr lang="zh-CN" altLang="en-US" sz="1200"/>
-              <a:t>用户</a:t>
-            </a:r>
-            <a:r>
-              <a:rPr lang="zh-CN" altLang="en-US" sz="1200" smtClean="0"/>
-              <a:t>空间</a:t>
-            </a:r>
-            <a:endParaRPr lang="zh-CN" altLang="en-US" sz="1200"/>
+              <a:rPr lang="zh-CN" altLang="en-US" sz="1200" dirty="0" smtClean="0"/>
+              <a:t>精灵</a:t>
+            </a:r>
+            <a:r>
+              <a:rPr lang="en-US" altLang="zh-CN" sz="1200" dirty="0" smtClean="0"/>
+              <a:t>(Sprite)</a:t>
+            </a:r>
+            <a:endParaRPr lang="zh-CN" altLang="en-US" sz="1200" dirty="0"/>
           </a:p>
         </p:txBody>
       </p:sp>
@@ -7175,17 +8350,17 @@
         <p:nvCxnSpPr>
           <p:cNvPr id="38" name="直接连接符 14"/>
           <p:cNvCxnSpPr>
-            <a:stCxn id="3" idx="2"/>
-            <a:endCxn id="36" idx="1"/>
+            <a:stCxn id="40" idx="3"/>
+            <a:endCxn id="30" idx="1"/>
           </p:cNvCxnSpPr>
           <p:nvPr/>
         </p:nvCxnSpPr>
         <p:spPr>
-          <a:xfrm rot="16200000" flipH="1">
-            <a:off x="443975" y="1948363"/>
-            <a:ext cx="2078640" cy="447326"/>
-          </a:xfrm>
-          <a:prstGeom prst="bentConnector2">
+          <a:xfrm flipV="1">
+            <a:off x="5781386" y="2916505"/>
+            <a:ext cx="662822" cy="12281"/>
+          </a:xfrm>
+          <a:prstGeom prst="straightConnector1">
             <a:avLst/>
           </a:prstGeom>
           <a:ln>
@@ -7209,14 +8384,14 @@
       </p:cxnSp>
       <p:sp>
         <p:nvSpPr>
-          <p:cNvPr id="42" name="圆角矩形 41"/>
+          <p:cNvPr id="56" name="圆角矩形 55"/>
           <p:cNvSpPr/>
           <p:nvPr/>
         </p:nvSpPr>
         <p:spPr>
           <a:xfrm>
-            <a:off x="1695776" y="3467775"/>
-            <a:ext cx="1420493" cy="216024"/>
+            <a:off x="7524328" y="1996802"/>
+            <a:ext cx="1368152" cy="216024"/>
           </a:xfrm>
           <a:prstGeom prst="roundRect">
             <a:avLst/>
@@ -7224,13 +8399,13 @@
         </p:spPr>
         <p:style>
           <a:lnRef idx="1">
-            <a:schemeClr val="accent6"/>
+            <a:schemeClr val="accent3"/>
           </a:lnRef>
           <a:fillRef idx="2">
-            <a:schemeClr val="accent6"/>
+            <a:schemeClr val="accent3"/>
           </a:fillRef>
           <a:effectRef idx="1">
-            <a:schemeClr val="accent6"/>
+            <a:schemeClr val="accent3"/>
           </a:effectRef>
           <a:fontRef idx="minor">
             <a:schemeClr val="dk1"/>
@@ -7242,26 +8417,30 @@
           <a:p>
             <a:pPr algn="ctr"/>
             <a:r>
-              <a:rPr lang="zh-CN" altLang="en-US" sz="1200" smtClean="0"/>
-              <a:t>论坛</a:t>
-            </a:r>
-            <a:endParaRPr lang="zh-CN" altLang="en-US" sz="1200"/>
+              <a:rPr lang="zh-CN" altLang="en-US" sz="1200" dirty="0" smtClean="0"/>
+              <a:t>画板</a:t>
+            </a:r>
+            <a:r>
+              <a:rPr lang="en-US" altLang="zh-CN" sz="1200" dirty="0" smtClean="0"/>
+              <a:t>(Canvas)</a:t>
+            </a:r>
+            <a:endParaRPr lang="zh-CN" altLang="en-US" sz="1200" dirty="0"/>
           </a:p>
         </p:txBody>
       </p:sp>
       <p:cxnSp>
         <p:nvCxnSpPr>
-          <p:cNvPr id="43" name="直接连接符 14"/>
+          <p:cNvPr id="57" name="直接连接符 14"/>
           <p:cNvCxnSpPr>
-            <a:stCxn id="3" idx="2"/>
-            <a:endCxn id="42" idx="1"/>
+            <a:stCxn id="56" idx="2"/>
+            <a:endCxn id="30" idx="3"/>
           </p:cNvCxnSpPr>
           <p:nvPr/>
         </p:nvCxnSpPr>
         <p:spPr>
-          <a:xfrm rot="16200000" flipH="1">
-            <a:off x="256164" y="2136174"/>
-            <a:ext cx="2443081" cy="436144"/>
+          <a:xfrm rot="5400000">
+            <a:off x="7658543" y="2366643"/>
+            <a:ext cx="703679" cy="396044"/>
           </a:xfrm>
           <a:prstGeom prst="bentConnector2">
             <a:avLst/>
@@ -7285,107 +8464,19 @@
           </a:fontRef>
         </p:style>
       </p:cxnSp>
-      <p:sp>
-        <p:nvSpPr>
-          <p:cNvPr id="15" name="圆角矩形 14"/>
-          <p:cNvSpPr/>
-          <p:nvPr/>
-        </p:nvSpPr>
-        <p:spPr>
-          <a:xfrm>
-            <a:off x="2685706" y="1645566"/>
-            <a:ext cx="1420493" cy="216024"/>
-          </a:xfrm>
-          <a:prstGeom prst="roundRect">
-            <a:avLst/>
-          </a:prstGeom>
-        </p:spPr>
-        <p:style>
-          <a:lnRef idx="1">
-            <a:schemeClr val="accent6"/>
-          </a:lnRef>
-          <a:fillRef idx="2">
-            <a:schemeClr val="accent6"/>
-          </a:fillRef>
-          <a:effectRef idx="1">
-            <a:schemeClr val="accent6"/>
-          </a:effectRef>
-          <a:fontRef idx="minor">
-            <a:schemeClr val="dk1"/>
-          </a:fontRef>
-        </p:style>
-        <p:txBody>
-          <a:bodyPr lIns="0" tIns="0" rIns="0" bIns="0" rtlCol="0" anchor="ctr" anchorCtr="1"/>
-          <a:lstStyle/>
-          <a:p>
-            <a:pPr algn="ctr"/>
-            <a:r>
-              <a:rPr lang="zh-CN" altLang="en-US" sz="1200" smtClean="0"/>
-              <a:t>资源列表</a:t>
-            </a:r>
-            <a:endParaRPr lang="zh-CN" altLang="en-US" sz="1200"/>
-          </a:p>
-        </p:txBody>
-      </p:sp>
-      <p:sp>
-        <p:nvSpPr>
-          <p:cNvPr id="16" name="圆角矩形 15"/>
-          <p:cNvSpPr/>
-          <p:nvPr/>
-        </p:nvSpPr>
-        <p:spPr>
-          <a:xfrm>
-            <a:off x="2685704" y="2374450"/>
-            <a:ext cx="1420493" cy="216024"/>
-          </a:xfrm>
-          <a:prstGeom prst="roundRect">
-            <a:avLst/>
-          </a:prstGeom>
-        </p:spPr>
-        <p:style>
-          <a:lnRef idx="1">
-            <a:schemeClr val="dk1"/>
-          </a:lnRef>
-          <a:fillRef idx="2">
-            <a:schemeClr val="dk1"/>
-          </a:fillRef>
-          <a:effectRef idx="1">
-            <a:schemeClr val="dk1"/>
-          </a:effectRef>
-          <a:fontRef idx="minor">
-            <a:schemeClr val="dk1"/>
-          </a:fontRef>
-        </p:style>
-        <p:txBody>
-          <a:bodyPr lIns="0" tIns="0" rIns="0" bIns="0" rtlCol="0" anchor="ctr" anchorCtr="1"/>
-          <a:lstStyle/>
-          <a:p>
-            <a:pPr algn="ctr"/>
-            <a:r>
-              <a:rPr lang="zh-CN" altLang="en-US" sz="1200"/>
-              <a:t>新闻</a:t>
-            </a:r>
-            <a:r>
-              <a:rPr lang="zh-CN" altLang="en-US" sz="1200" smtClean="0"/>
-              <a:t>列表</a:t>
-            </a:r>
-            <a:endParaRPr lang="zh-CN" altLang="en-US" sz="1200"/>
-          </a:p>
-        </p:txBody>
-      </p:sp>
       <p:cxnSp>
         <p:nvCxnSpPr>
-          <p:cNvPr id="17" name="直接连接符 14"/>
+          <p:cNvPr id="60" name="直接连接符 14"/>
           <p:cNvCxnSpPr>
-            <a:stCxn id="31" idx="2"/>
-            <a:endCxn id="15" idx="1"/>
+            <a:stCxn id="56" idx="2"/>
+            <a:endCxn id="83" idx="3"/>
           </p:cNvCxnSpPr>
           <p:nvPr/>
         </p:nvCxnSpPr>
         <p:spPr>
-          <a:xfrm rot="16200000" flipH="1">
-            <a:off x="2417650" y="1485522"/>
-            <a:ext cx="256430" cy="279682"/>
+          <a:xfrm rot="5400000">
+            <a:off x="7858961" y="2166225"/>
+            <a:ext cx="302843" cy="396044"/>
           </a:xfrm>
           <a:prstGeom prst="bentConnector2">
             <a:avLst/>
@@ -7409,19 +8500,77 @@
           </a:fontRef>
         </p:style>
       </p:cxnSp>
+      <p:sp>
+        <p:nvSpPr>
+          <p:cNvPr id="76" name="圆角矩形 75"/>
+          <p:cNvSpPr/>
+          <p:nvPr/>
+        </p:nvSpPr>
+        <p:spPr>
+          <a:xfrm>
+            <a:off x="4039284" y="4373066"/>
+            <a:ext cx="2260908" cy="216024"/>
+          </a:xfrm>
+          <a:prstGeom prst="roundRect">
+            <a:avLst/>
+          </a:prstGeom>
+        </p:spPr>
+        <p:style>
+          <a:lnRef idx="1">
+            <a:schemeClr val="accent4"/>
+          </a:lnRef>
+          <a:fillRef idx="2">
+            <a:schemeClr val="accent4"/>
+          </a:fillRef>
+          <a:effectRef idx="1">
+            <a:schemeClr val="accent4"/>
+          </a:effectRef>
+          <a:fontRef idx="minor">
+            <a:schemeClr val="dk1"/>
+          </a:fontRef>
+        </p:style>
+        <p:txBody>
+          <a:bodyPr lIns="0" tIns="0" rIns="0" bIns="0" rtlCol="0" anchor="ctr" anchorCtr="1"/>
+          <a:lstStyle/>
+          <a:p>
+            <a:pPr algn="ctr"/>
+            <a:r>
+              <a:rPr lang="zh-CN" altLang="en-US" sz="1200" dirty="0" smtClean="0"/>
+              <a:t>网格渲染</a:t>
+            </a:r>
+            <a:r>
+              <a:rPr lang="zh-CN" altLang="en-US" sz="1200" dirty="0" smtClean="0"/>
+              <a:t>对象</a:t>
+            </a:r>
+            <a:r>
+              <a:rPr lang="en-US" altLang="zh-CN" sz="1200" dirty="0" smtClean="0"/>
+              <a:t>(</a:t>
+            </a:r>
+            <a:r>
+              <a:rPr lang="en-US" altLang="zh-CN" sz="1200" dirty="0" err="1" smtClean="0"/>
+              <a:t>MeshRenderable</a:t>
+            </a:r>
+            <a:r>
+              <a:rPr lang="en-US" altLang="zh-CN" sz="1200" dirty="0" smtClean="0"/>
+              <a:t>)</a:t>
+            </a:r>
+            <a:endParaRPr lang="zh-CN" altLang="en-US" sz="1200" dirty="0"/>
+          </a:p>
+        </p:txBody>
+      </p:sp>
       <p:cxnSp>
         <p:nvCxnSpPr>
-          <p:cNvPr id="20" name="直接连接符 14"/>
+          <p:cNvPr id="77" name="直接连接符 14"/>
           <p:cNvCxnSpPr>
-            <a:stCxn id="31" idx="2"/>
-            <a:endCxn id="16" idx="1"/>
+            <a:stCxn id="131" idx="2"/>
+            <a:endCxn id="76" idx="1"/>
           </p:cNvCxnSpPr>
           <p:nvPr/>
         </p:nvCxnSpPr>
         <p:spPr>
           <a:xfrm rot="16200000" flipH="1">
-            <a:off x="2053207" y="1849965"/>
-            <a:ext cx="985314" cy="279680"/>
+            <a:off x="3626277" y="4068070"/>
+            <a:ext cx="392333" cy="433682"/>
           </a:xfrm>
           <a:prstGeom prst="bentConnector2">
             <a:avLst/>
@@ -7447,14 +8596,14 @@
       </p:cxnSp>
       <p:sp>
         <p:nvSpPr>
-          <p:cNvPr id="26" name="圆角矩形 25"/>
+          <p:cNvPr id="83" name="圆角矩形 82"/>
           <p:cNvSpPr/>
           <p:nvPr/>
         </p:nvSpPr>
         <p:spPr>
           <a:xfrm>
-            <a:off x="2685703" y="2738892"/>
-            <a:ext cx="1420493" cy="216024"/>
+            <a:off x="6444208" y="2407657"/>
+            <a:ext cx="1368152" cy="216024"/>
           </a:xfrm>
           <a:prstGeom prst="roundRect">
             <a:avLst/>
@@ -7462,16 +8611,16 @@
         </p:spPr>
         <p:style>
           <a:lnRef idx="1">
+            <a:schemeClr val="accent6"/>
+          </a:lnRef>
+          <a:fillRef idx="2">
+            <a:schemeClr val="accent6"/>
+          </a:fillRef>
+          <a:effectRef idx="1">
+            <a:schemeClr val="accent6"/>
+          </a:effectRef>
+          <a:fontRef idx="minor">
             <a:schemeClr val="dk1"/>
-          </a:lnRef>
-          <a:fillRef idx="2">
-            <a:schemeClr val="dk1"/>
-          </a:fillRef>
-          <a:effectRef idx="1">
-            <a:schemeClr val="dk1"/>
-          </a:effectRef>
-          <a:fontRef idx="minor">
-            <a:schemeClr val="dk1"/>
           </a:fontRef>
         </p:style>
         <p:txBody>
@@ -7480,32 +8629,32 @@
           <a:p>
             <a:pPr algn="ctr"/>
             <a:r>
-              <a:rPr lang="zh-CN" altLang="en-US" sz="1200"/>
-              <a:t>人员</a:t>
-            </a:r>
-            <a:r>
-              <a:rPr lang="zh-CN" altLang="en-US" sz="1200" smtClean="0"/>
-              <a:t>列表</a:t>
-            </a:r>
-            <a:endParaRPr lang="zh-CN" altLang="en-US" sz="1200"/>
+              <a:rPr lang="zh-CN" altLang="en-US" sz="1200" dirty="0"/>
+              <a:t>图片</a:t>
+            </a:r>
+            <a:r>
+              <a:rPr lang="en-US" altLang="zh-CN" sz="1200" dirty="0" smtClean="0"/>
+              <a:t>(Bitmap)</a:t>
+            </a:r>
+            <a:endParaRPr lang="zh-CN" altLang="en-US" sz="1200" dirty="0"/>
           </a:p>
         </p:txBody>
       </p:sp>
       <p:cxnSp>
         <p:nvCxnSpPr>
-          <p:cNvPr id="27" name="直接连接符 14"/>
+          <p:cNvPr id="84" name="直接连接符 14"/>
           <p:cNvCxnSpPr>
-            <a:stCxn id="31" idx="2"/>
-            <a:endCxn id="26" idx="1"/>
+            <a:stCxn id="125" idx="3"/>
+            <a:endCxn id="83" idx="1"/>
           </p:cNvCxnSpPr>
           <p:nvPr/>
         </p:nvCxnSpPr>
         <p:spPr>
-          <a:xfrm rot="16200000" flipH="1">
-            <a:off x="1870985" y="2032186"/>
-            <a:ext cx="1349756" cy="279679"/>
-          </a:xfrm>
-          <a:prstGeom prst="bentConnector2">
+          <a:xfrm>
+            <a:off x="4198003" y="2513780"/>
+            <a:ext cx="2246205" cy="1889"/>
+          </a:xfrm>
+          <a:prstGeom prst="straightConnector1">
             <a:avLst/>
           </a:prstGeom>
           <a:ln>
@@ -7527,65 +8676,19 @@
           </a:fontRef>
         </p:style>
       </p:cxnSp>
-      <p:sp>
-        <p:nvSpPr>
-          <p:cNvPr id="39" name="圆角矩形 38"/>
-          <p:cNvSpPr/>
-          <p:nvPr/>
-        </p:nvSpPr>
-        <p:spPr>
-          <a:xfrm>
-            <a:off x="2685705" y="2010008"/>
-            <a:ext cx="1420493" cy="216024"/>
-          </a:xfrm>
-          <a:prstGeom prst="roundRect">
-            <a:avLst/>
-          </a:prstGeom>
-        </p:spPr>
-        <p:style>
-          <a:lnRef idx="1">
-            <a:schemeClr val="accent2"/>
-          </a:lnRef>
-          <a:fillRef idx="2">
-            <a:schemeClr val="accent2"/>
-          </a:fillRef>
-          <a:effectRef idx="1">
-            <a:schemeClr val="accent2"/>
-          </a:effectRef>
-          <a:fontRef idx="minor">
-            <a:schemeClr val="dk1"/>
-          </a:fontRef>
-        </p:style>
-        <p:txBody>
-          <a:bodyPr lIns="0" tIns="0" rIns="0" bIns="0" rtlCol="0" anchor="ctr" anchorCtr="1"/>
-          <a:lstStyle/>
-          <a:p>
-            <a:pPr algn="ctr"/>
-            <a:r>
-              <a:rPr lang="zh-CN" altLang="en-US" sz="1200"/>
-              <a:t>悬赏</a:t>
-            </a:r>
-            <a:r>
-              <a:rPr lang="zh-CN" altLang="en-US" sz="1200" smtClean="0"/>
-              <a:t>列表</a:t>
-            </a:r>
-            <a:endParaRPr lang="zh-CN" altLang="en-US" sz="1200"/>
-          </a:p>
-        </p:txBody>
-      </p:sp>
       <p:cxnSp>
         <p:nvCxnSpPr>
-          <p:cNvPr id="40" name="直接连接符 14"/>
+          <p:cNvPr id="99" name="直接连接符 14"/>
           <p:cNvCxnSpPr>
-            <a:stCxn id="31" idx="2"/>
-            <a:endCxn id="39" idx="1"/>
+            <a:stCxn id="40" idx="2"/>
+            <a:endCxn id="102" idx="1"/>
           </p:cNvCxnSpPr>
           <p:nvPr/>
         </p:nvCxnSpPr>
         <p:spPr>
           <a:xfrm rot="16200000" flipH="1">
-            <a:off x="2235428" y="1667743"/>
-            <a:ext cx="620872" cy="279681"/>
+            <a:off x="4797820" y="3084260"/>
+            <a:ext cx="652192" cy="557268"/>
           </a:xfrm>
           <a:prstGeom prst="bentConnector2">
             <a:avLst/>
@@ -7611,14 +8714,14 @@
       </p:cxnSp>
       <p:sp>
         <p:nvSpPr>
-          <p:cNvPr id="49" name="圆角矩形 48"/>
+          <p:cNvPr id="102" name="圆角矩形 101"/>
           <p:cNvSpPr/>
           <p:nvPr/>
         </p:nvSpPr>
         <p:spPr>
           <a:xfrm>
-            <a:off x="4860033" y="1279586"/>
-            <a:ext cx="1080120" cy="216024"/>
+            <a:off x="5402550" y="3580978"/>
+            <a:ext cx="1420493" cy="216024"/>
           </a:xfrm>
           <a:prstGeom prst="roundRect">
             <a:avLst/>
@@ -7626,13 +8729,13 @@
         </p:spPr>
         <p:style>
           <a:lnRef idx="1">
-            <a:schemeClr val="accent6"/>
+            <a:schemeClr val="accent4"/>
           </a:lnRef>
           <a:fillRef idx="2">
-            <a:schemeClr val="accent6"/>
+            <a:schemeClr val="accent4"/>
           </a:fillRef>
           <a:effectRef idx="1">
-            <a:schemeClr val="accent6"/>
+            <a:schemeClr val="accent4"/>
           </a:effectRef>
           <a:fontRef idx="minor">
             <a:schemeClr val="dk1"/>
@@ -7644,286 +8747,33 @@
           <a:p>
             <a:pPr algn="ctr"/>
             <a:r>
-              <a:rPr lang="zh-CN" altLang="en-US" sz="1200"/>
-              <a:t>用户</a:t>
-            </a:r>
-          </a:p>
-        </p:txBody>
-      </p:sp>
-      <p:cxnSp>
-        <p:nvCxnSpPr>
-          <p:cNvPr id="50" name="直接连接符 14"/>
-          <p:cNvCxnSpPr>
-            <a:stCxn id="31" idx="3"/>
-            <a:endCxn id="49" idx="1"/>
-          </p:cNvCxnSpPr>
-          <p:nvPr/>
-        </p:nvCxnSpPr>
-        <p:spPr>
-          <a:xfrm flipV="1">
-            <a:off x="3116270" y="1387598"/>
-            <a:ext cx="1743763" cy="1538"/>
-          </a:xfrm>
-          <a:prstGeom prst="straightConnector1">
-            <a:avLst/>
-          </a:prstGeom>
-          <a:ln>
-            <a:tailEnd type="triangle" w="med" len="lg"/>
-          </a:ln>
-        </p:spPr>
-        <p:style>
-          <a:lnRef idx="1">
-            <a:schemeClr val="accent1"/>
-          </a:lnRef>
-          <a:fillRef idx="0">
-            <a:schemeClr val="accent1"/>
-          </a:fillRef>
-          <a:effectRef idx="0">
-            <a:schemeClr val="accent1"/>
-          </a:effectRef>
-          <a:fontRef idx="minor">
-            <a:schemeClr val="tx1"/>
-          </a:fontRef>
-        </p:style>
-      </p:cxnSp>
-      <p:sp>
-        <p:nvSpPr>
-          <p:cNvPr id="52" name="圆角矩形 51"/>
-          <p:cNvSpPr/>
-          <p:nvPr/>
-        </p:nvSpPr>
-        <p:spPr>
-          <a:xfrm>
-            <a:off x="4860032" y="1605587"/>
-            <a:ext cx="1080121" cy="216024"/>
-          </a:xfrm>
-          <a:prstGeom prst="roundRect">
-            <a:avLst/>
-          </a:prstGeom>
-        </p:spPr>
-        <p:style>
-          <a:lnRef idx="1">
-            <a:schemeClr val="accent2"/>
-          </a:lnRef>
-          <a:fillRef idx="2">
-            <a:schemeClr val="accent2"/>
-          </a:fillRef>
-          <a:effectRef idx="1">
-            <a:schemeClr val="accent2"/>
-          </a:effectRef>
-          <a:fontRef idx="minor">
-            <a:schemeClr val="dk1"/>
-          </a:fontRef>
-        </p:style>
-        <p:txBody>
-          <a:bodyPr lIns="0" tIns="0" rIns="0" bIns="0" rtlCol="0" anchor="ctr" anchorCtr="1"/>
-          <a:lstStyle/>
-          <a:p>
-            <a:pPr algn="ctr"/>
-            <a:r>
-              <a:rPr lang="zh-CN" altLang="en-US" sz="1200"/>
-              <a:t>充值</a:t>
-            </a:r>
-          </a:p>
-        </p:txBody>
-      </p:sp>
-      <p:cxnSp>
-        <p:nvCxnSpPr>
-          <p:cNvPr id="53" name="直接连接符 14"/>
-          <p:cNvCxnSpPr>
-            <a:stCxn id="31" idx="3"/>
-            <a:endCxn id="52" idx="1"/>
-          </p:cNvCxnSpPr>
-          <p:nvPr/>
-        </p:nvCxnSpPr>
-        <p:spPr>
-          <a:xfrm>
-            <a:off x="3116270" y="1389136"/>
-            <a:ext cx="1743762" cy="324463"/>
-          </a:xfrm>
-          <a:prstGeom prst="straightConnector1">
-            <a:avLst/>
-          </a:prstGeom>
-          <a:ln>
-            <a:tailEnd type="triangle" w="med" len="lg"/>
-          </a:ln>
-        </p:spPr>
-        <p:style>
-          <a:lnRef idx="1">
-            <a:schemeClr val="accent1"/>
-          </a:lnRef>
-          <a:fillRef idx="0">
-            <a:schemeClr val="accent1"/>
-          </a:fillRef>
-          <a:effectRef idx="0">
-            <a:schemeClr val="accent1"/>
-          </a:effectRef>
-          <a:fontRef idx="minor">
-            <a:schemeClr val="tx1"/>
-          </a:fontRef>
-        </p:style>
-      </p:cxnSp>
-      <p:sp>
-        <p:nvSpPr>
-          <p:cNvPr id="60" name="圆角矩形 59"/>
-          <p:cNvSpPr/>
-          <p:nvPr/>
-        </p:nvSpPr>
-        <p:spPr>
-          <a:xfrm>
-            <a:off x="6396548" y="1279586"/>
-            <a:ext cx="1080120" cy="216024"/>
-          </a:xfrm>
-          <a:prstGeom prst="roundRect">
-            <a:avLst/>
-          </a:prstGeom>
-        </p:spPr>
-        <p:style>
-          <a:lnRef idx="1">
-            <a:schemeClr val="accent6"/>
-          </a:lnRef>
-          <a:fillRef idx="2">
-            <a:schemeClr val="accent6"/>
-          </a:fillRef>
-          <a:effectRef idx="1">
-            <a:schemeClr val="accent6"/>
-          </a:effectRef>
-          <a:fontRef idx="minor">
-            <a:schemeClr val="dk1"/>
-          </a:fontRef>
-        </p:style>
-        <p:txBody>
-          <a:bodyPr lIns="0" tIns="0" rIns="0" bIns="0" rtlCol="0" anchor="ctr" anchorCtr="1"/>
-          <a:lstStyle/>
-          <a:p>
-            <a:pPr algn="ctr"/>
-            <a:r>
-              <a:rPr lang="zh-CN" altLang="en-US" sz="1200"/>
-              <a:t>注册</a:t>
-            </a:r>
-          </a:p>
-        </p:txBody>
-      </p:sp>
-      <p:sp>
-        <p:nvSpPr>
-          <p:cNvPr id="61" name="圆角矩形 60"/>
-          <p:cNvSpPr/>
-          <p:nvPr/>
-        </p:nvSpPr>
-        <p:spPr>
-          <a:xfrm>
-            <a:off x="6396548" y="1607777"/>
-            <a:ext cx="1080120" cy="216024"/>
-          </a:xfrm>
-          <a:prstGeom prst="roundRect">
-            <a:avLst/>
-          </a:prstGeom>
-        </p:spPr>
-        <p:style>
-          <a:lnRef idx="1">
-            <a:schemeClr val="accent6"/>
-          </a:lnRef>
-          <a:fillRef idx="2">
-            <a:schemeClr val="accent6"/>
-          </a:fillRef>
-          <a:effectRef idx="1">
-            <a:schemeClr val="accent6"/>
-          </a:effectRef>
-          <a:fontRef idx="minor">
-            <a:schemeClr val="dk1"/>
-          </a:fontRef>
-        </p:style>
-        <p:txBody>
-          <a:bodyPr lIns="0" tIns="0" rIns="0" bIns="0" rtlCol="0" anchor="ctr" anchorCtr="1"/>
-          <a:lstStyle/>
-          <a:p>
-            <a:pPr algn="ctr"/>
-            <a:r>
-              <a:rPr lang="zh-CN" altLang="en-US" sz="1200" smtClean="0"/>
-              <a:t>登录</a:t>
-            </a:r>
-            <a:endParaRPr lang="zh-CN" altLang="en-US" sz="1200"/>
-          </a:p>
-        </p:txBody>
-      </p:sp>
-      <p:cxnSp>
-        <p:nvCxnSpPr>
-          <p:cNvPr id="62" name="直接连接符 14"/>
-          <p:cNvCxnSpPr>
-            <a:stCxn id="49" idx="3"/>
-            <a:endCxn id="60" idx="1"/>
-          </p:cNvCxnSpPr>
-          <p:nvPr/>
-        </p:nvCxnSpPr>
-        <p:spPr>
-          <a:xfrm>
-            <a:off x="5940153" y="1387598"/>
-            <a:ext cx="456395" cy="0"/>
-          </a:xfrm>
-          <a:prstGeom prst="straightConnector1">
-            <a:avLst/>
-          </a:prstGeom>
-          <a:ln>
-            <a:tailEnd type="triangle" w="med" len="lg"/>
-          </a:ln>
-        </p:spPr>
-        <p:style>
-          <a:lnRef idx="1">
-            <a:schemeClr val="accent1"/>
-          </a:lnRef>
-          <a:fillRef idx="0">
-            <a:schemeClr val="accent1"/>
-          </a:fillRef>
-          <a:effectRef idx="0">
-            <a:schemeClr val="accent1"/>
-          </a:effectRef>
-          <a:fontRef idx="minor">
-            <a:schemeClr val="tx1"/>
-          </a:fontRef>
-        </p:style>
-      </p:cxnSp>
-      <p:cxnSp>
-        <p:nvCxnSpPr>
-          <p:cNvPr id="66" name="直接连接符 14"/>
-          <p:cNvCxnSpPr>
-            <a:stCxn id="49" idx="3"/>
-            <a:endCxn id="61" idx="1"/>
-          </p:cNvCxnSpPr>
-          <p:nvPr/>
-        </p:nvCxnSpPr>
-        <p:spPr>
-          <a:xfrm>
-            <a:off x="5940153" y="1387598"/>
-            <a:ext cx="456395" cy="328191"/>
-          </a:xfrm>
-          <a:prstGeom prst="bentConnector3">
-            <a:avLst>
-              <a:gd name="adj1" fmla="val 50000"/>
-            </a:avLst>
-          </a:prstGeom>
-          <a:ln>
-            <a:tailEnd type="triangle" w="med" len="lg"/>
-          </a:ln>
-        </p:spPr>
-        <p:style>
-          <a:lnRef idx="1">
-            <a:schemeClr val="accent1"/>
-          </a:lnRef>
-          <a:fillRef idx="0">
-            <a:schemeClr val="accent1"/>
-          </a:fillRef>
-          <a:effectRef idx="0">
-            <a:schemeClr val="accent1"/>
-          </a:effectRef>
-          <a:fontRef idx="minor">
-            <a:schemeClr val="tx1"/>
-          </a:fontRef>
-        </p:style>
-      </p:cxnSp>
+              <a:rPr lang="zh-CN" altLang="en-US" sz="1200" dirty="0" smtClean="0"/>
+              <a:t>显示</a:t>
+            </a:r>
+            <a:r>
+              <a:rPr lang="zh-CN" altLang="en-US" sz="1200" dirty="0"/>
+              <a:t>层</a:t>
+            </a:r>
+            <a:r>
+              <a:rPr lang="en-US" altLang="zh-CN" sz="1200" dirty="0" smtClean="0"/>
+              <a:t>(</a:t>
+            </a:r>
+            <a:r>
+              <a:rPr lang="en-US" altLang="zh-CN" sz="1200" dirty="0" err="1" smtClean="0"/>
+              <a:t>DisplayLayer</a:t>
+            </a:r>
+            <a:r>
+              <a:rPr lang="en-US" altLang="zh-CN" sz="1200" dirty="0" smtClean="0"/>
+              <a:t>)</a:t>
+            </a:r>
+            <a:endParaRPr lang="zh-CN" altLang="en-US" sz="1200" dirty="0"/>
+          </a:p>
+        </p:txBody>
+      </p:sp>
     </p:spTree>
     <p:extLst>
       <p:ext uri="{BB962C8B-B14F-4D97-AF65-F5344CB8AC3E}">
-        <p14:creationId xmlns:p14="http://schemas.microsoft.com/office/powerpoint/2010/main" val="2364541809"/>
+        <p14:creationId xmlns:p14="http://schemas.microsoft.com/office/powerpoint/2010/main" val="4029057760"/>
       </p:ext>
     </p:extLst>
   </p:cSld>
@@ -7975,20 +8825,12 @@
           <a:lstStyle/>
           <a:p>
             <a:r>
-              <a:rPr lang="en-US" altLang="zh-CN" smtClean="0"/>
-              <a:t>WEB – </a:t>
-            </a:r>
-            <a:r>
-              <a:rPr lang="zh-CN" altLang="en-US" smtClean="0"/>
-              <a:t>前台 </a:t>
-            </a:r>
-            <a:r>
-              <a:rPr lang="en-US" altLang="zh-CN" smtClean="0"/>
-              <a:t>– </a:t>
-            </a:r>
-            <a:r>
-              <a:rPr lang="zh-CN" altLang="en-US" smtClean="0"/>
-              <a:t>用户空间</a:t>
+              <a:rPr lang="zh-CN" altLang="en-US" dirty="0"/>
+              <a:t>空间</a:t>
+            </a:r>
+            <a:r>
+              <a:rPr lang="zh-CN" altLang="en-US" dirty="0" smtClean="0"/>
+              <a:t>结构</a:t>
             </a:r>
             <a:endParaRPr lang="zh-CN" altLang="en-US" dirty="0"/>
           </a:p>
@@ -8002,8 +8844,8 @@
         </p:nvSpPr>
         <p:spPr>
           <a:xfrm>
-            <a:off x="1043608" y="1060698"/>
-            <a:ext cx="1008112" cy="216024"/>
+            <a:off x="395536" y="836476"/>
+            <a:ext cx="1368152" cy="216024"/>
           </a:xfrm>
           <a:prstGeom prst="roundRect">
             <a:avLst/>
@@ -8029,14 +8871,14 @@
           <a:p>
             <a:pPr algn="ctr"/>
             <a:r>
-              <a:rPr lang="zh-CN" altLang="en-US" sz="1200"/>
-              <a:t>用户</a:t>
-            </a:r>
-            <a:r>
-              <a:rPr lang="zh-CN" altLang="en-US" sz="1200" smtClean="0"/>
+              <a:rPr lang="zh-CN" altLang="en-US" sz="1200" dirty="0"/>
               <a:t>空间</a:t>
             </a:r>
-            <a:endParaRPr lang="zh-CN" altLang="en-US" sz="1200"/>
+            <a:r>
+              <a:rPr lang="en-US" altLang="zh-CN" sz="1200" dirty="0" smtClean="0"/>
+              <a:t>(Space)</a:t>
+            </a:r>
+            <a:endParaRPr lang="zh-CN" altLang="en-US" sz="1200" dirty="0"/>
           </a:p>
         </p:txBody>
       </p:sp>
@@ -8048,7 +8890,7 @@
         </p:nvSpPr>
         <p:spPr>
           <a:xfrm>
-            <a:off x="1979637" y="1445947"/>
+            <a:off x="1456231" y="2229951"/>
             <a:ext cx="1420493" cy="216024"/>
           </a:xfrm>
           <a:prstGeom prst="roundRect">
@@ -8057,13 +8899,13 @@
         </p:spPr>
         <p:style>
           <a:lnRef idx="1">
-            <a:schemeClr val="accent2"/>
+            <a:schemeClr val="accent4"/>
           </a:lnRef>
           <a:fillRef idx="2">
-            <a:schemeClr val="accent2"/>
+            <a:schemeClr val="accent4"/>
           </a:fillRef>
           <a:effectRef idx="1">
-            <a:schemeClr val="accent2"/>
+            <a:schemeClr val="accent4"/>
           </a:effectRef>
           <a:fontRef idx="minor">
             <a:schemeClr val="dk1"/>
@@ -8075,10 +8917,26 @@
           <a:p>
             <a:pPr algn="ctr"/>
             <a:r>
-              <a:rPr lang="zh-CN" altLang="en-US" sz="1200" smtClean="0"/>
-              <a:t>我的信息</a:t>
-            </a:r>
-            <a:endParaRPr lang="zh-CN" altLang="en-US" sz="1200"/>
+              <a:rPr lang="zh-CN" altLang="en-US" sz="1200" dirty="0"/>
+              <a:t>显示</a:t>
+            </a:r>
+            <a:r>
+              <a:rPr lang="zh-CN" altLang="en-US" sz="1200" dirty="0" smtClean="0"/>
+              <a:t>层</a:t>
+            </a:r>
+            <a:r>
+              <a:rPr lang="en-US" altLang="zh-CN" sz="1200" dirty="0" smtClean="0"/>
+              <a:t>(</a:t>
+            </a:r>
+            <a:r>
+              <a:rPr lang="en-US" altLang="zh-CN" sz="1200" dirty="0" err="1" smtClean="0"/>
+              <a:t>DisplayLayer</a:t>
+            </a:r>
+            <a:r>
+              <a:rPr lang="en-US" altLang="zh-CN" sz="1200" dirty="0" smtClean="0"/>
+              <a:t>)</a:t>
+            </a:r>
+            <a:endParaRPr lang="zh-CN" altLang="en-US" sz="1200" dirty="0"/>
           </a:p>
         </p:txBody>
       </p:sp>
@@ -8093,8 +8951,8 @@
         </p:nvCxnSpPr>
         <p:spPr>
           <a:xfrm rot="16200000" flipH="1">
-            <a:off x="1625032" y="1199353"/>
-            <a:ext cx="277237" cy="431973"/>
+            <a:off x="625190" y="1506921"/>
+            <a:ext cx="1285463" cy="376619"/>
           </a:xfrm>
           <a:prstGeom prst="bentConnector2">
             <a:avLst/>
@@ -8120,92 +8978,14 @@
       </p:cxnSp>
       <p:sp>
         <p:nvSpPr>
-          <p:cNvPr id="36" name="圆角矩形 35"/>
-          <p:cNvSpPr/>
-          <p:nvPr/>
-        </p:nvSpPr>
-        <p:spPr>
-          <a:xfrm>
-            <a:off x="1979637" y="2040089"/>
-            <a:ext cx="1420493" cy="216024"/>
-          </a:xfrm>
-          <a:prstGeom prst="roundRect">
-            <a:avLst/>
-          </a:prstGeom>
-        </p:spPr>
-        <p:style>
-          <a:lnRef idx="1">
-            <a:schemeClr val="accent2"/>
-          </a:lnRef>
-          <a:fillRef idx="2">
-            <a:schemeClr val="accent2"/>
-          </a:fillRef>
-          <a:effectRef idx="1">
-            <a:schemeClr val="accent2"/>
-          </a:effectRef>
-          <a:fontRef idx="minor">
-            <a:schemeClr val="dk1"/>
-          </a:fontRef>
-        </p:style>
-        <p:txBody>
-          <a:bodyPr lIns="0" tIns="0" rIns="0" bIns="0" rtlCol="0" anchor="ctr" anchorCtr="1"/>
-          <a:lstStyle/>
-          <a:p>
-            <a:pPr algn="ctr"/>
-            <a:r>
-              <a:rPr lang="zh-CN" altLang="en-US" sz="1200" smtClean="0"/>
-              <a:t>我的项目</a:t>
-            </a:r>
-            <a:endParaRPr lang="zh-CN" altLang="en-US" sz="1200"/>
-          </a:p>
-        </p:txBody>
-      </p:sp>
-      <p:cxnSp>
-        <p:nvCxnSpPr>
-          <p:cNvPr id="38" name="直接连接符 14"/>
-          <p:cNvCxnSpPr>
-            <a:stCxn id="3" idx="2"/>
-            <a:endCxn id="36" idx="1"/>
-          </p:cNvCxnSpPr>
-          <p:nvPr/>
-        </p:nvCxnSpPr>
-        <p:spPr>
-          <a:xfrm rot="16200000" flipH="1">
-            <a:off x="1327961" y="1496424"/>
-            <a:ext cx="871379" cy="431973"/>
-          </a:xfrm>
-          <a:prstGeom prst="bentConnector2">
-            <a:avLst/>
-          </a:prstGeom>
-          <a:ln>
-            <a:tailEnd type="triangle" w="med" len="lg"/>
-          </a:ln>
-        </p:spPr>
-        <p:style>
-          <a:lnRef idx="1">
-            <a:schemeClr val="accent1"/>
-          </a:lnRef>
-          <a:fillRef idx="0">
-            <a:schemeClr val="accent1"/>
-          </a:fillRef>
-          <a:effectRef idx="0">
-            <a:schemeClr val="accent1"/>
-          </a:effectRef>
-          <a:fontRef idx="minor">
-            <a:schemeClr val="tx1"/>
-          </a:fontRef>
-        </p:style>
-      </p:cxnSp>
-      <p:sp>
-        <p:nvSpPr>
           <p:cNvPr id="42" name="圆角矩形 41"/>
           <p:cNvSpPr/>
           <p:nvPr/>
         </p:nvSpPr>
         <p:spPr>
           <a:xfrm>
-            <a:off x="1979637" y="3590522"/>
-            <a:ext cx="1420493" cy="216024"/>
+            <a:off x="2842909" y="2574104"/>
+            <a:ext cx="1872208" cy="216024"/>
           </a:xfrm>
           <a:prstGeom prst="roundRect">
             <a:avLst/>
@@ -8213,13 +8993,13 @@
         </p:spPr>
         <p:style>
           <a:lnRef idx="1">
-            <a:schemeClr val="accent6"/>
+            <a:schemeClr val="accent4"/>
           </a:lnRef>
           <a:fillRef idx="2">
-            <a:schemeClr val="accent6"/>
+            <a:schemeClr val="accent4"/>
           </a:fillRef>
           <a:effectRef idx="1">
-            <a:schemeClr val="accent6"/>
+            <a:schemeClr val="accent4"/>
           </a:effectRef>
           <a:fontRef idx="minor">
             <a:schemeClr val="dk1"/>
@@ -8231,10 +9011,14 @@
           <a:p>
             <a:pPr algn="ctr"/>
             <a:r>
-              <a:rPr lang="zh-CN" altLang="en-US" sz="1200" smtClean="0"/>
-              <a:t>共享空间</a:t>
-            </a:r>
-            <a:endParaRPr lang="zh-CN" altLang="en-US" sz="1200"/>
+              <a:rPr lang="zh-CN" altLang="en-US" sz="1200" dirty="0"/>
+              <a:t>显示对象</a:t>
+            </a:r>
+            <a:r>
+              <a:rPr lang="en-US" altLang="zh-CN" sz="1200" dirty="0" smtClean="0"/>
+              <a:t>(Display)</a:t>
+            </a:r>
+            <a:endParaRPr lang="zh-CN" altLang="en-US" sz="1200" dirty="0"/>
           </a:p>
         </p:txBody>
       </p:sp>
@@ -8242,15 +9026,15 @@
         <p:nvCxnSpPr>
           <p:cNvPr id="43" name="直接连接符 14"/>
           <p:cNvCxnSpPr>
-            <a:stCxn id="3" idx="2"/>
+            <a:stCxn id="31" idx="2"/>
             <a:endCxn id="42" idx="1"/>
           </p:cNvCxnSpPr>
           <p:nvPr/>
         </p:nvCxnSpPr>
         <p:spPr>
           <a:xfrm rot="16200000" flipH="1">
-            <a:off x="552744" y="2271641"/>
-            <a:ext cx="2421812" cy="431973"/>
+            <a:off x="2386623" y="2225829"/>
+            <a:ext cx="236141" cy="676431"/>
           </a:xfrm>
           <a:prstGeom prst="bentConnector2">
             <a:avLst/>
@@ -8276,14 +9060,14 @@
       </p:cxnSp>
       <p:sp>
         <p:nvSpPr>
-          <p:cNvPr id="47" name="圆角矩形 46"/>
+          <p:cNvPr id="131" name="圆角矩形 130"/>
           <p:cNvSpPr/>
           <p:nvPr/>
         </p:nvSpPr>
         <p:spPr>
           <a:xfrm>
-            <a:off x="1979636" y="4458648"/>
-            <a:ext cx="1420493" cy="216024"/>
+            <a:off x="4336552" y="2946314"/>
+            <a:ext cx="1512168" cy="216024"/>
           </a:xfrm>
           <a:prstGeom prst="roundRect">
             <a:avLst/>
@@ -8291,13 +9075,13 @@
         </p:spPr>
         <p:style>
           <a:lnRef idx="1">
-            <a:schemeClr val="accent6"/>
+            <a:schemeClr val="accent4"/>
           </a:lnRef>
           <a:fillRef idx="2">
-            <a:schemeClr val="accent6"/>
+            <a:schemeClr val="accent4"/>
           </a:fillRef>
           <a:effectRef idx="1">
-            <a:schemeClr val="accent6"/>
+            <a:schemeClr val="accent4"/>
           </a:effectRef>
           <a:fontRef idx="minor">
             <a:schemeClr val="dk1"/>
@@ -8309,26 +9093,42 @@
           <a:p>
             <a:pPr algn="ctr"/>
             <a:r>
-              <a:rPr lang="zh-CN" altLang="en-US" sz="1200" smtClean="0"/>
-              <a:t>前往论坛</a:t>
-            </a:r>
-            <a:endParaRPr lang="zh-CN" altLang="en-US" sz="1200"/>
+              <a:rPr lang="zh-CN" altLang="en-US" sz="1200" dirty="0"/>
+              <a:t>渲染</a:t>
+            </a:r>
+            <a:r>
+              <a:rPr lang="zh-CN" altLang="en-US" sz="1200" dirty="0" smtClean="0"/>
+              <a:t>对象</a:t>
+            </a:r>
+            <a:r>
+              <a:rPr lang="en-US" altLang="zh-CN" sz="1200" dirty="0" smtClean="0"/>
+              <a:t>(</a:t>
+            </a:r>
+            <a:r>
+              <a:rPr lang="en-US" altLang="zh-CN" sz="1200" dirty="0" err="1" smtClean="0"/>
+              <a:t>Renderable</a:t>
+            </a:r>
+            <a:r>
+              <a:rPr lang="en-US" altLang="zh-CN" sz="1200" dirty="0" smtClean="0"/>
+              <a:t>)</a:t>
+            </a:r>
+            <a:endParaRPr lang="zh-CN" altLang="en-US" sz="1200" dirty="0"/>
           </a:p>
         </p:txBody>
       </p:sp>
       <p:cxnSp>
         <p:nvCxnSpPr>
-          <p:cNvPr id="48" name="直接连接符 14"/>
+          <p:cNvPr id="132" name="直接连接符 14"/>
           <p:cNvCxnSpPr>
-            <a:stCxn id="3" idx="2"/>
-            <a:endCxn id="47" idx="1"/>
+            <a:stCxn id="42" idx="2"/>
+            <a:endCxn id="131" idx="1"/>
           </p:cNvCxnSpPr>
           <p:nvPr/>
         </p:nvCxnSpPr>
         <p:spPr>
           <a:xfrm rot="16200000" flipH="1">
-            <a:off x="118681" y="2705705"/>
-            <a:ext cx="3289938" cy="431972"/>
+            <a:off x="3925683" y="2643457"/>
+            <a:ext cx="264198" cy="557539"/>
           </a:xfrm>
           <a:prstGeom prst="bentConnector2">
             <a:avLst/>
@@ -8354,14 +9154,14 @@
       </p:cxnSp>
       <p:sp>
         <p:nvSpPr>
-          <p:cNvPr id="15" name="圆角矩形 14"/>
+          <p:cNvPr id="67" name="圆角矩形 66"/>
           <p:cNvSpPr/>
           <p:nvPr/>
         </p:nvSpPr>
         <p:spPr>
           <a:xfrm>
-            <a:off x="3707904" y="1725207"/>
-            <a:ext cx="1420493" cy="216024"/>
+            <a:off x="2842909" y="3379921"/>
+            <a:ext cx="1872208" cy="216024"/>
           </a:xfrm>
           <a:prstGeom prst="roundRect">
             <a:avLst/>
@@ -8369,13 +9169,13 @@
         </p:spPr>
         <p:style>
           <a:lnRef idx="1">
-            <a:schemeClr val="accent2"/>
+            <a:schemeClr val="accent4"/>
           </a:lnRef>
           <a:fillRef idx="2">
-            <a:schemeClr val="accent2"/>
+            <a:schemeClr val="accent4"/>
           </a:fillRef>
           <a:effectRef idx="1">
-            <a:schemeClr val="accent2"/>
+            <a:schemeClr val="accent4"/>
           </a:effectRef>
           <a:fontRef idx="minor">
             <a:schemeClr val="dk1"/>
@@ -8387,26 +9187,42 @@
           <a:p>
             <a:pPr algn="ctr"/>
             <a:r>
-              <a:rPr lang="zh-CN" altLang="en-US" sz="1200" smtClean="0"/>
-              <a:t>个人信息</a:t>
-            </a:r>
-            <a:endParaRPr lang="zh-CN" altLang="en-US" sz="1200"/>
+              <a:rPr lang="zh-CN" altLang="en-US" sz="1200" dirty="0" smtClean="0"/>
+              <a:t>显示</a:t>
+            </a:r>
+            <a:r>
+              <a:rPr lang="zh-CN" altLang="en-US" sz="1200" dirty="0"/>
+              <a:t>集合</a:t>
+            </a:r>
+            <a:r>
+              <a:rPr lang="en-US" altLang="zh-CN" sz="1200" dirty="0" smtClean="0"/>
+              <a:t>(</a:t>
+            </a:r>
+            <a:r>
+              <a:rPr lang="en-US" altLang="zh-CN" sz="1200" dirty="0" err="1" smtClean="0"/>
+              <a:t>DisplayContainer</a:t>
+            </a:r>
+            <a:r>
+              <a:rPr lang="en-US" altLang="zh-CN" sz="1200" dirty="0" smtClean="0"/>
+              <a:t>)</a:t>
+            </a:r>
+            <a:endParaRPr lang="zh-CN" altLang="en-US" sz="1200" dirty="0"/>
           </a:p>
         </p:txBody>
       </p:sp>
       <p:cxnSp>
         <p:nvCxnSpPr>
-          <p:cNvPr id="16" name="直接连接符 14"/>
+          <p:cNvPr id="71" name="直接连接符 14"/>
           <p:cNvCxnSpPr>
             <a:stCxn id="31" idx="2"/>
-            <a:endCxn id="15" idx="1"/>
+            <a:endCxn id="67" idx="1"/>
           </p:cNvCxnSpPr>
           <p:nvPr/>
         </p:nvCxnSpPr>
         <p:spPr>
           <a:xfrm rot="16200000" flipH="1">
-            <a:off x="3113270" y="1238585"/>
-            <a:ext cx="171248" cy="1018020"/>
+            <a:off x="1983714" y="2628738"/>
+            <a:ext cx="1041958" cy="676431"/>
           </a:xfrm>
           <a:prstGeom prst="bentConnector2">
             <a:avLst/>
@@ -8432,14 +9248,14 @@
       </p:cxnSp>
       <p:sp>
         <p:nvSpPr>
-          <p:cNvPr id="25" name="圆角矩形 24"/>
+          <p:cNvPr id="75" name="圆角矩形 74"/>
           <p:cNvSpPr/>
           <p:nvPr/>
         </p:nvSpPr>
         <p:spPr>
           <a:xfrm>
-            <a:off x="3707904" y="2300542"/>
-            <a:ext cx="1420493" cy="216024"/>
+            <a:off x="4336552" y="3704370"/>
+            <a:ext cx="1535852" cy="216024"/>
           </a:xfrm>
           <a:prstGeom prst="roundRect">
             <a:avLst/>
@@ -8447,16 +9263,16 @@
         </p:spPr>
         <p:style>
           <a:lnRef idx="1">
+            <a:schemeClr val="accent4"/>
+          </a:lnRef>
+          <a:fillRef idx="2">
+            <a:schemeClr val="accent4"/>
+          </a:fillRef>
+          <a:effectRef idx="1">
+            <a:schemeClr val="accent4"/>
+          </a:effectRef>
+          <a:fontRef idx="minor">
             <a:schemeClr val="dk1"/>
-          </a:lnRef>
-          <a:fillRef idx="2">
-            <a:schemeClr val="dk1"/>
-          </a:fillRef>
-          <a:effectRef idx="1">
-            <a:schemeClr val="dk1"/>
-          </a:effectRef>
-          <a:fontRef idx="minor">
-            <a:schemeClr val="dk1"/>
           </a:fontRef>
         </p:style>
         <p:txBody>
@@ -8465,26 +9281,30 @@
           <a:p>
             <a:pPr algn="ctr"/>
             <a:r>
-              <a:rPr lang="zh-CN" altLang="en-US" sz="1200" smtClean="0"/>
-              <a:t>项目列表</a:t>
-            </a:r>
-            <a:endParaRPr lang="zh-CN" altLang="en-US" sz="1200"/>
+              <a:rPr lang="zh-CN" altLang="en-US" sz="1200" dirty="0"/>
+              <a:t>显示对象</a:t>
+            </a:r>
+            <a:r>
+              <a:rPr lang="en-US" altLang="zh-CN" sz="1200" dirty="0" smtClean="0"/>
+              <a:t>(Display)</a:t>
+            </a:r>
+            <a:endParaRPr lang="zh-CN" altLang="en-US" sz="1200" dirty="0"/>
           </a:p>
         </p:txBody>
       </p:sp>
       <p:cxnSp>
         <p:nvCxnSpPr>
-          <p:cNvPr id="26" name="直接连接符 14"/>
+          <p:cNvPr id="76" name="直接连接符 14"/>
           <p:cNvCxnSpPr>
-            <a:stCxn id="36" idx="2"/>
-            <a:endCxn id="25" idx="1"/>
+            <a:stCxn id="67" idx="2"/>
+            <a:endCxn id="75" idx="1"/>
           </p:cNvCxnSpPr>
           <p:nvPr/>
         </p:nvCxnSpPr>
         <p:spPr>
           <a:xfrm rot="16200000" flipH="1">
-            <a:off x="3122674" y="1823323"/>
-            <a:ext cx="152441" cy="1018020"/>
+            <a:off x="3949564" y="3425393"/>
+            <a:ext cx="216437" cy="557539"/>
           </a:xfrm>
           <a:prstGeom prst="bentConnector2">
             <a:avLst/>
@@ -8510,14 +9330,14 @@
       </p:cxnSp>
       <p:sp>
         <p:nvSpPr>
-          <p:cNvPr id="30" name="圆角矩形 29"/>
+          <p:cNvPr id="86" name="圆角矩形 85"/>
           <p:cNvSpPr/>
           <p:nvPr/>
         </p:nvSpPr>
         <p:spPr>
           <a:xfrm>
-            <a:off x="3707904" y="2620000"/>
-            <a:ext cx="1420493" cy="216024"/>
+            <a:off x="4360236" y="4064410"/>
+            <a:ext cx="1512168" cy="216024"/>
           </a:xfrm>
           <a:prstGeom prst="roundRect">
             <a:avLst/>
@@ -8525,13 +9345,13 @@
         </p:spPr>
         <p:style>
           <a:lnRef idx="1">
-            <a:schemeClr val="accent2"/>
+            <a:schemeClr val="accent4"/>
           </a:lnRef>
           <a:fillRef idx="2">
-            <a:schemeClr val="accent2"/>
+            <a:schemeClr val="accent4"/>
           </a:fillRef>
           <a:effectRef idx="1">
-            <a:schemeClr val="accent2"/>
+            <a:schemeClr val="accent4"/>
           </a:effectRef>
           <a:fontRef idx="minor">
             <a:schemeClr val="dk1"/>
@@ -8543,118 +9363,42 @@
           <a:p>
             <a:pPr algn="ctr"/>
             <a:r>
-              <a:rPr lang="zh-CN" altLang="en-US" sz="1200"/>
-              <a:t>资源</a:t>
-            </a:r>
-            <a:r>
-              <a:rPr lang="zh-CN" altLang="en-US" sz="1200" smtClean="0"/>
-              <a:t>列表</a:t>
-            </a:r>
-            <a:endParaRPr lang="zh-CN" altLang="en-US" sz="1200"/>
-          </a:p>
-        </p:txBody>
-      </p:sp>
-      <p:sp>
-        <p:nvSpPr>
-          <p:cNvPr id="32" name="圆角矩形 31"/>
-          <p:cNvSpPr/>
-          <p:nvPr/>
-        </p:nvSpPr>
-        <p:spPr>
-          <a:xfrm>
-            <a:off x="3707904" y="2947821"/>
-            <a:ext cx="1420493" cy="216024"/>
-          </a:xfrm>
-          <a:prstGeom prst="roundRect">
-            <a:avLst/>
-          </a:prstGeom>
-        </p:spPr>
-        <p:style>
-          <a:lnRef idx="1">
-            <a:schemeClr val="dk1"/>
-          </a:lnRef>
-          <a:fillRef idx="2">
-            <a:schemeClr val="dk1"/>
-          </a:fillRef>
-          <a:effectRef idx="1">
-            <a:schemeClr val="dk1"/>
-          </a:effectRef>
-          <a:fontRef idx="minor">
-            <a:schemeClr val="dk1"/>
-          </a:fontRef>
-        </p:style>
-        <p:txBody>
-          <a:bodyPr lIns="0" tIns="0" rIns="0" bIns="0" rtlCol="0" anchor="ctr" anchorCtr="1"/>
-          <a:lstStyle/>
-          <a:p>
-            <a:pPr algn="ctr"/>
-            <a:r>
-              <a:rPr lang="zh-CN" altLang="en-US" sz="1200" smtClean="0"/>
-              <a:t>发布列表</a:t>
-            </a:r>
-            <a:endParaRPr lang="zh-CN" altLang="en-US" sz="1200"/>
-          </a:p>
-        </p:txBody>
-      </p:sp>
-      <p:sp>
-        <p:nvSpPr>
-          <p:cNvPr id="33" name="圆角矩形 32"/>
-          <p:cNvSpPr/>
-          <p:nvPr/>
-        </p:nvSpPr>
-        <p:spPr>
-          <a:xfrm>
-            <a:off x="3707904" y="3275641"/>
-            <a:ext cx="1420493" cy="216024"/>
-          </a:xfrm>
-          <a:prstGeom prst="roundRect">
-            <a:avLst/>
-          </a:prstGeom>
-        </p:spPr>
-        <p:style>
-          <a:lnRef idx="1">
-            <a:schemeClr val="dk1"/>
-          </a:lnRef>
-          <a:fillRef idx="2">
-            <a:schemeClr val="dk1"/>
-          </a:fillRef>
-          <a:effectRef idx="1">
-            <a:schemeClr val="dk1"/>
-          </a:effectRef>
-          <a:fontRef idx="minor">
-            <a:schemeClr val="dk1"/>
-          </a:fontRef>
-        </p:style>
-        <p:txBody>
-          <a:bodyPr lIns="0" tIns="0" rIns="0" bIns="0" rtlCol="0" anchor="ctr" anchorCtr="1"/>
-          <a:lstStyle/>
-          <a:p>
-            <a:pPr algn="ctr"/>
-            <a:r>
-              <a:rPr lang="zh-CN" altLang="en-US" sz="1200"/>
-              <a:t>团队</a:t>
-            </a:r>
-            <a:r>
-              <a:rPr lang="zh-CN" altLang="en-US" sz="1200" smtClean="0"/>
-              <a:t>列表</a:t>
-            </a:r>
-            <a:endParaRPr lang="zh-CN" altLang="en-US" sz="1200"/>
+              <a:rPr lang="zh-CN" altLang="en-US" sz="1200" dirty="0"/>
+              <a:t>渲染</a:t>
+            </a:r>
+            <a:r>
+              <a:rPr lang="zh-CN" altLang="en-US" sz="1200" dirty="0" smtClean="0"/>
+              <a:t>对象</a:t>
+            </a:r>
+            <a:r>
+              <a:rPr lang="en-US" altLang="zh-CN" sz="1200" dirty="0" smtClean="0"/>
+              <a:t>(</a:t>
+            </a:r>
+            <a:r>
+              <a:rPr lang="en-US" altLang="zh-CN" sz="1200" dirty="0" err="1" smtClean="0"/>
+              <a:t>Renderable</a:t>
+            </a:r>
+            <a:r>
+              <a:rPr lang="en-US" altLang="zh-CN" sz="1200" dirty="0" smtClean="0"/>
+              <a:t>)</a:t>
+            </a:r>
+            <a:endParaRPr lang="zh-CN" altLang="en-US" sz="1200" dirty="0"/>
           </a:p>
         </p:txBody>
       </p:sp>
       <p:cxnSp>
         <p:nvCxnSpPr>
-          <p:cNvPr id="35" name="直接连接符 14"/>
+          <p:cNvPr id="87" name="直接连接符 14"/>
           <p:cNvCxnSpPr>
-            <a:stCxn id="36" idx="2"/>
-            <a:endCxn id="30" idx="1"/>
+            <a:stCxn id="67" idx="2"/>
+            <a:endCxn id="86" idx="1"/>
           </p:cNvCxnSpPr>
           <p:nvPr/>
         </p:nvCxnSpPr>
         <p:spPr>
           <a:xfrm rot="16200000" flipH="1">
-            <a:off x="2962945" y="1983052"/>
-            <a:ext cx="471899" cy="1018020"/>
+            <a:off x="3781386" y="3593571"/>
+            <a:ext cx="576477" cy="581223"/>
           </a:xfrm>
           <a:prstGeom prst="bentConnector2">
             <a:avLst/>
@@ -8678,19 +9422,77 @@
           </a:fontRef>
         </p:style>
       </p:cxnSp>
+      <p:sp>
+        <p:nvSpPr>
+          <p:cNvPr id="91" name="圆角矩形 90"/>
+          <p:cNvSpPr/>
+          <p:nvPr/>
+        </p:nvSpPr>
+        <p:spPr>
+          <a:xfrm>
+            <a:off x="2876725" y="4395301"/>
+            <a:ext cx="1838392" cy="216024"/>
+          </a:xfrm>
+          <a:prstGeom prst="roundRect">
+            <a:avLst/>
+          </a:prstGeom>
+        </p:spPr>
+        <p:style>
+          <a:lnRef idx="1">
+            <a:schemeClr val="accent4"/>
+          </a:lnRef>
+          <a:fillRef idx="2">
+            <a:schemeClr val="accent4"/>
+          </a:fillRef>
+          <a:effectRef idx="1">
+            <a:schemeClr val="accent4"/>
+          </a:effectRef>
+          <a:fontRef idx="minor">
+            <a:schemeClr val="dk1"/>
+          </a:fontRef>
+        </p:style>
+        <p:txBody>
+          <a:bodyPr lIns="0" tIns="0" rIns="0" bIns="0" rtlCol="0" anchor="ctr" anchorCtr="1"/>
+          <a:lstStyle/>
+          <a:p>
+            <a:pPr algn="ctr"/>
+            <a:r>
+              <a:rPr lang="zh-CN" altLang="en-US" sz="1200" dirty="0"/>
+              <a:t>渲染</a:t>
+            </a:r>
+            <a:r>
+              <a:rPr lang="zh-CN" altLang="en-US" sz="1200" dirty="0" smtClean="0"/>
+              <a:t>对象</a:t>
+            </a:r>
+            <a:r>
+              <a:rPr lang="en-US" altLang="zh-CN" sz="1200" dirty="0" smtClean="0"/>
+              <a:t>(</a:t>
+            </a:r>
+            <a:r>
+              <a:rPr lang="en-US" altLang="zh-CN" sz="1200" dirty="0" err="1" smtClean="0"/>
+              <a:t>Renderable</a:t>
+            </a:r>
+            <a:r>
+              <a:rPr lang="en-US" altLang="zh-CN" sz="1200" dirty="0" smtClean="0"/>
+              <a:t>)</a:t>
+            </a:r>
+            <a:endParaRPr lang="zh-CN" altLang="en-US" sz="1200" dirty="0"/>
+          </a:p>
+        </p:txBody>
+      </p:sp>
       <p:cxnSp>
         <p:nvCxnSpPr>
-          <p:cNvPr id="37" name="直接连接符 14"/>
+          <p:cNvPr id="92" name="直接连接符 14"/>
           <p:cNvCxnSpPr>
-            <a:stCxn id="36" idx="2"/>
-            <a:endCxn id="32" idx="1"/>
+            <a:stCxn id="31" idx="2"/>
+            <a:endCxn id="91" idx="1"/>
           </p:cNvCxnSpPr>
           <p:nvPr/>
         </p:nvCxnSpPr>
         <p:spPr>
           <a:xfrm rot="16200000" flipH="1">
-            <a:off x="2799034" y="2146963"/>
-            <a:ext cx="799720" cy="1018020"/>
+            <a:off x="1492932" y="3119520"/>
+            <a:ext cx="2057338" cy="710247"/>
           </a:xfrm>
           <a:prstGeom prst="bentConnector2">
             <a:avLst/>
@@ -8714,19 +9516,69 @@
           </a:fontRef>
         </p:style>
       </p:cxnSp>
+      <p:sp>
+        <p:nvSpPr>
+          <p:cNvPr id="107" name="圆角矩形 106"/>
+          <p:cNvSpPr/>
+          <p:nvPr/>
+        </p:nvSpPr>
+        <p:spPr>
+          <a:xfrm>
+            <a:off x="1456232" y="1227096"/>
+            <a:ext cx="1420493" cy="216024"/>
+          </a:xfrm>
+          <a:prstGeom prst="roundRect">
+            <a:avLst/>
+          </a:prstGeom>
+        </p:spPr>
+        <p:style>
+          <a:lnRef idx="1">
+            <a:schemeClr val="accent6"/>
+          </a:lnRef>
+          <a:fillRef idx="2">
+            <a:schemeClr val="accent6"/>
+          </a:fillRef>
+          <a:effectRef idx="1">
+            <a:schemeClr val="accent6"/>
+          </a:effectRef>
+          <a:fontRef idx="minor">
+            <a:schemeClr val="dk1"/>
+          </a:fontRef>
+        </p:style>
+        <p:txBody>
+          <a:bodyPr lIns="0" tIns="0" rIns="0" bIns="0" rtlCol="0" anchor="ctr" anchorCtr="1"/>
+          <a:lstStyle/>
+          <a:p>
+            <a:pPr algn="ctr"/>
+            <a:r>
+              <a:rPr lang="zh-CN" altLang="en-US" sz="1200" dirty="0" smtClean="0"/>
+              <a:t>区域</a:t>
+            </a:r>
+            <a:r>
+              <a:rPr lang="en-US" altLang="zh-CN" sz="1200" dirty="0" smtClean="0"/>
+              <a:t>(</a:t>
+            </a:r>
+            <a:r>
+              <a:rPr lang="en-US" altLang="zh-CN" sz="1200" dirty="0" smtClean="0"/>
+              <a:t>Region)</a:t>
+            </a:r>
+            <a:endParaRPr lang="zh-CN" altLang="en-US" sz="1200" dirty="0"/>
+          </a:p>
+        </p:txBody>
+      </p:sp>
       <p:cxnSp>
         <p:nvCxnSpPr>
-          <p:cNvPr id="40" name="直接连接符 14"/>
+          <p:cNvPr id="108" name="直接连接符 14"/>
           <p:cNvCxnSpPr>
-            <a:stCxn id="36" idx="2"/>
-            <a:endCxn id="33" idx="1"/>
+            <a:stCxn id="3" idx="2"/>
+            <a:endCxn id="107" idx="1"/>
           </p:cNvCxnSpPr>
           <p:nvPr/>
         </p:nvCxnSpPr>
         <p:spPr>
           <a:xfrm rot="16200000" flipH="1">
-            <a:off x="2635124" y="2310873"/>
-            <a:ext cx="1127540" cy="1018020"/>
+            <a:off x="1126618" y="1005494"/>
+            <a:ext cx="282608" cy="376620"/>
           </a:xfrm>
           <a:prstGeom prst="bentConnector2">
             <a:avLst/>
@@ -8752,13 +9604,13 @@
       </p:cxnSp>
       <p:sp>
         <p:nvSpPr>
-          <p:cNvPr id="45" name="圆角矩形 44"/>
+          <p:cNvPr id="113" name="圆角矩形 112"/>
           <p:cNvSpPr/>
           <p:nvPr/>
         </p:nvSpPr>
         <p:spPr>
           <a:xfrm>
-            <a:off x="5652120" y="2620000"/>
+            <a:off x="2828518" y="1550294"/>
             <a:ext cx="1420493" cy="216024"/>
           </a:xfrm>
           <a:prstGeom prst="roundRect">
@@ -8767,13 +9619,13 @@
         </p:spPr>
         <p:style>
           <a:lnRef idx="1">
-            <a:schemeClr val="accent2"/>
+            <a:schemeClr val="accent6"/>
           </a:lnRef>
           <a:fillRef idx="2">
-            <a:schemeClr val="accent2"/>
+            <a:schemeClr val="accent6"/>
           </a:fillRef>
           <a:effectRef idx="1">
-            <a:schemeClr val="accent2"/>
+            <a:schemeClr val="accent6"/>
           </a:effectRef>
           <a:fontRef idx="minor">
             <a:schemeClr val="dk1"/>
@@ -8785,32 +9637,36 @@
           <a:p>
             <a:pPr algn="ctr"/>
             <a:r>
-              <a:rPr lang="zh-CN" altLang="en-US" sz="1200"/>
-              <a:t>上传</a:t>
-            </a:r>
-            <a:r>
-              <a:rPr lang="zh-CN" altLang="en-US" sz="1200" smtClean="0"/>
-              <a:t>资源</a:t>
-            </a:r>
-            <a:endParaRPr lang="zh-CN" altLang="en-US" sz="1200"/>
+              <a:rPr lang="zh-CN" altLang="en-US" sz="1200" dirty="0"/>
+              <a:t>相机</a:t>
+            </a:r>
+            <a:r>
+              <a:rPr lang="en-US" altLang="zh-CN" sz="1200" dirty="0" smtClean="0"/>
+              <a:t>(Camera</a:t>
+            </a:r>
+            <a:r>
+              <a:rPr lang="en-US" altLang="zh-CN" sz="1200" dirty="0" smtClean="0"/>
+              <a:t>)</a:t>
+            </a:r>
+            <a:endParaRPr lang="zh-CN" altLang="en-US" sz="1200" dirty="0"/>
           </a:p>
         </p:txBody>
       </p:sp>
       <p:cxnSp>
         <p:nvCxnSpPr>
-          <p:cNvPr id="46" name="直接连接符 14"/>
+          <p:cNvPr id="114" name="直接连接符 14"/>
           <p:cNvCxnSpPr>
-            <a:stCxn id="30" idx="3"/>
-            <a:endCxn id="45" idx="1"/>
+            <a:stCxn id="107" idx="2"/>
+            <a:endCxn id="113" idx="1"/>
           </p:cNvCxnSpPr>
           <p:nvPr/>
         </p:nvCxnSpPr>
         <p:spPr>
-          <a:xfrm>
-            <a:off x="5128397" y="2728012"/>
-            <a:ext cx="523723" cy="0"/>
-          </a:xfrm>
-          <a:prstGeom prst="straightConnector1">
+          <a:xfrm rot="16200000" flipH="1">
+            <a:off x="2389905" y="1219693"/>
+            <a:ext cx="215186" cy="662039"/>
+          </a:xfrm>
+          <a:prstGeom prst="bentConnector2">
             <a:avLst/>
           </a:prstGeom>
           <a:ln>
@@ -8834,13 +9690,13 @@
       </p:cxnSp>
       <p:sp>
         <p:nvSpPr>
-          <p:cNvPr id="74" name="圆角矩形 73"/>
+          <p:cNvPr id="121" name="圆角矩形 120"/>
           <p:cNvSpPr/>
           <p:nvPr/>
         </p:nvSpPr>
         <p:spPr>
           <a:xfrm>
-            <a:off x="3707904" y="3869010"/>
+            <a:off x="2828518" y="1886905"/>
             <a:ext cx="1420493" cy="216024"/>
           </a:xfrm>
           <a:prstGeom prst="roundRect">
@@ -8849,16 +9705,16 @@
         </p:spPr>
         <p:style>
           <a:lnRef idx="1">
+            <a:schemeClr val="accent6"/>
+          </a:lnRef>
+          <a:fillRef idx="2">
+            <a:schemeClr val="accent6"/>
+          </a:fillRef>
+          <a:effectRef idx="1">
+            <a:schemeClr val="accent6"/>
+          </a:effectRef>
+          <a:fontRef idx="minor">
             <a:schemeClr val="dk1"/>
-          </a:lnRef>
-          <a:fillRef idx="2">
-            <a:schemeClr val="dk1"/>
-          </a:fillRef>
-          <a:effectRef idx="1">
-            <a:schemeClr val="dk1"/>
-          </a:effectRef>
-          <a:fontRef idx="minor">
-            <a:schemeClr val="dk1"/>
           </a:fontRef>
         </p:style>
         <p:txBody>
@@ -8867,104 +9723,34 @@
           <a:p>
             <a:pPr algn="ctr"/>
             <a:r>
-              <a:rPr lang="zh-CN" altLang="en-US" sz="1200" smtClean="0"/>
-              <a:t>项目列表</a:t>
-            </a:r>
-            <a:endParaRPr lang="zh-CN" altLang="en-US" sz="1200"/>
+              <a:rPr lang="zh-CN" altLang="en-US" sz="1200" dirty="0" smtClean="0"/>
+              <a:t>主光源</a:t>
+            </a:r>
+            <a:r>
+              <a:rPr lang="en-US" altLang="zh-CN" sz="1200" dirty="0" smtClean="0"/>
+              <a:t>(Light</a:t>
+            </a:r>
+            <a:r>
+              <a:rPr lang="en-US" altLang="zh-CN" sz="1200" dirty="0" smtClean="0"/>
+              <a:t>)</a:t>
+            </a:r>
+            <a:endParaRPr lang="zh-CN" altLang="en-US" sz="1200" dirty="0"/>
           </a:p>
         </p:txBody>
       </p:sp>
       <p:cxnSp>
         <p:nvCxnSpPr>
-          <p:cNvPr id="75" name="直接连接符 14"/>
+          <p:cNvPr id="122" name="直接连接符 14"/>
           <p:cNvCxnSpPr>
-            <a:stCxn id="42" idx="2"/>
-            <a:endCxn id="74" idx="1"/>
+            <a:stCxn id="107" idx="2"/>
+            <a:endCxn id="121" idx="1"/>
           </p:cNvCxnSpPr>
           <p:nvPr/>
         </p:nvCxnSpPr>
         <p:spPr>
           <a:xfrm rot="16200000" flipH="1">
-            <a:off x="3113656" y="3382774"/>
-            <a:ext cx="170476" cy="1018020"/>
-          </a:xfrm>
-          <a:prstGeom prst="bentConnector2">
-            <a:avLst/>
-          </a:prstGeom>
-          <a:ln>
-            <a:tailEnd type="triangle" w="med" len="lg"/>
-          </a:ln>
-        </p:spPr>
-        <p:style>
-          <a:lnRef idx="1">
-            <a:schemeClr val="accent1"/>
-          </a:lnRef>
-          <a:fillRef idx="0">
-            <a:schemeClr val="accent1"/>
-          </a:fillRef>
-          <a:effectRef idx="0">
-            <a:schemeClr val="accent1"/>
-          </a:effectRef>
-          <a:fontRef idx="minor">
-            <a:schemeClr val="tx1"/>
-          </a:fontRef>
-        </p:style>
-      </p:cxnSp>
-      <p:sp>
-        <p:nvSpPr>
-          <p:cNvPr id="81" name="圆角矩形 80"/>
-          <p:cNvSpPr/>
-          <p:nvPr/>
-        </p:nvSpPr>
-        <p:spPr>
-          <a:xfrm>
-            <a:off x="3707904" y="4193047"/>
-            <a:ext cx="1420493" cy="216024"/>
-          </a:xfrm>
-          <a:prstGeom prst="roundRect">
-            <a:avLst/>
-          </a:prstGeom>
-        </p:spPr>
-        <p:style>
-          <a:lnRef idx="1">
-            <a:schemeClr val="accent6"/>
-          </a:lnRef>
-          <a:fillRef idx="2">
-            <a:schemeClr val="accent6"/>
-          </a:fillRef>
-          <a:effectRef idx="1">
-            <a:schemeClr val="accent6"/>
-          </a:effectRef>
-          <a:fontRef idx="minor">
-            <a:schemeClr val="dk1"/>
-          </a:fontRef>
-        </p:style>
-        <p:txBody>
-          <a:bodyPr lIns="0" tIns="0" rIns="0" bIns="0" rtlCol="0" anchor="ctr" anchorCtr="1"/>
-          <a:lstStyle/>
-          <a:p>
-            <a:pPr algn="ctr"/>
-            <a:r>
-              <a:rPr lang="zh-CN" altLang="en-US" sz="1200" smtClean="0"/>
-              <a:t>资源列表</a:t>
-            </a:r>
-            <a:endParaRPr lang="zh-CN" altLang="en-US" sz="1200"/>
-          </a:p>
-        </p:txBody>
-      </p:sp>
-      <p:cxnSp>
-        <p:nvCxnSpPr>
-          <p:cNvPr id="82" name="直接连接符 14"/>
-          <p:cNvCxnSpPr>
-            <a:stCxn id="42" idx="2"/>
-            <a:endCxn id="81" idx="1"/>
-          </p:cNvCxnSpPr>
-          <p:nvPr/>
-        </p:nvCxnSpPr>
-        <p:spPr>
-          <a:xfrm rot="16200000" flipH="1">
-            <a:off x="2951638" y="3544792"/>
-            <a:ext cx="494513" cy="1018020"/>
+            <a:off x="2221600" y="1387998"/>
+            <a:ext cx="551797" cy="662039"/>
           </a:xfrm>
           <a:prstGeom prst="bentConnector2">
             <a:avLst/>
@@ -8991,7 +9777,7 @@
     </p:spTree>
     <p:extLst>
       <p:ext uri="{BB962C8B-B14F-4D97-AF65-F5344CB8AC3E}">
-        <p14:creationId xmlns:p14="http://schemas.microsoft.com/office/powerpoint/2010/main" val="1279786755"/>
+        <p14:creationId xmlns:p14="http://schemas.microsoft.com/office/powerpoint/2010/main" val="954282006"/>
       </p:ext>
     </p:extLst>
   </p:cSld>
@@ -9048,7 +9834,7 @@
             </a:r>
             <a:r>
               <a:rPr lang="zh-CN" altLang="en-US"/>
-              <a:t>后台</a:t>
+              <a:t>前台</a:t>
             </a:r>
             <a:endParaRPr lang="zh-CN" altLang="en-US" dirty="0"/>
           </a:p>
@@ -9062,7 +9848,7 @@
         </p:nvSpPr>
         <p:spPr>
           <a:xfrm>
-            <a:off x="819883" y="1247186"/>
+            <a:off x="755576" y="916682"/>
             <a:ext cx="1008112" cy="216024"/>
           </a:xfrm>
           <a:prstGeom prst="roundRect">
@@ -9097,13 +9883,90 @@
       </p:sp>
       <p:sp>
         <p:nvSpPr>
+          <p:cNvPr id="31" name="圆角矩形 30"/>
+          <p:cNvSpPr/>
+          <p:nvPr/>
+        </p:nvSpPr>
+        <p:spPr>
+          <a:xfrm>
+            <a:off x="1695777" y="1281124"/>
+            <a:ext cx="1420493" cy="216024"/>
+          </a:xfrm>
+          <a:prstGeom prst="roundRect">
+            <a:avLst/>
+          </a:prstGeom>
+        </p:spPr>
+        <p:style>
+          <a:lnRef idx="1">
+            <a:schemeClr val="accent6"/>
+          </a:lnRef>
+          <a:fillRef idx="2">
+            <a:schemeClr val="accent6"/>
+          </a:fillRef>
+          <a:effectRef idx="1">
+            <a:schemeClr val="accent6"/>
+          </a:effectRef>
+          <a:fontRef idx="minor">
+            <a:schemeClr val="dk1"/>
+          </a:fontRef>
+        </p:style>
+        <p:txBody>
+          <a:bodyPr lIns="0" tIns="0" rIns="0" bIns="0" rtlCol="0" anchor="ctr" anchorCtr="1"/>
+          <a:lstStyle/>
+          <a:p>
+            <a:pPr algn="ctr"/>
+            <a:r>
+              <a:rPr lang="zh-CN" altLang="en-US" sz="1200"/>
+              <a:t>首页</a:t>
+            </a:r>
+          </a:p>
+        </p:txBody>
+      </p:sp>
+      <p:cxnSp>
+        <p:nvCxnSpPr>
+          <p:cNvPr id="34" name="直接连接符 14"/>
+          <p:cNvCxnSpPr>
+            <a:stCxn id="3" idx="2"/>
+            <a:endCxn id="31" idx="1"/>
+          </p:cNvCxnSpPr>
+          <p:nvPr/>
+        </p:nvCxnSpPr>
+        <p:spPr>
+          <a:xfrm rot="16200000" flipH="1">
+            <a:off x="1349489" y="1042848"/>
+            <a:ext cx="256430" cy="436145"/>
+          </a:xfrm>
+          <a:prstGeom prst="bentConnector2">
+            <a:avLst/>
+          </a:prstGeom>
+          <a:ln>
+            <a:tailEnd type="triangle" w="med" len="lg"/>
+          </a:ln>
+        </p:spPr>
+        <p:style>
+          <a:lnRef idx="1">
+            <a:schemeClr val="accent1"/>
+          </a:lnRef>
+          <a:fillRef idx="0">
+            <a:schemeClr val="accent1"/>
+          </a:fillRef>
+          <a:effectRef idx="0">
+            <a:schemeClr val="accent1"/>
+          </a:effectRef>
+          <a:fontRef idx="minor">
+            <a:schemeClr val="tx1"/>
+          </a:fontRef>
+        </p:style>
+      </p:cxnSp>
+      <p:sp>
+        <p:nvSpPr>
           <p:cNvPr id="36" name="圆角矩形 35"/>
           <p:cNvSpPr/>
           <p:nvPr/>
         </p:nvSpPr>
         <p:spPr>
           <a:xfrm>
-            <a:off x="1974227" y="1597900"/>
+            <a:off x="1706958" y="3103334"/>
             <a:ext cx="1420493" cy="216024"/>
           </a:xfrm>
           <a:prstGeom prst="roundRect">
@@ -9131,11 +9994,11 @@
             <a:pPr algn="ctr"/>
             <a:r>
               <a:rPr lang="zh-CN" altLang="en-US" sz="1200"/>
-              <a:t>共通</a:t>
+              <a:t>用户</a:t>
             </a:r>
             <a:r>
               <a:rPr lang="zh-CN" altLang="en-US" sz="1200" smtClean="0"/>
-              <a:t>管理</a:t>
+              <a:t>空间</a:t>
             </a:r>
             <a:endParaRPr lang="zh-CN" altLang="en-US" sz="1200"/>
           </a:p>
@@ -9152,8 +10015,8 @@
         </p:nvCxnSpPr>
         <p:spPr>
           <a:xfrm rot="16200000" flipH="1">
-            <a:off x="1527732" y="1259417"/>
-            <a:ext cx="242702" cy="650288"/>
+            <a:off x="443975" y="1948363"/>
+            <a:ext cx="2078640" cy="447326"/>
           </a:xfrm>
           <a:prstGeom prst="bentConnector2">
             <a:avLst/>
@@ -9177,19 +10040,61 @@
           </a:fontRef>
         </p:style>
       </p:cxnSp>
+      <p:sp>
+        <p:nvSpPr>
+          <p:cNvPr id="42" name="圆角矩形 41"/>
+          <p:cNvSpPr/>
+          <p:nvPr/>
+        </p:nvSpPr>
+        <p:spPr>
+          <a:xfrm>
+            <a:off x="1695776" y="3467775"/>
+            <a:ext cx="1420493" cy="216024"/>
+          </a:xfrm>
+          <a:prstGeom prst="roundRect">
+            <a:avLst/>
+          </a:prstGeom>
+        </p:spPr>
+        <p:style>
+          <a:lnRef idx="1">
+            <a:schemeClr val="accent6"/>
+          </a:lnRef>
+          <a:fillRef idx="2">
+            <a:schemeClr val="accent6"/>
+          </a:fillRef>
+          <a:effectRef idx="1">
+            <a:schemeClr val="accent6"/>
+          </a:effectRef>
+          <a:fontRef idx="minor">
+            <a:schemeClr val="dk1"/>
+          </a:fontRef>
+        </p:style>
+        <p:txBody>
+          <a:bodyPr lIns="0" tIns="0" rIns="0" bIns="0" rtlCol="0" anchor="ctr" anchorCtr="1"/>
+          <a:lstStyle/>
+          <a:p>
+            <a:pPr algn="ctr"/>
+            <a:r>
+              <a:rPr lang="zh-CN" altLang="en-US" sz="1200" smtClean="0"/>
+              <a:t>论坛</a:t>
+            </a:r>
+            <a:endParaRPr lang="zh-CN" altLang="en-US" sz="1200"/>
+          </a:p>
+        </p:txBody>
+      </p:sp>
       <p:cxnSp>
         <p:nvCxnSpPr>
           <p:cNvPr id="43" name="直接连接符 14"/>
           <p:cNvCxnSpPr>
             <a:stCxn id="3" idx="2"/>
-            <a:endCxn id="29" idx="1"/>
+            <a:endCxn id="42" idx="1"/>
           </p:cNvCxnSpPr>
           <p:nvPr/>
         </p:nvCxnSpPr>
         <p:spPr>
           <a:xfrm rot="16200000" flipH="1">
-            <a:off x="1122362" y="1664787"/>
-            <a:ext cx="1053443" cy="650288"/>
+            <a:off x="256164" y="2136174"/>
+            <a:ext cx="2443081" cy="436144"/>
           </a:xfrm>
           <a:prstGeom prst="bentConnector2">
             <a:avLst/>
@@ -9215,13 +10120,13 @@
       </p:cxnSp>
       <p:sp>
         <p:nvSpPr>
-          <p:cNvPr id="29" name="圆角矩形 28"/>
+          <p:cNvPr id="15" name="圆角矩形 14"/>
           <p:cNvSpPr/>
           <p:nvPr/>
         </p:nvSpPr>
         <p:spPr>
           <a:xfrm>
-            <a:off x="1974227" y="2408641"/>
+            <a:off x="2685706" y="1645566"/>
             <a:ext cx="1420493" cy="216024"/>
           </a:xfrm>
           <a:prstGeom prst="roundRect">
@@ -9248,8 +10153,50 @@
           <a:p>
             <a:pPr algn="ctr"/>
             <a:r>
+              <a:rPr lang="zh-CN" altLang="en-US" sz="1200" smtClean="0"/>
+              <a:t>资源列表</a:t>
+            </a:r>
+            <a:endParaRPr lang="zh-CN" altLang="en-US" sz="1200"/>
+          </a:p>
+        </p:txBody>
+      </p:sp>
+      <p:sp>
+        <p:nvSpPr>
+          <p:cNvPr id="16" name="圆角矩形 15"/>
+          <p:cNvSpPr/>
+          <p:nvPr/>
+        </p:nvSpPr>
+        <p:spPr>
+          <a:xfrm>
+            <a:off x="2685704" y="2374450"/>
+            <a:ext cx="1420493" cy="216024"/>
+          </a:xfrm>
+          <a:prstGeom prst="roundRect">
+            <a:avLst/>
+          </a:prstGeom>
+        </p:spPr>
+        <p:style>
+          <a:lnRef idx="1">
+            <a:schemeClr val="dk1"/>
+          </a:lnRef>
+          <a:fillRef idx="2">
+            <a:schemeClr val="dk1"/>
+          </a:fillRef>
+          <a:effectRef idx="1">
+            <a:schemeClr val="dk1"/>
+          </a:effectRef>
+          <a:fontRef idx="minor">
+            <a:schemeClr val="dk1"/>
+          </a:fontRef>
+        </p:style>
+        <p:txBody>
+          <a:bodyPr lIns="0" tIns="0" rIns="0" bIns="0" rtlCol="0" anchor="ctr" anchorCtr="1"/>
+          <a:lstStyle/>
+          <a:p>
+            <a:pPr algn="ctr"/>
+            <a:r>
               <a:rPr lang="zh-CN" altLang="en-US" sz="1200"/>
-              <a:t>业务</a:t>
+              <a:t>新闻</a:t>
             </a:r>
             <a:r>
               <a:rPr lang="zh-CN" altLang="en-US" sz="1200" smtClean="0"/>
@@ -9259,61 +10206,19 @@
           </a:p>
         </p:txBody>
       </p:sp>
-      <p:sp>
-        <p:nvSpPr>
-          <p:cNvPr id="35" name="圆角矩形 34"/>
-          <p:cNvSpPr/>
-          <p:nvPr/>
-        </p:nvSpPr>
-        <p:spPr>
-          <a:xfrm>
-            <a:off x="3415040" y="2768681"/>
-            <a:ext cx="1420493" cy="216024"/>
-          </a:xfrm>
-          <a:prstGeom prst="roundRect">
-            <a:avLst/>
-          </a:prstGeom>
-        </p:spPr>
-        <p:style>
-          <a:lnRef idx="1">
-            <a:schemeClr val="accent6"/>
-          </a:lnRef>
-          <a:fillRef idx="2">
-            <a:schemeClr val="accent6"/>
-          </a:fillRef>
-          <a:effectRef idx="1">
-            <a:schemeClr val="accent6"/>
-          </a:effectRef>
-          <a:fontRef idx="minor">
-            <a:schemeClr val="dk1"/>
-          </a:fontRef>
-        </p:style>
-        <p:txBody>
-          <a:bodyPr lIns="0" tIns="0" rIns="0" bIns="0" rtlCol="0" anchor="ctr" anchorCtr="1"/>
-          <a:lstStyle/>
-          <a:p>
-            <a:pPr algn="ctr"/>
-            <a:r>
-              <a:rPr lang="zh-CN" altLang="en-US" sz="1200" smtClean="0"/>
-              <a:t>用户列表</a:t>
-            </a:r>
-            <a:endParaRPr lang="zh-CN" altLang="en-US" sz="1200"/>
-          </a:p>
-        </p:txBody>
-      </p:sp>
       <p:cxnSp>
         <p:nvCxnSpPr>
-          <p:cNvPr id="37" name="直接连接符 14"/>
+          <p:cNvPr id="17" name="直接连接符 14"/>
           <p:cNvCxnSpPr>
-            <a:stCxn id="29" idx="2"/>
-            <a:endCxn id="35" idx="1"/>
+            <a:stCxn id="31" idx="2"/>
+            <a:endCxn id="15" idx="1"/>
           </p:cNvCxnSpPr>
           <p:nvPr/>
         </p:nvCxnSpPr>
         <p:spPr>
           <a:xfrm rot="16200000" flipH="1">
-            <a:off x="2923743" y="2385396"/>
-            <a:ext cx="252028" cy="730566"/>
+            <a:off x="2417650" y="1485522"/>
+            <a:ext cx="256430" cy="279682"/>
           </a:xfrm>
           <a:prstGeom prst="bentConnector2">
             <a:avLst/>
@@ -9337,16 +10242,216 @@
           </a:fontRef>
         </p:style>
       </p:cxnSp>
-      <p:sp>
-        <p:nvSpPr>
-          <p:cNvPr id="41" name="圆角矩形 40"/>
+      <p:cxnSp>
+        <p:nvCxnSpPr>
+          <p:cNvPr id="20" name="直接连接符 14"/>
+          <p:cNvCxnSpPr>
+            <a:stCxn id="31" idx="2"/>
+            <a:endCxn id="16" idx="1"/>
+          </p:cNvCxnSpPr>
+          <p:nvPr/>
+        </p:nvCxnSpPr>
+        <p:spPr>
+          <a:xfrm rot="16200000" flipH="1">
+            <a:off x="2053207" y="1849965"/>
+            <a:ext cx="985314" cy="279680"/>
+          </a:xfrm>
+          <a:prstGeom prst="bentConnector2">
+            <a:avLst/>
+          </a:prstGeom>
+          <a:ln>
+            <a:tailEnd type="triangle" w="med" len="lg"/>
+          </a:ln>
+        </p:spPr>
+        <p:style>
+          <a:lnRef idx="1">
+            <a:schemeClr val="accent1"/>
+          </a:lnRef>
+          <a:fillRef idx="0">
+            <a:schemeClr val="accent1"/>
+          </a:fillRef>
+          <a:effectRef idx="0">
+            <a:schemeClr val="accent1"/>
+          </a:effectRef>
+          <a:fontRef idx="minor">
+            <a:schemeClr val="tx1"/>
+          </a:fontRef>
+        </p:style>
+      </p:cxnSp>
+      <p:sp>
+        <p:nvSpPr>
+          <p:cNvPr id="26" name="圆角矩形 25"/>
           <p:cNvSpPr/>
           <p:nvPr/>
         </p:nvSpPr>
         <p:spPr>
           <a:xfrm>
-            <a:off x="3419872" y="1924794"/>
-            <a:ext cx="2088232" cy="216024"/>
+            <a:off x="2685703" y="2738892"/>
+            <a:ext cx="1420493" cy="216024"/>
+          </a:xfrm>
+          <a:prstGeom prst="roundRect">
+            <a:avLst/>
+          </a:prstGeom>
+        </p:spPr>
+        <p:style>
+          <a:lnRef idx="1">
+            <a:schemeClr val="dk1"/>
+          </a:lnRef>
+          <a:fillRef idx="2">
+            <a:schemeClr val="dk1"/>
+          </a:fillRef>
+          <a:effectRef idx="1">
+            <a:schemeClr val="dk1"/>
+          </a:effectRef>
+          <a:fontRef idx="minor">
+            <a:schemeClr val="dk1"/>
+          </a:fontRef>
+        </p:style>
+        <p:txBody>
+          <a:bodyPr lIns="0" tIns="0" rIns="0" bIns="0" rtlCol="0" anchor="ctr" anchorCtr="1"/>
+          <a:lstStyle/>
+          <a:p>
+            <a:pPr algn="ctr"/>
+            <a:r>
+              <a:rPr lang="zh-CN" altLang="en-US" sz="1200"/>
+              <a:t>人员</a:t>
+            </a:r>
+            <a:r>
+              <a:rPr lang="zh-CN" altLang="en-US" sz="1200" smtClean="0"/>
+              <a:t>列表</a:t>
+            </a:r>
+            <a:endParaRPr lang="zh-CN" altLang="en-US" sz="1200"/>
+          </a:p>
+        </p:txBody>
+      </p:sp>
+      <p:cxnSp>
+        <p:nvCxnSpPr>
+          <p:cNvPr id="27" name="直接连接符 14"/>
+          <p:cNvCxnSpPr>
+            <a:stCxn id="31" idx="2"/>
+            <a:endCxn id="26" idx="1"/>
+          </p:cNvCxnSpPr>
+          <p:nvPr/>
+        </p:nvCxnSpPr>
+        <p:spPr>
+          <a:xfrm rot="16200000" flipH="1">
+            <a:off x="1870985" y="2032186"/>
+            <a:ext cx="1349756" cy="279679"/>
+          </a:xfrm>
+          <a:prstGeom prst="bentConnector2">
+            <a:avLst/>
+          </a:prstGeom>
+          <a:ln>
+            <a:tailEnd type="triangle" w="med" len="lg"/>
+          </a:ln>
+        </p:spPr>
+        <p:style>
+          <a:lnRef idx="1">
+            <a:schemeClr val="accent1"/>
+          </a:lnRef>
+          <a:fillRef idx="0">
+            <a:schemeClr val="accent1"/>
+          </a:fillRef>
+          <a:effectRef idx="0">
+            <a:schemeClr val="accent1"/>
+          </a:effectRef>
+          <a:fontRef idx="minor">
+            <a:schemeClr val="tx1"/>
+          </a:fontRef>
+        </p:style>
+      </p:cxnSp>
+      <p:sp>
+        <p:nvSpPr>
+          <p:cNvPr id="39" name="圆角矩形 38"/>
+          <p:cNvSpPr/>
+          <p:nvPr/>
+        </p:nvSpPr>
+        <p:spPr>
+          <a:xfrm>
+            <a:off x="2685705" y="2010008"/>
+            <a:ext cx="1420493" cy="216024"/>
+          </a:xfrm>
+          <a:prstGeom prst="roundRect">
+            <a:avLst/>
+          </a:prstGeom>
+        </p:spPr>
+        <p:style>
+          <a:lnRef idx="1">
+            <a:schemeClr val="accent2"/>
+          </a:lnRef>
+          <a:fillRef idx="2">
+            <a:schemeClr val="accent2"/>
+          </a:fillRef>
+          <a:effectRef idx="1">
+            <a:schemeClr val="accent2"/>
+          </a:effectRef>
+          <a:fontRef idx="minor">
+            <a:schemeClr val="dk1"/>
+          </a:fontRef>
+        </p:style>
+        <p:txBody>
+          <a:bodyPr lIns="0" tIns="0" rIns="0" bIns="0" rtlCol="0" anchor="ctr" anchorCtr="1"/>
+          <a:lstStyle/>
+          <a:p>
+            <a:pPr algn="ctr"/>
+            <a:r>
+              <a:rPr lang="zh-CN" altLang="en-US" sz="1200"/>
+              <a:t>悬赏</a:t>
+            </a:r>
+            <a:r>
+              <a:rPr lang="zh-CN" altLang="en-US" sz="1200" smtClean="0"/>
+              <a:t>列表</a:t>
+            </a:r>
+            <a:endParaRPr lang="zh-CN" altLang="en-US" sz="1200"/>
+          </a:p>
+        </p:txBody>
+      </p:sp>
+      <p:cxnSp>
+        <p:nvCxnSpPr>
+          <p:cNvPr id="40" name="直接连接符 14"/>
+          <p:cNvCxnSpPr>
+            <a:stCxn id="31" idx="2"/>
+            <a:endCxn id="39" idx="1"/>
+          </p:cNvCxnSpPr>
+          <p:nvPr/>
+        </p:nvCxnSpPr>
+        <p:spPr>
+          <a:xfrm rot="16200000" flipH="1">
+            <a:off x="2235428" y="1667743"/>
+            <a:ext cx="620872" cy="279681"/>
+          </a:xfrm>
+          <a:prstGeom prst="bentConnector2">
+            <a:avLst/>
+          </a:prstGeom>
+          <a:ln>
+            <a:tailEnd type="triangle" w="med" len="lg"/>
+          </a:ln>
+        </p:spPr>
+        <p:style>
+          <a:lnRef idx="1">
+            <a:schemeClr val="accent1"/>
+          </a:lnRef>
+          <a:fillRef idx="0">
+            <a:schemeClr val="accent1"/>
+          </a:fillRef>
+          <a:effectRef idx="0">
+            <a:schemeClr val="accent1"/>
+          </a:effectRef>
+          <a:fontRef idx="minor">
+            <a:schemeClr val="tx1"/>
+          </a:fontRef>
+        </p:style>
+      </p:cxnSp>
+      <p:sp>
+        <p:nvSpPr>
+          <p:cNvPr id="49" name="圆角矩形 48"/>
+          <p:cNvSpPr/>
+          <p:nvPr/>
+        </p:nvSpPr>
+        <p:spPr>
+          <a:xfrm>
+            <a:off x="4860033" y="1279586"/>
+            <a:ext cx="1080120" cy="216024"/>
           </a:xfrm>
           <a:prstGeom prst="roundRect">
             <a:avLst/>
@@ -9372,29 +10477,262 @@
           <a:p>
             <a:pPr algn="ctr"/>
             <a:r>
-              <a:rPr lang="zh-CN" altLang="en-US" sz="1200" smtClean="0"/>
-              <a:t>国家列表 （测试用）</a:t>
-            </a:r>
-            <a:endParaRPr lang="zh-CN" altLang="en-US" sz="1200"/>
+              <a:rPr lang="zh-CN" altLang="en-US" sz="1200"/>
+              <a:t>用户</a:t>
+            </a:r>
           </a:p>
         </p:txBody>
       </p:sp>
       <p:cxnSp>
         <p:nvCxnSpPr>
-          <p:cNvPr id="44" name="直接连接符 14"/>
+          <p:cNvPr id="50" name="直接连接符 14"/>
           <p:cNvCxnSpPr>
-            <a:stCxn id="36" idx="2"/>
-            <a:endCxn id="41" idx="1"/>
+            <a:stCxn id="31" idx="3"/>
+            <a:endCxn id="49" idx="1"/>
           </p:cNvCxnSpPr>
           <p:nvPr/>
         </p:nvCxnSpPr>
         <p:spPr>
-          <a:xfrm rot="16200000" flipH="1">
-            <a:off x="2942732" y="1555666"/>
-            <a:ext cx="218882" cy="735398"/>
-          </a:xfrm>
-          <a:prstGeom prst="bentConnector2">
-            <a:avLst/>
+          <a:xfrm flipV="1">
+            <a:off x="3116270" y="1387598"/>
+            <a:ext cx="1743763" cy="1538"/>
+          </a:xfrm>
+          <a:prstGeom prst="straightConnector1">
+            <a:avLst/>
+          </a:prstGeom>
+          <a:ln>
+            <a:tailEnd type="triangle" w="med" len="lg"/>
+          </a:ln>
+        </p:spPr>
+        <p:style>
+          <a:lnRef idx="1">
+            <a:schemeClr val="accent1"/>
+          </a:lnRef>
+          <a:fillRef idx="0">
+            <a:schemeClr val="accent1"/>
+          </a:fillRef>
+          <a:effectRef idx="0">
+            <a:schemeClr val="accent1"/>
+          </a:effectRef>
+          <a:fontRef idx="minor">
+            <a:schemeClr val="tx1"/>
+          </a:fontRef>
+        </p:style>
+      </p:cxnSp>
+      <p:sp>
+        <p:nvSpPr>
+          <p:cNvPr id="52" name="圆角矩形 51"/>
+          <p:cNvSpPr/>
+          <p:nvPr/>
+        </p:nvSpPr>
+        <p:spPr>
+          <a:xfrm>
+            <a:off x="4860032" y="1605587"/>
+            <a:ext cx="1080121" cy="216024"/>
+          </a:xfrm>
+          <a:prstGeom prst="roundRect">
+            <a:avLst/>
+          </a:prstGeom>
+        </p:spPr>
+        <p:style>
+          <a:lnRef idx="1">
+            <a:schemeClr val="accent2"/>
+          </a:lnRef>
+          <a:fillRef idx="2">
+            <a:schemeClr val="accent2"/>
+          </a:fillRef>
+          <a:effectRef idx="1">
+            <a:schemeClr val="accent2"/>
+          </a:effectRef>
+          <a:fontRef idx="minor">
+            <a:schemeClr val="dk1"/>
+          </a:fontRef>
+        </p:style>
+        <p:txBody>
+          <a:bodyPr lIns="0" tIns="0" rIns="0" bIns="0" rtlCol="0" anchor="ctr" anchorCtr="1"/>
+          <a:lstStyle/>
+          <a:p>
+            <a:pPr algn="ctr"/>
+            <a:r>
+              <a:rPr lang="zh-CN" altLang="en-US" sz="1200"/>
+              <a:t>充值</a:t>
+            </a:r>
+          </a:p>
+        </p:txBody>
+      </p:sp>
+      <p:cxnSp>
+        <p:nvCxnSpPr>
+          <p:cNvPr id="53" name="直接连接符 14"/>
+          <p:cNvCxnSpPr>
+            <a:stCxn id="31" idx="3"/>
+            <a:endCxn id="52" idx="1"/>
+          </p:cNvCxnSpPr>
+          <p:nvPr/>
+        </p:nvCxnSpPr>
+        <p:spPr>
+          <a:xfrm>
+            <a:off x="3116270" y="1389136"/>
+            <a:ext cx="1743762" cy="324463"/>
+          </a:xfrm>
+          <a:prstGeom prst="straightConnector1">
+            <a:avLst/>
+          </a:prstGeom>
+          <a:ln>
+            <a:tailEnd type="triangle" w="med" len="lg"/>
+          </a:ln>
+        </p:spPr>
+        <p:style>
+          <a:lnRef idx="1">
+            <a:schemeClr val="accent1"/>
+          </a:lnRef>
+          <a:fillRef idx="0">
+            <a:schemeClr val="accent1"/>
+          </a:fillRef>
+          <a:effectRef idx="0">
+            <a:schemeClr val="accent1"/>
+          </a:effectRef>
+          <a:fontRef idx="minor">
+            <a:schemeClr val="tx1"/>
+          </a:fontRef>
+        </p:style>
+      </p:cxnSp>
+      <p:sp>
+        <p:nvSpPr>
+          <p:cNvPr id="60" name="圆角矩形 59"/>
+          <p:cNvSpPr/>
+          <p:nvPr/>
+        </p:nvSpPr>
+        <p:spPr>
+          <a:xfrm>
+            <a:off x="6396548" y="1279586"/>
+            <a:ext cx="1080120" cy="216024"/>
+          </a:xfrm>
+          <a:prstGeom prst="roundRect">
+            <a:avLst/>
+          </a:prstGeom>
+        </p:spPr>
+        <p:style>
+          <a:lnRef idx="1">
+            <a:schemeClr val="accent6"/>
+          </a:lnRef>
+          <a:fillRef idx="2">
+            <a:schemeClr val="accent6"/>
+          </a:fillRef>
+          <a:effectRef idx="1">
+            <a:schemeClr val="accent6"/>
+          </a:effectRef>
+          <a:fontRef idx="minor">
+            <a:schemeClr val="dk1"/>
+          </a:fontRef>
+        </p:style>
+        <p:txBody>
+          <a:bodyPr lIns="0" tIns="0" rIns="0" bIns="0" rtlCol="0" anchor="ctr" anchorCtr="1"/>
+          <a:lstStyle/>
+          <a:p>
+            <a:pPr algn="ctr"/>
+            <a:r>
+              <a:rPr lang="zh-CN" altLang="en-US" sz="1200"/>
+              <a:t>注册</a:t>
+            </a:r>
+          </a:p>
+        </p:txBody>
+      </p:sp>
+      <p:sp>
+        <p:nvSpPr>
+          <p:cNvPr id="61" name="圆角矩形 60"/>
+          <p:cNvSpPr/>
+          <p:nvPr/>
+        </p:nvSpPr>
+        <p:spPr>
+          <a:xfrm>
+            <a:off x="6396548" y="1607777"/>
+            <a:ext cx="1080120" cy="216024"/>
+          </a:xfrm>
+          <a:prstGeom prst="roundRect">
+            <a:avLst/>
+          </a:prstGeom>
+        </p:spPr>
+        <p:style>
+          <a:lnRef idx="1">
+            <a:schemeClr val="accent6"/>
+          </a:lnRef>
+          <a:fillRef idx="2">
+            <a:schemeClr val="accent6"/>
+          </a:fillRef>
+          <a:effectRef idx="1">
+            <a:schemeClr val="accent6"/>
+          </a:effectRef>
+          <a:fontRef idx="minor">
+            <a:schemeClr val="dk1"/>
+          </a:fontRef>
+        </p:style>
+        <p:txBody>
+          <a:bodyPr lIns="0" tIns="0" rIns="0" bIns="0" rtlCol="0" anchor="ctr" anchorCtr="1"/>
+          <a:lstStyle/>
+          <a:p>
+            <a:pPr algn="ctr"/>
+            <a:r>
+              <a:rPr lang="zh-CN" altLang="en-US" sz="1200" smtClean="0"/>
+              <a:t>登录</a:t>
+            </a:r>
+            <a:endParaRPr lang="zh-CN" altLang="en-US" sz="1200"/>
+          </a:p>
+        </p:txBody>
+      </p:sp>
+      <p:cxnSp>
+        <p:nvCxnSpPr>
+          <p:cNvPr id="62" name="直接连接符 14"/>
+          <p:cNvCxnSpPr>
+            <a:stCxn id="49" idx="3"/>
+            <a:endCxn id="60" idx="1"/>
+          </p:cNvCxnSpPr>
+          <p:nvPr/>
+        </p:nvCxnSpPr>
+        <p:spPr>
+          <a:xfrm>
+            <a:off x="5940153" y="1387598"/>
+            <a:ext cx="456395" cy="0"/>
+          </a:xfrm>
+          <a:prstGeom prst="straightConnector1">
+            <a:avLst/>
+          </a:prstGeom>
+          <a:ln>
+            <a:tailEnd type="triangle" w="med" len="lg"/>
+          </a:ln>
+        </p:spPr>
+        <p:style>
+          <a:lnRef idx="1">
+            <a:schemeClr val="accent1"/>
+          </a:lnRef>
+          <a:fillRef idx="0">
+            <a:schemeClr val="accent1"/>
+          </a:fillRef>
+          <a:effectRef idx="0">
+            <a:schemeClr val="accent1"/>
+          </a:effectRef>
+          <a:fontRef idx="minor">
+            <a:schemeClr val="tx1"/>
+          </a:fontRef>
+        </p:style>
+      </p:cxnSp>
+      <p:cxnSp>
+        <p:nvCxnSpPr>
+          <p:cNvPr id="66" name="直接连接符 14"/>
+          <p:cNvCxnSpPr>
+            <a:stCxn id="49" idx="3"/>
+            <a:endCxn id="61" idx="1"/>
+          </p:cNvCxnSpPr>
+          <p:nvPr/>
+        </p:nvCxnSpPr>
+        <p:spPr>
+          <a:xfrm>
+            <a:off x="5940153" y="1387598"/>
+            <a:ext cx="456395" cy="328191"/>
+          </a:xfrm>
+          <a:prstGeom prst="bentConnector3">
+            <a:avLst>
+              <a:gd name="adj1" fmla="val 50000"/>
+            </a:avLst>
           </a:prstGeom>
           <a:ln>
             <a:tailEnd type="triangle" w="med" len="lg"/>
@@ -9418,7 +10756,7 @@
     </p:spTree>
     <p:extLst>
       <p:ext uri="{BB962C8B-B14F-4D97-AF65-F5344CB8AC3E}">
-        <p14:creationId xmlns:p14="http://schemas.microsoft.com/office/powerpoint/2010/main" val="1532287507"/>
+        <p14:creationId xmlns:p14="http://schemas.microsoft.com/office/powerpoint/2010/main" val="2364541809"/>
       </p:ext>
     </p:extLst>
   </p:cSld>
@@ -9470,8 +10808,20 @@
           <a:lstStyle/>
           <a:p>
             <a:r>
+              <a:rPr lang="en-US" altLang="zh-CN" smtClean="0"/>
+              <a:t>WEB – </a:t>
+            </a:r>
+            <a:r>
               <a:rPr lang="zh-CN" altLang="en-US" smtClean="0"/>
-              <a:t>工作重点</a:t>
+              <a:t>前台 </a:t>
+            </a:r>
+            <a:r>
+              <a:rPr lang="en-US" altLang="zh-CN" smtClean="0"/>
+              <a:t>– </a:t>
+            </a:r>
+            <a:r>
+              <a:rPr lang="zh-CN" altLang="en-US" smtClean="0"/>
+              <a:t>用户空间</a:t>
             </a:r>
             <a:endParaRPr lang="zh-CN" altLang="en-US" dirty="0"/>
           </a:p>
@@ -9479,244 +10829,1002 @@
       </p:sp>
       <p:sp>
         <p:nvSpPr>
-          <p:cNvPr id="5" name="矩形 4"/>
+          <p:cNvPr id="3" name="圆角矩形 2"/>
           <p:cNvSpPr/>
           <p:nvPr/>
         </p:nvSpPr>
         <p:spPr>
           <a:xfrm>
-            <a:off x="467544" y="988690"/>
-            <a:ext cx="8352928" cy="3785652"/>
-          </a:xfrm>
-          <a:prstGeom prst="rect">
-            <a:avLst/>
-          </a:prstGeom>
-        </p:spPr>
-        <p:txBody>
-          <a:bodyPr wrap="square">
-            <a:spAutoFit/>
-          </a:bodyPr>
-          <a:lstStyle/>
-          <a:p>
-            <a:r>
-              <a:rPr lang="zh-CN" altLang="en-US" sz="1600"/>
+            <a:off x="1043608" y="1060698"/>
+            <a:ext cx="1008112" cy="216024"/>
+          </a:xfrm>
+          <a:prstGeom prst="roundRect">
+            <a:avLst/>
+          </a:prstGeom>
+        </p:spPr>
+        <p:style>
+          <a:lnRef idx="1">
+            <a:schemeClr val="accent6"/>
+          </a:lnRef>
+          <a:fillRef idx="2">
+            <a:schemeClr val="accent6"/>
+          </a:fillRef>
+          <a:effectRef idx="1">
+            <a:schemeClr val="accent6"/>
+          </a:effectRef>
+          <a:fontRef idx="minor">
+            <a:schemeClr val="dk1"/>
+          </a:fontRef>
+        </p:style>
+        <p:txBody>
+          <a:bodyPr lIns="0" tIns="0" rIns="0" bIns="0" rtlCol="0" anchor="ctr" anchorCtr="1"/>
+          <a:lstStyle/>
+          <a:p>
+            <a:pPr algn="ctr"/>
+            <a:r>
+              <a:rPr lang="zh-CN" altLang="en-US" sz="1200"/>
+              <a:t>用户</a:t>
+            </a:r>
+            <a:r>
+              <a:rPr lang="zh-CN" altLang="en-US" sz="1200" smtClean="0"/>
+              <a:t>空间</a:t>
+            </a:r>
+            <a:endParaRPr lang="zh-CN" altLang="en-US" sz="1200"/>
+          </a:p>
+        </p:txBody>
+      </p:sp>
+      <p:sp>
+        <p:nvSpPr>
+          <p:cNvPr id="31" name="圆角矩形 30"/>
+          <p:cNvSpPr/>
+          <p:nvPr/>
+        </p:nvSpPr>
+        <p:spPr>
+          <a:xfrm>
+            <a:off x="1979637" y="1445947"/>
+            <a:ext cx="1420493" cy="216024"/>
+          </a:xfrm>
+          <a:prstGeom prst="roundRect">
+            <a:avLst/>
+          </a:prstGeom>
+        </p:spPr>
+        <p:style>
+          <a:lnRef idx="1">
+            <a:schemeClr val="accent2"/>
+          </a:lnRef>
+          <a:fillRef idx="2">
+            <a:schemeClr val="accent2"/>
+          </a:fillRef>
+          <a:effectRef idx="1">
+            <a:schemeClr val="accent2"/>
+          </a:effectRef>
+          <a:fontRef idx="minor">
+            <a:schemeClr val="dk1"/>
+          </a:fontRef>
+        </p:style>
+        <p:txBody>
+          <a:bodyPr lIns="0" tIns="0" rIns="0" bIns="0" rtlCol="0" anchor="ctr" anchorCtr="1"/>
+          <a:lstStyle/>
+          <a:p>
+            <a:pPr algn="ctr"/>
+            <a:r>
+              <a:rPr lang="zh-CN" altLang="en-US" sz="1200" smtClean="0"/>
+              <a:t>我的信息</a:t>
+            </a:r>
+            <a:endParaRPr lang="zh-CN" altLang="en-US" sz="1200"/>
+          </a:p>
+        </p:txBody>
+      </p:sp>
+      <p:cxnSp>
+        <p:nvCxnSpPr>
+          <p:cNvPr id="34" name="直接连接符 14"/>
+          <p:cNvCxnSpPr>
+            <a:stCxn id="3" idx="2"/>
+            <a:endCxn id="31" idx="1"/>
+          </p:cNvCxnSpPr>
+          <p:nvPr/>
+        </p:nvCxnSpPr>
+        <p:spPr>
+          <a:xfrm rot="16200000" flipH="1">
+            <a:off x="1625032" y="1199353"/>
+            <a:ext cx="277237" cy="431973"/>
+          </a:xfrm>
+          <a:prstGeom prst="bentConnector2">
+            <a:avLst/>
+          </a:prstGeom>
+          <a:ln>
+            <a:tailEnd type="triangle" w="med" len="lg"/>
+          </a:ln>
+        </p:spPr>
+        <p:style>
+          <a:lnRef idx="1">
+            <a:schemeClr val="accent1"/>
+          </a:lnRef>
+          <a:fillRef idx="0">
+            <a:schemeClr val="accent1"/>
+          </a:fillRef>
+          <a:effectRef idx="0">
+            <a:schemeClr val="accent1"/>
+          </a:effectRef>
+          <a:fontRef idx="minor">
+            <a:schemeClr val="tx1"/>
+          </a:fontRef>
+        </p:style>
+      </p:cxnSp>
+      <p:sp>
+        <p:nvSpPr>
+          <p:cNvPr id="36" name="圆角矩形 35"/>
+          <p:cNvSpPr/>
+          <p:nvPr/>
+        </p:nvSpPr>
+        <p:spPr>
+          <a:xfrm>
+            <a:off x="1979637" y="2040089"/>
+            <a:ext cx="1420493" cy="216024"/>
+          </a:xfrm>
+          <a:prstGeom prst="roundRect">
+            <a:avLst/>
+          </a:prstGeom>
+        </p:spPr>
+        <p:style>
+          <a:lnRef idx="1">
+            <a:schemeClr val="accent2"/>
+          </a:lnRef>
+          <a:fillRef idx="2">
+            <a:schemeClr val="accent2"/>
+          </a:fillRef>
+          <a:effectRef idx="1">
+            <a:schemeClr val="accent2"/>
+          </a:effectRef>
+          <a:fontRef idx="minor">
+            <a:schemeClr val="dk1"/>
+          </a:fontRef>
+        </p:style>
+        <p:txBody>
+          <a:bodyPr lIns="0" tIns="0" rIns="0" bIns="0" rtlCol="0" anchor="ctr" anchorCtr="1"/>
+          <a:lstStyle/>
+          <a:p>
+            <a:pPr algn="ctr"/>
+            <a:r>
+              <a:rPr lang="zh-CN" altLang="en-US" sz="1200" smtClean="0"/>
+              <a:t>我的项目</a:t>
+            </a:r>
+            <a:endParaRPr lang="zh-CN" altLang="en-US" sz="1200"/>
+          </a:p>
+        </p:txBody>
+      </p:sp>
+      <p:cxnSp>
+        <p:nvCxnSpPr>
+          <p:cNvPr id="38" name="直接连接符 14"/>
+          <p:cNvCxnSpPr>
+            <a:stCxn id="3" idx="2"/>
+            <a:endCxn id="36" idx="1"/>
+          </p:cNvCxnSpPr>
+          <p:nvPr/>
+        </p:nvCxnSpPr>
+        <p:spPr>
+          <a:xfrm rot="16200000" flipH="1">
+            <a:off x="1327961" y="1496424"/>
+            <a:ext cx="871379" cy="431973"/>
+          </a:xfrm>
+          <a:prstGeom prst="bentConnector2">
+            <a:avLst/>
+          </a:prstGeom>
+          <a:ln>
+            <a:tailEnd type="triangle" w="med" len="lg"/>
+          </a:ln>
+        </p:spPr>
+        <p:style>
+          <a:lnRef idx="1">
+            <a:schemeClr val="accent1"/>
+          </a:lnRef>
+          <a:fillRef idx="0">
+            <a:schemeClr val="accent1"/>
+          </a:fillRef>
+          <a:effectRef idx="0">
+            <a:schemeClr val="accent1"/>
+          </a:effectRef>
+          <a:fontRef idx="minor">
+            <a:schemeClr val="tx1"/>
+          </a:fontRef>
+        </p:style>
+      </p:cxnSp>
+      <p:sp>
+        <p:nvSpPr>
+          <p:cNvPr id="42" name="圆角矩形 41"/>
+          <p:cNvSpPr/>
+          <p:nvPr/>
+        </p:nvSpPr>
+        <p:spPr>
+          <a:xfrm>
+            <a:off x="1979637" y="3590522"/>
+            <a:ext cx="1420493" cy="216024"/>
+          </a:xfrm>
+          <a:prstGeom prst="roundRect">
+            <a:avLst/>
+          </a:prstGeom>
+        </p:spPr>
+        <p:style>
+          <a:lnRef idx="1">
+            <a:schemeClr val="accent6"/>
+          </a:lnRef>
+          <a:fillRef idx="2">
+            <a:schemeClr val="accent6"/>
+          </a:fillRef>
+          <a:effectRef idx="1">
+            <a:schemeClr val="accent6"/>
+          </a:effectRef>
+          <a:fontRef idx="minor">
+            <a:schemeClr val="dk1"/>
+          </a:fontRef>
+        </p:style>
+        <p:txBody>
+          <a:bodyPr lIns="0" tIns="0" rIns="0" bIns="0" rtlCol="0" anchor="ctr" anchorCtr="1"/>
+          <a:lstStyle/>
+          <a:p>
+            <a:pPr algn="ctr"/>
+            <a:r>
+              <a:rPr lang="zh-CN" altLang="en-US" sz="1200" smtClean="0"/>
+              <a:t>共享空间</a:t>
+            </a:r>
+            <a:endParaRPr lang="zh-CN" altLang="en-US" sz="1200"/>
+          </a:p>
+        </p:txBody>
+      </p:sp>
+      <p:cxnSp>
+        <p:nvCxnSpPr>
+          <p:cNvPr id="43" name="直接连接符 14"/>
+          <p:cNvCxnSpPr>
+            <a:stCxn id="3" idx="2"/>
+            <a:endCxn id="42" idx="1"/>
+          </p:cNvCxnSpPr>
+          <p:nvPr/>
+        </p:nvCxnSpPr>
+        <p:spPr>
+          <a:xfrm rot="16200000" flipH="1">
+            <a:off x="552744" y="2271641"/>
+            <a:ext cx="2421812" cy="431973"/>
+          </a:xfrm>
+          <a:prstGeom prst="bentConnector2">
+            <a:avLst/>
+          </a:prstGeom>
+          <a:ln>
+            <a:tailEnd type="triangle" w="med" len="lg"/>
+          </a:ln>
+        </p:spPr>
+        <p:style>
+          <a:lnRef idx="1">
+            <a:schemeClr val="accent1"/>
+          </a:lnRef>
+          <a:fillRef idx="0">
+            <a:schemeClr val="accent1"/>
+          </a:fillRef>
+          <a:effectRef idx="0">
+            <a:schemeClr val="accent1"/>
+          </a:effectRef>
+          <a:fontRef idx="minor">
+            <a:schemeClr val="tx1"/>
+          </a:fontRef>
+        </p:style>
+      </p:cxnSp>
+      <p:sp>
+        <p:nvSpPr>
+          <p:cNvPr id="47" name="圆角矩形 46"/>
+          <p:cNvSpPr/>
+          <p:nvPr/>
+        </p:nvSpPr>
+        <p:spPr>
+          <a:xfrm>
+            <a:off x="1979636" y="4458648"/>
+            <a:ext cx="1420493" cy="216024"/>
+          </a:xfrm>
+          <a:prstGeom prst="roundRect">
+            <a:avLst/>
+          </a:prstGeom>
+        </p:spPr>
+        <p:style>
+          <a:lnRef idx="1">
+            <a:schemeClr val="accent6"/>
+          </a:lnRef>
+          <a:fillRef idx="2">
+            <a:schemeClr val="accent6"/>
+          </a:fillRef>
+          <a:effectRef idx="1">
+            <a:schemeClr val="accent6"/>
+          </a:effectRef>
+          <a:fontRef idx="minor">
+            <a:schemeClr val="dk1"/>
+          </a:fontRef>
+        </p:style>
+        <p:txBody>
+          <a:bodyPr lIns="0" tIns="0" rIns="0" bIns="0" rtlCol="0" anchor="ctr" anchorCtr="1"/>
+          <a:lstStyle/>
+          <a:p>
+            <a:pPr algn="ctr"/>
+            <a:r>
+              <a:rPr lang="zh-CN" altLang="en-US" sz="1200" smtClean="0"/>
+              <a:t>前往论坛</a:t>
+            </a:r>
+            <a:endParaRPr lang="zh-CN" altLang="en-US" sz="1200"/>
+          </a:p>
+        </p:txBody>
+      </p:sp>
+      <p:cxnSp>
+        <p:nvCxnSpPr>
+          <p:cNvPr id="48" name="直接连接符 14"/>
+          <p:cNvCxnSpPr>
+            <a:stCxn id="3" idx="2"/>
+            <a:endCxn id="47" idx="1"/>
+          </p:cNvCxnSpPr>
+          <p:nvPr/>
+        </p:nvCxnSpPr>
+        <p:spPr>
+          <a:xfrm rot="16200000" flipH="1">
+            <a:off x="118681" y="2705705"/>
+            <a:ext cx="3289938" cy="431972"/>
+          </a:xfrm>
+          <a:prstGeom prst="bentConnector2">
+            <a:avLst/>
+          </a:prstGeom>
+          <a:ln>
+            <a:tailEnd type="triangle" w="med" len="lg"/>
+          </a:ln>
+        </p:spPr>
+        <p:style>
+          <a:lnRef idx="1">
+            <a:schemeClr val="accent1"/>
+          </a:lnRef>
+          <a:fillRef idx="0">
+            <a:schemeClr val="accent1"/>
+          </a:fillRef>
+          <a:effectRef idx="0">
+            <a:schemeClr val="accent1"/>
+          </a:effectRef>
+          <a:fontRef idx="minor">
+            <a:schemeClr val="tx1"/>
+          </a:fontRef>
+        </p:style>
+      </p:cxnSp>
+      <p:sp>
+        <p:nvSpPr>
+          <p:cNvPr id="15" name="圆角矩形 14"/>
+          <p:cNvSpPr/>
+          <p:nvPr/>
+        </p:nvSpPr>
+        <p:spPr>
+          <a:xfrm>
+            <a:off x="3707904" y="1725207"/>
+            <a:ext cx="1420493" cy="216024"/>
+          </a:xfrm>
+          <a:prstGeom prst="roundRect">
+            <a:avLst/>
+          </a:prstGeom>
+        </p:spPr>
+        <p:style>
+          <a:lnRef idx="1">
+            <a:schemeClr val="accent2"/>
+          </a:lnRef>
+          <a:fillRef idx="2">
+            <a:schemeClr val="accent2"/>
+          </a:fillRef>
+          <a:effectRef idx="1">
+            <a:schemeClr val="accent2"/>
+          </a:effectRef>
+          <a:fontRef idx="minor">
+            <a:schemeClr val="dk1"/>
+          </a:fontRef>
+        </p:style>
+        <p:txBody>
+          <a:bodyPr lIns="0" tIns="0" rIns="0" bIns="0" rtlCol="0" anchor="ctr" anchorCtr="1"/>
+          <a:lstStyle/>
+          <a:p>
+            <a:pPr algn="ctr"/>
+            <a:r>
+              <a:rPr lang="zh-CN" altLang="en-US" sz="1200" smtClean="0"/>
+              <a:t>个人信息</a:t>
+            </a:r>
+            <a:endParaRPr lang="zh-CN" altLang="en-US" sz="1200"/>
+          </a:p>
+        </p:txBody>
+      </p:sp>
+      <p:cxnSp>
+        <p:nvCxnSpPr>
+          <p:cNvPr id="16" name="直接连接符 14"/>
+          <p:cNvCxnSpPr>
+            <a:stCxn id="31" idx="2"/>
+            <a:endCxn id="15" idx="1"/>
+          </p:cNvCxnSpPr>
+          <p:nvPr/>
+        </p:nvCxnSpPr>
+        <p:spPr>
+          <a:xfrm rot="16200000" flipH="1">
+            <a:off x="3113270" y="1238585"/>
+            <a:ext cx="171248" cy="1018020"/>
+          </a:xfrm>
+          <a:prstGeom prst="bentConnector2">
+            <a:avLst/>
+          </a:prstGeom>
+          <a:ln>
+            <a:tailEnd type="triangle" w="med" len="lg"/>
+          </a:ln>
+        </p:spPr>
+        <p:style>
+          <a:lnRef idx="1">
+            <a:schemeClr val="accent1"/>
+          </a:lnRef>
+          <a:fillRef idx="0">
+            <a:schemeClr val="accent1"/>
+          </a:fillRef>
+          <a:effectRef idx="0">
+            <a:schemeClr val="accent1"/>
+          </a:effectRef>
+          <a:fontRef idx="minor">
+            <a:schemeClr val="tx1"/>
+          </a:fontRef>
+        </p:style>
+      </p:cxnSp>
+      <p:sp>
+        <p:nvSpPr>
+          <p:cNvPr id="25" name="圆角矩形 24"/>
+          <p:cNvSpPr/>
+          <p:nvPr/>
+        </p:nvSpPr>
+        <p:spPr>
+          <a:xfrm>
+            <a:off x="3707904" y="2300542"/>
+            <a:ext cx="1420493" cy="216024"/>
+          </a:xfrm>
+          <a:prstGeom prst="roundRect">
+            <a:avLst/>
+          </a:prstGeom>
+        </p:spPr>
+        <p:style>
+          <a:lnRef idx="1">
+            <a:schemeClr val="dk1"/>
+          </a:lnRef>
+          <a:fillRef idx="2">
+            <a:schemeClr val="dk1"/>
+          </a:fillRef>
+          <a:effectRef idx="1">
+            <a:schemeClr val="dk1"/>
+          </a:effectRef>
+          <a:fontRef idx="minor">
+            <a:schemeClr val="dk1"/>
+          </a:fontRef>
+        </p:style>
+        <p:txBody>
+          <a:bodyPr lIns="0" tIns="0" rIns="0" bIns="0" rtlCol="0" anchor="ctr" anchorCtr="1"/>
+          <a:lstStyle/>
+          <a:p>
+            <a:pPr algn="ctr"/>
+            <a:r>
+              <a:rPr lang="zh-CN" altLang="en-US" sz="1200" smtClean="0"/>
+              <a:t>项目列表</a:t>
+            </a:r>
+            <a:endParaRPr lang="zh-CN" altLang="en-US" sz="1200"/>
+          </a:p>
+        </p:txBody>
+      </p:sp>
+      <p:cxnSp>
+        <p:nvCxnSpPr>
+          <p:cNvPr id="26" name="直接连接符 14"/>
+          <p:cNvCxnSpPr>
+            <a:stCxn id="36" idx="2"/>
+            <a:endCxn id="25" idx="1"/>
+          </p:cNvCxnSpPr>
+          <p:nvPr/>
+        </p:nvCxnSpPr>
+        <p:spPr>
+          <a:xfrm rot="16200000" flipH="1">
+            <a:off x="3122674" y="1823323"/>
+            <a:ext cx="152441" cy="1018020"/>
+          </a:xfrm>
+          <a:prstGeom prst="bentConnector2">
+            <a:avLst/>
+          </a:prstGeom>
+          <a:ln>
+            <a:tailEnd type="triangle" w="med" len="lg"/>
+          </a:ln>
+        </p:spPr>
+        <p:style>
+          <a:lnRef idx="1">
+            <a:schemeClr val="accent1"/>
+          </a:lnRef>
+          <a:fillRef idx="0">
+            <a:schemeClr val="accent1"/>
+          </a:fillRef>
+          <a:effectRef idx="0">
+            <a:schemeClr val="accent1"/>
+          </a:effectRef>
+          <a:fontRef idx="minor">
+            <a:schemeClr val="tx1"/>
+          </a:fontRef>
+        </p:style>
+      </p:cxnSp>
+      <p:sp>
+        <p:nvSpPr>
+          <p:cNvPr id="30" name="圆角矩形 29"/>
+          <p:cNvSpPr/>
+          <p:nvPr/>
+        </p:nvSpPr>
+        <p:spPr>
+          <a:xfrm>
+            <a:off x="3707904" y="2620000"/>
+            <a:ext cx="1420493" cy="216024"/>
+          </a:xfrm>
+          <a:prstGeom prst="roundRect">
+            <a:avLst/>
+          </a:prstGeom>
+        </p:spPr>
+        <p:style>
+          <a:lnRef idx="1">
+            <a:schemeClr val="accent2"/>
+          </a:lnRef>
+          <a:fillRef idx="2">
+            <a:schemeClr val="accent2"/>
+          </a:fillRef>
+          <a:effectRef idx="1">
+            <a:schemeClr val="accent2"/>
+          </a:effectRef>
+          <a:fontRef idx="minor">
+            <a:schemeClr val="dk1"/>
+          </a:fontRef>
+        </p:style>
+        <p:txBody>
+          <a:bodyPr lIns="0" tIns="0" rIns="0" bIns="0" rtlCol="0" anchor="ctr" anchorCtr="1"/>
+          <a:lstStyle/>
+          <a:p>
+            <a:pPr algn="ctr"/>
+            <a:r>
+              <a:rPr lang="zh-CN" altLang="en-US" sz="1200"/>
               <a:t>资源</a:t>
             </a:r>
             <a:r>
-              <a:rPr lang="zh-CN" altLang="en-US" sz="1600" smtClean="0"/>
-              <a:t>：</a:t>
-            </a:r>
-            <a:r>
-              <a:rPr lang="en-US" altLang="zh-CN" sz="1600" smtClean="0"/>
-              <a:t>Level1</a:t>
-            </a:r>
-          </a:p>
-          <a:p>
-            <a:pPr marL="285750" indent="-285750">
-              <a:buFont typeface="Arial" panose="020B0604020202020204" pitchFamily="34" charset="0"/>
-              <a:buChar char="•"/>
-            </a:pPr>
-            <a:r>
-              <a:rPr lang="zh-CN" altLang="en-US" sz="1600" smtClean="0"/>
-              <a:t>数据导入：</a:t>
-            </a:r>
-            <a:r>
-              <a:rPr lang="en-US" altLang="zh-CN" sz="1600" smtClean="0"/>
-              <a:t>FBX/PLY/OBJ/STL </a:t>
-            </a:r>
-            <a:r>
-              <a:rPr lang="zh-CN" altLang="en-US" sz="1600" smtClean="0"/>
-              <a:t>格式，支持</a:t>
-            </a:r>
-            <a:r>
-              <a:rPr lang="en-US" altLang="zh-CN" sz="1600" smtClean="0"/>
-              <a:t>ZIP</a:t>
-            </a:r>
-            <a:r>
-              <a:rPr lang="zh-CN" altLang="en-US" sz="1600" smtClean="0"/>
-              <a:t>打包格式。</a:t>
-            </a:r>
-            <a:endParaRPr lang="en-US" altLang="zh-CN" sz="1600" smtClean="0"/>
-          </a:p>
-          <a:p>
-            <a:pPr marL="285750" indent="-285750">
-              <a:buFont typeface="Arial" panose="020B0604020202020204" pitchFamily="34" charset="0"/>
-              <a:buChar char="•"/>
-            </a:pPr>
-            <a:r>
-              <a:rPr lang="zh-CN" altLang="en-US" sz="1600" smtClean="0"/>
-              <a:t>材质编辑：纹理贴图</a:t>
-            </a:r>
-            <a:endParaRPr lang="en-US" altLang="zh-CN" sz="1600" dirty="0" smtClean="0"/>
-          </a:p>
-          <a:p>
-            <a:endParaRPr lang="en-US" altLang="zh-CN" sz="1600" dirty="0"/>
-          </a:p>
-          <a:p>
-            <a:r>
-              <a:rPr lang="zh-CN" altLang="en-US" sz="1600" smtClean="0"/>
-              <a:t>用户；</a:t>
-            </a:r>
-            <a:r>
-              <a:rPr lang="en-US" altLang="zh-CN" sz="1600" smtClean="0"/>
-              <a:t>Level1</a:t>
-            </a:r>
-          </a:p>
-          <a:p>
-            <a:pPr marL="285750" indent="-285750">
-              <a:buFont typeface="Arial" panose="020B0604020202020204" pitchFamily="34" charset="0"/>
-              <a:buChar char="•"/>
-            </a:pPr>
-            <a:r>
-              <a:rPr lang="zh-CN" altLang="en-US" sz="1600" smtClean="0"/>
-              <a:t>用户注册</a:t>
-            </a:r>
-            <a:r>
-              <a:rPr lang="en-US" altLang="zh-CN" sz="1600" smtClean="0"/>
-              <a:t>/</a:t>
-            </a:r>
-            <a:r>
-              <a:rPr lang="zh-CN" altLang="en-US" sz="1600" smtClean="0"/>
-              <a:t>登录</a:t>
-            </a:r>
-            <a:r>
-              <a:rPr lang="en-US" altLang="zh-CN" sz="1600" smtClean="0"/>
-              <a:t>/</a:t>
-            </a:r>
-            <a:r>
-              <a:rPr lang="zh-CN" altLang="en-US" sz="1600"/>
-              <a:t>重置</a:t>
-            </a:r>
-            <a:r>
-              <a:rPr lang="zh-CN" altLang="en-US" sz="1600" smtClean="0"/>
-              <a:t>密码（邮件方式）</a:t>
-            </a:r>
-            <a:endParaRPr lang="en-US" altLang="zh-CN" sz="1600" smtClean="0"/>
-          </a:p>
-          <a:p>
-            <a:pPr marL="285750" indent="-285750">
-              <a:buFont typeface="Arial" panose="020B0604020202020204" pitchFamily="34" charset="0"/>
-              <a:buChar char="•"/>
-            </a:pPr>
-            <a:r>
-              <a:rPr lang="zh-CN" altLang="en-US" sz="1600" smtClean="0"/>
-              <a:t>信息修改（用户名</a:t>
-            </a:r>
-            <a:r>
-              <a:rPr lang="en-US" altLang="zh-CN" sz="1600" smtClean="0"/>
-              <a:t>/</a:t>
-            </a:r>
-            <a:r>
-              <a:rPr lang="zh-CN" altLang="en-US" sz="1600" smtClean="0"/>
-              <a:t>邮箱</a:t>
-            </a:r>
-            <a:r>
-              <a:rPr lang="en-US" altLang="zh-CN" sz="1600" smtClean="0"/>
-              <a:t>/</a:t>
-            </a:r>
-            <a:r>
-              <a:rPr lang="zh-CN" altLang="en-US" sz="1600" smtClean="0"/>
-              <a:t>手机号</a:t>
-            </a:r>
-            <a:r>
-              <a:rPr lang="en-US" altLang="zh-CN" sz="1600" smtClean="0"/>
-              <a:t>/QQ</a:t>
-            </a:r>
-            <a:r>
-              <a:rPr lang="zh-CN" altLang="en-US" sz="1600" smtClean="0"/>
-              <a:t>号）</a:t>
-            </a:r>
-            <a:endParaRPr lang="en-US" altLang="zh-CN" sz="1600" smtClean="0"/>
-          </a:p>
-          <a:p>
-            <a:endParaRPr lang="en-US" altLang="zh-CN" sz="1600"/>
-          </a:p>
-          <a:p>
-            <a:r>
-              <a:rPr lang="zh-CN" altLang="en-US" sz="1600" smtClean="0"/>
-              <a:t>资金：</a:t>
-            </a:r>
-            <a:r>
-              <a:rPr lang="en-US" altLang="zh-CN" sz="1600" smtClean="0"/>
-              <a:t>Level2</a:t>
-            </a:r>
-          </a:p>
-          <a:p>
-            <a:pPr marL="285750" indent="-285750">
-              <a:buFont typeface="Arial" panose="020B0604020202020204" pitchFamily="34" charset="0"/>
-              <a:buChar char="•"/>
-            </a:pPr>
-            <a:r>
-              <a:rPr lang="zh-CN" altLang="en-US" sz="1600"/>
-              <a:t>充</a:t>
-            </a:r>
-            <a:r>
-              <a:rPr lang="zh-CN" altLang="en-US" sz="1600" smtClean="0"/>
-              <a:t>值，自动兑换点数</a:t>
-            </a:r>
-            <a:endParaRPr lang="en-US" altLang="zh-CN" sz="1600" smtClean="0"/>
-          </a:p>
-          <a:p>
-            <a:endParaRPr lang="en-US" altLang="zh-CN" sz="1600" smtClean="0"/>
-          </a:p>
-          <a:p>
-            <a:r>
-              <a:rPr lang="zh-CN" altLang="en-US" sz="1600" smtClean="0"/>
-              <a:t>悬赏</a:t>
-            </a:r>
-            <a:r>
-              <a:rPr lang="zh-CN" altLang="en-US" sz="1600" smtClean="0">
-                <a:sym typeface="Wingdings" panose="05000000000000000000" pitchFamily="2" charset="2"/>
-              </a:rPr>
-              <a:t>：</a:t>
-            </a:r>
-            <a:r>
-              <a:rPr lang="en-US" altLang="zh-CN" sz="1600" smtClean="0">
-                <a:sym typeface="Wingdings" panose="05000000000000000000" pitchFamily="2" charset="2"/>
-              </a:rPr>
-              <a:t>Level3</a:t>
-            </a:r>
-            <a:endParaRPr lang="en-US" altLang="zh-CN" sz="1600" smtClean="0"/>
-          </a:p>
-          <a:p>
-            <a:pPr marL="285750" indent="-285750">
-              <a:buFont typeface="Arial" panose="020B0604020202020204" pitchFamily="34" charset="0"/>
-              <a:buChar char="•"/>
-            </a:pPr>
-            <a:r>
-              <a:rPr lang="zh-CN" altLang="en-US" sz="1600"/>
-              <a:t>发布</a:t>
-            </a:r>
-            <a:endParaRPr lang="en-US" altLang="zh-CN" sz="1600" smtClean="0"/>
-          </a:p>
-          <a:p>
-            <a:pPr marL="285750" indent="-285750">
-              <a:buFont typeface="Arial" panose="020B0604020202020204" pitchFamily="34" charset="0"/>
-              <a:buChar char="•"/>
-            </a:pPr>
-            <a:r>
-              <a:rPr lang="zh-CN" altLang="en-US" sz="1600" smtClean="0"/>
-              <a:t>接单</a:t>
-            </a:r>
-            <a:endParaRPr lang="en-US" altLang="zh-CN" sz="1600" smtClean="0"/>
-          </a:p>
-          <a:p>
-            <a:pPr marL="285750" indent="-285750">
-              <a:buFont typeface="Arial" panose="020B0604020202020204" pitchFamily="34" charset="0"/>
-              <a:buChar char="•"/>
-            </a:pPr>
-            <a:r>
-              <a:rPr lang="zh-CN" altLang="en-US" sz="1600"/>
-              <a:t>交付</a:t>
-            </a:r>
-            <a:endParaRPr lang="en-US" altLang="zh-CN" sz="1600" dirty="0"/>
-          </a:p>
-        </p:txBody>
-      </p:sp>
+              <a:rPr lang="zh-CN" altLang="en-US" sz="1200" smtClean="0"/>
+              <a:t>列表</a:t>
+            </a:r>
+            <a:endParaRPr lang="zh-CN" altLang="en-US" sz="1200"/>
+          </a:p>
+        </p:txBody>
+      </p:sp>
+      <p:sp>
+        <p:nvSpPr>
+          <p:cNvPr id="32" name="圆角矩形 31"/>
+          <p:cNvSpPr/>
+          <p:nvPr/>
+        </p:nvSpPr>
+        <p:spPr>
+          <a:xfrm>
+            <a:off x="3707904" y="2947821"/>
+            <a:ext cx="1420493" cy="216024"/>
+          </a:xfrm>
+          <a:prstGeom prst="roundRect">
+            <a:avLst/>
+          </a:prstGeom>
+        </p:spPr>
+        <p:style>
+          <a:lnRef idx="1">
+            <a:schemeClr val="dk1"/>
+          </a:lnRef>
+          <a:fillRef idx="2">
+            <a:schemeClr val="dk1"/>
+          </a:fillRef>
+          <a:effectRef idx="1">
+            <a:schemeClr val="dk1"/>
+          </a:effectRef>
+          <a:fontRef idx="minor">
+            <a:schemeClr val="dk1"/>
+          </a:fontRef>
+        </p:style>
+        <p:txBody>
+          <a:bodyPr lIns="0" tIns="0" rIns="0" bIns="0" rtlCol="0" anchor="ctr" anchorCtr="1"/>
+          <a:lstStyle/>
+          <a:p>
+            <a:pPr algn="ctr"/>
+            <a:r>
+              <a:rPr lang="zh-CN" altLang="en-US" sz="1200" smtClean="0"/>
+              <a:t>发布列表</a:t>
+            </a:r>
+            <a:endParaRPr lang="zh-CN" altLang="en-US" sz="1200"/>
+          </a:p>
+        </p:txBody>
+      </p:sp>
+      <p:sp>
+        <p:nvSpPr>
+          <p:cNvPr id="33" name="圆角矩形 32"/>
+          <p:cNvSpPr/>
+          <p:nvPr/>
+        </p:nvSpPr>
+        <p:spPr>
+          <a:xfrm>
+            <a:off x="3707904" y="3275641"/>
+            <a:ext cx="1420493" cy="216024"/>
+          </a:xfrm>
+          <a:prstGeom prst="roundRect">
+            <a:avLst/>
+          </a:prstGeom>
+        </p:spPr>
+        <p:style>
+          <a:lnRef idx="1">
+            <a:schemeClr val="dk1"/>
+          </a:lnRef>
+          <a:fillRef idx="2">
+            <a:schemeClr val="dk1"/>
+          </a:fillRef>
+          <a:effectRef idx="1">
+            <a:schemeClr val="dk1"/>
+          </a:effectRef>
+          <a:fontRef idx="minor">
+            <a:schemeClr val="dk1"/>
+          </a:fontRef>
+        </p:style>
+        <p:txBody>
+          <a:bodyPr lIns="0" tIns="0" rIns="0" bIns="0" rtlCol="0" anchor="ctr" anchorCtr="1"/>
+          <a:lstStyle/>
+          <a:p>
+            <a:pPr algn="ctr"/>
+            <a:r>
+              <a:rPr lang="zh-CN" altLang="en-US" sz="1200"/>
+              <a:t>团队</a:t>
+            </a:r>
+            <a:r>
+              <a:rPr lang="zh-CN" altLang="en-US" sz="1200" smtClean="0"/>
+              <a:t>列表</a:t>
+            </a:r>
+            <a:endParaRPr lang="zh-CN" altLang="en-US" sz="1200"/>
+          </a:p>
+        </p:txBody>
+      </p:sp>
+      <p:cxnSp>
+        <p:nvCxnSpPr>
+          <p:cNvPr id="35" name="直接连接符 14"/>
+          <p:cNvCxnSpPr>
+            <a:stCxn id="36" idx="2"/>
+            <a:endCxn id="30" idx="1"/>
+          </p:cNvCxnSpPr>
+          <p:nvPr/>
+        </p:nvCxnSpPr>
+        <p:spPr>
+          <a:xfrm rot="16200000" flipH="1">
+            <a:off x="2962945" y="1983052"/>
+            <a:ext cx="471899" cy="1018020"/>
+          </a:xfrm>
+          <a:prstGeom prst="bentConnector2">
+            <a:avLst/>
+          </a:prstGeom>
+          <a:ln>
+            <a:tailEnd type="triangle" w="med" len="lg"/>
+          </a:ln>
+        </p:spPr>
+        <p:style>
+          <a:lnRef idx="1">
+            <a:schemeClr val="accent1"/>
+          </a:lnRef>
+          <a:fillRef idx="0">
+            <a:schemeClr val="accent1"/>
+          </a:fillRef>
+          <a:effectRef idx="0">
+            <a:schemeClr val="accent1"/>
+          </a:effectRef>
+          <a:fontRef idx="minor">
+            <a:schemeClr val="tx1"/>
+          </a:fontRef>
+        </p:style>
+      </p:cxnSp>
+      <p:cxnSp>
+        <p:nvCxnSpPr>
+          <p:cNvPr id="37" name="直接连接符 14"/>
+          <p:cNvCxnSpPr>
+            <a:stCxn id="36" idx="2"/>
+            <a:endCxn id="32" idx="1"/>
+          </p:cNvCxnSpPr>
+          <p:nvPr/>
+        </p:nvCxnSpPr>
+        <p:spPr>
+          <a:xfrm rot="16200000" flipH="1">
+            <a:off x="2799034" y="2146963"/>
+            <a:ext cx="799720" cy="1018020"/>
+          </a:xfrm>
+          <a:prstGeom prst="bentConnector2">
+            <a:avLst/>
+          </a:prstGeom>
+          <a:ln>
+            <a:tailEnd type="triangle" w="med" len="lg"/>
+          </a:ln>
+        </p:spPr>
+        <p:style>
+          <a:lnRef idx="1">
+            <a:schemeClr val="accent1"/>
+          </a:lnRef>
+          <a:fillRef idx="0">
+            <a:schemeClr val="accent1"/>
+          </a:fillRef>
+          <a:effectRef idx="0">
+            <a:schemeClr val="accent1"/>
+          </a:effectRef>
+          <a:fontRef idx="minor">
+            <a:schemeClr val="tx1"/>
+          </a:fontRef>
+        </p:style>
+      </p:cxnSp>
+      <p:cxnSp>
+        <p:nvCxnSpPr>
+          <p:cNvPr id="40" name="直接连接符 14"/>
+          <p:cNvCxnSpPr>
+            <a:stCxn id="36" idx="2"/>
+            <a:endCxn id="33" idx="1"/>
+          </p:cNvCxnSpPr>
+          <p:nvPr/>
+        </p:nvCxnSpPr>
+        <p:spPr>
+          <a:xfrm rot="16200000" flipH="1">
+            <a:off x="2635124" y="2310873"/>
+            <a:ext cx="1127540" cy="1018020"/>
+          </a:xfrm>
+          <a:prstGeom prst="bentConnector2">
+            <a:avLst/>
+          </a:prstGeom>
+          <a:ln>
+            <a:tailEnd type="triangle" w="med" len="lg"/>
+          </a:ln>
+        </p:spPr>
+        <p:style>
+          <a:lnRef idx="1">
+            <a:schemeClr val="accent1"/>
+          </a:lnRef>
+          <a:fillRef idx="0">
+            <a:schemeClr val="accent1"/>
+          </a:fillRef>
+          <a:effectRef idx="0">
+            <a:schemeClr val="accent1"/>
+          </a:effectRef>
+          <a:fontRef idx="minor">
+            <a:schemeClr val="tx1"/>
+          </a:fontRef>
+        </p:style>
+      </p:cxnSp>
+      <p:sp>
+        <p:nvSpPr>
+          <p:cNvPr id="45" name="圆角矩形 44"/>
+          <p:cNvSpPr/>
+          <p:nvPr/>
+        </p:nvSpPr>
+        <p:spPr>
+          <a:xfrm>
+            <a:off x="5652120" y="2620000"/>
+            <a:ext cx="1420493" cy="216024"/>
+          </a:xfrm>
+          <a:prstGeom prst="roundRect">
+            <a:avLst/>
+          </a:prstGeom>
+        </p:spPr>
+        <p:style>
+          <a:lnRef idx="1">
+            <a:schemeClr val="accent2"/>
+          </a:lnRef>
+          <a:fillRef idx="2">
+            <a:schemeClr val="accent2"/>
+          </a:fillRef>
+          <a:effectRef idx="1">
+            <a:schemeClr val="accent2"/>
+          </a:effectRef>
+          <a:fontRef idx="minor">
+            <a:schemeClr val="dk1"/>
+          </a:fontRef>
+        </p:style>
+        <p:txBody>
+          <a:bodyPr lIns="0" tIns="0" rIns="0" bIns="0" rtlCol="0" anchor="ctr" anchorCtr="1"/>
+          <a:lstStyle/>
+          <a:p>
+            <a:pPr algn="ctr"/>
+            <a:r>
+              <a:rPr lang="zh-CN" altLang="en-US" sz="1200"/>
+              <a:t>上传</a:t>
+            </a:r>
+            <a:r>
+              <a:rPr lang="zh-CN" altLang="en-US" sz="1200" smtClean="0"/>
+              <a:t>资源</a:t>
+            </a:r>
+            <a:endParaRPr lang="zh-CN" altLang="en-US" sz="1200"/>
+          </a:p>
+        </p:txBody>
+      </p:sp>
+      <p:cxnSp>
+        <p:nvCxnSpPr>
+          <p:cNvPr id="46" name="直接连接符 14"/>
+          <p:cNvCxnSpPr>
+            <a:stCxn id="30" idx="3"/>
+            <a:endCxn id="45" idx="1"/>
+          </p:cNvCxnSpPr>
+          <p:nvPr/>
+        </p:nvCxnSpPr>
+        <p:spPr>
+          <a:xfrm>
+            <a:off x="5128397" y="2728012"/>
+            <a:ext cx="523723" cy="0"/>
+          </a:xfrm>
+          <a:prstGeom prst="straightConnector1">
+            <a:avLst/>
+          </a:prstGeom>
+          <a:ln>
+            <a:tailEnd type="triangle" w="med" len="lg"/>
+          </a:ln>
+        </p:spPr>
+        <p:style>
+          <a:lnRef idx="1">
+            <a:schemeClr val="accent1"/>
+          </a:lnRef>
+          <a:fillRef idx="0">
+            <a:schemeClr val="accent1"/>
+          </a:fillRef>
+          <a:effectRef idx="0">
+            <a:schemeClr val="accent1"/>
+          </a:effectRef>
+          <a:fontRef idx="minor">
+            <a:schemeClr val="tx1"/>
+          </a:fontRef>
+        </p:style>
+      </p:cxnSp>
+      <p:sp>
+        <p:nvSpPr>
+          <p:cNvPr id="74" name="圆角矩形 73"/>
+          <p:cNvSpPr/>
+          <p:nvPr/>
+        </p:nvSpPr>
+        <p:spPr>
+          <a:xfrm>
+            <a:off x="3707904" y="3869010"/>
+            <a:ext cx="1420493" cy="216024"/>
+          </a:xfrm>
+          <a:prstGeom prst="roundRect">
+            <a:avLst/>
+          </a:prstGeom>
+        </p:spPr>
+        <p:style>
+          <a:lnRef idx="1">
+            <a:schemeClr val="dk1"/>
+          </a:lnRef>
+          <a:fillRef idx="2">
+            <a:schemeClr val="dk1"/>
+          </a:fillRef>
+          <a:effectRef idx="1">
+            <a:schemeClr val="dk1"/>
+          </a:effectRef>
+          <a:fontRef idx="minor">
+            <a:schemeClr val="dk1"/>
+          </a:fontRef>
+        </p:style>
+        <p:txBody>
+          <a:bodyPr lIns="0" tIns="0" rIns="0" bIns="0" rtlCol="0" anchor="ctr" anchorCtr="1"/>
+          <a:lstStyle/>
+          <a:p>
+            <a:pPr algn="ctr"/>
+            <a:r>
+              <a:rPr lang="zh-CN" altLang="en-US" sz="1200" smtClean="0"/>
+              <a:t>项目列表</a:t>
+            </a:r>
+            <a:endParaRPr lang="zh-CN" altLang="en-US" sz="1200"/>
+          </a:p>
+        </p:txBody>
+      </p:sp>
+      <p:cxnSp>
+        <p:nvCxnSpPr>
+          <p:cNvPr id="75" name="直接连接符 14"/>
+          <p:cNvCxnSpPr>
+            <a:stCxn id="42" idx="2"/>
+            <a:endCxn id="74" idx="1"/>
+          </p:cNvCxnSpPr>
+          <p:nvPr/>
+        </p:nvCxnSpPr>
+        <p:spPr>
+          <a:xfrm rot="16200000" flipH="1">
+            <a:off x="3113656" y="3382774"/>
+            <a:ext cx="170476" cy="1018020"/>
+          </a:xfrm>
+          <a:prstGeom prst="bentConnector2">
+            <a:avLst/>
+          </a:prstGeom>
+          <a:ln>
+            <a:tailEnd type="triangle" w="med" len="lg"/>
+          </a:ln>
+        </p:spPr>
+        <p:style>
+          <a:lnRef idx="1">
+            <a:schemeClr val="accent1"/>
+          </a:lnRef>
+          <a:fillRef idx="0">
+            <a:schemeClr val="accent1"/>
+          </a:fillRef>
+          <a:effectRef idx="0">
+            <a:schemeClr val="accent1"/>
+          </a:effectRef>
+          <a:fontRef idx="minor">
+            <a:schemeClr val="tx1"/>
+          </a:fontRef>
+        </p:style>
+      </p:cxnSp>
+      <p:sp>
+        <p:nvSpPr>
+          <p:cNvPr id="81" name="圆角矩形 80"/>
+          <p:cNvSpPr/>
+          <p:nvPr/>
+        </p:nvSpPr>
+        <p:spPr>
+          <a:xfrm>
+            <a:off x="3707904" y="4193047"/>
+            <a:ext cx="1420493" cy="216024"/>
+          </a:xfrm>
+          <a:prstGeom prst="roundRect">
+            <a:avLst/>
+          </a:prstGeom>
+        </p:spPr>
+        <p:style>
+          <a:lnRef idx="1">
+            <a:schemeClr val="accent6"/>
+          </a:lnRef>
+          <a:fillRef idx="2">
+            <a:schemeClr val="accent6"/>
+          </a:fillRef>
+          <a:effectRef idx="1">
+            <a:schemeClr val="accent6"/>
+          </a:effectRef>
+          <a:fontRef idx="minor">
+            <a:schemeClr val="dk1"/>
+          </a:fontRef>
+        </p:style>
+        <p:txBody>
+          <a:bodyPr lIns="0" tIns="0" rIns="0" bIns="0" rtlCol="0" anchor="ctr" anchorCtr="1"/>
+          <a:lstStyle/>
+          <a:p>
+            <a:pPr algn="ctr"/>
+            <a:r>
+              <a:rPr lang="zh-CN" altLang="en-US" sz="1200" smtClean="0"/>
+              <a:t>资源列表</a:t>
+            </a:r>
+            <a:endParaRPr lang="zh-CN" altLang="en-US" sz="1200"/>
+          </a:p>
+        </p:txBody>
+      </p:sp>
+      <p:cxnSp>
+        <p:nvCxnSpPr>
+          <p:cNvPr id="82" name="直接连接符 14"/>
+          <p:cNvCxnSpPr>
+            <a:stCxn id="42" idx="2"/>
+            <a:endCxn id="81" idx="1"/>
+          </p:cNvCxnSpPr>
+          <p:nvPr/>
+        </p:nvCxnSpPr>
+        <p:spPr>
+          <a:xfrm rot="16200000" flipH="1">
+            <a:off x="2951638" y="3544792"/>
+            <a:ext cx="494513" cy="1018020"/>
+          </a:xfrm>
+          <a:prstGeom prst="bentConnector2">
+            <a:avLst/>
+          </a:prstGeom>
+          <a:ln>
+            <a:tailEnd type="triangle" w="med" len="lg"/>
+          </a:ln>
+        </p:spPr>
+        <p:style>
+          <a:lnRef idx="1">
+            <a:schemeClr val="accent1"/>
+          </a:lnRef>
+          <a:fillRef idx="0">
+            <a:schemeClr val="accent1"/>
+          </a:fillRef>
+          <a:effectRef idx="0">
+            <a:schemeClr val="accent1"/>
+          </a:effectRef>
+          <a:fontRef idx="minor">
+            <a:schemeClr val="tx1"/>
+          </a:fontRef>
+        </p:style>
+      </p:cxnSp>
     </p:spTree>
     <p:extLst>
       <p:ext uri="{BB962C8B-B14F-4D97-AF65-F5344CB8AC3E}">
-        <p14:creationId xmlns:p14="http://schemas.microsoft.com/office/powerpoint/2010/main" val="1284212560"/>
+        <p14:creationId xmlns:p14="http://schemas.microsoft.com/office/powerpoint/2010/main" val="1279786755"/>
       </p:ext>
     </p:extLst>
   </p:cSld>

--- a/document/计划-1-三维资源平台.pptx
+++ b/document/计划-1-三维资源平台.pptx
@@ -5,10 +5,10 @@
     <p:sldMasterId id="2147483648" r:id="rId1"/>
   </p:sldMasterIdLst>
   <p:notesMasterIdLst>
-    <p:notesMasterId r:id="rId14"/>
+    <p:notesMasterId r:id="rId18"/>
   </p:notesMasterIdLst>
   <p:handoutMasterIdLst>
-    <p:handoutMasterId r:id="rId15"/>
+    <p:handoutMasterId r:id="rId19"/>
   </p:handoutMasterIdLst>
   <p:sldIdLst>
     <p:sldId id="256" r:id="rId2"/>
@@ -18,11 +18,15 @@
     <p:sldId id="448" r:id="rId6"/>
     <p:sldId id="458" r:id="rId7"/>
     <p:sldId id="457" r:id="rId8"/>
-    <p:sldId id="453" r:id="rId9"/>
-    <p:sldId id="452" r:id="rId10"/>
-    <p:sldId id="456" r:id="rId11"/>
-    <p:sldId id="436" r:id="rId12"/>
-    <p:sldId id="426" r:id="rId13"/>
+    <p:sldId id="459" r:id="rId9"/>
+    <p:sldId id="461" r:id="rId10"/>
+    <p:sldId id="460" r:id="rId11"/>
+    <p:sldId id="462" r:id="rId12"/>
+    <p:sldId id="453" r:id="rId13"/>
+    <p:sldId id="452" r:id="rId14"/>
+    <p:sldId id="456" r:id="rId15"/>
+    <p:sldId id="436" r:id="rId16"/>
+    <p:sldId id="426" r:id="rId17"/>
   </p:sldIdLst>
   <p:sldSz cx="9144000" cy="5865813"/>
   <p:notesSz cx="6858000" cy="9144000"/>
@@ -123,7 +127,7 @@
   </p:defaultTextStyle>
   <p:extLst>
     <p:ext uri="{EFAFB233-063F-42B5-8137-9DF3F51BA10A}">
-      <p15:sldGuideLst xmlns:p15="http://schemas.microsoft.com/office/powerpoint/2012/main" xmlns="">
+      <p15:sldGuideLst xmlns:p15="http://schemas.microsoft.com/office/powerpoint/2012/main">
         <p15:guide id="1" orient="horz" pos="1848">
           <p15:clr>
             <a:srgbClr val="A4A3A4"/>
@@ -137,7 +141,7 @@
       </p15:sldGuideLst>
     </p:ext>
     <p:ext uri="{2D200454-40CA-4A62-9FC3-DE9A4176ACB9}">
-      <p15:notesGuideLst xmlns:p15="http://schemas.microsoft.com/office/powerpoint/2012/main" xmlns="">
+      <p15:notesGuideLst xmlns:p15="http://schemas.microsoft.com/office/powerpoint/2012/main">
         <p15:guide id="1" orient="horz" pos="2880">
           <p15:clr>
             <a:srgbClr val="A4A3A4"/>
@@ -236,7 +240,7 @@
           <a:p>
             <a:fld id="{92560736-7F85-4515-A6D8-4542283B826A}" type="datetimeFigureOut">
               <a:rPr lang="zh-CN" altLang="en-US" smtClean="0"/>
-              <a:t>2015/4/14</a:t>
+              <a:t>2015/4/15</a:t>
             </a:fld>
             <a:endParaRPr lang="zh-CN" altLang="en-US"/>
           </a:p>
@@ -401,7 +405,7 @@
           <a:p>
             <a:fld id="{92548700-594F-44E5-8A8A-527182797791}" type="datetimeFigureOut">
               <a:rPr lang="zh-CN" altLang="en-US" smtClean="0"/>
-              <a:t>2015/4/14</a:t>
+              <a:t>2015/4/15</a:t>
             </a:fld>
             <a:endParaRPr lang="zh-CN" altLang="en-US"/>
           </a:p>
@@ -850,7 +854,7 @@
           <a:p>
             <a:fld id="{D3091F99-555A-4E70-BF70-8E07EE828744}" type="datetimeFigureOut">
               <a:rPr lang="zh-CN" altLang="en-US" smtClean="0"/>
-              <a:t>2015/4/14</a:t>
+              <a:t>2015/4/15</a:t>
             </a:fld>
             <a:endParaRPr lang="zh-CN" altLang="en-US"/>
           </a:p>
@@ -1027,7 +1031,7 @@
           <a:p>
             <a:fld id="{D3091F99-555A-4E70-BF70-8E07EE828744}" type="datetimeFigureOut">
               <a:rPr lang="zh-CN" altLang="en-US" smtClean="0"/>
-              <a:t>2015/4/14</a:t>
+              <a:t>2015/4/15</a:t>
             </a:fld>
             <a:endParaRPr lang="zh-CN" altLang="en-US"/>
           </a:p>
@@ -1207,7 +1211,7 @@
           <a:p>
             <a:fld id="{D3091F99-555A-4E70-BF70-8E07EE828744}" type="datetimeFigureOut">
               <a:rPr lang="zh-CN" altLang="en-US" smtClean="0"/>
-              <a:t>2015/4/14</a:t>
+              <a:t>2015/4/15</a:t>
             </a:fld>
             <a:endParaRPr lang="zh-CN" altLang="en-US"/>
           </a:p>
@@ -1377,7 +1381,7 @@
           <a:p>
             <a:fld id="{D3091F99-555A-4E70-BF70-8E07EE828744}" type="datetimeFigureOut">
               <a:rPr lang="zh-CN" altLang="en-US" smtClean="0"/>
-              <a:t>2015/4/14</a:t>
+              <a:t>2015/4/15</a:t>
             </a:fld>
             <a:endParaRPr lang="zh-CN" altLang="en-US"/>
           </a:p>
@@ -1630,7 +1634,7 @@
           <a:p>
             <a:fld id="{D3091F99-555A-4E70-BF70-8E07EE828744}" type="datetimeFigureOut">
               <a:rPr lang="zh-CN" altLang="en-US" smtClean="0"/>
-              <a:t>2015/4/14</a:t>
+              <a:t>2015/4/15</a:t>
             </a:fld>
             <a:endParaRPr lang="zh-CN" altLang="en-US"/>
           </a:p>
@@ -1918,7 +1922,7 @@
           <a:p>
             <a:fld id="{D3091F99-555A-4E70-BF70-8E07EE828744}" type="datetimeFigureOut">
               <a:rPr lang="zh-CN" altLang="en-US" smtClean="0"/>
-              <a:t>2015/4/14</a:t>
+              <a:t>2015/4/15</a:t>
             </a:fld>
             <a:endParaRPr lang="zh-CN" altLang="en-US"/>
           </a:p>
@@ -2345,7 +2349,7 @@
           <a:p>
             <a:fld id="{D3091F99-555A-4E70-BF70-8E07EE828744}" type="datetimeFigureOut">
               <a:rPr lang="zh-CN" altLang="en-US" smtClean="0"/>
-              <a:t>2015/4/14</a:t>
+              <a:t>2015/4/15</a:t>
             </a:fld>
             <a:endParaRPr lang="zh-CN" altLang="en-US"/>
           </a:p>
@@ -2463,7 +2467,7 @@
           <a:p>
             <a:fld id="{D3091F99-555A-4E70-BF70-8E07EE828744}" type="datetimeFigureOut">
               <a:rPr lang="zh-CN" altLang="en-US" smtClean="0"/>
-              <a:t>2015/4/14</a:t>
+              <a:t>2015/4/15</a:t>
             </a:fld>
             <a:endParaRPr lang="zh-CN" altLang="en-US"/>
           </a:p>
@@ -2558,7 +2562,7 @@
           <a:p>
             <a:fld id="{D3091F99-555A-4E70-BF70-8E07EE828744}" type="datetimeFigureOut">
               <a:rPr lang="zh-CN" altLang="en-US" smtClean="0"/>
-              <a:t>2015/4/14</a:t>
+              <a:t>2015/4/15</a:t>
             </a:fld>
             <a:endParaRPr lang="zh-CN" altLang="en-US"/>
           </a:p>
@@ -2835,7 +2839,7 @@
           <a:p>
             <a:fld id="{D3091F99-555A-4E70-BF70-8E07EE828744}" type="datetimeFigureOut">
               <a:rPr lang="zh-CN" altLang="en-US" smtClean="0"/>
-              <a:t>2015/4/14</a:t>
+              <a:t>2015/4/15</a:t>
             </a:fld>
             <a:endParaRPr lang="zh-CN" altLang="en-US"/>
           </a:p>
@@ -3088,7 +3092,7 @@
           <a:p>
             <a:fld id="{D3091F99-555A-4E70-BF70-8E07EE828744}" type="datetimeFigureOut">
               <a:rPr lang="zh-CN" altLang="en-US" smtClean="0"/>
-              <a:t>2015/4/14</a:t>
+              <a:t>2015/4/15</a:t>
             </a:fld>
             <a:endParaRPr lang="zh-CN" altLang="en-US"/>
           </a:p>
@@ -3310,7 +3314,7 @@
           <a:p>
             <a:fld id="{D3091F99-555A-4E70-BF70-8E07EE828744}" type="datetimeFigureOut">
               <a:rPr lang="zh-CN" altLang="en-US" smtClean="0"/>
-              <a:t>2015/4/14</a:t>
+              <a:t>2015/4/15</a:t>
             </a:fld>
             <a:endParaRPr lang="zh-CN" altLang="en-US"/>
           </a:p>
@@ -3941,12 +3945,12 @@
           <a:lstStyle/>
           <a:p>
             <a:r>
+              <a:rPr lang="zh-CN" altLang="en-US" smtClean="0"/>
+              <a:t>资源结构 </a:t>
+            </a:r>
+            <a:r>
               <a:rPr lang="en-US" altLang="zh-CN" smtClean="0"/>
-              <a:t>WEB – </a:t>
-            </a:r>
-            <a:r>
-              <a:rPr lang="zh-CN" altLang="en-US"/>
-              <a:t>后台</a:t>
+              <a:t>- Template</a:t>
             </a:r>
             <a:endParaRPr lang="zh-CN" altLang="en-US" dirty="0"/>
           </a:p>
@@ -3960,8 +3964,8 @@
         </p:nvSpPr>
         <p:spPr>
           <a:xfrm>
-            <a:off x="819883" y="1247186"/>
-            <a:ext cx="1008112" cy="216024"/>
+            <a:off x="395536" y="836476"/>
+            <a:ext cx="1368152" cy="216024"/>
           </a:xfrm>
           <a:prstGeom prst="roundRect">
             <a:avLst/>
@@ -3987,21 +3991,26 @@
           <a:p>
             <a:pPr algn="ctr"/>
             <a:r>
-              <a:rPr lang="zh-CN" altLang="en-US" sz="1200"/>
-              <a:t>站点</a:t>
-            </a:r>
-          </a:p>
-        </p:txBody>
-      </p:sp>
-      <p:sp>
-        <p:nvSpPr>
-          <p:cNvPr id="36" name="圆角矩形 35"/>
+              <a:rPr lang="zh-CN" altLang="en-US" sz="1200" smtClean="0"/>
+              <a:t>模板</a:t>
+            </a:r>
+            <a:r>
+              <a:rPr lang="en-US" altLang="zh-CN" sz="1200" smtClean="0"/>
+              <a:t>(Template)</a:t>
+            </a:r>
+            <a:endParaRPr lang="zh-CN" altLang="en-US" sz="1200" dirty="0"/>
+          </a:p>
+        </p:txBody>
+      </p:sp>
+      <p:sp>
+        <p:nvSpPr>
+          <p:cNvPr id="31" name="圆角矩形 30"/>
           <p:cNvSpPr/>
           <p:nvPr/>
         </p:nvSpPr>
         <p:spPr>
           <a:xfrm>
-            <a:off x="1974227" y="1597900"/>
+            <a:off x="1489024" y="3070406"/>
             <a:ext cx="1420493" cy="216024"/>
           </a:xfrm>
           <a:prstGeom prst="roundRect">
@@ -4010,13 +4019,13 @@
         </p:spPr>
         <p:style>
           <a:lnRef idx="1">
-            <a:schemeClr val="accent6"/>
+            <a:schemeClr val="accent4"/>
           </a:lnRef>
           <a:fillRef idx="2">
-            <a:schemeClr val="accent6"/>
+            <a:schemeClr val="accent4"/>
           </a:fillRef>
           <a:effectRef idx="1">
-            <a:schemeClr val="accent6"/>
+            <a:schemeClr val="accent4"/>
           </a:effectRef>
           <a:fontRef idx="minor">
             <a:schemeClr val="dk1"/>
@@ -4028,30 +4037,30 @@
           <a:p>
             <a:pPr algn="ctr"/>
             <a:r>
-              <a:rPr lang="zh-CN" altLang="en-US" sz="1200"/>
-              <a:t>共通</a:t>
-            </a:r>
-            <a:r>
               <a:rPr lang="zh-CN" altLang="en-US" sz="1200" smtClean="0"/>
-              <a:t>管理</a:t>
-            </a:r>
-            <a:endParaRPr lang="zh-CN" altLang="en-US" sz="1200"/>
+              <a:t>显示层</a:t>
+            </a:r>
+            <a:r>
+              <a:rPr lang="en-US" altLang="zh-CN" sz="1200" smtClean="0"/>
+              <a:t>(DisplayLayer)</a:t>
+            </a:r>
+            <a:endParaRPr lang="zh-CN" altLang="en-US" sz="1200" dirty="0"/>
           </a:p>
         </p:txBody>
       </p:sp>
       <p:cxnSp>
         <p:nvCxnSpPr>
-          <p:cNvPr id="38" name="直接连接符 14"/>
+          <p:cNvPr id="34" name="直接连接符 14"/>
           <p:cNvCxnSpPr>
             <a:stCxn id="3" idx="2"/>
-            <a:endCxn id="36" idx="1"/>
+            <a:endCxn id="31" idx="1"/>
           </p:cNvCxnSpPr>
           <p:nvPr/>
         </p:nvCxnSpPr>
         <p:spPr>
           <a:xfrm rot="16200000" flipH="1">
-            <a:off x="1527732" y="1259417"/>
-            <a:ext cx="242702" cy="650288"/>
+            <a:off x="221359" y="1910753"/>
+            <a:ext cx="2125918" cy="409412"/>
           </a:xfrm>
           <a:prstGeom prst="bentConnector2">
             <a:avLst/>
@@ -4079,15 +4088,15 @@
         <p:nvCxnSpPr>
           <p:cNvPr id="43" name="直接连接符 14"/>
           <p:cNvCxnSpPr>
-            <a:stCxn id="3" idx="2"/>
-            <a:endCxn id="29" idx="1"/>
+            <a:stCxn id="41" idx="2"/>
+            <a:endCxn id="19" idx="1"/>
           </p:cNvCxnSpPr>
           <p:nvPr/>
         </p:nvCxnSpPr>
         <p:spPr>
           <a:xfrm rot="16200000" flipH="1">
-            <a:off x="1122362" y="1664787"/>
-            <a:ext cx="1053443" cy="650288"/>
+            <a:off x="3667060" y="3545831"/>
+            <a:ext cx="284932" cy="514789"/>
           </a:xfrm>
           <a:prstGeom prst="bentConnector2">
             <a:avLst/>
@@ -4113,13 +4122,13 @@
       </p:cxnSp>
       <p:sp>
         <p:nvSpPr>
-          <p:cNvPr id="29" name="圆角矩形 28"/>
+          <p:cNvPr id="107" name="圆角矩形 106"/>
           <p:cNvSpPr/>
           <p:nvPr/>
         </p:nvSpPr>
         <p:spPr>
           <a:xfrm>
-            <a:off x="1974227" y="2408641"/>
+            <a:off x="1456232" y="1227096"/>
             <a:ext cx="1420493" cy="216024"/>
           </a:xfrm>
           <a:prstGeom prst="roundRect">
@@ -4146,72 +4155,30 @@
           <a:p>
             <a:pPr algn="ctr"/>
             <a:r>
-              <a:rPr lang="zh-CN" altLang="en-US" sz="1200"/>
-              <a:t>业务</a:t>
-            </a:r>
-            <a:r>
-              <a:rPr lang="zh-CN" altLang="en-US" sz="1200" smtClean="0"/>
-              <a:t>列表</a:t>
-            </a:r>
-            <a:endParaRPr lang="zh-CN" altLang="en-US" sz="1200"/>
-          </a:p>
-        </p:txBody>
-      </p:sp>
-      <p:sp>
-        <p:nvSpPr>
-          <p:cNvPr id="35" name="圆角矩形 34"/>
-          <p:cNvSpPr/>
-          <p:nvPr/>
-        </p:nvSpPr>
-        <p:spPr>
-          <a:xfrm>
-            <a:off x="3415040" y="2768681"/>
-            <a:ext cx="1420493" cy="216024"/>
-          </a:xfrm>
-          <a:prstGeom prst="roundRect">
-            <a:avLst/>
-          </a:prstGeom>
-        </p:spPr>
-        <p:style>
-          <a:lnRef idx="1">
-            <a:schemeClr val="accent6"/>
-          </a:lnRef>
-          <a:fillRef idx="2">
-            <a:schemeClr val="accent6"/>
-          </a:fillRef>
-          <a:effectRef idx="1">
-            <a:schemeClr val="accent6"/>
-          </a:effectRef>
-          <a:fontRef idx="minor">
-            <a:schemeClr val="dk1"/>
-          </a:fontRef>
-        </p:style>
-        <p:txBody>
-          <a:bodyPr lIns="0" tIns="0" rIns="0" bIns="0" rtlCol="0" anchor="ctr" anchorCtr="1"/>
-          <a:lstStyle/>
-          <a:p>
-            <a:pPr algn="ctr"/>
-            <a:r>
-              <a:rPr lang="zh-CN" altLang="en-US" sz="1200" smtClean="0"/>
-              <a:t>用户列表</a:t>
-            </a:r>
-            <a:endParaRPr lang="zh-CN" altLang="en-US" sz="1200"/>
+              <a:rPr lang="zh-CN" altLang="en-US" sz="1200" dirty="0" smtClean="0"/>
+              <a:t>区域</a:t>
+            </a:r>
+            <a:r>
+              <a:rPr lang="en-US" altLang="zh-CN" sz="1200" dirty="0" smtClean="0"/>
+              <a:t>(Region)</a:t>
+            </a:r>
+            <a:endParaRPr lang="zh-CN" altLang="en-US" sz="1200" dirty="0"/>
           </a:p>
         </p:txBody>
       </p:sp>
       <p:cxnSp>
         <p:nvCxnSpPr>
-          <p:cNvPr id="37" name="直接连接符 14"/>
+          <p:cNvPr id="108" name="直接连接符 14"/>
           <p:cNvCxnSpPr>
-            <a:stCxn id="29" idx="2"/>
-            <a:endCxn id="35" idx="1"/>
+            <a:stCxn id="3" idx="2"/>
+            <a:endCxn id="107" idx="1"/>
           </p:cNvCxnSpPr>
           <p:nvPr/>
         </p:nvCxnSpPr>
         <p:spPr>
           <a:xfrm rot="16200000" flipH="1">
-            <a:off x="2923743" y="2385396"/>
-            <a:ext cx="252028" cy="730566"/>
+            <a:off x="1126618" y="1005494"/>
+            <a:ext cx="282608" cy="376620"/>
           </a:xfrm>
           <a:prstGeom prst="bentConnector2">
             <a:avLst/>
@@ -4237,14 +4204,260 @@
       </p:cxnSp>
       <p:sp>
         <p:nvSpPr>
+          <p:cNvPr id="113" name="圆角矩形 112"/>
+          <p:cNvSpPr/>
+          <p:nvPr/>
+        </p:nvSpPr>
+        <p:spPr>
+          <a:xfrm>
+            <a:off x="2842909" y="1869480"/>
+            <a:ext cx="1420493" cy="216024"/>
+          </a:xfrm>
+          <a:prstGeom prst="roundRect">
+            <a:avLst/>
+          </a:prstGeom>
+        </p:spPr>
+        <p:style>
+          <a:lnRef idx="1">
+            <a:schemeClr val="accent6"/>
+          </a:lnRef>
+          <a:fillRef idx="2">
+            <a:schemeClr val="accent6"/>
+          </a:fillRef>
+          <a:effectRef idx="1">
+            <a:schemeClr val="accent6"/>
+          </a:effectRef>
+          <a:fontRef idx="minor">
+            <a:schemeClr val="dk1"/>
+          </a:fontRef>
+        </p:style>
+        <p:txBody>
+          <a:bodyPr lIns="0" tIns="0" rIns="0" bIns="0" rtlCol="0" anchor="ctr" anchorCtr="1"/>
+          <a:lstStyle/>
+          <a:p>
+            <a:pPr algn="ctr"/>
+            <a:r>
+              <a:rPr lang="zh-CN" altLang="en-US" sz="1200" dirty="0"/>
+              <a:t>相机</a:t>
+            </a:r>
+            <a:r>
+              <a:rPr lang="en-US" altLang="zh-CN" sz="1200" dirty="0" smtClean="0"/>
+              <a:t>(Camera)</a:t>
+            </a:r>
+            <a:endParaRPr lang="zh-CN" altLang="en-US" sz="1200" dirty="0"/>
+          </a:p>
+        </p:txBody>
+      </p:sp>
+      <p:cxnSp>
+        <p:nvCxnSpPr>
+          <p:cNvPr id="114" name="直接连接符 14"/>
+          <p:cNvCxnSpPr>
+            <a:stCxn id="107" idx="2"/>
+            <a:endCxn id="113" idx="1"/>
+          </p:cNvCxnSpPr>
+          <p:nvPr/>
+        </p:nvCxnSpPr>
+        <p:spPr>
+          <a:xfrm rot="16200000" flipH="1">
+            <a:off x="2237508" y="1372091"/>
+            <a:ext cx="534372" cy="676430"/>
+          </a:xfrm>
+          <a:prstGeom prst="bentConnector2">
+            <a:avLst/>
+          </a:prstGeom>
+          <a:ln>
+            <a:tailEnd type="triangle" w="med" len="lg"/>
+          </a:ln>
+        </p:spPr>
+        <p:style>
+          <a:lnRef idx="1">
+            <a:schemeClr val="accent1"/>
+          </a:lnRef>
+          <a:fillRef idx="0">
+            <a:schemeClr val="accent1"/>
+          </a:fillRef>
+          <a:effectRef idx="0">
+            <a:schemeClr val="accent1"/>
+          </a:effectRef>
+          <a:fontRef idx="minor">
+            <a:schemeClr val="tx1"/>
+          </a:fontRef>
+        </p:style>
+      </p:cxnSp>
+      <p:sp>
+        <p:nvSpPr>
+          <p:cNvPr id="121" name="圆角矩形 120"/>
+          <p:cNvSpPr/>
+          <p:nvPr/>
+        </p:nvSpPr>
+        <p:spPr>
+          <a:xfrm>
+            <a:off x="2842909" y="2206091"/>
+            <a:ext cx="1420493" cy="216024"/>
+          </a:xfrm>
+          <a:prstGeom prst="roundRect">
+            <a:avLst/>
+          </a:prstGeom>
+        </p:spPr>
+        <p:style>
+          <a:lnRef idx="1">
+            <a:schemeClr val="accent6"/>
+          </a:lnRef>
+          <a:fillRef idx="2">
+            <a:schemeClr val="accent6"/>
+          </a:fillRef>
+          <a:effectRef idx="1">
+            <a:schemeClr val="accent6"/>
+          </a:effectRef>
+          <a:fontRef idx="minor">
+            <a:schemeClr val="dk1"/>
+          </a:fontRef>
+        </p:style>
+        <p:txBody>
+          <a:bodyPr lIns="0" tIns="0" rIns="0" bIns="0" rtlCol="0" anchor="ctr" anchorCtr="1"/>
+          <a:lstStyle/>
+          <a:p>
+            <a:pPr algn="ctr"/>
+            <a:r>
+              <a:rPr lang="zh-CN" altLang="en-US" sz="1200" dirty="0" smtClean="0"/>
+              <a:t>主光源</a:t>
+            </a:r>
+            <a:r>
+              <a:rPr lang="en-US" altLang="zh-CN" sz="1200" dirty="0" smtClean="0"/>
+              <a:t>(Light)</a:t>
+            </a:r>
+            <a:endParaRPr lang="zh-CN" altLang="en-US" sz="1200" dirty="0"/>
+          </a:p>
+        </p:txBody>
+      </p:sp>
+      <p:cxnSp>
+        <p:nvCxnSpPr>
+          <p:cNvPr id="122" name="直接连接符 14"/>
+          <p:cNvCxnSpPr>
+            <a:stCxn id="107" idx="2"/>
+            <a:endCxn id="121" idx="1"/>
+          </p:cNvCxnSpPr>
+          <p:nvPr/>
+        </p:nvCxnSpPr>
+        <p:spPr>
+          <a:xfrm rot="16200000" flipH="1">
+            <a:off x="2069203" y="1540396"/>
+            <a:ext cx="870983" cy="676430"/>
+          </a:xfrm>
+          <a:prstGeom prst="bentConnector2">
+            <a:avLst/>
+          </a:prstGeom>
+          <a:ln>
+            <a:tailEnd type="triangle" w="med" len="lg"/>
+          </a:ln>
+        </p:spPr>
+        <p:style>
+          <a:lnRef idx="1">
+            <a:schemeClr val="accent1"/>
+          </a:lnRef>
+          <a:fillRef idx="0">
+            <a:schemeClr val="accent1"/>
+          </a:fillRef>
+          <a:effectRef idx="0">
+            <a:schemeClr val="accent1"/>
+          </a:effectRef>
+          <a:fontRef idx="minor">
+            <a:schemeClr val="tx1"/>
+          </a:fontRef>
+        </p:style>
+      </p:cxnSp>
+      <p:sp>
+        <p:nvSpPr>
+          <p:cNvPr id="29" name="圆角矩形 28"/>
+          <p:cNvSpPr/>
+          <p:nvPr/>
+        </p:nvSpPr>
+        <p:spPr>
+          <a:xfrm>
+            <a:off x="2842908" y="1527153"/>
+            <a:ext cx="1420493" cy="216024"/>
+          </a:xfrm>
+          <a:prstGeom prst="roundRect">
+            <a:avLst/>
+          </a:prstGeom>
+        </p:spPr>
+        <p:style>
+          <a:lnRef idx="1">
+            <a:schemeClr val="accent6"/>
+          </a:lnRef>
+          <a:fillRef idx="2">
+            <a:schemeClr val="accent6"/>
+          </a:fillRef>
+          <a:effectRef idx="1">
+            <a:schemeClr val="accent6"/>
+          </a:effectRef>
+          <a:fontRef idx="minor">
+            <a:schemeClr val="dk1"/>
+          </a:fontRef>
+        </p:style>
+        <p:txBody>
+          <a:bodyPr lIns="0" tIns="0" rIns="0" bIns="0" rtlCol="0" anchor="ctr" anchorCtr="1"/>
+          <a:lstStyle/>
+          <a:p>
+            <a:pPr algn="ctr"/>
+            <a:r>
+              <a:rPr lang="zh-CN" altLang="en-US" sz="1200" smtClean="0"/>
+              <a:t>材质</a:t>
+            </a:r>
+            <a:r>
+              <a:rPr lang="en-US" altLang="zh-CN" sz="1200" smtClean="0"/>
+              <a:t>(Material)</a:t>
+            </a:r>
+            <a:endParaRPr lang="zh-CN" altLang="en-US" sz="1200" dirty="0"/>
+          </a:p>
+        </p:txBody>
+      </p:sp>
+      <p:cxnSp>
+        <p:nvCxnSpPr>
+          <p:cNvPr id="30" name="直接连接符 14"/>
+          <p:cNvCxnSpPr>
+            <a:stCxn id="107" idx="2"/>
+            <a:endCxn id="29" idx="1"/>
+          </p:cNvCxnSpPr>
+          <p:nvPr/>
+        </p:nvCxnSpPr>
+        <p:spPr>
+          <a:xfrm rot="16200000" flipH="1">
+            <a:off x="2408671" y="1200927"/>
+            <a:ext cx="192045" cy="676429"/>
+          </a:xfrm>
+          <a:prstGeom prst="bentConnector2">
+            <a:avLst/>
+          </a:prstGeom>
+          <a:ln>
+            <a:tailEnd type="triangle" w="med" len="lg"/>
+          </a:ln>
+        </p:spPr>
+        <p:style>
+          <a:lnRef idx="1">
+            <a:schemeClr val="accent1"/>
+          </a:lnRef>
+          <a:fillRef idx="0">
+            <a:schemeClr val="accent1"/>
+          </a:fillRef>
+          <a:effectRef idx="0">
+            <a:schemeClr val="accent1"/>
+          </a:effectRef>
+          <a:fontRef idx="minor">
+            <a:schemeClr val="tx1"/>
+          </a:fontRef>
+        </p:style>
+      </p:cxnSp>
+      <p:sp>
+        <p:nvSpPr>
           <p:cNvPr id="41" name="圆角矩形 40"/>
           <p:cNvSpPr/>
           <p:nvPr/>
         </p:nvSpPr>
         <p:spPr>
           <a:xfrm>
-            <a:off x="3419872" y="1924794"/>
-            <a:ext cx="2088232" cy="216024"/>
+            <a:off x="2841885" y="3444736"/>
+            <a:ext cx="1420493" cy="216024"/>
           </a:xfrm>
           <a:prstGeom prst="roundRect">
             <a:avLst/>
@@ -4252,13 +4465,13 @@
         </p:spPr>
         <p:style>
           <a:lnRef idx="1">
-            <a:schemeClr val="accent6"/>
+            <a:schemeClr val="accent4"/>
           </a:lnRef>
           <a:fillRef idx="2">
-            <a:schemeClr val="accent6"/>
+            <a:schemeClr val="accent4"/>
           </a:fillRef>
           <a:effectRef idx="1">
-            <a:schemeClr val="accent6"/>
+            <a:schemeClr val="accent4"/>
           </a:effectRef>
           <a:fontRef idx="minor">
             <a:schemeClr val="dk1"/>
@@ -4271,9 +4484,13 @@
             <a:pPr algn="ctr"/>
             <a:r>
               <a:rPr lang="zh-CN" altLang="en-US" sz="1200" smtClean="0"/>
-              <a:t>国家列表 （测试用）</a:t>
-            </a:r>
-            <a:endParaRPr lang="zh-CN" altLang="en-US" sz="1200"/>
+              <a:t>显示对象</a:t>
+            </a:r>
+            <a:r>
+              <a:rPr lang="en-US" altLang="zh-CN" sz="1200" smtClean="0"/>
+              <a:t>(Display)</a:t>
+            </a:r>
+            <a:endParaRPr lang="zh-CN" altLang="en-US" sz="1200" dirty="0"/>
           </a:p>
         </p:txBody>
       </p:sp>
@@ -4281,15 +4498,307 @@
         <p:nvCxnSpPr>
           <p:cNvPr id="44" name="直接连接符 14"/>
           <p:cNvCxnSpPr>
-            <a:stCxn id="36" idx="2"/>
+            <a:stCxn id="31" idx="2"/>
             <a:endCxn id="41" idx="1"/>
           </p:cNvCxnSpPr>
           <p:nvPr/>
         </p:nvCxnSpPr>
         <p:spPr>
           <a:xfrm rot="16200000" flipH="1">
-            <a:off x="2942732" y="1555666"/>
-            <a:ext cx="218882" cy="735398"/>
+            <a:off x="2387419" y="3098282"/>
+            <a:ext cx="266318" cy="642614"/>
+          </a:xfrm>
+          <a:prstGeom prst="bentConnector2">
+            <a:avLst/>
+          </a:prstGeom>
+          <a:ln>
+            <a:tailEnd type="triangle" w="med" len="lg"/>
+          </a:ln>
+        </p:spPr>
+        <p:style>
+          <a:lnRef idx="1">
+            <a:schemeClr val="accent1"/>
+          </a:lnRef>
+          <a:fillRef idx="0">
+            <a:schemeClr val="accent1"/>
+          </a:fillRef>
+          <a:effectRef idx="0">
+            <a:schemeClr val="accent1"/>
+          </a:effectRef>
+          <a:fontRef idx="minor">
+            <a:schemeClr val="tx1"/>
+          </a:fontRef>
+        </p:style>
+      </p:cxnSp>
+      <p:sp>
+        <p:nvSpPr>
+          <p:cNvPr id="19" name="圆角矩形 18"/>
+          <p:cNvSpPr/>
+          <p:nvPr/>
+        </p:nvSpPr>
+        <p:spPr>
+          <a:xfrm>
+            <a:off x="4066921" y="3837680"/>
+            <a:ext cx="1740755" cy="216024"/>
+          </a:xfrm>
+          <a:prstGeom prst="roundRect">
+            <a:avLst/>
+          </a:prstGeom>
+        </p:spPr>
+        <p:style>
+          <a:lnRef idx="1">
+            <a:schemeClr val="accent4"/>
+          </a:lnRef>
+          <a:fillRef idx="2">
+            <a:schemeClr val="accent4"/>
+          </a:fillRef>
+          <a:effectRef idx="1">
+            <a:schemeClr val="accent4"/>
+          </a:effectRef>
+          <a:fontRef idx="minor">
+            <a:schemeClr val="dk1"/>
+          </a:fontRef>
+        </p:style>
+        <p:txBody>
+          <a:bodyPr lIns="0" tIns="0" rIns="0" bIns="0" rtlCol="0" anchor="ctr" anchorCtr="1"/>
+          <a:lstStyle/>
+          <a:p>
+            <a:pPr algn="ctr"/>
+            <a:r>
+              <a:rPr lang="zh-CN" altLang="en-US" sz="1200" smtClean="0"/>
+              <a:t>渲染对象</a:t>
+            </a:r>
+            <a:r>
+              <a:rPr lang="en-US" altLang="zh-CN" sz="1200" smtClean="0"/>
+              <a:t>(Renderable)</a:t>
+            </a:r>
+            <a:endParaRPr lang="zh-CN" altLang="en-US" sz="1200" dirty="0"/>
+          </a:p>
+        </p:txBody>
+      </p:sp>
+      <p:sp>
+        <p:nvSpPr>
+          <p:cNvPr id="28" name="圆角矩形 27"/>
+          <p:cNvSpPr/>
+          <p:nvPr/>
+        </p:nvSpPr>
+        <p:spPr>
+          <a:xfrm>
+            <a:off x="5291057" y="4213351"/>
+            <a:ext cx="1872208" cy="216024"/>
+          </a:xfrm>
+          <a:prstGeom prst="roundRect">
+            <a:avLst/>
+          </a:prstGeom>
+        </p:spPr>
+        <p:style>
+          <a:lnRef idx="1">
+            <a:schemeClr val="accent5"/>
+          </a:lnRef>
+          <a:fillRef idx="2">
+            <a:schemeClr val="accent5"/>
+          </a:fillRef>
+          <a:effectRef idx="1">
+            <a:schemeClr val="accent5"/>
+          </a:effectRef>
+          <a:fontRef idx="minor">
+            <a:schemeClr val="dk1"/>
+          </a:fontRef>
+        </p:style>
+        <p:txBody>
+          <a:bodyPr lIns="0" tIns="0" rIns="0" bIns="0" rtlCol="0" anchor="ctr" anchorCtr="1"/>
+          <a:lstStyle/>
+          <a:p>
+            <a:pPr algn="ctr"/>
+            <a:r>
+              <a:rPr lang="zh-CN" altLang="en-US" sz="1200" smtClean="0"/>
+              <a:t>网格引用</a:t>
+            </a:r>
+            <a:r>
+              <a:rPr lang="en-US" altLang="zh-CN" sz="1200" smtClean="0"/>
+              <a:t>(MeshGuid)</a:t>
+            </a:r>
+            <a:endParaRPr lang="zh-CN" altLang="en-US" sz="1200" dirty="0"/>
+          </a:p>
+        </p:txBody>
+      </p:sp>
+      <p:cxnSp>
+        <p:nvCxnSpPr>
+          <p:cNvPr id="32" name="直接连接符 14"/>
+          <p:cNvCxnSpPr>
+            <a:stCxn id="19" idx="2"/>
+            <a:endCxn id="28" idx="1"/>
+          </p:cNvCxnSpPr>
+          <p:nvPr/>
+        </p:nvCxnSpPr>
+        <p:spPr>
+          <a:xfrm rot="16200000" flipH="1">
+            <a:off x="4980349" y="4010654"/>
+            <a:ext cx="267659" cy="353758"/>
+          </a:xfrm>
+          <a:prstGeom prst="bentConnector2">
+            <a:avLst/>
+          </a:prstGeom>
+          <a:ln>
+            <a:tailEnd type="triangle" w="med" len="lg"/>
+          </a:ln>
+        </p:spPr>
+        <p:style>
+          <a:lnRef idx="1">
+            <a:schemeClr val="accent1"/>
+          </a:lnRef>
+          <a:fillRef idx="0">
+            <a:schemeClr val="accent1"/>
+          </a:fillRef>
+          <a:effectRef idx="0">
+            <a:schemeClr val="accent1"/>
+          </a:effectRef>
+          <a:fontRef idx="minor">
+            <a:schemeClr val="tx1"/>
+          </a:fontRef>
+        </p:style>
+      </p:cxnSp>
+      <p:sp>
+        <p:nvSpPr>
+          <p:cNvPr id="35" name="圆角矩形 34"/>
+          <p:cNvSpPr/>
+          <p:nvPr/>
+        </p:nvSpPr>
+        <p:spPr>
+          <a:xfrm>
+            <a:off x="5283996" y="4509479"/>
+            <a:ext cx="1872208" cy="216024"/>
+          </a:xfrm>
+          <a:prstGeom prst="roundRect">
+            <a:avLst/>
+          </a:prstGeom>
+        </p:spPr>
+        <p:style>
+          <a:lnRef idx="1">
+            <a:schemeClr val="accent5"/>
+          </a:lnRef>
+          <a:fillRef idx="2">
+            <a:schemeClr val="accent5"/>
+          </a:fillRef>
+          <a:effectRef idx="1">
+            <a:schemeClr val="accent5"/>
+          </a:effectRef>
+          <a:fontRef idx="minor">
+            <a:schemeClr val="dk1"/>
+          </a:fontRef>
+        </p:style>
+        <p:txBody>
+          <a:bodyPr lIns="0" tIns="0" rIns="0" bIns="0" rtlCol="0" anchor="ctr" anchorCtr="1"/>
+          <a:lstStyle/>
+          <a:p>
+            <a:pPr algn="ctr"/>
+            <a:r>
+              <a:rPr lang="zh-CN" altLang="en-US" sz="1200" smtClean="0"/>
+              <a:t>材质引用</a:t>
+            </a:r>
+            <a:r>
+              <a:rPr lang="en-US" altLang="zh-CN" sz="1200" smtClean="0"/>
+              <a:t>(MaterialGuid)</a:t>
+            </a:r>
+            <a:endParaRPr lang="zh-CN" altLang="en-US" sz="1200" dirty="0"/>
+          </a:p>
+        </p:txBody>
+      </p:sp>
+      <p:cxnSp>
+        <p:nvCxnSpPr>
+          <p:cNvPr id="36" name="直接连接符 14"/>
+          <p:cNvCxnSpPr>
+            <a:stCxn id="19" idx="2"/>
+            <a:endCxn id="35" idx="1"/>
+          </p:cNvCxnSpPr>
+          <p:nvPr/>
+        </p:nvCxnSpPr>
+        <p:spPr>
+          <a:xfrm rot="16200000" flipH="1">
+            <a:off x="4828754" y="4162248"/>
+            <a:ext cx="563787" cy="346697"/>
+          </a:xfrm>
+          <a:prstGeom prst="bentConnector2">
+            <a:avLst/>
+          </a:prstGeom>
+          <a:ln>
+            <a:tailEnd type="triangle" w="med" len="lg"/>
+          </a:ln>
+        </p:spPr>
+        <p:style>
+          <a:lnRef idx="1">
+            <a:schemeClr val="accent1"/>
+          </a:lnRef>
+          <a:fillRef idx="0">
+            <a:schemeClr val="accent1"/>
+          </a:fillRef>
+          <a:effectRef idx="0">
+            <a:schemeClr val="accent1"/>
+          </a:effectRef>
+          <a:fontRef idx="minor">
+            <a:schemeClr val="tx1"/>
+          </a:fontRef>
+        </p:style>
+      </p:cxnSp>
+      <p:sp>
+        <p:nvSpPr>
+          <p:cNvPr id="46" name="圆角矩形 45"/>
+          <p:cNvSpPr/>
+          <p:nvPr/>
+        </p:nvSpPr>
+        <p:spPr>
+          <a:xfrm>
+            <a:off x="1489024" y="2678612"/>
+            <a:ext cx="1420493" cy="216024"/>
+          </a:xfrm>
+          <a:prstGeom prst="roundRect">
+            <a:avLst/>
+          </a:prstGeom>
+        </p:spPr>
+        <p:style>
+          <a:lnRef idx="1">
+            <a:schemeClr val="accent4"/>
+          </a:lnRef>
+          <a:fillRef idx="2">
+            <a:schemeClr val="accent4"/>
+          </a:fillRef>
+          <a:effectRef idx="1">
+            <a:schemeClr val="accent4"/>
+          </a:effectRef>
+          <a:fontRef idx="minor">
+            <a:schemeClr val="dk1"/>
+          </a:fontRef>
+        </p:style>
+        <p:txBody>
+          <a:bodyPr lIns="0" tIns="0" rIns="0" bIns="0" rtlCol="0" anchor="ctr" anchorCtr="1"/>
+          <a:lstStyle/>
+          <a:p>
+            <a:pPr algn="ctr"/>
+            <a:r>
+              <a:rPr lang="zh-CN" altLang="en-US" sz="1200" smtClean="0"/>
+              <a:t>材质集合</a:t>
+            </a:r>
+            <a:r>
+              <a:rPr lang="en-US" altLang="zh-CN" sz="1200" smtClean="0"/>
+              <a:t>(Materials)</a:t>
+            </a:r>
+            <a:endParaRPr lang="zh-CN" altLang="en-US" sz="1200" dirty="0"/>
+          </a:p>
+        </p:txBody>
+      </p:sp>
+      <p:cxnSp>
+        <p:nvCxnSpPr>
+          <p:cNvPr id="47" name="直接连接符 14"/>
+          <p:cNvCxnSpPr>
+            <a:stCxn id="3" idx="2"/>
+            <a:endCxn id="46" idx="1"/>
+          </p:cNvCxnSpPr>
+          <p:nvPr/>
+        </p:nvCxnSpPr>
+        <p:spPr>
+          <a:xfrm rot="16200000" flipH="1">
+            <a:off x="417256" y="1714856"/>
+            <a:ext cx="1734124" cy="409412"/>
           </a:xfrm>
           <a:prstGeom prst="bentConnector2">
             <a:avLst/>
@@ -4316,7 +4825,7 @@
     </p:spTree>
     <p:extLst>
       <p:ext uri="{BB962C8B-B14F-4D97-AF65-F5344CB8AC3E}">
-        <p14:creationId xmlns:p14="http://schemas.microsoft.com/office/powerpoint/2010/main" val="1532287507"/>
+        <p14:creationId xmlns:p14="http://schemas.microsoft.com/office/powerpoint/2010/main" val="3907088809"/>
       </p:ext>
     </p:extLst>
   </p:cSld>
@@ -4369,6 +4878,3350 @@
           <a:p>
             <a:r>
               <a:rPr lang="zh-CN" altLang="en-US" smtClean="0"/>
+              <a:t>资源结构 </a:t>
+            </a:r>
+            <a:r>
+              <a:rPr lang="en-US" altLang="zh-CN" smtClean="0"/>
+              <a:t>- Scene</a:t>
+            </a:r>
+            <a:endParaRPr lang="zh-CN" altLang="en-US" dirty="0"/>
+          </a:p>
+        </p:txBody>
+      </p:sp>
+      <p:sp>
+        <p:nvSpPr>
+          <p:cNvPr id="3" name="圆角矩形 2"/>
+          <p:cNvSpPr/>
+          <p:nvPr/>
+        </p:nvSpPr>
+        <p:spPr>
+          <a:xfrm>
+            <a:off x="395536" y="836476"/>
+            <a:ext cx="1368152" cy="216024"/>
+          </a:xfrm>
+          <a:prstGeom prst="roundRect">
+            <a:avLst/>
+          </a:prstGeom>
+        </p:spPr>
+        <p:style>
+          <a:lnRef idx="1">
+            <a:schemeClr val="accent6"/>
+          </a:lnRef>
+          <a:fillRef idx="2">
+            <a:schemeClr val="accent6"/>
+          </a:fillRef>
+          <a:effectRef idx="1">
+            <a:schemeClr val="accent6"/>
+          </a:effectRef>
+          <a:fontRef idx="minor">
+            <a:schemeClr val="dk1"/>
+          </a:fontRef>
+        </p:style>
+        <p:txBody>
+          <a:bodyPr lIns="0" tIns="0" rIns="0" bIns="0" rtlCol="0" anchor="ctr" anchorCtr="1"/>
+          <a:lstStyle/>
+          <a:p>
+            <a:pPr algn="ctr"/>
+            <a:r>
+              <a:rPr lang="zh-CN" altLang="en-US" sz="1200" smtClean="0"/>
+              <a:t>场景</a:t>
+            </a:r>
+            <a:r>
+              <a:rPr lang="en-US" altLang="zh-CN" sz="1200" smtClean="0"/>
+              <a:t>(Scene)</a:t>
+            </a:r>
+            <a:endParaRPr lang="zh-CN" altLang="en-US" sz="1200" dirty="0"/>
+          </a:p>
+        </p:txBody>
+      </p:sp>
+      <p:sp>
+        <p:nvSpPr>
+          <p:cNvPr id="31" name="圆角矩形 30"/>
+          <p:cNvSpPr/>
+          <p:nvPr/>
+        </p:nvSpPr>
+        <p:spPr>
+          <a:xfrm>
+            <a:off x="1490047" y="2580421"/>
+            <a:ext cx="1420493" cy="216024"/>
+          </a:xfrm>
+          <a:prstGeom prst="roundRect">
+            <a:avLst/>
+          </a:prstGeom>
+        </p:spPr>
+        <p:style>
+          <a:lnRef idx="1">
+            <a:schemeClr val="accent4"/>
+          </a:lnRef>
+          <a:fillRef idx="2">
+            <a:schemeClr val="accent4"/>
+          </a:fillRef>
+          <a:effectRef idx="1">
+            <a:schemeClr val="accent4"/>
+          </a:effectRef>
+          <a:fontRef idx="minor">
+            <a:schemeClr val="dk1"/>
+          </a:fontRef>
+        </p:style>
+        <p:txBody>
+          <a:bodyPr lIns="0" tIns="0" rIns="0" bIns="0" rtlCol="0" anchor="ctr" anchorCtr="1"/>
+          <a:lstStyle/>
+          <a:p>
+            <a:pPr algn="ctr"/>
+            <a:r>
+              <a:rPr lang="zh-CN" altLang="en-US" sz="1200" smtClean="0"/>
+              <a:t>显示</a:t>
+            </a:r>
+            <a:r>
+              <a:rPr lang="zh-CN" altLang="en-US" sz="1200"/>
+              <a:t>层</a:t>
+            </a:r>
+            <a:r>
+              <a:rPr lang="en-US" altLang="zh-CN" sz="1200" smtClean="0"/>
+              <a:t>(DisplayLayer)</a:t>
+            </a:r>
+            <a:endParaRPr lang="zh-CN" altLang="en-US" sz="1200" dirty="0"/>
+          </a:p>
+        </p:txBody>
+      </p:sp>
+      <p:cxnSp>
+        <p:nvCxnSpPr>
+          <p:cNvPr id="34" name="直接连接符 14"/>
+          <p:cNvCxnSpPr>
+            <a:stCxn id="3" idx="2"/>
+            <a:endCxn id="31" idx="1"/>
+          </p:cNvCxnSpPr>
+          <p:nvPr/>
+        </p:nvCxnSpPr>
+        <p:spPr>
+          <a:xfrm rot="16200000" flipH="1">
+            <a:off x="466863" y="1665248"/>
+            <a:ext cx="1635933" cy="410435"/>
+          </a:xfrm>
+          <a:prstGeom prst="bentConnector2">
+            <a:avLst/>
+          </a:prstGeom>
+          <a:ln>
+            <a:tailEnd type="triangle" w="med" len="lg"/>
+          </a:ln>
+        </p:spPr>
+        <p:style>
+          <a:lnRef idx="1">
+            <a:schemeClr val="accent1"/>
+          </a:lnRef>
+          <a:fillRef idx="0">
+            <a:schemeClr val="accent1"/>
+          </a:fillRef>
+          <a:effectRef idx="0">
+            <a:schemeClr val="accent1"/>
+          </a:effectRef>
+          <a:fontRef idx="minor">
+            <a:schemeClr val="tx1"/>
+          </a:fontRef>
+        </p:style>
+      </p:cxnSp>
+      <p:sp>
+        <p:nvSpPr>
+          <p:cNvPr id="107" name="圆角矩形 106"/>
+          <p:cNvSpPr/>
+          <p:nvPr/>
+        </p:nvSpPr>
+        <p:spPr>
+          <a:xfrm>
+            <a:off x="1456232" y="1227096"/>
+            <a:ext cx="1420493" cy="216024"/>
+          </a:xfrm>
+          <a:prstGeom prst="roundRect">
+            <a:avLst/>
+          </a:prstGeom>
+        </p:spPr>
+        <p:style>
+          <a:lnRef idx="1">
+            <a:schemeClr val="accent6"/>
+          </a:lnRef>
+          <a:fillRef idx="2">
+            <a:schemeClr val="accent6"/>
+          </a:fillRef>
+          <a:effectRef idx="1">
+            <a:schemeClr val="accent6"/>
+          </a:effectRef>
+          <a:fontRef idx="minor">
+            <a:schemeClr val="dk1"/>
+          </a:fontRef>
+        </p:style>
+        <p:txBody>
+          <a:bodyPr lIns="0" tIns="0" rIns="0" bIns="0" rtlCol="0" anchor="ctr" anchorCtr="1"/>
+          <a:lstStyle/>
+          <a:p>
+            <a:pPr algn="ctr"/>
+            <a:r>
+              <a:rPr lang="zh-CN" altLang="en-US" sz="1200" dirty="0" smtClean="0"/>
+              <a:t>区域</a:t>
+            </a:r>
+            <a:r>
+              <a:rPr lang="en-US" altLang="zh-CN" sz="1200" dirty="0" smtClean="0"/>
+              <a:t>(Region)</a:t>
+            </a:r>
+            <a:endParaRPr lang="zh-CN" altLang="en-US" sz="1200" dirty="0"/>
+          </a:p>
+        </p:txBody>
+      </p:sp>
+      <p:cxnSp>
+        <p:nvCxnSpPr>
+          <p:cNvPr id="108" name="直接连接符 14"/>
+          <p:cNvCxnSpPr>
+            <a:stCxn id="3" idx="2"/>
+            <a:endCxn id="107" idx="1"/>
+          </p:cNvCxnSpPr>
+          <p:nvPr/>
+        </p:nvCxnSpPr>
+        <p:spPr>
+          <a:xfrm rot="16200000" flipH="1">
+            <a:off x="1126618" y="1005494"/>
+            <a:ext cx="282608" cy="376620"/>
+          </a:xfrm>
+          <a:prstGeom prst="bentConnector2">
+            <a:avLst/>
+          </a:prstGeom>
+          <a:ln>
+            <a:tailEnd type="triangle" w="med" len="lg"/>
+          </a:ln>
+        </p:spPr>
+        <p:style>
+          <a:lnRef idx="1">
+            <a:schemeClr val="accent1"/>
+          </a:lnRef>
+          <a:fillRef idx="0">
+            <a:schemeClr val="accent1"/>
+          </a:fillRef>
+          <a:effectRef idx="0">
+            <a:schemeClr val="accent1"/>
+          </a:effectRef>
+          <a:fontRef idx="minor">
+            <a:schemeClr val="tx1"/>
+          </a:fontRef>
+        </p:style>
+      </p:cxnSp>
+      <p:sp>
+        <p:nvSpPr>
+          <p:cNvPr id="113" name="圆角矩形 112"/>
+          <p:cNvSpPr/>
+          <p:nvPr/>
+        </p:nvSpPr>
+        <p:spPr>
+          <a:xfrm>
+            <a:off x="2842909" y="1869480"/>
+            <a:ext cx="1420493" cy="216024"/>
+          </a:xfrm>
+          <a:prstGeom prst="roundRect">
+            <a:avLst/>
+          </a:prstGeom>
+        </p:spPr>
+        <p:style>
+          <a:lnRef idx="1">
+            <a:schemeClr val="accent6"/>
+          </a:lnRef>
+          <a:fillRef idx="2">
+            <a:schemeClr val="accent6"/>
+          </a:fillRef>
+          <a:effectRef idx="1">
+            <a:schemeClr val="accent6"/>
+          </a:effectRef>
+          <a:fontRef idx="minor">
+            <a:schemeClr val="dk1"/>
+          </a:fontRef>
+        </p:style>
+        <p:txBody>
+          <a:bodyPr lIns="0" tIns="0" rIns="0" bIns="0" rtlCol="0" anchor="ctr" anchorCtr="1"/>
+          <a:lstStyle/>
+          <a:p>
+            <a:pPr algn="ctr"/>
+            <a:r>
+              <a:rPr lang="zh-CN" altLang="en-US" sz="1200" dirty="0"/>
+              <a:t>相机</a:t>
+            </a:r>
+            <a:r>
+              <a:rPr lang="en-US" altLang="zh-CN" sz="1200" dirty="0" smtClean="0"/>
+              <a:t>(Camera)</a:t>
+            </a:r>
+            <a:endParaRPr lang="zh-CN" altLang="en-US" sz="1200" dirty="0"/>
+          </a:p>
+        </p:txBody>
+      </p:sp>
+      <p:cxnSp>
+        <p:nvCxnSpPr>
+          <p:cNvPr id="114" name="直接连接符 14"/>
+          <p:cNvCxnSpPr>
+            <a:stCxn id="107" idx="2"/>
+            <a:endCxn id="113" idx="1"/>
+          </p:cNvCxnSpPr>
+          <p:nvPr/>
+        </p:nvCxnSpPr>
+        <p:spPr>
+          <a:xfrm rot="16200000" flipH="1">
+            <a:off x="2237508" y="1372091"/>
+            <a:ext cx="534372" cy="676430"/>
+          </a:xfrm>
+          <a:prstGeom prst="bentConnector2">
+            <a:avLst/>
+          </a:prstGeom>
+          <a:ln>
+            <a:tailEnd type="triangle" w="med" len="lg"/>
+          </a:ln>
+        </p:spPr>
+        <p:style>
+          <a:lnRef idx="1">
+            <a:schemeClr val="accent1"/>
+          </a:lnRef>
+          <a:fillRef idx="0">
+            <a:schemeClr val="accent1"/>
+          </a:fillRef>
+          <a:effectRef idx="0">
+            <a:schemeClr val="accent1"/>
+          </a:effectRef>
+          <a:fontRef idx="minor">
+            <a:schemeClr val="tx1"/>
+          </a:fontRef>
+        </p:style>
+      </p:cxnSp>
+      <p:sp>
+        <p:nvSpPr>
+          <p:cNvPr id="121" name="圆角矩形 120"/>
+          <p:cNvSpPr/>
+          <p:nvPr/>
+        </p:nvSpPr>
+        <p:spPr>
+          <a:xfrm>
+            <a:off x="2842909" y="2206091"/>
+            <a:ext cx="1420493" cy="216024"/>
+          </a:xfrm>
+          <a:prstGeom prst="roundRect">
+            <a:avLst/>
+          </a:prstGeom>
+        </p:spPr>
+        <p:style>
+          <a:lnRef idx="1">
+            <a:schemeClr val="accent6"/>
+          </a:lnRef>
+          <a:fillRef idx="2">
+            <a:schemeClr val="accent6"/>
+          </a:fillRef>
+          <a:effectRef idx="1">
+            <a:schemeClr val="accent6"/>
+          </a:effectRef>
+          <a:fontRef idx="minor">
+            <a:schemeClr val="dk1"/>
+          </a:fontRef>
+        </p:style>
+        <p:txBody>
+          <a:bodyPr lIns="0" tIns="0" rIns="0" bIns="0" rtlCol="0" anchor="ctr" anchorCtr="1"/>
+          <a:lstStyle/>
+          <a:p>
+            <a:pPr algn="ctr"/>
+            <a:r>
+              <a:rPr lang="zh-CN" altLang="en-US" sz="1200" dirty="0" smtClean="0"/>
+              <a:t>主光源</a:t>
+            </a:r>
+            <a:r>
+              <a:rPr lang="en-US" altLang="zh-CN" sz="1200" dirty="0" smtClean="0"/>
+              <a:t>(Light)</a:t>
+            </a:r>
+            <a:endParaRPr lang="zh-CN" altLang="en-US" sz="1200" dirty="0"/>
+          </a:p>
+        </p:txBody>
+      </p:sp>
+      <p:cxnSp>
+        <p:nvCxnSpPr>
+          <p:cNvPr id="122" name="直接连接符 14"/>
+          <p:cNvCxnSpPr>
+            <a:stCxn id="107" idx="2"/>
+            <a:endCxn id="121" idx="1"/>
+          </p:cNvCxnSpPr>
+          <p:nvPr/>
+        </p:nvCxnSpPr>
+        <p:spPr>
+          <a:xfrm rot="16200000" flipH="1">
+            <a:off x="2069203" y="1540396"/>
+            <a:ext cx="870983" cy="676430"/>
+          </a:xfrm>
+          <a:prstGeom prst="bentConnector2">
+            <a:avLst/>
+          </a:prstGeom>
+          <a:ln>
+            <a:tailEnd type="triangle" w="med" len="lg"/>
+          </a:ln>
+        </p:spPr>
+        <p:style>
+          <a:lnRef idx="1">
+            <a:schemeClr val="accent1"/>
+          </a:lnRef>
+          <a:fillRef idx="0">
+            <a:schemeClr val="accent1"/>
+          </a:fillRef>
+          <a:effectRef idx="0">
+            <a:schemeClr val="accent1"/>
+          </a:effectRef>
+          <a:fontRef idx="minor">
+            <a:schemeClr val="tx1"/>
+          </a:fontRef>
+        </p:style>
+      </p:cxnSp>
+      <p:sp>
+        <p:nvSpPr>
+          <p:cNvPr id="29" name="圆角矩形 28"/>
+          <p:cNvSpPr/>
+          <p:nvPr/>
+        </p:nvSpPr>
+        <p:spPr>
+          <a:xfrm>
+            <a:off x="2842908" y="1527153"/>
+            <a:ext cx="1420493" cy="216024"/>
+          </a:xfrm>
+          <a:prstGeom prst="roundRect">
+            <a:avLst/>
+          </a:prstGeom>
+        </p:spPr>
+        <p:style>
+          <a:lnRef idx="1">
+            <a:schemeClr val="accent6"/>
+          </a:lnRef>
+          <a:fillRef idx="2">
+            <a:schemeClr val="accent6"/>
+          </a:fillRef>
+          <a:effectRef idx="1">
+            <a:schemeClr val="accent6"/>
+          </a:effectRef>
+          <a:fontRef idx="minor">
+            <a:schemeClr val="dk1"/>
+          </a:fontRef>
+        </p:style>
+        <p:txBody>
+          <a:bodyPr lIns="0" tIns="0" rIns="0" bIns="0" rtlCol="0" anchor="ctr" anchorCtr="1"/>
+          <a:lstStyle/>
+          <a:p>
+            <a:pPr algn="ctr"/>
+            <a:r>
+              <a:rPr lang="zh-CN" altLang="en-US" sz="1200" smtClean="0"/>
+              <a:t>材质</a:t>
+            </a:r>
+            <a:r>
+              <a:rPr lang="en-US" altLang="zh-CN" sz="1200" smtClean="0"/>
+              <a:t>(Material)</a:t>
+            </a:r>
+            <a:endParaRPr lang="zh-CN" altLang="en-US" sz="1200" dirty="0"/>
+          </a:p>
+        </p:txBody>
+      </p:sp>
+      <p:cxnSp>
+        <p:nvCxnSpPr>
+          <p:cNvPr id="30" name="直接连接符 14"/>
+          <p:cNvCxnSpPr>
+            <a:stCxn id="107" idx="2"/>
+            <a:endCxn id="29" idx="1"/>
+          </p:cNvCxnSpPr>
+          <p:nvPr/>
+        </p:nvCxnSpPr>
+        <p:spPr>
+          <a:xfrm rot="16200000" flipH="1">
+            <a:off x="2408671" y="1200927"/>
+            <a:ext cx="192045" cy="676429"/>
+          </a:xfrm>
+          <a:prstGeom prst="bentConnector2">
+            <a:avLst/>
+          </a:prstGeom>
+          <a:ln>
+            <a:tailEnd type="triangle" w="med" len="lg"/>
+          </a:ln>
+        </p:spPr>
+        <p:style>
+          <a:lnRef idx="1">
+            <a:schemeClr val="accent1"/>
+          </a:lnRef>
+          <a:fillRef idx="0">
+            <a:schemeClr val="accent1"/>
+          </a:fillRef>
+          <a:effectRef idx="0">
+            <a:schemeClr val="accent1"/>
+          </a:effectRef>
+          <a:fontRef idx="minor">
+            <a:schemeClr val="tx1"/>
+          </a:fontRef>
+        </p:style>
+      </p:cxnSp>
+      <p:sp>
+        <p:nvSpPr>
+          <p:cNvPr id="41" name="圆角矩形 40"/>
+          <p:cNvSpPr/>
+          <p:nvPr/>
+        </p:nvSpPr>
+        <p:spPr>
+          <a:xfrm>
+            <a:off x="2845976" y="2975358"/>
+            <a:ext cx="1420493" cy="216024"/>
+          </a:xfrm>
+          <a:prstGeom prst="roundRect">
+            <a:avLst/>
+          </a:prstGeom>
+        </p:spPr>
+        <p:style>
+          <a:lnRef idx="1">
+            <a:schemeClr val="accent4"/>
+          </a:lnRef>
+          <a:fillRef idx="2">
+            <a:schemeClr val="accent4"/>
+          </a:fillRef>
+          <a:effectRef idx="1">
+            <a:schemeClr val="accent4"/>
+          </a:effectRef>
+          <a:fontRef idx="minor">
+            <a:schemeClr val="dk1"/>
+          </a:fontRef>
+        </p:style>
+        <p:txBody>
+          <a:bodyPr lIns="0" tIns="0" rIns="0" bIns="0" rtlCol="0" anchor="ctr" anchorCtr="1"/>
+          <a:lstStyle/>
+          <a:p>
+            <a:pPr algn="ctr"/>
+            <a:r>
+              <a:rPr lang="zh-CN" altLang="en-US" sz="1200" smtClean="0"/>
+              <a:t>精灵</a:t>
+            </a:r>
+            <a:r>
+              <a:rPr lang="en-US" altLang="zh-CN" sz="1200" smtClean="0"/>
+              <a:t> </a:t>
+            </a:r>
+            <a:r>
+              <a:rPr lang="en-US" altLang="zh-CN" sz="1200" smtClean="0"/>
+              <a:t>(</a:t>
+            </a:r>
+            <a:r>
+              <a:rPr lang="en-US" altLang="zh-CN" sz="1200"/>
+              <a:t>Sprite</a:t>
+            </a:r>
+            <a:r>
+              <a:rPr lang="en-US" altLang="zh-CN" sz="1200" smtClean="0"/>
+              <a:t>)</a:t>
+            </a:r>
+            <a:endParaRPr lang="zh-CN" altLang="en-US" sz="1200" dirty="0"/>
+          </a:p>
+        </p:txBody>
+      </p:sp>
+      <p:cxnSp>
+        <p:nvCxnSpPr>
+          <p:cNvPr id="44" name="直接连接符 14"/>
+          <p:cNvCxnSpPr>
+            <a:stCxn id="31" idx="2"/>
+            <a:endCxn id="41" idx="1"/>
+          </p:cNvCxnSpPr>
+          <p:nvPr/>
+        </p:nvCxnSpPr>
+        <p:spPr>
+          <a:xfrm rot="16200000" flipH="1">
+            <a:off x="2379673" y="2617066"/>
+            <a:ext cx="286925" cy="645682"/>
+          </a:xfrm>
+          <a:prstGeom prst="bentConnector2">
+            <a:avLst/>
+          </a:prstGeom>
+          <a:ln>
+            <a:tailEnd type="triangle" w="med" len="lg"/>
+          </a:ln>
+        </p:spPr>
+        <p:style>
+          <a:lnRef idx="1">
+            <a:schemeClr val="accent1"/>
+          </a:lnRef>
+          <a:fillRef idx="0">
+            <a:schemeClr val="accent1"/>
+          </a:fillRef>
+          <a:effectRef idx="0">
+            <a:schemeClr val="accent1"/>
+          </a:effectRef>
+          <a:fontRef idx="minor">
+            <a:schemeClr val="tx1"/>
+          </a:fontRef>
+        </p:style>
+      </p:cxnSp>
+      <p:cxnSp>
+        <p:nvCxnSpPr>
+          <p:cNvPr id="18" name="直接连接符 14"/>
+          <p:cNvCxnSpPr>
+            <a:stCxn id="41" idx="2"/>
+            <a:endCxn id="20" idx="1"/>
+          </p:cNvCxnSpPr>
+          <p:nvPr/>
+        </p:nvCxnSpPr>
+        <p:spPr>
+          <a:xfrm rot="16200000" flipH="1">
+            <a:off x="3661780" y="3085824"/>
+            <a:ext cx="228599" cy="439713"/>
+          </a:xfrm>
+          <a:prstGeom prst="bentConnector2">
+            <a:avLst/>
+          </a:prstGeom>
+          <a:ln>
+            <a:tailEnd type="triangle" w="med" len="lg"/>
+          </a:ln>
+        </p:spPr>
+        <p:style>
+          <a:lnRef idx="1">
+            <a:schemeClr val="accent1"/>
+          </a:lnRef>
+          <a:fillRef idx="0">
+            <a:schemeClr val="accent1"/>
+          </a:fillRef>
+          <a:effectRef idx="0">
+            <a:schemeClr val="accent1"/>
+          </a:effectRef>
+          <a:fontRef idx="minor">
+            <a:schemeClr val="tx1"/>
+          </a:fontRef>
+        </p:style>
+      </p:cxnSp>
+      <p:sp>
+        <p:nvSpPr>
+          <p:cNvPr id="20" name="圆角矩形 19"/>
+          <p:cNvSpPr/>
+          <p:nvPr/>
+        </p:nvSpPr>
+        <p:spPr>
+          <a:xfrm>
+            <a:off x="3995936" y="3311969"/>
+            <a:ext cx="1420493" cy="216024"/>
+          </a:xfrm>
+          <a:prstGeom prst="roundRect">
+            <a:avLst/>
+          </a:prstGeom>
+        </p:spPr>
+        <p:style>
+          <a:lnRef idx="1">
+            <a:schemeClr val="accent4"/>
+          </a:lnRef>
+          <a:fillRef idx="2">
+            <a:schemeClr val="accent4"/>
+          </a:fillRef>
+          <a:effectRef idx="1">
+            <a:schemeClr val="accent4"/>
+          </a:effectRef>
+          <a:fontRef idx="minor">
+            <a:schemeClr val="dk1"/>
+          </a:fontRef>
+        </p:style>
+        <p:txBody>
+          <a:bodyPr lIns="0" tIns="0" rIns="0" bIns="0" rtlCol="0" anchor="ctr" anchorCtr="1"/>
+          <a:lstStyle/>
+          <a:p>
+            <a:pPr algn="ctr"/>
+            <a:r>
+              <a:rPr lang="zh-CN" altLang="en-US" sz="1200" smtClean="0"/>
+              <a:t>显示对象</a:t>
+            </a:r>
+            <a:r>
+              <a:rPr lang="en-US" altLang="zh-CN" sz="1200" smtClean="0"/>
+              <a:t>(Display)</a:t>
+            </a:r>
+            <a:endParaRPr lang="zh-CN" altLang="en-US" sz="1200" dirty="0"/>
+          </a:p>
+        </p:txBody>
+      </p:sp>
+      <p:sp>
+        <p:nvSpPr>
+          <p:cNvPr id="24" name="圆角矩形 23"/>
+          <p:cNvSpPr/>
+          <p:nvPr/>
+        </p:nvSpPr>
+        <p:spPr>
+          <a:xfrm>
+            <a:off x="3998113" y="3636006"/>
+            <a:ext cx="1420493" cy="216024"/>
+          </a:xfrm>
+          <a:prstGeom prst="roundRect">
+            <a:avLst/>
+          </a:prstGeom>
+        </p:spPr>
+        <p:style>
+          <a:lnRef idx="1">
+            <a:schemeClr val="accent4"/>
+          </a:lnRef>
+          <a:fillRef idx="2">
+            <a:schemeClr val="accent4"/>
+          </a:fillRef>
+          <a:effectRef idx="1">
+            <a:schemeClr val="accent4"/>
+          </a:effectRef>
+          <a:fontRef idx="minor">
+            <a:schemeClr val="dk1"/>
+          </a:fontRef>
+        </p:style>
+        <p:txBody>
+          <a:bodyPr lIns="0" tIns="0" rIns="0" bIns="0" rtlCol="0" anchor="ctr" anchorCtr="1"/>
+          <a:lstStyle/>
+          <a:p>
+            <a:pPr algn="ctr"/>
+            <a:r>
+              <a:rPr lang="zh-CN" altLang="en-US" sz="1200"/>
+              <a:t>事件</a:t>
+            </a:r>
+            <a:r>
+              <a:rPr lang="zh-CN" altLang="en-US" sz="1200" smtClean="0"/>
+              <a:t>对象</a:t>
+            </a:r>
+            <a:r>
+              <a:rPr lang="en-US" altLang="zh-CN" sz="1200" smtClean="0"/>
+              <a:t>(Event)</a:t>
+            </a:r>
+            <a:endParaRPr lang="zh-CN" altLang="en-US" sz="1200" dirty="0"/>
+          </a:p>
+        </p:txBody>
+      </p:sp>
+      <p:cxnSp>
+        <p:nvCxnSpPr>
+          <p:cNvPr id="25" name="直接连接符 14"/>
+          <p:cNvCxnSpPr>
+            <a:stCxn id="41" idx="2"/>
+            <a:endCxn id="24" idx="1"/>
+          </p:cNvCxnSpPr>
+          <p:nvPr/>
+        </p:nvCxnSpPr>
+        <p:spPr>
+          <a:xfrm rot="16200000" flipH="1">
+            <a:off x="3500850" y="3246755"/>
+            <a:ext cx="552636" cy="441890"/>
+          </a:xfrm>
+          <a:prstGeom prst="bentConnector2">
+            <a:avLst/>
+          </a:prstGeom>
+          <a:ln>
+            <a:tailEnd type="triangle" w="med" len="lg"/>
+          </a:ln>
+        </p:spPr>
+        <p:style>
+          <a:lnRef idx="1">
+            <a:schemeClr val="accent1"/>
+          </a:lnRef>
+          <a:fillRef idx="0">
+            <a:schemeClr val="accent1"/>
+          </a:fillRef>
+          <a:effectRef idx="0">
+            <a:schemeClr val="accent1"/>
+          </a:effectRef>
+          <a:fontRef idx="minor">
+            <a:schemeClr val="tx1"/>
+          </a:fontRef>
+        </p:style>
+      </p:cxnSp>
+      <p:sp>
+        <p:nvSpPr>
+          <p:cNvPr id="32" name="圆角矩形 31"/>
+          <p:cNvSpPr/>
+          <p:nvPr/>
+        </p:nvSpPr>
+        <p:spPr>
+          <a:xfrm>
+            <a:off x="3995935" y="3960043"/>
+            <a:ext cx="1420493" cy="216024"/>
+          </a:xfrm>
+          <a:prstGeom prst="roundRect">
+            <a:avLst/>
+          </a:prstGeom>
+        </p:spPr>
+        <p:style>
+          <a:lnRef idx="1">
+            <a:schemeClr val="accent4"/>
+          </a:lnRef>
+          <a:fillRef idx="2">
+            <a:schemeClr val="accent4"/>
+          </a:fillRef>
+          <a:effectRef idx="1">
+            <a:schemeClr val="accent4"/>
+          </a:effectRef>
+          <a:fontRef idx="minor">
+            <a:schemeClr val="dk1"/>
+          </a:fontRef>
+        </p:style>
+        <p:txBody>
+          <a:bodyPr lIns="0" tIns="0" rIns="0" bIns="0" rtlCol="0" anchor="ctr" anchorCtr="1"/>
+          <a:lstStyle/>
+          <a:p>
+            <a:pPr algn="ctr"/>
+            <a:r>
+              <a:rPr lang="zh-CN" altLang="en-US" sz="1200" smtClean="0"/>
+              <a:t>处理对象</a:t>
+            </a:r>
+            <a:r>
+              <a:rPr lang="en-US" altLang="zh-CN" sz="1200" smtClean="0"/>
+              <a:t>(Processor)</a:t>
+            </a:r>
+            <a:endParaRPr lang="zh-CN" altLang="en-US" sz="1200" dirty="0"/>
+          </a:p>
+        </p:txBody>
+      </p:sp>
+      <p:cxnSp>
+        <p:nvCxnSpPr>
+          <p:cNvPr id="33" name="直接连接符 14"/>
+          <p:cNvCxnSpPr>
+            <a:stCxn id="41" idx="2"/>
+            <a:endCxn id="32" idx="1"/>
+          </p:cNvCxnSpPr>
+          <p:nvPr/>
+        </p:nvCxnSpPr>
+        <p:spPr>
+          <a:xfrm rot="16200000" flipH="1">
+            <a:off x="3337743" y="3409862"/>
+            <a:ext cx="876673" cy="439712"/>
+          </a:xfrm>
+          <a:prstGeom prst="bentConnector2">
+            <a:avLst/>
+          </a:prstGeom>
+          <a:ln>
+            <a:tailEnd type="triangle" w="med" len="lg"/>
+          </a:ln>
+        </p:spPr>
+        <p:style>
+          <a:lnRef idx="1">
+            <a:schemeClr val="accent1"/>
+          </a:lnRef>
+          <a:fillRef idx="0">
+            <a:schemeClr val="accent1"/>
+          </a:fillRef>
+          <a:effectRef idx="0">
+            <a:schemeClr val="accent1"/>
+          </a:effectRef>
+          <a:fontRef idx="minor">
+            <a:schemeClr val="tx1"/>
+          </a:fontRef>
+        </p:style>
+      </p:cxnSp>
+    </p:spTree>
+    <p:extLst>
+      <p:ext uri="{BB962C8B-B14F-4D97-AF65-F5344CB8AC3E}">
+        <p14:creationId xmlns:p14="http://schemas.microsoft.com/office/powerpoint/2010/main" val="4094731615"/>
+      </p:ext>
+    </p:extLst>
+  </p:cSld>
+  <p:clrMapOvr>
+    <a:masterClrMapping/>
+  </p:clrMapOvr>
+  <p:timing>
+    <p:tnLst>
+      <p:par>
+        <p:cTn id="1" dur="indefinite" restart="never" nodeType="tmRoot"/>
+      </p:par>
+    </p:tnLst>
+  </p:timing>
+</p:sld>
+</file>
+
+<file path=ppt/slides/slide12.xml><?xml version="1.0" encoding="utf-8"?>
+<p:sld xmlns:a="http://schemas.openxmlformats.org/drawingml/2006/main" xmlns:r="http://schemas.openxmlformats.org/officeDocument/2006/relationships" xmlns:p="http://schemas.openxmlformats.org/presentationml/2006/main">
+  <p:cSld>
+    <p:spTree>
+      <p:nvGrpSpPr>
+        <p:cNvPr id="1" name=""/>
+        <p:cNvGrpSpPr/>
+        <p:nvPr/>
+      </p:nvGrpSpPr>
+      <p:grpSpPr>
+        <a:xfrm>
+          <a:off x="0" y="0"/>
+          <a:ext cx="0" cy="0"/>
+          <a:chOff x="0" y="0"/>
+          <a:chExt cx="0" cy="0"/>
+        </a:xfrm>
+      </p:grpSpPr>
+      <p:sp>
+        <p:nvSpPr>
+          <p:cNvPr id="2" name="标题 1"/>
+          <p:cNvSpPr>
+            <a:spLocks noGrp="1"/>
+          </p:cNvSpPr>
+          <p:nvPr>
+            <p:ph type="title"/>
+          </p:nvPr>
+        </p:nvSpPr>
+        <p:spPr/>
+        <p:txBody>
+          <a:bodyPr>
+            <a:normAutofit fontScale="90000"/>
+          </a:bodyPr>
+          <a:lstStyle/>
+          <a:p>
+            <a:r>
+              <a:rPr lang="en-US" altLang="zh-CN" smtClean="0"/>
+              <a:t>WEB – </a:t>
+            </a:r>
+            <a:r>
+              <a:rPr lang="zh-CN" altLang="en-US"/>
+              <a:t>前台</a:t>
+            </a:r>
+            <a:endParaRPr lang="zh-CN" altLang="en-US" dirty="0"/>
+          </a:p>
+        </p:txBody>
+      </p:sp>
+      <p:sp>
+        <p:nvSpPr>
+          <p:cNvPr id="3" name="圆角矩形 2"/>
+          <p:cNvSpPr/>
+          <p:nvPr/>
+        </p:nvSpPr>
+        <p:spPr>
+          <a:xfrm>
+            <a:off x="755576" y="916682"/>
+            <a:ext cx="1008112" cy="216024"/>
+          </a:xfrm>
+          <a:prstGeom prst="roundRect">
+            <a:avLst/>
+          </a:prstGeom>
+        </p:spPr>
+        <p:style>
+          <a:lnRef idx="1">
+            <a:schemeClr val="accent6"/>
+          </a:lnRef>
+          <a:fillRef idx="2">
+            <a:schemeClr val="accent6"/>
+          </a:fillRef>
+          <a:effectRef idx="1">
+            <a:schemeClr val="accent6"/>
+          </a:effectRef>
+          <a:fontRef idx="minor">
+            <a:schemeClr val="dk1"/>
+          </a:fontRef>
+        </p:style>
+        <p:txBody>
+          <a:bodyPr lIns="0" tIns="0" rIns="0" bIns="0" rtlCol="0" anchor="ctr" anchorCtr="1"/>
+          <a:lstStyle/>
+          <a:p>
+            <a:pPr algn="ctr"/>
+            <a:r>
+              <a:rPr lang="zh-CN" altLang="en-US" sz="1200"/>
+              <a:t>站点</a:t>
+            </a:r>
+          </a:p>
+        </p:txBody>
+      </p:sp>
+      <p:sp>
+        <p:nvSpPr>
+          <p:cNvPr id="31" name="圆角矩形 30"/>
+          <p:cNvSpPr/>
+          <p:nvPr/>
+        </p:nvSpPr>
+        <p:spPr>
+          <a:xfrm>
+            <a:off x="1695777" y="1281124"/>
+            <a:ext cx="1420493" cy="216024"/>
+          </a:xfrm>
+          <a:prstGeom prst="roundRect">
+            <a:avLst/>
+          </a:prstGeom>
+        </p:spPr>
+        <p:style>
+          <a:lnRef idx="1">
+            <a:schemeClr val="accent6"/>
+          </a:lnRef>
+          <a:fillRef idx="2">
+            <a:schemeClr val="accent6"/>
+          </a:fillRef>
+          <a:effectRef idx="1">
+            <a:schemeClr val="accent6"/>
+          </a:effectRef>
+          <a:fontRef idx="minor">
+            <a:schemeClr val="dk1"/>
+          </a:fontRef>
+        </p:style>
+        <p:txBody>
+          <a:bodyPr lIns="0" tIns="0" rIns="0" bIns="0" rtlCol="0" anchor="ctr" anchorCtr="1"/>
+          <a:lstStyle/>
+          <a:p>
+            <a:pPr algn="ctr"/>
+            <a:r>
+              <a:rPr lang="zh-CN" altLang="en-US" sz="1200"/>
+              <a:t>首页</a:t>
+            </a:r>
+          </a:p>
+        </p:txBody>
+      </p:sp>
+      <p:cxnSp>
+        <p:nvCxnSpPr>
+          <p:cNvPr id="34" name="直接连接符 14"/>
+          <p:cNvCxnSpPr>
+            <a:stCxn id="3" idx="2"/>
+            <a:endCxn id="31" idx="1"/>
+          </p:cNvCxnSpPr>
+          <p:nvPr/>
+        </p:nvCxnSpPr>
+        <p:spPr>
+          <a:xfrm rot="16200000" flipH="1">
+            <a:off x="1349489" y="1042848"/>
+            <a:ext cx="256430" cy="436145"/>
+          </a:xfrm>
+          <a:prstGeom prst="bentConnector2">
+            <a:avLst/>
+          </a:prstGeom>
+          <a:ln>
+            <a:tailEnd type="triangle" w="med" len="lg"/>
+          </a:ln>
+        </p:spPr>
+        <p:style>
+          <a:lnRef idx="1">
+            <a:schemeClr val="accent1"/>
+          </a:lnRef>
+          <a:fillRef idx="0">
+            <a:schemeClr val="accent1"/>
+          </a:fillRef>
+          <a:effectRef idx="0">
+            <a:schemeClr val="accent1"/>
+          </a:effectRef>
+          <a:fontRef idx="minor">
+            <a:schemeClr val="tx1"/>
+          </a:fontRef>
+        </p:style>
+      </p:cxnSp>
+      <p:sp>
+        <p:nvSpPr>
+          <p:cNvPr id="36" name="圆角矩形 35"/>
+          <p:cNvSpPr/>
+          <p:nvPr/>
+        </p:nvSpPr>
+        <p:spPr>
+          <a:xfrm>
+            <a:off x="1706958" y="3103334"/>
+            <a:ext cx="1420493" cy="216024"/>
+          </a:xfrm>
+          <a:prstGeom prst="roundRect">
+            <a:avLst/>
+          </a:prstGeom>
+        </p:spPr>
+        <p:style>
+          <a:lnRef idx="1">
+            <a:schemeClr val="accent6"/>
+          </a:lnRef>
+          <a:fillRef idx="2">
+            <a:schemeClr val="accent6"/>
+          </a:fillRef>
+          <a:effectRef idx="1">
+            <a:schemeClr val="accent6"/>
+          </a:effectRef>
+          <a:fontRef idx="minor">
+            <a:schemeClr val="dk1"/>
+          </a:fontRef>
+        </p:style>
+        <p:txBody>
+          <a:bodyPr lIns="0" tIns="0" rIns="0" bIns="0" rtlCol="0" anchor="ctr" anchorCtr="1"/>
+          <a:lstStyle/>
+          <a:p>
+            <a:pPr algn="ctr"/>
+            <a:r>
+              <a:rPr lang="zh-CN" altLang="en-US" sz="1200"/>
+              <a:t>用户</a:t>
+            </a:r>
+            <a:r>
+              <a:rPr lang="zh-CN" altLang="en-US" sz="1200" smtClean="0"/>
+              <a:t>空间</a:t>
+            </a:r>
+            <a:endParaRPr lang="zh-CN" altLang="en-US" sz="1200"/>
+          </a:p>
+        </p:txBody>
+      </p:sp>
+      <p:cxnSp>
+        <p:nvCxnSpPr>
+          <p:cNvPr id="38" name="直接连接符 14"/>
+          <p:cNvCxnSpPr>
+            <a:stCxn id="3" idx="2"/>
+            <a:endCxn id="36" idx="1"/>
+          </p:cNvCxnSpPr>
+          <p:nvPr/>
+        </p:nvCxnSpPr>
+        <p:spPr>
+          <a:xfrm rot="16200000" flipH="1">
+            <a:off x="443975" y="1948363"/>
+            <a:ext cx="2078640" cy="447326"/>
+          </a:xfrm>
+          <a:prstGeom prst="bentConnector2">
+            <a:avLst/>
+          </a:prstGeom>
+          <a:ln>
+            <a:tailEnd type="triangle" w="med" len="lg"/>
+          </a:ln>
+        </p:spPr>
+        <p:style>
+          <a:lnRef idx="1">
+            <a:schemeClr val="accent1"/>
+          </a:lnRef>
+          <a:fillRef idx="0">
+            <a:schemeClr val="accent1"/>
+          </a:fillRef>
+          <a:effectRef idx="0">
+            <a:schemeClr val="accent1"/>
+          </a:effectRef>
+          <a:fontRef idx="minor">
+            <a:schemeClr val="tx1"/>
+          </a:fontRef>
+        </p:style>
+      </p:cxnSp>
+      <p:sp>
+        <p:nvSpPr>
+          <p:cNvPr id="42" name="圆角矩形 41"/>
+          <p:cNvSpPr/>
+          <p:nvPr/>
+        </p:nvSpPr>
+        <p:spPr>
+          <a:xfrm>
+            <a:off x="1695776" y="3467775"/>
+            <a:ext cx="1420493" cy="216024"/>
+          </a:xfrm>
+          <a:prstGeom prst="roundRect">
+            <a:avLst/>
+          </a:prstGeom>
+        </p:spPr>
+        <p:style>
+          <a:lnRef idx="1">
+            <a:schemeClr val="accent6"/>
+          </a:lnRef>
+          <a:fillRef idx="2">
+            <a:schemeClr val="accent6"/>
+          </a:fillRef>
+          <a:effectRef idx="1">
+            <a:schemeClr val="accent6"/>
+          </a:effectRef>
+          <a:fontRef idx="minor">
+            <a:schemeClr val="dk1"/>
+          </a:fontRef>
+        </p:style>
+        <p:txBody>
+          <a:bodyPr lIns="0" tIns="0" rIns="0" bIns="0" rtlCol="0" anchor="ctr" anchorCtr="1"/>
+          <a:lstStyle/>
+          <a:p>
+            <a:pPr algn="ctr"/>
+            <a:r>
+              <a:rPr lang="zh-CN" altLang="en-US" sz="1200" smtClean="0"/>
+              <a:t>论坛</a:t>
+            </a:r>
+            <a:endParaRPr lang="zh-CN" altLang="en-US" sz="1200"/>
+          </a:p>
+        </p:txBody>
+      </p:sp>
+      <p:cxnSp>
+        <p:nvCxnSpPr>
+          <p:cNvPr id="43" name="直接连接符 14"/>
+          <p:cNvCxnSpPr>
+            <a:stCxn id="3" idx="2"/>
+            <a:endCxn id="42" idx="1"/>
+          </p:cNvCxnSpPr>
+          <p:nvPr/>
+        </p:nvCxnSpPr>
+        <p:spPr>
+          <a:xfrm rot="16200000" flipH="1">
+            <a:off x="256164" y="2136174"/>
+            <a:ext cx="2443081" cy="436144"/>
+          </a:xfrm>
+          <a:prstGeom prst="bentConnector2">
+            <a:avLst/>
+          </a:prstGeom>
+          <a:ln>
+            <a:tailEnd type="triangle" w="med" len="lg"/>
+          </a:ln>
+        </p:spPr>
+        <p:style>
+          <a:lnRef idx="1">
+            <a:schemeClr val="accent1"/>
+          </a:lnRef>
+          <a:fillRef idx="0">
+            <a:schemeClr val="accent1"/>
+          </a:fillRef>
+          <a:effectRef idx="0">
+            <a:schemeClr val="accent1"/>
+          </a:effectRef>
+          <a:fontRef idx="minor">
+            <a:schemeClr val="tx1"/>
+          </a:fontRef>
+        </p:style>
+      </p:cxnSp>
+      <p:sp>
+        <p:nvSpPr>
+          <p:cNvPr id="15" name="圆角矩形 14"/>
+          <p:cNvSpPr/>
+          <p:nvPr/>
+        </p:nvSpPr>
+        <p:spPr>
+          <a:xfrm>
+            <a:off x="2685706" y="1645566"/>
+            <a:ext cx="1420493" cy="216024"/>
+          </a:xfrm>
+          <a:prstGeom prst="roundRect">
+            <a:avLst/>
+          </a:prstGeom>
+        </p:spPr>
+        <p:style>
+          <a:lnRef idx="1">
+            <a:schemeClr val="accent6"/>
+          </a:lnRef>
+          <a:fillRef idx="2">
+            <a:schemeClr val="accent6"/>
+          </a:fillRef>
+          <a:effectRef idx="1">
+            <a:schemeClr val="accent6"/>
+          </a:effectRef>
+          <a:fontRef idx="minor">
+            <a:schemeClr val="dk1"/>
+          </a:fontRef>
+        </p:style>
+        <p:txBody>
+          <a:bodyPr lIns="0" tIns="0" rIns="0" bIns="0" rtlCol="0" anchor="ctr" anchorCtr="1"/>
+          <a:lstStyle/>
+          <a:p>
+            <a:pPr algn="ctr"/>
+            <a:r>
+              <a:rPr lang="zh-CN" altLang="en-US" sz="1200" smtClean="0"/>
+              <a:t>资源列表</a:t>
+            </a:r>
+            <a:endParaRPr lang="zh-CN" altLang="en-US" sz="1200"/>
+          </a:p>
+        </p:txBody>
+      </p:sp>
+      <p:sp>
+        <p:nvSpPr>
+          <p:cNvPr id="16" name="圆角矩形 15"/>
+          <p:cNvSpPr/>
+          <p:nvPr/>
+        </p:nvSpPr>
+        <p:spPr>
+          <a:xfrm>
+            <a:off x="2685704" y="2374450"/>
+            <a:ext cx="1420493" cy="216024"/>
+          </a:xfrm>
+          <a:prstGeom prst="roundRect">
+            <a:avLst/>
+          </a:prstGeom>
+        </p:spPr>
+        <p:style>
+          <a:lnRef idx="1">
+            <a:schemeClr val="dk1"/>
+          </a:lnRef>
+          <a:fillRef idx="2">
+            <a:schemeClr val="dk1"/>
+          </a:fillRef>
+          <a:effectRef idx="1">
+            <a:schemeClr val="dk1"/>
+          </a:effectRef>
+          <a:fontRef idx="minor">
+            <a:schemeClr val="dk1"/>
+          </a:fontRef>
+        </p:style>
+        <p:txBody>
+          <a:bodyPr lIns="0" tIns="0" rIns="0" bIns="0" rtlCol="0" anchor="ctr" anchorCtr="1"/>
+          <a:lstStyle/>
+          <a:p>
+            <a:pPr algn="ctr"/>
+            <a:r>
+              <a:rPr lang="zh-CN" altLang="en-US" sz="1200"/>
+              <a:t>新闻</a:t>
+            </a:r>
+            <a:r>
+              <a:rPr lang="zh-CN" altLang="en-US" sz="1200" smtClean="0"/>
+              <a:t>列表</a:t>
+            </a:r>
+            <a:endParaRPr lang="zh-CN" altLang="en-US" sz="1200"/>
+          </a:p>
+        </p:txBody>
+      </p:sp>
+      <p:cxnSp>
+        <p:nvCxnSpPr>
+          <p:cNvPr id="17" name="直接连接符 14"/>
+          <p:cNvCxnSpPr>
+            <a:stCxn id="31" idx="2"/>
+            <a:endCxn id="15" idx="1"/>
+          </p:cNvCxnSpPr>
+          <p:nvPr/>
+        </p:nvCxnSpPr>
+        <p:spPr>
+          <a:xfrm rot="16200000" flipH="1">
+            <a:off x="2417650" y="1485522"/>
+            <a:ext cx="256430" cy="279682"/>
+          </a:xfrm>
+          <a:prstGeom prst="bentConnector2">
+            <a:avLst/>
+          </a:prstGeom>
+          <a:ln>
+            <a:tailEnd type="triangle" w="med" len="lg"/>
+          </a:ln>
+        </p:spPr>
+        <p:style>
+          <a:lnRef idx="1">
+            <a:schemeClr val="accent1"/>
+          </a:lnRef>
+          <a:fillRef idx="0">
+            <a:schemeClr val="accent1"/>
+          </a:fillRef>
+          <a:effectRef idx="0">
+            <a:schemeClr val="accent1"/>
+          </a:effectRef>
+          <a:fontRef idx="minor">
+            <a:schemeClr val="tx1"/>
+          </a:fontRef>
+        </p:style>
+      </p:cxnSp>
+      <p:cxnSp>
+        <p:nvCxnSpPr>
+          <p:cNvPr id="20" name="直接连接符 14"/>
+          <p:cNvCxnSpPr>
+            <a:stCxn id="31" idx="2"/>
+            <a:endCxn id="16" idx="1"/>
+          </p:cNvCxnSpPr>
+          <p:nvPr/>
+        </p:nvCxnSpPr>
+        <p:spPr>
+          <a:xfrm rot="16200000" flipH="1">
+            <a:off x="2053207" y="1849965"/>
+            <a:ext cx="985314" cy="279680"/>
+          </a:xfrm>
+          <a:prstGeom prst="bentConnector2">
+            <a:avLst/>
+          </a:prstGeom>
+          <a:ln>
+            <a:tailEnd type="triangle" w="med" len="lg"/>
+          </a:ln>
+        </p:spPr>
+        <p:style>
+          <a:lnRef idx="1">
+            <a:schemeClr val="accent1"/>
+          </a:lnRef>
+          <a:fillRef idx="0">
+            <a:schemeClr val="accent1"/>
+          </a:fillRef>
+          <a:effectRef idx="0">
+            <a:schemeClr val="accent1"/>
+          </a:effectRef>
+          <a:fontRef idx="minor">
+            <a:schemeClr val="tx1"/>
+          </a:fontRef>
+        </p:style>
+      </p:cxnSp>
+      <p:sp>
+        <p:nvSpPr>
+          <p:cNvPr id="26" name="圆角矩形 25"/>
+          <p:cNvSpPr/>
+          <p:nvPr/>
+        </p:nvSpPr>
+        <p:spPr>
+          <a:xfrm>
+            <a:off x="2685703" y="2738892"/>
+            <a:ext cx="1420493" cy="216024"/>
+          </a:xfrm>
+          <a:prstGeom prst="roundRect">
+            <a:avLst/>
+          </a:prstGeom>
+        </p:spPr>
+        <p:style>
+          <a:lnRef idx="1">
+            <a:schemeClr val="dk1"/>
+          </a:lnRef>
+          <a:fillRef idx="2">
+            <a:schemeClr val="dk1"/>
+          </a:fillRef>
+          <a:effectRef idx="1">
+            <a:schemeClr val="dk1"/>
+          </a:effectRef>
+          <a:fontRef idx="minor">
+            <a:schemeClr val="dk1"/>
+          </a:fontRef>
+        </p:style>
+        <p:txBody>
+          <a:bodyPr lIns="0" tIns="0" rIns="0" bIns="0" rtlCol="0" anchor="ctr" anchorCtr="1"/>
+          <a:lstStyle/>
+          <a:p>
+            <a:pPr algn="ctr"/>
+            <a:r>
+              <a:rPr lang="zh-CN" altLang="en-US" sz="1200"/>
+              <a:t>人员</a:t>
+            </a:r>
+            <a:r>
+              <a:rPr lang="zh-CN" altLang="en-US" sz="1200" smtClean="0"/>
+              <a:t>列表</a:t>
+            </a:r>
+            <a:endParaRPr lang="zh-CN" altLang="en-US" sz="1200"/>
+          </a:p>
+        </p:txBody>
+      </p:sp>
+      <p:cxnSp>
+        <p:nvCxnSpPr>
+          <p:cNvPr id="27" name="直接连接符 14"/>
+          <p:cNvCxnSpPr>
+            <a:stCxn id="31" idx="2"/>
+            <a:endCxn id="26" idx="1"/>
+          </p:cNvCxnSpPr>
+          <p:nvPr/>
+        </p:nvCxnSpPr>
+        <p:spPr>
+          <a:xfrm rot="16200000" flipH="1">
+            <a:off x="1870985" y="2032186"/>
+            <a:ext cx="1349756" cy="279679"/>
+          </a:xfrm>
+          <a:prstGeom prst="bentConnector2">
+            <a:avLst/>
+          </a:prstGeom>
+          <a:ln>
+            <a:tailEnd type="triangle" w="med" len="lg"/>
+          </a:ln>
+        </p:spPr>
+        <p:style>
+          <a:lnRef idx="1">
+            <a:schemeClr val="accent1"/>
+          </a:lnRef>
+          <a:fillRef idx="0">
+            <a:schemeClr val="accent1"/>
+          </a:fillRef>
+          <a:effectRef idx="0">
+            <a:schemeClr val="accent1"/>
+          </a:effectRef>
+          <a:fontRef idx="minor">
+            <a:schemeClr val="tx1"/>
+          </a:fontRef>
+        </p:style>
+      </p:cxnSp>
+      <p:sp>
+        <p:nvSpPr>
+          <p:cNvPr id="39" name="圆角矩形 38"/>
+          <p:cNvSpPr/>
+          <p:nvPr/>
+        </p:nvSpPr>
+        <p:spPr>
+          <a:xfrm>
+            <a:off x="2685705" y="2010008"/>
+            <a:ext cx="1420493" cy="216024"/>
+          </a:xfrm>
+          <a:prstGeom prst="roundRect">
+            <a:avLst/>
+          </a:prstGeom>
+        </p:spPr>
+        <p:style>
+          <a:lnRef idx="1">
+            <a:schemeClr val="accent2"/>
+          </a:lnRef>
+          <a:fillRef idx="2">
+            <a:schemeClr val="accent2"/>
+          </a:fillRef>
+          <a:effectRef idx="1">
+            <a:schemeClr val="accent2"/>
+          </a:effectRef>
+          <a:fontRef idx="minor">
+            <a:schemeClr val="dk1"/>
+          </a:fontRef>
+        </p:style>
+        <p:txBody>
+          <a:bodyPr lIns="0" tIns="0" rIns="0" bIns="0" rtlCol="0" anchor="ctr" anchorCtr="1"/>
+          <a:lstStyle/>
+          <a:p>
+            <a:pPr algn="ctr"/>
+            <a:r>
+              <a:rPr lang="zh-CN" altLang="en-US" sz="1200"/>
+              <a:t>悬赏</a:t>
+            </a:r>
+            <a:r>
+              <a:rPr lang="zh-CN" altLang="en-US" sz="1200" smtClean="0"/>
+              <a:t>列表</a:t>
+            </a:r>
+            <a:endParaRPr lang="zh-CN" altLang="en-US" sz="1200"/>
+          </a:p>
+        </p:txBody>
+      </p:sp>
+      <p:cxnSp>
+        <p:nvCxnSpPr>
+          <p:cNvPr id="40" name="直接连接符 14"/>
+          <p:cNvCxnSpPr>
+            <a:stCxn id="31" idx="2"/>
+            <a:endCxn id="39" idx="1"/>
+          </p:cNvCxnSpPr>
+          <p:nvPr/>
+        </p:nvCxnSpPr>
+        <p:spPr>
+          <a:xfrm rot="16200000" flipH="1">
+            <a:off x="2235428" y="1667743"/>
+            <a:ext cx="620872" cy="279681"/>
+          </a:xfrm>
+          <a:prstGeom prst="bentConnector2">
+            <a:avLst/>
+          </a:prstGeom>
+          <a:ln>
+            <a:tailEnd type="triangle" w="med" len="lg"/>
+          </a:ln>
+        </p:spPr>
+        <p:style>
+          <a:lnRef idx="1">
+            <a:schemeClr val="accent1"/>
+          </a:lnRef>
+          <a:fillRef idx="0">
+            <a:schemeClr val="accent1"/>
+          </a:fillRef>
+          <a:effectRef idx="0">
+            <a:schemeClr val="accent1"/>
+          </a:effectRef>
+          <a:fontRef idx="minor">
+            <a:schemeClr val="tx1"/>
+          </a:fontRef>
+        </p:style>
+      </p:cxnSp>
+      <p:sp>
+        <p:nvSpPr>
+          <p:cNvPr id="49" name="圆角矩形 48"/>
+          <p:cNvSpPr/>
+          <p:nvPr/>
+        </p:nvSpPr>
+        <p:spPr>
+          <a:xfrm>
+            <a:off x="4860033" y="1279586"/>
+            <a:ext cx="1080120" cy="216024"/>
+          </a:xfrm>
+          <a:prstGeom prst="roundRect">
+            <a:avLst/>
+          </a:prstGeom>
+        </p:spPr>
+        <p:style>
+          <a:lnRef idx="1">
+            <a:schemeClr val="accent6"/>
+          </a:lnRef>
+          <a:fillRef idx="2">
+            <a:schemeClr val="accent6"/>
+          </a:fillRef>
+          <a:effectRef idx="1">
+            <a:schemeClr val="accent6"/>
+          </a:effectRef>
+          <a:fontRef idx="minor">
+            <a:schemeClr val="dk1"/>
+          </a:fontRef>
+        </p:style>
+        <p:txBody>
+          <a:bodyPr lIns="0" tIns="0" rIns="0" bIns="0" rtlCol="0" anchor="ctr" anchorCtr="1"/>
+          <a:lstStyle/>
+          <a:p>
+            <a:pPr algn="ctr"/>
+            <a:r>
+              <a:rPr lang="zh-CN" altLang="en-US" sz="1200"/>
+              <a:t>用户</a:t>
+            </a:r>
+          </a:p>
+        </p:txBody>
+      </p:sp>
+      <p:cxnSp>
+        <p:nvCxnSpPr>
+          <p:cNvPr id="50" name="直接连接符 14"/>
+          <p:cNvCxnSpPr>
+            <a:stCxn id="31" idx="3"/>
+            <a:endCxn id="49" idx="1"/>
+          </p:cNvCxnSpPr>
+          <p:nvPr/>
+        </p:nvCxnSpPr>
+        <p:spPr>
+          <a:xfrm flipV="1">
+            <a:off x="3116270" y="1387598"/>
+            <a:ext cx="1743763" cy="1538"/>
+          </a:xfrm>
+          <a:prstGeom prst="straightConnector1">
+            <a:avLst/>
+          </a:prstGeom>
+          <a:ln>
+            <a:tailEnd type="triangle" w="med" len="lg"/>
+          </a:ln>
+        </p:spPr>
+        <p:style>
+          <a:lnRef idx="1">
+            <a:schemeClr val="accent1"/>
+          </a:lnRef>
+          <a:fillRef idx="0">
+            <a:schemeClr val="accent1"/>
+          </a:fillRef>
+          <a:effectRef idx="0">
+            <a:schemeClr val="accent1"/>
+          </a:effectRef>
+          <a:fontRef idx="minor">
+            <a:schemeClr val="tx1"/>
+          </a:fontRef>
+        </p:style>
+      </p:cxnSp>
+      <p:sp>
+        <p:nvSpPr>
+          <p:cNvPr id="52" name="圆角矩形 51"/>
+          <p:cNvSpPr/>
+          <p:nvPr/>
+        </p:nvSpPr>
+        <p:spPr>
+          <a:xfrm>
+            <a:off x="4860032" y="1605587"/>
+            <a:ext cx="1080121" cy="216024"/>
+          </a:xfrm>
+          <a:prstGeom prst="roundRect">
+            <a:avLst/>
+          </a:prstGeom>
+        </p:spPr>
+        <p:style>
+          <a:lnRef idx="1">
+            <a:schemeClr val="accent2"/>
+          </a:lnRef>
+          <a:fillRef idx="2">
+            <a:schemeClr val="accent2"/>
+          </a:fillRef>
+          <a:effectRef idx="1">
+            <a:schemeClr val="accent2"/>
+          </a:effectRef>
+          <a:fontRef idx="minor">
+            <a:schemeClr val="dk1"/>
+          </a:fontRef>
+        </p:style>
+        <p:txBody>
+          <a:bodyPr lIns="0" tIns="0" rIns="0" bIns="0" rtlCol="0" anchor="ctr" anchorCtr="1"/>
+          <a:lstStyle/>
+          <a:p>
+            <a:pPr algn="ctr"/>
+            <a:r>
+              <a:rPr lang="zh-CN" altLang="en-US" sz="1200"/>
+              <a:t>充值</a:t>
+            </a:r>
+          </a:p>
+        </p:txBody>
+      </p:sp>
+      <p:cxnSp>
+        <p:nvCxnSpPr>
+          <p:cNvPr id="53" name="直接连接符 14"/>
+          <p:cNvCxnSpPr>
+            <a:stCxn id="31" idx="3"/>
+            <a:endCxn id="52" idx="1"/>
+          </p:cNvCxnSpPr>
+          <p:nvPr/>
+        </p:nvCxnSpPr>
+        <p:spPr>
+          <a:xfrm>
+            <a:off x="3116270" y="1389136"/>
+            <a:ext cx="1743762" cy="324463"/>
+          </a:xfrm>
+          <a:prstGeom prst="straightConnector1">
+            <a:avLst/>
+          </a:prstGeom>
+          <a:ln>
+            <a:tailEnd type="triangle" w="med" len="lg"/>
+          </a:ln>
+        </p:spPr>
+        <p:style>
+          <a:lnRef idx="1">
+            <a:schemeClr val="accent1"/>
+          </a:lnRef>
+          <a:fillRef idx="0">
+            <a:schemeClr val="accent1"/>
+          </a:fillRef>
+          <a:effectRef idx="0">
+            <a:schemeClr val="accent1"/>
+          </a:effectRef>
+          <a:fontRef idx="minor">
+            <a:schemeClr val="tx1"/>
+          </a:fontRef>
+        </p:style>
+      </p:cxnSp>
+      <p:sp>
+        <p:nvSpPr>
+          <p:cNvPr id="60" name="圆角矩形 59"/>
+          <p:cNvSpPr/>
+          <p:nvPr/>
+        </p:nvSpPr>
+        <p:spPr>
+          <a:xfrm>
+            <a:off x="6396548" y="1279586"/>
+            <a:ext cx="1080120" cy="216024"/>
+          </a:xfrm>
+          <a:prstGeom prst="roundRect">
+            <a:avLst/>
+          </a:prstGeom>
+        </p:spPr>
+        <p:style>
+          <a:lnRef idx="1">
+            <a:schemeClr val="accent6"/>
+          </a:lnRef>
+          <a:fillRef idx="2">
+            <a:schemeClr val="accent6"/>
+          </a:fillRef>
+          <a:effectRef idx="1">
+            <a:schemeClr val="accent6"/>
+          </a:effectRef>
+          <a:fontRef idx="minor">
+            <a:schemeClr val="dk1"/>
+          </a:fontRef>
+        </p:style>
+        <p:txBody>
+          <a:bodyPr lIns="0" tIns="0" rIns="0" bIns="0" rtlCol="0" anchor="ctr" anchorCtr="1"/>
+          <a:lstStyle/>
+          <a:p>
+            <a:pPr algn="ctr"/>
+            <a:r>
+              <a:rPr lang="zh-CN" altLang="en-US" sz="1200"/>
+              <a:t>注册</a:t>
+            </a:r>
+          </a:p>
+        </p:txBody>
+      </p:sp>
+      <p:sp>
+        <p:nvSpPr>
+          <p:cNvPr id="61" name="圆角矩形 60"/>
+          <p:cNvSpPr/>
+          <p:nvPr/>
+        </p:nvSpPr>
+        <p:spPr>
+          <a:xfrm>
+            <a:off x="6396548" y="1607777"/>
+            <a:ext cx="1080120" cy="216024"/>
+          </a:xfrm>
+          <a:prstGeom prst="roundRect">
+            <a:avLst/>
+          </a:prstGeom>
+        </p:spPr>
+        <p:style>
+          <a:lnRef idx="1">
+            <a:schemeClr val="accent6"/>
+          </a:lnRef>
+          <a:fillRef idx="2">
+            <a:schemeClr val="accent6"/>
+          </a:fillRef>
+          <a:effectRef idx="1">
+            <a:schemeClr val="accent6"/>
+          </a:effectRef>
+          <a:fontRef idx="minor">
+            <a:schemeClr val="dk1"/>
+          </a:fontRef>
+        </p:style>
+        <p:txBody>
+          <a:bodyPr lIns="0" tIns="0" rIns="0" bIns="0" rtlCol="0" anchor="ctr" anchorCtr="1"/>
+          <a:lstStyle/>
+          <a:p>
+            <a:pPr algn="ctr"/>
+            <a:r>
+              <a:rPr lang="zh-CN" altLang="en-US" sz="1200" smtClean="0"/>
+              <a:t>登录</a:t>
+            </a:r>
+            <a:endParaRPr lang="zh-CN" altLang="en-US" sz="1200"/>
+          </a:p>
+        </p:txBody>
+      </p:sp>
+      <p:cxnSp>
+        <p:nvCxnSpPr>
+          <p:cNvPr id="62" name="直接连接符 14"/>
+          <p:cNvCxnSpPr>
+            <a:stCxn id="49" idx="3"/>
+            <a:endCxn id="60" idx="1"/>
+          </p:cNvCxnSpPr>
+          <p:nvPr/>
+        </p:nvCxnSpPr>
+        <p:spPr>
+          <a:xfrm>
+            <a:off x="5940153" y="1387598"/>
+            <a:ext cx="456395" cy="0"/>
+          </a:xfrm>
+          <a:prstGeom prst="straightConnector1">
+            <a:avLst/>
+          </a:prstGeom>
+          <a:ln>
+            <a:tailEnd type="triangle" w="med" len="lg"/>
+          </a:ln>
+        </p:spPr>
+        <p:style>
+          <a:lnRef idx="1">
+            <a:schemeClr val="accent1"/>
+          </a:lnRef>
+          <a:fillRef idx="0">
+            <a:schemeClr val="accent1"/>
+          </a:fillRef>
+          <a:effectRef idx="0">
+            <a:schemeClr val="accent1"/>
+          </a:effectRef>
+          <a:fontRef idx="minor">
+            <a:schemeClr val="tx1"/>
+          </a:fontRef>
+        </p:style>
+      </p:cxnSp>
+      <p:cxnSp>
+        <p:nvCxnSpPr>
+          <p:cNvPr id="66" name="直接连接符 14"/>
+          <p:cNvCxnSpPr>
+            <a:stCxn id="49" idx="3"/>
+            <a:endCxn id="61" idx="1"/>
+          </p:cNvCxnSpPr>
+          <p:nvPr/>
+        </p:nvCxnSpPr>
+        <p:spPr>
+          <a:xfrm>
+            <a:off x="5940153" y="1387598"/>
+            <a:ext cx="456395" cy="328191"/>
+          </a:xfrm>
+          <a:prstGeom prst="bentConnector3">
+            <a:avLst>
+              <a:gd name="adj1" fmla="val 50000"/>
+            </a:avLst>
+          </a:prstGeom>
+          <a:ln>
+            <a:tailEnd type="triangle" w="med" len="lg"/>
+          </a:ln>
+        </p:spPr>
+        <p:style>
+          <a:lnRef idx="1">
+            <a:schemeClr val="accent1"/>
+          </a:lnRef>
+          <a:fillRef idx="0">
+            <a:schemeClr val="accent1"/>
+          </a:fillRef>
+          <a:effectRef idx="0">
+            <a:schemeClr val="accent1"/>
+          </a:effectRef>
+          <a:fontRef idx="minor">
+            <a:schemeClr val="tx1"/>
+          </a:fontRef>
+        </p:style>
+      </p:cxnSp>
+    </p:spTree>
+    <p:extLst>
+      <p:ext uri="{BB962C8B-B14F-4D97-AF65-F5344CB8AC3E}">
+        <p14:creationId xmlns:p14="http://schemas.microsoft.com/office/powerpoint/2010/main" val="2364541809"/>
+      </p:ext>
+    </p:extLst>
+  </p:cSld>
+  <p:clrMapOvr>
+    <a:masterClrMapping/>
+  </p:clrMapOvr>
+  <p:timing>
+    <p:tnLst>
+      <p:par>
+        <p:cTn id="1" dur="indefinite" restart="never" nodeType="tmRoot"/>
+      </p:par>
+    </p:tnLst>
+  </p:timing>
+</p:sld>
+</file>
+
+<file path=ppt/slides/slide13.xml><?xml version="1.0" encoding="utf-8"?>
+<p:sld xmlns:a="http://schemas.openxmlformats.org/drawingml/2006/main" xmlns:r="http://schemas.openxmlformats.org/officeDocument/2006/relationships" xmlns:p="http://schemas.openxmlformats.org/presentationml/2006/main">
+  <p:cSld>
+    <p:spTree>
+      <p:nvGrpSpPr>
+        <p:cNvPr id="1" name=""/>
+        <p:cNvGrpSpPr/>
+        <p:nvPr/>
+      </p:nvGrpSpPr>
+      <p:grpSpPr>
+        <a:xfrm>
+          <a:off x="0" y="0"/>
+          <a:ext cx="0" cy="0"/>
+          <a:chOff x="0" y="0"/>
+          <a:chExt cx="0" cy="0"/>
+        </a:xfrm>
+      </p:grpSpPr>
+      <p:sp>
+        <p:nvSpPr>
+          <p:cNvPr id="2" name="标题 1"/>
+          <p:cNvSpPr>
+            <a:spLocks noGrp="1"/>
+          </p:cNvSpPr>
+          <p:nvPr>
+            <p:ph type="title"/>
+          </p:nvPr>
+        </p:nvSpPr>
+        <p:spPr/>
+        <p:txBody>
+          <a:bodyPr>
+            <a:normAutofit fontScale="90000"/>
+          </a:bodyPr>
+          <a:lstStyle/>
+          <a:p>
+            <a:r>
+              <a:rPr lang="en-US" altLang="zh-CN" smtClean="0"/>
+              <a:t>WEB – </a:t>
+            </a:r>
+            <a:r>
+              <a:rPr lang="zh-CN" altLang="en-US" smtClean="0"/>
+              <a:t>前台 </a:t>
+            </a:r>
+            <a:r>
+              <a:rPr lang="en-US" altLang="zh-CN" smtClean="0"/>
+              <a:t>– </a:t>
+            </a:r>
+            <a:r>
+              <a:rPr lang="zh-CN" altLang="en-US" smtClean="0"/>
+              <a:t>用户空间</a:t>
+            </a:r>
+            <a:endParaRPr lang="zh-CN" altLang="en-US" dirty="0"/>
+          </a:p>
+        </p:txBody>
+      </p:sp>
+      <p:sp>
+        <p:nvSpPr>
+          <p:cNvPr id="3" name="圆角矩形 2"/>
+          <p:cNvSpPr/>
+          <p:nvPr/>
+        </p:nvSpPr>
+        <p:spPr>
+          <a:xfrm>
+            <a:off x="1043608" y="1060698"/>
+            <a:ext cx="1008112" cy="216024"/>
+          </a:xfrm>
+          <a:prstGeom prst="roundRect">
+            <a:avLst/>
+          </a:prstGeom>
+        </p:spPr>
+        <p:style>
+          <a:lnRef idx="1">
+            <a:schemeClr val="accent6"/>
+          </a:lnRef>
+          <a:fillRef idx="2">
+            <a:schemeClr val="accent6"/>
+          </a:fillRef>
+          <a:effectRef idx="1">
+            <a:schemeClr val="accent6"/>
+          </a:effectRef>
+          <a:fontRef idx="minor">
+            <a:schemeClr val="dk1"/>
+          </a:fontRef>
+        </p:style>
+        <p:txBody>
+          <a:bodyPr lIns="0" tIns="0" rIns="0" bIns="0" rtlCol="0" anchor="ctr" anchorCtr="1"/>
+          <a:lstStyle/>
+          <a:p>
+            <a:pPr algn="ctr"/>
+            <a:r>
+              <a:rPr lang="zh-CN" altLang="en-US" sz="1200"/>
+              <a:t>用户</a:t>
+            </a:r>
+            <a:r>
+              <a:rPr lang="zh-CN" altLang="en-US" sz="1200" smtClean="0"/>
+              <a:t>空间</a:t>
+            </a:r>
+            <a:endParaRPr lang="zh-CN" altLang="en-US" sz="1200"/>
+          </a:p>
+        </p:txBody>
+      </p:sp>
+      <p:sp>
+        <p:nvSpPr>
+          <p:cNvPr id="31" name="圆角矩形 30"/>
+          <p:cNvSpPr/>
+          <p:nvPr/>
+        </p:nvSpPr>
+        <p:spPr>
+          <a:xfrm>
+            <a:off x="1979637" y="1445947"/>
+            <a:ext cx="1420493" cy="216024"/>
+          </a:xfrm>
+          <a:prstGeom prst="roundRect">
+            <a:avLst/>
+          </a:prstGeom>
+        </p:spPr>
+        <p:style>
+          <a:lnRef idx="1">
+            <a:schemeClr val="accent2"/>
+          </a:lnRef>
+          <a:fillRef idx="2">
+            <a:schemeClr val="accent2"/>
+          </a:fillRef>
+          <a:effectRef idx="1">
+            <a:schemeClr val="accent2"/>
+          </a:effectRef>
+          <a:fontRef idx="minor">
+            <a:schemeClr val="dk1"/>
+          </a:fontRef>
+        </p:style>
+        <p:txBody>
+          <a:bodyPr lIns="0" tIns="0" rIns="0" bIns="0" rtlCol="0" anchor="ctr" anchorCtr="1"/>
+          <a:lstStyle/>
+          <a:p>
+            <a:pPr algn="ctr"/>
+            <a:r>
+              <a:rPr lang="zh-CN" altLang="en-US" sz="1200" smtClean="0"/>
+              <a:t>我的信息</a:t>
+            </a:r>
+            <a:endParaRPr lang="zh-CN" altLang="en-US" sz="1200"/>
+          </a:p>
+        </p:txBody>
+      </p:sp>
+      <p:cxnSp>
+        <p:nvCxnSpPr>
+          <p:cNvPr id="34" name="直接连接符 14"/>
+          <p:cNvCxnSpPr>
+            <a:stCxn id="3" idx="2"/>
+            <a:endCxn id="31" idx="1"/>
+          </p:cNvCxnSpPr>
+          <p:nvPr/>
+        </p:nvCxnSpPr>
+        <p:spPr>
+          <a:xfrm rot="16200000" flipH="1">
+            <a:off x="1625032" y="1199353"/>
+            <a:ext cx="277237" cy="431973"/>
+          </a:xfrm>
+          <a:prstGeom prst="bentConnector2">
+            <a:avLst/>
+          </a:prstGeom>
+          <a:ln>
+            <a:tailEnd type="triangle" w="med" len="lg"/>
+          </a:ln>
+        </p:spPr>
+        <p:style>
+          <a:lnRef idx="1">
+            <a:schemeClr val="accent1"/>
+          </a:lnRef>
+          <a:fillRef idx="0">
+            <a:schemeClr val="accent1"/>
+          </a:fillRef>
+          <a:effectRef idx="0">
+            <a:schemeClr val="accent1"/>
+          </a:effectRef>
+          <a:fontRef idx="minor">
+            <a:schemeClr val="tx1"/>
+          </a:fontRef>
+        </p:style>
+      </p:cxnSp>
+      <p:sp>
+        <p:nvSpPr>
+          <p:cNvPr id="36" name="圆角矩形 35"/>
+          <p:cNvSpPr/>
+          <p:nvPr/>
+        </p:nvSpPr>
+        <p:spPr>
+          <a:xfrm>
+            <a:off x="1979637" y="2040089"/>
+            <a:ext cx="1420493" cy="216024"/>
+          </a:xfrm>
+          <a:prstGeom prst="roundRect">
+            <a:avLst/>
+          </a:prstGeom>
+        </p:spPr>
+        <p:style>
+          <a:lnRef idx="1">
+            <a:schemeClr val="accent2"/>
+          </a:lnRef>
+          <a:fillRef idx="2">
+            <a:schemeClr val="accent2"/>
+          </a:fillRef>
+          <a:effectRef idx="1">
+            <a:schemeClr val="accent2"/>
+          </a:effectRef>
+          <a:fontRef idx="minor">
+            <a:schemeClr val="dk1"/>
+          </a:fontRef>
+        </p:style>
+        <p:txBody>
+          <a:bodyPr lIns="0" tIns="0" rIns="0" bIns="0" rtlCol="0" anchor="ctr" anchorCtr="1"/>
+          <a:lstStyle/>
+          <a:p>
+            <a:pPr algn="ctr"/>
+            <a:r>
+              <a:rPr lang="zh-CN" altLang="en-US" sz="1200" smtClean="0"/>
+              <a:t>我的项目</a:t>
+            </a:r>
+            <a:endParaRPr lang="zh-CN" altLang="en-US" sz="1200"/>
+          </a:p>
+        </p:txBody>
+      </p:sp>
+      <p:cxnSp>
+        <p:nvCxnSpPr>
+          <p:cNvPr id="38" name="直接连接符 14"/>
+          <p:cNvCxnSpPr>
+            <a:stCxn id="3" idx="2"/>
+            <a:endCxn id="36" idx="1"/>
+          </p:cNvCxnSpPr>
+          <p:nvPr/>
+        </p:nvCxnSpPr>
+        <p:spPr>
+          <a:xfrm rot="16200000" flipH="1">
+            <a:off x="1327961" y="1496424"/>
+            <a:ext cx="871379" cy="431973"/>
+          </a:xfrm>
+          <a:prstGeom prst="bentConnector2">
+            <a:avLst/>
+          </a:prstGeom>
+          <a:ln>
+            <a:tailEnd type="triangle" w="med" len="lg"/>
+          </a:ln>
+        </p:spPr>
+        <p:style>
+          <a:lnRef idx="1">
+            <a:schemeClr val="accent1"/>
+          </a:lnRef>
+          <a:fillRef idx="0">
+            <a:schemeClr val="accent1"/>
+          </a:fillRef>
+          <a:effectRef idx="0">
+            <a:schemeClr val="accent1"/>
+          </a:effectRef>
+          <a:fontRef idx="minor">
+            <a:schemeClr val="tx1"/>
+          </a:fontRef>
+        </p:style>
+      </p:cxnSp>
+      <p:sp>
+        <p:nvSpPr>
+          <p:cNvPr id="42" name="圆角矩形 41"/>
+          <p:cNvSpPr/>
+          <p:nvPr/>
+        </p:nvSpPr>
+        <p:spPr>
+          <a:xfrm>
+            <a:off x="1979637" y="3590522"/>
+            <a:ext cx="1420493" cy="216024"/>
+          </a:xfrm>
+          <a:prstGeom prst="roundRect">
+            <a:avLst/>
+          </a:prstGeom>
+        </p:spPr>
+        <p:style>
+          <a:lnRef idx="1">
+            <a:schemeClr val="accent6"/>
+          </a:lnRef>
+          <a:fillRef idx="2">
+            <a:schemeClr val="accent6"/>
+          </a:fillRef>
+          <a:effectRef idx="1">
+            <a:schemeClr val="accent6"/>
+          </a:effectRef>
+          <a:fontRef idx="minor">
+            <a:schemeClr val="dk1"/>
+          </a:fontRef>
+        </p:style>
+        <p:txBody>
+          <a:bodyPr lIns="0" tIns="0" rIns="0" bIns="0" rtlCol="0" anchor="ctr" anchorCtr="1"/>
+          <a:lstStyle/>
+          <a:p>
+            <a:pPr algn="ctr"/>
+            <a:r>
+              <a:rPr lang="zh-CN" altLang="en-US" sz="1200" smtClean="0"/>
+              <a:t>共享空间</a:t>
+            </a:r>
+            <a:endParaRPr lang="zh-CN" altLang="en-US" sz="1200"/>
+          </a:p>
+        </p:txBody>
+      </p:sp>
+      <p:cxnSp>
+        <p:nvCxnSpPr>
+          <p:cNvPr id="43" name="直接连接符 14"/>
+          <p:cNvCxnSpPr>
+            <a:stCxn id="3" idx="2"/>
+            <a:endCxn id="42" idx="1"/>
+          </p:cNvCxnSpPr>
+          <p:nvPr/>
+        </p:nvCxnSpPr>
+        <p:spPr>
+          <a:xfrm rot="16200000" flipH="1">
+            <a:off x="552744" y="2271641"/>
+            <a:ext cx="2421812" cy="431973"/>
+          </a:xfrm>
+          <a:prstGeom prst="bentConnector2">
+            <a:avLst/>
+          </a:prstGeom>
+          <a:ln>
+            <a:tailEnd type="triangle" w="med" len="lg"/>
+          </a:ln>
+        </p:spPr>
+        <p:style>
+          <a:lnRef idx="1">
+            <a:schemeClr val="accent1"/>
+          </a:lnRef>
+          <a:fillRef idx="0">
+            <a:schemeClr val="accent1"/>
+          </a:fillRef>
+          <a:effectRef idx="0">
+            <a:schemeClr val="accent1"/>
+          </a:effectRef>
+          <a:fontRef idx="minor">
+            <a:schemeClr val="tx1"/>
+          </a:fontRef>
+        </p:style>
+      </p:cxnSp>
+      <p:sp>
+        <p:nvSpPr>
+          <p:cNvPr id="47" name="圆角矩形 46"/>
+          <p:cNvSpPr/>
+          <p:nvPr/>
+        </p:nvSpPr>
+        <p:spPr>
+          <a:xfrm>
+            <a:off x="1979636" y="4458648"/>
+            <a:ext cx="1420493" cy="216024"/>
+          </a:xfrm>
+          <a:prstGeom prst="roundRect">
+            <a:avLst/>
+          </a:prstGeom>
+        </p:spPr>
+        <p:style>
+          <a:lnRef idx="1">
+            <a:schemeClr val="accent6"/>
+          </a:lnRef>
+          <a:fillRef idx="2">
+            <a:schemeClr val="accent6"/>
+          </a:fillRef>
+          <a:effectRef idx="1">
+            <a:schemeClr val="accent6"/>
+          </a:effectRef>
+          <a:fontRef idx="minor">
+            <a:schemeClr val="dk1"/>
+          </a:fontRef>
+        </p:style>
+        <p:txBody>
+          <a:bodyPr lIns="0" tIns="0" rIns="0" bIns="0" rtlCol="0" anchor="ctr" anchorCtr="1"/>
+          <a:lstStyle/>
+          <a:p>
+            <a:pPr algn="ctr"/>
+            <a:r>
+              <a:rPr lang="zh-CN" altLang="en-US" sz="1200" smtClean="0"/>
+              <a:t>前往论坛</a:t>
+            </a:r>
+            <a:endParaRPr lang="zh-CN" altLang="en-US" sz="1200"/>
+          </a:p>
+        </p:txBody>
+      </p:sp>
+      <p:cxnSp>
+        <p:nvCxnSpPr>
+          <p:cNvPr id="48" name="直接连接符 14"/>
+          <p:cNvCxnSpPr>
+            <a:stCxn id="3" idx="2"/>
+            <a:endCxn id="47" idx="1"/>
+          </p:cNvCxnSpPr>
+          <p:nvPr/>
+        </p:nvCxnSpPr>
+        <p:spPr>
+          <a:xfrm rot="16200000" flipH="1">
+            <a:off x="118681" y="2705705"/>
+            <a:ext cx="3289938" cy="431972"/>
+          </a:xfrm>
+          <a:prstGeom prst="bentConnector2">
+            <a:avLst/>
+          </a:prstGeom>
+          <a:ln>
+            <a:tailEnd type="triangle" w="med" len="lg"/>
+          </a:ln>
+        </p:spPr>
+        <p:style>
+          <a:lnRef idx="1">
+            <a:schemeClr val="accent1"/>
+          </a:lnRef>
+          <a:fillRef idx="0">
+            <a:schemeClr val="accent1"/>
+          </a:fillRef>
+          <a:effectRef idx="0">
+            <a:schemeClr val="accent1"/>
+          </a:effectRef>
+          <a:fontRef idx="minor">
+            <a:schemeClr val="tx1"/>
+          </a:fontRef>
+        </p:style>
+      </p:cxnSp>
+      <p:sp>
+        <p:nvSpPr>
+          <p:cNvPr id="15" name="圆角矩形 14"/>
+          <p:cNvSpPr/>
+          <p:nvPr/>
+        </p:nvSpPr>
+        <p:spPr>
+          <a:xfrm>
+            <a:off x="3707904" y="1725207"/>
+            <a:ext cx="1420493" cy="216024"/>
+          </a:xfrm>
+          <a:prstGeom prst="roundRect">
+            <a:avLst/>
+          </a:prstGeom>
+        </p:spPr>
+        <p:style>
+          <a:lnRef idx="1">
+            <a:schemeClr val="accent2"/>
+          </a:lnRef>
+          <a:fillRef idx="2">
+            <a:schemeClr val="accent2"/>
+          </a:fillRef>
+          <a:effectRef idx="1">
+            <a:schemeClr val="accent2"/>
+          </a:effectRef>
+          <a:fontRef idx="minor">
+            <a:schemeClr val="dk1"/>
+          </a:fontRef>
+        </p:style>
+        <p:txBody>
+          <a:bodyPr lIns="0" tIns="0" rIns="0" bIns="0" rtlCol="0" anchor="ctr" anchorCtr="1"/>
+          <a:lstStyle/>
+          <a:p>
+            <a:pPr algn="ctr"/>
+            <a:r>
+              <a:rPr lang="zh-CN" altLang="en-US" sz="1200" smtClean="0"/>
+              <a:t>个人信息</a:t>
+            </a:r>
+            <a:endParaRPr lang="zh-CN" altLang="en-US" sz="1200"/>
+          </a:p>
+        </p:txBody>
+      </p:sp>
+      <p:cxnSp>
+        <p:nvCxnSpPr>
+          <p:cNvPr id="16" name="直接连接符 14"/>
+          <p:cNvCxnSpPr>
+            <a:stCxn id="31" idx="2"/>
+            <a:endCxn id="15" idx="1"/>
+          </p:cNvCxnSpPr>
+          <p:nvPr/>
+        </p:nvCxnSpPr>
+        <p:spPr>
+          <a:xfrm rot="16200000" flipH="1">
+            <a:off x="3113270" y="1238585"/>
+            <a:ext cx="171248" cy="1018020"/>
+          </a:xfrm>
+          <a:prstGeom prst="bentConnector2">
+            <a:avLst/>
+          </a:prstGeom>
+          <a:ln>
+            <a:tailEnd type="triangle" w="med" len="lg"/>
+          </a:ln>
+        </p:spPr>
+        <p:style>
+          <a:lnRef idx="1">
+            <a:schemeClr val="accent1"/>
+          </a:lnRef>
+          <a:fillRef idx="0">
+            <a:schemeClr val="accent1"/>
+          </a:fillRef>
+          <a:effectRef idx="0">
+            <a:schemeClr val="accent1"/>
+          </a:effectRef>
+          <a:fontRef idx="minor">
+            <a:schemeClr val="tx1"/>
+          </a:fontRef>
+        </p:style>
+      </p:cxnSp>
+      <p:sp>
+        <p:nvSpPr>
+          <p:cNvPr id="25" name="圆角矩形 24"/>
+          <p:cNvSpPr/>
+          <p:nvPr/>
+        </p:nvSpPr>
+        <p:spPr>
+          <a:xfrm>
+            <a:off x="3707904" y="2300542"/>
+            <a:ext cx="1420493" cy="216024"/>
+          </a:xfrm>
+          <a:prstGeom prst="roundRect">
+            <a:avLst/>
+          </a:prstGeom>
+        </p:spPr>
+        <p:style>
+          <a:lnRef idx="1">
+            <a:schemeClr val="dk1"/>
+          </a:lnRef>
+          <a:fillRef idx="2">
+            <a:schemeClr val="dk1"/>
+          </a:fillRef>
+          <a:effectRef idx="1">
+            <a:schemeClr val="dk1"/>
+          </a:effectRef>
+          <a:fontRef idx="minor">
+            <a:schemeClr val="dk1"/>
+          </a:fontRef>
+        </p:style>
+        <p:txBody>
+          <a:bodyPr lIns="0" tIns="0" rIns="0" bIns="0" rtlCol="0" anchor="ctr" anchorCtr="1"/>
+          <a:lstStyle/>
+          <a:p>
+            <a:pPr algn="ctr"/>
+            <a:r>
+              <a:rPr lang="zh-CN" altLang="en-US" sz="1200" smtClean="0"/>
+              <a:t>项目列表</a:t>
+            </a:r>
+            <a:endParaRPr lang="zh-CN" altLang="en-US" sz="1200"/>
+          </a:p>
+        </p:txBody>
+      </p:sp>
+      <p:cxnSp>
+        <p:nvCxnSpPr>
+          <p:cNvPr id="26" name="直接连接符 14"/>
+          <p:cNvCxnSpPr>
+            <a:stCxn id="36" idx="2"/>
+            <a:endCxn id="25" idx="1"/>
+          </p:cNvCxnSpPr>
+          <p:nvPr/>
+        </p:nvCxnSpPr>
+        <p:spPr>
+          <a:xfrm rot="16200000" flipH="1">
+            <a:off x="3122674" y="1823323"/>
+            <a:ext cx="152441" cy="1018020"/>
+          </a:xfrm>
+          <a:prstGeom prst="bentConnector2">
+            <a:avLst/>
+          </a:prstGeom>
+          <a:ln>
+            <a:tailEnd type="triangle" w="med" len="lg"/>
+          </a:ln>
+        </p:spPr>
+        <p:style>
+          <a:lnRef idx="1">
+            <a:schemeClr val="accent1"/>
+          </a:lnRef>
+          <a:fillRef idx="0">
+            <a:schemeClr val="accent1"/>
+          </a:fillRef>
+          <a:effectRef idx="0">
+            <a:schemeClr val="accent1"/>
+          </a:effectRef>
+          <a:fontRef idx="minor">
+            <a:schemeClr val="tx1"/>
+          </a:fontRef>
+        </p:style>
+      </p:cxnSp>
+      <p:sp>
+        <p:nvSpPr>
+          <p:cNvPr id="30" name="圆角矩形 29"/>
+          <p:cNvSpPr/>
+          <p:nvPr/>
+        </p:nvSpPr>
+        <p:spPr>
+          <a:xfrm>
+            <a:off x="3707904" y="2620000"/>
+            <a:ext cx="1420493" cy="216024"/>
+          </a:xfrm>
+          <a:prstGeom prst="roundRect">
+            <a:avLst/>
+          </a:prstGeom>
+        </p:spPr>
+        <p:style>
+          <a:lnRef idx="1">
+            <a:schemeClr val="accent2"/>
+          </a:lnRef>
+          <a:fillRef idx="2">
+            <a:schemeClr val="accent2"/>
+          </a:fillRef>
+          <a:effectRef idx="1">
+            <a:schemeClr val="accent2"/>
+          </a:effectRef>
+          <a:fontRef idx="minor">
+            <a:schemeClr val="dk1"/>
+          </a:fontRef>
+        </p:style>
+        <p:txBody>
+          <a:bodyPr lIns="0" tIns="0" rIns="0" bIns="0" rtlCol="0" anchor="ctr" anchorCtr="1"/>
+          <a:lstStyle/>
+          <a:p>
+            <a:pPr algn="ctr"/>
+            <a:r>
+              <a:rPr lang="zh-CN" altLang="en-US" sz="1200"/>
+              <a:t>资源</a:t>
+            </a:r>
+            <a:r>
+              <a:rPr lang="zh-CN" altLang="en-US" sz="1200" smtClean="0"/>
+              <a:t>列表</a:t>
+            </a:r>
+            <a:endParaRPr lang="zh-CN" altLang="en-US" sz="1200"/>
+          </a:p>
+        </p:txBody>
+      </p:sp>
+      <p:sp>
+        <p:nvSpPr>
+          <p:cNvPr id="32" name="圆角矩形 31"/>
+          <p:cNvSpPr/>
+          <p:nvPr/>
+        </p:nvSpPr>
+        <p:spPr>
+          <a:xfrm>
+            <a:off x="3707904" y="2947821"/>
+            <a:ext cx="1420493" cy="216024"/>
+          </a:xfrm>
+          <a:prstGeom prst="roundRect">
+            <a:avLst/>
+          </a:prstGeom>
+        </p:spPr>
+        <p:style>
+          <a:lnRef idx="1">
+            <a:schemeClr val="dk1"/>
+          </a:lnRef>
+          <a:fillRef idx="2">
+            <a:schemeClr val="dk1"/>
+          </a:fillRef>
+          <a:effectRef idx="1">
+            <a:schemeClr val="dk1"/>
+          </a:effectRef>
+          <a:fontRef idx="minor">
+            <a:schemeClr val="dk1"/>
+          </a:fontRef>
+        </p:style>
+        <p:txBody>
+          <a:bodyPr lIns="0" tIns="0" rIns="0" bIns="0" rtlCol="0" anchor="ctr" anchorCtr="1"/>
+          <a:lstStyle/>
+          <a:p>
+            <a:pPr algn="ctr"/>
+            <a:r>
+              <a:rPr lang="zh-CN" altLang="en-US" sz="1200" smtClean="0"/>
+              <a:t>发布列表</a:t>
+            </a:r>
+            <a:endParaRPr lang="zh-CN" altLang="en-US" sz="1200"/>
+          </a:p>
+        </p:txBody>
+      </p:sp>
+      <p:sp>
+        <p:nvSpPr>
+          <p:cNvPr id="33" name="圆角矩形 32"/>
+          <p:cNvSpPr/>
+          <p:nvPr/>
+        </p:nvSpPr>
+        <p:spPr>
+          <a:xfrm>
+            <a:off x="3707904" y="3275641"/>
+            <a:ext cx="1420493" cy="216024"/>
+          </a:xfrm>
+          <a:prstGeom prst="roundRect">
+            <a:avLst/>
+          </a:prstGeom>
+        </p:spPr>
+        <p:style>
+          <a:lnRef idx="1">
+            <a:schemeClr val="dk1"/>
+          </a:lnRef>
+          <a:fillRef idx="2">
+            <a:schemeClr val="dk1"/>
+          </a:fillRef>
+          <a:effectRef idx="1">
+            <a:schemeClr val="dk1"/>
+          </a:effectRef>
+          <a:fontRef idx="minor">
+            <a:schemeClr val="dk1"/>
+          </a:fontRef>
+        </p:style>
+        <p:txBody>
+          <a:bodyPr lIns="0" tIns="0" rIns="0" bIns="0" rtlCol="0" anchor="ctr" anchorCtr="1"/>
+          <a:lstStyle/>
+          <a:p>
+            <a:pPr algn="ctr"/>
+            <a:r>
+              <a:rPr lang="zh-CN" altLang="en-US" sz="1200"/>
+              <a:t>团队</a:t>
+            </a:r>
+            <a:r>
+              <a:rPr lang="zh-CN" altLang="en-US" sz="1200" smtClean="0"/>
+              <a:t>列表</a:t>
+            </a:r>
+            <a:endParaRPr lang="zh-CN" altLang="en-US" sz="1200"/>
+          </a:p>
+        </p:txBody>
+      </p:sp>
+      <p:cxnSp>
+        <p:nvCxnSpPr>
+          <p:cNvPr id="35" name="直接连接符 14"/>
+          <p:cNvCxnSpPr>
+            <a:stCxn id="36" idx="2"/>
+            <a:endCxn id="30" idx="1"/>
+          </p:cNvCxnSpPr>
+          <p:nvPr/>
+        </p:nvCxnSpPr>
+        <p:spPr>
+          <a:xfrm rot="16200000" flipH="1">
+            <a:off x="2962945" y="1983052"/>
+            <a:ext cx="471899" cy="1018020"/>
+          </a:xfrm>
+          <a:prstGeom prst="bentConnector2">
+            <a:avLst/>
+          </a:prstGeom>
+          <a:ln>
+            <a:tailEnd type="triangle" w="med" len="lg"/>
+          </a:ln>
+        </p:spPr>
+        <p:style>
+          <a:lnRef idx="1">
+            <a:schemeClr val="accent1"/>
+          </a:lnRef>
+          <a:fillRef idx="0">
+            <a:schemeClr val="accent1"/>
+          </a:fillRef>
+          <a:effectRef idx="0">
+            <a:schemeClr val="accent1"/>
+          </a:effectRef>
+          <a:fontRef idx="minor">
+            <a:schemeClr val="tx1"/>
+          </a:fontRef>
+        </p:style>
+      </p:cxnSp>
+      <p:cxnSp>
+        <p:nvCxnSpPr>
+          <p:cNvPr id="37" name="直接连接符 14"/>
+          <p:cNvCxnSpPr>
+            <a:stCxn id="36" idx="2"/>
+            <a:endCxn id="32" idx="1"/>
+          </p:cNvCxnSpPr>
+          <p:nvPr/>
+        </p:nvCxnSpPr>
+        <p:spPr>
+          <a:xfrm rot="16200000" flipH="1">
+            <a:off x="2799034" y="2146963"/>
+            <a:ext cx="799720" cy="1018020"/>
+          </a:xfrm>
+          <a:prstGeom prst="bentConnector2">
+            <a:avLst/>
+          </a:prstGeom>
+          <a:ln>
+            <a:tailEnd type="triangle" w="med" len="lg"/>
+          </a:ln>
+        </p:spPr>
+        <p:style>
+          <a:lnRef idx="1">
+            <a:schemeClr val="accent1"/>
+          </a:lnRef>
+          <a:fillRef idx="0">
+            <a:schemeClr val="accent1"/>
+          </a:fillRef>
+          <a:effectRef idx="0">
+            <a:schemeClr val="accent1"/>
+          </a:effectRef>
+          <a:fontRef idx="minor">
+            <a:schemeClr val="tx1"/>
+          </a:fontRef>
+        </p:style>
+      </p:cxnSp>
+      <p:cxnSp>
+        <p:nvCxnSpPr>
+          <p:cNvPr id="40" name="直接连接符 14"/>
+          <p:cNvCxnSpPr>
+            <a:stCxn id="36" idx="2"/>
+            <a:endCxn id="33" idx="1"/>
+          </p:cNvCxnSpPr>
+          <p:nvPr/>
+        </p:nvCxnSpPr>
+        <p:spPr>
+          <a:xfrm rot="16200000" flipH="1">
+            <a:off x="2635124" y="2310873"/>
+            <a:ext cx="1127540" cy="1018020"/>
+          </a:xfrm>
+          <a:prstGeom prst="bentConnector2">
+            <a:avLst/>
+          </a:prstGeom>
+          <a:ln>
+            <a:tailEnd type="triangle" w="med" len="lg"/>
+          </a:ln>
+        </p:spPr>
+        <p:style>
+          <a:lnRef idx="1">
+            <a:schemeClr val="accent1"/>
+          </a:lnRef>
+          <a:fillRef idx="0">
+            <a:schemeClr val="accent1"/>
+          </a:fillRef>
+          <a:effectRef idx="0">
+            <a:schemeClr val="accent1"/>
+          </a:effectRef>
+          <a:fontRef idx="minor">
+            <a:schemeClr val="tx1"/>
+          </a:fontRef>
+        </p:style>
+      </p:cxnSp>
+      <p:sp>
+        <p:nvSpPr>
+          <p:cNvPr id="45" name="圆角矩形 44"/>
+          <p:cNvSpPr/>
+          <p:nvPr/>
+        </p:nvSpPr>
+        <p:spPr>
+          <a:xfrm>
+            <a:off x="5652120" y="2620000"/>
+            <a:ext cx="1420493" cy="216024"/>
+          </a:xfrm>
+          <a:prstGeom prst="roundRect">
+            <a:avLst/>
+          </a:prstGeom>
+        </p:spPr>
+        <p:style>
+          <a:lnRef idx="1">
+            <a:schemeClr val="accent2"/>
+          </a:lnRef>
+          <a:fillRef idx="2">
+            <a:schemeClr val="accent2"/>
+          </a:fillRef>
+          <a:effectRef idx="1">
+            <a:schemeClr val="accent2"/>
+          </a:effectRef>
+          <a:fontRef idx="minor">
+            <a:schemeClr val="dk1"/>
+          </a:fontRef>
+        </p:style>
+        <p:txBody>
+          <a:bodyPr lIns="0" tIns="0" rIns="0" bIns="0" rtlCol="0" anchor="ctr" anchorCtr="1"/>
+          <a:lstStyle/>
+          <a:p>
+            <a:pPr algn="ctr"/>
+            <a:r>
+              <a:rPr lang="zh-CN" altLang="en-US" sz="1200"/>
+              <a:t>上传</a:t>
+            </a:r>
+            <a:r>
+              <a:rPr lang="zh-CN" altLang="en-US" sz="1200" smtClean="0"/>
+              <a:t>资源</a:t>
+            </a:r>
+            <a:endParaRPr lang="zh-CN" altLang="en-US" sz="1200"/>
+          </a:p>
+        </p:txBody>
+      </p:sp>
+      <p:cxnSp>
+        <p:nvCxnSpPr>
+          <p:cNvPr id="46" name="直接连接符 14"/>
+          <p:cNvCxnSpPr>
+            <a:stCxn id="30" idx="3"/>
+            <a:endCxn id="45" idx="1"/>
+          </p:cNvCxnSpPr>
+          <p:nvPr/>
+        </p:nvCxnSpPr>
+        <p:spPr>
+          <a:xfrm>
+            <a:off x="5128397" y="2728012"/>
+            <a:ext cx="523723" cy="0"/>
+          </a:xfrm>
+          <a:prstGeom prst="straightConnector1">
+            <a:avLst/>
+          </a:prstGeom>
+          <a:ln>
+            <a:tailEnd type="triangle" w="med" len="lg"/>
+          </a:ln>
+        </p:spPr>
+        <p:style>
+          <a:lnRef idx="1">
+            <a:schemeClr val="accent1"/>
+          </a:lnRef>
+          <a:fillRef idx="0">
+            <a:schemeClr val="accent1"/>
+          </a:fillRef>
+          <a:effectRef idx="0">
+            <a:schemeClr val="accent1"/>
+          </a:effectRef>
+          <a:fontRef idx="minor">
+            <a:schemeClr val="tx1"/>
+          </a:fontRef>
+        </p:style>
+      </p:cxnSp>
+      <p:sp>
+        <p:nvSpPr>
+          <p:cNvPr id="74" name="圆角矩形 73"/>
+          <p:cNvSpPr/>
+          <p:nvPr/>
+        </p:nvSpPr>
+        <p:spPr>
+          <a:xfrm>
+            <a:off x="3707904" y="3869010"/>
+            <a:ext cx="1420493" cy="216024"/>
+          </a:xfrm>
+          <a:prstGeom prst="roundRect">
+            <a:avLst/>
+          </a:prstGeom>
+        </p:spPr>
+        <p:style>
+          <a:lnRef idx="1">
+            <a:schemeClr val="dk1"/>
+          </a:lnRef>
+          <a:fillRef idx="2">
+            <a:schemeClr val="dk1"/>
+          </a:fillRef>
+          <a:effectRef idx="1">
+            <a:schemeClr val="dk1"/>
+          </a:effectRef>
+          <a:fontRef idx="minor">
+            <a:schemeClr val="dk1"/>
+          </a:fontRef>
+        </p:style>
+        <p:txBody>
+          <a:bodyPr lIns="0" tIns="0" rIns="0" bIns="0" rtlCol="0" anchor="ctr" anchorCtr="1"/>
+          <a:lstStyle/>
+          <a:p>
+            <a:pPr algn="ctr"/>
+            <a:r>
+              <a:rPr lang="zh-CN" altLang="en-US" sz="1200" smtClean="0"/>
+              <a:t>项目列表</a:t>
+            </a:r>
+            <a:endParaRPr lang="zh-CN" altLang="en-US" sz="1200"/>
+          </a:p>
+        </p:txBody>
+      </p:sp>
+      <p:cxnSp>
+        <p:nvCxnSpPr>
+          <p:cNvPr id="75" name="直接连接符 14"/>
+          <p:cNvCxnSpPr>
+            <a:stCxn id="42" idx="2"/>
+            <a:endCxn id="74" idx="1"/>
+          </p:cNvCxnSpPr>
+          <p:nvPr/>
+        </p:nvCxnSpPr>
+        <p:spPr>
+          <a:xfrm rot="16200000" flipH="1">
+            <a:off x="3113656" y="3382774"/>
+            <a:ext cx="170476" cy="1018020"/>
+          </a:xfrm>
+          <a:prstGeom prst="bentConnector2">
+            <a:avLst/>
+          </a:prstGeom>
+          <a:ln>
+            <a:tailEnd type="triangle" w="med" len="lg"/>
+          </a:ln>
+        </p:spPr>
+        <p:style>
+          <a:lnRef idx="1">
+            <a:schemeClr val="accent1"/>
+          </a:lnRef>
+          <a:fillRef idx="0">
+            <a:schemeClr val="accent1"/>
+          </a:fillRef>
+          <a:effectRef idx="0">
+            <a:schemeClr val="accent1"/>
+          </a:effectRef>
+          <a:fontRef idx="minor">
+            <a:schemeClr val="tx1"/>
+          </a:fontRef>
+        </p:style>
+      </p:cxnSp>
+      <p:sp>
+        <p:nvSpPr>
+          <p:cNvPr id="81" name="圆角矩形 80"/>
+          <p:cNvSpPr/>
+          <p:nvPr/>
+        </p:nvSpPr>
+        <p:spPr>
+          <a:xfrm>
+            <a:off x="3707904" y="4193047"/>
+            <a:ext cx="1420493" cy="216024"/>
+          </a:xfrm>
+          <a:prstGeom prst="roundRect">
+            <a:avLst/>
+          </a:prstGeom>
+        </p:spPr>
+        <p:style>
+          <a:lnRef idx="1">
+            <a:schemeClr val="accent6"/>
+          </a:lnRef>
+          <a:fillRef idx="2">
+            <a:schemeClr val="accent6"/>
+          </a:fillRef>
+          <a:effectRef idx="1">
+            <a:schemeClr val="accent6"/>
+          </a:effectRef>
+          <a:fontRef idx="minor">
+            <a:schemeClr val="dk1"/>
+          </a:fontRef>
+        </p:style>
+        <p:txBody>
+          <a:bodyPr lIns="0" tIns="0" rIns="0" bIns="0" rtlCol="0" anchor="ctr" anchorCtr="1"/>
+          <a:lstStyle/>
+          <a:p>
+            <a:pPr algn="ctr"/>
+            <a:r>
+              <a:rPr lang="zh-CN" altLang="en-US" sz="1200" smtClean="0"/>
+              <a:t>资源列表</a:t>
+            </a:r>
+            <a:endParaRPr lang="zh-CN" altLang="en-US" sz="1200"/>
+          </a:p>
+        </p:txBody>
+      </p:sp>
+      <p:cxnSp>
+        <p:nvCxnSpPr>
+          <p:cNvPr id="82" name="直接连接符 14"/>
+          <p:cNvCxnSpPr>
+            <a:stCxn id="42" idx="2"/>
+            <a:endCxn id="81" idx="1"/>
+          </p:cNvCxnSpPr>
+          <p:nvPr/>
+        </p:nvCxnSpPr>
+        <p:spPr>
+          <a:xfrm rot="16200000" flipH="1">
+            <a:off x="2951638" y="3544792"/>
+            <a:ext cx="494513" cy="1018020"/>
+          </a:xfrm>
+          <a:prstGeom prst="bentConnector2">
+            <a:avLst/>
+          </a:prstGeom>
+          <a:ln>
+            <a:tailEnd type="triangle" w="med" len="lg"/>
+          </a:ln>
+        </p:spPr>
+        <p:style>
+          <a:lnRef idx="1">
+            <a:schemeClr val="accent1"/>
+          </a:lnRef>
+          <a:fillRef idx="0">
+            <a:schemeClr val="accent1"/>
+          </a:fillRef>
+          <a:effectRef idx="0">
+            <a:schemeClr val="accent1"/>
+          </a:effectRef>
+          <a:fontRef idx="minor">
+            <a:schemeClr val="tx1"/>
+          </a:fontRef>
+        </p:style>
+      </p:cxnSp>
+    </p:spTree>
+    <p:extLst>
+      <p:ext uri="{BB962C8B-B14F-4D97-AF65-F5344CB8AC3E}">
+        <p14:creationId xmlns:p14="http://schemas.microsoft.com/office/powerpoint/2010/main" val="1279786755"/>
+      </p:ext>
+    </p:extLst>
+  </p:cSld>
+  <p:clrMapOvr>
+    <a:masterClrMapping/>
+  </p:clrMapOvr>
+  <p:timing>
+    <p:tnLst>
+      <p:par>
+        <p:cTn id="1" dur="indefinite" restart="never" nodeType="tmRoot"/>
+      </p:par>
+    </p:tnLst>
+  </p:timing>
+</p:sld>
+</file>
+
+<file path=ppt/slides/slide14.xml><?xml version="1.0" encoding="utf-8"?>
+<p:sld xmlns:a="http://schemas.openxmlformats.org/drawingml/2006/main" xmlns:r="http://schemas.openxmlformats.org/officeDocument/2006/relationships" xmlns:p="http://schemas.openxmlformats.org/presentationml/2006/main">
+  <p:cSld>
+    <p:spTree>
+      <p:nvGrpSpPr>
+        <p:cNvPr id="1" name=""/>
+        <p:cNvGrpSpPr/>
+        <p:nvPr/>
+      </p:nvGrpSpPr>
+      <p:grpSpPr>
+        <a:xfrm>
+          <a:off x="0" y="0"/>
+          <a:ext cx="0" cy="0"/>
+          <a:chOff x="0" y="0"/>
+          <a:chExt cx="0" cy="0"/>
+        </a:xfrm>
+      </p:grpSpPr>
+      <p:sp>
+        <p:nvSpPr>
+          <p:cNvPr id="2" name="标题 1"/>
+          <p:cNvSpPr>
+            <a:spLocks noGrp="1"/>
+          </p:cNvSpPr>
+          <p:nvPr>
+            <p:ph type="title"/>
+          </p:nvPr>
+        </p:nvSpPr>
+        <p:spPr/>
+        <p:txBody>
+          <a:bodyPr>
+            <a:normAutofit fontScale="90000"/>
+          </a:bodyPr>
+          <a:lstStyle/>
+          <a:p>
+            <a:r>
+              <a:rPr lang="en-US" altLang="zh-CN" smtClean="0"/>
+              <a:t>WEB – </a:t>
+            </a:r>
+            <a:r>
+              <a:rPr lang="zh-CN" altLang="en-US"/>
+              <a:t>后台</a:t>
+            </a:r>
+            <a:endParaRPr lang="zh-CN" altLang="en-US" dirty="0"/>
+          </a:p>
+        </p:txBody>
+      </p:sp>
+      <p:sp>
+        <p:nvSpPr>
+          <p:cNvPr id="3" name="圆角矩形 2"/>
+          <p:cNvSpPr/>
+          <p:nvPr/>
+        </p:nvSpPr>
+        <p:spPr>
+          <a:xfrm>
+            <a:off x="819883" y="1247186"/>
+            <a:ext cx="1008112" cy="216024"/>
+          </a:xfrm>
+          <a:prstGeom prst="roundRect">
+            <a:avLst/>
+          </a:prstGeom>
+        </p:spPr>
+        <p:style>
+          <a:lnRef idx="1">
+            <a:schemeClr val="accent6"/>
+          </a:lnRef>
+          <a:fillRef idx="2">
+            <a:schemeClr val="accent6"/>
+          </a:fillRef>
+          <a:effectRef idx="1">
+            <a:schemeClr val="accent6"/>
+          </a:effectRef>
+          <a:fontRef idx="minor">
+            <a:schemeClr val="dk1"/>
+          </a:fontRef>
+        </p:style>
+        <p:txBody>
+          <a:bodyPr lIns="0" tIns="0" rIns="0" bIns="0" rtlCol="0" anchor="ctr" anchorCtr="1"/>
+          <a:lstStyle/>
+          <a:p>
+            <a:pPr algn="ctr"/>
+            <a:r>
+              <a:rPr lang="zh-CN" altLang="en-US" sz="1200"/>
+              <a:t>站点</a:t>
+            </a:r>
+          </a:p>
+        </p:txBody>
+      </p:sp>
+      <p:sp>
+        <p:nvSpPr>
+          <p:cNvPr id="36" name="圆角矩形 35"/>
+          <p:cNvSpPr/>
+          <p:nvPr/>
+        </p:nvSpPr>
+        <p:spPr>
+          <a:xfrm>
+            <a:off x="1974227" y="1597900"/>
+            <a:ext cx="1420493" cy="216024"/>
+          </a:xfrm>
+          <a:prstGeom prst="roundRect">
+            <a:avLst/>
+          </a:prstGeom>
+        </p:spPr>
+        <p:style>
+          <a:lnRef idx="1">
+            <a:schemeClr val="accent6"/>
+          </a:lnRef>
+          <a:fillRef idx="2">
+            <a:schemeClr val="accent6"/>
+          </a:fillRef>
+          <a:effectRef idx="1">
+            <a:schemeClr val="accent6"/>
+          </a:effectRef>
+          <a:fontRef idx="minor">
+            <a:schemeClr val="dk1"/>
+          </a:fontRef>
+        </p:style>
+        <p:txBody>
+          <a:bodyPr lIns="0" tIns="0" rIns="0" bIns="0" rtlCol="0" anchor="ctr" anchorCtr="1"/>
+          <a:lstStyle/>
+          <a:p>
+            <a:pPr algn="ctr"/>
+            <a:r>
+              <a:rPr lang="zh-CN" altLang="en-US" sz="1200"/>
+              <a:t>共通</a:t>
+            </a:r>
+            <a:r>
+              <a:rPr lang="zh-CN" altLang="en-US" sz="1200" smtClean="0"/>
+              <a:t>管理</a:t>
+            </a:r>
+            <a:endParaRPr lang="zh-CN" altLang="en-US" sz="1200"/>
+          </a:p>
+        </p:txBody>
+      </p:sp>
+      <p:cxnSp>
+        <p:nvCxnSpPr>
+          <p:cNvPr id="38" name="直接连接符 14"/>
+          <p:cNvCxnSpPr>
+            <a:stCxn id="3" idx="2"/>
+            <a:endCxn id="36" idx="1"/>
+          </p:cNvCxnSpPr>
+          <p:nvPr/>
+        </p:nvCxnSpPr>
+        <p:spPr>
+          <a:xfrm rot="16200000" flipH="1">
+            <a:off x="1527732" y="1259417"/>
+            <a:ext cx="242702" cy="650288"/>
+          </a:xfrm>
+          <a:prstGeom prst="bentConnector2">
+            <a:avLst/>
+          </a:prstGeom>
+          <a:ln>
+            <a:tailEnd type="triangle" w="med" len="lg"/>
+          </a:ln>
+        </p:spPr>
+        <p:style>
+          <a:lnRef idx="1">
+            <a:schemeClr val="accent1"/>
+          </a:lnRef>
+          <a:fillRef idx="0">
+            <a:schemeClr val="accent1"/>
+          </a:fillRef>
+          <a:effectRef idx="0">
+            <a:schemeClr val="accent1"/>
+          </a:effectRef>
+          <a:fontRef idx="minor">
+            <a:schemeClr val="tx1"/>
+          </a:fontRef>
+        </p:style>
+      </p:cxnSp>
+      <p:cxnSp>
+        <p:nvCxnSpPr>
+          <p:cNvPr id="43" name="直接连接符 14"/>
+          <p:cNvCxnSpPr>
+            <a:stCxn id="3" idx="2"/>
+            <a:endCxn id="29" idx="1"/>
+          </p:cNvCxnSpPr>
+          <p:nvPr/>
+        </p:nvCxnSpPr>
+        <p:spPr>
+          <a:xfrm rot="16200000" flipH="1">
+            <a:off x="1122362" y="1664787"/>
+            <a:ext cx="1053443" cy="650288"/>
+          </a:xfrm>
+          <a:prstGeom prst="bentConnector2">
+            <a:avLst/>
+          </a:prstGeom>
+          <a:ln>
+            <a:tailEnd type="triangle" w="med" len="lg"/>
+          </a:ln>
+        </p:spPr>
+        <p:style>
+          <a:lnRef idx="1">
+            <a:schemeClr val="accent1"/>
+          </a:lnRef>
+          <a:fillRef idx="0">
+            <a:schemeClr val="accent1"/>
+          </a:fillRef>
+          <a:effectRef idx="0">
+            <a:schemeClr val="accent1"/>
+          </a:effectRef>
+          <a:fontRef idx="minor">
+            <a:schemeClr val="tx1"/>
+          </a:fontRef>
+        </p:style>
+      </p:cxnSp>
+      <p:sp>
+        <p:nvSpPr>
+          <p:cNvPr id="29" name="圆角矩形 28"/>
+          <p:cNvSpPr/>
+          <p:nvPr/>
+        </p:nvSpPr>
+        <p:spPr>
+          <a:xfrm>
+            <a:off x="1974227" y="2408641"/>
+            <a:ext cx="1420493" cy="216024"/>
+          </a:xfrm>
+          <a:prstGeom prst="roundRect">
+            <a:avLst/>
+          </a:prstGeom>
+        </p:spPr>
+        <p:style>
+          <a:lnRef idx="1">
+            <a:schemeClr val="accent6"/>
+          </a:lnRef>
+          <a:fillRef idx="2">
+            <a:schemeClr val="accent6"/>
+          </a:fillRef>
+          <a:effectRef idx="1">
+            <a:schemeClr val="accent6"/>
+          </a:effectRef>
+          <a:fontRef idx="minor">
+            <a:schemeClr val="dk1"/>
+          </a:fontRef>
+        </p:style>
+        <p:txBody>
+          <a:bodyPr lIns="0" tIns="0" rIns="0" bIns="0" rtlCol="0" anchor="ctr" anchorCtr="1"/>
+          <a:lstStyle/>
+          <a:p>
+            <a:pPr algn="ctr"/>
+            <a:r>
+              <a:rPr lang="zh-CN" altLang="en-US" sz="1200"/>
+              <a:t>业务</a:t>
+            </a:r>
+            <a:r>
+              <a:rPr lang="zh-CN" altLang="en-US" sz="1200" smtClean="0"/>
+              <a:t>列表</a:t>
+            </a:r>
+            <a:endParaRPr lang="zh-CN" altLang="en-US" sz="1200"/>
+          </a:p>
+        </p:txBody>
+      </p:sp>
+      <p:sp>
+        <p:nvSpPr>
+          <p:cNvPr id="35" name="圆角矩形 34"/>
+          <p:cNvSpPr/>
+          <p:nvPr/>
+        </p:nvSpPr>
+        <p:spPr>
+          <a:xfrm>
+            <a:off x="3415040" y="2768681"/>
+            <a:ext cx="1420493" cy="216024"/>
+          </a:xfrm>
+          <a:prstGeom prst="roundRect">
+            <a:avLst/>
+          </a:prstGeom>
+        </p:spPr>
+        <p:style>
+          <a:lnRef idx="1">
+            <a:schemeClr val="accent6"/>
+          </a:lnRef>
+          <a:fillRef idx="2">
+            <a:schemeClr val="accent6"/>
+          </a:fillRef>
+          <a:effectRef idx="1">
+            <a:schemeClr val="accent6"/>
+          </a:effectRef>
+          <a:fontRef idx="minor">
+            <a:schemeClr val="dk1"/>
+          </a:fontRef>
+        </p:style>
+        <p:txBody>
+          <a:bodyPr lIns="0" tIns="0" rIns="0" bIns="0" rtlCol="0" anchor="ctr" anchorCtr="1"/>
+          <a:lstStyle/>
+          <a:p>
+            <a:pPr algn="ctr"/>
+            <a:r>
+              <a:rPr lang="zh-CN" altLang="en-US" sz="1200" smtClean="0"/>
+              <a:t>用户列表</a:t>
+            </a:r>
+            <a:endParaRPr lang="zh-CN" altLang="en-US" sz="1200"/>
+          </a:p>
+        </p:txBody>
+      </p:sp>
+      <p:cxnSp>
+        <p:nvCxnSpPr>
+          <p:cNvPr id="37" name="直接连接符 14"/>
+          <p:cNvCxnSpPr>
+            <a:stCxn id="29" idx="2"/>
+            <a:endCxn id="35" idx="1"/>
+          </p:cNvCxnSpPr>
+          <p:nvPr/>
+        </p:nvCxnSpPr>
+        <p:spPr>
+          <a:xfrm rot="16200000" flipH="1">
+            <a:off x="2923743" y="2385396"/>
+            <a:ext cx="252028" cy="730566"/>
+          </a:xfrm>
+          <a:prstGeom prst="bentConnector2">
+            <a:avLst/>
+          </a:prstGeom>
+          <a:ln>
+            <a:tailEnd type="triangle" w="med" len="lg"/>
+          </a:ln>
+        </p:spPr>
+        <p:style>
+          <a:lnRef idx="1">
+            <a:schemeClr val="accent1"/>
+          </a:lnRef>
+          <a:fillRef idx="0">
+            <a:schemeClr val="accent1"/>
+          </a:fillRef>
+          <a:effectRef idx="0">
+            <a:schemeClr val="accent1"/>
+          </a:effectRef>
+          <a:fontRef idx="minor">
+            <a:schemeClr val="tx1"/>
+          </a:fontRef>
+        </p:style>
+      </p:cxnSp>
+      <p:sp>
+        <p:nvSpPr>
+          <p:cNvPr id="41" name="圆角矩形 40"/>
+          <p:cNvSpPr/>
+          <p:nvPr/>
+        </p:nvSpPr>
+        <p:spPr>
+          <a:xfrm>
+            <a:off x="3419872" y="1924794"/>
+            <a:ext cx="2088232" cy="216024"/>
+          </a:xfrm>
+          <a:prstGeom prst="roundRect">
+            <a:avLst/>
+          </a:prstGeom>
+        </p:spPr>
+        <p:style>
+          <a:lnRef idx="1">
+            <a:schemeClr val="accent6"/>
+          </a:lnRef>
+          <a:fillRef idx="2">
+            <a:schemeClr val="accent6"/>
+          </a:fillRef>
+          <a:effectRef idx="1">
+            <a:schemeClr val="accent6"/>
+          </a:effectRef>
+          <a:fontRef idx="minor">
+            <a:schemeClr val="dk1"/>
+          </a:fontRef>
+        </p:style>
+        <p:txBody>
+          <a:bodyPr lIns="0" tIns="0" rIns="0" bIns="0" rtlCol="0" anchor="ctr" anchorCtr="1"/>
+          <a:lstStyle/>
+          <a:p>
+            <a:pPr algn="ctr"/>
+            <a:r>
+              <a:rPr lang="zh-CN" altLang="en-US" sz="1200" smtClean="0"/>
+              <a:t>国家列表 （测试用）</a:t>
+            </a:r>
+            <a:endParaRPr lang="zh-CN" altLang="en-US" sz="1200"/>
+          </a:p>
+        </p:txBody>
+      </p:sp>
+      <p:cxnSp>
+        <p:nvCxnSpPr>
+          <p:cNvPr id="44" name="直接连接符 14"/>
+          <p:cNvCxnSpPr>
+            <a:stCxn id="36" idx="2"/>
+            <a:endCxn id="41" idx="1"/>
+          </p:cNvCxnSpPr>
+          <p:nvPr/>
+        </p:nvCxnSpPr>
+        <p:spPr>
+          <a:xfrm rot="16200000" flipH="1">
+            <a:off x="2942732" y="1555666"/>
+            <a:ext cx="218882" cy="735398"/>
+          </a:xfrm>
+          <a:prstGeom prst="bentConnector2">
+            <a:avLst/>
+          </a:prstGeom>
+          <a:ln>
+            <a:tailEnd type="triangle" w="med" len="lg"/>
+          </a:ln>
+        </p:spPr>
+        <p:style>
+          <a:lnRef idx="1">
+            <a:schemeClr val="accent1"/>
+          </a:lnRef>
+          <a:fillRef idx="0">
+            <a:schemeClr val="accent1"/>
+          </a:fillRef>
+          <a:effectRef idx="0">
+            <a:schemeClr val="accent1"/>
+          </a:effectRef>
+          <a:fontRef idx="minor">
+            <a:schemeClr val="tx1"/>
+          </a:fontRef>
+        </p:style>
+      </p:cxnSp>
+    </p:spTree>
+    <p:extLst>
+      <p:ext uri="{BB962C8B-B14F-4D97-AF65-F5344CB8AC3E}">
+        <p14:creationId xmlns:p14="http://schemas.microsoft.com/office/powerpoint/2010/main" val="1532287507"/>
+      </p:ext>
+    </p:extLst>
+  </p:cSld>
+  <p:clrMapOvr>
+    <a:masterClrMapping/>
+  </p:clrMapOvr>
+  <p:timing>
+    <p:tnLst>
+      <p:par>
+        <p:cTn id="1" dur="indefinite" restart="never" nodeType="tmRoot"/>
+      </p:par>
+    </p:tnLst>
+  </p:timing>
+</p:sld>
+</file>
+
+<file path=ppt/slides/slide15.xml><?xml version="1.0" encoding="utf-8"?>
+<p:sld xmlns:a="http://schemas.openxmlformats.org/drawingml/2006/main" xmlns:r="http://schemas.openxmlformats.org/officeDocument/2006/relationships" xmlns:p="http://schemas.openxmlformats.org/presentationml/2006/main">
+  <p:cSld>
+    <p:spTree>
+      <p:nvGrpSpPr>
+        <p:cNvPr id="1" name=""/>
+        <p:cNvGrpSpPr/>
+        <p:nvPr/>
+      </p:nvGrpSpPr>
+      <p:grpSpPr>
+        <a:xfrm>
+          <a:off x="0" y="0"/>
+          <a:ext cx="0" cy="0"/>
+          <a:chOff x="0" y="0"/>
+          <a:chExt cx="0" cy="0"/>
+        </a:xfrm>
+      </p:grpSpPr>
+      <p:sp>
+        <p:nvSpPr>
+          <p:cNvPr id="2" name="标题 1"/>
+          <p:cNvSpPr>
+            <a:spLocks noGrp="1"/>
+          </p:cNvSpPr>
+          <p:nvPr>
+            <p:ph type="title"/>
+          </p:nvPr>
+        </p:nvSpPr>
+        <p:spPr/>
+        <p:txBody>
+          <a:bodyPr>
+            <a:normAutofit fontScale="90000"/>
+          </a:bodyPr>
+          <a:lstStyle/>
+          <a:p>
+            <a:r>
+              <a:rPr lang="zh-CN" altLang="en-US" smtClean="0"/>
               <a:t>工作重点</a:t>
             </a:r>
             <a:endParaRPr lang="zh-CN" altLang="en-US" dirty="0"/>
@@ -4631,7 +8484,7 @@
 </p:sld>
 </file>
 
-<file path=ppt/slides/slide12.xml><?xml version="1.0" encoding="utf-8"?>
+<file path=ppt/slides/slide16.xml><?xml version="1.0" encoding="utf-8"?>
 <p:sld xmlns:a="http://schemas.openxmlformats.org/drawingml/2006/main" xmlns:r="http://schemas.openxmlformats.org/officeDocument/2006/relationships" xmlns:p="http://schemas.openxmlformats.org/presentationml/2006/main">
   <p:cSld>
     <p:spTree>
@@ -7734,7 +11587,7 @@
         </p:nvSpPr>
         <p:spPr>
           <a:xfrm>
-            <a:off x="493708" y="1014933"/>
+            <a:off x="304548" y="267688"/>
             <a:ext cx="1368152" cy="216024"/>
           </a:xfrm>
           <a:prstGeom prst="roundRect">
@@ -7780,7 +11633,7 @@
         </p:nvSpPr>
         <p:spPr>
           <a:xfrm>
-            <a:off x="467537" y="1576906"/>
+            <a:off x="278377" y="829661"/>
             <a:ext cx="1420493" cy="216024"/>
           </a:xfrm>
           <a:prstGeom prst="roundRect">
@@ -7829,7 +11682,7 @@
         </p:nvCxnSpPr>
         <p:spPr>
           <a:xfrm>
-            <a:off x="1177784" y="1230957"/>
+            <a:off x="988624" y="483712"/>
             <a:ext cx="0" cy="345949"/>
           </a:xfrm>
           <a:prstGeom prst="straightConnector1">
@@ -7862,7 +11715,7 @@
         </p:nvSpPr>
         <p:spPr>
           <a:xfrm>
-            <a:off x="1547664" y="1996802"/>
+            <a:off x="1358504" y="1249557"/>
             <a:ext cx="1420493" cy="216024"/>
           </a:xfrm>
           <a:prstGeom prst="roundRect">
@@ -7919,7 +11772,7 @@
         </p:nvCxnSpPr>
         <p:spPr>
           <a:xfrm rot="16200000" flipH="1">
-            <a:off x="1206782" y="1763932"/>
+            <a:off x="1017622" y="1016687"/>
             <a:ext cx="311884" cy="369880"/>
           </a:xfrm>
           <a:prstGeom prst="bentConnector2">
@@ -7952,7 +11805,7 @@
         </p:nvSpPr>
         <p:spPr>
           <a:xfrm>
-            <a:off x="2777510" y="2405768"/>
+            <a:off x="2588350" y="1658523"/>
             <a:ext cx="1420493" cy="216024"/>
           </a:xfrm>
           <a:prstGeom prst="roundRect">
@@ -8001,7 +11854,7 @@
         </p:nvCxnSpPr>
         <p:spPr>
           <a:xfrm rot="16200000" flipH="1">
-            <a:off x="2367233" y="2103503"/>
+            <a:off x="2178073" y="1356258"/>
             <a:ext cx="300954" cy="519599"/>
           </a:xfrm>
           <a:prstGeom prst="bentConnector2">
@@ -8034,7 +11887,7 @@
         </p:nvSpPr>
         <p:spPr>
           <a:xfrm>
-            <a:off x="2777510" y="3872721"/>
+            <a:off x="2588350" y="3125476"/>
             <a:ext cx="1656184" cy="216024"/>
           </a:xfrm>
           <a:prstGeom prst="roundRect">
@@ -8095,7 +11948,7 @@
         </p:nvCxnSpPr>
         <p:spPr>
           <a:xfrm rot="16200000" flipH="1">
-            <a:off x="1633757" y="2836979"/>
+            <a:off x="1444597" y="2089734"/>
             <a:ext cx="1767907" cy="519599"/>
           </a:xfrm>
           <a:prstGeom prst="bentConnector2">
@@ -8128,7 +11981,7 @@
         </p:nvSpPr>
         <p:spPr>
           <a:xfrm>
-            <a:off x="3909178" y="2820774"/>
+            <a:off x="3720018" y="2073529"/>
             <a:ext cx="1872208" cy="216024"/>
           </a:xfrm>
           <a:prstGeom prst="roundRect">
@@ -8189,7 +12042,7 @@
         </p:nvCxnSpPr>
         <p:spPr>
           <a:xfrm rot="16200000" flipH="1">
-            <a:off x="3544970" y="2564578"/>
+            <a:off x="3355810" y="1817333"/>
             <a:ext cx="306994" cy="421421"/>
           </a:xfrm>
           <a:prstGeom prst="bentConnector2">
@@ -8222,7 +12075,7 @@
         </p:nvSpPr>
         <p:spPr>
           <a:xfrm>
-            <a:off x="5362885" y="3218877"/>
+            <a:off x="5173725" y="2471632"/>
             <a:ext cx="1420493" cy="216024"/>
           </a:xfrm>
           <a:prstGeom prst="roundRect">
@@ -8275,7 +12128,7 @@
         </p:nvCxnSpPr>
         <p:spPr>
           <a:xfrm rot="16200000" flipH="1">
-            <a:off x="4959038" y="2923041"/>
+            <a:off x="4769878" y="2175796"/>
             <a:ext cx="290091" cy="517603"/>
           </a:xfrm>
           <a:prstGeom prst="bentConnector2">
@@ -8308,7 +12161,7 @@
         </p:nvSpPr>
         <p:spPr>
           <a:xfrm>
-            <a:off x="6444208" y="2808493"/>
+            <a:off x="6255048" y="2061248"/>
             <a:ext cx="1368152" cy="216024"/>
           </a:xfrm>
           <a:prstGeom prst="roundRect">
@@ -8357,7 +12210,7 @@
         </p:nvCxnSpPr>
         <p:spPr>
           <a:xfrm flipV="1">
-            <a:off x="5781386" y="2916505"/>
+            <a:off x="5592226" y="2169260"/>
             <a:ext cx="662822" cy="12281"/>
           </a:xfrm>
           <a:prstGeom prst="straightConnector1">
@@ -8390,7 +12243,7 @@
         </p:nvSpPr>
         <p:spPr>
           <a:xfrm>
-            <a:off x="7524328" y="1996802"/>
+            <a:off x="7335168" y="1249557"/>
             <a:ext cx="1368152" cy="216024"/>
           </a:xfrm>
           <a:prstGeom prst="roundRect">
@@ -8439,7 +12292,7 @@
         </p:nvCxnSpPr>
         <p:spPr>
           <a:xfrm rot="5400000">
-            <a:off x="7658543" y="2366643"/>
+            <a:off x="7469383" y="1619398"/>
             <a:ext cx="703679" cy="396044"/>
           </a:xfrm>
           <a:prstGeom prst="bentConnector2">
@@ -8475,7 +12328,7 @@
         </p:nvCxnSpPr>
         <p:spPr>
           <a:xfrm rot="5400000">
-            <a:off x="7858961" y="2166225"/>
+            <a:off x="7669801" y="1418980"/>
             <a:ext cx="302843" cy="396044"/>
           </a:xfrm>
           <a:prstGeom prst="bentConnector2">
@@ -8508,7 +12361,7 @@
         </p:nvSpPr>
         <p:spPr>
           <a:xfrm>
-            <a:off x="4039284" y="4373066"/>
+            <a:off x="3850124" y="3625821"/>
             <a:ext cx="2260908" cy="216024"/>
           </a:xfrm>
           <a:prstGeom prst="roundRect">
@@ -8536,11 +12389,7 @@
             <a:pPr algn="ctr"/>
             <a:r>
               <a:rPr lang="zh-CN" altLang="en-US" sz="1200" dirty="0" smtClean="0"/>
-              <a:t>网格渲染</a:t>
-            </a:r>
-            <a:r>
-              <a:rPr lang="zh-CN" altLang="en-US" sz="1200" dirty="0" smtClean="0"/>
-              <a:t>对象</a:t>
+              <a:t>网格渲染对象</a:t>
             </a:r>
             <a:r>
               <a:rPr lang="en-US" altLang="zh-CN" sz="1200" dirty="0" smtClean="0"/>
@@ -8569,7 +12418,7 @@
         </p:nvCxnSpPr>
         <p:spPr>
           <a:xfrm rot="16200000" flipH="1">
-            <a:off x="3626277" y="4068070"/>
+            <a:off x="3437117" y="3320825"/>
             <a:ext cx="392333" cy="433682"/>
           </a:xfrm>
           <a:prstGeom prst="bentConnector2">
@@ -8602,7 +12451,7 @@
         </p:nvSpPr>
         <p:spPr>
           <a:xfrm>
-            <a:off x="6444208" y="2407657"/>
+            <a:off x="6255048" y="1660412"/>
             <a:ext cx="1368152" cy="216024"/>
           </a:xfrm>
           <a:prstGeom prst="roundRect">
@@ -8651,7 +12500,7 @@
         </p:nvCxnSpPr>
         <p:spPr>
           <a:xfrm>
-            <a:off x="4198003" y="2513780"/>
+            <a:off x="4008843" y="1766535"/>
             <a:ext cx="2246205" cy="1889"/>
           </a:xfrm>
           <a:prstGeom prst="straightConnector1">
@@ -8687,7 +12536,7 @@
         </p:nvCxnSpPr>
         <p:spPr>
           <a:xfrm rot="16200000" flipH="1">
-            <a:off x="4797820" y="3084260"/>
+            <a:off x="4608660" y="2337015"/>
             <a:ext cx="652192" cy="557268"/>
           </a:xfrm>
           <a:prstGeom prst="bentConnector2">
@@ -8720,7 +12569,7 @@
         </p:nvSpPr>
         <p:spPr>
           <a:xfrm>
-            <a:off x="5402550" y="3580978"/>
+            <a:off x="5213390" y="2833733"/>
             <a:ext cx="1420493" cy="216024"/>
           </a:xfrm>
           <a:prstGeom prst="roundRect">
@@ -8770,6 +12619,252 @@
           </a:p>
         </p:txBody>
       </p:sp>
+      <p:sp>
+        <p:nvSpPr>
+          <p:cNvPr id="32" name="圆角矩形 31"/>
+          <p:cNvSpPr/>
+          <p:nvPr/>
+        </p:nvSpPr>
+        <p:spPr>
+          <a:xfrm>
+            <a:off x="1358504" y="3733544"/>
+            <a:ext cx="1420493" cy="216024"/>
+          </a:xfrm>
+          <a:prstGeom prst="roundRect">
+            <a:avLst/>
+          </a:prstGeom>
+        </p:spPr>
+        <p:style>
+          <a:lnRef idx="1">
+            <a:schemeClr val="accent4"/>
+          </a:lnRef>
+          <a:fillRef idx="2">
+            <a:schemeClr val="accent4"/>
+          </a:fillRef>
+          <a:effectRef idx="1">
+            <a:schemeClr val="accent4"/>
+          </a:effectRef>
+          <a:fontRef idx="minor">
+            <a:schemeClr val="dk1"/>
+          </a:fontRef>
+        </p:style>
+        <p:txBody>
+          <a:bodyPr lIns="0" tIns="0" rIns="0" bIns="0" rtlCol="0" anchor="ctr" anchorCtr="1"/>
+          <a:lstStyle/>
+          <a:p>
+            <a:pPr algn="ctr"/>
+            <a:r>
+              <a:rPr lang="zh-CN" altLang="en-US" sz="1200" smtClean="0"/>
+              <a:t>空间对象</a:t>
+            </a:r>
+            <a:r>
+              <a:rPr lang="en-US" altLang="zh-CN" sz="1200" smtClean="0"/>
+              <a:t>(Space)</a:t>
+            </a:r>
+            <a:endParaRPr lang="zh-CN" altLang="en-US" sz="1200" dirty="0"/>
+          </a:p>
+        </p:txBody>
+      </p:sp>
+      <p:cxnSp>
+        <p:nvCxnSpPr>
+          <p:cNvPr id="33" name="直接连接符 14"/>
+          <p:cNvCxnSpPr>
+            <a:stCxn id="31" idx="2"/>
+            <a:endCxn id="32" idx="1"/>
+          </p:cNvCxnSpPr>
+          <p:nvPr/>
+        </p:nvCxnSpPr>
+        <p:spPr>
+          <a:xfrm rot="16200000" flipH="1">
+            <a:off x="-224371" y="2258680"/>
+            <a:ext cx="2795871" cy="369880"/>
+          </a:xfrm>
+          <a:prstGeom prst="bentConnector2">
+            <a:avLst/>
+          </a:prstGeom>
+          <a:ln>
+            <a:tailEnd type="triangle" w="med" len="lg"/>
+          </a:ln>
+        </p:spPr>
+        <p:style>
+          <a:lnRef idx="1">
+            <a:schemeClr val="accent1"/>
+          </a:lnRef>
+          <a:fillRef idx="0">
+            <a:schemeClr val="accent1"/>
+          </a:fillRef>
+          <a:effectRef idx="0">
+            <a:schemeClr val="accent1"/>
+          </a:effectRef>
+          <a:fontRef idx="minor">
+            <a:schemeClr val="tx1"/>
+          </a:fontRef>
+        </p:style>
+      </p:cxnSp>
+      <p:sp>
+        <p:nvSpPr>
+          <p:cNvPr id="36" name="圆角矩形 35"/>
+          <p:cNvSpPr/>
+          <p:nvPr/>
+        </p:nvSpPr>
+        <p:spPr>
+          <a:xfrm>
+            <a:off x="2429631" y="4372873"/>
+            <a:ext cx="1420493" cy="216024"/>
+          </a:xfrm>
+          <a:prstGeom prst="roundRect">
+            <a:avLst/>
+          </a:prstGeom>
+        </p:spPr>
+        <p:style>
+          <a:lnRef idx="1">
+            <a:schemeClr val="accent4"/>
+          </a:lnRef>
+          <a:fillRef idx="2">
+            <a:schemeClr val="accent4"/>
+          </a:fillRef>
+          <a:effectRef idx="1">
+            <a:schemeClr val="accent4"/>
+          </a:effectRef>
+          <a:fontRef idx="minor">
+            <a:schemeClr val="dk1"/>
+          </a:fontRef>
+        </p:style>
+        <p:txBody>
+          <a:bodyPr lIns="0" tIns="0" rIns="0" bIns="0" rtlCol="0" anchor="ctr" anchorCtr="1"/>
+          <a:lstStyle/>
+          <a:p>
+            <a:pPr algn="ctr"/>
+            <a:r>
+              <a:rPr lang="zh-CN" altLang="en-US" sz="1200" smtClean="0"/>
+              <a:t>场景</a:t>
+            </a:r>
+            <a:r>
+              <a:rPr lang="en-US" altLang="zh-CN" sz="1200" smtClean="0"/>
+              <a:t>(Scene)</a:t>
+            </a:r>
+            <a:endParaRPr lang="zh-CN" altLang="en-US" sz="1200" dirty="0"/>
+          </a:p>
+        </p:txBody>
+      </p:sp>
+      <p:cxnSp>
+        <p:nvCxnSpPr>
+          <p:cNvPr id="37" name="直接连接符 14"/>
+          <p:cNvCxnSpPr>
+            <a:stCxn id="32" idx="2"/>
+            <a:endCxn id="36" idx="1"/>
+          </p:cNvCxnSpPr>
+          <p:nvPr/>
+        </p:nvCxnSpPr>
+        <p:spPr>
+          <a:xfrm rot="16200000" flipH="1">
+            <a:off x="1983533" y="4034786"/>
+            <a:ext cx="531317" cy="360880"/>
+          </a:xfrm>
+          <a:prstGeom prst="bentConnector2">
+            <a:avLst/>
+          </a:prstGeom>
+          <a:ln>
+            <a:tailEnd type="triangle" w="med" len="lg"/>
+          </a:ln>
+        </p:spPr>
+        <p:style>
+          <a:lnRef idx="1">
+            <a:schemeClr val="accent1"/>
+          </a:lnRef>
+          <a:fillRef idx="0">
+            <a:schemeClr val="accent1"/>
+          </a:fillRef>
+          <a:effectRef idx="0">
+            <a:schemeClr val="accent1"/>
+          </a:effectRef>
+          <a:fontRef idx="minor">
+            <a:schemeClr val="tx1"/>
+          </a:fontRef>
+        </p:style>
+      </p:cxnSp>
+      <p:sp>
+        <p:nvSpPr>
+          <p:cNvPr id="44" name="圆角矩形 43"/>
+          <p:cNvSpPr/>
+          <p:nvPr/>
+        </p:nvSpPr>
+        <p:spPr>
+          <a:xfrm>
+            <a:off x="2462596" y="4063641"/>
+            <a:ext cx="1420493" cy="216024"/>
+          </a:xfrm>
+          <a:prstGeom prst="roundRect">
+            <a:avLst/>
+          </a:prstGeom>
+        </p:spPr>
+        <p:style>
+          <a:lnRef idx="1">
+            <a:schemeClr val="accent4"/>
+          </a:lnRef>
+          <a:fillRef idx="2">
+            <a:schemeClr val="accent4"/>
+          </a:fillRef>
+          <a:effectRef idx="1">
+            <a:schemeClr val="accent4"/>
+          </a:effectRef>
+          <a:fontRef idx="minor">
+            <a:schemeClr val="dk1"/>
+          </a:fontRef>
+        </p:style>
+        <p:txBody>
+          <a:bodyPr lIns="0" tIns="0" rIns="0" bIns="0" rtlCol="0" anchor="ctr" anchorCtr="1"/>
+          <a:lstStyle/>
+          <a:p>
+            <a:pPr algn="ctr"/>
+            <a:r>
+              <a:rPr lang="zh-CN" altLang="en-US" sz="1200" smtClean="0"/>
+              <a:t>模型</a:t>
+            </a:r>
+            <a:r>
+              <a:rPr lang="en-US" altLang="zh-CN" sz="1200" smtClean="0"/>
+              <a:t>(Model)</a:t>
+            </a:r>
+            <a:endParaRPr lang="zh-CN" altLang="en-US" sz="1200" dirty="0"/>
+          </a:p>
+        </p:txBody>
+      </p:sp>
+      <p:cxnSp>
+        <p:nvCxnSpPr>
+          <p:cNvPr id="45" name="直接连接符 14"/>
+          <p:cNvCxnSpPr>
+            <a:stCxn id="32" idx="2"/>
+            <a:endCxn id="44" idx="1"/>
+          </p:cNvCxnSpPr>
+          <p:nvPr/>
+        </p:nvCxnSpPr>
+        <p:spPr>
+          <a:xfrm rot="16200000" flipH="1">
+            <a:off x="2154631" y="3863687"/>
+            <a:ext cx="222085" cy="393845"/>
+          </a:xfrm>
+          <a:prstGeom prst="bentConnector2">
+            <a:avLst/>
+          </a:prstGeom>
+          <a:ln>
+            <a:tailEnd type="triangle" w="med" len="lg"/>
+          </a:ln>
+        </p:spPr>
+        <p:style>
+          <a:lnRef idx="1">
+            <a:schemeClr val="accent1"/>
+          </a:lnRef>
+          <a:fillRef idx="0">
+            <a:schemeClr val="accent1"/>
+          </a:fillRef>
+          <a:effectRef idx="0">
+            <a:schemeClr val="accent1"/>
+          </a:effectRef>
+          <a:fontRef idx="minor">
+            <a:schemeClr val="tx1"/>
+          </a:fontRef>
+        </p:style>
+      </p:cxnSp>
     </p:spTree>
     <p:extLst>
       <p:ext uri="{BB962C8B-B14F-4D97-AF65-F5344CB8AC3E}">
@@ -9556,11 +13651,7 @@
             </a:r>
             <a:r>
               <a:rPr lang="en-US" altLang="zh-CN" sz="1200" dirty="0" smtClean="0"/>
-              <a:t>(</a:t>
-            </a:r>
-            <a:r>
-              <a:rPr lang="en-US" altLang="zh-CN" sz="1200" dirty="0" smtClean="0"/>
-              <a:t>Region)</a:t>
+              <a:t>(Region)</a:t>
             </a:r>
             <a:endParaRPr lang="zh-CN" altLang="en-US" sz="1200" dirty="0"/>
           </a:p>
@@ -9642,11 +13733,7 @@
             </a:r>
             <a:r>
               <a:rPr lang="en-US" altLang="zh-CN" sz="1200" dirty="0" smtClean="0"/>
-              <a:t>(Camera</a:t>
-            </a:r>
-            <a:r>
-              <a:rPr lang="en-US" altLang="zh-CN" sz="1200" dirty="0" smtClean="0"/>
-              <a:t>)</a:t>
+              <a:t>(Camera)</a:t>
             </a:r>
             <a:endParaRPr lang="zh-CN" altLang="en-US" sz="1200" dirty="0"/>
           </a:p>
@@ -9728,11 +13815,7 @@
             </a:r>
             <a:r>
               <a:rPr lang="en-US" altLang="zh-CN" sz="1200" dirty="0" smtClean="0"/>
-              <a:t>(Light</a:t>
-            </a:r>
-            <a:r>
-              <a:rPr lang="en-US" altLang="zh-CN" sz="1200" dirty="0" smtClean="0"/>
-              <a:t>)</a:t>
+              <a:t>(Light)</a:t>
             </a:r>
             <a:endParaRPr lang="zh-CN" altLang="en-US" sz="1200" dirty="0"/>
           </a:p>
@@ -9829,12 +13912,12 @@
           <a:lstStyle/>
           <a:p>
             <a:r>
+              <a:rPr lang="zh-CN" altLang="en-US" smtClean="0"/>
+              <a:t>资源结构 </a:t>
+            </a:r>
+            <a:r>
               <a:rPr lang="en-US" altLang="zh-CN" smtClean="0"/>
-              <a:t>WEB – </a:t>
-            </a:r>
-            <a:r>
-              <a:rPr lang="zh-CN" altLang="en-US"/>
-              <a:t>前台</a:t>
+              <a:t>- Material</a:t>
             </a:r>
             <a:endParaRPr lang="zh-CN" altLang="en-US" dirty="0"/>
           </a:p>
@@ -9848,8 +13931,8 @@
         </p:nvSpPr>
         <p:spPr>
           <a:xfrm>
-            <a:off x="755576" y="916682"/>
-            <a:ext cx="1008112" cy="216024"/>
+            <a:off x="395536" y="836476"/>
+            <a:ext cx="1368152" cy="216024"/>
           </a:xfrm>
           <a:prstGeom prst="roundRect">
             <a:avLst/>
@@ -9875,9 +13958,14 @@
           <a:p>
             <a:pPr algn="ctr"/>
             <a:r>
-              <a:rPr lang="zh-CN" altLang="en-US" sz="1200"/>
-              <a:t>站点</a:t>
-            </a:r>
+              <a:rPr lang="zh-CN" altLang="en-US" sz="1200" smtClean="0"/>
+              <a:t>材质</a:t>
+            </a:r>
+            <a:r>
+              <a:rPr lang="en-US" altLang="zh-CN" sz="1200" smtClean="0"/>
+              <a:t>(Material)</a:t>
+            </a:r>
+            <a:endParaRPr lang="zh-CN" altLang="en-US" sz="1200" dirty="0"/>
           </a:p>
         </p:txBody>
       </p:sp>
@@ -9889,7 +13977,7 @@
         </p:nvSpPr>
         <p:spPr>
           <a:xfrm>
-            <a:off x="1695777" y="1281124"/>
+            <a:off x="1331640" y="1302229"/>
             <a:ext cx="1420493" cy="216024"/>
           </a:xfrm>
           <a:prstGeom prst="roundRect">
@@ -9898,13 +13986,13 @@
         </p:spPr>
         <p:style>
           <a:lnRef idx="1">
-            <a:schemeClr val="accent6"/>
+            <a:schemeClr val="accent4"/>
           </a:lnRef>
           <a:fillRef idx="2">
-            <a:schemeClr val="accent6"/>
+            <a:schemeClr val="accent4"/>
           </a:fillRef>
           <a:effectRef idx="1">
-            <a:schemeClr val="accent6"/>
+            <a:schemeClr val="accent4"/>
           </a:effectRef>
           <a:fontRef idx="minor">
             <a:schemeClr val="dk1"/>
@@ -9917,8 +14005,13 @@
             <a:pPr algn="ctr"/>
             <a:r>
               <a:rPr lang="zh-CN" altLang="en-US" sz="1200"/>
-              <a:t>首页</a:t>
-            </a:r>
+              <a:t>位图</a:t>
+            </a:r>
+            <a:r>
+              <a:rPr lang="en-US" altLang="zh-CN" sz="1200" smtClean="0"/>
+              <a:t>(Bitmap)</a:t>
+            </a:r>
+            <a:endParaRPr lang="zh-CN" altLang="en-US" sz="1200" dirty="0"/>
           </a:p>
         </p:txBody>
       </p:sp>
@@ -9933,8 +14026,8 @@
         </p:nvCxnSpPr>
         <p:spPr>
           <a:xfrm rot="16200000" flipH="1">
-            <a:off x="1349489" y="1042848"/>
-            <a:ext cx="256430" cy="436145"/>
+            <a:off x="1026756" y="1105356"/>
+            <a:ext cx="357741" cy="252028"/>
           </a:xfrm>
           <a:prstGeom prst="bentConnector2">
             <a:avLst/>
@@ -9960,803 +14053,67 @@
       </p:cxnSp>
       <p:sp>
         <p:nvSpPr>
-          <p:cNvPr id="36" name="圆角矩形 35"/>
-          <p:cNvSpPr/>
-          <p:nvPr/>
-        </p:nvSpPr>
-        <p:spPr>
-          <a:xfrm>
-            <a:off x="1706958" y="3103334"/>
-            <a:ext cx="1420493" cy="216024"/>
-          </a:xfrm>
-          <a:prstGeom prst="roundRect">
-            <a:avLst/>
-          </a:prstGeom>
-        </p:spPr>
-        <p:style>
-          <a:lnRef idx="1">
-            <a:schemeClr val="accent6"/>
-          </a:lnRef>
-          <a:fillRef idx="2">
-            <a:schemeClr val="accent6"/>
-          </a:fillRef>
-          <a:effectRef idx="1">
-            <a:schemeClr val="accent6"/>
-          </a:effectRef>
-          <a:fontRef idx="minor">
-            <a:schemeClr val="dk1"/>
-          </a:fontRef>
-        </p:style>
-        <p:txBody>
-          <a:bodyPr lIns="0" tIns="0" rIns="0" bIns="0" rtlCol="0" anchor="ctr" anchorCtr="1"/>
-          <a:lstStyle/>
-          <a:p>
-            <a:pPr algn="ctr"/>
+          <p:cNvPr id="47" name="内容占位符 2"/>
+          <p:cNvSpPr>
+            <a:spLocks noGrp="1"/>
+          </p:cNvSpPr>
+          <p:nvPr>
+            <p:ph idx="1"/>
+          </p:nvPr>
+        </p:nvSpPr>
+        <p:spPr>
+          <a:xfrm>
+            <a:off x="2555776" y="2860898"/>
+            <a:ext cx="6336704" cy="2194581"/>
+          </a:xfrm>
+        </p:spPr>
+        <p:txBody>
+          <a:bodyPr>
+            <a:noAutofit/>
+          </a:bodyPr>
+          <a:lstStyle/>
+          <a:p>
+            <a:r>
+              <a:rPr lang="zh-CN" altLang="en-US" sz="1200" smtClean="0"/>
+              <a:t>材质由多个纹理构成。</a:t>
+            </a:r>
+            <a:endParaRPr lang="en-US" altLang="zh-CN" sz="1200" smtClean="0"/>
+          </a:p>
+          <a:p>
+            <a:r>
+              <a:rPr lang="zh-CN" altLang="en-US" sz="1200" smtClean="0"/>
+              <a:t>纹理</a:t>
+            </a:r>
             <a:r>
               <a:rPr lang="zh-CN" altLang="en-US" sz="1200"/>
-              <a:t>用户</a:t>
+              <a:t>也</a:t>
             </a:r>
             <a:r>
               <a:rPr lang="zh-CN" altLang="en-US" sz="1200" smtClean="0"/>
-              <a:t>空间</a:t>
-            </a:r>
-            <a:endParaRPr lang="zh-CN" altLang="en-US" sz="1200"/>
-          </a:p>
-        </p:txBody>
-      </p:sp>
-      <p:cxnSp>
-        <p:nvCxnSpPr>
-          <p:cNvPr id="38" name="直接连接符 14"/>
-          <p:cNvCxnSpPr>
-            <a:stCxn id="3" idx="2"/>
-            <a:endCxn id="36" idx="1"/>
-          </p:cNvCxnSpPr>
-          <p:nvPr/>
-        </p:nvCxnSpPr>
-        <p:spPr>
-          <a:xfrm rot="16200000" flipH="1">
-            <a:off x="443975" y="1948363"/>
-            <a:ext cx="2078640" cy="447326"/>
-          </a:xfrm>
-          <a:prstGeom prst="bentConnector2">
-            <a:avLst/>
-          </a:prstGeom>
-          <a:ln>
-            <a:tailEnd type="triangle" w="med" len="lg"/>
-          </a:ln>
-        </p:spPr>
-        <p:style>
-          <a:lnRef idx="1">
-            <a:schemeClr val="accent1"/>
-          </a:lnRef>
-          <a:fillRef idx="0">
-            <a:schemeClr val="accent1"/>
-          </a:fillRef>
-          <a:effectRef idx="0">
-            <a:schemeClr val="accent1"/>
-          </a:effectRef>
-          <a:fontRef idx="minor">
-            <a:schemeClr val="tx1"/>
-          </a:fontRef>
-        </p:style>
-      </p:cxnSp>
-      <p:sp>
-        <p:nvSpPr>
-          <p:cNvPr id="42" name="圆角矩形 41"/>
-          <p:cNvSpPr/>
-          <p:nvPr/>
-        </p:nvSpPr>
-        <p:spPr>
-          <a:xfrm>
-            <a:off x="1695776" y="3467775"/>
-            <a:ext cx="1420493" cy="216024"/>
-          </a:xfrm>
-          <a:prstGeom prst="roundRect">
-            <a:avLst/>
-          </a:prstGeom>
-        </p:spPr>
-        <p:style>
-          <a:lnRef idx="1">
-            <a:schemeClr val="accent6"/>
-          </a:lnRef>
-          <a:fillRef idx="2">
-            <a:schemeClr val="accent6"/>
-          </a:fillRef>
-          <a:effectRef idx="1">
-            <a:schemeClr val="accent6"/>
-          </a:effectRef>
-          <a:fontRef idx="minor">
-            <a:schemeClr val="dk1"/>
-          </a:fontRef>
-        </p:style>
-        <p:txBody>
-          <a:bodyPr lIns="0" tIns="0" rIns="0" bIns="0" rtlCol="0" anchor="ctr" anchorCtr="1"/>
-          <a:lstStyle/>
-          <a:p>
-            <a:pPr algn="ctr"/>
+              <a:t>可以是序列帧动画。</a:t>
+            </a:r>
+            <a:endParaRPr lang="en-US" altLang="zh-CN" sz="1200" smtClean="0"/>
+          </a:p>
+          <a:p>
             <a:r>
               <a:rPr lang="zh-CN" altLang="en-US" sz="1200" smtClean="0"/>
-              <a:t>论坛</a:t>
-            </a:r>
-            <a:endParaRPr lang="zh-CN" altLang="en-US" sz="1200"/>
-          </a:p>
-        </p:txBody>
-      </p:sp>
-      <p:cxnSp>
-        <p:nvCxnSpPr>
-          <p:cNvPr id="43" name="直接连接符 14"/>
-          <p:cNvCxnSpPr>
-            <a:stCxn id="3" idx="2"/>
-            <a:endCxn id="42" idx="1"/>
-          </p:cNvCxnSpPr>
-          <p:nvPr/>
-        </p:nvCxnSpPr>
-        <p:spPr>
-          <a:xfrm rot="16200000" flipH="1">
-            <a:off x="256164" y="2136174"/>
-            <a:ext cx="2443081" cy="436144"/>
-          </a:xfrm>
-          <a:prstGeom prst="bentConnector2">
-            <a:avLst/>
-          </a:prstGeom>
-          <a:ln>
-            <a:tailEnd type="triangle" w="med" len="lg"/>
-          </a:ln>
-        </p:spPr>
-        <p:style>
-          <a:lnRef idx="1">
-            <a:schemeClr val="accent1"/>
-          </a:lnRef>
-          <a:fillRef idx="0">
-            <a:schemeClr val="accent1"/>
-          </a:fillRef>
-          <a:effectRef idx="0">
-            <a:schemeClr val="accent1"/>
-          </a:effectRef>
-          <a:fontRef idx="minor">
-            <a:schemeClr val="tx1"/>
-          </a:fontRef>
-        </p:style>
-      </p:cxnSp>
-      <p:sp>
-        <p:nvSpPr>
-          <p:cNvPr id="15" name="圆角矩形 14"/>
-          <p:cNvSpPr/>
-          <p:nvPr/>
-        </p:nvSpPr>
-        <p:spPr>
-          <a:xfrm>
-            <a:off x="2685706" y="1645566"/>
-            <a:ext cx="1420493" cy="216024"/>
-          </a:xfrm>
-          <a:prstGeom prst="roundRect">
-            <a:avLst/>
-          </a:prstGeom>
-        </p:spPr>
-        <p:style>
-          <a:lnRef idx="1">
-            <a:schemeClr val="accent6"/>
-          </a:lnRef>
-          <a:fillRef idx="2">
-            <a:schemeClr val="accent6"/>
-          </a:fillRef>
-          <a:effectRef idx="1">
-            <a:schemeClr val="accent6"/>
-          </a:effectRef>
-          <a:fontRef idx="minor">
-            <a:schemeClr val="dk1"/>
-          </a:fontRef>
-        </p:style>
-        <p:txBody>
-          <a:bodyPr lIns="0" tIns="0" rIns="0" bIns="0" rtlCol="0" anchor="ctr" anchorCtr="1"/>
-          <a:lstStyle/>
-          <a:p>
-            <a:pPr algn="ctr"/>
+              <a:t>单独定义的材质属于系统共享。</a:t>
+            </a:r>
+            <a:endParaRPr lang="en-US" altLang="zh-CN" sz="1200" smtClean="0"/>
+          </a:p>
+          <a:p>
             <a:r>
               <a:rPr lang="zh-CN" altLang="en-US" sz="1200" smtClean="0"/>
-              <a:t>资源列表</a:t>
-            </a:r>
-            <a:endParaRPr lang="zh-CN" altLang="en-US" sz="1200"/>
-          </a:p>
-        </p:txBody>
-      </p:sp>
-      <p:sp>
-        <p:nvSpPr>
-          <p:cNvPr id="16" name="圆角矩形 15"/>
-          <p:cNvSpPr/>
-          <p:nvPr/>
-        </p:nvSpPr>
-        <p:spPr>
-          <a:xfrm>
-            <a:off x="2685704" y="2374450"/>
-            <a:ext cx="1420493" cy="216024"/>
-          </a:xfrm>
-          <a:prstGeom prst="roundRect">
-            <a:avLst/>
-          </a:prstGeom>
-        </p:spPr>
-        <p:style>
-          <a:lnRef idx="1">
-            <a:schemeClr val="dk1"/>
-          </a:lnRef>
-          <a:fillRef idx="2">
-            <a:schemeClr val="dk1"/>
-          </a:fillRef>
-          <a:effectRef idx="1">
-            <a:schemeClr val="dk1"/>
-          </a:effectRef>
-          <a:fontRef idx="minor">
-            <a:schemeClr val="dk1"/>
-          </a:fontRef>
-        </p:style>
-        <p:txBody>
-          <a:bodyPr lIns="0" tIns="0" rIns="0" bIns="0" rtlCol="0" anchor="ctr" anchorCtr="1"/>
-          <a:lstStyle/>
-          <a:p>
-            <a:pPr algn="ctr"/>
-            <a:r>
-              <a:rPr lang="zh-CN" altLang="en-US" sz="1200"/>
-              <a:t>新闻</a:t>
-            </a:r>
-            <a:r>
-              <a:rPr lang="zh-CN" altLang="en-US" sz="1200" smtClean="0"/>
-              <a:t>列表</a:t>
-            </a:r>
-            <a:endParaRPr lang="zh-CN" altLang="en-US" sz="1200"/>
-          </a:p>
-        </p:txBody>
-      </p:sp>
-      <p:cxnSp>
-        <p:nvCxnSpPr>
-          <p:cNvPr id="17" name="直接连接符 14"/>
-          <p:cNvCxnSpPr>
-            <a:stCxn id="31" idx="2"/>
-            <a:endCxn id="15" idx="1"/>
-          </p:cNvCxnSpPr>
-          <p:nvPr/>
-        </p:nvCxnSpPr>
-        <p:spPr>
-          <a:xfrm rot="16200000" flipH="1">
-            <a:off x="2417650" y="1485522"/>
-            <a:ext cx="256430" cy="279682"/>
-          </a:xfrm>
-          <a:prstGeom prst="bentConnector2">
-            <a:avLst/>
-          </a:prstGeom>
-          <a:ln>
-            <a:tailEnd type="triangle" w="med" len="lg"/>
-          </a:ln>
-        </p:spPr>
-        <p:style>
-          <a:lnRef idx="1">
-            <a:schemeClr val="accent1"/>
-          </a:lnRef>
-          <a:fillRef idx="0">
-            <a:schemeClr val="accent1"/>
-          </a:fillRef>
-          <a:effectRef idx="0">
-            <a:schemeClr val="accent1"/>
-          </a:effectRef>
-          <a:fontRef idx="minor">
-            <a:schemeClr val="tx1"/>
-          </a:fontRef>
-        </p:style>
-      </p:cxnSp>
-      <p:cxnSp>
-        <p:nvCxnSpPr>
-          <p:cNvPr id="20" name="直接连接符 14"/>
-          <p:cNvCxnSpPr>
-            <a:stCxn id="31" idx="2"/>
-            <a:endCxn id="16" idx="1"/>
-          </p:cNvCxnSpPr>
-          <p:nvPr/>
-        </p:nvCxnSpPr>
-        <p:spPr>
-          <a:xfrm rot="16200000" flipH="1">
-            <a:off x="2053207" y="1849965"/>
-            <a:ext cx="985314" cy="279680"/>
-          </a:xfrm>
-          <a:prstGeom prst="bentConnector2">
-            <a:avLst/>
-          </a:prstGeom>
-          <a:ln>
-            <a:tailEnd type="triangle" w="med" len="lg"/>
-          </a:ln>
-        </p:spPr>
-        <p:style>
-          <a:lnRef idx="1">
-            <a:schemeClr val="accent1"/>
-          </a:lnRef>
-          <a:fillRef idx="0">
-            <a:schemeClr val="accent1"/>
-          </a:fillRef>
-          <a:effectRef idx="0">
-            <a:schemeClr val="accent1"/>
-          </a:effectRef>
-          <a:fontRef idx="minor">
-            <a:schemeClr val="tx1"/>
-          </a:fontRef>
-        </p:style>
-      </p:cxnSp>
-      <p:sp>
-        <p:nvSpPr>
-          <p:cNvPr id="26" name="圆角矩形 25"/>
-          <p:cNvSpPr/>
-          <p:nvPr/>
-        </p:nvSpPr>
-        <p:spPr>
-          <a:xfrm>
-            <a:off x="2685703" y="2738892"/>
-            <a:ext cx="1420493" cy="216024"/>
-          </a:xfrm>
-          <a:prstGeom prst="roundRect">
-            <a:avLst/>
-          </a:prstGeom>
-        </p:spPr>
-        <p:style>
-          <a:lnRef idx="1">
-            <a:schemeClr val="dk1"/>
-          </a:lnRef>
-          <a:fillRef idx="2">
-            <a:schemeClr val="dk1"/>
-          </a:fillRef>
-          <a:effectRef idx="1">
-            <a:schemeClr val="dk1"/>
-          </a:effectRef>
-          <a:fontRef idx="minor">
-            <a:schemeClr val="dk1"/>
-          </a:fontRef>
-        </p:style>
-        <p:txBody>
-          <a:bodyPr lIns="0" tIns="0" rIns="0" bIns="0" rtlCol="0" anchor="ctr" anchorCtr="1"/>
-          <a:lstStyle/>
-          <a:p>
-            <a:pPr algn="ctr"/>
-            <a:r>
-              <a:rPr lang="zh-CN" altLang="en-US" sz="1200"/>
-              <a:t>人员</a:t>
-            </a:r>
-            <a:r>
-              <a:rPr lang="zh-CN" altLang="en-US" sz="1200" smtClean="0"/>
-              <a:t>列表</a:t>
-            </a:r>
-            <a:endParaRPr lang="zh-CN" altLang="en-US" sz="1200"/>
-          </a:p>
-        </p:txBody>
-      </p:sp>
-      <p:cxnSp>
-        <p:nvCxnSpPr>
-          <p:cNvPr id="27" name="直接连接符 14"/>
-          <p:cNvCxnSpPr>
-            <a:stCxn id="31" idx="2"/>
-            <a:endCxn id="26" idx="1"/>
-          </p:cNvCxnSpPr>
-          <p:nvPr/>
-        </p:nvCxnSpPr>
-        <p:spPr>
-          <a:xfrm rot="16200000" flipH="1">
-            <a:off x="1870985" y="2032186"/>
-            <a:ext cx="1349756" cy="279679"/>
-          </a:xfrm>
-          <a:prstGeom prst="bentConnector2">
-            <a:avLst/>
-          </a:prstGeom>
-          <a:ln>
-            <a:tailEnd type="triangle" w="med" len="lg"/>
-          </a:ln>
-        </p:spPr>
-        <p:style>
-          <a:lnRef idx="1">
-            <a:schemeClr val="accent1"/>
-          </a:lnRef>
-          <a:fillRef idx="0">
-            <a:schemeClr val="accent1"/>
-          </a:fillRef>
-          <a:effectRef idx="0">
-            <a:schemeClr val="accent1"/>
-          </a:effectRef>
-          <a:fontRef idx="minor">
-            <a:schemeClr val="tx1"/>
-          </a:fontRef>
-        </p:style>
-      </p:cxnSp>
-      <p:sp>
-        <p:nvSpPr>
-          <p:cNvPr id="39" name="圆角矩形 38"/>
-          <p:cNvSpPr/>
-          <p:nvPr/>
-        </p:nvSpPr>
-        <p:spPr>
-          <a:xfrm>
-            <a:off x="2685705" y="2010008"/>
-            <a:ext cx="1420493" cy="216024"/>
-          </a:xfrm>
-          <a:prstGeom prst="roundRect">
-            <a:avLst/>
-          </a:prstGeom>
-        </p:spPr>
-        <p:style>
-          <a:lnRef idx="1">
-            <a:schemeClr val="accent2"/>
-          </a:lnRef>
-          <a:fillRef idx="2">
-            <a:schemeClr val="accent2"/>
-          </a:fillRef>
-          <a:effectRef idx="1">
-            <a:schemeClr val="accent2"/>
-          </a:effectRef>
-          <a:fontRef idx="minor">
-            <a:schemeClr val="dk1"/>
-          </a:fontRef>
-        </p:style>
-        <p:txBody>
-          <a:bodyPr lIns="0" tIns="0" rIns="0" bIns="0" rtlCol="0" anchor="ctr" anchorCtr="1"/>
-          <a:lstStyle/>
-          <a:p>
-            <a:pPr algn="ctr"/>
-            <a:r>
-              <a:rPr lang="zh-CN" altLang="en-US" sz="1200"/>
-              <a:t>悬赏</a:t>
-            </a:r>
-            <a:r>
-              <a:rPr lang="zh-CN" altLang="en-US" sz="1200" smtClean="0"/>
-              <a:t>列表</a:t>
-            </a:r>
-            <a:endParaRPr lang="zh-CN" altLang="en-US" sz="1200"/>
-          </a:p>
-        </p:txBody>
-      </p:sp>
-      <p:cxnSp>
-        <p:nvCxnSpPr>
-          <p:cNvPr id="40" name="直接连接符 14"/>
-          <p:cNvCxnSpPr>
-            <a:stCxn id="31" idx="2"/>
-            <a:endCxn id="39" idx="1"/>
-          </p:cNvCxnSpPr>
-          <p:nvPr/>
-        </p:nvCxnSpPr>
-        <p:spPr>
-          <a:xfrm rot="16200000" flipH="1">
-            <a:off x="2235428" y="1667743"/>
-            <a:ext cx="620872" cy="279681"/>
-          </a:xfrm>
-          <a:prstGeom prst="bentConnector2">
-            <a:avLst/>
-          </a:prstGeom>
-          <a:ln>
-            <a:tailEnd type="triangle" w="med" len="lg"/>
-          </a:ln>
-        </p:spPr>
-        <p:style>
-          <a:lnRef idx="1">
-            <a:schemeClr val="accent1"/>
-          </a:lnRef>
-          <a:fillRef idx="0">
-            <a:schemeClr val="accent1"/>
-          </a:fillRef>
-          <a:effectRef idx="0">
-            <a:schemeClr val="accent1"/>
-          </a:effectRef>
-          <a:fontRef idx="minor">
-            <a:schemeClr val="tx1"/>
-          </a:fontRef>
-        </p:style>
-      </p:cxnSp>
-      <p:sp>
-        <p:nvSpPr>
-          <p:cNvPr id="49" name="圆角矩形 48"/>
-          <p:cNvSpPr/>
-          <p:nvPr/>
-        </p:nvSpPr>
-        <p:spPr>
-          <a:xfrm>
-            <a:off x="4860033" y="1279586"/>
-            <a:ext cx="1080120" cy="216024"/>
-          </a:xfrm>
-          <a:prstGeom prst="roundRect">
-            <a:avLst/>
-          </a:prstGeom>
-        </p:spPr>
-        <p:style>
-          <a:lnRef idx="1">
-            <a:schemeClr val="accent6"/>
-          </a:lnRef>
-          <a:fillRef idx="2">
-            <a:schemeClr val="accent6"/>
-          </a:fillRef>
-          <a:effectRef idx="1">
-            <a:schemeClr val="accent6"/>
-          </a:effectRef>
-          <a:fontRef idx="minor">
-            <a:schemeClr val="dk1"/>
-          </a:fontRef>
-        </p:style>
-        <p:txBody>
-          <a:bodyPr lIns="0" tIns="0" rIns="0" bIns="0" rtlCol="0" anchor="ctr" anchorCtr="1"/>
-          <a:lstStyle/>
-          <a:p>
-            <a:pPr algn="ctr"/>
-            <a:r>
-              <a:rPr lang="zh-CN" altLang="en-US" sz="1200"/>
-              <a:t>用户</a:t>
-            </a:r>
-          </a:p>
-        </p:txBody>
-      </p:sp>
-      <p:cxnSp>
-        <p:nvCxnSpPr>
-          <p:cNvPr id="50" name="直接连接符 14"/>
-          <p:cNvCxnSpPr>
-            <a:stCxn id="31" idx="3"/>
-            <a:endCxn id="49" idx="1"/>
-          </p:cNvCxnSpPr>
-          <p:nvPr/>
-        </p:nvCxnSpPr>
-        <p:spPr>
-          <a:xfrm flipV="1">
-            <a:off x="3116270" y="1387598"/>
-            <a:ext cx="1743763" cy="1538"/>
-          </a:xfrm>
-          <a:prstGeom prst="straightConnector1">
-            <a:avLst/>
-          </a:prstGeom>
-          <a:ln>
-            <a:tailEnd type="triangle" w="med" len="lg"/>
-          </a:ln>
-        </p:spPr>
-        <p:style>
-          <a:lnRef idx="1">
-            <a:schemeClr val="accent1"/>
-          </a:lnRef>
-          <a:fillRef idx="0">
-            <a:schemeClr val="accent1"/>
-          </a:fillRef>
-          <a:effectRef idx="0">
-            <a:schemeClr val="accent1"/>
-          </a:effectRef>
-          <a:fontRef idx="minor">
-            <a:schemeClr val="tx1"/>
-          </a:fontRef>
-        </p:style>
-      </p:cxnSp>
-      <p:sp>
-        <p:nvSpPr>
-          <p:cNvPr id="52" name="圆角矩形 51"/>
-          <p:cNvSpPr/>
-          <p:nvPr/>
-        </p:nvSpPr>
-        <p:spPr>
-          <a:xfrm>
-            <a:off x="4860032" y="1605587"/>
-            <a:ext cx="1080121" cy="216024"/>
-          </a:xfrm>
-          <a:prstGeom prst="roundRect">
-            <a:avLst/>
-          </a:prstGeom>
-        </p:spPr>
-        <p:style>
-          <a:lnRef idx="1">
-            <a:schemeClr val="accent2"/>
-          </a:lnRef>
-          <a:fillRef idx="2">
-            <a:schemeClr val="accent2"/>
-          </a:fillRef>
-          <a:effectRef idx="1">
-            <a:schemeClr val="accent2"/>
-          </a:effectRef>
-          <a:fontRef idx="minor">
-            <a:schemeClr val="dk1"/>
-          </a:fontRef>
-        </p:style>
-        <p:txBody>
-          <a:bodyPr lIns="0" tIns="0" rIns="0" bIns="0" rtlCol="0" anchor="ctr" anchorCtr="1"/>
-          <a:lstStyle/>
-          <a:p>
-            <a:pPr algn="ctr"/>
-            <a:r>
-              <a:rPr lang="zh-CN" altLang="en-US" sz="1200"/>
-              <a:t>充值</a:t>
-            </a:r>
-          </a:p>
-        </p:txBody>
-      </p:sp>
-      <p:cxnSp>
-        <p:nvCxnSpPr>
-          <p:cNvPr id="53" name="直接连接符 14"/>
-          <p:cNvCxnSpPr>
-            <a:stCxn id="31" idx="3"/>
-            <a:endCxn id="52" idx="1"/>
-          </p:cNvCxnSpPr>
-          <p:nvPr/>
-        </p:nvCxnSpPr>
-        <p:spPr>
-          <a:xfrm>
-            <a:off x="3116270" y="1389136"/>
-            <a:ext cx="1743762" cy="324463"/>
-          </a:xfrm>
-          <a:prstGeom prst="straightConnector1">
-            <a:avLst/>
-          </a:prstGeom>
-          <a:ln>
-            <a:tailEnd type="triangle" w="med" len="lg"/>
-          </a:ln>
-        </p:spPr>
-        <p:style>
-          <a:lnRef idx="1">
-            <a:schemeClr val="accent1"/>
-          </a:lnRef>
-          <a:fillRef idx="0">
-            <a:schemeClr val="accent1"/>
-          </a:fillRef>
-          <a:effectRef idx="0">
-            <a:schemeClr val="accent1"/>
-          </a:effectRef>
-          <a:fontRef idx="minor">
-            <a:schemeClr val="tx1"/>
-          </a:fontRef>
-        </p:style>
-      </p:cxnSp>
-      <p:sp>
-        <p:nvSpPr>
-          <p:cNvPr id="60" name="圆角矩形 59"/>
-          <p:cNvSpPr/>
-          <p:nvPr/>
-        </p:nvSpPr>
-        <p:spPr>
-          <a:xfrm>
-            <a:off x="6396548" y="1279586"/>
-            <a:ext cx="1080120" cy="216024"/>
-          </a:xfrm>
-          <a:prstGeom prst="roundRect">
-            <a:avLst/>
-          </a:prstGeom>
-        </p:spPr>
-        <p:style>
-          <a:lnRef idx="1">
-            <a:schemeClr val="accent6"/>
-          </a:lnRef>
-          <a:fillRef idx="2">
-            <a:schemeClr val="accent6"/>
-          </a:fillRef>
-          <a:effectRef idx="1">
-            <a:schemeClr val="accent6"/>
-          </a:effectRef>
-          <a:fontRef idx="minor">
-            <a:schemeClr val="dk1"/>
-          </a:fontRef>
-        </p:style>
-        <p:txBody>
-          <a:bodyPr lIns="0" tIns="0" rIns="0" bIns="0" rtlCol="0" anchor="ctr" anchorCtr="1"/>
-          <a:lstStyle/>
-          <a:p>
-            <a:pPr algn="ctr"/>
-            <a:r>
-              <a:rPr lang="zh-CN" altLang="en-US" sz="1200"/>
-              <a:t>注册</a:t>
-            </a:r>
-          </a:p>
-        </p:txBody>
-      </p:sp>
-      <p:sp>
-        <p:nvSpPr>
-          <p:cNvPr id="61" name="圆角矩形 60"/>
-          <p:cNvSpPr/>
-          <p:nvPr/>
-        </p:nvSpPr>
-        <p:spPr>
-          <a:xfrm>
-            <a:off x="6396548" y="1607777"/>
-            <a:ext cx="1080120" cy="216024"/>
-          </a:xfrm>
-          <a:prstGeom prst="roundRect">
-            <a:avLst/>
-          </a:prstGeom>
-        </p:spPr>
-        <p:style>
-          <a:lnRef idx="1">
-            <a:schemeClr val="accent6"/>
-          </a:lnRef>
-          <a:fillRef idx="2">
-            <a:schemeClr val="accent6"/>
-          </a:fillRef>
-          <a:effectRef idx="1">
-            <a:schemeClr val="accent6"/>
-          </a:effectRef>
-          <a:fontRef idx="minor">
-            <a:schemeClr val="dk1"/>
-          </a:fontRef>
-        </p:style>
-        <p:txBody>
-          <a:bodyPr lIns="0" tIns="0" rIns="0" bIns="0" rtlCol="0" anchor="ctr" anchorCtr="1"/>
-          <a:lstStyle/>
-          <a:p>
-            <a:pPr algn="ctr"/>
-            <a:r>
-              <a:rPr lang="zh-CN" altLang="en-US" sz="1200" smtClean="0"/>
-              <a:t>登录</a:t>
-            </a:r>
-            <a:endParaRPr lang="zh-CN" altLang="en-US" sz="1200"/>
-          </a:p>
-        </p:txBody>
-      </p:sp>
-      <p:cxnSp>
-        <p:nvCxnSpPr>
-          <p:cNvPr id="62" name="直接连接符 14"/>
-          <p:cNvCxnSpPr>
-            <a:stCxn id="49" idx="3"/>
-            <a:endCxn id="60" idx="1"/>
-          </p:cNvCxnSpPr>
-          <p:nvPr/>
-        </p:nvCxnSpPr>
-        <p:spPr>
-          <a:xfrm>
-            <a:off x="5940153" y="1387598"/>
-            <a:ext cx="456395" cy="0"/>
-          </a:xfrm>
-          <a:prstGeom prst="straightConnector1">
-            <a:avLst/>
-          </a:prstGeom>
-          <a:ln>
-            <a:tailEnd type="triangle" w="med" len="lg"/>
-          </a:ln>
-        </p:spPr>
-        <p:style>
-          <a:lnRef idx="1">
-            <a:schemeClr val="accent1"/>
-          </a:lnRef>
-          <a:fillRef idx="0">
-            <a:schemeClr val="accent1"/>
-          </a:fillRef>
-          <a:effectRef idx="0">
-            <a:schemeClr val="accent1"/>
-          </a:effectRef>
-          <a:fontRef idx="minor">
-            <a:schemeClr val="tx1"/>
-          </a:fontRef>
-        </p:style>
-      </p:cxnSp>
-      <p:cxnSp>
-        <p:nvCxnSpPr>
-          <p:cNvPr id="66" name="直接连接符 14"/>
-          <p:cNvCxnSpPr>
-            <a:stCxn id="49" idx="3"/>
-            <a:endCxn id="61" idx="1"/>
-          </p:cNvCxnSpPr>
-          <p:nvPr/>
-        </p:nvCxnSpPr>
-        <p:spPr>
-          <a:xfrm>
-            <a:off x="5940153" y="1387598"/>
-            <a:ext cx="456395" cy="328191"/>
-          </a:xfrm>
-          <a:prstGeom prst="bentConnector3">
-            <a:avLst>
-              <a:gd name="adj1" fmla="val 50000"/>
-            </a:avLst>
-          </a:prstGeom>
-          <a:ln>
-            <a:tailEnd type="triangle" w="med" len="lg"/>
-          </a:ln>
-        </p:spPr>
-        <p:style>
-          <a:lnRef idx="1">
-            <a:schemeClr val="accent1"/>
-          </a:lnRef>
-          <a:fillRef idx="0">
-            <a:schemeClr val="accent1"/>
-          </a:fillRef>
-          <a:effectRef idx="0">
-            <a:schemeClr val="accent1"/>
-          </a:effectRef>
-          <a:fontRef idx="minor">
-            <a:schemeClr val="tx1"/>
-          </a:fontRef>
-        </p:style>
-      </p:cxnSp>
+              <a:t>模板和场景内的材质属于局部材质，不可以共享。</a:t>
+            </a:r>
+            <a:endParaRPr lang="en-US" altLang="zh-CN" sz="1200" smtClean="0"/>
+          </a:p>
+        </p:txBody>
+      </p:sp>
     </p:spTree>
     <p:extLst>
       <p:ext uri="{BB962C8B-B14F-4D97-AF65-F5344CB8AC3E}">
-        <p14:creationId xmlns:p14="http://schemas.microsoft.com/office/powerpoint/2010/main" val="2364541809"/>
+        <p14:creationId xmlns:p14="http://schemas.microsoft.com/office/powerpoint/2010/main" val="3331215650"/>
       </p:ext>
     </p:extLst>
   </p:cSld>
@@ -10808,20 +14165,12 @@
           <a:lstStyle/>
           <a:p>
             <a:r>
+              <a:rPr lang="zh-CN" altLang="en-US" smtClean="0"/>
+              <a:t>资源结构 </a:t>
+            </a:r>
+            <a:r>
               <a:rPr lang="en-US" altLang="zh-CN" smtClean="0"/>
-              <a:t>WEB – </a:t>
-            </a:r>
-            <a:r>
-              <a:rPr lang="zh-CN" altLang="en-US" smtClean="0"/>
-              <a:t>前台 </a:t>
-            </a:r>
-            <a:r>
-              <a:rPr lang="en-US" altLang="zh-CN" smtClean="0"/>
-              <a:t>– </a:t>
-            </a:r>
-            <a:r>
-              <a:rPr lang="zh-CN" altLang="en-US" smtClean="0"/>
-              <a:t>用户空间</a:t>
+              <a:t>- Model</a:t>
             </a:r>
             <a:endParaRPr lang="zh-CN" altLang="en-US" dirty="0"/>
           </a:p>
@@ -10835,8 +14184,8 @@
         </p:nvSpPr>
         <p:spPr>
           <a:xfrm>
-            <a:off x="1043608" y="1060698"/>
-            <a:ext cx="1008112" cy="216024"/>
+            <a:off x="179512" y="836476"/>
+            <a:ext cx="1800200" cy="216024"/>
           </a:xfrm>
           <a:prstGeom prst="roundRect">
             <a:avLst/>
@@ -10862,14 +14211,14 @@
           <a:p>
             <a:pPr algn="ctr"/>
             <a:r>
-              <a:rPr lang="zh-CN" altLang="en-US" sz="1200"/>
-              <a:t>用户</a:t>
-            </a:r>
-            <a:r>
               <a:rPr lang="zh-CN" altLang="en-US" sz="1200" smtClean="0"/>
-              <a:t>空间</a:t>
-            </a:r>
-            <a:endParaRPr lang="zh-CN" altLang="en-US" sz="1200"/>
+              <a:t>模型</a:t>
+            </a:r>
+            <a:r>
+              <a:rPr lang="en-US" altLang="zh-CN" sz="1200" smtClean="0"/>
+              <a:t>(Model)</a:t>
+            </a:r>
+            <a:endParaRPr lang="zh-CN" altLang="en-US" sz="1200" dirty="0"/>
           </a:p>
         </p:txBody>
       </p:sp>
@@ -10881,7 +14230,7 @@
         </p:nvSpPr>
         <p:spPr>
           <a:xfrm>
-            <a:off x="1979637" y="1445947"/>
+            <a:off x="2842907" y="3031582"/>
             <a:ext cx="1420493" cy="216024"/>
           </a:xfrm>
           <a:prstGeom prst="roundRect">
@@ -10890,13 +14239,13 @@
         </p:spPr>
         <p:style>
           <a:lnRef idx="1">
-            <a:schemeClr val="accent2"/>
+            <a:schemeClr val="accent4"/>
           </a:lnRef>
           <a:fillRef idx="2">
-            <a:schemeClr val="accent2"/>
+            <a:schemeClr val="accent4"/>
           </a:fillRef>
           <a:effectRef idx="1">
-            <a:schemeClr val="accent2"/>
+            <a:schemeClr val="accent4"/>
           </a:effectRef>
           <a:fontRef idx="minor">
             <a:schemeClr val="dk1"/>
@@ -10909,9 +14258,13 @@
             <a:pPr algn="ctr"/>
             <a:r>
               <a:rPr lang="zh-CN" altLang="en-US" sz="1200" smtClean="0"/>
-              <a:t>我的信息</a:t>
-            </a:r>
-            <a:endParaRPr lang="zh-CN" altLang="en-US" sz="1200"/>
+              <a:t>网格</a:t>
+            </a:r>
+            <a:r>
+              <a:rPr lang="en-US" altLang="zh-CN" sz="1200" smtClean="0"/>
+              <a:t>(Mesh)</a:t>
+            </a:r>
+            <a:endParaRPr lang="zh-CN" altLang="en-US" sz="1200" dirty="0"/>
           </a:p>
         </p:txBody>
       </p:sp>
@@ -10920,14 +14273,14 @@
           <p:cNvPr id="34" name="直接连接符 14"/>
           <p:cNvCxnSpPr>
             <a:stCxn id="3" idx="2"/>
-            <a:endCxn id="31" idx="1"/>
+            <a:endCxn id="45" idx="1"/>
           </p:cNvCxnSpPr>
           <p:nvPr/>
         </p:nvCxnSpPr>
         <p:spPr>
           <a:xfrm rot="16200000" flipH="1">
-            <a:off x="1625032" y="1199353"/>
-            <a:ext cx="277237" cy="431973"/>
+            <a:off x="474580" y="1657532"/>
+            <a:ext cx="1678117" cy="468052"/>
           </a:xfrm>
           <a:prstGeom prst="bentConnector2">
             <a:avLst/>
@@ -10953,91 +14306,13 @@
       </p:cxnSp>
       <p:sp>
         <p:nvSpPr>
-          <p:cNvPr id="36" name="圆角矩形 35"/>
-          <p:cNvSpPr/>
-          <p:nvPr/>
-        </p:nvSpPr>
-        <p:spPr>
-          <a:xfrm>
-            <a:off x="1979637" y="2040089"/>
-            <a:ext cx="1420493" cy="216024"/>
-          </a:xfrm>
-          <a:prstGeom prst="roundRect">
-            <a:avLst/>
-          </a:prstGeom>
-        </p:spPr>
-        <p:style>
-          <a:lnRef idx="1">
-            <a:schemeClr val="accent2"/>
-          </a:lnRef>
-          <a:fillRef idx="2">
-            <a:schemeClr val="accent2"/>
-          </a:fillRef>
-          <a:effectRef idx="1">
-            <a:schemeClr val="accent2"/>
-          </a:effectRef>
-          <a:fontRef idx="minor">
-            <a:schemeClr val="dk1"/>
-          </a:fontRef>
-        </p:style>
-        <p:txBody>
-          <a:bodyPr lIns="0" tIns="0" rIns="0" bIns="0" rtlCol="0" anchor="ctr" anchorCtr="1"/>
-          <a:lstStyle/>
-          <a:p>
-            <a:pPr algn="ctr"/>
-            <a:r>
-              <a:rPr lang="zh-CN" altLang="en-US" sz="1200" smtClean="0"/>
-              <a:t>我的项目</a:t>
-            </a:r>
-            <a:endParaRPr lang="zh-CN" altLang="en-US" sz="1200"/>
-          </a:p>
-        </p:txBody>
-      </p:sp>
-      <p:cxnSp>
-        <p:nvCxnSpPr>
-          <p:cNvPr id="38" name="直接连接符 14"/>
-          <p:cNvCxnSpPr>
-            <a:stCxn id="3" idx="2"/>
-            <a:endCxn id="36" idx="1"/>
-          </p:cNvCxnSpPr>
-          <p:nvPr/>
-        </p:nvCxnSpPr>
-        <p:spPr>
-          <a:xfrm rot="16200000" flipH="1">
-            <a:off x="1327961" y="1496424"/>
-            <a:ext cx="871379" cy="431973"/>
-          </a:xfrm>
-          <a:prstGeom prst="bentConnector2">
-            <a:avLst/>
-          </a:prstGeom>
-          <a:ln>
-            <a:tailEnd type="triangle" w="med" len="lg"/>
-          </a:ln>
-        </p:spPr>
-        <p:style>
-          <a:lnRef idx="1">
-            <a:schemeClr val="accent1"/>
-          </a:lnRef>
-          <a:fillRef idx="0">
-            <a:schemeClr val="accent1"/>
-          </a:fillRef>
-          <a:effectRef idx="0">
-            <a:schemeClr val="accent1"/>
-          </a:effectRef>
-          <a:fontRef idx="minor">
-            <a:schemeClr val="tx1"/>
-          </a:fontRef>
-        </p:style>
-      </p:cxnSp>
-      <p:sp>
-        <p:nvSpPr>
           <p:cNvPr id="42" name="圆角矩形 41"/>
           <p:cNvSpPr/>
           <p:nvPr/>
         </p:nvSpPr>
         <p:spPr>
           <a:xfrm>
-            <a:off x="1979637" y="3590522"/>
+            <a:off x="4116015" y="3308113"/>
             <a:ext cx="1420493" cy="216024"/>
           </a:xfrm>
           <a:prstGeom prst="roundRect">
@@ -11046,13 +14321,13 @@
         </p:spPr>
         <p:style>
           <a:lnRef idx="1">
-            <a:schemeClr val="accent6"/>
+            <a:schemeClr val="accent4"/>
           </a:lnRef>
           <a:fillRef idx="2">
-            <a:schemeClr val="accent6"/>
+            <a:schemeClr val="accent4"/>
           </a:fillRef>
           <a:effectRef idx="1">
-            <a:schemeClr val="accent6"/>
+            <a:schemeClr val="accent4"/>
           </a:effectRef>
           <a:fontRef idx="minor">
             <a:schemeClr val="dk1"/>
@@ -11065,9 +14340,13 @@
             <a:pPr algn="ctr"/>
             <a:r>
               <a:rPr lang="zh-CN" altLang="en-US" sz="1200" smtClean="0"/>
-              <a:t>共享空间</a:t>
-            </a:r>
-            <a:endParaRPr lang="zh-CN" altLang="en-US" sz="1200"/>
+              <a:t>数据流</a:t>
+            </a:r>
+            <a:r>
+              <a:rPr lang="en-US" altLang="zh-CN" sz="1200" smtClean="0"/>
+              <a:t>(Stream)</a:t>
+            </a:r>
+            <a:endParaRPr lang="zh-CN" altLang="en-US" sz="1200" dirty="0"/>
           </a:p>
         </p:txBody>
       </p:sp>
@@ -11075,15 +14354,15 @@
         <p:nvCxnSpPr>
           <p:cNvPr id="43" name="直接连接符 14"/>
           <p:cNvCxnSpPr>
-            <a:stCxn id="3" idx="2"/>
+            <a:stCxn id="31" idx="2"/>
             <a:endCxn id="42" idx="1"/>
           </p:cNvCxnSpPr>
           <p:nvPr/>
         </p:nvCxnSpPr>
         <p:spPr>
           <a:xfrm rot="16200000" flipH="1">
-            <a:off x="552744" y="2271641"/>
-            <a:ext cx="2421812" cy="431973"/>
+            <a:off x="3750325" y="3050434"/>
+            <a:ext cx="168519" cy="562861"/>
           </a:xfrm>
           <a:prstGeom prst="bentConnector2">
             <a:avLst/>
@@ -11109,13 +14388,64 @@
       </p:cxnSp>
       <p:sp>
         <p:nvSpPr>
-          <p:cNvPr id="47" name="圆角矩形 46"/>
+          <p:cNvPr id="21" name="内容占位符 2"/>
+          <p:cNvSpPr>
+            <a:spLocks noGrp="1"/>
+          </p:cNvSpPr>
+          <p:nvPr>
+            <p:ph idx="1"/>
+          </p:nvPr>
+        </p:nvSpPr>
+        <p:spPr>
+          <a:xfrm>
+            <a:off x="3347864" y="4013026"/>
+            <a:ext cx="5544616" cy="1186469"/>
+          </a:xfrm>
+        </p:spPr>
+        <p:txBody>
+          <a:bodyPr>
+            <a:noAutofit/>
+          </a:bodyPr>
+          <a:lstStyle/>
+          <a:p>
+            <a:r>
+              <a:rPr lang="zh-CN" altLang="en-US" sz="1200" smtClean="0"/>
+              <a:t>每个模型自动创建一个模板。</a:t>
+            </a:r>
+            <a:endParaRPr lang="en-US" altLang="zh-CN" sz="1200" smtClean="0"/>
+          </a:p>
+          <a:p>
+            <a:r>
+              <a:rPr lang="zh-CN" altLang="en-US" sz="1200" smtClean="0"/>
+              <a:t>模型内只有数据结构，没有空间和材质信息。</a:t>
+            </a:r>
+            <a:endParaRPr lang="en-US" altLang="zh-CN" sz="1200" smtClean="0"/>
+          </a:p>
+          <a:p>
+            <a:r>
+              <a:rPr lang="zh-CN" altLang="en-US" sz="1200" smtClean="0"/>
+              <a:t>模板可以复制，引入其他模板内容。</a:t>
+            </a:r>
+            <a:endParaRPr lang="en-US" altLang="zh-CN" sz="1200" smtClean="0"/>
+          </a:p>
+          <a:p>
+            <a:r>
+              <a:rPr lang="zh-CN" altLang="en-US" sz="1200" smtClean="0"/>
+              <a:t>模板内增加空间和材质信息。</a:t>
+            </a:r>
+            <a:endParaRPr lang="en-US" altLang="zh-CN" sz="1200" smtClean="0"/>
+          </a:p>
+        </p:txBody>
+      </p:sp>
+      <p:sp>
+        <p:nvSpPr>
+          <p:cNvPr id="25" name="圆角矩形 24"/>
           <p:cNvSpPr/>
           <p:nvPr/>
         </p:nvSpPr>
         <p:spPr>
           <a:xfrm>
-            <a:off x="1979636" y="4458648"/>
+            <a:off x="1456232" y="1227096"/>
             <a:ext cx="1420493" cy="216024"/>
           </a:xfrm>
           <a:prstGeom prst="roundRect">
@@ -11142,26 +14472,76 @@
           <a:p>
             <a:pPr algn="ctr"/>
             <a:r>
-              <a:rPr lang="zh-CN" altLang="en-US" sz="1200" smtClean="0"/>
-              <a:t>前往论坛</a:t>
-            </a:r>
-            <a:endParaRPr lang="zh-CN" altLang="en-US" sz="1200"/>
+              <a:rPr lang="zh-CN" altLang="en-US" sz="1200" dirty="0" smtClean="0"/>
+              <a:t>区域</a:t>
+            </a:r>
+            <a:r>
+              <a:rPr lang="en-US" altLang="zh-CN" sz="1200" dirty="0" smtClean="0"/>
+              <a:t>(Region)</a:t>
+            </a:r>
+            <a:endParaRPr lang="zh-CN" altLang="en-US" sz="1200" dirty="0"/>
+          </a:p>
+        </p:txBody>
+      </p:sp>
+      <p:sp>
+        <p:nvSpPr>
+          <p:cNvPr id="26" name="圆角矩形 25"/>
+          <p:cNvSpPr/>
+          <p:nvPr/>
+        </p:nvSpPr>
+        <p:spPr>
+          <a:xfrm>
+            <a:off x="2842909" y="1869480"/>
+            <a:ext cx="1420493" cy="216024"/>
+          </a:xfrm>
+          <a:prstGeom prst="roundRect">
+            <a:avLst/>
+          </a:prstGeom>
+        </p:spPr>
+        <p:style>
+          <a:lnRef idx="1">
+            <a:schemeClr val="accent6"/>
+          </a:lnRef>
+          <a:fillRef idx="2">
+            <a:schemeClr val="accent6"/>
+          </a:fillRef>
+          <a:effectRef idx="1">
+            <a:schemeClr val="accent6"/>
+          </a:effectRef>
+          <a:fontRef idx="minor">
+            <a:schemeClr val="dk1"/>
+          </a:fontRef>
+        </p:style>
+        <p:txBody>
+          <a:bodyPr lIns="0" tIns="0" rIns="0" bIns="0" rtlCol="0" anchor="ctr" anchorCtr="1"/>
+          <a:lstStyle/>
+          <a:p>
+            <a:pPr algn="ctr"/>
+            <a:r>
+              <a:rPr lang="zh-CN" altLang="en-US" sz="1200" dirty="0"/>
+              <a:t>相机</a:t>
+            </a:r>
+            <a:r>
+              <a:rPr lang="en-US" altLang="zh-CN" sz="1200" dirty="0" smtClean="0"/>
+              <a:t>(Camera)</a:t>
+            </a:r>
+            <a:endParaRPr lang="zh-CN" altLang="en-US" sz="1200" dirty="0"/>
           </a:p>
         </p:txBody>
       </p:sp>
       <p:cxnSp>
         <p:nvCxnSpPr>
-          <p:cNvPr id="48" name="直接连接符 14"/>
+          <p:cNvPr id="27" name="直接连接符 14"/>
           <p:cNvCxnSpPr>
-            <a:stCxn id="3" idx="2"/>
-            <a:endCxn id="47" idx="1"/>
+            <a:stCxn id="25" idx="2"/>
+            <a:endCxn id="26" idx="1"/>
           </p:cNvCxnSpPr>
           <p:nvPr/>
         </p:nvCxnSpPr>
         <p:spPr>
           <a:xfrm rot="16200000" flipH="1">
-            <a:off x="118681" y="2705705"/>
-            <a:ext cx="3289938" cy="431972"/>
+            <a:off x="2237508" y="1372091"/>
+            <a:ext cx="534372" cy="676430"/>
           </a:xfrm>
           <a:prstGeom prst="bentConnector2">
             <a:avLst/>
@@ -11187,13 +14567,13 @@
       </p:cxnSp>
       <p:sp>
         <p:nvSpPr>
-          <p:cNvPr id="15" name="圆角矩形 14"/>
+          <p:cNvPr id="28" name="圆角矩形 27"/>
           <p:cNvSpPr/>
           <p:nvPr/>
         </p:nvSpPr>
         <p:spPr>
           <a:xfrm>
-            <a:off x="3707904" y="1725207"/>
+            <a:off x="2842909" y="2206091"/>
             <a:ext cx="1420493" cy="216024"/>
           </a:xfrm>
           <a:prstGeom prst="roundRect">
@@ -11202,13 +14582,13 @@
         </p:spPr>
         <p:style>
           <a:lnRef idx="1">
-            <a:schemeClr val="accent2"/>
+            <a:schemeClr val="accent6"/>
           </a:lnRef>
           <a:fillRef idx="2">
-            <a:schemeClr val="accent2"/>
+            <a:schemeClr val="accent6"/>
           </a:fillRef>
           <a:effectRef idx="1">
-            <a:schemeClr val="accent2"/>
+            <a:schemeClr val="accent6"/>
           </a:effectRef>
           <a:fontRef idx="minor">
             <a:schemeClr val="dk1"/>
@@ -11220,26 +14600,30 @@
           <a:p>
             <a:pPr algn="ctr"/>
             <a:r>
-              <a:rPr lang="zh-CN" altLang="en-US" sz="1200" smtClean="0"/>
-              <a:t>个人信息</a:t>
-            </a:r>
-            <a:endParaRPr lang="zh-CN" altLang="en-US" sz="1200"/>
+              <a:rPr lang="zh-CN" altLang="en-US" sz="1200" dirty="0" smtClean="0"/>
+              <a:t>主光源</a:t>
+            </a:r>
+            <a:r>
+              <a:rPr lang="en-US" altLang="zh-CN" sz="1200" dirty="0" smtClean="0"/>
+              <a:t>(Light)</a:t>
+            </a:r>
+            <a:endParaRPr lang="zh-CN" altLang="en-US" sz="1200" dirty="0"/>
           </a:p>
         </p:txBody>
       </p:sp>
       <p:cxnSp>
         <p:nvCxnSpPr>
-          <p:cNvPr id="16" name="直接连接符 14"/>
+          <p:cNvPr id="32" name="直接连接符 14"/>
           <p:cNvCxnSpPr>
-            <a:stCxn id="31" idx="2"/>
-            <a:endCxn id="15" idx="1"/>
+            <a:stCxn id="25" idx="2"/>
+            <a:endCxn id="28" idx="1"/>
           </p:cNvCxnSpPr>
           <p:nvPr/>
         </p:nvCxnSpPr>
         <p:spPr>
           <a:xfrm rot="16200000" flipH="1">
-            <a:off x="3113270" y="1238585"/>
-            <a:ext cx="171248" cy="1018020"/>
+            <a:off x="2069203" y="1540396"/>
+            <a:ext cx="870983" cy="676430"/>
           </a:xfrm>
           <a:prstGeom prst="bentConnector2">
             <a:avLst/>
@@ -11265,179 +14649,13 @@
       </p:cxnSp>
       <p:sp>
         <p:nvSpPr>
-          <p:cNvPr id="25" name="圆角矩形 24"/>
-          <p:cNvSpPr/>
-          <p:nvPr/>
-        </p:nvSpPr>
-        <p:spPr>
-          <a:xfrm>
-            <a:off x="3707904" y="2300542"/>
-            <a:ext cx="1420493" cy="216024"/>
-          </a:xfrm>
-          <a:prstGeom prst="roundRect">
-            <a:avLst/>
-          </a:prstGeom>
-        </p:spPr>
-        <p:style>
-          <a:lnRef idx="1">
-            <a:schemeClr val="dk1"/>
-          </a:lnRef>
-          <a:fillRef idx="2">
-            <a:schemeClr val="dk1"/>
-          </a:fillRef>
-          <a:effectRef idx="1">
-            <a:schemeClr val="dk1"/>
-          </a:effectRef>
-          <a:fontRef idx="minor">
-            <a:schemeClr val="dk1"/>
-          </a:fontRef>
-        </p:style>
-        <p:txBody>
-          <a:bodyPr lIns="0" tIns="0" rIns="0" bIns="0" rtlCol="0" anchor="ctr" anchorCtr="1"/>
-          <a:lstStyle/>
-          <a:p>
-            <a:pPr algn="ctr"/>
-            <a:r>
-              <a:rPr lang="zh-CN" altLang="en-US" sz="1200" smtClean="0"/>
-              <a:t>项目列表</a:t>
-            </a:r>
-            <a:endParaRPr lang="zh-CN" altLang="en-US" sz="1200"/>
-          </a:p>
-        </p:txBody>
-      </p:sp>
-      <p:cxnSp>
-        <p:nvCxnSpPr>
-          <p:cNvPr id="26" name="直接连接符 14"/>
-          <p:cNvCxnSpPr>
-            <a:stCxn id="36" idx="2"/>
-            <a:endCxn id="25" idx="1"/>
-          </p:cNvCxnSpPr>
-          <p:nvPr/>
-        </p:nvCxnSpPr>
-        <p:spPr>
-          <a:xfrm rot="16200000" flipH="1">
-            <a:off x="3122674" y="1823323"/>
-            <a:ext cx="152441" cy="1018020"/>
-          </a:xfrm>
-          <a:prstGeom prst="bentConnector2">
-            <a:avLst/>
-          </a:prstGeom>
-          <a:ln>
-            <a:tailEnd type="triangle" w="med" len="lg"/>
-          </a:ln>
-        </p:spPr>
-        <p:style>
-          <a:lnRef idx="1">
-            <a:schemeClr val="accent1"/>
-          </a:lnRef>
-          <a:fillRef idx="0">
-            <a:schemeClr val="accent1"/>
-          </a:fillRef>
-          <a:effectRef idx="0">
-            <a:schemeClr val="accent1"/>
-          </a:effectRef>
-          <a:fontRef idx="minor">
-            <a:schemeClr val="tx1"/>
-          </a:fontRef>
-        </p:style>
-      </p:cxnSp>
-      <p:sp>
-        <p:nvSpPr>
-          <p:cNvPr id="30" name="圆角矩形 29"/>
-          <p:cNvSpPr/>
-          <p:nvPr/>
-        </p:nvSpPr>
-        <p:spPr>
-          <a:xfrm>
-            <a:off x="3707904" y="2620000"/>
-            <a:ext cx="1420493" cy="216024"/>
-          </a:xfrm>
-          <a:prstGeom prst="roundRect">
-            <a:avLst/>
-          </a:prstGeom>
-        </p:spPr>
-        <p:style>
-          <a:lnRef idx="1">
-            <a:schemeClr val="accent2"/>
-          </a:lnRef>
-          <a:fillRef idx="2">
-            <a:schemeClr val="accent2"/>
-          </a:fillRef>
-          <a:effectRef idx="1">
-            <a:schemeClr val="accent2"/>
-          </a:effectRef>
-          <a:fontRef idx="minor">
-            <a:schemeClr val="dk1"/>
-          </a:fontRef>
-        </p:style>
-        <p:txBody>
-          <a:bodyPr lIns="0" tIns="0" rIns="0" bIns="0" rtlCol="0" anchor="ctr" anchorCtr="1"/>
-          <a:lstStyle/>
-          <a:p>
-            <a:pPr algn="ctr"/>
-            <a:r>
-              <a:rPr lang="zh-CN" altLang="en-US" sz="1200"/>
-              <a:t>资源</a:t>
-            </a:r>
-            <a:r>
-              <a:rPr lang="zh-CN" altLang="en-US" sz="1200" smtClean="0"/>
-              <a:t>列表</a:t>
-            </a:r>
-            <a:endParaRPr lang="zh-CN" altLang="en-US" sz="1200"/>
-          </a:p>
-        </p:txBody>
-      </p:sp>
-      <p:sp>
-        <p:nvSpPr>
-          <p:cNvPr id="32" name="圆角矩形 31"/>
-          <p:cNvSpPr/>
-          <p:nvPr/>
-        </p:nvSpPr>
-        <p:spPr>
-          <a:xfrm>
-            <a:off x="3707904" y="2947821"/>
-            <a:ext cx="1420493" cy="216024"/>
-          </a:xfrm>
-          <a:prstGeom prst="roundRect">
-            <a:avLst/>
-          </a:prstGeom>
-        </p:spPr>
-        <p:style>
-          <a:lnRef idx="1">
-            <a:schemeClr val="dk1"/>
-          </a:lnRef>
-          <a:fillRef idx="2">
-            <a:schemeClr val="dk1"/>
-          </a:fillRef>
-          <a:effectRef idx="1">
-            <a:schemeClr val="dk1"/>
-          </a:effectRef>
-          <a:fontRef idx="minor">
-            <a:schemeClr val="dk1"/>
-          </a:fontRef>
-        </p:style>
-        <p:txBody>
-          <a:bodyPr lIns="0" tIns="0" rIns="0" bIns="0" rtlCol="0" anchor="ctr" anchorCtr="1"/>
-          <a:lstStyle/>
-          <a:p>
-            <a:pPr algn="ctr"/>
-            <a:r>
-              <a:rPr lang="zh-CN" altLang="en-US" sz="1200" smtClean="0"/>
-              <a:t>发布列表</a:t>
-            </a:r>
-            <a:endParaRPr lang="zh-CN" altLang="en-US" sz="1200"/>
-          </a:p>
-        </p:txBody>
-      </p:sp>
-      <p:sp>
-        <p:nvSpPr>
           <p:cNvPr id="33" name="圆角矩形 32"/>
           <p:cNvSpPr/>
           <p:nvPr/>
         </p:nvSpPr>
         <p:spPr>
           <a:xfrm>
-            <a:off x="3707904" y="3275641"/>
+            <a:off x="2842908" y="1527153"/>
             <a:ext cx="1420493" cy="216024"/>
           </a:xfrm>
           <a:prstGeom prst="roundRect">
@@ -11446,16 +14664,16 @@
         </p:spPr>
         <p:style>
           <a:lnRef idx="1">
+            <a:schemeClr val="accent6"/>
+          </a:lnRef>
+          <a:fillRef idx="2">
+            <a:schemeClr val="accent6"/>
+          </a:fillRef>
+          <a:effectRef idx="1">
+            <a:schemeClr val="accent6"/>
+          </a:effectRef>
+          <a:fontRef idx="minor">
             <a:schemeClr val="dk1"/>
-          </a:lnRef>
-          <a:fillRef idx="2">
-            <a:schemeClr val="dk1"/>
-          </a:fillRef>
-          <a:effectRef idx="1">
-            <a:schemeClr val="dk1"/>
-          </a:effectRef>
-          <a:fontRef idx="minor">
-            <a:schemeClr val="dk1"/>
           </a:fontRef>
         </p:style>
         <p:txBody>
@@ -11464,14 +14682,14 @@
           <a:p>
             <a:pPr algn="ctr"/>
             <a:r>
-              <a:rPr lang="zh-CN" altLang="en-US" sz="1200"/>
-              <a:t>团队</a:t>
-            </a:r>
-            <a:r>
               <a:rPr lang="zh-CN" altLang="en-US" sz="1200" smtClean="0"/>
-              <a:t>列表</a:t>
-            </a:r>
-            <a:endParaRPr lang="zh-CN" altLang="en-US" sz="1200"/>
+              <a:t>材质</a:t>
+            </a:r>
+            <a:r>
+              <a:rPr lang="en-US" altLang="zh-CN" sz="1200" smtClean="0"/>
+              <a:t>(Material)</a:t>
+            </a:r>
+            <a:endParaRPr lang="zh-CN" altLang="en-US" sz="1200" dirty="0"/>
           </a:p>
         </p:txBody>
       </p:sp>
@@ -11479,15 +14697,15 @@
         <p:nvCxnSpPr>
           <p:cNvPr id="35" name="直接连接符 14"/>
           <p:cNvCxnSpPr>
-            <a:stCxn id="36" idx="2"/>
-            <a:endCxn id="30" idx="1"/>
+            <a:stCxn id="25" idx="2"/>
+            <a:endCxn id="33" idx="1"/>
           </p:cNvCxnSpPr>
           <p:nvPr/>
         </p:nvCxnSpPr>
         <p:spPr>
           <a:xfrm rot="16200000" flipH="1">
-            <a:off x="2962945" y="1983052"/>
-            <a:ext cx="471899" cy="1018020"/>
+            <a:off x="2408671" y="1200927"/>
+            <a:ext cx="192045" cy="676429"/>
           </a:xfrm>
           <a:prstGeom prst="bentConnector2">
             <a:avLst/>
@@ -11513,17 +14731,17 @@
       </p:cxnSp>
       <p:cxnSp>
         <p:nvCxnSpPr>
-          <p:cNvPr id="37" name="直接连接符 14"/>
+          <p:cNvPr id="36" name="直接连接符 14"/>
           <p:cNvCxnSpPr>
-            <a:stCxn id="36" idx="2"/>
-            <a:endCxn id="32" idx="1"/>
+            <a:stCxn id="3" idx="2"/>
+            <a:endCxn id="25" idx="1"/>
           </p:cNvCxnSpPr>
           <p:nvPr/>
         </p:nvCxnSpPr>
         <p:spPr>
           <a:xfrm rot="16200000" flipH="1">
-            <a:off x="2799034" y="2146963"/>
-            <a:ext cx="799720" cy="1018020"/>
+            <a:off x="1126618" y="1005494"/>
+            <a:ext cx="282608" cy="376620"/>
           </a:xfrm>
           <a:prstGeom prst="bentConnector2">
             <a:avLst/>
@@ -11547,42 +14765,6 @@
           </a:fontRef>
         </p:style>
       </p:cxnSp>
-      <p:cxnSp>
-        <p:nvCxnSpPr>
-          <p:cNvPr id="40" name="直接连接符 14"/>
-          <p:cNvCxnSpPr>
-            <a:stCxn id="36" idx="2"/>
-            <a:endCxn id="33" idx="1"/>
-          </p:cNvCxnSpPr>
-          <p:nvPr/>
-        </p:nvCxnSpPr>
-        <p:spPr>
-          <a:xfrm rot="16200000" flipH="1">
-            <a:off x="2635124" y="2310873"/>
-            <a:ext cx="1127540" cy="1018020"/>
-          </a:xfrm>
-          <a:prstGeom prst="bentConnector2">
-            <a:avLst/>
-          </a:prstGeom>
-          <a:ln>
-            <a:tailEnd type="triangle" w="med" len="lg"/>
-          </a:ln>
-        </p:spPr>
-        <p:style>
-          <a:lnRef idx="1">
-            <a:schemeClr val="accent1"/>
-          </a:lnRef>
-          <a:fillRef idx="0">
-            <a:schemeClr val="accent1"/>
-          </a:fillRef>
-          <a:effectRef idx="0">
-            <a:schemeClr val="accent1"/>
-          </a:effectRef>
-          <a:fontRef idx="minor">
-            <a:schemeClr val="tx1"/>
-          </a:fontRef>
-        </p:style>
-      </p:cxnSp>
       <p:sp>
         <p:nvSpPr>
           <p:cNvPr id="45" name="圆角矩形 44"/>
@@ -11591,8 +14773,8 @@
         </p:nvSpPr>
         <p:spPr>
           <a:xfrm>
-            <a:off x="5652120" y="2620000"/>
-            <a:ext cx="1420493" cy="216024"/>
+            <a:off x="1547664" y="2622605"/>
+            <a:ext cx="1656184" cy="216024"/>
           </a:xfrm>
           <a:prstGeom prst="roundRect">
             <a:avLst/>
@@ -11600,13 +14782,13 @@
         </p:spPr>
         <p:style>
           <a:lnRef idx="1">
-            <a:schemeClr val="accent2"/>
+            <a:schemeClr val="accent4"/>
           </a:lnRef>
           <a:fillRef idx="2">
-            <a:schemeClr val="accent2"/>
+            <a:schemeClr val="accent4"/>
           </a:fillRef>
           <a:effectRef idx="1">
-            <a:schemeClr val="accent2"/>
+            <a:schemeClr val="accent4"/>
           </a:effectRef>
           <a:fontRef idx="minor">
             <a:schemeClr val="dk1"/>
@@ -11618,14 +14800,14 @@
           <a:p>
             <a:pPr algn="ctr"/>
             <a:r>
-              <a:rPr lang="zh-CN" altLang="en-US" sz="1200"/>
-              <a:t>上传</a:t>
-            </a:r>
-            <a:r>
               <a:rPr lang="zh-CN" altLang="en-US" sz="1200" smtClean="0"/>
-              <a:t>资源</a:t>
-            </a:r>
-            <a:endParaRPr lang="zh-CN" altLang="en-US" sz="1200"/>
+              <a:t>模型显示</a:t>
+            </a:r>
+            <a:r>
+              <a:rPr lang="en-US" altLang="zh-CN" sz="1200" smtClean="0"/>
+              <a:t>(ModelDisplay)</a:t>
+            </a:r>
+            <a:endParaRPr lang="zh-CN" altLang="en-US" sz="1200" dirty="0"/>
           </a:p>
         </p:txBody>
       </p:sp>
@@ -11633,171 +14815,15 @@
         <p:nvCxnSpPr>
           <p:cNvPr id="46" name="直接连接符 14"/>
           <p:cNvCxnSpPr>
-            <a:stCxn id="30" idx="3"/>
-            <a:endCxn id="45" idx="1"/>
+            <a:stCxn id="45" idx="2"/>
+            <a:endCxn id="31" idx="1"/>
           </p:cNvCxnSpPr>
           <p:nvPr/>
         </p:nvCxnSpPr>
         <p:spPr>
-          <a:xfrm>
-            <a:off x="5128397" y="2728012"/>
-            <a:ext cx="523723" cy="0"/>
-          </a:xfrm>
-          <a:prstGeom prst="straightConnector1">
-            <a:avLst/>
-          </a:prstGeom>
-          <a:ln>
-            <a:tailEnd type="triangle" w="med" len="lg"/>
-          </a:ln>
-        </p:spPr>
-        <p:style>
-          <a:lnRef idx="1">
-            <a:schemeClr val="accent1"/>
-          </a:lnRef>
-          <a:fillRef idx="0">
-            <a:schemeClr val="accent1"/>
-          </a:fillRef>
-          <a:effectRef idx="0">
-            <a:schemeClr val="accent1"/>
-          </a:effectRef>
-          <a:fontRef idx="minor">
-            <a:schemeClr val="tx1"/>
-          </a:fontRef>
-        </p:style>
-      </p:cxnSp>
-      <p:sp>
-        <p:nvSpPr>
-          <p:cNvPr id="74" name="圆角矩形 73"/>
-          <p:cNvSpPr/>
-          <p:nvPr/>
-        </p:nvSpPr>
-        <p:spPr>
-          <a:xfrm>
-            <a:off x="3707904" y="3869010"/>
-            <a:ext cx="1420493" cy="216024"/>
-          </a:xfrm>
-          <a:prstGeom prst="roundRect">
-            <a:avLst/>
-          </a:prstGeom>
-        </p:spPr>
-        <p:style>
-          <a:lnRef idx="1">
-            <a:schemeClr val="dk1"/>
-          </a:lnRef>
-          <a:fillRef idx="2">
-            <a:schemeClr val="dk1"/>
-          </a:fillRef>
-          <a:effectRef idx="1">
-            <a:schemeClr val="dk1"/>
-          </a:effectRef>
-          <a:fontRef idx="minor">
-            <a:schemeClr val="dk1"/>
-          </a:fontRef>
-        </p:style>
-        <p:txBody>
-          <a:bodyPr lIns="0" tIns="0" rIns="0" bIns="0" rtlCol="0" anchor="ctr" anchorCtr="1"/>
-          <a:lstStyle/>
-          <a:p>
-            <a:pPr algn="ctr"/>
-            <a:r>
-              <a:rPr lang="zh-CN" altLang="en-US" sz="1200" smtClean="0"/>
-              <a:t>项目列表</a:t>
-            </a:r>
-            <a:endParaRPr lang="zh-CN" altLang="en-US" sz="1200"/>
-          </a:p>
-        </p:txBody>
-      </p:sp>
-      <p:cxnSp>
-        <p:nvCxnSpPr>
-          <p:cNvPr id="75" name="直接连接符 14"/>
-          <p:cNvCxnSpPr>
-            <a:stCxn id="42" idx="2"/>
-            <a:endCxn id="74" idx="1"/>
-          </p:cNvCxnSpPr>
-          <p:nvPr/>
-        </p:nvCxnSpPr>
-        <p:spPr>
           <a:xfrm rot="16200000" flipH="1">
-            <a:off x="3113656" y="3382774"/>
-            <a:ext cx="170476" cy="1018020"/>
-          </a:xfrm>
-          <a:prstGeom prst="bentConnector2">
-            <a:avLst/>
-          </a:prstGeom>
-          <a:ln>
-            <a:tailEnd type="triangle" w="med" len="lg"/>
-          </a:ln>
-        </p:spPr>
-        <p:style>
-          <a:lnRef idx="1">
-            <a:schemeClr val="accent1"/>
-          </a:lnRef>
-          <a:fillRef idx="0">
-            <a:schemeClr val="accent1"/>
-          </a:fillRef>
-          <a:effectRef idx="0">
-            <a:schemeClr val="accent1"/>
-          </a:effectRef>
-          <a:fontRef idx="minor">
-            <a:schemeClr val="tx1"/>
-          </a:fontRef>
-        </p:style>
-      </p:cxnSp>
-      <p:sp>
-        <p:nvSpPr>
-          <p:cNvPr id="81" name="圆角矩形 80"/>
-          <p:cNvSpPr/>
-          <p:nvPr/>
-        </p:nvSpPr>
-        <p:spPr>
-          <a:xfrm>
-            <a:off x="3707904" y="4193047"/>
-            <a:ext cx="1420493" cy="216024"/>
-          </a:xfrm>
-          <a:prstGeom prst="roundRect">
-            <a:avLst/>
-          </a:prstGeom>
-        </p:spPr>
-        <p:style>
-          <a:lnRef idx="1">
-            <a:schemeClr val="accent6"/>
-          </a:lnRef>
-          <a:fillRef idx="2">
-            <a:schemeClr val="accent6"/>
-          </a:fillRef>
-          <a:effectRef idx="1">
-            <a:schemeClr val="accent6"/>
-          </a:effectRef>
-          <a:fontRef idx="minor">
-            <a:schemeClr val="dk1"/>
-          </a:fontRef>
-        </p:style>
-        <p:txBody>
-          <a:bodyPr lIns="0" tIns="0" rIns="0" bIns="0" rtlCol="0" anchor="ctr" anchorCtr="1"/>
-          <a:lstStyle/>
-          <a:p>
-            <a:pPr algn="ctr"/>
-            <a:r>
-              <a:rPr lang="zh-CN" altLang="en-US" sz="1200" smtClean="0"/>
-              <a:t>资源列表</a:t>
-            </a:r>
-            <a:endParaRPr lang="zh-CN" altLang="en-US" sz="1200"/>
-          </a:p>
-        </p:txBody>
-      </p:sp>
-      <p:cxnSp>
-        <p:nvCxnSpPr>
-          <p:cNvPr id="82" name="直接连接符 14"/>
-          <p:cNvCxnSpPr>
-            <a:stCxn id="42" idx="2"/>
-            <a:endCxn id="81" idx="1"/>
-          </p:cNvCxnSpPr>
-          <p:nvPr/>
-        </p:nvCxnSpPr>
-        <p:spPr>
-          <a:xfrm rot="16200000" flipH="1">
-            <a:off x="2951638" y="3544792"/>
-            <a:ext cx="494513" cy="1018020"/>
+            <a:off x="2458849" y="2755535"/>
+            <a:ext cx="300965" cy="467151"/>
           </a:xfrm>
           <a:prstGeom prst="bentConnector2">
             <a:avLst/>
@@ -11824,7 +14850,7 @@
     </p:spTree>
     <p:extLst>
       <p:ext uri="{BB962C8B-B14F-4D97-AF65-F5344CB8AC3E}">
-        <p14:creationId xmlns:p14="http://schemas.microsoft.com/office/powerpoint/2010/main" val="1279786755"/>
+        <p14:creationId xmlns:p14="http://schemas.microsoft.com/office/powerpoint/2010/main" val="946105694"/>
       </p:ext>
     </p:extLst>
   </p:cSld>

--- a/document/计划-1-三维资源平台.pptx
+++ b/document/计划-1-三维资源平台.pptx
@@ -5,10 +5,10 @@
     <p:sldMasterId id="2147483648" r:id="rId1"/>
   </p:sldMasterIdLst>
   <p:notesMasterIdLst>
-    <p:notesMasterId r:id="rId18"/>
+    <p:notesMasterId r:id="rId19"/>
   </p:notesMasterIdLst>
   <p:handoutMasterIdLst>
-    <p:handoutMasterId r:id="rId19"/>
+    <p:handoutMasterId r:id="rId20"/>
   </p:handoutMasterIdLst>
   <p:sldIdLst>
     <p:sldId id="256" r:id="rId2"/>
@@ -20,13 +20,14 @@
     <p:sldId id="457" r:id="rId8"/>
     <p:sldId id="459" r:id="rId9"/>
     <p:sldId id="461" r:id="rId10"/>
-    <p:sldId id="460" r:id="rId11"/>
-    <p:sldId id="462" r:id="rId12"/>
-    <p:sldId id="453" r:id="rId13"/>
-    <p:sldId id="452" r:id="rId14"/>
-    <p:sldId id="456" r:id="rId15"/>
-    <p:sldId id="436" r:id="rId16"/>
-    <p:sldId id="426" r:id="rId17"/>
+    <p:sldId id="463" r:id="rId11"/>
+    <p:sldId id="460" r:id="rId12"/>
+    <p:sldId id="462" r:id="rId13"/>
+    <p:sldId id="453" r:id="rId14"/>
+    <p:sldId id="452" r:id="rId15"/>
+    <p:sldId id="456" r:id="rId16"/>
+    <p:sldId id="436" r:id="rId17"/>
+    <p:sldId id="426" r:id="rId18"/>
   </p:sldIdLst>
   <p:sldSz cx="9144000" cy="5865813"/>
   <p:notesSz cx="6858000" cy="9144000"/>
@@ -3950,7 +3951,7 @@
             </a:r>
             <a:r>
               <a:rPr lang="en-US" altLang="zh-CN" smtClean="0"/>
-              <a:t>- Template</a:t>
+              <a:t>- Model</a:t>
             </a:r>
             <a:endParaRPr lang="zh-CN" altLang="en-US" dirty="0"/>
           </a:p>
@@ -3964,8 +3965,8 @@
         </p:nvSpPr>
         <p:spPr>
           <a:xfrm>
-            <a:off x="395536" y="836476"/>
-            <a:ext cx="1368152" cy="216024"/>
+            <a:off x="179512" y="836476"/>
+            <a:ext cx="1800200" cy="216024"/>
           </a:xfrm>
           <a:prstGeom prst="roundRect">
             <a:avLst/>
@@ -3992,11 +3993,11 @@
             <a:pPr algn="ctr"/>
             <a:r>
               <a:rPr lang="zh-CN" altLang="en-US" sz="1200" smtClean="0"/>
-              <a:t>模板</a:t>
+              <a:t>模型</a:t>
             </a:r>
             <a:r>
               <a:rPr lang="en-US" altLang="zh-CN" sz="1200" smtClean="0"/>
-              <a:t>(Template)</a:t>
+              <a:t>(Model)</a:t>
             </a:r>
             <a:endParaRPr lang="zh-CN" altLang="en-US" sz="1200" dirty="0"/>
           </a:p>
@@ -4004,13 +4005,64 @@
       </p:sp>
       <p:sp>
         <p:nvSpPr>
-          <p:cNvPr id="31" name="圆角矩形 30"/>
+          <p:cNvPr id="21" name="内容占位符 2"/>
+          <p:cNvSpPr>
+            <a:spLocks noGrp="1"/>
+          </p:cNvSpPr>
+          <p:nvPr>
+            <p:ph idx="1"/>
+          </p:nvPr>
+        </p:nvSpPr>
+        <p:spPr>
+          <a:xfrm>
+            <a:off x="3347864" y="4013026"/>
+            <a:ext cx="5544616" cy="1186469"/>
+          </a:xfrm>
+        </p:spPr>
+        <p:txBody>
+          <a:bodyPr>
+            <a:noAutofit/>
+          </a:bodyPr>
+          <a:lstStyle/>
+          <a:p>
+            <a:r>
+              <a:rPr lang="zh-CN" altLang="en-US" sz="1200" smtClean="0"/>
+              <a:t>每个模型自动创建一个模板。</a:t>
+            </a:r>
+            <a:endParaRPr lang="en-US" altLang="zh-CN" sz="1200" smtClean="0"/>
+          </a:p>
+          <a:p>
+            <a:r>
+              <a:rPr lang="zh-CN" altLang="en-US" sz="1200" smtClean="0"/>
+              <a:t>模型内只有数据结构，没有空间和材质信息。</a:t>
+            </a:r>
+            <a:endParaRPr lang="en-US" altLang="zh-CN" sz="1200" smtClean="0"/>
+          </a:p>
+          <a:p>
+            <a:r>
+              <a:rPr lang="zh-CN" altLang="en-US" sz="1200" smtClean="0"/>
+              <a:t>模板可以复制，引入其他模板内容。</a:t>
+            </a:r>
+            <a:endParaRPr lang="en-US" altLang="zh-CN" sz="1200" smtClean="0"/>
+          </a:p>
+          <a:p>
+            <a:r>
+              <a:rPr lang="zh-CN" altLang="en-US" sz="1200" smtClean="0"/>
+              <a:t>模板内增加空间和材质信息。</a:t>
+            </a:r>
+            <a:endParaRPr lang="en-US" altLang="zh-CN" sz="1200" smtClean="0"/>
+          </a:p>
+        </p:txBody>
+      </p:sp>
+      <p:sp>
+        <p:nvSpPr>
+          <p:cNvPr id="25" name="圆角矩形 24"/>
           <p:cNvSpPr/>
           <p:nvPr/>
         </p:nvSpPr>
         <p:spPr>
           <a:xfrm>
-            <a:off x="1489024" y="3070406"/>
+            <a:off x="1456232" y="1227096"/>
             <a:ext cx="1420493" cy="216024"/>
           </a:xfrm>
           <a:prstGeom prst="roundRect">
@@ -4019,13 +4071,13 @@
         </p:spPr>
         <p:style>
           <a:lnRef idx="1">
-            <a:schemeClr val="accent4"/>
+            <a:schemeClr val="accent6"/>
           </a:lnRef>
           <a:fillRef idx="2">
-            <a:schemeClr val="accent4"/>
+            <a:schemeClr val="accent6"/>
           </a:fillRef>
           <a:effectRef idx="1">
-            <a:schemeClr val="accent4"/>
+            <a:schemeClr val="accent6"/>
           </a:effectRef>
           <a:fontRef idx="minor">
             <a:schemeClr val="dk1"/>
@@ -4037,12 +4089,58 @@
           <a:p>
             <a:pPr algn="ctr"/>
             <a:r>
+              <a:rPr lang="zh-CN" altLang="en-US" sz="1200"/>
+              <a:t>骨骼</a:t>
+            </a:r>
+            <a:r>
+              <a:rPr lang="en-US" altLang="zh-CN" sz="1200" smtClean="0"/>
+              <a:t>(Skeleton)</a:t>
+            </a:r>
+            <a:endParaRPr lang="zh-CN" altLang="en-US" sz="1200" dirty="0"/>
+          </a:p>
+        </p:txBody>
+      </p:sp>
+      <p:sp>
+        <p:nvSpPr>
+          <p:cNvPr id="33" name="圆角矩形 32"/>
+          <p:cNvSpPr/>
+          <p:nvPr/>
+        </p:nvSpPr>
+        <p:spPr>
+          <a:xfrm>
+            <a:off x="2876725" y="2572866"/>
+            <a:ext cx="1420493" cy="216024"/>
+          </a:xfrm>
+          <a:prstGeom prst="roundRect">
+            <a:avLst/>
+          </a:prstGeom>
+        </p:spPr>
+        <p:style>
+          <a:lnRef idx="1">
+            <a:schemeClr val="accent6"/>
+          </a:lnRef>
+          <a:fillRef idx="2">
+            <a:schemeClr val="accent6"/>
+          </a:fillRef>
+          <a:effectRef idx="1">
+            <a:schemeClr val="accent6"/>
+          </a:effectRef>
+          <a:fontRef idx="minor">
+            <a:schemeClr val="dk1"/>
+          </a:fontRef>
+        </p:style>
+        <p:txBody>
+          <a:bodyPr lIns="0" tIns="0" rIns="0" bIns="0" rtlCol="0" anchor="ctr" anchorCtr="1"/>
+          <a:lstStyle/>
+          <a:p>
+            <a:pPr algn="ctr"/>
+            <a:r>
               <a:rPr lang="zh-CN" altLang="en-US" sz="1200" smtClean="0"/>
-              <a:t>显示层</a:t>
+              <a:t>动画</a:t>
             </a:r>
             <a:r>
               <a:rPr lang="en-US" altLang="zh-CN" sz="1200" smtClean="0"/>
-              <a:t>(DisplayLayer)</a:t>
+              <a:t>(Animation)</a:t>
             </a:r>
             <a:endParaRPr lang="zh-CN" altLang="en-US" sz="1200" dirty="0"/>
           </a:p>
@@ -4050,17 +4148,17 @@
       </p:sp>
       <p:cxnSp>
         <p:nvCxnSpPr>
-          <p:cNvPr id="34" name="直接连接符 14"/>
+          <p:cNvPr id="35" name="直接连接符 14"/>
           <p:cNvCxnSpPr>
-            <a:stCxn id="3" idx="2"/>
-            <a:endCxn id="31" idx="1"/>
+            <a:stCxn id="25" idx="2"/>
+            <a:endCxn id="33" idx="1"/>
           </p:cNvCxnSpPr>
           <p:nvPr/>
         </p:nvCxnSpPr>
         <p:spPr>
           <a:xfrm rot="16200000" flipH="1">
-            <a:off x="221359" y="1910753"/>
-            <a:ext cx="2125918" cy="409412"/>
+            <a:off x="1902723" y="1706876"/>
+            <a:ext cx="1237758" cy="710246"/>
           </a:xfrm>
           <a:prstGeom prst="bentConnector2">
             <a:avLst/>
@@ -4086,17 +4184,17 @@
       </p:cxnSp>
       <p:cxnSp>
         <p:nvCxnSpPr>
-          <p:cNvPr id="43" name="直接连接符 14"/>
+          <p:cNvPr id="36" name="直接连接符 14"/>
           <p:cNvCxnSpPr>
-            <a:stCxn id="41" idx="2"/>
-            <a:endCxn id="19" idx="1"/>
+            <a:stCxn id="3" idx="2"/>
+            <a:endCxn id="25" idx="1"/>
           </p:cNvCxnSpPr>
           <p:nvPr/>
         </p:nvCxnSpPr>
         <p:spPr>
           <a:xfrm rot="16200000" flipH="1">
-            <a:off x="3667060" y="3545831"/>
-            <a:ext cx="284932" cy="514789"/>
+            <a:off x="1126618" y="1005494"/>
+            <a:ext cx="282608" cy="376620"/>
           </a:xfrm>
           <a:prstGeom prst="bentConnector2">
             <a:avLst/>
@@ -4122,13 +4220,13 @@
       </p:cxnSp>
       <p:sp>
         <p:nvSpPr>
-          <p:cNvPr id="107" name="圆角矩形 106"/>
+          <p:cNvPr id="20" name="圆角矩形 19"/>
           <p:cNvSpPr/>
           <p:nvPr/>
         </p:nvSpPr>
         <p:spPr>
           <a:xfrm>
-            <a:off x="1456232" y="1227096"/>
+            <a:off x="4101761" y="2854617"/>
             <a:ext cx="1420493" cy="216024"/>
           </a:xfrm>
           <a:prstGeom prst="roundRect">
@@ -4155,12 +4253,12 @@
           <a:p>
             <a:pPr algn="ctr"/>
             <a:r>
-              <a:rPr lang="zh-CN" altLang="en-US" sz="1200" dirty="0" smtClean="0"/>
-              <a:t>区域</a:t>
-            </a:r>
-            <a:r>
-              <a:rPr lang="en-US" altLang="zh-CN" sz="1200" dirty="0" smtClean="0"/>
-              <a:t>(Region)</a:t>
+              <a:rPr lang="zh-CN" altLang="en-US" sz="1200" smtClean="0"/>
+              <a:t>轨迹</a:t>
+            </a:r>
+            <a:r>
+              <a:rPr lang="en-US" altLang="zh-CN" sz="1200" smtClean="0"/>
+              <a:t>(Track)</a:t>
             </a:r>
             <a:endParaRPr lang="zh-CN" altLang="en-US" sz="1200" dirty="0"/>
           </a:p>
@@ -4168,17 +4266,17 @@
       </p:sp>
       <p:cxnSp>
         <p:nvCxnSpPr>
-          <p:cNvPr id="108" name="直接连接符 14"/>
+          <p:cNvPr id="22" name="直接连接符 14"/>
           <p:cNvCxnSpPr>
-            <a:stCxn id="3" idx="2"/>
-            <a:endCxn id="107" idx="1"/>
+            <a:stCxn id="33" idx="2"/>
+            <a:endCxn id="20" idx="1"/>
           </p:cNvCxnSpPr>
           <p:nvPr/>
         </p:nvCxnSpPr>
         <p:spPr>
           <a:xfrm rot="16200000" flipH="1">
-            <a:off x="1126618" y="1005494"/>
-            <a:ext cx="282608" cy="376620"/>
+            <a:off x="3757497" y="2618364"/>
+            <a:ext cx="173739" cy="514789"/>
           </a:xfrm>
           <a:prstGeom prst="bentConnector2">
             <a:avLst/>
@@ -4204,177 +4302,13 @@
       </p:cxnSp>
       <p:sp>
         <p:nvSpPr>
-          <p:cNvPr id="113" name="圆角矩形 112"/>
-          <p:cNvSpPr/>
-          <p:nvPr/>
-        </p:nvSpPr>
-        <p:spPr>
-          <a:xfrm>
-            <a:off x="2842909" y="1869480"/>
-            <a:ext cx="1420493" cy="216024"/>
-          </a:xfrm>
-          <a:prstGeom prst="roundRect">
-            <a:avLst/>
-          </a:prstGeom>
-        </p:spPr>
-        <p:style>
-          <a:lnRef idx="1">
-            <a:schemeClr val="accent6"/>
-          </a:lnRef>
-          <a:fillRef idx="2">
-            <a:schemeClr val="accent6"/>
-          </a:fillRef>
-          <a:effectRef idx="1">
-            <a:schemeClr val="accent6"/>
-          </a:effectRef>
-          <a:fontRef idx="minor">
-            <a:schemeClr val="dk1"/>
-          </a:fontRef>
-        </p:style>
-        <p:txBody>
-          <a:bodyPr lIns="0" tIns="0" rIns="0" bIns="0" rtlCol="0" anchor="ctr" anchorCtr="1"/>
-          <a:lstStyle/>
-          <a:p>
-            <a:pPr algn="ctr"/>
-            <a:r>
-              <a:rPr lang="zh-CN" altLang="en-US" sz="1200" dirty="0"/>
-              <a:t>相机</a:t>
-            </a:r>
-            <a:r>
-              <a:rPr lang="en-US" altLang="zh-CN" sz="1200" dirty="0" smtClean="0"/>
-              <a:t>(Camera)</a:t>
-            </a:r>
-            <a:endParaRPr lang="zh-CN" altLang="en-US" sz="1200" dirty="0"/>
-          </a:p>
-        </p:txBody>
-      </p:sp>
-      <p:cxnSp>
-        <p:nvCxnSpPr>
-          <p:cNvPr id="114" name="直接连接符 14"/>
-          <p:cNvCxnSpPr>
-            <a:stCxn id="107" idx="2"/>
-            <a:endCxn id="113" idx="1"/>
-          </p:cNvCxnSpPr>
-          <p:nvPr/>
-        </p:nvCxnSpPr>
-        <p:spPr>
-          <a:xfrm rot="16200000" flipH="1">
-            <a:off x="2237508" y="1372091"/>
-            <a:ext cx="534372" cy="676430"/>
-          </a:xfrm>
-          <a:prstGeom prst="bentConnector2">
-            <a:avLst/>
-          </a:prstGeom>
-          <a:ln>
-            <a:tailEnd type="triangle" w="med" len="lg"/>
-          </a:ln>
-        </p:spPr>
-        <p:style>
-          <a:lnRef idx="1">
-            <a:schemeClr val="accent1"/>
-          </a:lnRef>
-          <a:fillRef idx="0">
-            <a:schemeClr val="accent1"/>
-          </a:fillRef>
-          <a:effectRef idx="0">
-            <a:schemeClr val="accent1"/>
-          </a:effectRef>
-          <a:fontRef idx="minor">
-            <a:schemeClr val="tx1"/>
-          </a:fontRef>
-        </p:style>
-      </p:cxnSp>
-      <p:sp>
-        <p:nvSpPr>
-          <p:cNvPr id="121" name="圆角矩形 120"/>
-          <p:cNvSpPr/>
-          <p:nvPr/>
-        </p:nvSpPr>
-        <p:spPr>
-          <a:xfrm>
-            <a:off x="2842909" y="2206091"/>
-            <a:ext cx="1420493" cy="216024"/>
-          </a:xfrm>
-          <a:prstGeom prst="roundRect">
-            <a:avLst/>
-          </a:prstGeom>
-        </p:spPr>
-        <p:style>
-          <a:lnRef idx="1">
-            <a:schemeClr val="accent6"/>
-          </a:lnRef>
-          <a:fillRef idx="2">
-            <a:schemeClr val="accent6"/>
-          </a:fillRef>
-          <a:effectRef idx="1">
-            <a:schemeClr val="accent6"/>
-          </a:effectRef>
-          <a:fontRef idx="minor">
-            <a:schemeClr val="dk1"/>
-          </a:fontRef>
-        </p:style>
-        <p:txBody>
-          <a:bodyPr lIns="0" tIns="0" rIns="0" bIns="0" rtlCol="0" anchor="ctr" anchorCtr="1"/>
-          <a:lstStyle/>
-          <a:p>
-            <a:pPr algn="ctr"/>
-            <a:r>
-              <a:rPr lang="zh-CN" altLang="en-US" sz="1200" dirty="0" smtClean="0"/>
-              <a:t>主光源</a:t>
-            </a:r>
-            <a:r>
-              <a:rPr lang="en-US" altLang="zh-CN" sz="1200" dirty="0" smtClean="0"/>
-              <a:t>(Light)</a:t>
-            </a:r>
-            <a:endParaRPr lang="zh-CN" altLang="en-US" sz="1200" dirty="0"/>
-          </a:p>
-        </p:txBody>
-      </p:sp>
-      <p:cxnSp>
-        <p:nvCxnSpPr>
-          <p:cNvPr id="122" name="直接连接符 14"/>
-          <p:cNvCxnSpPr>
-            <a:stCxn id="107" idx="2"/>
-            <a:endCxn id="121" idx="1"/>
-          </p:cNvCxnSpPr>
-          <p:nvPr/>
-        </p:nvCxnSpPr>
-        <p:spPr>
-          <a:xfrm rot="16200000" flipH="1">
-            <a:off x="2069203" y="1540396"/>
-            <a:ext cx="870983" cy="676430"/>
-          </a:xfrm>
-          <a:prstGeom prst="bentConnector2">
-            <a:avLst/>
-          </a:prstGeom>
-          <a:ln>
-            <a:tailEnd type="triangle" w="med" len="lg"/>
-          </a:ln>
-        </p:spPr>
-        <p:style>
-          <a:lnRef idx="1">
-            <a:schemeClr val="accent1"/>
-          </a:lnRef>
-          <a:fillRef idx="0">
-            <a:schemeClr val="accent1"/>
-          </a:fillRef>
-          <a:effectRef idx="0">
-            <a:schemeClr val="accent1"/>
-          </a:effectRef>
-          <a:fontRef idx="minor">
-            <a:schemeClr val="tx1"/>
-          </a:fontRef>
-        </p:style>
-      </p:cxnSp>
-      <p:sp>
-        <p:nvSpPr>
           <p:cNvPr id="29" name="圆角矩形 28"/>
           <p:cNvSpPr/>
           <p:nvPr/>
         </p:nvSpPr>
         <p:spPr>
           <a:xfrm>
-            <a:off x="2842908" y="1527153"/>
+            <a:off x="2650416" y="1669625"/>
             <a:ext cx="1420493" cy="216024"/>
           </a:xfrm>
           <a:prstGeom prst="roundRect">
@@ -4402,11 +4336,11 @@
             <a:pPr algn="ctr"/>
             <a:r>
               <a:rPr lang="zh-CN" altLang="en-US" sz="1200" smtClean="0"/>
-              <a:t>材质</a:t>
+              <a:t>皮肤</a:t>
             </a:r>
             <a:r>
               <a:rPr lang="en-US" altLang="zh-CN" sz="1200" smtClean="0"/>
-              <a:t>(Material)</a:t>
+              <a:t>(Skin)</a:t>
             </a:r>
             <a:endParaRPr lang="zh-CN" altLang="en-US" sz="1200" dirty="0"/>
           </a:p>
@@ -4416,15 +4350,15 @@
         <p:nvCxnSpPr>
           <p:cNvPr id="30" name="直接连接符 14"/>
           <p:cNvCxnSpPr>
-            <a:stCxn id="107" idx="2"/>
+            <a:stCxn id="25" idx="2"/>
             <a:endCxn id="29" idx="1"/>
           </p:cNvCxnSpPr>
           <p:nvPr/>
         </p:nvCxnSpPr>
         <p:spPr>
           <a:xfrm rot="16200000" flipH="1">
-            <a:off x="2408671" y="1200927"/>
-            <a:ext cx="192045" cy="676429"/>
+            <a:off x="2241189" y="1368409"/>
+            <a:ext cx="334517" cy="483937"/>
           </a:xfrm>
           <a:prstGeom prst="bentConnector2">
             <a:avLst/>
@@ -4450,13 +4384,13 @@
       </p:cxnSp>
       <p:sp>
         <p:nvSpPr>
-          <p:cNvPr id="41" name="圆角矩形 40"/>
+          <p:cNvPr id="37" name="圆角矩形 36"/>
           <p:cNvSpPr/>
           <p:nvPr/>
         </p:nvSpPr>
         <p:spPr>
           <a:xfrm>
-            <a:off x="2841885" y="3444736"/>
+            <a:off x="4139952" y="1953986"/>
             <a:ext cx="1420493" cy="216024"/>
           </a:xfrm>
           <a:prstGeom prst="roundRect">
@@ -4465,13 +4399,13 @@
         </p:spPr>
         <p:style>
           <a:lnRef idx="1">
-            <a:schemeClr val="accent4"/>
+            <a:schemeClr val="accent6"/>
           </a:lnRef>
           <a:fillRef idx="2">
-            <a:schemeClr val="accent4"/>
+            <a:schemeClr val="accent6"/>
           </a:fillRef>
           <a:effectRef idx="1">
-            <a:schemeClr val="accent4"/>
+            <a:schemeClr val="accent6"/>
           </a:effectRef>
           <a:fontRef idx="minor">
             <a:schemeClr val="dk1"/>
@@ -4484,11 +4418,11 @@
             <a:pPr algn="ctr"/>
             <a:r>
               <a:rPr lang="zh-CN" altLang="en-US" sz="1200" smtClean="0"/>
-              <a:t>显示对象</a:t>
+              <a:t>数据流</a:t>
             </a:r>
             <a:r>
               <a:rPr lang="en-US" altLang="zh-CN" sz="1200" smtClean="0"/>
-              <a:t>(Display)</a:t>
+              <a:t>(Stream)</a:t>
             </a:r>
             <a:endParaRPr lang="zh-CN" altLang="en-US" sz="1200" dirty="0"/>
           </a:p>
@@ -4496,309 +4430,17 @@
       </p:sp>
       <p:cxnSp>
         <p:nvCxnSpPr>
-          <p:cNvPr id="44" name="直接连接符 14"/>
+          <p:cNvPr id="38" name="直接连接符 14"/>
           <p:cNvCxnSpPr>
-            <a:stCxn id="31" idx="2"/>
-            <a:endCxn id="41" idx="1"/>
+            <a:stCxn id="29" idx="2"/>
+            <a:endCxn id="37" idx="1"/>
           </p:cNvCxnSpPr>
           <p:nvPr/>
         </p:nvCxnSpPr>
         <p:spPr>
           <a:xfrm rot="16200000" flipH="1">
-            <a:off x="2387419" y="3098282"/>
-            <a:ext cx="266318" cy="642614"/>
-          </a:xfrm>
-          <a:prstGeom prst="bentConnector2">
-            <a:avLst/>
-          </a:prstGeom>
-          <a:ln>
-            <a:tailEnd type="triangle" w="med" len="lg"/>
-          </a:ln>
-        </p:spPr>
-        <p:style>
-          <a:lnRef idx="1">
-            <a:schemeClr val="accent1"/>
-          </a:lnRef>
-          <a:fillRef idx="0">
-            <a:schemeClr val="accent1"/>
-          </a:fillRef>
-          <a:effectRef idx="0">
-            <a:schemeClr val="accent1"/>
-          </a:effectRef>
-          <a:fontRef idx="minor">
-            <a:schemeClr val="tx1"/>
-          </a:fontRef>
-        </p:style>
-      </p:cxnSp>
-      <p:sp>
-        <p:nvSpPr>
-          <p:cNvPr id="19" name="圆角矩形 18"/>
-          <p:cNvSpPr/>
-          <p:nvPr/>
-        </p:nvSpPr>
-        <p:spPr>
-          <a:xfrm>
-            <a:off x="4066921" y="3837680"/>
-            <a:ext cx="1740755" cy="216024"/>
-          </a:xfrm>
-          <a:prstGeom prst="roundRect">
-            <a:avLst/>
-          </a:prstGeom>
-        </p:spPr>
-        <p:style>
-          <a:lnRef idx="1">
-            <a:schemeClr val="accent4"/>
-          </a:lnRef>
-          <a:fillRef idx="2">
-            <a:schemeClr val="accent4"/>
-          </a:fillRef>
-          <a:effectRef idx="1">
-            <a:schemeClr val="accent4"/>
-          </a:effectRef>
-          <a:fontRef idx="minor">
-            <a:schemeClr val="dk1"/>
-          </a:fontRef>
-        </p:style>
-        <p:txBody>
-          <a:bodyPr lIns="0" tIns="0" rIns="0" bIns="0" rtlCol="0" anchor="ctr" anchorCtr="1"/>
-          <a:lstStyle/>
-          <a:p>
-            <a:pPr algn="ctr"/>
-            <a:r>
-              <a:rPr lang="zh-CN" altLang="en-US" sz="1200" smtClean="0"/>
-              <a:t>渲染对象</a:t>
-            </a:r>
-            <a:r>
-              <a:rPr lang="en-US" altLang="zh-CN" sz="1200" smtClean="0"/>
-              <a:t>(Renderable)</a:t>
-            </a:r>
-            <a:endParaRPr lang="zh-CN" altLang="en-US" sz="1200" dirty="0"/>
-          </a:p>
-        </p:txBody>
-      </p:sp>
-      <p:sp>
-        <p:nvSpPr>
-          <p:cNvPr id="28" name="圆角矩形 27"/>
-          <p:cNvSpPr/>
-          <p:nvPr/>
-        </p:nvSpPr>
-        <p:spPr>
-          <a:xfrm>
-            <a:off x="5291057" y="4213351"/>
-            <a:ext cx="1872208" cy="216024"/>
-          </a:xfrm>
-          <a:prstGeom prst="roundRect">
-            <a:avLst/>
-          </a:prstGeom>
-        </p:spPr>
-        <p:style>
-          <a:lnRef idx="1">
-            <a:schemeClr val="accent5"/>
-          </a:lnRef>
-          <a:fillRef idx="2">
-            <a:schemeClr val="accent5"/>
-          </a:fillRef>
-          <a:effectRef idx="1">
-            <a:schemeClr val="accent5"/>
-          </a:effectRef>
-          <a:fontRef idx="minor">
-            <a:schemeClr val="dk1"/>
-          </a:fontRef>
-        </p:style>
-        <p:txBody>
-          <a:bodyPr lIns="0" tIns="0" rIns="0" bIns="0" rtlCol="0" anchor="ctr" anchorCtr="1"/>
-          <a:lstStyle/>
-          <a:p>
-            <a:pPr algn="ctr"/>
-            <a:r>
-              <a:rPr lang="zh-CN" altLang="en-US" sz="1200" smtClean="0"/>
-              <a:t>网格引用</a:t>
-            </a:r>
-            <a:r>
-              <a:rPr lang="en-US" altLang="zh-CN" sz="1200" smtClean="0"/>
-              <a:t>(MeshGuid)</a:t>
-            </a:r>
-            <a:endParaRPr lang="zh-CN" altLang="en-US" sz="1200" dirty="0"/>
-          </a:p>
-        </p:txBody>
-      </p:sp>
-      <p:cxnSp>
-        <p:nvCxnSpPr>
-          <p:cNvPr id="32" name="直接连接符 14"/>
-          <p:cNvCxnSpPr>
-            <a:stCxn id="19" idx="2"/>
-            <a:endCxn id="28" idx="1"/>
-          </p:cNvCxnSpPr>
-          <p:nvPr/>
-        </p:nvCxnSpPr>
-        <p:spPr>
-          <a:xfrm rot="16200000" flipH="1">
-            <a:off x="4980349" y="4010654"/>
-            <a:ext cx="267659" cy="353758"/>
-          </a:xfrm>
-          <a:prstGeom prst="bentConnector2">
-            <a:avLst/>
-          </a:prstGeom>
-          <a:ln>
-            <a:tailEnd type="triangle" w="med" len="lg"/>
-          </a:ln>
-        </p:spPr>
-        <p:style>
-          <a:lnRef idx="1">
-            <a:schemeClr val="accent1"/>
-          </a:lnRef>
-          <a:fillRef idx="0">
-            <a:schemeClr val="accent1"/>
-          </a:fillRef>
-          <a:effectRef idx="0">
-            <a:schemeClr val="accent1"/>
-          </a:effectRef>
-          <a:fontRef idx="minor">
-            <a:schemeClr val="tx1"/>
-          </a:fontRef>
-        </p:style>
-      </p:cxnSp>
-      <p:sp>
-        <p:nvSpPr>
-          <p:cNvPr id="35" name="圆角矩形 34"/>
-          <p:cNvSpPr/>
-          <p:nvPr/>
-        </p:nvSpPr>
-        <p:spPr>
-          <a:xfrm>
-            <a:off x="5283996" y="4509479"/>
-            <a:ext cx="1872208" cy="216024"/>
-          </a:xfrm>
-          <a:prstGeom prst="roundRect">
-            <a:avLst/>
-          </a:prstGeom>
-        </p:spPr>
-        <p:style>
-          <a:lnRef idx="1">
-            <a:schemeClr val="accent5"/>
-          </a:lnRef>
-          <a:fillRef idx="2">
-            <a:schemeClr val="accent5"/>
-          </a:fillRef>
-          <a:effectRef idx="1">
-            <a:schemeClr val="accent5"/>
-          </a:effectRef>
-          <a:fontRef idx="minor">
-            <a:schemeClr val="dk1"/>
-          </a:fontRef>
-        </p:style>
-        <p:txBody>
-          <a:bodyPr lIns="0" tIns="0" rIns="0" bIns="0" rtlCol="0" anchor="ctr" anchorCtr="1"/>
-          <a:lstStyle/>
-          <a:p>
-            <a:pPr algn="ctr"/>
-            <a:r>
-              <a:rPr lang="zh-CN" altLang="en-US" sz="1200" smtClean="0"/>
-              <a:t>材质引用</a:t>
-            </a:r>
-            <a:r>
-              <a:rPr lang="en-US" altLang="zh-CN" sz="1200" smtClean="0"/>
-              <a:t>(MaterialGuid)</a:t>
-            </a:r>
-            <a:endParaRPr lang="zh-CN" altLang="en-US" sz="1200" dirty="0"/>
-          </a:p>
-        </p:txBody>
-      </p:sp>
-      <p:cxnSp>
-        <p:nvCxnSpPr>
-          <p:cNvPr id="36" name="直接连接符 14"/>
-          <p:cNvCxnSpPr>
-            <a:stCxn id="19" idx="2"/>
-            <a:endCxn id="35" idx="1"/>
-          </p:cNvCxnSpPr>
-          <p:nvPr/>
-        </p:nvCxnSpPr>
-        <p:spPr>
-          <a:xfrm rot="16200000" flipH="1">
-            <a:off x="4828754" y="4162248"/>
-            <a:ext cx="563787" cy="346697"/>
-          </a:xfrm>
-          <a:prstGeom prst="bentConnector2">
-            <a:avLst/>
-          </a:prstGeom>
-          <a:ln>
-            <a:tailEnd type="triangle" w="med" len="lg"/>
-          </a:ln>
-        </p:spPr>
-        <p:style>
-          <a:lnRef idx="1">
-            <a:schemeClr val="accent1"/>
-          </a:lnRef>
-          <a:fillRef idx="0">
-            <a:schemeClr val="accent1"/>
-          </a:fillRef>
-          <a:effectRef idx="0">
-            <a:schemeClr val="accent1"/>
-          </a:effectRef>
-          <a:fontRef idx="minor">
-            <a:schemeClr val="tx1"/>
-          </a:fontRef>
-        </p:style>
-      </p:cxnSp>
-      <p:sp>
-        <p:nvSpPr>
-          <p:cNvPr id="46" name="圆角矩形 45"/>
-          <p:cNvSpPr/>
-          <p:nvPr/>
-        </p:nvSpPr>
-        <p:spPr>
-          <a:xfrm>
-            <a:off x="1489024" y="2678612"/>
-            <a:ext cx="1420493" cy="216024"/>
-          </a:xfrm>
-          <a:prstGeom prst="roundRect">
-            <a:avLst/>
-          </a:prstGeom>
-        </p:spPr>
-        <p:style>
-          <a:lnRef idx="1">
-            <a:schemeClr val="accent4"/>
-          </a:lnRef>
-          <a:fillRef idx="2">
-            <a:schemeClr val="accent4"/>
-          </a:fillRef>
-          <a:effectRef idx="1">
-            <a:schemeClr val="accent4"/>
-          </a:effectRef>
-          <a:fontRef idx="minor">
-            <a:schemeClr val="dk1"/>
-          </a:fontRef>
-        </p:style>
-        <p:txBody>
-          <a:bodyPr lIns="0" tIns="0" rIns="0" bIns="0" rtlCol="0" anchor="ctr" anchorCtr="1"/>
-          <a:lstStyle/>
-          <a:p>
-            <a:pPr algn="ctr"/>
-            <a:r>
-              <a:rPr lang="zh-CN" altLang="en-US" sz="1200" smtClean="0"/>
-              <a:t>材质集合</a:t>
-            </a:r>
-            <a:r>
-              <a:rPr lang="en-US" altLang="zh-CN" sz="1200" smtClean="0"/>
-              <a:t>(Materials)</a:t>
-            </a:r>
-            <a:endParaRPr lang="zh-CN" altLang="en-US" sz="1200" dirty="0"/>
-          </a:p>
-        </p:txBody>
-      </p:sp>
-      <p:cxnSp>
-        <p:nvCxnSpPr>
-          <p:cNvPr id="47" name="直接连接符 14"/>
-          <p:cNvCxnSpPr>
-            <a:stCxn id="3" idx="2"/>
-            <a:endCxn id="46" idx="1"/>
-          </p:cNvCxnSpPr>
-          <p:nvPr/>
-        </p:nvCxnSpPr>
-        <p:spPr>
-          <a:xfrm rot="16200000" flipH="1">
-            <a:off x="417256" y="1714856"/>
-            <a:ext cx="1734124" cy="409412"/>
+            <a:off x="3662133" y="1584178"/>
+            <a:ext cx="176349" cy="779289"/>
           </a:xfrm>
           <a:prstGeom prst="bentConnector2">
             <a:avLst/>
@@ -4825,7 +4467,7 @@
     </p:spTree>
     <p:extLst>
       <p:ext uri="{BB962C8B-B14F-4D97-AF65-F5344CB8AC3E}">
-        <p14:creationId xmlns:p14="http://schemas.microsoft.com/office/powerpoint/2010/main" val="3907088809"/>
+        <p14:creationId xmlns:p14="http://schemas.microsoft.com/office/powerpoint/2010/main" val="3382170061"/>
       </p:ext>
     </p:extLst>
   </p:cSld>
@@ -4882,7 +4524,7 @@
             </a:r>
             <a:r>
               <a:rPr lang="en-US" altLang="zh-CN" smtClean="0"/>
-              <a:t>- Scene</a:t>
+              <a:t>- Template</a:t>
             </a:r>
             <a:endParaRPr lang="zh-CN" altLang="en-US" dirty="0"/>
           </a:p>
@@ -4924,11 +4566,11 @@
             <a:pPr algn="ctr"/>
             <a:r>
               <a:rPr lang="zh-CN" altLang="en-US" sz="1200" smtClean="0"/>
-              <a:t>场景</a:t>
+              <a:t>模板</a:t>
             </a:r>
             <a:r>
               <a:rPr lang="en-US" altLang="zh-CN" sz="1200" smtClean="0"/>
-              <a:t>(Scene)</a:t>
+              <a:t>(Template)</a:t>
             </a:r>
             <a:endParaRPr lang="zh-CN" altLang="en-US" sz="1200" dirty="0"/>
           </a:p>
@@ -4942,7 +4584,7 @@
         </p:nvSpPr>
         <p:spPr>
           <a:xfrm>
-            <a:off x="1490047" y="2580421"/>
+            <a:off x="1489024" y="3070406"/>
             <a:ext cx="1420493" cy="216024"/>
           </a:xfrm>
           <a:prstGeom prst="roundRect">
@@ -4970,11 +4612,7 @@
             <a:pPr algn="ctr"/>
             <a:r>
               <a:rPr lang="zh-CN" altLang="en-US" sz="1200" smtClean="0"/>
-              <a:t>显示</a:t>
-            </a:r>
-            <a:r>
-              <a:rPr lang="zh-CN" altLang="en-US" sz="1200"/>
-              <a:t>层</a:t>
+              <a:t>显示层</a:t>
             </a:r>
             <a:r>
               <a:rPr lang="en-US" altLang="zh-CN" sz="1200" smtClean="0"/>
@@ -4995,8 +4633,44 @@
         </p:nvCxnSpPr>
         <p:spPr>
           <a:xfrm rot="16200000" flipH="1">
-            <a:off x="466863" y="1665248"/>
-            <a:ext cx="1635933" cy="410435"/>
+            <a:off x="221359" y="1910753"/>
+            <a:ext cx="2125918" cy="409412"/>
+          </a:xfrm>
+          <a:prstGeom prst="bentConnector2">
+            <a:avLst/>
+          </a:prstGeom>
+          <a:ln>
+            <a:tailEnd type="triangle" w="med" len="lg"/>
+          </a:ln>
+        </p:spPr>
+        <p:style>
+          <a:lnRef idx="1">
+            <a:schemeClr val="accent1"/>
+          </a:lnRef>
+          <a:fillRef idx="0">
+            <a:schemeClr val="accent1"/>
+          </a:fillRef>
+          <a:effectRef idx="0">
+            <a:schemeClr val="accent1"/>
+          </a:effectRef>
+          <a:fontRef idx="minor">
+            <a:schemeClr val="tx1"/>
+          </a:fontRef>
+        </p:style>
+      </p:cxnSp>
+      <p:cxnSp>
+        <p:nvCxnSpPr>
+          <p:cNvPr id="43" name="直接连接符 14"/>
+          <p:cNvCxnSpPr>
+            <a:stCxn id="41" idx="2"/>
+            <a:endCxn id="19" idx="1"/>
+          </p:cNvCxnSpPr>
+          <p:nvPr/>
+        </p:nvCxnSpPr>
+        <p:spPr>
+          <a:xfrm rot="16200000" flipH="1">
+            <a:off x="3667060" y="3545831"/>
+            <a:ext cx="284932" cy="514789"/>
           </a:xfrm>
           <a:prstGeom prst="bentConnector2">
             <a:avLst/>
@@ -5356,7 +5030,7 @@
         </p:nvSpPr>
         <p:spPr>
           <a:xfrm>
-            <a:off x="2845976" y="2975358"/>
+            <a:off x="2841885" y="3444736"/>
             <a:ext cx="1420493" cy="216024"/>
           </a:xfrm>
           <a:prstGeom prst="roundRect">
@@ -5384,23 +5058,11 @@
             <a:pPr algn="ctr"/>
             <a:r>
               <a:rPr lang="zh-CN" altLang="en-US" sz="1200" smtClean="0"/>
-              <a:t>精灵</a:t>
+              <a:t>显示对象</a:t>
             </a:r>
             <a:r>
               <a:rPr lang="en-US" altLang="zh-CN" sz="1200" smtClean="0"/>
-              <a:t> </a:t>
-            </a:r>
-            <a:r>
-              <a:rPr lang="en-US" altLang="zh-CN" sz="1200" smtClean="0"/>
-              <a:t>(</a:t>
-            </a:r>
-            <a:r>
-              <a:rPr lang="en-US" altLang="zh-CN" sz="1200"/>
-              <a:t>Sprite</a:t>
-            </a:r>
-            <a:r>
-              <a:rPr lang="en-US" altLang="zh-CN" sz="1200" smtClean="0"/>
-              <a:t>)</a:t>
+              <a:t>(Display)</a:t>
             </a:r>
             <a:endParaRPr lang="zh-CN" altLang="en-US" sz="1200" dirty="0"/>
           </a:p>
@@ -5417,8 +5079,8 @@
         </p:nvCxnSpPr>
         <p:spPr>
           <a:xfrm rot="16200000" flipH="1">
-            <a:off x="2379673" y="2617066"/>
-            <a:ext cx="286925" cy="645682"/>
+            <a:off x="2387419" y="3098282"/>
+            <a:ext cx="266318" cy="642614"/>
           </a:xfrm>
           <a:prstGeom prst="bentConnector2">
             <a:avLst/>
@@ -5442,19 +5104,111 @@
           </a:fontRef>
         </p:style>
       </p:cxnSp>
+      <p:sp>
+        <p:nvSpPr>
+          <p:cNvPr id="19" name="圆角矩形 18"/>
+          <p:cNvSpPr/>
+          <p:nvPr/>
+        </p:nvSpPr>
+        <p:spPr>
+          <a:xfrm>
+            <a:off x="4066921" y="3837680"/>
+            <a:ext cx="1740755" cy="216024"/>
+          </a:xfrm>
+          <a:prstGeom prst="roundRect">
+            <a:avLst/>
+          </a:prstGeom>
+        </p:spPr>
+        <p:style>
+          <a:lnRef idx="1">
+            <a:schemeClr val="accent4"/>
+          </a:lnRef>
+          <a:fillRef idx="2">
+            <a:schemeClr val="accent4"/>
+          </a:fillRef>
+          <a:effectRef idx="1">
+            <a:schemeClr val="accent4"/>
+          </a:effectRef>
+          <a:fontRef idx="minor">
+            <a:schemeClr val="dk1"/>
+          </a:fontRef>
+        </p:style>
+        <p:txBody>
+          <a:bodyPr lIns="0" tIns="0" rIns="0" bIns="0" rtlCol="0" anchor="ctr" anchorCtr="1"/>
+          <a:lstStyle/>
+          <a:p>
+            <a:pPr algn="ctr"/>
+            <a:r>
+              <a:rPr lang="zh-CN" altLang="en-US" sz="1200" smtClean="0"/>
+              <a:t>渲染对象</a:t>
+            </a:r>
+            <a:r>
+              <a:rPr lang="en-US" altLang="zh-CN" sz="1200" smtClean="0"/>
+              <a:t>(Renderable)</a:t>
+            </a:r>
+            <a:endParaRPr lang="zh-CN" altLang="en-US" sz="1200" dirty="0"/>
+          </a:p>
+        </p:txBody>
+      </p:sp>
+      <p:sp>
+        <p:nvSpPr>
+          <p:cNvPr id="28" name="圆角矩形 27"/>
+          <p:cNvSpPr/>
+          <p:nvPr/>
+        </p:nvSpPr>
+        <p:spPr>
+          <a:xfrm>
+            <a:off x="5291057" y="4213351"/>
+            <a:ext cx="1872208" cy="216024"/>
+          </a:xfrm>
+          <a:prstGeom prst="roundRect">
+            <a:avLst/>
+          </a:prstGeom>
+        </p:spPr>
+        <p:style>
+          <a:lnRef idx="1">
+            <a:schemeClr val="accent5"/>
+          </a:lnRef>
+          <a:fillRef idx="2">
+            <a:schemeClr val="accent5"/>
+          </a:fillRef>
+          <a:effectRef idx="1">
+            <a:schemeClr val="accent5"/>
+          </a:effectRef>
+          <a:fontRef idx="minor">
+            <a:schemeClr val="dk1"/>
+          </a:fontRef>
+        </p:style>
+        <p:txBody>
+          <a:bodyPr lIns="0" tIns="0" rIns="0" bIns="0" rtlCol="0" anchor="ctr" anchorCtr="1"/>
+          <a:lstStyle/>
+          <a:p>
+            <a:pPr algn="ctr"/>
+            <a:r>
+              <a:rPr lang="zh-CN" altLang="en-US" sz="1200" smtClean="0"/>
+              <a:t>网格引用</a:t>
+            </a:r>
+            <a:r>
+              <a:rPr lang="en-US" altLang="zh-CN" sz="1200" smtClean="0"/>
+              <a:t>(MeshGuid)</a:t>
+            </a:r>
+            <a:endParaRPr lang="zh-CN" altLang="en-US" sz="1200" dirty="0"/>
+          </a:p>
+        </p:txBody>
+      </p:sp>
       <p:cxnSp>
         <p:nvCxnSpPr>
-          <p:cNvPr id="18" name="直接连接符 14"/>
+          <p:cNvPr id="32" name="直接连接符 14"/>
           <p:cNvCxnSpPr>
-            <a:stCxn id="41" idx="2"/>
-            <a:endCxn id="20" idx="1"/>
+            <a:stCxn id="19" idx="2"/>
+            <a:endCxn id="28" idx="1"/>
           </p:cNvCxnSpPr>
           <p:nvPr/>
         </p:nvCxnSpPr>
         <p:spPr>
           <a:xfrm rot="16200000" flipH="1">
-            <a:off x="3661780" y="3085824"/>
-            <a:ext cx="228599" cy="439713"/>
+            <a:off x="4980349" y="4010654"/>
+            <a:ext cx="267659" cy="353758"/>
           </a:xfrm>
           <a:prstGeom prst="bentConnector2">
             <a:avLst/>
@@ -5480,14 +5234,14 @@
       </p:cxnSp>
       <p:sp>
         <p:nvSpPr>
-          <p:cNvPr id="20" name="圆角矩形 19"/>
+          <p:cNvPr id="35" name="圆角矩形 34"/>
           <p:cNvSpPr/>
           <p:nvPr/>
         </p:nvSpPr>
         <p:spPr>
           <a:xfrm>
-            <a:off x="3995936" y="3311969"/>
-            <a:ext cx="1420493" cy="216024"/>
+            <a:off x="5283996" y="4509479"/>
+            <a:ext cx="1872208" cy="216024"/>
           </a:xfrm>
           <a:prstGeom prst="roundRect">
             <a:avLst/>
@@ -5495,13 +5249,13 @@
         </p:spPr>
         <p:style>
           <a:lnRef idx="1">
-            <a:schemeClr val="accent4"/>
+            <a:schemeClr val="accent5"/>
           </a:lnRef>
           <a:fillRef idx="2">
-            <a:schemeClr val="accent4"/>
+            <a:schemeClr val="accent5"/>
           </a:fillRef>
           <a:effectRef idx="1">
-            <a:schemeClr val="accent4"/>
+            <a:schemeClr val="accent5"/>
           </a:effectRef>
           <a:fontRef idx="minor">
             <a:schemeClr val="dk1"/>
@@ -5514,61 +5268,11 @@
             <a:pPr algn="ctr"/>
             <a:r>
               <a:rPr lang="zh-CN" altLang="en-US" sz="1200" smtClean="0"/>
-              <a:t>显示对象</a:t>
+              <a:t>材质引用</a:t>
             </a:r>
             <a:r>
               <a:rPr lang="en-US" altLang="zh-CN" sz="1200" smtClean="0"/>
-              <a:t>(Display)</a:t>
-            </a:r>
-            <a:endParaRPr lang="zh-CN" altLang="en-US" sz="1200" dirty="0"/>
-          </a:p>
-        </p:txBody>
-      </p:sp>
-      <p:sp>
-        <p:nvSpPr>
-          <p:cNvPr id="24" name="圆角矩形 23"/>
-          <p:cNvSpPr/>
-          <p:nvPr/>
-        </p:nvSpPr>
-        <p:spPr>
-          <a:xfrm>
-            <a:off x="3998113" y="3636006"/>
-            <a:ext cx="1420493" cy="216024"/>
-          </a:xfrm>
-          <a:prstGeom prst="roundRect">
-            <a:avLst/>
-          </a:prstGeom>
-        </p:spPr>
-        <p:style>
-          <a:lnRef idx="1">
-            <a:schemeClr val="accent4"/>
-          </a:lnRef>
-          <a:fillRef idx="2">
-            <a:schemeClr val="accent4"/>
-          </a:fillRef>
-          <a:effectRef idx="1">
-            <a:schemeClr val="accent4"/>
-          </a:effectRef>
-          <a:fontRef idx="minor">
-            <a:schemeClr val="dk1"/>
-          </a:fontRef>
-        </p:style>
-        <p:txBody>
-          <a:bodyPr lIns="0" tIns="0" rIns="0" bIns="0" rtlCol="0" anchor="ctr" anchorCtr="1"/>
-          <a:lstStyle/>
-          <a:p>
-            <a:pPr algn="ctr"/>
-            <a:r>
-              <a:rPr lang="zh-CN" altLang="en-US" sz="1200"/>
-              <a:t>事件</a:t>
-            </a:r>
-            <a:r>
-              <a:rPr lang="zh-CN" altLang="en-US" sz="1200" smtClean="0"/>
-              <a:t>对象</a:t>
-            </a:r>
-            <a:r>
-              <a:rPr lang="en-US" altLang="zh-CN" sz="1200" smtClean="0"/>
-              <a:t>(Event)</a:t>
+              <a:t>(MaterialGuid)</a:t>
             </a:r>
             <a:endParaRPr lang="zh-CN" altLang="en-US" sz="1200" dirty="0"/>
           </a:p>
@@ -5576,17 +5280,17 @@
       </p:sp>
       <p:cxnSp>
         <p:nvCxnSpPr>
-          <p:cNvPr id="25" name="直接连接符 14"/>
+          <p:cNvPr id="36" name="直接连接符 14"/>
           <p:cNvCxnSpPr>
-            <a:stCxn id="41" idx="2"/>
-            <a:endCxn id="24" idx="1"/>
+            <a:stCxn id="19" idx="2"/>
+            <a:endCxn id="35" idx="1"/>
           </p:cNvCxnSpPr>
           <p:nvPr/>
         </p:nvCxnSpPr>
         <p:spPr>
           <a:xfrm rot="16200000" flipH="1">
-            <a:off x="3500850" y="3246755"/>
-            <a:ext cx="552636" cy="441890"/>
+            <a:off x="4828754" y="4162248"/>
+            <a:ext cx="563787" cy="346697"/>
           </a:xfrm>
           <a:prstGeom prst="bentConnector2">
             <a:avLst/>
@@ -5612,13 +5316,13 @@
       </p:cxnSp>
       <p:sp>
         <p:nvSpPr>
-          <p:cNvPr id="32" name="圆角矩形 31"/>
+          <p:cNvPr id="46" name="圆角矩形 45"/>
           <p:cNvSpPr/>
           <p:nvPr/>
         </p:nvSpPr>
         <p:spPr>
           <a:xfrm>
-            <a:off x="3995935" y="3960043"/>
+            <a:off x="1489024" y="2678612"/>
             <a:ext cx="1420493" cy="216024"/>
           </a:xfrm>
           <a:prstGeom prst="roundRect">
@@ -5646,11 +5350,11 @@
             <a:pPr algn="ctr"/>
             <a:r>
               <a:rPr lang="zh-CN" altLang="en-US" sz="1200" smtClean="0"/>
-              <a:t>处理对象</a:t>
+              <a:t>材质集合</a:t>
             </a:r>
             <a:r>
               <a:rPr lang="en-US" altLang="zh-CN" sz="1200" smtClean="0"/>
-              <a:t>(Processor)</a:t>
+              <a:t>(Materials)</a:t>
             </a:r>
             <a:endParaRPr lang="zh-CN" altLang="en-US" sz="1200" dirty="0"/>
           </a:p>
@@ -5658,17 +5362,17 @@
       </p:sp>
       <p:cxnSp>
         <p:nvCxnSpPr>
-          <p:cNvPr id="33" name="直接连接符 14"/>
+          <p:cNvPr id="47" name="直接连接符 14"/>
           <p:cNvCxnSpPr>
-            <a:stCxn id="41" idx="2"/>
-            <a:endCxn id="32" idx="1"/>
+            <a:stCxn id="3" idx="2"/>
+            <a:endCxn id="46" idx="1"/>
           </p:cNvCxnSpPr>
           <p:nvPr/>
         </p:nvCxnSpPr>
         <p:spPr>
           <a:xfrm rot="16200000" flipH="1">
-            <a:off x="3337743" y="3409862"/>
-            <a:ext cx="876673" cy="439712"/>
+            <a:off x="417256" y="1714856"/>
+            <a:ext cx="1734124" cy="409412"/>
           </a:xfrm>
           <a:prstGeom prst="bentConnector2">
             <a:avLst/>
@@ -5695,7 +5399,7 @@
     </p:spTree>
     <p:extLst>
       <p:ext uri="{BB962C8B-B14F-4D97-AF65-F5344CB8AC3E}">
-        <p14:creationId xmlns:p14="http://schemas.microsoft.com/office/powerpoint/2010/main" val="4094731615"/>
+        <p14:creationId xmlns:p14="http://schemas.microsoft.com/office/powerpoint/2010/main" val="3907088809"/>
       </p:ext>
     </p:extLst>
   </p:cSld>
@@ -5747,12 +5451,12 @@
           <a:lstStyle/>
           <a:p>
             <a:r>
+              <a:rPr lang="zh-CN" altLang="en-US" smtClean="0"/>
+              <a:t>资源结构 </a:t>
+            </a:r>
+            <a:r>
               <a:rPr lang="en-US" altLang="zh-CN" smtClean="0"/>
-              <a:t>WEB – </a:t>
-            </a:r>
-            <a:r>
-              <a:rPr lang="zh-CN" altLang="en-US"/>
-              <a:t>前台</a:t>
+              <a:t>- Scene</a:t>
             </a:r>
             <a:endParaRPr lang="zh-CN" altLang="en-US" dirty="0"/>
           </a:p>
@@ -5766,8 +5470,8 @@
         </p:nvSpPr>
         <p:spPr>
           <a:xfrm>
-            <a:off x="755576" y="916682"/>
-            <a:ext cx="1008112" cy="216024"/>
+            <a:off x="395536" y="836476"/>
+            <a:ext cx="1368152" cy="216024"/>
           </a:xfrm>
           <a:prstGeom prst="roundRect">
             <a:avLst/>
@@ -5793,9 +5497,14 @@
           <a:p>
             <a:pPr algn="ctr"/>
             <a:r>
-              <a:rPr lang="zh-CN" altLang="en-US" sz="1200"/>
-              <a:t>站点</a:t>
-            </a:r>
+              <a:rPr lang="zh-CN" altLang="en-US" sz="1200" smtClean="0"/>
+              <a:t>场景</a:t>
+            </a:r>
+            <a:r>
+              <a:rPr lang="en-US" altLang="zh-CN" sz="1200" smtClean="0"/>
+              <a:t>(Scene)</a:t>
+            </a:r>
+            <a:endParaRPr lang="zh-CN" altLang="en-US" sz="1200" dirty="0"/>
           </a:p>
         </p:txBody>
       </p:sp>
@@ -5807,7 +5516,7 @@
         </p:nvSpPr>
         <p:spPr>
           <a:xfrm>
-            <a:off x="1695777" y="1281124"/>
+            <a:off x="1490047" y="2580421"/>
             <a:ext cx="1420493" cy="216024"/>
           </a:xfrm>
           <a:prstGeom prst="roundRect">
@@ -5816,13 +5525,13 @@
         </p:spPr>
         <p:style>
           <a:lnRef idx="1">
-            <a:schemeClr val="accent6"/>
+            <a:schemeClr val="accent4"/>
           </a:lnRef>
           <a:fillRef idx="2">
-            <a:schemeClr val="accent6"/>
+            <a:schemeClr val="accent4"/>
           </a:fillRef>
           <a:effectRef idx="1">
-            <a:schemeClr val="accent6"/>
+            <a:schemeClr val="accent4"/>
           </a:effectRef>
           <a:fontRef idx="minor">
             <a:schemeClr val="dk1"/>
@@ -5834,9 +5543,18 @@
           <a:p>
             <a:pPr algn="ctr"/>
             <a:r>
+              <a:rPr lang="zh-CN" altLang="en-US" sz="1200" smtClean="0"/>
+              <a:t>显示</a:t>
+            </a:r>
+            <a:r>
               <a:rPr lang="zh-CN" altLang="en-US" sz="1200"/>
-              <a:t>首页</a:t>
-            </a:r>
+              <a:t>层</a:t>
+            </a:r>
+            <a:r>
+              <a:rPr lang="en-US" altLang="zh-CN" sz="1200" smtClean="0"/>
+              <a:t>(DisplayLayer)</a:t>
+            </a:r>
+            <a:endParaRPr lang="zh-CN" altLang="en-US" sz="1200" dirty="0"/>
           </a:p>
         </p:txBody>
       </p:sp>
@@ -5851,8 +5569,8 @@
         </p:nvCxnSpPr>
         <p:spPr>
           <a:xfrm rot="16200000" flipH="1">
-            <a:off x="1349489" y="1042848"/>
-            <a:ext cx="256430" cy="436145"/>
+            <a:off x="466863" y="1665248"/>
+            <a:ext cx="1635933" cy="410435"/>
           </a:xfrm>
           <a:prstGeom prst="bentConnector2">
             <a:avLst/>
@@ -5878,13 +5596,13 @@
       </p:cxnSp>
       <p:sp>
         <p:nvSpPr>
-          <p:cNvPr id="36" name="圆角矩形 35"/>
+          <p:cNvPr id="107" name="圆角矩形 106"/>
           <p:cNvSpPr/>
           <p:nvPr/>
         </p:nvSpPr>
         <p:spPr>
           <a:xfrm>
-            <a:off x="1706958" y="3103334"/>
+            <a:off x="1456232" y="1227096"/>
             <a:ext cx="1420493" cy="216024"/>
           </a:xfrm>
           <a:prstGeom prst="roundRect">
@@ -5911,30 +5629,30 @@
           <a:p>
             <a:pPr algn="ctr"/>
             <a:r>
-              <a:rPr lang="zh-CN" altLang="en-US" sz="1200"/>
-              <a:t>用户</a:t>
-            </a:r>
-            <a:r>
-              <a:rPr lang="zh-CN" altLang="en-US" sz="1200" smtClean="0"/>
-              <a:t>空间</a:t>
-            </a:r>
-            <a:endParaRPr lang="zh-CN" altLang="en-US" sz="1200"/>
+              <a:rPr lang="zh-CN" altLang="en-US" sz="1200" dirty="0" smtClean="0"/>
+              <a:t>区域</a:t>
+            </a:r>
+            <a:r>
+              <a:rPr lang="en-US" altLang="zh-CN" sz="1200" dirty="0" smtClean="0"/>
+              <a:t>(Region)</a:t>
+            </a:r>
+            <a:endParaRPr lang="zh-CN" altLang="en-US" sz="1200" dirty="0"/>
           </a:p>
         </p:txBody>
       </p:sp>
       <p:cxnSp>
         <p:nvCxnSpPr>
-          <p:cNvPr id="38" name="直接连接符 14"/>
+          <p:cNvPr id="108" name="直接连接符 14"/>
           <p:cNvCxnSpPr>
             <a:stCxn id="3" idx="2"/>
-            <a:endCxn id="36" idx="1"/>
+            <a:endCxn id="107" idx="1"/>
           </p:cNvCxnSpPr>
           <p:nvPr/>
         </p:nvCxnSpPr>
         <p:spPr>
           <a:xfrm rot="16200000" flipH="1">
-            <a:off x="443975" y="1948363"/>
-            <a:ext cx="2078640" cy="447326"/>
+            <a:off x="1126618" y="1005494"/>
+            <a:ext cx="282608" cy="376620"/>
           </a:xfrm>
           <a:prstGeom prst="bentConnector2">
             <a:avLst/>
@@ -5960,13 +5678,13 @@
       </p:cxnSp>
       <p:sp>
         <p:nvSpPr>
-          <p:cNvPr id="42" name="圆角矩形 41"/>
+          <p:cNvPr id="113" name="圆角矩形 112"/>
           <p:cNvSpPr/>
           <p:nvPr/>
         </p:nvSpPr>
         <p:spPr>
           <a:xfrm>
-            <a:off x="1695776" y="3467775"/>
+            <a:off x="2842909" y="1869480"/>
             <a:ext cx="1420493" cy="216024"/>
           </a:xfrm>
           <a:prstGeom prst="roundRect">
@@ -5993,26 +5711,30 @@
           <a:p>
             <a:pPr algn="ctr"/>
             <a:r>
-              <a:rPr lang="zh-CN" altLang="en-US" sz="1200" smtClean="0"/>
-              <a:t>论坛</a:t>
-            </a:r>
-            <a:endParaRPr lang="zh-CN" altLang="en-US" sz="1200"/>
+              <a:rPr lang="zh-CN" altLang="en-US" sz="1200" dirty="0"/>
+              <a:t>相机</a:t>
+            </a:r>
+            <a:r>
+              <a:rPr lang="en-US" altLang="zh-CN" sz="1200" dirty="0" smtClean="0"/>
+              <a:t>(Camera)</a:t>
+            </a:r>
+            <a:endParaRPr lang="zh-CN" altLang="en-US" sz="1200" dirty="0"/>
           </a:p>
         </p:txBody>
       </p:sp>
       <p:cxnSp>
         <p:nvCxnSpPr>
-          <p:cNvPr id="43" name="直接连接符 14"/>
+          <p:cNvPr id="114" name="直接连接符 14"/>
           <p:cNvCxnSpPr>
-            <a:stCxn id="3" idx="2"/>
-            <a:endCxn id="42" idx="1"/>
+            <a:stCxn id="107" idx="2"/>
+            <a:endCxn id="113" idx="1"/>
           </p:cNvCxnSpPr>
           <p:nvPr/>
         </p:nvCxnSpPr>
         <p:spPr>
           <a:xfrm rot="16200000" flipH="1">
-            <a:off x="256164" y="2136174"/>
-            <a:ext cx="2443081" cy="436144"/>
+            <a:off x="2237508" y="1372091"/>
+            <a:ext cx="534372" cy="676430"/>
           </a:xfrm>
           <a:prstGeom prst="bentConnector2">
             <a:avLst/>
@@ -6038,13 +5760,13 @@
       </p:cxnSp>
       <p:sp>
         <p:nvSpPr>
-          <p:cNvPr id="15" name="圆角矩形 14"/>
+          <p:cNvPr id="121" name="圆角矩形 120"/>
           <p:cNvSpPr/>
           <p:nvPr/>
         </p:nvSpPr>
         <p:spPr>
           <a:xfrm>
-            <a:off x="2685706" y="1645566"/>
+            <a:off x="2842909" y="2206091"/>
             <a:ext cx="1420493" cy="216024"/>
           </a:xfrm>
           <a:prstGeom prst="roundRect">
@@ -6071,72 +5793,30 @@
           <a:p>
             <a:pPr algn="ctr"/>
             <a:r>
-              <a:rPr lang="zh-CN" altLang="en-US" sz="1200" smtClean="0"/>
-              <a:t>资源列表</a:t>
-            </a:r>
-            <a:endParaRPr lang="zh-CN" altLang="en-US" sz="1200"/>
-          </a:p>
-        </p:txBody>
-      </p:sp>
-      <p:sp>
-        <p:nvSpPr>
-          <p:cNvPr id="16" name="圆角矩形 15"/>
-          <p:cNvSpPr/>
-          <p:nvPr/>
-        </p:nvSpPr>
-        <p:spPr>
-          <a:xfrm>
-            <a:off x="2685704" y="2374450"/>
-            <a:ext cx="1420493" cy="216024"/>
-          </a:xfrm>
-          <a:prstGeom prst="roundRect">
-            <a:avLst/>
-          </a:prstGeom>
-        </p:spPr>
-        <p:style>
-          <a:lnRef idx="1">
-            <a:schemeClr val="dk1"/>
-          </a:lnRef>
-          <a:fillRef idx="2">
-            <a:schemeClr val="dk1"/>
-          </a:fillRef>
-          <a:effectRef idx="1">
-            <a:schemeClr val="dk1"/>
-          </a:effectRef>
-          <a:fontRef idx="minor">
-            <a:schemeClr val="dk1"/>
-          </a:fontRef>
-        </p:style>
-        <p:txBody>
-          <a:bodyPr lIns="0" tIns="0" rIns="0" bIns="0" rtlCol="0" anchor="ctr" anchorCtr="1"/>
-          <a:lstStyle/>
-          <a:p>
-            <a:pPr algn="ctr"/>
-            <a:r>
-              <a:rPr lang="zh-CN" altLang="en-US" sz="1200"/>
-              <a:t>新闻</a:t>
-            </a:r>
-            <a:r>
-              <a:rPr lang="zh-CN" altLang="en-US" sz="1200" smtClean="0"/>
-              <a:t>列表</a:t>
-            </a:r>
-            <a:endParaRPr lang="zh-CN" altLang="en-US" sz="1200"/>
+              <a:rPr lang="zh-CN" altLang="en-US" sz="1200" dirty="0" smtClean="0"/>
+              <a:t>主光源</a:t>
+            </a:r>
+            <a:r>
+              <a:rPr lang="en-US" altLang="zh-CN" sz="1200" dirty="0" smtClean="0"/>
+              <a:t>(Light)</a:t>
+            </a:r>
+            <a:endParaRPr lang="zh-CN" altLang="en-US" sz="1200" dirty="0"/>
           </a:p>
         </p:txBody>
       </p:sp>
       <p:cxnSp>
         <p:nvCxnSpPr>
-          <p:cNvPr id="17" name="直接连接符 14"/>
+          <p:cNvPr id="122" name="直接连接符 14"/>
           <p:cNvCxnSpPr>
-            <a:stCxn id="31" idx="2"/>
-            <a:endCxn id="15" idx="1"/>
+            <a:stCxn id="107" idx="2"/>
+            <a:endCxn id="121" idx="1"/>
           </p:cNvCxnSpPr>
           <p:nvPr/>
         </p:nvCxnSpPr>
         <p:spPr>
           <a:xfrm rot="16200000" flipH="1">
-            <a:off x="2417650" y="1485522"/>
-            <a:ext cx="256430" cy="279682"/>
+            <a:off x="2069203" y="1540396"/>
+            <a:ext cx="870983" cy="676430"/>
           </a:xfrm>
           <a:prstGeom prst="bentConnector2">
             <a:avLst/>
@@ -6160,19 +5840,65 @@
           </a:fontRef>
         </p:style>
       </p:cxnSp>
+      <p:sp>
+        <p:nvSpPr>
+          <p:cNvPr id="29" name="圆角矩形 28"/>
+          <p:cNvSpPr/>
+          <p:nvPr/>
+        </p:nvSpPr>
+        <p:spPr>
+          <a:xfrm>
+            <a:off x="2842908" y="1527153"/>
+            <a:ext cx="1420493" cy="216024"/>
+          </a:xfrm>
+          <a:prstGeom prst="roundRect">
+            <a:avLst/>
+          </a:prstGeom>
+        </p:spPr>
+        <p:style>
+          <a:lnRef idx="1">
+            <a:schemeClr val="accent6"/>
+          </a:lnRef>
+          <a:fillRef idx="2">
+            <a:schemeClr val="accent6"/>
+          </a:fillRef>
+          <a:effectRef idx="1">
+            <a:schemeClr val="accent6"/>
+          </a:effectRef>
+          <a:fontRef idx="minor">
+            <a:schemeClr val="dk1"/>
+          </a:fontRef>
+        </p:style>
+        <p:txBody>
+          <a:bodyPr lIns="0" tIns="0" rIns="0" bIns="0" rtlCol="0" anchor="ctr" anchorCtr="1"/>
+          <a:lstStyle/>
+          <a:p>
+            <a:pPr algn="ctr"/>
+            <a:r>
+              <a:rPr lang="zh-CN" altLang="en-US" sz="1200" smtClean="0"/>
+              <a:t>材质</a:t>
+            </a:r>
+            <a:r>
+              <a:rPr lang="en-US" altLang="zh-CN" sz="1200" smtClean="0"/>
+              <a:t>(Material)</a:t>
+            </a:r>
+            <a:endParaRPr lang="zh-CN" altLang="en-US" sz="1200" dirty="0"/>
+          </a:p>
+        </p:txBody>
+      </p:sp>
       <p:cxnSp>
         <p:nvCxnSpPr>
-          <p:cNvPr id="20" name="直接连接符 14"/>
+          <p:cNvPr id="30" name="直接连接符 14"/>
           <p:cNvCxnSpPr>
-            <a:stCxn id="31" idx="2"/>
-            <a:endCxn id="16" idx="1"/>
+            <a:stCxn id="107" idx="2"/>
+            <a:endCxn id="29" idx="1"/>
           </p:cNvCxnSpPr>
           <p:nvPr/>
         </p:nvCxnSpPr>
         <p:spPr>
           <a:xfrm rot="16200000" flipH="1">
-            <a:off x="2053207" y="1849965"/>
-            <a:ext cx="985314" cy="279680"/>
+            <a:off x="2408671" y="1200927"/>
+            <a:ext cx="192045" cy="676429"/>
           </a:xfrm>
           <a:prstGeom prst="bentConnector2">
             <a:avLst/>
@@ -6198,13 +5924,13 @@
       </p:cxnSp>
       <p:sp>
         <p:nvSpPr>
-          <p:cNvPr id="26" name="圆角矩形 25"/>
+          <p:cNvPr id="41" name="圆角矩形 40"/>
           <p:cNvSpPr/>
           <p:nvPr/>
         </p:nvSpPr>
         <p:spPr>
           <a:xfrm>
-            <a:off x="2685703" y="2738892"/>
+            <a:off x="2845976" y="2975358"/>
             <a:ext cx="1420493" cy="216024"/>
           </a:xfrm>
           <a:prstGeom prst="roundRect">
@@ -6213,16 +5939,16 @@
         </p:spPr>
         <p:style>
           <a:lnRef idx="1">
+            <a:schemeClr val="accent4"/>
+          </a:lnRef>
+          <a:fillRef idx="2">
+            <a:schemeClr val="accent4"/>
+          </a:fillRef>
+          <a:effectRef idx="1">
+            <a:schemeClr val="accent4"/>
+          </a:effectRef>
+          <a:fontRef idx="minor">
             <a:schemeClr val="dk1"/>
-          </a:lnRef>
-          <a:fillRef idx="2">
-            <a:schemeClr val="dk1"/>
-          </a:fillRef>
-          <a:effectRef idx="1">
-            <a:schemeClr val="dk1"/>
-          </a:effectRef>
-          <a:fontRef idx="minor">
-            <a:schemeClr val="dk1"/>
           </a:fontRef>
         </p:style>
         <p:txBody>
@@ -6231,30 +5957,42 @@
           <a:p>
             <a:pPr algn="ctr"/>
             <a:r>
-              <a:rPr lang="zh-CN" altLang="en-US" sz="1200"/>
-              <a:t>人员</a:t>
-            </a:r>
-            <a:r>
               <a:rPr lang="zh-CN" altLang="en-US" sz="1200" smtClean="0"/>
-              <a:t>列表</a:t>
-            </a:r>
-            <a:endParaRPr lang="zh-CN" altLang="en-US" sz="1200"/>
+              <a:t>精灵</a:t>
+            </a:r>
+            <a:r>
+              <a:rPr lang="en-US" altLang="zh-CN" sz="1200" smtClean="0"/>
+              <a:t> </a:t>
+            </a:r>
+            <a:r>
+              <a:rPr lang="en-US" altLang="zh-CN" sz="1200" smtClean="0"/>
+              <a:t>(</a:t>
+            </a:r>
+            <a:r>
+              <a:rPr lang="en-US" altLang="zh-CN" sz="1200"/>
+              <a:t>Sprite</a:t>
+            </a:r>
+            <a:r>
+              <a:rPr lang="en-US" altLang="zh-CN" sz="1200" smtClean="0"/>
+              <a:t>)</a:t>
+            </a:r>
+            <a:endParaRPr lang="zh-CN" altLang="en-US" sz="1200" dirty="0"/>
           </a:p>
         </p:txBody>
       </p:sp>
       <p:cxnSp>
         <p:nvCxnSpPr>
-          <p:cNvPr id="27" name="直接连接符 14"/>
+          <p:cNvPr id="44" name="直接连接符 14"/>
           <p:cNvCxnSpPr>
             <a:stCxn id="31" idx="2"/>
-            <a:endCxn id="26" idx="1"/>
+            <a:endCxn id="41" idx="1"/>
           </p:cNvCxnSpPr>
           <p:nvPr/>
         </p:nvCxnSpPr>
         <p:spPr>
           <a:xfrm rot="16200000" flipH="1">
-            <a:off x="1870985" y="2032186"/>
-            <a:ext cx="1349756" cy="279679"/>
+            <a:off x="2379673" y="2617066"/>
+            <a:ext cx="286925" cy="645682"/>
           </a:xfrm>
           <a:prstGeom prst="bentConnector2">
             <a:avLst/>
@@ -6278,65 +6016,19 @@
           </a:fontRef>
         </p:style>
       </p:cxnSp>
-      <p:sp>
-        <p:nvSpPr>
-          <p:cNvPr id="39" name="圆角矩形 38"/>
-          <p:cNvSpPr/>
-          <p:nvPr/>
-        </p:nvSpPr>
-        <p:spPr>
-          <a:xfrm>
-            <a:off x="2685705" y="2010008"/>
-            <a:ext cx="1420493" cy="216024"/>
-          </a:xfrm>
-          <a:prstGeom prst="roundRect">
-            <a:avLst/>
-          </a:prstGeom>
-        </p:spPr>
-        <p:style>
-          <a:lnRef idx="1">
-            <a:schemeClr val="accent2"/>
-          </a:lnRef>
-          <a:fillRef idx="2">
-            <a:schemeClr val="accent2"/>
-          </a:fillRef>
-          <a:effectRef idx="1">
-            <a:schemeClr val="accent2"/>
-          </a:effectRef>
-          <a:fontRef idx="minor">
-            <a:schemeClr val="dk1"/>
-          </a:fontRef>
-        </p:style>
-        <p:txBody>
-          <a:bodyPr lIns="0" tIns="0" rIns="0" bIns="0" rtlCol="0" anchor="ctr" anchorCtr="1"/>
-          <a:lstStyle/>
-          <a:p>
-            <a:pPr algn="ctr"/>
-            <a:r>
-              <a:rPr lang="zh-CN" altLang="en-US" sz="1200"/>
-              <a:t>悬赏</a:t>
-            </a:r>
-            <a:r>
-              <a:rPr lang="zh-CN" altLang="en-US" sz="1200" smtClean="0"/>
-              <a:t>列表</a:t>
-            </a:r>
-            <a:endParaRPr lang="zh-CN" altLang="en-US" sz="1200"/>
-          </a:p>
-        </p:txBody>
-      </p:sp>
       <p:cxnSp>
         <p:nvCxnSpPr>
-          <p:cNvPr id="40" name="直接连接符 14"/>
+          <p:cNvPr id="18" name="直接连接符 14"/>
           <p:cNvCxnSpPr>
-            <a:stCxn id="31" idx="2"/>
-            <a:endCxn id="39" idx="1"/>
+            <a:stCxn id="41" idx="2"/>
+            <a:endCxn id="20" idx="1"/>
           </p:cNvCxnSpPr>
           <p:nvPr/>
         </p:nvCxnSpPr>
         <p:spPr>
           <a:xfrm rot="16200000" flipH="1">
-            <a:off x="2235428" y="1667743"/>
-            <a:ext cx="620872" cy="279681"/>
+            <a:off x="3661780" y="3085824"/>
+            <a:ext cx="228599" cy="439713"/>
           </a:xfrm>
           <a:prstGeom prst="bentConnector2">
             <a:avLst/>
@@ -6362,14 +6054,14 @@
       </p:cxnSp>
       <p:sp>
         <p:nvSpPr>
-          <p:cNvPr id="49" name="圆角矩形 48"/>
+          <p:cNvPr id="20" name="圆角矩形 19"/>
           <p:cNvSpPr/>
           <p:nvPr/>
         </p:nvSpPr>
         <p:spPr>
           <a:xfrm>
-            <a:off x="4860033" y="1279586"/>
-            <a:ext cx="1080120" cy="216024"/>
+            <a:off x="3995936" y="3311969"/>
+            <a:ext cx="1420493" cy="216024"/>
           </a:xfrm>
           <a:prstGeom prst="roundRect">
             <a:avLst/>
@@ -6377,13 +6069,13 @@
         </p:spPr>
         <p:style>
           <a:lnRef idx="1">
-            <a:schemeClr val="accent6"/>
+            <a:schemeClr val="accent4"/>
           </a:lnRef>
           <a:fillRef idx="2">
-            <a:schemeClr val="accent6"/>
+            <a:schemeClr val="accent4"/>
           </a:fillRef>
           <a:effectRef idx="1">
-            <a:schemeClr val="accent6"/>
+            <a:schemeClr val="accent4"/>
           </a:effectRef>
           <a:fontRef idx="minor">
             <a:schemeClr val="dk1"/>
@@ -6395,27 +6087,82 @@
           <a:p>
             <a:pPr algn="ctr"/>
             <a:r>
+              <a:rPr lang="zh-CN" altLang="en-US" sz="1200" smtClean="0"/>
+              <a:t>显示对象</a:t>
+            </a:r>
+            <a:r>
+              <a:rPr lang="en-US" altLang="zh-CN" sz="1200" smtClean="0"/>
+              <a:t>(Display)</a:t>
+            </a:r>
+            <a:endParaRPr lang="zh-CN" altLang="en-US" sz="1200" dirty="0"/>
+          </a:p>
+        </p:txBody>
+      </p:sp>
+      <p:sp>
+        <p:nvSpPr>
+          <p:cNvPr id="24" name="圆角矩形 23"/>
+          <p:cNvSpPr/>
+          <p:nvPr/>
+        </p:nvSpPr>
+        <p:spPr>
+          <a:xfrm>
+            <a:off x="3998113" y="3636006"/>
+            <a:ext cx="1420493" cy="216024"/>
+          </a:xfrm>
+          <a:prstGeom prst="roundRect">
+            <a:avLst/>
+          </a:prstGeom>
+        </p:spPr>
+        <p:style>
+          <a:lnRef idx="1">
+            <a:schemeClr val="accent4"/>
+          </a:lnRef>
+          <a:fillRef idx="2">
+            <a:schemeClr val="accent4"/>
+          </a:fillRef>
+          <a:effectRef idx="1">
+            <a:schemeClr val="accent4"/>
+          </a:effectRef>
+          <a:fontRef idx="minor">
+            <a:schemeClr val="dk1"/>
+          </a:fontRef>
+        </p:style>
+        <p:txBody>
+          <a:bodyPr lIns="0" tIns="0" rIns="0" bIns="0" rtlCol="0" anchor="ctr" anchorCtr="1"/>
+          <a:lstStyle/>
+          <a:p>
+            <a:pPr algn="ctr"/>
+            <a:r>
               <a:rPr lang="zh-CN" altLang="en-US" sz="1200"/>
-              <a:t>用户</a:t>
-            </a:r>
+              <a:t>事件</a:t>
+            </a:r>
+            <a:r>
+              <a:rPr lang="zh-CN" altLang="en-US" sz="1200" smtClean="0"/>
+              <a:t>对象</a:t>
+            </a:r>
+            <a:r>
+              <a:rPr lang="en-US" altLang="zh-CN" sz="1200" smtClean="0"/>
+              <a:t>(Event)</a:t>
+            </a:r>
+            <a:endParaRPr lang="zh-CN" altLang="en-US" sz="1200" dirty="0"/>
           </a:p>
         </p:txBody>
       </p:sp>
       <p:cxnSp>
         <p:nvCxnSpPr>
-          <p:cNvPr id="50" name="直接连接符 14"/>
+          <p:cNvPr id="25" name="直接连接符 14"/>
           <p:cNvCxnSpPr>
-            <a:stCxn id="31" idx="3"/>
-            <a:endCxn id="49" idx="1"/>
+            <a:stCxn id="41" idx="2"/>
+            <a:endCxn id="24" idx="1"/>
           </p:cNvCxnSpPr>
           <p:nvPr/>
         </p:nvCxnSpPr>
         <p:spPr>
-          <a:xfrm flipV="1">
-            <a:off x="3116270" y="1387598"/>
-            <a:ext cx="1743763" cy="1538"/>
-          </a:xfrm>
-          <a:prstGeom prst="straightConnector1">
+          <a:xfrm rot="16200000" flipH="1">
+            <a:off x="3500850" y="3246755"/>
+            <a:ext cx="552636" cy="441890"/>
+          </a:xfrm>
+          <a:prstGeom prst="bentConnector2">
             <a:avLst/>
           </a:prstGeom>
           <a:ln>
@@ -6439,14 +6186,14 @@
       </p:cxnSp>
       <p:sp>
         <p:nvSpPr>
-          <p:cNvPr id="52" name="圆角矩形 51"/>
+          <p:cNvPr id="32" name="圆角矩形 31"/>
           <p:cNvSpPr/>
           <p:nvPr/>
         </p:nvSpPr>
         <p:spPr>
           <a:xfrm>
-            <a:off x="4860032" y="1605587"/>
-            <a:ext cx="1080121" cy="216024"/>
+            <a:off x="3995935" y="3960043"/>
+            <a:ext cx="1420493" cy="216024"/>
           </a:xfrm>
           <a:prstGeom prst="roundRect">
             <a:avLst/>
@@ -6454,13 +6201,13 @@
         </p:spPr>
         <p:style>
           <a:lnRef idx="1">
-            <a:schemeClr val="accent2"/>
+            <a:schemeClr val="accent4"/>
           </a:lnRef>
           <a:fillRef idx="2">
-            <a:schemeClr val="accent2"/>
+            <a:schemeClr val="accent4"/>
           </a:fillRef>
           <a:effectRef idx="1">
-            <a:schemeClr val="accent2"/>
+            <a:schemeClr val="accent4"/>
           </a:effectRef>
           <a:fontRef idx="minor">
             <a:schemeClr val="dk1"/>
@@ -6472,185 +6219,33 @@
           <a:p>
             <a:pPr algn="ctr"/>
             <a:r>
-              <a:rPr lang="zh-CN" altLang="en-US" sz="1200"/>
-              <a:t>充值</a:t>
-            </a:r>
+              <a:rPr lang="zh-CN" altLang="en-US" sz="1200" smtClean="0"/>
+              <a:t>处理对象</a:t>
+            </a:r>
+            <a:r>
+              <a:rPr lang="en-US" altLang="zh-CN" sz="1200" smtClean="0"/>
+              <a:t>(Processor)</a:t>
+            </a:r>
+            <a:endParaRPr lang="zh-CN" altLang="en-US" sz="1200" dirty="0"/>
           </a:p>
         </p:txBody>
       </p:sp>
       <p:cxnSp>
         <p:nvCxnSpPr>
-          <p:cNvPr id="53" name="直接连接符 14"/>
+          <p:cNvPr id="33" name="直接连接符 14"/>
           <p:cNvCxnSpPr>
-            <a:stCxn id="31" idx="3"/>
-            <a:endCxn id="52" idx="1"/>
+            <a:stCxn id="41" idx="2"/>
+            <a:endCxn id="32" idx="1"/>
           </p:cNvCxnSpPr>
           <p:nvPr/>
         </p:nvCxnSpPr>
         <p:spPr>
-          <a:xfrm>
-            <a:off x="3116270" y="1389136"/>
-            <a:ext cx="1743762" cy="324463"/>
-          </a:xfrm>
-          <a:prstGeom prst="straightConnector1">
-            <a:avLst/>
-          </a:prstGeom>
-          <a:ln>
-            <a:tailEnd type="triangle" w="med" len="lg"/>
-          </a:ln>
-        </p:spPr>
-        <p:style>
-          <a:lnRef idx="1">
-            <a:schemeClr val="accent1"/>
-          </a:lnRef>
-          <a:fillRef idx="0">
-            <a:schemeClr val="accent1"/>
-          </a:fillRef>
-          <a:effectRef idx="0">
-            <a:schemeClr val="accent1"/>
-          </a:effectRef>
-          <a:fontRef idx="minor">
-            <a:schemeClr val="tx1"/>
-          </a:fontRef>
-        </p:style>
-      </p:cxnSp>
-      <p:sp>
-        <p:nvSpPr>
-          <p:cNvPr id="60" name="圆角矩形 59"/>
-          <p:cNvSpPr/>
-          <p:nvPr/>
-        </p:nvSpPr>
-        <p:spPr>
-          <a:xfrm>
-            <a:off x="6396548" y="1279586"/>
-            <a:ext cx="1080120" cy="216024"/>
-          </a:xfrm>
-          <a:prstGeom prst="roundRect">
-            <a:avLst/>
-          </a:prstGeom>
-        </p:spPr>
-        <p:style>
-          <a:lnRef idx="1">
-            <a:schemeClr val="accent6"/>
-          </a:lnRef>
-          <a:fillRef idx="2">
-            <a:schemeClr val="accent6"/>
-          </a:fillRef>
-          <a:effectRef idx="1">
-            <a:schemeClr val="accent6"/>
-          </a:effectRef>
-          <a:fontRef idx="minor">
-            <a:schemeClr val="dk1"/>
-          </a:fontRef>
-        </p:style>
-        <p:txBody>
-          <a:bodyPr lIns="0" tIns="0" rIns="0" bIns="0" rtlCol="0" anchor="ctr" anchorCtr="1"/>
-          <a:lstStyle/>
-          <a:p>
-            <a:pPr algn="ctr"/>
-            <a:r>
-              <a:rPr lang="zh-CN" altLang="en-US" sz="1200"/>
-              <a:t>注册</a:t>
-            </a:r>
-          </a:p>
-        </p:txBody>
-      </p:sp>
-      <p:sp>
-        <p:nvSpPr>
-          <p:cNvPr id="61" name="圆角矩形 60"/>
-          <p:cNvSpPr/>
-          <p:nvPr/>
-        </p:nvSpPr>
-        <p:spPr>
-          <a:xfrm>
-            <a:off x="6396548" y="1607777"/>
-            <a:ext cx="1080120" cy="216024"/>
-          </a:xfrm>
-          <a:prstGeom prst="roundRect">
-            <a:avLst/>
-          </a:prstGeom>
-        </p:spPr>
-        <p:style>
-          <a:lnRef idx="1">
-            <a:schemeClr val="accent6"/>
-          </a:lnRef>
-          <a:fillRef idx="2">
-            <a:schemeClr val="accent6"/>
-          </a:fillRef>
-          <a:effectRef idx="1">
-            <a:schemeClr val="accent6"/>
-          </a:effectRef>
-          <a:fontRef idx="minor">
-            <a:schemeClr val="dk1"/>
-          </a:fontRef>
-        </p:style>
-        <p:txBody>
-          <a:bodyPr lIns="0" tIns="0" rIns="0" bIns="0" rtlCol="0" anchor="ctr" anchorCtr="1"/>
-          <a:lstStyle/>
-          <a:p>
-            <a:pPr algn="ctr"/>
-            <a:r>
-              <a:rPr lang="zh-CN" altLang="en-US" sz="1200" smtClean="0"/>
-              <a:t>登录</a:t>
-            </a:r>
-            <a:endParaRPr lang="zh-CN" altLang="en-US" sz="1200"/>
-          </a:p>
-        </p:txBody>
-      </p:sp>
-      <p:cxnSp>
-        <p:nvCxnSpPr>
-          <p:cNvPr id="62" name="直接连接符 14"/>
-          <p:cNvCxnSpPr>
-            <a:stCxn id="49" idx="3"/>
-            <a:endCxn id="60" idx="1"/>
-          </p:cNvCxnSpPr>
-          <p:nvPr/>
-        </p:nvCxnSpPr>
-        <p:spPr>
-          <a:xfrm>
-            <a:off x="5940153" y="1387598"/>
-            <a:ext cx="456395" cy="0"/>
-          </a:xfrm>
-          <a:prstGeom prst="straightConnector1">
-            <a:avLst/>
-          </a:prstGeom>
-          <a:ln>
-            <a:tailEnd type="triangle" w="med" len="lg"/>
-          </a:ln>
-        </p:spPr>
-        <p:style>
-          <a:lnRef idx="1">
-            <a:schemeClr val="accent1"/>
-          </a:lnRef>
-          <a:fillRef idx="0">
-            <a:schemeClr val="accent1"/>
-          </a:fillRef>
-          <a:effectRef idx="0">
-            <a:schemeClr val="accent1"/>
-          </a:effectRef>
-          <a:fontRef idx="minor">
-            <a:schemeClr val="tx1"/>
-          </a:fontRef>
-        </p:style>
-      </p:cxnSp>
-      <p:cxnSp>
-        <p:nvCxnSpPr>
-          <p:cNvPr id="66" name="直接连接符 14"/>
-          <p:cNvCxnSpPr>
-            <a:stCxn id="49" idx="3"/>
-            <a:endCxn id="61" idx="1"/>
-          </p:cNvCxnSpPr>
-          <p:nvPr/>
-        </p:nvCxnSpPr>
-        <p:spPr>
-          <a:xfrm>
-            <a:off x="5940153" y="1387598"/>
-            <a:ext cx="456395" cy="328191"/>
-          </a:xfrm>
-          <a:prstGeom prst="bentConnector3">
-            <a:avLst>
-              <a:gd name="adj1" fmla="val 50000"/>
-            </a:avLst>
+          <a:xfrm rot="16200000" flipH="1">
+            <a:off x="3337743" y="3409862"/>
+            <a:ext cx="876673" cy="439712"/>
+          </a:xfrm>
+          <a:prstGeom prst="bentConnector2">
+            <a:avLst/>
           </a:prstGeom>
           <a:ln>
             <a:tailEnd type="triangle" w="med" len="lg"/>
@@ -6674,7 +6269,7 @@
     </p:spTree>
     <p:extLst>
       <p:ext uri="{BB962C8B-B14F-4D97-AF65-F5344CB8AC3E}">
-        <p14:creationId xmlns:p14="http://schemas.microsoft.com/office/powerpoint/2010/main" val="2364541809"/>
+        <p14:creationId xmlns:p14="http://schemas.microsoft.com/office/powerpoint/2010/main" val="4094731615"/>
       </p:ext>
     </p:extLst>
   </p:cSld>
@@ -6730,16 +6325,8 @@
               <a:t>WEB – </a:t>
             </a:r>
             <a:r>
-              <a:rPr lang="zh-CN" altLang="en-US" smtClean="0"/>
-              <a:t>前台 </a:t>
-            </a:r>
-            <a:r>
-              <a:rPr lang="en-US" altLang="zh-CN" smtClean="0"/>
-              <a:t>– </a:t>
-            </a:r>
-            <a:r>
-              <a:rPr lang="zh-CN" altLang="en-US" smtClean="0"/>
-              <a:t>用户空间</a:t>
+              <a:rPr lang="zh-CN" altLang="en-US"/>
+              <a:t>前台</a:t>
             </a:r>
             <a:endParaRPr lang="zh-CN" altLang="en-US" dirty="0"/>
           </a:p>
@@ -6753,7 +6340,7 @@
         </p:nvSpPr>
         <p:spPr>
           <a:xfrm>
-            <a:off x="1043608" y="1060698"/>
+            <a:off x="755576" y="916682"/>
             <a:ext cx="1008112" cy="216024"/>
           </a:xfrm>
           <a:prstGeom prst="roundRect">
@@ -6781,13 +6368,8 @@
             <a:pPr algn="ctr"/>
             <a:r>
               <a:rPr lang="zh-CN" altLang="en-US" sz="1200"/>
-              <a:t>用户</a:t>
-            </a:r>
-            <a:r>
-              <a:rPr lang="zh-CN" altLang="en-US" sz="1200" smtClean="0"/>
-              <a:t>空间</a:t>
-            </a:r>
-            <a:endParaRPr lang="zh-CN" altLang="en-US" sz="1200"/>
+              <a:t>站点</a:t>
+            </a:r>
           </a:p>
         </p:txBody>
       </p:sp>
@@ -6799,7 +6381,7 @@
         </p:nvSpPr>
         <p:spPr>
           <a:xfrm>
-            <a:off x="1979637" y="1445947"/>
+            <a:off x="1695777" y="1281124"/>
             <a:ext cx="1420493" cy="216024"/>
           </a:xfrm>
           <a:prstGeom prst="roundRect">
@@ -6808,13 +6390,13 @@
         </p:spPr>
         <p:style>
           <a:lnRef idx="1">
-            <a:schemeClr val="accent2"/>
+            <a:schemeClr val="accent6"/>
           </a:lnRef>
           <a:fillRef idx="2">
-            <a:schemeClr val="accent2"/>
+            <a:schemeClr val="accent6"/>
           </a:fillRef>
           <a:effectRef idx="1">
-            <a:schemeClr val="accent2"/>
+            <a:schemeClr val="accent6"/>
           </a:effectRef>
           <a:fontRef idx="minor">
             <a:schemeClr val="dk1"/>
@@ -6826,10 +6408,9 @@
           <a:p>
             <a:pPr algn="ctr"/>
             <a:r>
-              <a:rPr lang="zh-CN" altLang="en-US" sz="1200" smtClean="0"/>
-              <a:t>我的信息</a:t>
-            </a:r>
-            <a:endParaRPr lang="zh-CN" altLang="en-US" sz="1200"/>
+              <a:rPr lang="zh-CN" altLang="en-US" sz="1200"/>
+              <a:t>首页</a:t>
+            </a:r>
           </a:p>
         </p:txBody>
       </p:sp>
@@ -6844,8 +6425,8 @@
         </p:nvCxnSpPr>
         <p:spPr>
           <a:xfrm rot="16200000" flipH="1">
-            <a:off x="1625032" y="1199353"/>
-            <a:ext cx="277237" cy="431973"/>
+            <a:off x="1349489" y="1042848"/>
+            <a:ext cx="256430" cy="436145"/>
           </a:xfrm>
           <a:prstGeom prst="bentConnector2">
             <a:avLst/>
@@ -6877,7 +6458,7 @@
         </p:nvSpPr>
         <p:spPr>
           <a:xfrm>
-            <a:off x="1979637" y="2040089"/>
+            <a:off x="1706958" y="3103334"/>
             <a:ext cx="1420493" cy="216024"/>
           </a:xfrm>
           <a:prstGeom prst="roundRect">
@@ -6886,13 +6467,13 @@
         </p:spPr>
         <p:style>
           <a:lnRef idx="1">
-            <a:schemeClr val="accent2"/>
+            <a:schemeClr val="accent6"/>
           </a:lnRef>
           <a:fillRef idx="2">
-            <a:schemeClr val="accent2"/>
+            <a:schemeClr val="accent6"/>
           </a:fillRef>
           <a:effectRef idx="1">
-            <a:schemeClr val="accent2"/>
+            <a:schemeClr val="accent6"/>
           </a:effectRef>
           <a:fontRef idx="minor">
             <a:schemeClr val="dk1"/>
@@ -6904,8 +6485,12 @@
           <a:p>
             <a:pPr algn="ctr"/>
             <a:r>
+              <a:rPr lang="zh-CN" altLang="en-US" sz="1200"/>
+              <a:t>用户</a:t>
+            </a:r>
+            <a:r>
               <a:rPr lang="zh-CN" altLang="en-US" sz="1200" smtClean="0"/>
-              <a:t>我的项目</a:t>
+              <a:t>空间</a:t>
             </a:r>
             <a:endParaRPr lang="zh-CN" altLang="en-US" sz="1200"/>
           </a:p>
@@ -6922,8 +6507,8 @@
         </p:nvCxnSpPr>
         <p:spPr>
           <a:xfrm rot="16200000" flipH="1">
-            <a:off x="1327961" y="1496424"/>
-            <a:ext cx="871379" cy="431973"/>
+            <a:off x="443975" y="1948363"/>
+            <a:ext cx="2078640" cy="447326"/>
           </a:xfrm>
           <a:prstGeom prst="bentConnector2">
             <a:avLst/>
@@ -6955,7 +6540,7 @@
         </p:nvSpPr>
         <p:spPr>
           <a:xfrm>
-            <a:off x="1979637" y="3590522"/>
+            <a:off x="1695776" y="3467775"/>
             <a:ext cx="1420493" cy="216024"/>
           </a:xfrm>
           <a:prstGeom prst="roundRect">
@@ -6983,7 +6568,7 @@
             <a:pPr algn="ctr"/>
             <a:r>
               <a:rPr lang="zh-CN" altLang="en-US" sz="1200" smtClean="0"/>
-              <a:t>共享空间</a:t>
+              <a:t>论坛</a:t>
             </a:r>
             <a:endParaRPr lang="zh-CN" altLang="en-US" sz="1200"/>
           </a:p>
@@ -7000,8 +6585,8 @@
         </p:nvCxnSpPr>
         <p:spPr>
           <a:xfrm rot="16200000" flipH="1">
-            <a:off x="552744" y="2271641"/>
-            <a:ext cx="2421812" cy="431973"/>
+            <a:off x="256164" y="2136174"/>
+            <a:ext cx="2443081" cy="436144"/>
           </a:xfrm>
           <a:prstGeom prst="bentConnector2">
             <a:avLst/>
@@ -7027,13 +6612,13 @@
       </p:cxnSp>
       <p:sp>
         <p:nvSpPr>
-          <p:cNvPr id="47" name="圆角矩形 46"/>
+          <p:cNvPr id="15" name="圆角矩形 14"/>
           <p:cNvSpPr/>
           <p:nvPr/>
         </p:nvSpPr>
         <p:spPr>
           <a:xfrm>
-            <a:off x="1979636" y="4458648"/>
+            <a:off x="2685706" y="1645566"/>
             <a:ext cx="1420493" cy="216024"/>
           </a:xfrm>
           <a:prstGeom prst="roundRect">
@@ -7061,7 +6646,53 @@
             <a:pPr algn="ctr"/>
             <a:r>
               <a:rPr lang="zh-CN" altLang="en-US" sz="1200" smtClean="0"/>
-              <a:t>前往论坛</a:t>
+              <a:t>资源列表</a:t>
+            </a:r>
+            <a:endParaRPr lang="zh-CN" altLang="en-US" sz="1200"/>
+          </a:p>
+        </p:txBody>
+      </p:sp>
+      <p:sp>
+        <p:nvSpPr>
+          <p:cNvPr id="16" name="圆角矩形 15"/>
+          <p:cNvSpPr/>
+          <p:nvPr/>
+        </p:nvSpPr>
+        <p:spPr>
+          <a:xfrm>
+            <a:off x="2685704" y="2374450"/>
+            <a:ext cx="1420493" cy="216024"/>
+          </a:xfrm>
+          <a:prstGeom prst="roundRect">
+            <a:avLst/>
+          </a:prstGeom>
+        </p:spPr>
+        <p:style>
+          <a:lnRef idx="1">
+            <a:schemeClr val="dk1"/>
+          </a:lnRef>
+          <a:fillRef idx="2">
+            <a:schemeClr val="dk1"/>
+          </a:fillRef>
+          <a:effectRef idx="1">
+            <a:schemeClr val="dk1"/>
+          </a:effectRef>
+          <a:fontRef idx="minor">
+            <a:schemeClr val="dk1"/>
+          </a:fontRef>
+        </p:style>
+        <p:txBody>
+          <a:bodyPr lIns="0" tIns="0" rIns="0" bIns="0" rtlCol="0" anchor="ctr" anchorCtr="1"/>
+          <a:lstStyle/>
+          <a:p>
+            <a:pPr algn="ctr"/>
+            <a:r>
+              <a:rPr lang="zh-CN" altLang="en-US" sz="1200"/>
+              <a:t>新闻</a:t>
+            </a:r>
+            <a:r>
+              <a:rPr lang="zh-CN" altLang="en-US" sz="1200" smtClean="0"/>
+              <a:t>列表</a:t>
             </a:r>
             <a:endParaRPr lang="zh-CN" altLang="en-US" sz="1200"/>
           </a:p>
@@ -7069,85 +6700,7 @@
       </p:sp>
       <p:cxnSp>
         <p:nvCxnSpPr>
-          <p:cNvPr id="48" name="直接连接符 14"/>
-          <p:cNvCxnSpPr>
-            <a:stCxn id="3" idx="2"/>
-            <a:endCxn id="47" idx="1"/>
-          </p:cNvCxnSpPr>
-          <p:nvPr/>
-        </p:nvCxnSpPr>
-        <p:spPr>
-          <a:xfrm rot="16200000" flipH="1">
-            <a:off x="118681" y="2705705"/>
-            <a:ext cx="3289938" cy="431972"/>
-          </a:xfrm>
-          <a:prstGeom prst="bentConnector2">
-            <a:avLst/>
-          </a:prstGeom>
-          <a:ln>
-            <a:tailEnd type="triangle" w="med" len="lg"/>
-          </a:ln>
-        </p:spPr>
-        <p:style>
-          <a:lnRef idx="1">
-            <a:schemeClr val="accent1"/>
-          </a:lnRef>
-          <a:fillRef idx="0">
-            <a:schemeClr val="accent1"/>
-          </a:fillRef>
-          <a:effectRef idx="0">
-            <a:schemeClr val="accent1"/>
-          </a:effectRef>
-          <a:fontRef idx="minor">
-            <a:schemeClr val="tx1"/>
-          </a:fontRef>
-        </p:style>
-      </p:cxnSp>
-      <p:sp>
-        <p:nvSpPr>
-          <p:cNvPr id="15" name="圆角矩形 14"/>
-          <p:cNvSpPr/>
-          <p:nvPr/>
-        </p:nvSpPr>
-        <p:spPr>
-          <a:xfrm>
-            <a:off x="3707904" y="1725207"/>
-            <a:ext cx="1420493" cy="216024"/>
-          </a:xfrm>
-          <a:prstGeom prst="roundRect">
-            <a:avLst/>
-          </a:prstGeom>
-        </p:spPr>
-        <p:style>
-          <a:lnRef idx="1">
-            <a:schemeClr val="accent2"/>
-          </a:lnRef>
-          <a:fillRef idx="2">
-            <a:schemeClr val="accent2"/>
-          </a:fillRef>
-          <a:effectRef idx="1">
-            <a:schemeClr val="accent2"/>
-          </a:effectRef>
-          <a:fontRef idx="minor">
-            <a:schemeClr val="dk1"/>
-          </a:fontRef>
-        </p:style>
-        <p:txBody>
-          <a:bodyPr lIns="0" tIns="0" rIns="0" bIns="0" rtlCol="0" anchor="ctr" anchorCtr="1"/>
-          <a:lstStyle/>
-          <a:p>
-            <a:pPr algn="ctr"/>
-            <a:r>
-              <a:rPr lang="zh-CN" altLang="en-US" sz="1200" smtClean="0"/>
-              <a:t>个人信息</a:t>
-            </a:r>
-            <a:endParaRPr lang="zh-CN" altLang="en-US" sz="1200"/>
-          </a:p>
-        </p:txBody>
-      </p:sp>
-      <p:cxnSp>
-        <p:nvCxnSpPr>
-          <p:cNvPr id="16" name="直接连接符 14"/>
+          <p:cNvPr id="17" name="直接连接符 14"/>
           <p:cNvCxnSpPr>
             <a:stCxn id="31" idx="2"/>
             <a:endCxn id="15" idx="1"/>
@@ -7156,8 +6709,8 @@
         </p:nvCxnSpPr>
         <p:spPr>
           <a:xfrm rot="16200000" flipH="1">
-            <a:off x="3113270" y="1238585"/>
-            <a:ext cx="171248" cy="1018020"/>
+            <a:off x="2417650" y="1485522"/>
+            <a:ext cx="256430" cy="279682"/>
           </a:xfrm>
           <a:prstGeom prst="bentConnector2">
             <a:avLst/>
@@ -7181,61 +6734,19 @@
           </a:fontRef>
         </p:style>
       </p:cxnSp>
-      <p:sp>
-        <p:nvSpPr>
-          <p:cNvPr id="25" name="圆角矩形 24"/>
-          <p:cNvSpPr/>
-          <p:nvPr/>
-        </p:nvSpPr>
-        <p:spPr>
-          <a:xfrm>
-            <a:off x="3707904" y="2300542"/>
-            <a:ext cx="1420493" cy="216024"/>
-          </a:xfrm>
-          <a:prstGeom prst="roundRect">
-            <a:avLst/>
-          </a:prstGeom>
-        </p:spPr>
-        <p:style>
-          <a:lnRef idx="1">
-            <a:schemeClr val="dk1"/>
-          </a:lnRef>
-          <a:fillRef idx="2">
-            <a:schemeClr val="dk1"/>
-          </a:fillRef>
-          <a:effectRef idx="1">
-            <a:schemeClr val="dk1"/>
-          </a:effectRef>
-          <a:fontRef idx="minor">
-            <a:schemeClr val="dk1"/>
-          </a:fontRef>
-        </p:style>
-        <p:txBody>
-          <a:bodyPr lIns="0" tIns="0" rIns="0" bIns="0" rtlCol="0" anchor="ctr" anchorCtr="1"/>
-          <a:lstStyle/>
-          <a:p>
-            <a:pPr algn="ctr"/>
-            <a:r>
-              <a:rPr lang="zh-CN" altLang="en-US" sz="1200" smtClean="0"/>
-              <a:t>项目列表</a:t>
-            </a:r>
-            <a:endParaRPr lang="zh-CN" altLang="en-US" sz="1200"/>
-          </a:p>
-        </p:txBody>
-      </p:sp>
       <p:cxnSp>
         <p:nvCxnSpPr>
-          <p:cNvPr id="26" name="直接连接符 14"/>
+          <p:cNvPr id="20" name="直接连接符 14"/>
           <p:cNvCxnSpPr>
-            <a:stCxn id="36" idx="2"/>
-            <a:endCxn id="25" idx="1"/>
+            <a:stCxn id="31" idx="2"/>
+            <a:endCxn id="16" idx="1"/>
           </p:cNvCxnSpPr>
           <p:nvPr/>
         </p:nvCxnSpPr>
         <p:spPr>
           <a:xfrm rot="16200000" flipH="1">
-            <a:off x="3122674" y="1823323"/>
-            <a:ext cx="152441" cy="1018020"/>
+            <a:off x="2053207" y="1849965"/>
+            <a:ext cx="985314" cy="279680"/>
           </a:xfrm>
           <a:prstGeom prst="bentConnector2">
             <a:avLst/>
@@ -7261,13 +6772,13 @@
       </p:cxnSp>
       <p:sp>
         <p:nvSpPr>
-          <p:cNvPr id="30" name="圆角矩形 29"/>
+          <p:cNvPr id="26" name="圆角矩形 25"/>
           <p:cNvSpPr/>
           <p:nvPr/>
         </p:nvSpPr>
         <p:spPr>
           <a:xfrm>
-            <a:off x="3707904" y="2620000"/>
+            <a:off x="2685703" y="2738892"/>
             <a:ext cx="1420493" cy="216024"/>
           </a:xfrm>
           <a:prstGeom prst="roundRect">
@@ -7276,16 +6787,16 @@
         </p:spPr>
         <p:style>
           <a:lnRef idx="1">
-            <a:schemeClr val="accent2"/>
+            <a:schemeClr val="dk1"/>
           </a:lnRef>
           <a:fillRef idx="2">
-            <a:schemeClr val="accent2"/>
+            <a:schemeClr val="dk1"/>
           </a:fillRef>
           <a:effectRef idx="1">
-            <a:schemeClr val="accent2"/>
-          </a:effectRef>
-          <a:fontRef idx="minor">
             <a:schemeClr val="dk1"/>
+          </a:effectRef>
+          <a:fontRef idx="minor">
+            <a:schemeClr val="dk1"/>
           </a:fontRef>
         </p:style>
         <p:txBody>
@@ -7295,7 +6806,7 @@
             <a:pPr algn="ctr"/>
             <a:r>
               <a:rPr lang="zh-CN" altLang="en-US" sz="1200"/>
-              <a:t>资源</a:t>
+              <a:t>人员</a:t>
             </a:r>
             <a:r>
               <a:rPr lang="zh-CN" altLang="en-US" sz="1200" smtClean="0"/>
@@ -7305,107 +6816,19 @@
           </a:p>
         </p:txBody>
       </p:sp>
-      <p:sp>
-        <p:nvSpPr>
-          <p:cNvPr id="32" name="圆角矩形 31"/>
-          <p:cNvSpPr/>
-          <p:nvPr/>
-        </p:nvSpPr>
-        <p:spPr>
-          <a:xfrm>
-            <a:off x="3707904" y="2947821"/>
-            <a:ext cx="1420493" cy="216024"/>
-          </a:xfrm>
-          <a:prstGeom prst="roundRect">
-            <a:avLst/>
-          </a:prstGeom>
-        </p:spPr>
-        <p:style>
-          <a:lnRef idx="1">
-            <a:schemeClr val="dk1"/>
-          </a:lnRef>
-          <a:fillRef idx="2">
-            <a:schemeClr val="dk1"/>
-          </a:fillRef>
-          <a:effectRef idx="1">
-            <a:schemeClr val="dk1"/>
-          </a:effectRef>
-          <a:fontRef idx="minor">
-            <a:schemeClr val="dk1"/>
-          </a:fontRef>
-        </p:style>
-        <p:txBody>
-          <a:bodyPr lIns="0" tIns="0" rIns="0" bIns="0" rtlCol="0" anchor="ctr" anchorCtr="1"/>
-          <a:lstStyle/>
-          <a:p>
-            <a:pPr algn="ctr"/>
-            <a:r>
-              <a:rPr lang="zh-CN" altLang="en-US" sz="1200" smtClean="0"/>
-              <a:t>发布列表</a:t>
-            </a:r>
-            <a:endParaRPr lang="zh-CN" altLang="en-US" sz="1200"/>
-          </a:p>
-        </p:txBody>
-      </p:sp>
-      <p:sp>
-        <p:nvSpPr>
-          <p:cNvPr id="33" name="圆角矩形 32"/>
-          <p:cNvSpPr/>
-          <p:nvPr/>
-        </p:nvSpPr>
-        <p:spPr>
-          <a:xfrm>
-            <a:off x="3707904" y="3275641"/>
-            <a:ext cx="1420493" cy="216024"/>
-          </a:xfrm>
-          <a:prstGeom prst="roundRect">
-            <a:avLst/>
-          </a:prstGeom>
-        </p:spPr>
-        <p:style>
-          <a:lnRef idx="1">
-            <a:schemeClr val="dk1"/>
-          </a:lnRef>
-          <a:fillRef idx="2">
-            <a:schemeClr val="dk1"/>
-          </a:fillRef>
-          <a:effectRef idx="1">
-            <a:schemeClr val="dk1"/>
-          </a:effectRef>
-          <a:fontRef idx="minor">
-            <a:schemeClr val="dk1"/>
-          </a:fontRef>
-        </p:style>
-        <p:txBody>
-          <a:bodyPr lIns="0" tIns="0" rIns="0" bIns="0" rtlCol="0" anchor="ctr" anchorCtr="1"/>
-          <a:lstStyle/>
-          <a:p>
-            <a:pPr algn="ctr"/>
-            <a:r>
-              <a:rPr lang="zh-CN" altLang="en-US" sz="1200"/>
-              <a:t>团队</a:t>
-            </a:r>
-            <a:r>
-              <a:rPr lang="zh-CN" altLang="en-US" sz="1200" smtClean="0"/>
-              <a:t>列表</a:t>
-            </a:r>
-            <a:endParaRPr lang="zh-CN" altLang="en-US" sz="1200"/>
-          </a:p>
-        </p:txBody>
-      </p:sp>
       <p:cxnSp>
         <p:nvCxnSpPr>
-          <p:cNvPr id="35" name="直接连接符 14"/>
+          <p:cNvPr id="27" name="直接连接符 14"/>
           <p:cNvCxnSpPr>
-            <a:stCxn id="36" idx="2"/>
-            <a:endCxn id="30" idx="1"/>
+            <a:stCxn id="31" idx="2"/>
+            <a:endCxn id="26" idx="1"/>
           </p:cNvCxnSpPr>
           <p:nvPr/>
         </p:nvCxnSpPr>
         <p:spPr>
           <a:xfrm rot="16200000" flipH="1">
-            <a:off x="2962945" y="1983052"/>
-            <a:ext cx="471899" cy="1018020"/>
+            <a:off x="1870985" y="2032186"/>
+            <a:ext cx="1349756" cy="279679"/>
           </a:xfrm>
           <a:prstGeom prst="bentConnector2">
             <a:avLst/>
@@ -7429,55 +6852,65 @@
           </a:fontRef>
         </p:style>
       </p:cxnSp>
-      <p:cxnSp>
-        <p:nvCxnSpPr>
-          <p:cNvPr id="37" name="直接连接符 14"/>
-          <p:cNvCxnSpPr>
-            <a:stCxn id="36" idx="2"/>
-            <a:endCxn id="32" idx="1"/>
-          </p:cNvCxnSpPr>
-          <p:nvPr/>
-        </p:nvCxnSpPr>
-        <p:spPr>
-          <a:xfrm rot="16200000" flipH="1">
-            <a:off x="2799034" y="2146963"/>
-            <a:ext cx="799720" cy="1018020"/>
-          </a:xfrm>
-          <a:prstGeom prst="bentConnector2">
-            <a:avLst/>
-          </a:prstGeom>
-          <a:ln>
-            <a:tailEnd type="triangle" w="med" len="lg"/>
-          </a:ln>
-        </p:spPr>
-        <p:style>
-          <a:lnRef idx="1">
-            <a:schemeClr val="accent1"/>
-          </a:lnRef>
-          <a:fillRef idx="0">
-            <a:schemeClr val="accent1"/>
-          </a:fillRef>
-          <a:effectRef idx="0">
-            <a:schemeClr val="accent1"/>
-          </a:effectRef>
-          <a:fontRef idx="minor">
-            <a:schemeClr val="tx1"/>
-          </a:fontRef>
-        </p:style>
-      </p:cxnSp>
+      <p:sp>
+        <p:nvSpPr>
+          <p:cNvPr id="39" name="圆角矩形 38"/>
+          <p:cNvSpPr/>
+          <p:nvPr/>
+        </p:nvSpPr>
+        <p:spPr>
+          <a:xfrm>
+            <a:off x="2685705" y="2010008"/>
+            <a:ext cx="1420493" cy="216024"/>
+          </a:xfrm>
+          <a:prstGeom prst="roundRect">
+            <a:avLst/>
+          </a:prstGeom>
+        </p:spPr>
+        <p:style>
+          <a:lnRef idx="1">
+            <a:schemeClr val="accent2"/>
+          </a:lnRef>
+          <a:fillRef idx="2">
+            <a:schemeClr val="accent2"/>
+          </a:fillRef>
+          <a:effectRef idx="1">
+            <a:schemeClr val="accent2"/>
+          </a:effectRef>
+          <a:fontRef idx="minor">
+            <a:schemeClr val="dk1"/>
+          </a:fontRef>
+        </p:style>
+        <p:txBody>
+          <a:bodyPr lIns="0" tIns="0" rIns="0" bIns="0" rtlCol="0" anchor="ctr" anchorCtr="1"/>
+          <a:lstStyle/>
+          <a:p>
+            <a:pPr algn="ctr"/>
+            <a:r>
+              <a:rPr lang="zh-CN" altLang="en-US" sz="1200"/>
+              <a:t>悬赏</a:t>
+            </a:r>
+            <a:r>
+              <a:rPr lang="zh-CN" altLang="en-US" sz="1200" smtClean="0"/>
+              <a:t>列表</a:t>
+            </a:r>
+            <a:endParaRPr lang="zh-CN" altLang="en-US" sz="1200"/>
+          </a:p>
+        </p:txBody>
+      </p:sp>
       <p:cxnSp>
         <p:nvCxnSpPr>
           <p:cNvPr id="40" name="直接连接符 14"/>
           <p:cNvCxnSpPr>
-            <a:stCxn id="36" idx="2"/>
-            <a:endCxn id="33" idx="1"/>
+            <a:stCxn id="31" idx="2"/>
+            <a:endCxn id="39" idx="1"/>
           </p:cNvCxnSpPr>
           <p:nvPr/>
         </p:nvCxnSpPr>
         <p:spPr>
           <a:xfrm rot="16200000" flipH="1">
-            <a:off x="2635124" y="2310873"/>
-            <a:ext cx="1127540" cy="1018020"/>
+            <a:off x="2235428" y="1667743"/>
+            <a:ext cx="620872" cy="279681"/>
           </a:xfrm>
           <a:prstGeom prst="bentConnector2">
             <a:avLst/>
@@ -7503,14 +6936,14 @@
       </p:cxnSp>
       <p:sp>
         <p:nvSpPr>
-          <p:cNvPr id="45" name="圆角矩形 44"/>
+          <p:cNvPr id="49" name="圆角矩形 48"/>
           <p:cNvSpPr/>
           <p:nvPr/>
         </p:nvSpPr>
         <p:spPr>
           <a:xfrm>
-            <a:off x="5652120" y="2620000"/>
-            <a:ext cx="1420493" cy="216024"/>
+            <a:off x="4860033" y="1279586"/>
+            <a:ext cx="1080120" cy="216024"/>
           </a:xfrm>
           <a:prstGeom prst="roundRect">
             <a:avLst/>
@@ -7518,13 +6951,13 @@
         </p:spPr>
         <p:style>
           <a:lnRef idx="1">
-            <a:schemeClr val="accent2"/>
+            <a:schemeClr val="accent6"/>
           </a:lnRef>
           <a:fillRef idx="2">
-            <a:schemeClr val="accent2"/>
+            <a:schemeClr val="accent6"/>
           </a:fillRef>
           <a:effectRef idx="1">
-            <a:schemeClr val="accent2"/>
+            <a:schemeClr val="accent6"/>
           </a:effectRef>
           <a:fontRef idx="minor">
             <a:schemeClr val="dk1"/>
@@ -7537,29 +6970,24 @@
             <a:pPr algn="ctr"/>
             <a:r>
               <a:rPr lang="zh-CN" altLang="en-US" sz="1200"/>
-              <a:t>上传</a:t>
-            </a:r>
-            <a:r>
-              <a:rPr lang="zh-CN" altLang="en-US" sz="1200" smtClean="0"/>
-              <a:t>资源</a:t>
-            </a:r>
-            <a:endParaRPr lang="zh-CN" altLang="en-US" sz="1200"/>
+              <a:t>用户</a:t>
+            </a:r>
           </a:p>
         </p:txBody>
       </p:sp>
       <p:cxnSp>
         <p:nvCxnSpPr>
-          <p:cNvPr id="46" name="直接连接符 14"/>
+          <p:cNvPr id="50" name="直接连接符 14"/>
           <p:cNvCxnSpPr>
-            <a:stCxn id="30" idx="3"/>
-            <a:endCxn id="45" idx="1"/>
+            <a:stCxn id="31" idx="3"/>
+            <a:endCxn id="49" idx="1"/>
           </p:cNvCxnSpPr>
           <p:nvPr/>
         </p:nvCxnSpPr>
         <p:spPr>
-          <a:xfrm>
-            <a:off x="5128397" y="2728012"/>
-            <a:ext cx="523723" cy="0"/>
+          <a:xfrm flipV="1">
+            <a:off x="3116270" y="1387598"/>
+            <a:ext cx="1743763" cy="1538"/>
           </a:xfrm>
           <a:prstGeom prst="straightConnector1">
             <a:avLst/>
@@ -7585,14 +7013,14 @@
       </p:cxnSp>
       <p:sp>
         <p:nvSpPr>
-          <p:cNvPr id="74" name="圆角矩形 73"/>
+          <p:cNvPr id="52" name="圆角矩形 51"/>
           <p:cNvSpPr/>
           <p:nvPr/>
         </p:nvSpPr>
         <p:spPr>
           <a:xfrm>
-            <a:off x="3707904" y="3869010"/>
-            <a:ext cx="1420493" cy="216024"/>
+            <a:off x="4860032" y="1605587"/>
+            <a:ext cx="1080121" cy="216024"/>
           </a:xfrm>
           <a:prstGeom prst="roundRect">
             <a:avLst/>
@@ -7600,16 +7028,16 @@
         </p:spPr>
         <p:style>
           <a:lnRef idx="1">
+            <a:schemeClr val="accent2"/>
+          </a:lnRef>
+          <a:fillRef idx="2">
+            <a:schemeClr val="accent2"/>
+          </a:fillRef>
+          <a:effectRef idx="1">
+            <a:schemeClr val="accent2"/>
+          </a:effectRef>
+          <a:fontRef idx="minor">
             <a:schemeClr val="dk1"/>
-          </a:lnRef>
-          <a:fillRef idx="2">
-            <a:schemeClr val="dk1"/>
-          </a:fillRef>
-          <a:effectRef idx="1">
-            <a:schemeClr val="dk1"/>
-          </a:effectRef>
-          <a:fontRef idx="minor">
-            <a:schemeClr val="dk1"/>
           </a:fontRef>
         </p:style>
         <p:txBody>
@@ -7618,28 +7046,27 @@
           <a:p>
             <a:pPr algn="ctr"/>
             <a:r>
-              <a:rPr lang="zh-CN" altLang="en-US" sz="1200" smtClean="0"/>
-              <a:t>项目列表</a:t>
-            </a:r>
-            <a:endParaRPr lang="zh-CN" altLang="en-US" sz="1200"/>
+              <a:rPr lang="zh-CN" altLang="en-US" sz="1200"/>
+              <a:t>充值</a:t>
+            </a:r>
           </a:p>
         </p:txBody>
       </p:sp>
       <p:cxnSp>
         <p:nvCxnSpPr>
-          <p:cNvPr id="75" name="直接连接符 14"/>
+          <p:cNvPr id="53" name="直接连接符 14"/>
           <p:cNvCxnSpPr>
-            <a:stCxn id="42" idx="2"/>
-            <a:endCxn id="74" idx="1"/>
+            <a:stCxn id="31" idx="3"/>
+            <a:endCxn id="52" idx="1"/>
           </p:cNvCxnSpPr>
           <p:nvPr/>
         </p:nvCxnSpPr>
         <p:spPr>
-          <a:xfrm rot="16200000" flipH="1">
-            <a:off x="3113656" y="3382774"/>
-            <a:ext cx="170476" cy="1018020"/>
-          </a:xfrm>
-          <a:prstGeom prst="bentConnector2">
+          <a:xfrm>
+            <a:off x="3116270" y="1389136"/>
+            <a:ext cx="1743762" cy="324463"/>
+          </a:xfrm>
+          <a:prstGeom prst="straightConnector1">
             <a:avLst/>
           </a:prstGeom>
           <a:ln>
@@ -7663,14 +7090,14 @@
       </p:cxnSp>
       <p:sp>
         <p:nvSpPr>
-          <p:cNvPr id="81" name="圆角矩形 80"/>
+          <p:cNvPr id="60" name="圆角矩形 59"/>
           <p:cNvSpPr/>
           <p:nvPr/>
         </p:nvSpPr>
         <p:spPr>
           <a:xfrm>
-            <a:off x="3707904" y="4193047"/>
-            <a:ext cx="1420493" cy="216024"/>
+            <a:off x="6396548" y="1279586"/>
+            <a:ext cx="1080120" cy="216024"/>
           </a:xfrm>
           <a:prstGeom prst="roundRect">
             <a:avLst/>
@@ -7696,8 +7123,49 @@
           <a:p>
             <a:pPr algn="ctr"/>
             <a:r>
+              <a:rPr lang="zh-CN" altLang="en-US" sz="1200"/>
+              <a:t>注册</a:t>
+            </a:r>
+          </a:p>
+        </p:txBody>
+      </p:sp>
+      <p:sp>
+        <p:nvSpPr>
+          <p:cNvPr id="61" name="圆角矩形 60"/>
+          <p:cNvSpPr/>
+          <p:nvPr/>
+        </p:nvSpPr>
+        <p:spPr>
+          <a:xfrm>
+            <a:off x="6396548" y="1607777"/>
+            <a:ext cx="1080120" cy="216024"/>
+          </a:xfrm>
+          <a:prstGeom prst="roundRect">
+            <a:avLst/>
+          </a:prstGeom>
+        </p:spPr>
+        <p:style>
+          <a:lnRef idx="1">
+            <a:schemeClr val="accent6"/>
+          </a:lnRef>
+          <a:fillRef idx="2">
+            <a:schemeClr val="accent6"/>
+          </a:fillRef>
+          <a:effectRef idx="1">
+            <a:schemeClr val="accent6"/>
+          </a:effectRef>
+          <a:fontRef idx="minor">
+            <a:schemeClr val="dk1"/>
+          </a:fontRef>
+        </p:style>
+        <p:txBody>
+          <a:bodyPr lIns="0" tIns="0" rIns="0" bIns="0" rtlCol="0" anchor="ctr" anchorCtr="1"/>
+          <a:lstStyle/>
+          <a:p>
+            <a:pPr algn="ctr"/>
+            <a:r>
               <a:rPr lang="zh-CN" altLang="en-US" sz="1200" smtClean="0"/>
-              <a:t>资源列表</a:t>
+              <a:t>登录</a:t>
             </a:r>
             <a:endParaRPr lang="zh-CN" altLang="en-US" sz="1200"/>
           </a:p>
@@ -7705,20 +7173,58 @@
       </p:sp>
       <p:cxnSp>
         <p:nvCxnSpPr>
-          <p:cNvPr id="82" name="直接连接符 14"/>
+          <p:cNvPr id="62" name="直接连接符 14"/>
           <p:cNvCxnSpPr>
-            <a:stCxn id="42" idx="2"/>
-            <a:endCxn id="81" idx="1"/>
+            <a:stCxn id="49" idx="3"/>
+            <a:endCxn id="60" idx="1"/>
           </p:cNvCxnSpPr>
           <p:nvPr/>
         </p:nvCxnSpPr>
         <p:spPr>
-          <a:xfrm rot="16200000" flipH="1">
-            <a:off x="2951638" y="3544792"/>
-            <a:ext cx="494513" cy="1018020"/>
-          </a:xfrm>
-          <a:prstGeom prst="bentConnector2">
-            <a:avLst/>
+          <a:xfrm>
+            <a:off x="5940153" y="1387598"/>
+            <a:ext cx="456395" cy="0"/>
+          </a:xfrm>
+          <a:prstGeom prst="straightConnector1">
+            <a:avLst/>
+          </a:prstGeom>
+          <a:ln>
+            <a:tailEnd type="triangle" w="med" len="lg"/>
+          </a:ln>
+        </p:spPr>
+        <p:style>
+          <a:lnRef idx="1">
+            <a:schemeClr val="accent1"/>
+          </a:lnRef>
+          <a:fillRef idx="0">
+            <a:schemeClr val="accent1"/>
+          </a:fillRef>
+          <a:effectRef idx="0">
+            <a:schemeClr val="accent1"/>
+          </a:effectRef>
+          <a:fontRef idx="minor">
+            <a:schemeClr val="tx1"/>
+          </a:fontRef>
+        </p:style>
+      </p:cxnSp>
+      <p:cxnSp>
+        <p:nvCxnSpPr>
+          <p:cNvPr id="66" name="直接连接符 14"/>
+          <p:cNvCxnSpPr>
+            <a:stCxn id="49" idx="3"/>
+            <a:endCxn id="61" idx="1"/>
+          </p:cNvCxnSpPr>
+          <p:nvPr/>
+        </p:nvCxnSpPr>
+        <p:spPr>
+          <a:xfrm>
+            <a:off x="5940153" y="1387598"/>
+            <a:ext cx="456395" cy="328191"/>
+          </a:xfrm>
+          <a:prstGeom prst="bentConnector3">
+            <a:avLst>
+              <a:gd name="adj1" fmla="val 50000"/>
+            </a:avLst>
           </a:prstGeom>
           <a:ln>
             <a:tailEnd type="triangle" w="med" len="lg"/>
@@ -7742,7 +7248,7 @@
     </p:spTree>
     <p:extLst>
       <p:ext uri="{BB962C8B-B14F-4D97-AF65-F5344CB8AC3E}">
-        <p14:creationId xmlns:p14="http://schemas.microsoft.com/office/powerpoint/2010/main" val="1279786755"/>
+        <p14:creationId xmlns:p14="http://schemas.microsoft.com/office/powerpoint/2010/main" val="2364541809"/>
       </p:ext>
     </p:extLst>
   </p:cSld>
@@ -7798,8 +7304,16 @@
               <a:t>WEB – </a:t>
             </a:r>
             <a:r>
-              <a:rPr lang="zh-CN" altLang="en-US"/>
-              <a:t>后台</a:t>
+              <a:rPr lang="zh-CN" altLang="en-US" smtClean="0"/>
+              <a:t>前台 </a:t>
+            </a:r>
+            <a:r>
+              <a:rPr lang="en-US" altLang="zh-CN" smtClean="0"/>
+              <a:t>– </a:t>
+            </a:r>
+            <a:r>
+              <a:rPr lang="zh-CN" altLang="en-US" smtClean="0"/>
+              <a:t>用户空间</a:t>
             </a:r>
             <a:endParaRPr lang="zh-CN" altLang="en-US" dirty="0"/>
           </a:p>
@@ -7813,7 +7327,7 @@
         </p:nvSpPr>
         <p:spPr>
           <a:xfrm>
-            <a:off x="819883" y="1247186"/>
+            <a:off x="1043608" y="1060698"/>
             <a:ext cx="1008112" cy="216024"/>
           </a:xfrm>
           <a:prstGeom prst="roundRect">
@@ -7841,11 +7355,94 @@
             <a:pPr algn="ctr"/>
             <a:r>
               <a:rPr lang="zh-CN" altLang="en-US" sz="1200"/>
-              <a:t>站点</a:t>
-            </a:r>
-          </a:p>
-        </p:txBody>
-      </p:sp>
+              <a:t>用户</a:t>
+            </a:r>
+            <a:r>
+              <a:rPr lang="zh-CN" altLang="en-US" sz="1200" smtClean="0"/>
+              <a:t>空间</a:t>
+            </a:r>
+            <a:endParaRPr lang="zh-CN" altLang="en-US" sz="1200"/>
+          </a:p>
+        </p:txBody>
+      </p:sp>
+      <p:sp>
+        <p:nvSpPr>
+          <p:cNvPr id="31" name="圆角矩形 30"/>
+          <p:cNvSpPr/>
+          <p:nvPr/>
+        </p:nvSpPr>
+        <p:spPr>
+          <a:xfrm>
+            <a:off x="1979637" y="1445947"/>
+            <a:ext cx="1420493" cy="216024"/>
+          </a:xfrm>
+          <a:prstGeom prst="roundRect">
+            <a:avLst/>
+          </a:prstGeom>
+        </p:spPr>
+        <p:style>
+          <a:lnRef idx="1">
+            <a:schemeClr val="accent2"/>
+          </a:lnRef>
+          <a:fillRef idx="2">
+            <a:schemeClr val="accent2"/>
+          </a:fillRef>
+          <a:effectRef idx="1">
+            <a:schemeClr val="accent2"/>
+          </a:effectRef>
+          <a:fontRef idx="minor">
+            <a:schemeClr val="dk1"/>
+          </a:fontRef>
+        </p:style>
+        <p:txBody>
+          <a:bodyPr lIns="0" tIns="0" rIns="0" bIns="0" rtlCol="0" anchor="ctr" anchorCtr="1"/>
+          <a:lstStyle/>
+          <a:p>
+            <a:pPr algn="ctr"/>
+            <a:r>
+              <a:rPr lang="zh-CN" altLang="en-US" sz="1200" smtClean="0"/>
+              <a:t>我的信息</a:t>
+            </a:r>
+            <a:endParaRPr lang="zh-CN" altLang="en-US" sz="1200"/>
+          </a:p>
+        </p:txBody>
+      </p:sp>
+      <p:cxnSp>
+        <p:nvCxnSpPr>
+          <p:cNvPr id="34" name="直接连接符 14"/>
+          <p:cNvCxnSpPr>
+            <a:stCxn id="3" idx="2"/>
+            <a:endCxn id="31" idx="1"/>
+          </p:cNvCxnSpPr>
+          <p:nvPr/>
+        </p:nvCxnSpPr>
+        <p:spPr>
+          <a:xfrm rot="16200000" flipH="1">
+            <a:off x="1625032" y="1199353"/>
+            <a:ext cx="277237" cy="431973"/>
+          </a:xfrm>
+          <a:prstGeom prst="bentConnector2">
+            <a:avLst/>
+          </a:prstGeom>
+          <a:ln>
+            <a:tailEnd type="triangle" w="med" len="lg"/>
+          </a:ln>
+        </p:spPr>
+        <p:style>
+          <a:lnRef idx="1">
+            <a:schemeClr val="accent1"/>
+          </a:lnRef>
+          <a:fillRef idx="0">
+            <a:schemeClr val="accent1"/>
+          </a:fillRef>
+          <a:effectRef idx="0">
+            <a:schemeClr val="accent1"/>
+          </a:effectRef>
+          <a:fontRef idx="minor">
+            <a:schemeClr val="tx1"/>
+          </a:fontRef>
+        </p:style>
+      </p:cxnSp>
       <p:sp>
         <p:nvSpPr>
           <p:cNvPr id="36" name="圆角矩形 35"/>
@@ -7854,7 +7451,7 @@
         </p:nvSpPr>
         <p:spPr>
           <a:xfrm>
-            <a:off x="1974227" y="1597900"/>
+            <a:off x="1979637" y="2040089"/>
             <a:ext cx="1420493" cy="216024"/>
           </a:xfrm>
           <a:prstGeom prst="roundRect">
@@ -7863,13 +7460,13 @@
         </p:spPr>
         <p:style>
           <a:lnRef idx="1">
-            <a:schemeClr val="accent6"/>
+            <a:schemeClr val="accent2"/>
           </a:lnRef>
           <a:fillRef idx="2">
-            <a:schemeClr val="accent6"/>
+            <a:schemeClr val="accent2"/>
           </a:fillRef>
           <a:effectRef idx="1">
-            <a:schemeClr val="accent6"/>
+            <a:schemeClr val="accent2"/>
           </a:effectRef>
           <a:fontRef idx="minor">
             <a:schemeClr val="dk1"/>
@@ -7881,12 +7478,8 @@
           <a:p>
             <a:pPr algn="ctr"/>
             <a:r>
-              <a:rPr lang="zh-CN" altLang="en-US" sz="1200"/>
-              <a:t>共通</a:t>
-            </a:r>
-            <a:r>
               <a:rPr lang="zh-CN" altLang="en-US" sz="1200" smtClean="0"/>
-              <a:t>管理</a:t>
+              <a:t>我的项目</a:t>
             </a:r>
             <a:endParaRPr lang="zh-CN" altLang="en-US" sz="1200"/>
           </a:p>
@@ -7903,8 +7496,8 @@
         </p:nvCxnSpPr>
         <p:spPr>
           <a:xfrm rot="16200000" flipH="1">
-            <a:off x="1527732" y="1259417"/>
-            <a:ext cx="242702" cy="650288"/>
+            <a:off x="1327961" y="1496424"/>
+            <a:ext cx="871379" cy="431973"/>
           </a:xfrm>
           <a:prstGeom prst="bentConnector2">
             <a:avLst/>
@@ -7928,19 +7521,61 @@
           </a:fontRef>
         </p:style>
       </p:cxnSp>
+      <p:sp>
+        <p:nvSpPr>
+          <p:cNvPr id="42" name="圆角矩形 41"/>
+          <p:cNvSpPr/>
+          <p:nvPr/>
+        </p:nvSpPr>
+        <p:spPr>
+          <a:xfrm>
+            <a:off x="1979637" y="3590522"/>
+            <a:ext cx="1420493" cy="216024"/>
+          </a:xfrm>
+          <a:prstGeom prst="roundRect">
+            <a:avLst/>
+          </a:prstGeom>
+        </p:spPr>
+        <p:style>
+          <a:lnRef idx="1">
+            <a:schemeClr val="accent6"/>
+          </a:lnRef>
+          <a:fillRef idx="2">
+            <a:schemeClr val="accent6"/>
+          </a:fillRef>
+          <a:effectRef idx="1">
+            <a:schemeClr val="accent6"/>
+          </a:effectRef>
+          <a:fontRef idx="minor">
+            <a:schemeClr val="dk1"/>
+          </a:fontRef>
+        </p:style>
+        <p:txBody>
+          <a:bodyPr lIns="0" tIns="0" rIns="0" bIns="0" rtlCol="0" anchor="ctr" anchorCtr="1"/>
+          <a:lstStyle/>
+          <a:p>
+            <a:pPr algn="ctr"/>
+            <a:r>
+              <a:rPr lang="zh-CN" altLang="en-US" sz="1200" smtClean="0"/>
+              <a:t>共享空间</a:t>
+            </a:r>
+            <a:endParaRPr lang="zh-CN" altLang="en-US" sz="1200"/>
+          </a:p>
+        </p:txBody>
+      </p:sp>
       <p:cxnSp>
         <p:nvCxnSpPr>
           <p:cNvPr id="43" name="直接连接符 14"/>
           <p:cNvCxnSpPr>
             <a:stCxn id="3" idx="2"/>
-            <a:endCxn id="29" idx="1"/>
+            <a:endCxn id="42" idx="1"/>
           </p:cNvCxnSpPr>
           <p:nvPr/>
         </p:nvCxnSpPr>
         <p:spPr>
           <a:xfrm rot="16200000" flipH="1">
-            <a:off x="1122362" y="1664787"/>
-            <a:ext cx="1053443" cy="650288"/>
+            <a:off x="552744" y="2271641"/>
+            <a:ext cx="2421812" cy="431973"/>
           </a:xfrm>
           <a:prstGeom prst="bentConnector2">
             <a:avLst/>
@@ -7966,13 +7601,13 @@
       </p:cxnSp>
       <p:sp>
         <p:nvSpPr>
-          <p:cNvPr id="29" name="圆角矩形 28"/>
+          <p:cNvPr id="47" name="圆角矩形 46"/>
           <p:cNvSpPr/>
           <p:nvPr/>
         </p:nvSpPr>
         <p:spPr>
           <a:xfrm>
-            <a:off x="1974227" y="2408641"/>
+            <a:off x="1979636" y="4458648"/>
             <a:ext cx="1420493" cy="216024"/>
           </a:xfrm>
           <a:prstGeom prst="roundRect">
@@ -7999,8 +7634,242 @@
           <a:p>
             <a:pPr algn="ctr"/>
             <a:r>
+              <a:rPr lang="zh-CN" altLang="en-US" sz="1200" smtClean="0"/>
+              <a:t>前往论坛</a:t>
+            </a:r>
+            <a:endParaRPr lang="zh-CN" altLang="en-US" sz="1200"/>
+          </a:p>
+        </p:txBody>
+      </p:sp>
+      <p:cxnSp>
+        <p:nvCxnSpPr>
+          <p:cNvPr id="48" name="直接连接符 14"/>
+          <p:cNvCxnSpPr>
+            <a:stCxn id="3" idx="2"/>
+            <a:endCxn id="47" idx="1"/>
+          </p:cNvCxnSpPr>
+          <p:nvPr/>
+        </p:nvCxnSpPr>
+        <p:spPr>
+          <a:xfrm rot="16200000" flipH="1">
+            <a:off x="118681" y="2705705"/>
+            <a:ext cx="3289938" cy="431972"/>
+          </a:xfrm>
+          <a:prstGeom prst="bentConnector2">
+            <a:avLst/>
+          </a:prstGeom>
+          <a:ln>
+            <a:tailEnd type="triangle" w="med" len="lg"/>
+          </a:ln>
+        </p:spPr>
+        <p:style>
+          <a:lnRef idx="1">
+            <a:schemeClr val="accent1"/>
+          </a:lnRef>
+          <a:fillRef idx="0">
+            <a:schemeClr val="accent1"/>
+          </a:fillRef>
+          <a:effectRef idx="0">
+            <a:schemeClr val="accent1"/>
+          </a:effectRef>
+          <a:fontRef idx="minor">
+            <a:schemeClr val="tx1"/>
+          </a:fontRef>
+        </p:style>
+      </p:cxnSp>
+      <p:sp>
+        <p:nvSpPr>
+          <p:cNvPr id="15" name="圆角矩形 14"/>
+          <p:cNvSpPr/>
+          <p:nvPr/>
+        </p:nvSpPr>
+        <p:spPr>
+          <a:xfrm>
+            <a:off x="3707904" y="1725207"/>
+            <a:ext cx="1420493" cy="216024"/>
+          </a:xfrm>
+          <a:prstGeom prst="roundRect">
+            <a:avLst/>
+          </a:prstGeom>
+        </p:spPr>
+        <p:style>
+          <a:lnRef idx="1">
+            <a:schemeClr val="accent2"/>
+          </a:lnRef>
+          <a:fillRef idx="2">
+            <a:schemeClr val="accent2"/>
+          </a:fillRef>
+          <a:effectRef idx="1">
+            <a:schemeClr val="accent2"/>
+          </a:effectRef>
+          <a:fontRef idx="minor">
+            <a:schemeClr val="dk1"/>
+          </a:fontRef>
+        </p:style>
+        <p:txBody>
+          <a:bodyPr lIns="0" tIns="0" rIns="0" bIns="0" rtlCol="0" anchor="ctr" anchorCtr="1"/>
+          <a:lstStyle/>
+          <a:p>
+            <a:pPr algn="ctr"/>
+            <a:r>
+              <a:rPr lang="zh-CN" altLang="en-US" sz="1200" smtClean="0"/>
+              <a:t>个人信息</a:t>
+            </a:r>
+            <a:endParaRPr lang="zh-CN" altLang="en-US" sz="1200"/>
+          </a:p>
+        </p:txBody>
+      </p:sp>
+      <p:cxnSp>
+        <p:nvCxnSpPr>
+          <p:cNvPr id="16" name="直接连接符 14"/>
+          <p:cNvCxnSpPr>
+            <a:stCxn id="31" idx="2"/>
+            <a:endCxn id="15" idx="1"/>
+          </p:cNvCxnSpPr>
+          <p:nvPr/>
+        </p:nvCxnSpPr>
+        <p:spPr>
+          <a:xfrm rot="16200000" flipH="1">
+            <a:off x="3113270" y="1238585"/>
+            <a:ext cx="171248" cy="1018020"/>
+          </a:xfrm>
+          <a:prstGeom prst="bentConnector2">
+            <a:avLst/>
+          </a:prstGeom>
+          <a:ln>
+            <a:tailEnd type="triangle" w="med" len="lg"/>
+          </a:ln>
+        </p:spPr>
+        <p:style>
+          <a:lnRef idx="1">
+            <a:schemeClr val="accent1"/>
+          </a:lnRef>
+          <a:fillRef idx="0">
+            <a:schemeClr val="accent1"/>
+          </a:fillRef>
+          <a:effectRef idx="0">
+            <a:schemeClr val="accent1"/>
+          </a:effectRef>
+          <a:fontRef idx="minor">
+            <a:schemeClr val="tx1"/>
+          </a:fontRef>
+        </p:style>
+      </p:cxnSp>
+      <p:sp>
+        <p:nvSpPr>
+          <p:cNvPr id="25" name="圆角矩形 24"/>
+          <p:cNvSpPr/>
+          <p:nvPr/>
+        </p:nvSpPr>
+        <p:spPr>
+          <a:xfrm>
+            <a:off x="3707904" y="2300542"/>
+            <a:ext cx="1420493" cy="216024"/>
+          </a:xfrm>
+          <a:prstGeom prst="roundRect">
+            <a:avLst/>
+          </a:prstGeom>
+        </p:spPr>
+        <p:style>
+          <a:lnRef idx="1">
+            <a:schemeClr val="dk1"/>
+          </a:lnRef>
+          <a:fillRef idx="2">
+            <a:schemeClr val="dk1"/>
+          </a:fillRef>
+          <a:effectRef idx="1">
+            <a:schemeClr val="dk1"/>
+          </a:effectRef>
+          <a:fontRef idx="minor">
+            <a:schemeClr val="dk1"/>
+          </a:fontRef>
+        </p:style>
+        <p:txBody>
+          <a:bodyPr lIns="0" tIns="0" rIns="0" bIns="0" rtlCol="0" anchor="ctr" anchorCtr="1"/>
+          <a:lstStyle/>
+          <a:p>
+            <a:pPr algn="ctr"/>
+            <a:r>
+              <a:rPr lang="zh-CN" altLang="en-US" sz="1200" smtClean="0"/>
+              <a:t>项目列表</a:t>
+            </a:r>
+            <a:endParaRPr lang="zh-CN" altLang="en-US" sz="1200"/>
+          </a:p>
+        </p:txBody>
+      </p:sp>
+      <p:cxnSp>
+        <p:nvCxnSpPr>
+          <p:cNvPr id="26" name="直接连接符 14"/>
+          <p:cNvCxnSpPr>
+            <a:stCxn id="36" idx="2"/>
+            <a:endCxn id="25" idx="1"/>
+          </p:cNvCxnSpPr>
+          <p:nvPr/>
+        </p:nvCxnSpPr>
+        <p:spPr>
+          <a:xfrm rot="16200000" flipH="1">
+            <a:off x="3122674" y="1823323"/>
+            <a:ext cx="152441" cy="1018020"/>
+          </a:xfrm>
+          <a:prstGeom prst="bentConnector2">
+            <a:avLst/>
+          </a:prstGeom>
+          <a:ln>
+            <a:tailEnd type="triangle" w="med" len="lg"/>
+          </a:ln>
+        </p:spPr>
+        <p:style>
+          <a:lnRef idx="1">
+            <a:schemeClr val="accent1"/>
+          </a:lnRef>
+          <a:fillRef idx="0">
+            <a:schemeClr val="accent1"/>
+          </a:fillRef>
+          <a:effectRef idx="0">
+            <a:schemeClr val="accent1"/>
+          </a:effectRef>
+          <a:fontRef idx="minor">
+            <a:schemeClr val="tx1"/>
+          </a:fontRef>
+        </p:style>
+      </p:cxnSp>
+      <p:sp>
+        <p:nvSpPr>
+          <p:cNvPr id="30" name="圆角矩形 29"/>
+          <p:cNvSpPr/>
+          <p:nvPr/>
+        </p:nvSpPr>
+        <p:spPr>
+          <a:xfrm>
+            <a:off x="3707904" y="2620000"/>
+            <a:ext cx="1420493" cy="216024"/>
+          </a:xfrm>
+          <a:prstGeom prst="roundRect">
+            <a:avLst/>
+          </a:prstGeom>
+        </p:spPr>
+        <p:style>
+          <a:lnRef idx="1">
+            <a:schemeClr val="accent2"/>
+          </a:lnRef>
+          <a:fillRef idx="2">
+            <a:schemeClr val="accent2"/>
+          </a:fillRef>
+          <a:effectRef idx="1">
+            <a:schemeClr val="accent2"/>
+          </a:effectRef>
+          <a:fontRef idx="minor">
+            <a:schemeClr val="dk1"/>
+          </a:fontRef>
+        </p:style>
+        <p:txBody>
+          <a:bodyPr lIns="0" tIns="0" rIns="0" bIns="0" rtlCol="0" anchor="ctr" anchorCtr="1"/>
+          <a:lstStyle/>
+          <a:p>
+            <a:pPr algn="ctr"/>
+            <a:r>
               <a:rPr lang="zh-CN" altLang="en-US" sz="1200"/>
-              <a:t>业务</a:t>
+              <a:t>资源</a:t>
             </a:r>
             <a:r>
               <a:rPr lang="zh-CN" altLang="en-US" sz="1200" smtClean="0"/>
@@ -8012,13 +7881,13 @@
       </p:sp>
       <p:sp>
         <p:nvSpPr>
-          <p:cNvPr id="35" name="圆角矩形 34"/>
+          <p:cNvPr id="32" name="圆角矩形 31"/>
           <p:cNvSpPr/>
           <p:nvPr/>
         </p:nvSpPr>
         <p:spPr>
           <a:xfrm>
-            <a:off x="3415040" y="2768681"/>
+            <a:off x="3707904" y="2947821"/>
             <a:ext cx="1420493" cy="216024"/>
           </a:xfrm>
           <a:prstGeom prst="roundRect">
@@ -8027,16 +7896,16 @@
         </p:spPr>
         <p:style>
           <a:lnRef idx="1">
-            <a:schemeClr val="accent6"/>
+            <a:schemeClr val="dk1"/>
           </a:lnRef>
           <a:fillRef idx="2">
-            <a:schemeClr val="accent6"/>
+            <a:schemeClr val="dk1"/>
           </a:fillRef>
           <a:effectRef idx="1">
-            <a:schemeClr val="accent6"/>
-          </a:effectRef>
-          <a:fontRef idx="minor">
             <a:schemeClr val="dk1"/>
+          </a:effectRef>
+          <a:fontRef idx="minor">
+            <a:schemeClr val="dk1"/>
           </a:fontRef>
         </p:style>
         <p:txBody>
@@ -8046,25 +7915,107 @@
             <a:pPr algn="ctr"/>
             <a:r>
               <a:rPr lang="zh-CN" altLang="en-US" sz="1200" smtClean="0"/>
-              <a:t>用户列表</a:t>
+              <a:t>发布列表</a:t>
             </a:r>
             <a:endParaRPr lang="zh-CN" altLang="en-US" sz="1200"/>
           </a:p>
         </p:txBody>
       </p:sp>
+      <p:sp>
+        <p:nvSpPr>
+          <p:cNvPr id="33" name="圆角矩形 32"/>
+          <p:cNvSpPr/>
+          <p:nvPr/>
+        </p:nvSpPr>
+        <p:spPr>
+          <a:xfrm>
+            <a:off x="3707904" y="3275641"/>
+            <a:ext cx="1420493" cy="216024"/>
+          </a:xfrm>
+          <a:prstGeom prst="roundRect">
+            <a:avLst/>
+          </a:prstGeom>
+        </p:spPr>
+        <p:style>
+          <a:lnRef idx="1">
+            <a:schemeClr val="dk1"/>
+          </a:lnRef>
+          <a:fillRef idx="2">
+            <a:schemeClr val="dk1"/>
+          </a:fillRef>
+          <a:effectRef idx="1">
+            <a:schemeClr val="dk1"/>
+          </a:effectRef>
+          <a:fontRef idx="minor">
+            <a:schemeClr val="dk1"/>
+          </a:fontRef>
+        </p:style>
+        <p:txBody>
+          <a:bodyPr lIns="0" tIns="0" rIns="0" bIns="0" rtlCol="0" anchor="ctr" anchorCtr="1"/>
+          <a:lstStyle/>
+          <a:p>
+            <a:pPr algn="ctr"/>
+            <a:r>
+              <a:rPr lang="zh-CN" altLang="en-US" sz="1200"/>
+              <a:t>团队</a:t>
+            </a:r>
+            <a:r>
+              <a:rPr lang="zh-CN" altLang="en-US" sz="1200" smtClean="0"/>
+              <a:t>列表</a:t>
+            </a:r>
+            <a:endParaRPr lang="zh-CN" altLang="en-US" sz="1200"/>
+          </a:p>
+        </p:txBody>
+      </p:sp>
+      <p:cxnSp>
+        <p:nvCxnSpPr>
+          <p:cNvPr id="35" name="直接连接符 14"/>
+          <p:cNvCxnSpPr>
+            <a:stCxn id="36" idx="2"/>
+            <a:endCxn id="30" idx="1"/>
+          </p:cNvCxnSpPr>
+          <p:nvPr/>
+        </p:nvCxnSpPr>
+        <p:spPr>
+          <a:xfrm rot="16200000" flipH="1">
+            <a:off x="2962945" y="1983052"/>
+            <a:ext cx="471899" cy="1018020"/>
+          </a:xfrm>
+          <a:prstGeom prst="bentConnector2">
+            <a:avLst/>
+          </a:prstGeom>
+          <a:ln>
+            <a:tailEnd type="triangle" w="med" len="lg"/>
+          </a:ln>
+        </p:spPr>
+        <p:style>
+          <a:lnRef idx="1">
+            <a:schemeClr val="accent1"/>
+          </a:lnRef>
+          <a:fillRef idx="0">
+            <a:schemeClr val="accent1"/>
+          </a:fillRef>
+          <a:effectRef idx="0">
+            <a:schemeClr val="accent1"/>
+          </a:effectRef>
+          <a:fontRef idx="minor">
+            <a:schemeClr val="tx1"/>
+          </a:fontRef>
+        </p:style>
+      </p:cxnSp>
       <p:cxnSp>
         <p:nvCxnSpPr>
           <p:cNvPr id="37" name="直接连接符 14"/>
           <p:cNvCxnSpPr>
-            <a:stCxn id="29" idx="2"/>
-            <a:endCxn id="35" idx="1"/>
+            <a:stCxn id="36" idx="2"/>
+            <a:endCxn id="32" idx="1"/>
           </p:cNvCxnSpPr>
           <p:nvPr/>
         </p:nvCxnSpPr>
         <p:spPr>
           <a:xfrm rot="16200000" flipH="1">
-            <a:off x="2923743" y="2385396"/>
-            <a:ext cx="252028" cy="730566"/>
+            <a:off x="2799034" y="2146963"/>
+            <a:ext cx="799720" cy="1018020"/>
           </a:xfrm>
           <a:prstGeom prst="bentConnector2">
             <a:avLst/>
@@ -8088,61 +8039,257 @@
           </a:fontRef>
         </p:style>
       </p:cxnSp>
-      <p:sp>
-        <p:nvSpPr>
-          <p:cNvPr id="41" name="圆角矩形 40"/>
-          <p:cNvSpPr/>
-          <p:nvPr/>
-        </p:nvSpPr>
-        <p:spPr>
-          <a:xfrm>
-            <a:off x="3419872" y="1924794"/>
-            <a:ext cx="2088232" cy="216024"/>
-          </a:xfrm>
-          <a:prstGeom prst="roundRect">
-            <a:avLst/>
-          </a:prstGeom>
-        </p:spPr>
-        <p:style>
-          <a:lnRef idx="1">
-            <a:schemeClr val="accent6"/>
-          </a:lnRef>
-          <a:fillRef idx="2">
-            <a:schemeClr val="accent6"/>
-          </a:fillRef>
-          <a:effectRef idx="1">
-            <a:schemeClr val="accent6"/>
-          </a:effectRef>
-          <a:fontRef idx="minor">
-            <a:schemeClr val="dk1"/>
-          </a:fontRef>
-        </p:style>
-        <p:txBody>
-          <a:bodyPr lIns="0" tIns="0" rIns="0" bIns="0" rtlCol="0" anchor="ctr" anchorCtr="1"/>
-          <a:lstStyle/>
-          <a:p>
-            <a:pPr algn="ctr"/>
-            <a:r>
-              <a:rPr lang="zh-CN" altLang="en-US" sz="1200" smtClean="0"/>
-              <a:t>国家列表 （测试用）</a:t>
-            </a:r>
-            <a:endParaRPr lang="zh-CN" altLang="en-US" sz="1200"/>
-          </a:p>
-        </p:txBody>
-      </p:sp>
       <p:cxnSp>
         <p:nvCxnSpPr>
-          <p:cNvPr id="44" name="直接连接符 14"/>
+          <p:cNvPr id="40" name="直接连接符 14"/>
           <p:cNvCxnSpPr>
             <a:stCxn id="36" idx="2"/>
-            <a:endCxn id="41" idx="1"/>
+            <a:endCxn id="33" idx="1"/>
           </p:cNvCxnSpPr>
           <p:nvPr/>
         </p:nvCxnSpPr>
         <p:spPr>
           <a:xfrm rot="16200000" flipH="1">
-            <a:off x="2942732" y="1555666"/>
-            <a:ext cx="218882" cy="735398"/>
+            <a:off x="2635124" y="2310873"/>
+            <a:ext cx="1127540" cy="1018020"/>
+          </a:xfrm>
+          <a:prstGeom prst="bentConnector2">
+            <a:avLst/>
+          </a:prstGeom>
+          <a:ln>
+            <a:tailEnd type="triangle" w="med" len="lg"/>
+          </a:ln>
+        </p:spPr>
+        <p:style>
+          <a:lnRef idx="1">
+            <a:schemeClr val="accent1"/>
+          </a:lnRef>
+          <a:fillRef idx="0">
+            <a:schemeClr val="accent1"/>
+          </a:fillRef>
+          <a:effectRef idx="0">
+            <a:schemeClr val="accent1"/>
+          </a:effectRef>
+          <a:fontRef idx="minor">
+            <a:schemeClr val="tx1"/>
+          </a:fontRef>
+        </p:style>
+      </p:cxnSp>
+      <p:sp>
+        <p:nvSpPr>
+          <p:cNvPr id="45" name="圆角矩形 44"/>
+          <p:cNvSpPr/>
+          <p:nvPr/>
+        </p:nvSpPr>
+        <p:spPr>
+          <a:xfrm>
+            <a:off x="5652120" y="2620000"/>
+            <a:ext cx="1420493" cy="216024"/>
+          </a:xfrm>
+          <a:prstGeom prst="roundRect">
+            <a:avLst/>
+          </a:prstGeom>
+        </p:spPr>
+        <p:style>
+          <a:lnRef idx="1">
+            <a:schemeClr val="accent2"/>
+          </a:lnRef>
+          <a:fillRef idx="2">
+            <a:schemeClr val="accent2"/>
+          </a:fillRef>
+          <a:effectRef idx="1">
+            <a:schemeClr val="accent2"/>
+          </a:effectRef>
+          <a:fontRef idx="minor">
+            <a:schemeClr val="dk1"/>
+          </a:fontRef>
+        </p:style>
+        <p:txBody>
+          <a:bodyPr lIns="0" tIns="0" rIns="0" bIns="0" rtlCol="0" anchor="ctr" anchorCtr="1"/>
+          <a:lstStyle/>
+          <a:p>
+            <a:pPr algn="ctr"/>
+            <a:r>
+              <a:rPr lang="zh-CN" altLang="en-US" sz="1200"/>
+              <a:t>上传</a:t>
+            </a:r>
+            <a:r>
+              <a:rPr lang="zh-CN" altLang="en-US" sz="1200" smtClean="0"/>
+              <a:t>资源</a:t>
+            </a:r>
+            <a:endParaRPr lang="zh-CN" altLang="en-US" sz="1200"/>
+          </a:p>
+        </p:txBody>
+      </p:sp>
+      <p:cxnSp>
+        <p:nvCxnSpPr>
+          <p:cNvPr id="46" name="直接连接符 14"/>
+          <p:cNvCxnSpPr>
+            <a:stCxn id="30" idx="3"/>
+            <a:endCxn id="45" idx="1"/>
+          </p:cNvCxnSpPr>
+          <p:nvPr/>
+        </p:nvCxnSpPr>
+        <p:spPr>
+          <a:xfrm>
+            <a:off x="5128397" y="2728012"/>
+            <a:ext cx="523723" cy="0"/>
+          </a:xfrm>
+          <a:prstGeom prst="straightConnector1">
+            <a:avLst/>
+          </a:prstGeom>
+          <a:ln>
+            <a:tailEnd type="triangle" w="med" len="lg"/>
+          </a:ln>
+        </p:spPr>
+        <p:style>
+          <a:lnRef idx="1">
+            <a:schemeClr val="accent1"/>
+          </a:lnRef>
+          <a:fillRef idx="0">
+            <a:schemeClr val="accent1"/>
+          </a:fillRef>
+          <a:effectRef idx="0">
+            <a:schemeClr val="accent1"/>
+          </a:effectRef>
+          <a:fontRef idx="minor">
+            <a:schemeClr val="tx1"/>
+          </a:fontRef>
+        </p:style>
+      </p:cxnSp>
+      <p:sp>
+        <p:nvSpPr>
+          <p:cNvPr id="74" name="圆角矩形 73"/>
+          <p:cNvSpPr/>
+          <p:nvPr/>
+        </p:nvSpPr>
+        <p:spPr>
+          <a:xfrm>
+            <a:off x="3707904" y="3869010"/>
+            <a:ext cx="1420493" cy="216024"/>
+          </a:xfrm>
+          <a:prstGeom prst="roundRect">
+            <a:avLst/>
+          </a:prstGeom>
+        </p:spPr>
+        <p:style>
+          <a:lnRef idx="1">
+            <a:schemeClr val="dk1"/>
+          </a:lnRef>
+          <a:fillRef idx="2">
+            <a:schemeClr val="dk1"/>
+          </a:fillRef>
+          <a:effectRef idx="1">
+            <a:schemeClr val="dk1"/>
+          </a:effectRef>
+          <a:fontRef idx="minor">
+            <a:schemeClr val="dk1"/>
+          </a:fontRef>
+        </p:style>
+        <p:txBody>
+          <a:bodyPr lIns="0" tIns="0" rIns="0" bIns="0" rtlCol="0" anchor="ctr" anchorCtr="1"/>
+          <a:lstStyle/>
+          <a:p>
+            <a:pPr algn="ctr"/>
+            <a:r>
+              <a:rPr lang="zh-CN" altLang="en-US" sz="1200" smtClean="0"/>
+              <a:t>项目列表</a:t>
+            </a:r>
+            <a:endParaRPr lang="zh-CN" altLang="en-US" sz="1200"/>
+          </a:p>
+        </p:txBody>
+      </p:sp>
+      <p:cxnSp>
+        <p:nvCxnSpPr>
+          <p:cNvPr id="75" name="直接连接符 14"/>
+          <p:cNvCxnSpPr>
+            <a:stCxn id="42" idx="2"/>
+            <a:endCxn id="74" idx="1"/>
+          </p:cNvCxnSpPr>
+          <p:nvPr/>
+        </p:nvCxnSpPr>
+        <p:spPr>
+          <a:xfrm rot="16200000" flipH="1">
+            <a:off x="3113656" y="3382774"/>
+            <a:ext cx="170476" cy="1018020"/>
+          </a:xfrm>
+          <a:prstGeom prst="bentConnector2">
+            <a:avLst/>
+          </a:prstGeom>
+          <a:ln>
+            <a:tailEnd type="triangle" w="med" len="lg"/>
+          </a:ln>
+        </p:spPr>
+        <p:style>
+          <a:lnRef idx="1">
+            <a:schemeClr val="accent1"/>
+          </a:lnRef>
+          <a:fillRef idx="0">
+            <a:schemeClr val="accent1"/>
+          </a:fillRef>
+          <a:effectRef idx="0">
+            <a:schemeClr val="accent1"/>
+          </a:effectRef>
+          <a:fontRef idx="minor">
+            <a:schemeClr val="tx1"/>
+          </a:fontRef>
+        </p:style>
+      </p:cxnSp>
+      <p:sp>
+        <p:nvSpPr>
+          <p:cNvPr id="81" name="圆角矩形 80"/>
+          <p:cNvSpPr/>
+          <p:nvPr/>
+        </p:nvSpPr>
+        <p:spPr>
+          <a:xfrm>
+            <a:off x="3707904" y="4193047"/>
+            <a:ext cx="1420493" cy="216024"/>
+          </a:xfrm>
+          <a:prstGeom prst="roundRect">
+            <a:avLst/>
+          </a:prstGeom>
+        </p:spPr>
+        <p:style>
+          <a:lnRef idx="1">
+            <a:schemeClr val="accent6"/>
+          </a:lnRef>
+          <a:fillRef idx="2">
+            <a:schemeClr val="accent6"/>
+          </a:fillRef>
+          <a:effectRef idx="1">
+            <a:schemeClr val="accent6"/>
+          </a:effectRef>
+          <a:fontRef idx="minor">
+            <a:schemeClr val="dk1"/>
+          </a:fontRef>
+        </p:style>
+        <p:txBody>
+          <a:bodyPr lIns="0" tIns="0" rIns="0" bIns="0" rtlCol="0" anchor="ctr" anchorCtr="1"/>
+          <a:lstStyle/>
+          <a:p>
+            <a:pPr algn="ctr"/>
+            <a:r>
+              <a:rPr lang="zh-CN" altLang="en-US" sz="1200" smtClean="0"/>
+              <a:t>资源列表</a:t>
+            </a:r>
+            <a:endParaRPr lang="zh-CN" altLang="en-US" sz="1200"/>
+          </a:p>
+        </p:txBody>
+      </p:sp>
+      <p:cxnSp>
+        <p:nvCxnSpPr>
+          <p:cNvPr id="82" name="直接连接符 14"/>
+          <p:cNvCxnSpPr>
+            <a:stCxn id="42" idx="2"/>
+            <a:endCxn id="81" idx="1"/>
+          </p:cNvCxnSpPr>
+          <p:nvPr/>
+        </p:nvCxnSpPr>
+        <p:spPr>
+          <a:xfrm rot="16200000" flipH="1">
+            <a:off x="2951638" y="3544792"/>
+            <a:ext cx="494513" cy="1018020"/>
           </a:xfrm>
           <a:prstGeom prst="bentConnector2">
             <a:avLst/>
@@ -8169,7 +8316,7 @@
     </p:spTree>
     <p:extLst>
       <p:ext uri="{BB962C8B-B14F-4D97-AF65-F5344CB8AC3E}">
-        <p14:creationId xmlns:p14="http://schemas.microsoft.com/office/powerpoint/2010/main" val="1532287507"/>
+        <p14:creationId xmlns:p14="http://schemas.microsoft.com/office/powerpoint/2010/main" val="1279786755"/>
       </p:ext>
     </p:extLst>
   </p:cSld>
@@ -8221,6 +8368,433 @@
           <a:lstStyle/>
           <a:p>
             <a:r>
+              <a:rPr lang="en-US" altLang="zh-CN" smtClean="0"/>
+              <a:t>WEB – </a:t>
+            </a:r>
+            <a:r>
+              <a:rPr lang="zh-CN" altLang="en-US"/>
+              <a:t>后台</a:t>
+            </a:r>
+            <a:endParaRPr lang="zh-CN" altLang="en-US" dirty="0"/>
+          </a:p>
+        </p:txBody>
+      </p:sp>
+      <p:sp>
+        <p:nvSpPr>
+          <p:cNvPr id="3" name="圆角矩形 2"/>
+          <p:cNvSpPr/>
+          <p:nvPr/>
+        </p:nvSpPr>
+        <p:spPr>
+          <a:xfrm>
+            <a:off x="819883" y="1247186"/>
+            <a:ext cx="1008112" cy="216024"/>
+          </a:xfrm>
+          <a:prstGeom prst="roundRect">
+            <a:avLst/>
+          </a:prstGeom>
+        </p:spPr>
+        <p:style>
+          <a:lnRef idx="1">
+            <a:schemeClr val="accent6"/>
+          </a:lnRef>
+          <a:fillRef idx="2">
+            <a:schemeClr val="accent6"/>
+          </a:fillRef>
+          <a:effectRef idx="1">
+            <a:schemeClr val="accent6"/>
+          </a:effectRef>
+          <a:fontRef idx="minor">
+            <a:schemeClr val="dk1"/>
+          </a:fontRef>
+        </p:style>
+        <p:txBody>
+          <a:bodyPr lIns="0" tIns="0" rIns="0" bIns="0" rtlCol="0" anchor="ctr" anchorCtr="1"/>
+          <a:lstStyle/>
+          <a:p>
+            <a:pPr algn="ctr"/>
+            <a:r>
+              <a:rPr lang="zh-CN" altLang="en-US" sz="1200"/>
+              <a:t>站点</a:t>
+            </a:r>
+          </a:p>
+        </p:txBody>
+      </p:sp>
+      <p:sp>
+        <p:nvSpPr>
+          <p:cNvPr id="36" name="圆角矩形 35"/>
+          <p:cNvSpPr/>
+          <p:nvPr/>
+        </p:nvSpPr>
+        <p:spPr>
+          <a:xfrm>
+            <a:off x="1974227" y="1597900"/>
+            <a:ext cx="1420493" cy="216024"/>
+          </a:xfrm>
+          <a:prstGeom prst="roundRect">
+            <a:avLst/>
+          </a:prstGeom>
+        </p:spPr>
+        <p:style>
+          <a:lnRef idx="1">
+            <a:schemeClr val="accent6"/>
+          </a:lnRef>
+          <a:fillRef idx="2">
+            <a:schemeClr val="accent6"/>
+          </a:fillRef>
+          <a:effectRef idx="1">
+            <a:schemeClr val="accent6"/>
+          </a:effectRef>
+          <a:fontRef idx="minor">
+            <a:schemeClr val="dk1"/>
+          </a:fontRef>
+        </p:style>
+        <p:txBody>
+          <a:bodyPr lIns="0" tIns="0" rIns="0" bIns="0" rtlCol="0" anchor="ctr" anchorCtr="1"/>
+          <a:lstStyle/>
+          <a:p>
+            <a:pPr algn="ctr"/>
+            <a:r>
+              <a:rPr lang="zh-CN" altLang="en-US" sz="1200"/>
+              <a:t>共通</a:t>
+            </a:r>
+            <a:r>
+              <a:rPr lang="zh-CN" altLang="en-US" sz="1200" smtClean="0"/>
+              <a:t>管理</a:t>
+            </a:r>
+            <a:endParaRPr lang="zh-CN" altLang="en-US" sz="1200"/>
+          </a:p>
+        </p:txBody>
+      </p:sp>
+      <p:cxnSp>
+        <p:nvCxnSpPr>
+          <p:cNvPr id="38" name="直接连接符 14"/>
+          <p:cNvCxnSpPr>
+            <a:stCxn id="3" idx="2"/>
+            <a:endCxn id="36" idx="1"/>
+          </p:cNvCxnSpPr>
+          <p:nvPr/>
+        </p:nvCxnSpPr>
+        <p:spPr>
+          <a:xfrm rot="16200000" flipH="1">
+            <a:off x="1527732" y="1259417"/>
+            <a:ext cx="242702" cy="650288"/>
+          </a:xfrm>
+          <a:prstGeom prst="bentConnector2">
+            <a:avLst/>
+          </a:prstGeom>
+          <a:ln>
+            <a:tailEnd type="triangle" w="med" len="lg"/>
+          </a:ln>
+        </p:spPr>
+        <p:style>
+          <a:lnRef idx="1">
+            <a:schemeClr val="accent1"/>
+          </a:lnRef>
+          <a:fillRef idx="0">
+            <a:schemeClr val="accent1"/>
+          </a:fillRef>
+          <a:effectRef idx="0">
+            <a:schemeClr val="accent1"/>
+          </a:effectRef>
+          <a:fontRef idx="minor">
+            <a:schemeClr val="tx1"/>
+          </a:fontRef>
+        </p:style>
+      </p:cxnSp>
+      <p:cxnSp>
+        <p:nvCxnSpPr>
+          <p:cNvPr id="43" name="直接连接符 14"/>
+          <p:cNvCxnSpPr>
+            <a:stCxn id="3" idx="2"/>
+            <a:endCxn id="29" idx="1"/>
+          </p:cNvCxnSpPr>
+          <p:nvPr/>
+        </p:nvCxnSpPr>
+        <p:spPr>
+          <a:xfrm rot="16200000" flipH="1">
+            <a:off x="1122362" y="1664787"/>
+            <a:ext cx="1053443" cy="650288"/>
+          </a:xfrm>
+          <a:prstGeom prst="bentConnector2">
+            <a:avLst/>
+          </a:prstGeom>
+          <a:ln>
+            <a:tailEnd type="triangle" w="med" len="lg"/>
+          </a:ln>
+        </p:spPr>
+        <p:style>
+          <a:lnRef idx="1">
+            <a:schemeClr val="accent1"/>
+          </a:lnRef>
+          <a:fillRef idx="0">
+            <a:schemeClr val="accent1"/>
+          </a:fillRef>
+          <a:effectRef idx="0">
+            <a:schemeClr val="accent1"/>
+          </a:effectRef>
+          <a:fontRef idx="minor">
+            <a:schemeClr val="tx1"/>
+          </a:fontRef>
+        </p:style>
+      </p:cxnSp>
+      <p:sp>
+        <p:nvSpPr>
+          <p:cNvPr id="29" name="圆角矩形 28"/>
+          <p:cNvSpPr/>
+          <p:nvPr/>
+        </p:nvSpPr>
+        <p:spPr>
+          <a:xfrm>
+            <a:off x="1974227" y="2408641"/>
+            <a:ext cx="1420493" cy="216024"/>
+          </a:xfrm>
+          <a:prstGeom prst="roundRect">
+            <a:avLst/>
+          </a:prstGeom>
+        </p:spPr>
+        <p:style>
+          <a:lnRef idx="1">
+            <a:schemeClr val="accent6"/>
+          </a:lnRef>
+          <a:fillRef idx="2">
+            <a:schemeClr val="accent6"/>
+          </a:fillRef>
+          <a:effectRef idx="1">
+            <a:schemeClr val="accent6"/>
+          </a:effectRef>
+          <a:fontRef idx="minor">
+            <a:schemeClr val="dk1"/>
+          </a:fontRef>
+        </p:style>
+        <p:txBody>
+          <a:bodyPr lIns="0" tIns="0" rIns="0" bIns="0" rtlCol="0" anchor="ctr" anchorCtr="1"/>
+          <a:lstStyle/>
+          <a:p>
+            <a:pPr algn="ctr"/>
+            <a:r>
+              <a:rPr lang="zh-CN" altLang="en-US" sz="1200"/>
+              <a:t>业务</a:t>
+            </a:r>
+            <a:r>
+              <a:rPr lang="zh-CN" altLang="en-US" sz="1200" smtClean="0"/>
+              <a:t>列表</a:t>
+            </a:r>
+            <a:endParaRPr lang="zh-CN" altLang="en-US" sz="1200"/>
+          </a:p>
+        </p:txBody>
+      </p:sp>
+      <p:sp>
+        <p:nvSpPr>
+          <p:cNvPr id="35" name="圆角矩形 34"/>
+          <p:cNvSpPr/>
+          <p:nvPr/>
+        </p:nvSpPr>
+        <p:spPr>
+          <a:xfrm>
+            <a:off x="3415040" y="2768681"/>
+            <a:ext cx="1420493" cy="216024"/>
+          </a:xfrm>
+          <a:prstGeom prst="roundRect">
+            <a:avLst/>
+          </a:prstGeom>
+        </p:spPr>
+        <p:style>
+          <a:lnRef idx="1">
+            <a:schemeClr val="accent6"/>
+          </a:lnRef>
+          <a:fillRef idx="2">
+            <a:schemeClr val="accent6"/>
+          </a:fillRef>
+          <a:effectRef idx="1">
+            <a:schemeClr val="accent6"/>
+          </a:effectRef>
+          <a:fontRef idx="minor">
+            <a:schemeClr val="dk1"/>
+          </a:fontRef>
+        </p:style>
+        <p:txBody>
+          <a:bodyPr lIns="0" tIns="0" rIns="0" bIns="0" rtlCol="0" anchor="ctr" anchorCtr="1"/>
+          <a:lstStyle/>
+          <a:p>
+            <a:pPr algn="ctr"/>
+            <a:r>
+              <a:rPr lang="zh-CN" altLang="en-US" sz="1200" smtClean="0"/>
+              <a:t>用户列表</a:t>
+            </a:r>
+            <a:endParaRPr lang="zh-CN" altLang="en-US" sz="1200"/>
+          </a:p>
+        </p:txBody>
+      </p:sp>
+      <p:cxnSp>
+        <p:nvCxnSpPr>
+          <p:cNvPr id="37" name="直接连接符 14"/>
+          <p:cNvCxnSpPr>
+            <a:stCxn id="29" idx="2"/>
+            <a:endCxn id="35" idx="1"/>
+          </p:cNvCxnSpPr>
+          <p:nvPr/>
+        </p:nvCxnSpPr>
+        <p:spPr>
+          <a:xfrm rot="16200000" flipH="1">
+            <a:off x="2923743" y="2385396"/>
+            <a:ext cx="252028" cy="730566"/>
+          </a:xfrm>
+          <a:prstGeom prst="bentConnector2">
+            <a:avLst/>
+          </a:prstGeom>
+          <a:ln>
+            <a:tailEnd type="triangle" w="med" len="lg"/>
+          </a:ln>
+        </p:spPr>
+        <p:style>
+          <a:lnRef idx="1">
+            <a:schemeClr val="accent1"/>
+          </a:lnRef>
+          <a:fillRef idx="0">
+            <a:schemeClr val="accent1"/>
+          </a:fillRef>
+          <a:effectRef idx="0">
+            <a:schemeClr val="accent1"/>
+          </a:effectRef>
+          <a:fontRef idx="minor">
+            <a:schemeClr val="tx1"/>
+          </a:fontRef>
+        </p:style>
+      </p:cxnSp>
+      <p:sp>
+        <p:nvSpPr>
+          <p:cNvPr id="41" name="圆角矩形 40"/>
+          <p:cNvSpPr/>
+          <p:nvPr/>
+        </p:nvSpPr>
+        <p:spPr>
+          <a:xfrm>
+            <a:off x="3419872" y="1924794"/>
+            <a:ext cx="2088232" cy="216024"/>
+          </a:xfrm>
+          <a:prstGeom prst="roundRect">
+            <a:avLst/>
+          </a:prstGeom>
+        </p:spPr>
+        <p:style>
+          <a:lnRef idx="1">
+            <a:schemeClr val="accent6"/>
+          </a:lnRef>
+          <a:fillRef idx="2">
+            <a:schemeClr val="accent6"/>
+          </a:fillRef>
+          <a:effectRef idx="1">
+            <a:schemeClr val="accent6"/>
+          </a:effectRef>
+          <a:fontRef idx="minor">
+            <a:schemeClr val="dk1"/>
+          </a:fontRef>
+        </p:style>
+        <p:txBody>
+          <a:bodyPr lIns="0" tIns="0" rIns="0" bIns="0" rtlCol="0" anchor="ctr" anchorCtr="1"/>
+          <a:lstStyle/>
+          <a:p>
+            <a:pPr algn="ctr"/>
+            <a:r>
+              <a:rPr lang="zh-CN" altLang="en-US" sz="1200" smtClean="0"/>
+              <a:t>国家列表 （测试用）</a:t>
+            </a:r>
+            <a:endParaRPr lang="zh-CN" altLang="en-US" sz="1200"/>
+          </a:p>
+        </p:txBody>
+      </p:sp>
+      <p:cxnSp>
+        <p:nvCxnSpPr>
+          <p:cNvPr id="44" name="直接连接符 14"/>
+          <p:cNvCxnSpPr>
+            <a:stCxn id="36" idx="2"/>
+            <a:endCxn id="41" idx="1"/>
+          </p:cNvCxnSpPr>
+          <p:nvPr/>
+        </p:nvCxnSpPr>
+        <p:spPr>
+          <a:xfrm rot="16200000" flipH="1">
+            <a:off x="2942732" y="1555666"/>
+            <a:ext cx="218882" cy="735398"/>
+          </a:xfrm>
+          <a:prstGeom prst="bentConnector2">
+            <a:avLst/>
+          </a:prstGeom>
+          <a:ln>
+            <a:tailEnd type="triangle" w="med" len="lg"/>
+          </a:ln>
+        </p:spPr>
+        <p:style>
+          <a:lnRef idx="1">
+            <a:schemeClr val="accent1"/>
+          </a:lnRef>
+          <a:fillRef idx="0">
+            <a:schemeClr val="accent1"/>
+          </a:fillRef>
+          <a:effectRef idx="0">
+            <a:schemeClr val="accent1"/>
+          </a:effectRef>
+          <a:fontRef idx="minor">
+            <a:schemeClr val="tx1"/>
+          </a:fontRef>
+        </p:style>
+      </p:cxnSp>
+    </p:spTree>
+    <p:extLst>
+      <p:ext uri="{BB962C8B-B14F-4D97-AF65-F5344CB8AC3E}">
+        <p14:creationId xmlns:p14="http://schemas.microsoft.com/office/powerpoint/2010/main" val="1532287507"/>
+      </p:ext>
+    </p:extLst>
+  </p:cSld>
+  <p:clrMapOvr>
+    <a:masterClrMapping/>
+  </p:clrMapOvr>
+  <p:timing>
+    <p:tnLst>
+      <p:par>
+        <p:cTn id="1" dur="indefinite" restart="never" nodeType="tmRoot"/>
+      </p:par>
+    </p:tnLst>
+  </p:timing>
+</p:sld>
+</file>
+
+<file path=ppt/slides/slide16.xml><?xml version="1.0" encoding="utf-8"?>
+<p:sld xmlns:a="http://schemas.openxmlformats.org/drawingml/2006/main" xmlns:r="http://schemas.openxmlformats.org/officeDocument/2006/relationships" xmlns:p="http://schemas.openxmlformats.org/presentationml/2006/main">
+  <p:cSld>
+    <p:spTree>
+      <p:nvGrpSpPr>
+        <p:cNvPr id="1" name=""/>
+        <p:cNvGrpSpPr/>
+        <p:nvPr/>
+      </p:nvGrpSpPr>
+      <p:grpSpPr>
+        <a:xfrm>
+          <a:off x="0" y="0"/>
+          <a:ext cx="0" cy="0"/>
+          <a:chOff x="0" y="0"/>
+          <a:chExt cx="0" cy="0"/>
+        </a:xfrm>
+      </p:grpSpPr>
+      <p:sp>
+        <p:nvSpPr>
+          <p:cNvPr id="2" name="标题 1"/>
+          <p:cNvSpPr>
+            <a:spLocks noGrp="1"/>
+          </p:cNvSpPr>
+          <p:nvPr>
+            <p:ph type="title"/>
+          </p:nvPr>
+        </p:nvSpPr>
+        <p:spPr/>
+        <p:txBody>
+          <a:bodyPr>
+            <a:normAutofit fontScale="90000"/>
+          </a:bodyPr>
+          <a:lstStyle/>
+          <a:p>
+            <a:r>
               <a:rPr lang="zh-CN" altLang="en-US" smtClean="0"/>
               <a:t>工作重点</a:t>
             </a:r>
@@ -8484,7 +9058,7 @@
 </p:sld>
 </file>
 
-<file path=ppt/slides/slide16.xml><?xml version="1.0" encoding="utf-8"?>
+<file path=ppt/slides/slide17.xml><?xml version="1.0" encoding="utf-8"?>
 <p:sld xmlns:a="http://schemas.openxmlformats.org/drawingml/2006/main" xmlns:r="http://schemas.openxmlformats.org/officeDocument/2006/relationships" xmlns:p="http://schemas.openxmlformats.org/presentationml/2006/main">
   <p:cSld>
     <p:spTree>

--- a/document/计划-1-三维资源平台.pptx
+++ b/document/计划-1-三维资源平台.pptx
@@ -128,7 +128,7 @@
   </p:defaultTextStyle>
   <p:extLst>
     <p:ext uri="{EFAFB233-063F-42B5-8137-9DF3F51BA10A}">
-      <p15:sldGuideLst xmlns:p15="http://schemas.microsoft.com/office/powerpoint/2012/main">
+      <p15:sldGuideLst xmlns:p15="http://schemas.microsoft.com/office/powerpoint/2012/main" xmlns="">
         <p15:guide id="1" orient="horz" pos="1848">
           <p15:clr>
             <a:srgbClr val="A4A3A4"/>
@@ -142,7 +142,7 @@
       </p15:sldGuideLst>
     </p:ext>
     <p:ext uri="{2D200454-40CA-4A62-9FC3-DE9A4176ACB9}">
-      <p15:notesGuideLst xmlns:p15="http://schemas.microsoft.com/office/powerpoint/2012/main">
+      <p15:notesGuideLst xmlns:p15="http://schemas.microsoft.com/office/powerpoint/2012/main" xmlns="">
         <p15:guide id="1" orient="horz" pos="2880">
           <p15:clr>
             <a:srgbClr val="A4A3A4"/>
@@ -241,7 +241,7 @@
           <a:p>
             <a:fld id="{92560736-7F85-4515-A6D8-4542283B826A}" type="datetimeFigureOut">
               <a:rPr lang="zh-CN" altLang="en-US" smtClean="0"/>
-              <a:t>2015/4/15</a:t>
+              <a:t>2015/4/16</a:t>
             </a:fld>
             <a:endParaRPr lang="zh-CN" altLang="en-US"/>
           </a:p>
@@ -406,7 +406,7 @@
           <a:p>
             <a:fld id="{92548700-594F-44E5-8A8A-527182797791}" type="datetimeFigureOut">
               <a:rPr lang="zh-CN" altLang="en-US" smtClean="0"/>
-              <a:t>2015/4/15</a:t>
+              <a:t>2015/4/16</a:t>
             </a:fld>
             <a:endParaRPr lang="zh-CN" altLang="en-US"/>
           </a:p>
@@ -855,7 +855,7 @@
           <a:p>
             <a:fld id="{D3091F99-555A-4E70-BF70-8E07EE828744}" type="datetimeFigureOut">
               <a:rPr lang="zh-CN" altLang="en-US" smtClean="0"/>
-              <a:t>2015/4/15</a:t>
+              <a:t>2015/4/16</a:t>
             </a:fld>
             <a:endParaRPr lang="zh-CN" altLang="en-US"/>
           </a:p>
@@ -1032,7 +1032,7 @@
           <a:p>
             <a:fld id="{D3091F99-555A-4E70-BF70-8E07EE828744}" type="datetimeFigureOut">
               <a:rPr lang="zh-CN" altLang="en-US" smtClean="0"/>
-              <a:t>2015/4/15</a:t>
+              <a:t>2015/4/16</a:t>
             </a:fld>
             <a:endParaRPr lang="zh-CN" altLang="en-US"/>
           </a:p>
@@ -1212,7 +1212,7 @@
           <a:p>
             <a:fld id="{D3091F99-555A-4E70-BF70-8E07EE828744}" type="datetimeFigureOut">
               <a:rPr lang="zh-CN" altLang="en-US" smtClean="0"/>
-              <a:t>2015/4/15</a:t>
+              <a:t>2015/4/16</a:t>
             </a:fld>
             <a:endParaRPr lang="zh-CN" altLang="en-US"/>
           </a:p>
@@ -1382,7 +1382,7 @@
           <a:p>
             <a:fld id="{D3091F99-555A-4E70-BF70-8E07EE828744}" type="datetimeFigureOut">
               <a:rPr lang="zh-CN" altLang="en-US" smtClean="0"/>
-              <a:t>2015/4/15</a:t>
+              <a:t>2015/4/16</a:t>
             </a:fld>
             <a:endParaRPr lang="zh-CN" altLang="en-US"/>
           </a:p>
@@ -1635,7 +1635,7 @@
           <a:p>
             <a:fld id="{D3091F99-555A-4E70-BF70-8E07EE828744}" type="datetimeFigureOut">
               <a:rPr lang="zh-CN" altLang="en-US" smtClean="0"/>
-              <a:t>2015/4/15</a:t>
+              <a:t>2015/4/16</a:t>
             </a:fld>
             <a:endParaRPr lang="zh-CN" altLang="en-US"/>
           </a:p>
@@ -1923,7 +1923,7 @@
           <a:p>
             <a:fld id="{D3091F99-555A-4E70-BF70-8E07EE828744}" type="datetimeFigureOut">
               <a:rPr lang="zh-CN" altLang="en-US" smtClean="0"/>
-              <a:t>2015/4/15</a:t>
+              <a:t>2015/4/16</a:t>
             </a:fld>
             <a:endParaRPr lang="zh-CN" altLang="en-US"/>
           </a:p>
@@ -2350,7 +2350,7 @@
           <a:p>
             <a:fld id="{D3091F99-555A-4E70-BF70-8E07EE828744}" type="datetimeFigureOut">
               <a:rPr lang="zh-CN" altLang="en-US" smtClean="0"/>
-              <a:t>2015/4/15</a:t>
+              <a:t>2015/4/16</a:t>
             </a:fld>
             <a:endParaRPr lang="zh-CN" altLang="en-US"/>
           </a:p>
@@ -2468,7 +2468,7 @@
           <a:p>
             <a:fld id="{D3091F99-555A-4E70-BF70-8E07EE828744}" type="datetimeFigureOut">
               <a:rPr lang="zh-CN" altLang="en-US" smtClean="0"/>
-              <a:t>2015/4/15</a:t>
+              <a:t>2015/4/16</a:t>
             </a:fld>
             <a:endParaRPr lang="zh-CN" altLang="en-US"/>
           </a:p>
@@ -2563,7 +2563,7 @@
           <a:p>
             <a:fld id="{D3091F99-555A-4E70-BF70-8E07EE828744}" type="datetimeFigureOut">
               <a:rPr lang="zh-CN" altLang="en-US" smtClean="0"/>
-              <a:t>2015/4/15</a:t>
+              <a:t>2015/4/16</a:t>
             </a:fld>
             <a:endParaRPr lang="zh-CN" altLang="en-US"/>
           </a:p>
@@ -2840,7 +2840,7 @@
           <a:p>
             <a:fld id="{D3091F99-555A-4E70-BF70-8E07EE828744}" type="datetimeFigureOut">
               <a:rPr lang="zh-CN" altLang="en-US" smtClean="0"/>
-              <a:t>2015/4/15</a:t>
+              <a:t>2015/4/16</a:t>
             </a:fld>
             <a:endParaRPr lang="zh-CN" altLang="en-US"/>
           </a:p>
@@ -3093,7 +3093,7 @@
           <a:p>
             <a:fld id="{D3091F99-555A-4E70-BF70-8E07EE828744}" type="datetimeFigureOut">
               <a:rPr lang="zh-CN" altLang="en-US" smtClean="0"/>
-              <a:t>2015/4/15</a:t>
+              <a:t>2015/4/16</a:t>
             </a:fld>
             <a:endParaRPr lang="zh-CN" altLang="en-US"/>
           </a:p>
@@ -3315,7 +3315,7 @@
           <a:p>
             <a:fld id="{D3091F99-555A-4E70-BF70-8E07EE828744}" type="datetimeFigureOut">
               <a:rPr lang="zh-CN" altLang="en-US" smtClean="0"/>
-              <a:t>2015/4/15</a:t>
+              <a:t>2015/4/16</a:t>
             </a:fld>
             <a:endParaRPr lang="zh-CN" altLang="en-US"/>
           </a:p>
@@ -4611,12 +4611,12 @@
           <a:p>
             <a:pPr algn="ctr"/>
             <a:r>
-              <a:rPr lang="zh-CN" altLang="en-US" sz="1200" smtClean="0"/>
-              <a:t>显示层</a:t>
-            </a:r>
-            <a:r>
-              <a:rPr lang="en-US" altLang="zh-CN" sz="1200" smtClean="0"/>
-              <a:t>(DisplayLayer)</a:t>
+              <a:rPr lang="zh-CN" altLang="en-US" sz="1200" dirty="0"/>
+              <a:t>精灵</a:t>
+            </a:r>
+            <a:r>
+              <a:rPr lang="en-US" altLang="zh-CN" sz="1200" dirty="0" smtClean="0"/>
+              <a:t>(Sprite)</a:t>
             </a:r>
             <a:endParaRPr lang="zh-CN" altLang="en-US" sz="1200" dirty="0"/>
           </a:p>
@@ -4658,42 +4658,6 @@
           </a:fontRef>
         </p:style>
       </p:cxnSp>
-      <p:cxnSp>
-        <p:nvCxnSpPr>
-          <p:cNvPr id="43" name="直接连接符 14"/>
-          <p:cNvCxnSpPr>
-            <a:stCxn id="41" idx="2"/>
-            <a:endCxn id="19" idx="1"/>
-          </p:cNvCxnSpPr>
-          <p:nvPr/>
-        </p:nvCxnSpPr>
-        <p:spPr>
-          <a:xfrm rot="16200000" flipH="1">
-            <a:off x="3667060" y="3545831"/>
-            <a:ext cx="284932" cy="514789"/>
-          </a:xfrm>
-          <a:prstGeom prst="bentConnector2">
-            <a:avLst/>
-          </a:prstGeom>
-          <a:ln>
-            <a:tailEnd type="triangle" w="med" len="lg"/>
-          </a:ln>
-        </p:spPr>
-        <p:style>
-          <a:lnRef idx="1">
-            <a:schemeClr val="accent1"/>
-          </a:lnRef>
-          <a:fillRef idx="0">
-            <a:schemeClr val="accent1"/>
-          </a:fillRef>
-          <a:effectRef idx="0">
-            <a:schemeClr val="accent1"/>
-          </a:effectRef>
-          <a:fontRef idx="minor">
-            <a:schemeClr val="tx1"/>
-          </a:fontRef>
-        </p:style>
-      </p:cxnSp>
       <p:sp>
         <p:nvSpPr>
           <p:cNvPr id="107" name="圆角矩形 106"/>
@@ -5057,12 +5021,12 @@
           <a:p>
             <a:pPr algn="ctr"/>
             <a:r>
-              <a:rPr lang="zh-CN" altLang="en-US" sz="1200" smtClean="0"/>
-              <a:t>显示对象</a:t>
-            </a:r>
-            <a:r>
-              <a:rPr lang="en-US" altLang="zh-CN" sz="1200" smtClean="0"/>
-              <a:t>(Display)</a:t>
+              <a:rPr lang="zh-CN" altLang="en-US" sz="1200" dirty="0"/>
+              <a:t>形状</a:t>
+            </a:r>
+            <a:r>
+              <a:rPr lang="en-US" altLang="zh-CN" sz="1200" dirty="0" smtClean="0"/>
+              <a:t>(Shape)</a:t>
             </a:r>
             <a:endParaRPr lang="zh-CN" altLang="en-US" sz="1200" dirty="0"/>
           </a:p>
@@ -5106,59 +5070,13 @@
       </p:cxnSp>
       <p:sp>
         <p:nvSpPr>
-          <p:cNvPr id="19" name="圆角矩形 18"/>
-          <p:cNvSpPr/>
-          <p:nvPr/>
-        </p:nvSpPr>
-        <p:spPr>
-          <a:xfrm>
-            <a:off x="4066921" y="3837680"/>
-            <a:ext cx="1740755" cy="216024"/>
-          </a:xfrm>
-          <a:prstGeom prst="roundRect">
-            <a:avLst/>
-          </a:prstGeom>
-        </p:spPr>
-        <p:style>
-          <a:lnRef idx="1">
-            <a:schemeClr val="accent4"/>
-          </a:lnRef>
-          <a:fillRef idx="2">
-            <a:schemeClr val="accent4"/>
-          </a:fillRef>
-          <a:effectRef idx="1">
-            <a:schemeClr val="accent4"/>
-          </a:effectRef>
-          <a:fontRef idx="minor">
-            <a:schemeClr val="dk1"/>
-          </a:fontRef>
-        </p:style>
-        <p:txBody>
-          <a:bodyPr lIns="0" tIns="0" rIns="0" bIns="0" rtlCol="0" anchor="ctr" anchorCtr="1"/>
-          <a:lstStyle/>
-          <a:p>
-            <a:pPr algn="ctr"/>
-            <a:r>
-              <a:rPr lang="zh-CN" altLang="en-US" sz="1200" smtClean="0"/>
-              <a:t>渲染对象</a:t>
-            </a:r>
-            <a:r>
-              <a:rPr lang="en-US" altLang="zh-CN" sz="1200" smtClean="0"/>
-              <a:t>(Renderable)</a:t>
-            </a:r>
-            <a:endParaRPr lang="zh-CN" altLang="en-US" sz="1200" dirty="0"/>
-          </a:p>
-        </p:txBody>
-      </p:sp>
-      <p:sp>
-        <p:nvSpPr>
           <p:cNvPr id="28" name="圆角矩形 27"/>
           <p:cNvSpPr/>
           <p:nvPr/>
         </p:nvSpPr>
         <p:spPr>
           <a:xfrm>
-            <a:off x="5291057" y="4213351"/>
+            <a:off x="3824848" y="3883048"/>
             <a:ext cx="1872208" cy="216024"/>
           </a:xfrm>
           <a:prstGeom prst="roundRect">
@@ -5185,12 +5103,20 @@
           <a:p>
             <a:pPr algn="ctr"/>
             <a:r>
-              <a:rPr lang="zh-CN" altLang="en-US" sz="1200" smtClean="0"/>
-              <a:t>网格引用</a:t>
-            </a:r>
-            <a:r>
-              <a:rPr lang="en-US" altLang="zh-CN" sz="1200" smtClean="0"/>
-              <a:t>(MeshGuid)</a:t>
+              <a:rPr lang="zh-CN" altLang="en-US" sz="1200" dirty="0" smtClean="0"/>
+              <a:t>模型引用</a:t>
+            </a:r>
+            <a:r>
+              <a:rPr lang="en-US" altLang="zh-CN" sz="1200" dirty="0" smtClean="0"/>
+              <a:t>(</a:t>
+            </a:r>
+            <a:r>
+              <a:rPr lang="en-US" altLang="zh-CN" sz="1200" dirty="0" err="1" smtClean="0"/>
+              <a:t>ModelGuid</a:t>
+            </a:r>
+            <a:r>
+              <a:rPr lang="en-US" altLang="zh-CN" sz="1200" dirty="0" smtClean="0"/>
+              <a:t>)</a:t>
             </a:r>
             <a:endParaRPr lang="zh-CN" altLang="en-US" sz="1200" dirty="0"/>
           </a:p>
@@ -5200,15 +5126,15 @@
         <p:nvCxnSpPr>
           <p:cNvPr id="32" name="直接连接符 14"/>
           <p:cNvCxnSpPr>
-            <a:stCxn id="19" idx="2"/>
+            <a:stCxn id="41" idx="2"/>
             <a:endCxn id="28" idx="1"/>
           </p:cNvCxnSpPr>
           <p:nvPr/>
         </p:nvCxnSpPr>
         <p:spPr>
           <a:xfrm rot="16200000" flipH="1">
-            <a:off x="4980349" y="4010654"/>
-            <a:ext cx="267659" cy="353758"/>
+            <a:off x="3523340" y="3689552"/>
+            <a:ext cx="330300" cy="272716"/>
           </a:xfrm>
           <a:prstGeom prst="bentConnector2">
             <a:avLst/>
@@ -5240,7 +5166,7 @@
         </p:nvSpPr>
         <p:spPr>
           <a:xfrm>
-            <a:off x="5283996" y="4509479"/>
+            <a:off x="3824848" y="4229050"/>
             <a:ext cx="1872208" cy="216024"/>
           </a:xfrm>
           <a:prstGeom prst="roundRect">
@@ -5267,12 +5193,20 @@
           <a:p>
             <a:pPr algn="ctr"/>
             <a:r>
-              <a:rPr lang="zh-CN" altLang="en-US" sz="1200" smtClean="0"/>
-              <a:t>材质引用</a:t>
-            </a:r>
-            <a:r>
-              <a:rPr lang="en-US" altLang="zh-CN" sz="1200" smtClean="0"/>
-              <a:t>(MaterialGuid)</a:t>
+              <a:rPr lang="zh-CN" altLang="en-US" sz="1200" dirty="0"/>
+              <a:t>网格引用</a:t>
+            </a:r>
+            <a:r>
+              <a:rPr lang="en-US" altLang="zh-CN" sz="1200" dirty="0"/>
+              <a:t>(</a:t>
+            </a:r>
+            <a:r>
+              <a:rPr lang="en-US" altLang="zh-CN" sz="1200" dirty="0" err="1"/>
+              <a:t>MeshGuid</a:t>
+            </a:r>
+            <a:r>
+              <a:rPr lang="en-US" altLang="zh-CN" sz="1200" dirty="0"/>
+              <a:t>)</a:t>
             </a:r>
             <a:endParaRPr lang="zh-CN" altLang="en-US" sz="1200" dirty="0"/>
           </a:p>
@@ -5282,15 +5216,15 @@
         <p:nvCxnSpPr>
           <p:cNvPr id="36" name="直接连接符 14"/>
           <p:cNvCxnSpPr>
-            <a:stCxn id="19" idx="2"/>
+            <a:stCxn id="41" idx="2"/>
             <a:endCxn id="35" idx="1"/>
           </p:cNvCxnSpPr>
           <p:nvPr/>
         </p:nvCxnSpPr>
         <p:spPr>
           <a:xfrm rot="16200000" flipH="1">
-            <a:off x="4828754" y="4162248"/>
-            <a:ext cx="563787" cy="346697"/>
+            <a:off x="3350339" y="3862553"/>
+            <a:ext cx="676302" cy="272716"/>
           </a:xfrm>
           <a:prstGeom prst="bentConnector2">
             <a:avLst/>
@@ -5373,6 +5307,362 @@
           <a:xfrm rot="16200000" flipH="1">
             <a:off x="417256" y="1714856"/>
             <a:ext cx="1734124" cy="409412"/>
+          </a:xfrm>
+          <a:prstGeom prst="bentConnector2">
+            <a:avLst/>
+          </a:prstGeom>
+          <a:ln>
+            <a:tailEnd type="triangle" w="med" len="lg"/>
+          </a:ln>
+        </p:spPr>
+        <p:style>
+          <a:lnRef idx="1">
+            <a:schemeClr val="accent1"/>
+          </a:lnRef>
+          <a:fillRef idx="0">
+            <a:schemeClr val="accent1"/>
+          </a:fillRef>
+          <a:effectRef idx="0">
+            <a:schemeClr val="accent1"/>
+          </a:effectRef>
+          <a:fontRef idx="minor">
+            <a:schemeClr val="tx1"/>
+          </a:fontRef>
+        </p:style>
+      </p:cxnSp>
+      <p:sp>
+        <p:nvSpPr>
+          <p:cNvPr id="27" name="圆角矩形 26"/>
+          <p:cNvSpPr/>
+          <p:nvPr/>
+        </p:nvSpPr>
+        <p:spPr>
+          <a:xfrm>
+            <a:off x="5679308" y="3426750"/>
+            <a:ext cx="2232248" cy="216024"/>
+          </a:xfrm>
+          <a:prstGeom prst="roundRect">
+            <a:avLst/>
+          </a:prstGeom>
+        </p:spPr>
+        <p:style>
+          <a:lnRef idx="1">
+            <a:schemeClr val="accent4"/>
+          </a:lnRef>
+          <a:fillRef idx="2">
+            <a:schemeClr val="accent4"/>
+          </a:fillRef>
+          <a:effectRef idx="1">
+            <a:schemeClr val="accent4"/>
+          </a:effectRef>
+          <a:fontRef idx="minor">
+            <a:schemeClr val="dk1"/>
+          </a:fontRef>
+        </p:style>
+        <p:txBody>
+          <a:bodyPr lIns="0" tIns="0" rIns="0" bIns="0" rtlCol="0" anchor="ctr" anchorCtr="1"/>
+          <a:lstStyle/>
+          <a:p>
+            <a:pPr algn="ctr"/>
+            <a:r>
+              <a:rPr lang="zh-CN" altLang="en-US" sz="1200" dirty="0" smtClean="0"/>
+              <a:t>渲染</a:t>
+            </a:r>
+            <a:r>
+              <a:rPr lang="zh-CN" altLang="en-US" sz="1200" dirty="0" smtClean="0"/>
+              <a:t>对象</a:t>
+            </a:r>
+            <a:r>
+              <a:rPr lang="en-US" altLang="zh-CN" sz="1200" dirty="0" smtClean="0"/>
+              <a:t>(</a:t>
+            </a:r>
+            <a:r>
+              <a:rPr lang="en-US" altLang="zh-CN" sz="1200" dirty="0" err="1" smtClean="0"/>
+              <a:t>Renderable</a:t>
+            </a:r>
+            <a:r>
+              <a:rPr lang="en-US" altLang="zh-CN" sz="1200" dirty="0" smtClean="0"/>
+              <a:t>)</a:t>
+            </a:r>
+            <a:endParaRPr lang="zh-CN" altLang="en-US" sz="1200" dirty="0"/>
+          </a:p>
+        </p:txBody>
+      </p:sp>
+      <p:sp>
+        <p:nvSpPr>
+          <p:cNvPr id="33" name="圆角矩形 32"/>
+          <p:cNvSpPr/>
+          <p:nvPr/>
+        </p:nvSpPr>
+        <p:spPr>
+          <a:xfrm>
+            <a:off x="5679308" y="3045251"/>
+            <a:ext cx="2259320" cy="216024"/>
+          </a:xfrm>
+          <a:prstGeom prst="roundRect">
+            <a:avLst/>
+          </a:prstGeom>
+        </p:spPr>
+        <p:style>
+          <a:lnRef idx="1">
+            <a:schemeClr val="accent4"/>
+          </a:lnRef>
+          <a:fillRef idx="2">
+            <a:schemeClr val="accent4"/>
+          </a:fillRef>
+          <a:effectRef idx="1">
+            <a:schemeClr val="accent4"/>
+          </a:effectRef>
+          <a:fontRef idx="minor">
+            <a:schemeClr val="dk1"/>
+          </a:fontRef>
+        </p:style>
+        <p:txBody>
+          <a:bodyPr lIns="0" tIns="0" rIns="0" bIns="0" rtlCol="0" anchor="ctr" anchorCtr="1"/>
+          <a:lstStyle/>
+          <a:p>
+            <a:pPr algn="ctr"/>
+            <a:r>
+              <a:rPr lang="zh-CN" altLang="en-US" sz="1200" dirty="0" smtClean="0"/>
+              <a:t>显示容器对象</a:t>
+            </a:r>
+            <a:r>
+              <a:rPr lang="en-US" altLang="zh-CN" sz="1200" dirty="0" smtClean="0"/>
+              <a:t>(</a:t>
+            </a:r>
+            <a:r>
+              <a:rPr lang="en-US" altLang="zh-CN" sz="1200" dirty="0" err="1" smtClean="0"/>
+              <a:t>DisplayContainer</a:t>
+            </a:r>
+            <a:r>
+              <a:rPr lang="en-US" altLang="zh-CN" sz="1200" dirty="0" smtClean="0"/>
+              <a:t>)</a:t>
+            </a:r>
+            <a:endParaRPr lang="zh-CN" altLang="en-US" sz="1200" dirty="0"/>
+          </a:p>
+        </p:txBody>
+      </p:sp>
+      <p:cxnSp>
+        <p:nvCxnSpPr>
+          <p:cNvPr id="37" name="直接连接符 14"/>
+          <p:cNvCxnSpPr>
+            <a:stCxn id="33" idx="1"/>
+            <a:endCxn id="31" idx="3"/>
+          </p:cNvCxnSpPr>
+          <p:nvPr/>
+        </p:nvCxnSpPr>
+        <p:spPr>
+          <a:xfrm flipH="1">
+            <a:off x="2909517" y="3153263"/>
+            <a:ext cx="2769791" cy="25155"/>
+          </a:xfrm>
+          <a:prstGeom prst="straightConnector1">
+            <a:avLst/>
+          </a:prstGeom>
+          <a:ln>
+            <a:tailEnd type="triangle" w="med" len="lg"/>
+          </a:ln>
+        </p:spPr>
+        <p:style>
+          <a:lnRef idx="1">
+            <a:schemeClr val="accent1"/>
+          </a:lnRef>
+          <a:fillRef idx="0">
+            <a:schemeClr val="accent1"/>
+          </a:fillRef>
+          <a:effectRef idx="0">
+            <a:schemeClr val="accent1"/>
+          </a:effectRef>
+          <a:fontRef idx="minor">
+            <a:schemeClr val="tx1"/>
+          </a:fontRef>
+        </p:style>
+      </p:cxnSp>
+      <p:cxnSp>
+        <p:nvCxnSpPr>
+          <p:cNvPr id="38" name="直接连接符 14"/>
+          <p:cNvCxnSpPr>
+            <a:stCxn id="27" idx="1"/>
+            <a:endCxn id="41" idx="3"/>
+          </p:cNvCxnSpPr>
+          <p:nvPr/>
+        </p:nvCxnSpPr>
+        <p:spPr>
+          <a:xfrm flipH="1">
+            <a:off x="4262378" y="3534762"/>
+            <a:ext cx="1416930" cy="17986"/>
+          </a:xfrm>
+          <a:prstGeom prst="straightConnector1">
+            <a:avLst/>
+          </a:prstGeom>
+          <a:ln>
+            <a:tailEnd type="triangle" w="med" len="lg"/>
+          </a:ln>
+        </p:spPr>
+        <p:style>
+          <a:lnRef idx="1">
+            <a:schemeClr val="accent1"/>
+          </a:lnRef>
+          <a:fillRef idx="0">
+            <a:schemeClr val="accent1"/>
+          </a:fillRef>
+          <a:effectRef idx="0">
+            <a:schemeClr val="accent1"/>
+          </a:effectRef>
+          <a:fontRef idx="minor">
+            <a:schemeClr val="tx1"/>
+          </a:fontRef>
+        </p:style>
+      </p:cxnSp>
+      <p:sp>
+        <p:nvSpPr>
+          <p:cNvPr id="45" name="圆角矩形 44"/>
+          <p:cNvSpPr/>
+          <p:nvPr/>
+        </p:nvSpPr>
+        <p:spPr>
+          <a:xfrm>
+            <a:off x="7002524" y="3837998"/>
+            <a:ext cx="1872208" cy="216024"/>
+          </a:xfrm>
+          <a:prstGeom prst="roundRect">
+            <a:avLst/>
+          </a:prstGeom>
+        </p:spPr>
+        <p:style>
+          <a:lnRef idx="1">
+            <a:schemeClr val="accent5"/>
+          </a:lnRef>
+          <a:fillRef idx="2">
+            <a:schemeClr val="accent5"/>
+          </a:fillRef>
+          <a:effectRef idx="1">
+            <a:schemeClr val="accent5"/>
+          </a:effectRef>
+          <a:fontRef idx="minor">
+            <a:schemeClr val="dk1"/>
+          </a:fontRef>
+        </p:style>
+        <p:txBody>
+          <a:bodyPr lIns="0" tIns="0" rIns="0" bIns="0" rtlCol="0" anchor="ctr" anchorCtr="1"/>
+          <a:lstStyle/>
+          <a:p>
+            <a:pPr algn="ctr"/>
+            <a:r>
+              <a:rPr lang="zh-CN" altLang="en-US" sz="1200" dirty="0"/>
+              <a:t>矩阵</a:t>
+            </a:r>
+            <a:r>
+              <a:rPr lang="en-US" altLang="zh-CN" sz="1200" dirty="0" smtClean="0"/>
+              <a:t>(Matrix)</a:t>
+            </a:r>
+            <a:endParaRPr lang="zh-CN" altLang="en-US" sz="1200" dirty="0"/>
+          </a:p>
+        </p:txBody>
+      </p:sp>
+      <p:cxnSp>
+        <p:nvCxnSpPr>
+          <p:cNvPr id="48" name="直接连接符 14"/>
+          <p:cNvCxnSpPr>
+            <a:stCxn id="27" idx="2"/>
+            <a:endCxn id="45" idx="1"/>
+          </p:cNvCxnSpPr>
+          <p:nvPr/>
+        </p:nvCxnSpPr>
+        <p:spPr>
+          <a:xfrm rot="16200000" flipH="1">
+            <a:off x="6747360" y="3690846"/>
+            <a:ext cx="303236" cy="207092"/>
+          </a:xfrm>
+          <a:prstGeom prst="bentConnector2">
+            <a:avLst/>
+          </a:prstGeom>
+          <a:ln>
+            <a:tailEnd type="triangle" w="med" len="lg"/>
+          </a:ln>
+        </p:spPr>
+        <p:style>
+          <a:lnRef idx="1">
+            <a:schemeClr val="accent1"/>
+          </a:lnRef>
+          <a:fillRef idx="0">
+            <a:schemeClr val="accent1"/>
+          </a:fillRef>
+          <a:effectRef idx="0">
+            <a:schemeClr val="accent1"/>
+          </a:effectRef>
+          <a:fontRef idx="minor">
+            <a:schemeClr val="tx1"/>
+          </a:fontRef>
+        </p:style>
+      </p:cxnSp>
+      <p:sp>
+        <p:nvSpPr>
+          <p:cNvPr id="50" name="圆角矩形 49"/>
+          <p:cNvSpPr/>
+          <p:nvPr/>
+        </p:nvSpPr>
+        <p:spPr>
+          <a:xfrm>
+            <a:off x="3824848" y="4589090"/>
+            <a:ext cx="1872208" cy="216024"/>
+          </a:xfrm>
+          <a:prstGeom prst="roundRect">
+            <a:avLst/>
+          </a:prstGeom>
+        </p:spPr>
+        <p:style>
+          <a:lnRef idx="1">
+            <a:schemeClr val="accent5"/>
+          </a:lnRef>
+          <a:fillRef idx="2">
+            <a:schemeClr val="accent5"/>
+          </a:fillRef>
+          <a:effectRef idx="1">
+            <a:schemeClr val="accent5"/>
+          </a:effectRef>
+          <a:fontRef idx="minor">
+            <a:schemeClr val="dk1"/>
+          </a:fontRef>
+        </p:style>
+        <p:txBody>
+          <a:bodyPr lIns="0" tIns="0" rIns="0" bIns="0" rtlCol="0" anchor="ctr" anchorCtr="1"/>
+          <a:lstStyle/>
+          <a:p>
+            <a:pPr algn="ctr"/>
+            <a:r>
+              <a:rPr lang="zh-CN" altLang="en-US" sz="1200" dirty="0" smtClean="0"/>
+              <a:t>材质引用</a:t>
+            </a:r>
+            <a:r>
+              <a:rPr lang="en-US" altLang="zh-CN" sz="1200" dirty="0" smtClean="0"/>
+              <a:t>(</a:t>
+            </a:r>
+            <a:r>
+              <a:rPr lang="en-US" altLang="zh-CN" sz="1200" dirty="0" err="1" smtClean="0"/>
+              <a:t>MaterialGuid</a:t>
+            </a:r>
+            <a:r>
+              <a:rPr lang="en-US" altLang="zh-CN" sz="1200" dirty="0" smtClean="0"/>
+              <a:t>)</a:t>
+            </a:r>
+            <a:endParaRPr lang="zh-CN" altLang="en-US" sz="1200" dirty="0"/>
+          </a:p>
+        </p:txBody>
+      </p:sp>
+      <p:cxnSp>
+        <p:nvCxnSpPr>
+          <p:cNvPr id="51" name="直接连接符 14"/>
+          <p:cNvCxnSpPr>
+            <a:stCxn id="41" idx="2"/>
+            <a:endCxn id="50" idx="1"/>
+          </p:cNvCxnSpPr>
+          <p:nvPr/>
+        </p:nvCxnSpPr>
+        <p:spPr>
+          <a:xfrm rot="16200000" flipH="1">
+            <a:off x="3170319" y="4042573"/>
+            <a:ext cx="1036342" cy="272716"/>
           </a:xfrm>
           <a:prstGeom prst="bentConnector2">
             <a:avLst/>
@@ -5962,11 +6252,7 @@
             </a:r>
             <a:r>
               <a:rPr lang="en-US" altLang="zh-CN" sz="1200" smtClean="0"/>
-              <a:t> </a:t>
-            </a:r>
-            <a:r>
-              <a:rPr lang="en-US" altLang="zh-CN" sz="1200" smtClean="0"/>
-              <a:t>(</a:t>
+              <a:t> (</a:t>
             </a:r>
             <a:r>
               <a:rPr lang="en-US" altLang="zh-CN" sz="1200"/>

--- a/document/计划-1-三维资源平台.pptx
+++ b/document/计划-1-三维资源平台.pptx
@@ -5,10 +5,10 @@
     <p:sldMasterId id="2147483648" r:id="rId1"/>
   </p:sldMasterIdLst>
   <p:notesMasterIdLst>
-    <p:notesMasterId r:id="rId19"/>
+    <p:notesMasterId r:id="rId20"/>
   </p:notesMasterIdLst>
   <p:handoutMasterIdLst>
-    <p:handoutMasterId r:id="rId20"/>
+    <p:handoutMasterId r:id="rId21"/>
   </p:handoutMasterIdLst>
   <p:sldIdLst>
     <p:sldId id="256" r:id="rId2"/>
@@ -19,15 +19,16 @@
     <p:sldId id="458" r:id="rId7"/>
     <p:sldId id="457" r:id="rId8"/>
     <p:sldId id="459" r:id="rId9"/>
-    <p:sldId id="461" r:id="rId10"/>
-    <p:sldId id="463" r:id="rId11"/>
-    <p:sldId id="460" r:id="rId12"/>
-    <p:sldId id="462" r:id="rId13"/>
-    <p:sldId id="453" r:id="rId14"/>
-    <p:sldId id="452" r:id="rId15"/>
-    <p:sldId id="456" r:id="rId16"/>
-    <p:sldId id="436" r:id="rId17"/>
-    <p:sldId id="426" r:id="rId18"/>
+    <p:sldId id="464" r:id="rId10"/>
+    <p:sldId id="461" r:id="rId11"/>
+    <p:sldId id="463" r:id="rId12"/>
+    <p:sldId id="460" r:id="rId13"/>
+    <p:sldId id="462" r:id="rId14"/>
+    <p:sldId id="453" r:id="rId15"/>
+    <p:sldId id="452" r:id="rId16"/>
+    <p:sldId id="456" r:id="rId17"/>
+    <p:sldId id="436" r:id="rId18"/>
+    <p:sldId id="426" r:id="rId19"/>
   </p:sldIdLst>
   <p:sldSz cx="9144000" cy="5865813"/>
   <p:notesSz cx="6858000" cy="9144000"/>
@@ -128,7 +129,7 @@
   </p:defaultTextStyle>
   <p:extLst>
     <p:ext uri="{EFAFB233-063F-42B5-8137-9DF3F51BA10A}">
-      <p15:sldGuideLst xmlns:p15="http://schemas.microsoft.com/office/powerpoint/2012/main" xmlns="">
+      <p15:sldGuideLst xmlns:p15="http://schemas.microsoft.com/office/powerpoint/2012/main">
         <p15:guide id="1" orient="horz" pos="1848">
           <p15:clr>
             <a:srgbClr val="A4A3A4"/>
@@ -142,7 +143,7 @@
       </p15:sldGuideLst>
     </p:ext>
     <p:ext uri="{2D200454-40CA-4A62-9FC3-DE9A4176ACB9}">
-      <p15:notesGuideLst xmlns:p15="http://schemas.microsoft.com/office/powerpoint/2012/main" xmlns="">
+      <p15:notesGuideLst xmlns:p15="http://schemas.microsoft.com/office/powerpoint/2012/main">
         <p15:guide id="1" orient="horz" pos="2880">
           <p15:clr>
             <a:srgbClr val="A4A3A4"/>
@@ -241,7 +242,7 @@
           <a:p>
             <a:fld id="{92560736-7F85-4515-A6D8-4542283B826A}" type="datetimeFigureOut">
               <a:rPr lang="zh-CN" altLang="en-US" smtClean="0"/>
-              <a:t>2015/4/16</a:t>
+              <a:t>2015/4/17</a:t>
             </a:fld>
             <a:endParaRPr lang="zh-CN" altLang="en-US"/>
           </a:p>
@@ -406,7 +407,7 @@
           <a:p>
             <a:fld id="{92548700-594F-44E5-8A8A-527182797791}" type="datetimeFigureOut">
               <a:rPr lang="zh-CN" altLang="en-US" smtClean="0"/>
-              <a:t>2015/4/16</a:t>
+              <a:t>2015/4/17</a:t>
             </a:fld>
             <a:endParaRPr lang="zh-CN" altLang="en-US"/>
           </a:p>
@@ -855,7 +856,7 @@
           <a:p>
             <a:fld id="{D3091F99-555A-4E70-BF70-8E07EE828744}" type="datetimeFigureOut">
               <a:rPr lang="zh-CN" altLang="en-US" smtClean="0"/>
-              <a:t>2015/4/16</a:t>
+              <a:t>2015/4/17</a:t>
             </a:fld>
             <a:endParaRPr lang="zh-CN" altLang="en-US"/>
           </a:p>
@@ -1032,7 +1033,7 @@
           <a:p>
             <a:fld id="{D3091F99-555A-4E70-BF70-8E07EE828744}" type="datetimeFigureOut">
               <a:rPr lang="zh-CN" altLang="en-US" smtClean="0"/>
-              <a:t>2015/4/16</a:t>
+              <a:t>2015/4/17</a:t>
             </a:fld>
             <a:endParaRPr lang="zh-CN" altLang="en-US"/>
           </a:p>
@@ -1212,7 +1213,7 @@
           <a:p>
             <a:fld id="{D3091F99-555A-4E70-BF70-8E07EE828744}" type="datetimeFigureOut">
               <a:rPr lang="zh-CN" altLang="en-US" smtClean="0"/>
-              <a:t>2015/4/16</a:t>
+              <a:t>2015/4/17</a:t>
             </a:fld>
             <a:endParaRPr lang="zh-CN" altLang="en-US"/>
           </a:p>
@@ -1382,7 +1383,7 @@
           <a:p>
             <a:fld id="{D3091F99-555A-4E70-BF70-8E07EE828744}" type="datetimeFigureOut">
               <a:rPr lang="zh-CN" altLang="en-US" smtClean="0"/>
-              <a:t>2015/4/16</a:t>
+              <a:t>2015/4/17</a:t>
             </a:fld>
             <a:endParaRPr lang="zh-CN" altLang="en-US"/>
           </a:p>
@@ -1635,7 +1636,7 @@
           <a:p>
             <a:fld id="{D3091F99-555A-4E70-BF70-8E07EE828744}" type="datetimeFigureOut">
               <a:rPr lang="zh-CN" altLang="en-US" smtClean="0"/>
-              <a:t>2015/4/16</a:t>
+              <a:t>2015/4/17</a:t>
             </a:fld>
             <a:endParaRPr lang="zh-CN" altLang="en-US"/>
           </a:p>
@@ -1923,7 +1924,7 @@
           <a:p>
             <a:fld id="{D3091F99-555A-4E70-BF70-8E07EE828744}" type="datetimeFigureOut">
               <a:rPr lang="zh-CN" altLang="en-US" smtClean="0"/>
-              <a:t>2015/4/16</a:t>
+              <a:t>2015/4/17</a:t>
             </a:fld>
             <a:endParaRPr lang="zh-CN" altLang="en-US"/>
           </a:p>
@@ -2350,7 +2351,7 @@
           <a:p>
             <a:fld id="{D3091F99-555A-4E70-BF70-8E07EE828744}" type="datetimeFigureOut">
               <a:rPr lang="zh-CN" altLang="en-US" smtClean="0"/>
-              <a:t>2015/4/16</a:t>
+              <a:t>2015/4/17</a:t>
             </a:fld>
             <a:endParaRPr lang="zh-CN" altLang="en-US"/>
           </a:p>
@@ -2468,7 +2469,7 @@
           <a:p>
             <a:fld id="{D3091F99-555A-4E70-BF70-8E07EE828744}" type="datetimeFigureOut">
               <a:rPr lang="zh-CN" altLang="en-US" smtClean="0"/>
-              <a:t>2015/4/16</a:t>
+              <a:t>2015/4/17</a:t>
             </a:fld>
             <a:endParaRPr lang="zh-CN" altLang="en-US"/>
           </a:p>
@@ -2563,7 +2564,7 @@
           <a:p>
             <a:fld id="{D3091F99-555A-4E70-BF70-8E07EE828744}" type="datetimeFigureOut">
               <a:rPr lang="zh-CN" altLang="en-US" smtClean="0"/>
-              <a:t>2015/4/16</a:t>
+              <a:t>2015/4/17</a:t>
             </a:fld>
             <a:endParaRPr lang="zh-CN" altLang="en-US"/>
           </a:p>
@@ -2840,7 +2841,7 @@
           <a:p>
             <a:fld id="{D3091F99-555A-4E70-BF70-8E07EE828744}" type="datetimeFigureOut">
               <a:rPr lang="zh-CN" altLang="en-US" smtClean="0"/>
-              <a:t>2015/4/16</a:t>
+              <a:t>2015/4/17</a:t>
             </a:fld>
             <a:endParaRPr lang="zh-CN" altLang="en-US"/>
           </a:p>
@@ -3093,7 +3094,7 @@
           <a:p>
             <a:fld id="{D3091F99-555A-4E70-BF70-8E07EE828744}" type="datetimeFigureOut">
               <a:rPr lang="zh-CN" altLang="en-US" smtClean="0"/>
-              <a:t>2015/4/16</a:t>
+              <a:t>2015/4/17</a:t>
             </a:fld>
             <a:endParaRPr lang="zh-CN" altLang="en-US"/>
           </a:p>
@@ -3315,7 +3316,7 @@
           <a:p>
             <a:fld id="{D3091F99-555A-4E70-BF70-8E07EE828744}" type="datetimeFigureOut">
               <a:rPr lang="zh-CN" altLang="en-US" smtClean="0"/>
-              <a:t>2015/4/16</a:t>
+              <a:t>2015/4/17</a:t>
             </a:fld>
             <a:endParaRPr lang="zh-CN" altLang="en-US"/>
           </a:p>
@@ -4005,6 +4006,170 @@
       </p:sp>
       <p:sp>
         <p:nvSpPr>
+          <p:cNvPr id="31" name="圆角矩形 30"/>
+          <p:cNvSpPr/>
+          <p:nvPr/>
+        </p:nvSpPr>
+        <p:spPr>
+          <a:xfrm>
+            <a:off x="2842907" y="3031582"/>
+            <a:ext cx="1420493" cy="216024"/>
+          </a:xfrm>
+          <a:prstGeom prst="roundRect">
+            <a:avLst/>
+          </a:prstGeom>
+        </p:spPr>
+        <p:style>
+          <a:lnRef idx="1">
+            <a:schemeClr val="accent4"/>
+          </a:lnRef>
+          <a:fillRef idx="2">
+            <a:schemeClr val="accent4"/>
+          </a:fillRef>
+          <a:effectRef idx="1">
+            <a:schemeClr val="accent4"/>
+          </a:effectRef>
+          <a:fontRef idx="minor">
+            <a:schemeClr val="dk1"/>
+          </a:fontRef>
+        </p:style>
+        <p:txBody>
+          <a:bodyPr lIns="0" tIns="0" rIns="0" bIns="0" rtlCol="0" anchor="ctr" anchorCtr="1"/>
+          <a:lstStyle/>
+          <a:p>
+            <a:pPr algn="ctr"/>
+            <a:r>
+              <a:rPr lang="zh-CN" altLang="en-US" sz="1200" smtClean="0"/>
+              <a:t>网格</a:t>
+            </a:r>
+            <a:r>
+              <a:rPr lang="en-US" altLang="zh-CN" sz="1200" smtClean="0"/>
+              <a:t>(Mesh)</a:t>
+            </a:r>
+            <a:endParaRPr lang="zh-CN" altLang="en-US" sz="1200" dirty="0"/>
+          </a:p>
+        </p:txBody>
+      </p:sp>
+      <p:cxnSp>
+        <p:nvCxnSpPr>
+          <p:cNvPr id="34" name="直接连接符 14"/>
+          <p:cNvCxnSpPr>
+            <a:stCxn id="3" idx="2"/>
+            <a:endCxn id="45" idx="1"/>
+          </p:cNvCxnSpPr>
+          <p:nvPr/>
+        </p:nvCxnSpPr>
+        <p:spPr>
+          <a:xfrm rot="16200000" flipH="1">
+            <a:off x="474580" y="1657532"/>
+            <a:ext cx="1678117" cy="468052"/>
+          </a:xfrm>
+          <a:prstGeom prst="bentConnector2">
+            <a:avLst/>
+          </a:prstGeom>
+          <a:ln>
+            <a:tailEnd type="triangle" w="med" len="lg"/>
+          </a:ln>
+        </p:spPr>
+        <p:style>
+          <a:lnRef idx="1">
+            <a:schemeClr val="accent1"/>
+          </a:lnRef>
+          <a:fillRef idx="0">
+            <a:schemeClr val="accent1"/>
+          </a:fillRef>
+          <a:effectRef idx="0">
+            <a:schemeClr val="accent1"/>
+          </a:effectRef>
+          <a:fontRef idx="minor">
+            <a:schemeClr val="tx1"/>
+          </a:fontRef>
+        </p:style>
+      </p:cxnSp>
+      <p:sp>
+        <p:nvSpPr>
+          <p:cNvPr id="42" name="圆角矩形 41"/>
+          <p:cNvSpPr/>
+          <p:nvPr/>
+        </p:nvSpPr>
+        <p:spPr>
+          <a:xfrm>
+            <a:off x="4116015" y="3308113"/>
+            <a:ext cx="1420493" cy="216024"/>
+          </a:xfrm>
+          <a:prstGeom prst="roundRect">
+            <a:avLst/>
+          </a:prstGeom>
+        </p:spPr>
+        <p:style>
+          <a:lnRef idx="1">
+            <a:schemeClr val="accent4"/>
+          </a:lnRef>
+          <a:fillRef idx="2">
+            <a:schemeClr val="accent4"/>
+          </a:fillRef>
+          <a:effectRef idx="1">
+            <a:schemeClr val="accent4"/>
+          </a:effectRef>
+          <a:fontRef idx="minor">
+            <a:schemeClr val="dk1"/>
+          </a:fontRef>
+        </p:style>
+        <p:txBody>
+          <a:bodyPr lIns="0" tIns="0" rIns="0" bIns="0" rtlCol="0" anchor="ctr" anchorCtr="1"/>
+          <a:lstStyle/>
+          <a:p>
+            <a:pPr algn="ctr"/>
+            <a:r>
+              <a:rPr lang="zh-CN" altLang="en-US" sz="1200" smtClean="0"/>
+              <a:t>数据流</a:t>
+            </a:r>
+            <a:r>
+              <a:rPr lang="en-US" altLang="zh-CN" sz="1200" smtClean="0"/>
+              <a:t>(Stream)</a:t>
+            </a:r>
+            <a:endParaRPr lang="zh-CN" altLang="en-US" sz="1200" dirty="0"/>
+          </a:p>
+        </p:txBody>
+      </p:sp>
+      <p:cxnSp>
+        <p:nvCxnSpPr>
+          <p:cNvPr id="43" name="直接连接符 14"/>
+          <p:cNvCxnSpPr>
+            <a:stCxn id="31" idx="2"/>
+            <a:endCxn id="42" idx="1"/>
+          </p:cNvCxnSpPr>
+          <p:nvPr/>
+        </p:nvCxnSpPr>
+        <p:spPr>
+          <a:xfrm rot="16200000" flipH="1">
+            <a:off x="3750325" y="3050434"/>
+            <a:ext cx="168519" cy="562861"/>
+          </a:xfrm>
+          <a:prstGeom prst="bentConnector2">
+            <a:avLst/>
+          </a:prstGeom>
+          <a:ln>
+            <a:tailEnd type="triangle" w="med" len="lg"/>
+          </a:ln>
+        </p:spPr>
+        <p:style>
+          <a:lnRef idx="1">
+            <a:schemeClr val="accent1"/>
+          </a:lnRef>
+          <a:fillRef idx="0">
+            <a:schemeClr val="accent1"/>
+          </a:fillRef>
+          <a:effectRef idx="0">
+            <a:schemeClr val="accent1"/>
+          </a:effectRef>
+          <a:fontRef idx="minor">
+            <a:schemeClr val="tx1"/>
+          </a:fontRef>
+        </p:style>
+      </p:cxnSp>
+      <p:sp>
+        <p:nvSpPr>
           <p:cNvPr id="21" name="内容占位符 2"/>
           <p:cNvSpPr>
             <a:spLocks noGrp="1"/>
@@ -4089,17 +4254,181 @@
           <a:p>
             <a:pPr algn="ctr"/>
             <a:r>
-              <a:rPr lang="zh-CN" altLang="en-US" sz="1200"/>
-              <a:t>骨骼</a:t>
-            </a:r>
-            <a:r>
-              <a:rPr lang="en-US" altLang="zh-CN" sz="1200" smtClean="0"/>
-              <a:t>(Skeleton)</a:t>
+              <a:rPr lang="zh-CN" altLang="en-US" sz="1200" dirty="0" smtClean="0"/>
+              <a:t>区域</a:t>
+            </a:r>
+            <a:r>
+              <a:rPr lang="en-US" altLang="zh-CN" sz="1200" dirty="0" smtClean="0"/>
+              <a:t>(Region)</a:t>
             </a:r>
             <a:endParaRPr lang="zh-CN" altLang="en-US" sz="1200" dirty="0"/>
           </a:p>
         </p:txBody>
       </p:sp>
+      <p:sp>
+        <p:nvSpPr>
+          <p:cNvPr id="26" name="圆角矩形 25"/>
+          <p:cNvSpPr/>
+          <p:nvPr/>
+        </p:nvSpPr>
+        <p:spPr>
+          <a:xfrm>
+            <a:off x="2842909" y="1869480"/>
+            <a:ext cx="1420493" cy="216024"/>
+          </a:xfrm>
+          <a:prstGeom prst="roundRect">
+            <a:avLst/>
+          </a:prstGeom>
+        </p:spPr>
+        <p:style>
+          <a:lnRef idx="1">
+            <a:schemeClr val="accent6"/>
+          </a:lnRef>
+          <a:fillRef idx="2">
+            <a:schemeClr val="accent6"/>
+          </a:fillRef>
+          <a:effectRef idx="1">
+            <a:schemeClr val="accent6"/>
+          </a:effectRef>
+          <a:fontRef idx="minor">
+            <a:schemeClr val="dk1"/>
+          </a:fontRef>
+        </p:style>
+        <p:txBody>
+          <a:bodyPr lIns="0" tIns="0" rIns="0" bIns="0" rtlCol="0" anchor="ctr" anchorCtr="1"/>
+          <a:lstStyle/>
+          <a:p>
+            <a:pPr algn="ctr"/>
+            <a:r>
+              <a:rPr lang="zh-CN" altLang="en-US" sz="1200" dirty="0"/>
+              <a:t>相机</a:t>
+            </a:r>
+            <a:r>
+              <a:rPr lang="en-US" altLang="zh-CN" sz="1200" dirty="0" smtClean="0"/>
+              <a:t>(Camera)</a:t>
+            </a:r>
+            <a:endParaRPr lang="zh-CN" altLang="en-US" sz="1200" dirty="0"/>
+          </a:p>
+        </p:txBody>
+      </p:sp>
+      <p:cxnSp>
+        <p:nvCxnSpPr>
+          <p:cNvPr id="27" name="直接连接符 14"/>
+          <p:cNvCxnSpPr>
+            <a:stCxn id="25" idx="2"/>
+            <a:endCxn id="26" idx="1"/>
+          </p:cNvCxnSpPr>
+          <p:nvPr/>
+        </p:nvCxnSpPr>
+        <p:spPr>
+          <a:xfrm rot="16200000" flipH="1">
+            <a:off x="2237508" y="1372091"/>
+            <a:ext cx="534372" cy="676430"/>
+          </a:xfrm>
+          <a:prstGeom prst="bentConnector2">
+            <a:avLst/>
+          </a:prstGeom>
+          <a:ln>
+            <a:tailEnd type="triangle" w="med" len="lg"/>
+          </a:ln>
+        </p:spPr>
+        <p:style>
+          <a:lnRef idx="1">
+            <a:schemeClr val="accent1"/>
+          </a:lnRef>
+          <a:fillRef idx="0">
+            <a:schemeClr val="accent1"/>
+          </a:fillRef>
+          <a:effectRef idx="0">
+            <a:schemeClr val="accent1"/>
+          </a:effectRef>
+          <a:fontRef idx="minor">
+            <a:schemeClr val="tx1"/>
+          </a:fontRef>
+        </p:style>
+      </p:cxnSp>
+      <p:sp>
+        <p:nvSpPr>
+          <p:cNvPr id="28" name="圆角矩形 27"/>
+          <p:cNvSpPr/>
+          <p:nvPr/>
+        </p:nvSpPr>
+        <p:spPr>
+          <a:xfrm>
+            <a:off x="2842909" y="2206091"/>
+            <a:ext cx="1420493" cy="216024"/>
+          </a:xfrm>
+          <a:prstGeom prst="roundRect">
+            <a:avLst/>
+          </a:prstGeom>
+        </p:spPr>
+        <p:style>
+          <a:lnRef idx="1">
+            <a:schemeClr val="accent6"/>
+          </a:lnRef>
+          <a:fillRef idx="2">
+            <a:schemeClr val="accent6"/>
+          </a:fillRef>
+          <a:effectRef idx="1">
+            <a:schemeClr val="accent6"/>
+          </a:effectRef>
+          <a:fontRef idx="minor">
+            <a:schemeClr val="dk1"/>
+          </a:fontRef>
+        </p:style>
+        <p:txBody>
+          <a:bodyPr lIns="0" tIns="0" rIns="0" bIns="0" rtlCol="0" anchor="ctr" anchorCtr="1"/>
+          <a:lstStyle/>
+          <a:p>
+            <a:pPr algn="ctr"/>
+            <a:r>
+              <a:rPr lang="zh-CN" altLang="en-US" sz="1200" dirty="0" smtClean="0"/>
+              <a:t>主光源</a:t>
+            </a:r>
+            <a:r>
+              <a:rPr lang="en-US" altLang="zh-CN" sz="1200" dirty="0" smtClean="0"/>
+              <a:t>(Light)</a:t>
+            </a:r>
+            <a:endParaRPr lang="zh-CN" altLang="en-US" sz="1200" dirty="0"/>
+          </a:p>
+        </p:txBody>
+      </p:sp>
+      <p:cxnSp>
+        <p:nvCxnSpPr>
+          <p:cNvPr id="32" name="直接连接符 14"/>
+          <p:cNvCxnSpPr>
+            <a:stCxn id="25" idx="2"/>
+            <a:endCxn id="28" idx="1"/>
+          </p:cNvCxnSpPr>
+          <p:nvPr/>
+        </p:nvCxnSpPr>
+        <p:spPr>
+          <a:xfrm rot="16200000" flipH="1">
+            <a:off x="2069203" y="1540396"/>
+            <a:ext cx="870983" cy="676430"/>
+          </a:xfrm>
+          <a:prstGeom prst="bentConnector2">
+            <a:avLst/>
+          </a:prstGeom>
+          <a:ln>
+            <a:tailEnd type="triangle" w="med" len="lg"/>
+          </a:ln>
+        </p:spPr>
+        <p:style>
+          <a:lnRef idx="1">
+            <a:schemeClr val="accent1"/>
+          </a:lnRef>
+          <a:fillRef idx="0">
+            <a:schemeClr val="accent1"/>
+          </a:fillRef>
+          <a:effectRef idx="0">
+            <a:schemeClr val="accent1"/>
+          </a:effectRef>
+          <a:fontRef idx="minor">
+            <a:schemeClr val="tx1"/>
+          </a:fontRef>
+        </p:style>
+      </p:cxnSp>
       <p:sp>
         <p:nvSpPr>
           <p:cNvPr id="33" name="圆角矩形 32"/>
@@ -4108,7 +4437,7 @@
         </p:nvSpPr>
         <p:spPr>
           <a:xfrm>
-            <a:off x="2876725" y="2572866"/>
+            <a:off x="2842908" y="1527153"/>
             <a:ext cx="1420493" cy="216024"/>
           </a:xfrm>
           <a:prstGeom prst="roundRect">
@@ -4136,11 +4465,11 @@
             <a:pPr algn="ctr"/>
             <a:r>
               <a:rPr lang="zh-CN" altLang="en-US" sz="1200" smtClean="0"/>
-              <a:t>动画</a:t>
+              <a:t>材质</a:t>
             </a:r>
             <a:r>
               <a:rPr lang="en-US" altLang="zh-CN" sz="1200" smtClean="0"/>
-              <a:t>(Animation)</a:t>
+              <a:t>(Material)</a:t>
             </a:r>
             <a:endParaRPr lang="zh-CN" altLang="en-US" sz="1200" dirty="0"/>
           </a:p>
@@ -4157,8 +4486,8 @@
         </p:nvCxnSpPr>
         <p:spPr>
           <a:xfrm rot="16200000" flipH="1">
-            <a:off x="1902723" y="1706876"/>
-            <a:ext cx="1237758" cy="710246"/>
+            <a:off x="2408671" y="1200927"/>
+            <a:ext cx="192045" cy="676429"/>
           </a:xfrm>
           <a:prstGeom prst="bentConnector2">
             <a:avLst/>
@@ -4220,14 +4549,14 @@
       </p:cxnSp>
       <p:sp>
         <p:nvSpPr>
-          <p:cNvPr id="20" name="圆角矩形 19"/>
+          <p:cNvPr id="45" name="圆角矩形 44"/>
           <p:cNvSpPr/>
           <p:nvPr/>
         </p:nvSpPr>
         <p:spPr>
           <a:xfrm>
-            <a:off x="4101761" y="2854617"/>
-            <a:ext cx="1420493" cy="216024"/>
+            <a:off x="1547664" y="2622605"/>
+            <a:ext cx="1656184" cy="216024"/>
           </a:xfrm>
           <a:prstGeom prst="roundRect">
             <a:avLst/>
@@ -4235,13 +4564,13 @@
         </p:spPr>
         <p:style>
           <a:lnRef idx="1">
-            <a:schemeClr val="accent6"/>
+            <a:schemeClr val="accent4"/>
           </a:lnRef>
           <a:fillRef idx="2">
-            <a:schemeClr val="accent6"/>
+            <a:schemeClr val="accent4"/>
           </a:fillRef>
           <a:effectRef idx="1">
-            <a:schemeClr val="accent6"/>
+            <a:schemeClr val="accent4"/>
           </a:effectRef>
           <a:fontRef idx="minor">
             <a:schemeClr val="dk1"/>
@@ -4254,11 +4583,11 @@
             <a:pPr algn="ctr"/>
             <a:r>
               <a:rPr lang="zh-CN" altLang="en-US" sz="1200" smtClean="0"/>
-              <a:t>轨迹</a:t>
+              <a:t>模型显示</a:t>
             </a:r>
             <a:r>
               <a:rPr lang="en-US" altLang="zh-CN" sz="1200" smtClean="0"/>
-              <a:t>(Track)</a:t>
+              <a:t>(ModelDisplay)</a:t>
             </a:r>
             <a:endParaRPr lang="zh-CN" altLang="en-US" sz="1200" dirty="0"/>
           </a:p>
@@ -4266,181 +4595,17 @@
       </p:sp>
       <p:cxnSp>
         <p:nvCxnSpPr>
-          <p:cNvPr id="22" name="直接连接符 14"/>
+          <p:cNvPr id="46" name="直接连接符 14"/>
           <p:cNvCxnSpPr>
-            <a:stCxn id="33" idx="2"/>
-            <a:endCxn id="20" idx="1"/>
+            <a:stCxn id="45" idx="2"/>
+            <a:endCxn id="31" idx="1"/>
           </p:cNvCxnSpPr>
           <p:nvPr/>
         </p:nvCxnSpPr>
         <p:spPr>
           <a:xfrm rot="16200000" flipH="1">
-            <a:off x="3757497" y="2618364"/>
-            <a:ext cx="173739" cy="514789"/>
-          </a:xfrm>
-          <a:prstGeom prst="bentConnector2">
-            <a:avLst/>
-          </a:prstGeom>
-          <a:ln>
-            <a:tailEnd type="triangle" w="med" len="lg"/>
-          </a:ln>
-        </p:spPr>
-        <p:style>
-          <a:lnRef idx="1">
-            <a:schemeClr val="accent1"/>
-          </a:lnRef>
-          <a:fillRef idx="0">
-            <a:schemeClr val="accent1"/>
-          </a:fillRef>
-          <a:effectRef idx="0">
-            <a:schemeClr val="accent1"/>
-          </a:effectRef>
-          <a:fontRef idx="minor">
-            <a:schemeClr val="tx1"/>
-          </a:fontRef>
-        </p:style>
-      </p:cxnSp>
-      <p:sp>
-        <p:nvSpPr>
-          <p:cNvPr id="29" name="圆角矩形 28"/>
-          <p:cNvSpPr/>
-          <p:nvPr/>
-        </p:nvSpPr>
-        <p:spPr>
-          <a:xfrm>
-            <a:off x="2650416" y="1669625"/>
-            <a:ext cx="1420493" cy="216024"/>
-          </a:xfrm>
-          <a:prstGeom prst="roundRect">
-            <a:avLst/>
-          </a:prstGeom>
-        </p:spPr>
-        <p:style>
-          <a:lnRef idx="1">
-            <a:schemeClr val="accent6"/>
-          </a:lnRef>
-          <a:fillRef idx="2">
-            <a:schemeClr val="accent6"/>
-          </a:fillRef>
-          <a:effectRef idx="1">
-            <a:schemeClr val="accent6"/>
-          </a:effectRef>
-          <a:fontRef idx="minor">
-            <a:schemeClr val="dk1"/>
-          </a:fontRef>
-        </p:style>
-        <p:txBody>
-          <a:bodyPr lIns="0" tIns="0" rIns="0" bIns="0" rtlCol="0" anchor="ctr" anchorCtr="1"/>
-          <a:lstStyle/>
-          <a:p>
-            <a:pPr algn="ctr"/>
-            <a:r>
-              <a:rPr lang="zh-CN" altLang="en-US" sz="1200" smtClean="0"/>
-              <a:t>皮肤</a:t>
-            </a:r>
-            <a:r>
-              <a:rPr lang="en-US" altLang="zh-CN" sz="1200" smtClean="0"/>
-              <a:t>(Skin)</a:t>
-            </a:r>
-            <a:endParaRPr lang="zh-CN" altLang="en-US" sz="1200" dirty="0"/>
-          </a:p>
-        </p:txBody>
-      </p:sp>
-      <p:cxnSp>
-        <p:nvCxnSpPr>
-          <p:cNvPr id="30" name="直接连接符 14"/>
-          <p:cNvCxnSpPr>
-            <a:stCxn id="25" idx="2"/>
-            <a:endCxn id="29" idx="1"/>
-          </p:cNvCxnSpPr>
-          <p:nvPr/>
-        </p:nvCxnSpPr>
-        <p:spPr>
-          <a:xfrm rot="16200000" flipH="1">
-            <a:off x="2241189" y="1368409"/>
-            <a:ext cx="334517" cy="483937"/>
-          </a:xfrm>
-          <a:prstGeom prst="bentConnector2">
-            <a:avLst/>
-          </a:prstGeom>
-          <a:ln>
-            <a:tailEnd type="triangle" w="med" len="lg"/>
-          </a:ln>
-        </p:spPr>
-        <p:style>
-          <a:lnRef idx="1">
-            <a:schemeClr val="accent1"/>
-          </a:lnRef>
-          <a:fillRef idx="0">
-            <a:schemeClr val="accent1"/>
-          </a:fillRef>
-          <a:effectRef idx="0">
-            <a:schemeClr val="accent1"/>
-          </a:effectRef>
-          <a:fontRef idx="minor">
-            <a:schemeClr val="tx1"/>
-          </a:fontRef>
-        </p:style>
-      </p:cxnSp>
-      <p:sp>
-        <p:nvSpPr>
-          <p:cNvPr id="37" name="圆角矩形 36"/>
-          <p:cNvSpPr/>
-          <p:nvPr/>
-        </p:nvSpPr>
-        <p:spPr>
-          <a:xfrm>
-            <a:off x="4139952" y="1953986"/>
-            <a:ext cx="1420493" cy="216024"/>
-          </a:xfrm>
-          <a:prstGeom prst="roundRect">
-            <a:avLst/>
-          </a:prstGeom>
-        </p:spPr>
-        <p:style>
-          <a:lnRef idx="1">
-            <a:schemeClr val="accent6"/>
-          </a:lnRef>
-          <a:fillRef idx="2">
-            <a:schemeClr val="accent6"/>
-          </a:fillRef>
-          <a:effectRef idx="1">
-            <a:schemeClr val="accent6"/>
-          </a:effectRef>
-          <a:fontRef idx="minor">
-            <a:schemeClr val="dk1"/>
-          </a:fontRef>
-        </p:style>
-        <p:txBody>
-          <a:bodyPr lIns="0" tIns="0" rIns="0" bIns="0" rtlCol="0" anchor="ctr" anchorCtr="1"/>
-          <a:lstStyle/>
-          <a:p>
-            <a:pPr algn="ctr"/>
-            <a:r>
-              <a:rPr lang="zh-CN" altLang="en-US" sz="1200" smtClean="0"/>
-              <a:t>数据流</a:t>
-            </a:r>
-            <a:r>
-              <a:rPr lang="en-US" altLang="zh-CN" sz="1200" smtClean="0"/>
-              <a:t>(Stream)</a:t>
-            </a:r>
-            <a:endParaRPr lang="zh-CN" altLang="en-US" sz="1200" dirty="0"/>
-          </a:p>
-        </p:txBody>
-      </p:sp>
-      <p:cxnSp>
-        <p:nvCxnSpPr>
-          <p:cNvPr id="38" name="直接连接符 14"/>
-          <p:cNvCxnSpPr>
-            <a:stCxn id="29" idx="2"/>
-            <a:endCxn id="37" idx="1"/>
-          </p:cNvCxnSpPr>
-          <p:nvPr/>
-        </p:nvCxnSpPr>
-        <p:spPr>
-          <a:xfrm rot="16200000" flipH="1">
-            <a:off x="3662133" y="1584178"/>
-            <a:ext cx="176349" cy="779289"/>
+            <a:off x="2458849" y="2755535"/>
+            <a:ext cx="300965" cy="467151"/>
           </a:xfrm>
           <a:prstGeom prst="bentConnector2">
             <a:avLst/>
@@ -4467,7 +4632,7 @@
     </p:spTree>
     <p:extLst>
       <p:ext uri="{BB962C8B-B14F-4D97-AF65-F5344CB8AC3E}">
-        <p14:creationId xmlns:p14="http://schemas.microsoft.com/office/powerpoint/2010/main" val="3382170061"/>
+        <p14:creationId xmlns:p14="http://schemas.microsoft.com/office/powerpoint/2010/main" val="946105694"/>
       </p:ext>
     </p:extLst>
   </p:cSld>
@@ -4524,7 +4689,7 @@
             </a:r>
             <a:r>
               <a:rPr lang="en-US" altLang="zh-CN" smtClean="0"/>
-              <a:t>- Template</a:t>
+              <a:t>- Model</a:t>
             </a:r>
             <a:endParaRPr lang="zh-CN" altLang="en-US" dirty="0"/>
           </a:p>
@@ -4538,8 +4703,8 @@
         </p:nvSpPr>
         <p:spPr>
           <a:xfrm>
-            <a:off x="395536" y="836476"/>
-            <a:ext cx="1368152" cy="216024"/>
+            <a:off x="179512" y="836476"/>
+            <a:ext cx="1800200" cy="216024"/>
           </a:xfrm>
           <a:prstGeom prst="roundRect">
             <a:avLst/>
@@ -4566,11 +4731,11 @@
             <a:pPr algn="ctr"/>
             <a:r>
               <a:rPr lang="zh-CN" altLang="en-US" sz="1200" smtClean="0"/>
-              <a:t>模板</a:t>
+              <a:t>模型</a:t>
             </a:r>
             <a:r>
               <a:rPr lang="en-US" altLang="zh-CN" sz="1200" smtClean="0"/>
-              <a:t>(Template)</a:t>
+              <a:t>(Model)</a:t>
             </a:r>
             <a:endParaRPr lang="zh-CN" altLang="en-US" sz="1200" dirty="0"/>
           </a:p>
@@ -4578,13 +4743,64 @@
       </p:sp>
       <p:sp>
         <p:nvSpPr>
-          <p:cNvPr id="31" name="圆角矩形 30"/>
+          <p:cNvPr id="21" name="内容占位符 2"/>
+          <p:cNvSpPr>
+            <a:spLocks noGrp="1"/>
+          </p:cNvSpPr>
+          <p:nvPr>
+            <p:ph idx="1"/>
+          </p:nvPr>
+        </p:nvSpPr>
+        <p:spPr>
+          <a:xfrm>
+            <a:off x="3347864" y="4013026"/>
+            <a:ext cx="5544616" cy="1186469"/>
+          </a:xfrm>
+        </p:spPr>
+        <p:txBody>
+          <a:bodyPr>
+            <a:noAutofit/>
+          </a:bodyPr>
+          <a:lstStyle/>
+          <a:p>
+            <a:r>
+              <a:rPr lang="zh-CN" altLang="en-US" sz="1200" smtClean="0"/>
+              <a:t>每个模型自动创建一个模板。</a:t>
+            </a:r>
+            <a:endParaRPr lang="en-US" altLang="zh-CN" sz="1200" smtClean="0"/>
+          </a:p>
+          <a:p>
+            <a:r>
+              <a:rPr lang="zh-CN" altLang="en-US" sz="1200" smtClean="0"/>
+              <a:t>模型内只有数据结构，没有空间和材质信息。</a:t>
+            </a:r>
+            <a:endParaRPr lang="en-US" altLang="zh-CN" sz="1200" smtClean="0"/>
+          </a:p>
+          <a:p>
+            <a:r>
+              <a:rPr lang="zh-CN" altLang="en-US" sz="1200" smtClean="0"/>
+              <a:t>模板可以复制，引入其他模板内容。</a:t>
+            </a:r>
+            <a:endParaRPr lang="en-US" altLang="zh-CN" sz="1200" smtClean="0"/>
+          </a:p>
+          <a:p>
+            <a:r>
+              <a:rPr lang="zh-CN" altLang="en-US" sz="1200" smtClean="0"/>
+              <a:t>模板内增加空间和材质信息。</a:t>
+            </a:r>
+            <a:endParaRPr lang="en-US" altLang="zh-CN" sz="1200" smtClean="0"/>
+          </a:p>
+        </p:txBody>
+      </p:sp>
+      <p:sp>
+        <p:nvSpPr>
+          <p:cNvPr id="25" name="圆角矩形 24"/>
           <p:cNvSpPr/>
           <p:nvPr/>
         </p:nvSpPr>
         <p:spPr>
           <a:xfrm>
-            <a:off x="1489024" y="3070406"/>
+            <a:off x="1456232" y="1227096"/>
             <a:ext cx="1420493" cy="216024"/>
           </a:xfrm>
           <a:prstGeom prst="roundRect">
@@ -4593,13 +4809,13 @@
         </p:spPr>
         <p:style>
           <a:lnRef idx="1">
-            <a:schemeClr val="accent4"/>
+            <a:schemeClr val="accent6"/>
           </a:lnRef>
           <a:fillRef idx="2">
-            <a:schemeClr val="accent4"/>
+            <a:schemeClr val="accent6"/>
           </a:fillRef>
           <a:effectRef idx="1">
-            <a:schemeClr val="accent4"/>
+            <a:schemeClr val="accent6"/>
           </a:effectRef>
           <a:fontRef idx="minor">
             <a:schemeClr val="dk1"/>
@@ -4611,12 +4827,58 @@
           <a:p>
             <a:pPr algn="ctr"/>
             <a:r>
-              <a:rPr lang="zh-CN" altLang="en-US" sz="1200" dirty="0"/>
-              <a:t>精灵</a:t>
-            </a:r>
-            <a:r>
-              <a:rPr lang="en-US" altLang="zh-CN" sz="1200" dirty="0" smtClean="0"/>
-              <a:t>(Sprite)</a:t>
+              <a:rPr lang="zh-CN" altLang="en-US" sz="1200"/>
+              <a:t>骨骼</a:t>
+            </a:r>
+            <a:r>
+              <a:rPr lang="en-US" altLang="zh-CN" sz="1200" smtClean="0"/>
+              <a:t>(Skeleton)</a:t>
+            </a:r>
+            <a:endParaRPr lang="zh-CN" altLang="en-US" sz="1200" dirty="0"/>
+          </a:p>
+        </p:txBody>
+      </p:sp>
+      <p:sp>
+        <p:nvSpPr>
+          <p:cNvPr id="33" name="圆角矩形 32"/>
+          <p:cNvSpPr/>
+          <p:nvPr/>
+        </p:nvSpPr>
+        <p:spPr>
+          <a:xfrm>
+            <a:off x="2876725" y="2572866"/>
+            <a:ext cx="1420493" cy="216024"/>
+          </a:xfrm>
+          <a:prstGeom prst="roundRect">
+            <a:avLst/>
+          </a:prstGeom>
+        </p:spPr>
+        <p:style>
+          <a:lnRef idx="1">
+            <a:schemeClr val="accent6"/>
+          </a:lnRef>
+          <a:fillRef idx="2">
+            <a:schemeClr val="accent6"/>
+          </a:fillRef>
+          <a:effectRef idx="1">
+            <a:schemeClr val="accent6"/>
+          </a:effectRef>
+          <a:fontRef idx="minor">
+            <a:schemeClr val="dk1"/>
+          </a:fontRef>
+        </p:style>
+        <p:txBody>
+          <a:bodyPr lIns="0" tIns="0" rIns="0" bIns="0" rtlCol="0" anchor="ctr" anchorCtr="1"/>
+          <a:lstStyle/>
+          <a:p>
+            <a:pPr algn="ctr"/>
+            <a:r>
+              <a:rPr lang="zh-CN" altLang="en-US" sz="1200" smtClean="0"/>
+              <a:t>动画</a:t>
+            </a:r>
+            <a:r>
+              <a:rPr lang="en-US" altLang="zh-CN" sz="1200" smtClean="0"/>
+              <a:t>(Animation)</a:t>
             </a:r>
             <a:endParaRPr lang="zh-CN" altLang="en-US" sz="1200" dirty="0"/>
           </a:p>
@@ -4624,17 +4886,17 @@
       </p:sp>
       <p:cxnSp>
         <p:nvCxnSpPr>
-          <p:cNvPr id="34" name="直接连接符 14"/>
+          <p:cNvPr id="35" name="直接连接符 14"/>
           <p:cNvCxnSpPr>
-            <a:stCxn id="3" idx="2"/>
-            <a:endCxn id="31" idx="1"/>
+            <a:stCxn id="25" idx="2"/>
+            <a:endCxn id="33" idx="1"/>
           </p:cNvCxnSpPr>
           <p:nvPr/>
         </p:nvCxnSpPr>
         <p:spPr>
           <a:xfrm rot="16200000" flipH="1">
-            <a:off x="221359" y="1910753"/>
-            <a:ext cx="2125918" cy="409412"/>
+            <a:off x="1902723" y="1706876"/>
+            <a:ext cx="1237758" cy="710246"/>
           </a:xfrm>
           <a:prstGeom prst="bentConnector2">
             <a:avLst/>
@@ -4658,58 +4920,12 @@
           </a:fontRef>
         </p:style>
       </p:cxnSp>
-      <p:sp>
-        <p:nvSpPr>
-          <p:cNvPr id="107" name="圆角矩形 106"/>
-          <p:cNvSpPr/>
-          <p:nvPr/>
-        </p:nvSpPr>
-        <p:spPr>
-          <a:xfrm>
-            <a:off x="1456232" y="1227096"/>
-            <a:ext cx="1420493" cy="216024"/>
-          </a:xfrm>
-          <a:prstGeom prst="roundRect">
-            <a:avLst/>
-          </a:prstGeom>
-        </p:spPr>
-        <p:style>
-          <a:lnRef idx="1">
-            <a:schemeClr val="accent6"/>
-          </a:lnRef>
-          <a:fillRef idx="2">
-            <a:schemeClr val="accent6"/>
-          </a:fillRef>
-          <a:effectRef idx="1">
-            <a:schemeClr val="accent6"/>
-          </a:effectRef>
-          <a:fontRef idx="minor">
-            <a:schemeClr val="dk1"/>
-          </a:fontRef>
-        </p:style>
-        <p:txBody>
-          <a:bodyPr lIns="0" tIns="0" rIns="0" bIns="0" rtlCol="0" anchor="ctr" anchorCtr="1"/>
-          <a:lstStyle/>
-          <a:p>
-            <a:pPr algn="ctr"/>
-            <a:r>
-              <a:rPr lang="zh-CN" altLang="en-US" sz="1200" dirty="0" smtClean="0"/>
-              <a:t>区域</a:t>
-            </a:r>
-            <a:r>
-              <a:rPr lang="en-US" altLang="zh-CN" sz="1200" dirty="0" smtClean="0"/>
-              <a:t>(Region)</a:t>
-            </a:r>
-            <a:endParaRPr lang="zh-CN" altLang="en-US" sz="1200" dirty="0"/>
-          </a:p>
-        </p:txBody>
-      </p:sp>
       <p:cxnSp>
         <p:nvCxnSpPr>
-          <p:cNvPr id="108" name="直接连接符 14"/>
+          <p:cNvPr id="36" name="直接连接符 14"/>
           <p:cNvCxnSpPr>
             <a:stCxn id="3" idx="2"/>
-            <a:endCxn id="107" idx="1"/>
+            <a:endCxn id="25" idx="1"/>
           </p:cNvCxnSpPr>
           <p:nvPr/>
         </p:nvCxnSpPr>
@@ -4742,13 +4958,13 @@
       </p:cxnSp>
       <p:sp>
         <p:nvSpPr>
-          <p:cNvPr id="113" name="圆角矩形 112"/>
+          <p:cNvPr id="20" name="圆角矩形 19"/>
           <p:cNvSpPr/>
           <p:nvPr/>
         </p:nvSpPr>
         <p:spPr>
           <a:xfrm>
-            <a:off x="2842909" y="1869480"/>
+            <a:off x="4101761" y="2854617"/>
             <a:ext cx="1420493" cy="216024"/>
           </a:xfrm>
           <a:prstGeom prst="roundRect">
@@ -4775,12 +4991,12 @@
           <a:p>
             <a:pPr algn="ctr"/>
             <a:r>
-              <a:rPr lang="zh-CN" altLang="en-US" sz="1200" dirty="0"/>
-              <a:t>相机</a:t>
-            </a:r>
-            <a:r>
-              <a:rPr lang="en-US" altLang="zh-CN" sz="1200" dirty="0" smtClean="0"/>
-              <a:t>(Camera)</a:t>
+              <a:rPr lang="zh-CN" altLang="en-US" sz="1200" smtClean="0"/>
+              <a:t>轨迹</a:t>
+            </a:r>
+            <a:r>
+              <a:rPr lang="en-US" altLang="zh-CN" sz="1200" smtClean="0"/>
+              <a:t>(Track)</a:t>
             </a:r>
             <a:endParaRPr lang="zh-CN" altLang="en-US" sz="1200" dirty="0"/>
           </a:p>
@@ -4788,17 +5004,17 @@
       </p:sp>
       <p:cxnSp>
         <p:nvCxnSpPr>
-          <p:cNvPr id="114" name="直接连接符 14"/>
+          <p:cNvPr id="22" name="直接连接符 14"/>
           <p:cNvCxnSpPr>
-            <a:stCxn id="107" idx="2"/>
-            <a:endCxn id="113" idx="1"/>
+            <a:stCxn id="33" idx="2"/>
+            <a:endCxn id="20" idx="1"/>
           </p:cNvCxnSpPr>
           <p:nvPr/>
         </p:nvCxnSpPr>
         <p:spPr>
           <a:xfrm rot="16200000" flipH="1">
-            <a:off x="2237508" y="1372091"/>
-            <a:ext cx="534372" cy="676430"/>
+            <a:off x="3757497" y="2618364"/>
+            <a:ext cx="173739" cy="514789"/>
           </a:xfrm>
           <a:prstGeom prst="bentConnector2">
             <a:avLst/>
@@ -4824,95 +5040,13 @@
       </p:cxnSp>
       <p:sp>
         <p:nvSpPr>
-          <p:cNvPr id="121" name="圆角矩形 120"/>
-          <p:cNvSpPr/>
-          <p:nvPr/>
-        </p:nvSpPr>
-        <p:spPr>
-          <a:xfrm>
-            <a:off x="2842909" y="2206091"/>
-            <a:ext cx="1420493" cy="216024"/>
-          </a:xfrm>
-          <a:prstGeom prst="roundRect">
-            <a:avLst/>
-          </a:prstGeom>
-        </p:spPr>
-        <p:style>
-          <a:lnRef idx="1">
-            <a:schemeClr val="accent6"/>
-          </a:lnRef>
-          <a:fillRef idx="2">
-            <a:schemeClr val="accent6"/>
-          </a:fillRef>
-          <a:effectRef idx="1">
-            <a:schemeClr val="accent6"/>
-          </a:effectRef>
-          <a:fontRef idx="minor">
-            <a:schemeClr val="dk1"/>
-          </a:fontRef>
-        </p:style>
-        <p:txBody>
-          <a:bodyPr lIns="0" tIns="0" rIns="0" bIns="0" rtlCol="0" anchor="ctr" anchorCtr="1"/>
-          <a:lstStyle/>
-          <a:p>
-            <a:pPr algn="ctr"/>
-            <a:r>
-              <a:rPr lang="zh-CN" altLang="en-US" sz="1200" dirty="0" smtClean="0"/>
-              <a:t>主光源</a:t>
-            </a:r>
-            <a:r>
-              <a:rPr lang="en-US" altLang="zh-CN" sz="1200" dirty="0" smtClean="0"/>
-              <a:t>(Light)</a:t>
-            </a:r>
-            <a:endParaRPr lang="zh-CN" altLang="en-US" sz="1200" dirty="0"/>
-          </a:p>
-        </p:txBody>
-      </p:sp>
-      <p:cxnSp>
-        <p:nvCxnSpPr>
-          <p:cNvPr id="122" name="直接连接符 14"/>
-          <p:cNvCxnSpPr>
-            <a:stCxn id="107" idx="2"/>
-            <a:endCxn id="121" idx="1"/>
-          </p:cNvCxnSpPr>
-          <p:nvPr/>
-        </p:nvCxnSpPr>
-        <p:spPr>
-          <a:xfrm rot="16200000" flipH="1">
-            <a:off x="2069203" y="1540396"/>
-            <a:ext cx="870983" cy="676430"/>
-          </a:xfrm>
-          <a:prstGeom prst="bentConnector2">
-            <a:avLst/>
-          </a:prstGeom>
-          <a:ln>
-            <a:tailEnd type="triangle" w="med" len="lg"/>
-          </a:ln>
-        </p:spPr>
-        <p:style>
-          <a:lnRef idx="1">
-            <a:schemeClr val="accent1"/>
-          </a:lnRef>
-          <a:fillRef idx="0">
-            <a:schemeClr val="accent1"/>
-          </a:fillRef>
-          <a:effectRef idx="0">
-            <a:schemeClr val="accent1"/>
-          </a:effectRef>
-          <a:fontRef idx="minor">
-            <a:schemeClr val="tx1"/>
-          </a:fontRef>
-        </p:style>
-      </p:cxnSp>
-      <p:sp>
-        <p:nvSpPr>
           <p:cNvPr id="29" name="圆角矩形 28"/>
           <p:cNvSpPr/>
           <p:nvPr/>
         </p:nvSpPr>
         <p:spPr>
           <a:xfrm>
-            <a:off x="2842908" y="1527153"/>
+            <a:off x="2650416" y="1669625"/>
             <a:ext cx="1420493" cy="216024"/>
           </a:xfrm>
           <a:prstGeom prst="roundRect">
@@ -4940,11 +5074,11 @@
             <a:pPr algn="ctr"/>
             <a:r>
               <a:rPr lang="zh-CN" altLang="en-US" sz="1200" smtClean="0"/>
-              <a:t>材质</a:t>
+              <a:t>皮肤</a:t>
             </a:r>
             <a:r>
               <a:rPr lang="en-US" altLang="zh-CN" sz="1200" smtClean="0"/>
-              <a:t>(Material)</a:t>
+              <a:t>(Skin)</a:t>
             </a:r>
             <a:endParaRPr lang="zh-CN" altLang="en-US" sz="1200" dirty="0"/>
           </a:p>
@@ -4954,15 +5088,15 @@
         <p:nvCxnSpPr>
           <p:cNvPr id="30" name="直接连接符 14"/>
           <p:cNvCxnSpPr>
-            <a:stCxn id="107" idx="2"/>
+            <a:stCxn id="25" idx="2"/>
             <a:endCxn id="29" idx="1"/>
           </p:cNvCxnSpPr>
           <p:nvPr/>
         </p:nvCxnSpPr>
         <p:spPr>
           <a:xfrm rot="16200000" flipH="1">
-            <a:off x="2408671" y="1200927"/>
-            <a:ext cx="192045" cy="676429"/>
+            <a:off x="2241189" y="1368409"/>
+            <a:ext cx="334517" cy="483937"/>
           </a:xfrm>
           <a:prstGeom prst="bentConnector2">
             <a:avLst/>
@@ -4988,13 +5122,13 @@
       </p:cxnSp>
       <p:sp>
         <p:nvSpPr>
-          <p:cNvPr id="41" name="圆角矩形 40"/>
+          <p:cNvPr id="37" name="圆角矩形 36"/>
           <p:cNvSpPr/>
           <p:nvPr/>
         </p:nvSpPr>
         <p:spPr>
           <a:xfrm>
-            <a:off x="2841885" y="3444736"/>
+            <a:off x="4139952" y="1953986"/>
             <a:ext cx="1420493" cy="216024"/>
           </a:xfrm>
           <a:prstGeom prst="roundRect">
@@ -5003,13 +5137,13 @@
         </p:spPr>
         <p:style>
           <a:lnRef idx="1">
-            <a:schemeClr val="accent4"/>
+            <a:schemeClr val="accent6"/>
           </a:lnRef>
           <a:fillRef idx="2">
-            <a:schemeClr val="accent4"/>
+            <a:schemeClr val="accent6"/>
           </a:fillRef>
           <a:effectRef idx="1">
-            <a:schemeClr val="accent4"/>
+            <a:schemeClr val="accent6"/>
           </a:effectRef>
           <a:fontRef idx="minor">
             <a:schemeClr val="dk1"/>
@@ -5021,648 +5155,30 @@
           <a:p>
             <a:pPr algn="ctr"/>
             <a:r>
-              <a:rPr lang="zh-CN" altLang="en-US" sz="1200" dirty="0"/>
-              <a:t>形状</a:t>
-            </a:r>
-            <a:r>
-              <a:rPr lang="en-US" altLang="zh-CN" sz="1200" dirty="0" smtClean="0"/>
-              <a:t>(Shape)</a:t>
+              <a:rPr lang="zh-CN" altLang="en-US" sz="1200" smtClean="0"/>
+              <a:t>数据流</a:t>
+            </a:r>
+            <a:r>
+              <a:rPr lang="en-US" altLang="zh-CN" sz="1200" smtClean="0"/>
+              <a:t>(Stream)</a:t>
             </a:r>
             <a:endParaRPr lang="zh-CN" altLang="en-US" sz="1200" dirty="0"/>
           </a:p>
         </p:txBody>
       </p:sp>
-      <p:cxnSp>
-        <p:nvCxnSpPr>
-          <p:cNvPr id="44" name="直接连接符 14"/>
-          <p:cNvCxnSpPr>
-            <a:stCxn id="31" idx="2"/>
-            <a:endCxn id="41" idx="1"/>
-          </p:cNvCxnSpPr>
-          <p:nvPr/>
-        </p:nvCxnSpPr>
-        <p:spPr>
-          <a:xfrm rot="16200000" flipH="1">
-            <a:off x="2387419" y="3098282"/>
-            <a:ext cx="266318" cy="642614"/>
-          </a:xfrm>
-          <a:prstGeom prst="bentConnector2">
-            <a:avLst/>
-          </a:prstGeom>
-          <a:ln>
-            <a:tailEnd type="triangle" w="med" len="lg"/>
-          </a:ln>
-        </p:spPr>
-        <p:style>
-          <a:lnRef idx="1">
-            <a:schemeClr val="accent1"/>
-          </a:lnRef>
-          <a:fillRef idx="0">
-            <a:schemeClr val="accent1"/>
-          </a:fillRef>
-          <a:effectRef idx="0">
-            <a:schemeClr val="accent1"/>
-          </a:effectRef>
-          <a:fontRef idx="minor">
-            <a:schemeClr val="tx1"/>
-          </a:fontRef>
-        </p:style>
-      </p:cxnSp>
-      <p:sp>
-        <p:nvSpPr>
-          <p:cNvPr id="28" name="圆角矩形 27"/>
-          <p:cNvSpPr/>
-          <p:nvPr/>
-        </p:nvSpPr>
-        <p:spPr>
-          <a:xfrm>
-            <a:off x="3824848" y="3883048"/>
-            <a:ext cx="1872208" cy="216024"/>
-          </a:xfrm>
-          <a:prstGeom prst="roundRect">
-            <a:avLst/>
-          </a:prstGeom>
-        </p:spPr>
-        <p:style>
-          <a:lnRef idx="1">
-            <a:schemeClr val="accent5"/>
-          </a:lnRef>
-          <a:fillRef idx="2">
-            <a:schemeClr val="accent5"/>
-          </a:fillRef>
-          <a:effectRef idx="1">
-            <a:schemeClr val="accent5"/>
-          </a:effectRef>
-          <a:fontRef idx="minor">
-            <a:schemeClr val="dk1"/>
-          </a:fontRef>
-        </p:style>
-        <p:txBody>
-          <a:bodyPr lIns="0" tIns="0" rIns="0" bIns="0" rtlCol="0" anchor="ctr" anchorCtr="1"/>
-          <a:lstStyle/>
-          <a:p>
-            <a:pPr algn="ctr"/>
-            <a:r>
-              <a:rPr lang="zh-CN" altLang="en-US" sz="1200" dirty="0" smtClean="0"/>
-              <a:t>模型引用</a:t>
-            </a:r>
-            <a:r>
-              <a:rPr lang="en-US" altLang="zh-CN" sz="1200" dirty="0" smtClean="0"/>
-              <a:t>(</a:t>
-            </a:r>
-            <a:r>
-              <a:rPr lang="en-US" altLang="zh-CN" sz="1200" dirty="0" err="1" smtClean="0"/>
-              <a:t>ModelGuid</a:t>
-            </a:r>
-            <a:r>
-              <a:rPr lang="en-US" altLang="zh-CN" sz="1200" dirty="0" smtClean="0"/>
-              <a:t>)</a:t>
-            </a:r>
-            <a:endParaRPr lang="zh-CN" altLang="en-US" sz="1200" dirty="0"/>
-          </a:p>
-        </p:txBody>
-      </p:sp>
-      <p:cxnSp>
-        <p:nvCxnSpPr>
-          <p:cNvPr id="32" name="直接连接符 14"/>
-          <p:cNvCxnSpPr>
-            <a:stCxn id="41" idx="2"/>
-            <a:endCxn id="28" idx="1"/>
-          </p:cNvCxnSpPr>
-          <p:nvPr/>
-        </p:nvCxnSpPr>
-        <p:spPr>
-          <a:xfrm rot="16200000" flipH="1">
-            <a:off x="3523340" y="3689552"/>
-            <a:ext cx="330300" cy="272716"/>
-          </a:xfrm>
-          <a:prstGeom prst="bentConnector2">
-            <a:avLst/>
-          </a:prstGeom>
-          <a:ln>
-            <a:tailEnd type="triangle" w="med" len="lg"/>
-          </a:ln>
-        </p:spPr>
-        <p:style>
-          <a:lnRef idx="1">
-            <a:schemeClr val="accent1"/>
-          </a:lnRef>
-          <a:fillRef idx="0">
-            <a:schemeClr val="accent1"/>
-          </a:fillRef>
-          <a:effectRef idx="0">
-            <a:schemeClr val="accent1"/>
-          </a:effectRef>
-          <a:fontRef idx="minor">
-            <a:schemeClr val="tx1"/>
-          </a:fontRef>
-        </p:style>
-      </p:cxnSp>
-      <p:sp>
-        <p:nvSpPr>
-          <p:cNvPr id="35" name="圆角矩形 34"/>
-          <p:cNvSpPr/>
-          <p:nvPr/>
-        </p:nvSpPr>
-        <p:spPr>
-          <a:xfrm>
-            <a:off x="3824848" y="4229050"/>
-            <a:ext cx="1872208" cy="216024"/>
-          </a:xfrm>
-          <a:prstGeom prst="roundRect">
-            <a:avLst/>
-          </a:prstGeom>
-        </p:spPr>
-        <p:style>
-          <a:lnRef idx="1">
-            <a:schemeClr val="accent5"/>
-          </a:lnRef>
-          <a:fillRef idx="2">
-            <a:schemeClr val="accent5"/>
-          </a:fillRef>
-          <a:effectRef idx="1">
-            <a:schemeClr val="accent5"/>
-          </a:effectRef>
-          <a:fontRef idx="minor">
-            <a:schemeClr val="dk1"/>
-          </a:fontRef>
-        </p:style>
-        <p:txBody>
-          <a:bodyPr lIns="0" tIns="0" rIns="0" bIns="0" rtlCol="0" anchor="ctr" anchorCtr="1"/>
-          <a:lstStyle/>
-          <a:p>
-            <a:pPr algn="ctr"/>
-            <a:r>
-              <a:rPr lang="zh-CN" altLang="en-US" sz="1200" dirty="0"/>
-              <a:t>网格引用</a:t>
-            </a:r>
-            <a:r>
-              <a:rPr lang="en-US" altLang="zh-CN" sz="1200" dirty="0"/>
-              <a:t>(</a:t>
-            </a:r>
-            <a:r>
-              <a:rPr lang="en-US" altLang="zh-CN" sz="1200" dirty="0" err="1"/>
-              <a:t>MeshGuid</a:t>
-            </a:r>
-            <a:r>
-              <a:rPr lang="en-US" altLang="zh-CN" sz="1200" dirty="0"/>
-              <a:t>)</a:t>
-            </a:r>
-            <a:endParaRPr lang="zh-CN" altLang="en-US" sz="1200" dirty="0"/>
-          </a:p>
-        </p:txBody>
-      </p:sp>
-      <p:cxnSp>
-        <p:nvCxnSpPr>
-          <p:cNvPr id="36" name="直接连接符 14"/>
-          <p:cNvCxnSpPr>
-            <a:stCxn id="41" idx="2"/>
-            <a:endCxn id="35" idx="1"/>
-          </p:cNvCxnSpPr>
-          <p:nvPr/>
-        </p:nvCxnSpPr>
-        <p:spPr>
-          <a:xfrm rot="16200000" flipH="1">
-            <a:off x="3350339" y="3862553"/>
-            <a:ext cx="676302" cy="272716"/>
-          </a:xfrm>
-          <a:prstGeom prst="bentConnector2">
-            <a:avLst/>
-          </a:prstGeom>
-          <a:ln>
-            <a:tailEnd type="triangle" w="med" len="lg"/>
-          </a:ln>
-        </p:spPr>
-        <p:style>
-          <a:lnRef idx="1">
-            <a:schemeClr val="accent1"/>
-          </a:lnRef>
-          <a:fillRef idx="0">
-            <a:schemeClr val="accent1"/>
-          </a:fillRef>
-          <a:effectRef idx="0">
-            <a:schemeClr val="accent1"/>
-          </a:effectRef>
-          <a:fontRef idx="minor">
-            <a:schemeClr val="tx1"/>
-          </a:fontRef>
-        </p:style>
-      </p:cxnSp>
-      <p:sp>
-        <p:nvSpPr>
-          <p:cNvPr id="46" name="圆角矩形 45"/>
-          <p:cNvSpPr/>
-          <p:nvPr/>
-        </p:nvSpPr>
-        <p:spPr>
-          <a:xfrm>
-            <a:off x="1489024" y="2678612"/>
-            <a:ext cx="1420493" cy="216024"/>
-          </a:xfrm>
-          <a:prstGeom prst="roundRect">
-            <a:avLst/>
-          </a:prstGeom>
-        </p:spPr>
-        <p:style>
-          <a:lnRef idx="1">
-            <a:schemeClr val="accent4"/>
-          </a:lnRef>
-          <a:fillRef idx="2">
-            <a:schemeClr val="accent4"/>
-          </a:fillRef>
-          <a:effectRef idx="1">
-            <a:schemeClr val="accent4"/>
-          </a:effectRef>
-          <a:fontRef idx="minor">
-            <a:schemeClr val="dk1"/>
-          </a:fontRef>
-        </p:style>
-        <p:txBody>
-          <a:bodyPr lIns="0" tIns="0" rIns="0" bIns="0" rtlCol="0" anchor="ctr" anchorCtr="1"/>
-          <a:lstStyle/>
-          <a:p>
-            <a:pPr algn="ctr"/>
-            <a:r>
-              <a:rPr lang="zh-CN" altLang="en-US" sz="1200" smtClean="0"/>
-              <a:t>材质集合</a:t>
-            </a:r>
-            <a:r>
-              <a:rPr lang="en-US" altLang="zh-CN" sz="1200" smtClean="0"/>
-              <a:t>(Materials)</a:t>
-            </a:r>
-            <a:endParaRPr lang="zh-CN" altLang="en-US" sz="1200" dirty="0"/>
-          </a:p>
-        </p:txBody>
-      </p:sp>
-      <p:cxnSp>
-        <p:nvCxnSpPr>
-          <p:cNvPr id="47" name="直接连接符 14"/>
-          <p:cNvCxnSpPr>
-            <a:stCxn id="3" idx="2"/>
-            <a:endCxn id="46" idx="1"/>
-          </p:cNvCxnSpPr>
-          <p:nvPr/>
-        </p:nvCxnSpPr>
-        <p:spPr>
-          <a:xfrm rot="16200000" flipH="1">
-            <a:off x="417256" y="1714856"/>
-            <a:ext cx="1734124" cy="409412"/>
-          </a:xfrm>
-          <a:prstGeom prst="bentConnector2">
-            <a:avLst/>
-          </a:prstGeom>
-          <a:ln>
-            <a:tailEnd type="triangle" w="med" len="lg"/>
-          </a:ln>
-        </p:spPr>
-        <p:style>
-          <a:lnRef idx="1">
-            <a:schemeClr val="accent1"/>
-          </a:lnRef>
-          <a:fillRef idx="0">
-            <a:schemeClr val="accent1"/>
-          </a:fillRef>
-          <a:effectRef idx="0">
-            <a:schemeClr val="accent1"/>
-          </a:effectRef>
-          <a:fontRef idx="minor">
-            <a:schemeClr val="tx1"/>
-          </a:fontRef>
-        </p:style>
-      </p:cxnSp>
-      <p:sp>
-        <p:nvSpPr>
-          <p:cNvPr id="27" name="圆角矩形 26"/>
-          <p:cNvSpPr/>
-          <p:nvPr/>
-        </p:nvSpPr>
-        <p:spPr>
-          <a:xfrm>
-            <a:off x="5679308" y="3426750"/>
-            <a:ext cx="2232248" cy="216024"/>
-          </a:xfrm>
-          <a:prstGeom prst="roundRect">
-            <a:avLst/>
-          </a:prstGeom>
-        </p:spPr>
-        <p:style>
-          <a:lnRef idx="1">
-            <a:schemeClr val="accent4"/>
-          </a:lnRef>
-          <a:fillRef idx="2">
-            <a:schemeClr val="accent4"/>
-          </a:fillRef>
-          <a:effectRef idx="1">
-            <a:schemeClr val="accent4"/>
-          </a:effectRef>
-          <a:fontRef idx="minor">
-            <a:schemeClr val="dk1"/>
-          </a:fontRef>
-        </p:style>
-        <p:txBody>
-          <a:bodyPr lIns="0" tIns="0" rIns="0" bIns="0" rtlCol="0" anchor="ctr" anchorCtr="1"/>
-          <a:lstStyle/>
-          <a:p>
-            <a:pPr algn="ctr"/>
-            <a:r>
-              <a:rPr lang="zh-CN" altLang="en-US" sz="1200" dirty="0" smtClean="0"/>
-              <a:t>渲染</a:t>
-            </a:r>
-            <a:r>
-              <a:rPr lang="zh-CN" altLang="en-US" sz="1200" dirty="0" smtClean="0"/>
-              <a:t>对象</a:t>
-            </a:r>
-            <a:r>
-              <a:rPr lang="en-US" altLang="zh-CN" sz="1200" dirty="0" smtClean="0"/>
-              <a:t>(</a:t>
-            </a:r>
-            <a:r>
-              <a:rPr lang="en-US" altLang="zh-CN" sz="1200" dirty="0" err="1" smtClean="0"/>
-              <a:t>Renderable</a:t>
-            </a:r>
-            <a:r>
-              <a:rPr lang="en-US" altLang="zh-CN" sz="1200" dirty="0" smtClean="0"/>
-              <a:t>)</a:t>
-            </a:r>
-            <a:endParaRPr lang="zh-CN" altLang="en-US" sz="1200" dirty="0"/>
-          </a:p>
-        </p:txBody>
-      </p:sp>
-      <p:sp>
-        <p:nvSpPr>
-          <p:cNvPr id="33" name="圆角矩形 32"/>
-          <p:cNvSpPr/>
-          <p:nvPr/>
-        </p:nvSpPr>
-        <p:spPr>
-          <a:xfrm>
-            <a:off x="5679308" y="3045251"/>
-            <a:ext cx="2259320" cy="216024"/>
-          </a:xfrm>
-          <a:prstGeom prst="roundRect">
-            <a:avLst/>
-          </a:prstGeom>
-        </p:spPr>
-        <p:style>
-          <a:lnRef idx="1">
-            <a:schemeClr val="accent4"/>
-          </a:lnRef>
-          <a:fillRef idx="2">
-            <a:schemeClr val="accent4"/>
-          </a:fillRef>
-          <a:effectRef idx="1">
-            <a:schemeClr val="accent4"/>
-          </a:effectRef>
-          <a:fontRef idx="minor">
-            <a:schemeClr val="dk1"/>
-          </a:fontRef>
-        </p:style>
-        <p:txBody>
-          <a:bodyPr lIns="0" tIns="0" rIns="0" bIns="0" rtlCol="0" anchor="ctr" anchorCtr="1"/>
-          <a:lstStyle/>
-          <a:p>
-            <a:pPr algn="ctr"/>
-            <a:r>
-              <a:rPr lang="zh-CN" altLang="en-US" sz="1200" dirty="0" smtClean="0"/>
-              <a:t>显示容器对象</a:t>
-            </a:r>
-            <a:r>
-              <a:rPr lang="en-US" altLang="zh-CN" sz="1200" dirty="0" smtClean="0"/>
-              <a:t>(</a:t>
-            </a:r>
-            <a:r>
-              <a:rPr lang="en-US" altLang="zh-CN" sz="1200" dirty="0" err="1" smtClean="0"/>
-              <a:t>DisplayContainer</a:t>
-            </a:r>
-            <a:r>
-              <a:rPr lang="en-US" altLang="zh-CN" sz="1200" dirty="0" smtClean="0"/>
-              <a:t>)</a:t>
-            </a:r>
-            <a:endParaRPr lang="zh-CN" altLang="en-US" sz="1200" dirty="0"/>
-          </a:p>
-        </p:txBody>
-      </p:sp>
-      <p:cxnSp>
-        <p:nvCxnSpPr>
-          <p:cNvPr id="37" name="直接连接符 14"/>
-          <p:cNvCxnSpPr>
-            <a:stCxn id="33" idx="1"/>
-            <a:endCxn id="31" idx="3"/>
-          </p:cNvCxnSpPr>
-          <p:nvPr/>
-        </p:nvCxnSpPr>
-        <p:spPr>
-          <a:xfrm flipH="1">
-            <a:off x="2909517" y="3153263"/>
-            <a:ext cx="2769791" cy="25155"/>
-          </a:xfrm>
-          <a:prstGeom prst="straightConnector1">
-            <a:avLst/>
-          </a:prstGeom>
-          <a:ln>
-            <a:tailEnd type="triangle" w="med" len="lg"/>
-          </a:ln>
-        </p:spPr>
-        <p:style>
-          <a:lnRef idx="1">
-            <a:schemeClr val="accent1"/>
-          </a:lnRef>
-          <a:fillRef idx="0">
-            <a:schemeClr val="accent1"/>
-          </a:fillRef>
-          <a:effectRef idx="0">
-            <a:schemeClr val="accent1"/>
-          </a:effectRef>
-          <a:fontRef idx="minor">
-            <a:schemeClr val="tx1"/>
-          </a:fontRef>
-        </p:style>
-      </p:cxnSp>
       <p:cxnSp>
         <p:nvCxnSpPr>
           <p:cNvPr id="38" name="直接连接符 14"/>
           <p:cNvCxnSpPr>
-            <a:stCxn id="27" idx="1"/>
-            <a:endCxn id="41" idx="3"/>
+            <a:stCxn id="29" idx="2"/>
+            <a:endCxn id="37" idx="1"/>
           </p:cNvCxnSpPr>
           <p:nvPr/>
         </p:nvCxnSpPr>
         <p:spPr>
-          <a:xfrm flipH="1">
-            <a:off x="4262378" y="3534762"/>
-            <a:ext cx="1416930" cy="17986"/>
-          </a:xfrm>
-          <a:prstGeom prst="straightConnector1">
-            <a:avLst/>
-          </a:prstGeom>
-          <a:ln>
-            <a:tailEnd type="triangle" w="med" len="lg"/>
-          </a:ln>
-        </p:spPr>
-        <p:style>
-          <a:lnRef idx="1">
-            <a:schemeClr val="accent1"/>
-          </a:lnRef>
-          <a:fillRef idx="0">
-            <a:schemeClr val="accent1"/>
-          </a:fillRef>
-          <a:effectRef idx="0">
-            <a:schemeClr val="accent1"/>
-          </a:effectRef>
-          <a:fontRef idx="minor">
-            <a:schemeClr val="tx1"/>
-          </a:fontRef>
-        </p:style>
-      </p:cxnSp>
-      <p:sp>
-        <p:nvSpPr>
-          <p:cNvPr id="45" name="圆角矩形 44"/>
-          <p:cNvSpPr/>
-          <p:nvPr/>
-        </p:nvSpPr>
-        <p:spPr>
-          <a:xfrm>
-            <a:off x="7002524" y="3837998"/>
-            <a:ext cx="1872208" cy="216024"/>
-          </a:xfrm>
-          <a:prstGeom prst="roundRect">
-            <a:avLst/>
-          </a:prstGeom>
-        </p:spPr>
-        <p:style>
-          <a:lnRef idx="1">
-            <a:schemeClr val="accent5"/>
-          </a:lnRef>
-          <a:fillRef idx="2">
-            <a:schemeClr val="accent5"/>
-          </a:fillRef>
-          <a:effectRef idx="1">
-            <a:schemeClr val="accent5"/>
-          </a:effectRef>
-          <a:fontRef idx="minor">
-            <a:schemeClr val="dk1"/>
-          </a:fontRef>
-        </p:style>
-        <p:txBody>
-          <a:bodyPr lIns="0" tIns="0" rIns="0" bIns="0" rtlCol="0" anchor="ctr" anchorCtr="1"/>
-          <a:lstStyle/>
-          <a:p>
-            <a:pPr algn="ctr"/>
-            <a:r>
-              <a:rPr lang="zh-CN" altLang="en-US" sz="1200" dirty="0"/>
-              <a:t>矩阵</a:t>
-            </a:r>
-            <a:r>
-              <a:rPr lang="en-US" altLang="zh-CN" sz="1200" dirty="0" smtClean="0"/>
-              <a:t>(Matrix)</a:t>
-            </a:r>
-            <a:endParaRPr lang="zh-CN" altLang="en-US" sz="1200" dirty="0"/>
-          </a:p>
-        </p:txBody>
-      </p:sp>
-      <p:cxnSp>
-        <p:nvCxnSpPr>
-          <p:cNvPr id="48" name="直接连接符 14"/>
-          <p:cNvCxnSpPr>
-            <a:stCxn id="27" idx="2"/>
-            <a:endCxn id="45" idx="1"/>
-          </p:cNvCxnSpPr>
-          <p:nvPr/>
-        </p:nvCxnSpPr>
-        <p:spPr>
           <a:xfrm rot="16200000" flipH="1">
-            <a:off x="6747360" y="3690846"/>
-            <a:ext cx="303236" cy="207092"/>
-          </a:xfrm>
-          <a:prstGeom prst="bentConnector2">
-            <a:avLst/>
-          </a:prstGeom>
-          <a:ln>
-            <a:tailEnd type="triangle" w="med" len="lg"/>
-          </a:ln>
-        </p:spPr>
-        <p:style>
-          <a:lnRef idx="1">
-            <a:schemeClr val="accent1"/>
-          </a:lnRef>
-          <a:fillRef idx="0">
-            <a:schemeClr val="accent1"/>
-          </a:fillRef>
-          <a:effectRef idx="0">
-            <a:schemeClr val="accent1"/>
-          </a:effectRef>
-          <a:fontRef idx="minor">
-            <a:schemeClr val="tx1"/>
-          </a:fontRef>
-        </p:style>
-      </p:cxnSp>
-      <p:sp>
-        <p:nvSpPr>
-          <p:cNvPr id="50" name="圆角矩形 49"/>
-          <p:cNvSpPr/>
-          <p:nvPr/>
-        </p:nvSpPr>
-        <p:spPr>
-          <a:xfrm>
-            <a:off x="3824848" y="4589090"/>
-            <a:ext cx="1872208" cy="216024"/>
-          </a:xfrm>
-          <a:prstGeom prst="roundRect">
-            <a:avLst/>
-          </a:prstGeom>
-        </p:spPr>
-        <p:style>
-          <a:lnRef idx="1">
-            <a:schemeClr val="accent5"/>
-          </a:lnRef>
-          <a:fillRef idx="2">
-            <a:schemeClr val="accent5"/>
-          </a:fillRef>
-          <a:effectRef idx="1">
-            <a:schemeClr val="accent5"/>
-          </a:effectRef>
-          <a:fontRef idx="minor">
-            <a:schemeClr val="dk1"/>
-          </a:fontRef>
-        </p:style>
-        <p:txBody>
-          <a:bodyPr lIns="0" tIns="0" rIns="0" bIns="0" rtlCol="0" anchor="ctr" anchorCtr="1"/>
-          <a:lstStyle/>
-          <a:p>
-            <a:pPr algn="ctr"/>
-            <a:r>
-              <a:rPr lang="zh-CN" altLang="en-US" sz="1200" dirty="0" smtClean="0"/>
-              <a:t>材质引用</a:t>
-            </a:r>
-            <a:r>
-              <a:rPr lang="en-US" altLang="zh-CN" sz="1200" dirty="0" smtClean="0"/>
-              <a:t>(</a:t>
-            </a:r>
-            <a:r>
-              <a:rPr lang="en-US" altLang="zh-CN" sz="1200" dirty="0" err="1" smtClean="0"/>
-              <a:t>MaterialGuid</a:t>
-            </a:r>
-            <a:r>
-              <a:rPr lang="en-US" altLang="zh-CN" sz="1200" dirty="0" smtClean="0"/>
-              <a:t>)</a:t>
-            </a:r>
-            <a:endParaRPr lang="zh-CN" altLang="en-US" sz="1200" dirty="0"/>
-          </a:p>
-        </p:txBody>
-      </p:sp>
-      <p:cxnSp>
-        <p:nvCxnSpPr>
-          <p:cNvPr id="51" name="直接连接符 14"/>
-          <p:cNvCxnSpPr>
-            <a:stCxn id="41" idx="2"/>
-            <a:endCxn id="50" idx="1"/>
-          </p:cNvCxnSpPr>
-          <p:nvPr/>
-        </p:nvCxnSpPr>
-        <p:spPr>
-          <a:xfrm rot="16200000" flipH="1">
-            <a:off x="3170319" y="4042573"/>
-            <a:ext cx="1036342" cy="272716"/>
+            <a:off x="3662133" y="1584178"/>
+            <a:ext cx="176349" cy="779289"/>
           </a:xfrm>
           <a:prstGeom prst="bentConnector2">
             <a:avLst/>
@@ -5689,7 +5205,7 @@
     </p:spTree>
     <p:extLst>
       <p:ext uri="{BB962C8B-B14F-4D97-AF65-F5344CB8AC3E}">
-        <p14:creationId xmlns:p14="http://schemas.microsoft.com/office/powerpoint/2010/main" val="3907088809"/>
+        <p14:creationId xmlns:p14="http://schemas.microsoft.com/office/powerpoint/2010/main" val="3382170061"/>
       </p:ext>
     </p:extLst>
   </p:cSld>
@@ -5746,7 +5262,7 @@
             </a:r>
             <a:r>
               <a:rPr lang="en-US" altLang="zh-CN" smtClean="0"/>
-              <a:t>- Scene</a:t>
+              <a:t>- Template</a:t>
             </a:r>
             <a:endParaRPr lang="zh-CN" altLang="en-US" dirty="0"/>
           </a:p>
@@ -5788,11 +5304,11 @@
             <a:pPr algn="ctr"/>
             <a:r>
               <a:rPr lang="zh-CN" altLang="en-US" sz="1200" smtClean="0"/>
-              <a:t>场景</a:t>
+              <a:t>模板</a:t>
             </a:r>
             <a:r>
               <a:rPr lang="en-US" altLang="zh-CN" sz="1200" smtClean="0"/>
-              <a:t>(Scene)</a:t>
+              <a:t>(Template)</a:t>
             </a:r>
             <a:endParaRPr lang="zh-CN" altLang="en-US" sz="1200" dirty="0"/>
           </a:p>
@@ -5806,7 +5322,7 @@
         </p:nvSpPr>
         <p:spPr>
           <a:xfrm>
-            <a:off x="1490047" y="2580421"/>
+            <a:off x="1489024" y="3070406"/>
             <a:ext cx="1420493" cy="216024"/>
           </a:xfrm>
           <a:prstGeom prst="roundRect">
@@ -5833,16 +5349,12 @@
           <a:p>
             <a:pPr algn="ctr"/>
             <a:r>
-              <a:rPr lang="zh-CN" altLang="en-US" sz="1200" smtClean="0"/>
-              <a:t>显示</a:t>
-            </a:r>
-            <a:r>
-              <a:rPr lang="zh-CN" altLang="en-US" sz="1200"/>
-              <a:t>层</a:t>
-            </a:r>
-            <a:r>
-              <a:rPr lang="en-US" altLang="zh-CN" sz="1200" smtClean="0"/>
-              <a:t>(DisplayLayer)</a:t>
+              <a:rPr lang="zh-CN" altLang="en-US" sz="1200" dirty="0"/>
+              <a:t>精灵</a:t>
+            </a:r>
+            <a:r>
+              <a:rPr lang="en-US" altLang="zh-CN" sz="1200" dirty="0" smtClean="0"/>
+              <a:t>(Sprite)</a:t>
             </a:r>
             <a:endParaRPr lang="zh-CN" altLang="en-US" sz="1200" dirty="0"/>
           </a:p>
@@ -5859,8 +5371,8 @@
         </p:nvCxnSpPr>
         <p:spPr>
           <a:xfrm rot="16200000" flipH="1">
-            <a:off x="466863" y="1665248"/>
-            <a:ext cx="1635933" cy="410435"/>
+            <a:off x="221359" y="1910753"/>
+            <a:ext cx="2125918" cy="409412"/>
           </a:xfrm>
           <a:prstGeom prst="bentConnector2">
             <a:avLst/>
@@ -6220,7 +5732,7 @@
         </p:nvSpPr>
         <p:spPr>
           <a:xfrm>
-            <a:off x="2845976" y="2975358"/>
+            <a:off x="2841885" y="3444736"/>
             <a:ext cx="1420493" cy="216024"/>
           </a:xfrm>
           <a:prstGeom prst="roundRect">
@@ -6247,20 +5759,12 @@
           <a:p>
             <a:pPr algn="ctr"/>
             <a:r>
-              <a:rPr lang="zh-CN" altLang="en-US" sz="1200" smtClean="0"/>
-              <a:t>精灵</a:t>
-            </a:r>
-            <a:r>
-              <a:rPr lang="en-US" altLang="zh-CN" sz="1200" smtClean="0"/>
-              <a:t> (</a:t>
-            </a:r>
-            <a:r>
-              <a:rPr lang="en-US" altLang="zh-CN" sz="1200"/>
-              <a:t>Sprite</a:t>
-            </a:r>
-            <a:r>
-              <a:rPr lang="en-US" altLang="zh-CN" sz="1200" smtClean="0"/>
-              <a:t>)</a:t>
+              <a:rPr lang="zh-CN" altLang="en-US" sz="1200" dirty="0"/>
+              <a:t>形状</a:t>
+            </a:r>
+            <a:r>
+              <a:rPr lang="en-US" altLang="zh-CN" sz="1200" dirty="0" smtClean="0"/>
+              <a:t>(Shape)</a:t>
             </a:r>
             <a:endParaRPr lang="zh-CN" altLang="en-US" sz="1200" dirty="0"/>
           </a:p>
@@ -6277,8 +5781,8 @@
         </p:nvCxnSpPr>
         <p:spPr>
           <a:xfrm rot="16200000" flipH="1">
-            <a:off x="2379673" y="2617066"/>
-            <a:ext cx="286925" cy="645682"/>
+            <a:off x="2387419" y="3098282"/>
+            <a:ext cx="266318" cy="642614"/>
           </a:xfrm>
           <a:prstGeom prst="bentConnector2">
             <a:avLst/>
@@ -6302,19 +5806,73 @@
           </a:fontRef>
         </p:style>
       </p:cxnSp>
+      <p:sp>
+        <p:nvSpPr>
+          <p:cNvPr id="28" name="圆角矩形 27"/>
+          <p:cNvSpPr/>
+          <p:nvPr/>
+        </p:nvSpPr>
+        <p:spPr>
+          <a:xfrm>
+            <a:off x="3824848" y="3883048"/>
+            <a:ext cx="1872208" cy="216024"/>
+          </a:xfrm>
+          <a:prstGeom prst="roundRect">
+            <a:avLst/>
+          </a:prstGeom>
+        </p:spPr>
+        <p:style>
+          <a:lnRef idx="1">
+            <a:schemeClr val="accent5"/>
+          </a:lnRef>
+          <a:fillRef idx="2">
+            <a:schemeClr val="accent5"/>
+          </a:fillRef>
+          <a:effectRef idx="1">
+            <a:schemeClr val="accent5"/>
+          </a:effectRef>
+          <a:fontRef idx="minor">
+            <a:schemeClr val="dk1"/>
+          </a:fontRef>
+        </p:style>
+        <p:txBody>
+          <a:bodyPr lIns="0" tIns="0" rIns="0" bIns="0" rtlCol="0" anchor="ctr" anchorCtr="1"/>
+          <a:lstStyle/>
+          <a:p>
+            <a:pPr algn="ctr"/>
+            <a:r>
+              <a:rPr lang="zh-CN" altLang="en-US" sz="1200" dirty="0" smtClean="0"/>
+              <a:t>模型引用</a:t>
+            </a:r>
+            <a:r>
+              <a:rPr lang="en-US" altLang="zh-CN" sz="1200" dirty="0" smtClean="0"/>
+              <a:t>(</a:t>
+            </a:r>
+            <a:r>
+              <a:rPr lang="en-US" altLang="zh-CN" sz="1200" dirty="0" err="1" smtClean="0"/>
+              <a:t>ModelGuid</a:t>
+            </a:r>
+            <a:r>
+              <a:rPr lang="en-US" altLang="zh-CN" sz="1200" dirty="0" smtClean="0"/>
+              <a:t>)</a:t>
+            </a:r>
+            <a:endParaRPr lang="zh-CN" altLang="en-US" sz="1200" dirty="0"/>
+          </a:p>
+        </p:txBody>
+      </p:sp>
       <p:cxnSp>
         <p:nvCxnSpPr>
-          <p:cNvPr id="18" name="直接连接符 14"/>
+          <p:cNvPr id="32" name="直接连接符 14"/>
           <p:cNvCxnSpPr>
             <a:stCxn id="41" idx="2"/>
-            <a:endCxn id="20" idx="1"/>
+            <a:endCxn id="28" idx="1"/>
           </p:cNvCxnSpPr>
           <p:nvPr/>
         </p:nvCxnSpPr>
         <p:spPr>
           <a:xfrm rot="16200000" flipH="1">
-            <a:off x="3661780" y="3085824"/>
-            <a:ext cx="228599" cy="439713"/>
+            <a:off x="3523340" y="3689552"/>
+            <a:ext cx="330300" cy="272716"/>
           </a:xfrm>
           <a:prstGeom prst="bentConnector2">
             <a:avLst/>
@@ -6340,14 +5898,14 @@
       </p:cxnSp>
       <p:sp>
         <p:nvSpPr>
-          <p:cNvPr id="20" name="圆角矩形 19"/>
+          <p:cNvPr id="35" name="圆角矩形 34"/>
           <p:cNvSpPr/>
           <p:nvPr/>
         </p:nvSpPr>
         <p:spPr>
           <a:xfrm>
-            <a:off x="3995936" y="3311969"/>
-            <a:ext cx="1420493" cy="216024"/>
+            <a:off x="3824848" y="4229050"/>
+            <a:ext cx="1872208" cy="216024"/>
           </a:xfrm>
           <a:prstGeom prst="roundRect">
             <a:avLst/>
@@ -6355,13 +5913,13 @@
         </p:spPr>
         <p:style>
           <a:lnRef idx="1">
-            <a:schemeClr val="accent4"/>
+            <a:schemeClr val="accent5"/>
           </a:lnRef>
           <a:fillRef idx="2">
-            <a:schemeClr val="accent4"/>
+            <a:schemeClr val="accent5"/>
           </a:fillRef>
           <a:effectRef idx="1">
-            <a:schemeClr val="accent4"/>
+            <a:schemeClr val="accent5"/>
           </a:effectRef>
           <a:fontRef idx="minor">
             <a:schemeClr val="dk1"/>
@@ -6373,62 +5931,20 @@
           <a:p>
             <a:pPr algn="ctr"/>
             <a:r>
-              <a:rPr lang="zh-CN" altLang="en-US" sz="1200" smtClean="0"/>
-              <a:t>显示对象</a:t>
-            </a:r>
-            <a:r>
-              <a:rPr lang="en-US" altLang="zh-CN" sz="1200" smtClean="0"/>
-              <a:t>(Display)</a:t>
-            </a:r>
-            <a:endParaRPr lang="zh-CN" altLang="en-US" sz="1200" dirty="0"/>
-          </a:p>
-        </p:txBody>
-      </p:sp>
-      <p:sp>
-        <p:nvSpPr>
-          <p:cNvPr id="24" name="圆角矩形 23"/>
-          <p:cNvSpPr/>
-          <p:nvPr/>
-        </p:nvSpPr>
-        <p:spPr>
-          <a:xfrm>
-            <a:off x="3998113" y="3636006"/>
-            <a:ext cx="1420493" cy="216024"/>
-          </a:xfrm>
-          <a:prstGeom prst="roundRect">
-            <a:avLst/>
-          </a:prstGeom>
-        </p:spPr>
-        <p:style>
-          <a:lnRef idx="1">
-            <a:schemeClr val="accent4"/>
-          </a:lnRef>
-          <a:fillRef idx="2">
-            <a:schemeClr val="accent4"/>
-          </a:fillRef>
-          <a:effectRef idx="1">
-            <a:schemeClr val="accent4"/>
-          </a:effectRef>
-          <a:fontRef idx="minor">
-            <a:schemeClr val="dk1"/>
-          </a:fontRef>
-        </p:style>
-        <p:txBody>
-          <a:bodyPr lIns="0" tIns="0" rIns="0" bIns="0" rtlCol="0" anchor="ctr" anchorCtr="1"/>
-          <a:lstStyle/>
-          <a:p>
-            <a:pPr algn="ctr"/>
-            <a:r>
-              <a:rPr lang="zh-CN" altLang="en-US" sz="1200"/>
-              <a:t>事件</a:t>
-            </a:r>
-            <a:r>
-              <a:rPr lang="zh-CN" altLang="en-US" sz="1200" smtClean="0"/>
-              <a:t>对象</a:t>
-            </a:r>
-            <a:r>
-              <a:rPr lang="en-US" altLang="zh-CN" sz="1200" smtClean="0"/>
-              <a:t>(Event)</a:t>
+              <a:rPr lang="zh-CN" altLang="en-US" sz="1200" dirty="0"/>
+              <a:t>网格引用</a:t>
+            </a:r>
+            <a:r>
+              <a:rPr lang="en-US" altLang="zh-CN" sz="1200" dirty="0"/>
+              <a:t>(</a:t>
+            </a:r>
+            <a:r>
+              <a:rPr lang="en-US" altLang="zh-CN" sz="1200" dirty="0" err="1"/>
+              <a:t>MeshGuid</a:t>
+            </a:r>
+            <a:r>
+              <a:rPr lang="en-US" altLang="zh-CN" sz="1200" dirty="0"/>
+              <a:t>)</a:t>
             </a:r>
             <a:endParaRPr lang="zh-CN" altLang="en-US" sz="1200" dirty="0"/>
           </a:p>
@@ -6436,17 +5952,17 @@
       </p:sp>
       <p:cxnSp>
         <p:nvCxnSpPr>
-          <p:cNvPr id="25" name="直接连接符 14"/>
+          <p:cNvPr id="36" name="直接连接符 14"/>
           <p:cNvCxnSpPr>
             <a:stCxn id="41" idx="2"/>
-            <a:endCxn id="24" idx="1"/>
+            <a:endCxn id="35" idx="1"/>
           </p:cNvCxnSpPr>
           <p:nvPr/>
         </p:nvCxnSpPr>
         <p:spPr>
           <a:xfrm rot="16200000" flipH="1">
-            <a:off x="3500850" y="3246755"/>
-            <a:ext cx="552636" cy="441890"/>
+            <a:off x="3350339" y="3862553"/>
+            <a:ext cx="676302" cy="272716"/>
           </a:xfrm>
           <a:prstGeom prst="bentConnector2">
             <a:avLst/>
@@ -6472,13 +5988,13 @@
       </p:cxnSp>
       <p:sp>
         <p:nvSpPr>
-          <p:cNvPr id="32" name="圆角矩形 31"/>
+          <p:cNvPr id="46" name="圆角矩形 45"/>
           <p:cNvSpPr/>
           <p:nvPr/>
         </p:nvSpPr>
         <p:spPr>
           <a:xfrm>
-            <a:off x="3995935" y="3960043"/>
+            <a:off x="1489024" y="2678612"/>
             <a:ext cx="1420493" cy="216024"/>
           </a:xfrm>
           <a:prstGeom prst="roundRect">
@@ -6506,11 +6022,11 @@
             <a:pPr algn="ctr"/>
             <a:r>
               <a:rPr lang="zh-CN" altLang="en-US" sz="1200" smtClean="0"/>
-              <a:t>处理对象</a:t>
+              <a:t>材质集合</a:t>
             </a:r>
             <a:r>
               <a:rPr lang="en-US" altLang="zh-CN" sz="1200" smtClean="0"/>
-              <a:t>(Processor)</a:t>
+              <a:t>(Materials)</a:t>
             </a:r>
             <a:endParaRPr lang="zh-CN" altLang="en-US" sz="1200" dirty="0"/>
           </a:p>
@@ -6518,17 +6034,17 @@
       </p:sp>
       <p:cxnSp>
         <p:nvCxnSpPr>
-          <p:cNvPr id="33" name="直接连接符 14"/>
+          <p:cNvPr id="47" name="直接连接符 14"/>
           <p:cNvCxnSpPr>
-            <a:stCxn id="41" idx="2"/>
-            <a:endCxn id="32" idx="1"/>
+            <a:stCxn id="3" idx="2"/>
+            <a:endCxn id="46" idx="1"/>
           </p:cNvCxnSpPr>
           <p:nvPr/>
         </p:nvCxnSpPr>
         <p:spPr>
           <a:xfrm rot="16200000" flipH="1">
-            <a:off x="3337743" y="3409862"/>
-            <a:ext cx="876673" cy="439712"/>
+            <a:off x="417256" y="1714856"/>
+            <a:ext cx="1734124" cy="409412"/>
           </a:xfrm>
           <a:prstGeom prst="bentConnector2">
             <a:avLst/>
@@ -6552,10 +6068,390 @@
           </a:fontRef>
         </p:style>
       </p:cxnSp>
+      <p:sp>
+        <p:nvSpPr>
+          <p:cNvPr id="27" name="圆角矩形 26"/>
+          <p:cNvSpPr/>
+          <p:nvPr/>
+        </p:nvSpPr>
+        <p:spPr>
+          <a:xfrm>
+            <a:off x="5679308" y="3426750"/>
+            <a:ext cx="2232248" cy="216024"/>
+          </a:xfrm>
+          <a:prstGeom prst="roundRect">
+            <a:avLst/>
+          </a:prstGeom>
+        </p:spPr>
+        <p:style>
+          <a:lnRef idx="1">
+            <a:schemeClr val="accent4"/>
+          </a:lnRef>
+          <a:fillRef idx="2">
+            <a:schemeClr val="accent4"/>
+          </a:fillRef>
+          <a:effectRef idx="1">
+            <a:schemeClr val="accent4"/>
+          </a:effectRef>
+          <a:fontRef idx="minor">
+            <a:schemeClr val="dk1"/>
+          </a:fontRef>
+        </p:style>
+        <p:txBody>
+          <a:bodyPr lIns="0" tIns="0" rIns="0" bIns="0" rtlCol="0" anchor="ctr" anchorCtr="1"/>
+          <a:lstStyle/>
+          <a:p>
+            <a:pPr algn="ctr"/>
+            <a:r>
+              <a:rPr lang="zh-CN" altLang="en-US" sz="1200" dirty="0" smtClean="0"/>
+              <a:t>渲染对象</a:t>
+            </a:r>
+            <a:r>
+              <a:rPr lang="en-US" altLang="zh-CN" sz="1200" dirty="0" smtClean="0"/>
+              <a:t>(</a:t>
+            </a:r>
+            <a:r>
+              <a:rPr lang="en-US" altLang="zh-CN" sz="1200" dirty="0" err="1" smtClean="0"/>
+              <a:t>Renderable</a:t>
+            </a:r>
+            <a:r>
+              <a:rPr lang="en-US" altLang="zh-CN" sz="1200" dirty="0" smtClean="0"/>
+              <a:t>)</a:t>
+            </a:r>
+            <a:endParaRPr lang="zh-CN" altLang="en-US" sz="1200" dirty="0"/>
+          </a:p>
+        </p:txBody>
+      </p:sp>
+      <p:sp>
+        <p:nvSpPr>
+          <p:cNvPr id="33" name="圆角矩形 32"/>
+          <p:cNvSpPr/>
+          <p:nvPr/>
+        </p:nvSpPr>
+        <p:spPr>
+          <a:xfrm>
+            <a:off x="5679308" y="3045251"/>
+            <a:ext cx="2259320" cy="216024"/>
+          </a:xfrm>
+          <a:prstGeom prst="roundRect">
+            <a:avLst/>
+          </a:prstGeom>
+        </p:spPr>
+        <p:style>
+          <a:lnRef idx="1">
+            <a:schemeClr val="accent4"/>
+          </a:lnRef>
+          <a:fillRef idx="2">
+            <a:schemeClr val="accent4"/>
+          </a:fillRef>
+          <a:effectRef idx="1">
+            <a:schemeClr val="accent4"/>
+          </a:effectRef>
+          <a:fontRef idx="minor">
+            <a:schemeClr val="dk1"/>
+          </a:fontRef>
+        </p:style>
+        <p:txBody>
+          <a:bodyPr lIns="0" tIns="0" rIns="0" bIns="0" rtlCol="0" anchor="ctr" anchorCtr="1"/>
+          <a:lstStyle/>
+          <a:p>
+            <a:pPr algn="ctr"/>
+            <a:r>
+              <a:rPr lang="zh-CN" altLang="en-US" sz="1200" dirty="0" smtClean="0"/>
+              <a:t>显示容器对象</a:t>
+            </a:r>
+            <a:r>
+              <a:rPr lang="en-US" altLang="zh-CN" sz="1200" dirty="0" smtClean="0"/>
+              <a:t>(</a:t>
+            </a:r>
+            <a:r>
+              <a:rPr lang="en-US" altLang="zh-CN" sz="1200" dirty="0" err="1" smtClean="0"/>
+              <a:t>DisplayContainer</a:t>
+            </a:r>
+            <a:r>
+              <a:rPr lang="en-US" altLang="zh-CN" sz="1200" dirty="0" smtClean="0"/>
+              <a:t>)</a:t>
+            </a:r>
+            <a:endParaRPr lang="zh-CN" altLang="en-US" sz="1200" dirty="0"/>
+          </a:p>
+        </p:txBody>
+      </p:sp>
+      <p:cxnSp>
+        <p:nvCxnSpPr>
+          <p:cNvPr id="37" name="直接连接符 14"/>
+          <p:cNvCxnSpPr>
+            <a:stCxn id="33" idx="1"/>
+            <a:endCxn id="31" idx="3"/>
+          </p:cNvCxnSpPr>
+          <p:nvPr/>
+        </p:nvCxnSpPr>
+        <p:spPr>
+          <a:xfrm flipH="1">
+            <a:off x="2909517" y="3153263"/>
+            <a:ext cx="2769791" cy="25155"/>
+          </a:xfrm>
+          <a:prstGeom prst="straightConnector1">
+            <a:avLst/>
+          </a:prstGeom>
+          <a:ln>
+            <a:tailEnd type="triangle" w="med" len="lg"/>
+          </a:ln>
+        </p:spPr>
+        <p:style>
+          <a:lnRef idx="1">
+            <a:schemeClr val="accent1"/>
+          </a:lnRef>
+          <a:fillRef idx="0">
+            <a:schemeClr val="accent1"/>
+          </a:fillRef>
+          <a:effectRef idx="0">
+            <a:schemeClr val="accent1"/>
+          </a:effectRef>
+          <a:fontRef idx="minor">
+            <a:schemeClr val="tx1"/>
+          </a:fontRef>
+        </p:style>
+      </p:cxnSp>
+      <p:cxnSp>
+        <p:nvCxnSpPr>
+          <p:cNvPr id="38" name="直接连接符 14"/>
+          <p:cNvCxnSpPr>
+            <a:stCxn id="27" idx="1"/>
+            <a:endCxn id="41" idx="3"/>
+          </p:cNvCxnSpPr>
+          <p:nvPr/>
+        </p:nvCxnSpPr>
+        <p:spPr>
+          <a:xfrm flipH="1">
+            <a:off x="4262378" y="3534762"/>
+            <a:ext cx="1416930" cy="17986"/>
+          </a:xfrm>
+          <a:prstGeom prst="straightConnector1">
+            <a:avLst/>
+          </a:prstGeom>
+          <a:ln>
+            <a:tailEnd type="triangle" w="med" len="lg"/>
+          </a:ln>
+        </p:spPr>
+        <p:style>
+          <a:lnRef idx="1">
+            <a:schemeClr val="accent1"/>
+          </a:lnRef>
+          <a:fillRef idx="0">
+            <a:schemeClr val="accent1"/>
+          </a:fillRef>
+          <a:effectRef idx="0">
+            <a:schemeClr val="accent1"/>
+          </a:effectRef>
+          <a:fontRef idx="minor">
+            <a:schemeClr val="tx1"/>
+          </a:fontRef>
+        </p:style>
+      </p:cxnSp>
+      <p:sp>
+        <p:nvSpPr>
+          <p:cNvPr id="45" name="圆角矩形 44"/>
+          <p:cNvSpPr/>
+          <p:nvPr/>
+        </p:nvSpPr>
+        <p:spPr>
+          <a:xfrm>
+            <a:off x="7002524" y="3837998"/>
+            <a:ext cx="1872208" cy="216024"/>
+          </a:xfrm>
+          <a:prstGeom prst="roundRect">
+            <a:avLst/>
+          </a:prstGeom>
+        </p:spPr>
+        <p:style>
+          <a:lnRef idx="1">
+            <a:schemeClr val="accent5"/>
+          </a:lnRef>
+          <a:fillRef idx="2">
+            <a:schemeClr val="accent5"/>
+          </a:fillRef>
+          <a:effectRef idx="1">
+            <a:schemeClr val="accent5"/>
+          </a:effectRef>
+          <a:fontRef idx="minor">
+            <a:schemeClr val="dk1"/>
+          </a:fontRef>
+        </p:style>
+        <p:txBody>
+          <a:bodyPr lIns="0" tIns="0" rIns="0" bIns="0" rtlCol="0" anchor="ctr" anchorCtr="1"/>
+          <a:lstStyle/>
+          <a:p>
+            <a:pPr algn="ctr"/>
+            <a:r>
+              <a:rPr lang="zh-CN" altLang="en-US" sz="1200" dirty="0"/>
+              <a:t>矩阵</a:t>
+            </a:r>
+            <a:r>
+              <a:rPr lang="en-US" altLang="zh-CN" sz="1200" dirty="0" smtClean="0"/>
+              <a:t>(Matrix)</a:t>
+            </a:r>
+            <a:endParaRPr lang="zh-CN" altLang="en-US" sz="1200" dirty="0"/>
+          </a:p>
+        </p:txBody>
+      </p:sp>
+      <p:cxnSp>
+        <p:nvCxnSpPr>
+          <p:cNvPr id="48" name="直接连接符 14"/>
+          <p:cNvCxnSpPr>
+            <a:stCxn id="27" idx="2"/>
+            <a:endCxn id="45" idx="1"/>
+          </p:cNvCxnSpPr>
+          <p:nvPr/>
+        </p:nvCxnSpPr>
+        <p:spPr>
+          <a:xfrm rot="16200000" flipH="1">
+            <a:off x="6747360" y="3690846"/>
+            <a:ext cx="303236" cy="207092"/>
+          </a:xfrm>
+          <a:prstGeom prst="bentConnector2">
+            <a:avLst/>
+          </a:prstGeom>
+          <a:ln>
+            <a:tailEnd type="triangle" w="med" len="lg"/>
+          </a:ln>
+        </p:spPr>
+        <p:style>
+          <a:lnRef idx="1">
+            <a:schemeClr val="accent1"/>
+          </a:lnRef>
+          <a:fillRef idx="0">
+            <a:schemeClr val="accent1"/>
+          </a:fillRef>
+          <a:effectRef idx="0">
+            <a:schemeClr val="accent1"/>
+          </a:effectRef>
+          <a:fontRef idx="minor">
+            <a:schemeClr val="tx1"/>
+          </a:fontRef>
+        </p:style>
+      </p:cxnSp>
+      <p:sp>
+        <p:nvSpPr>
+          <p:cNvPr id="50" name="圆角矩形 49"/>
+          <p:cNvSpPr/>
+          <p:nvPr/>
+        </p:nvSpPr>
+        <p:spPr>
+          <a:xfrm>
+            <a:off x="3824848" y="4589090"/>
+            <a:ext cx="1872208" cy="216024"/>
+          </a:xfrm>
+          <a:prstGeom prst="roundRect">
+            <a:avLst/>
+          </a:prstGeom>
+        </p:spPr>
+        <p:style>
+          <a:lnRef idx="1">
+            <a:schemeClr val="accent5"/>
+          </a:lnRef>
+          <a:fillRef idx="2">
+            <a:schemeClr val="accent5"/>
+          </a:fillRef>
+          <a:effectRef idx="1">
+            <a:schemeClr val="accent5"/>
+          </a:effectRef>
+          <a:fontRef idx="minor">
+            <a:schemeClr val="dk1"/>
+          </a:fontRef>
+        </p:style>
+        <p:txBody>
+          <a:bodyPr lIns="0" tIns="0" rIns="0" bIns="0" rtlCol="0" anchor="ctr" anchorCtr="1"/>
+          <a:lstStyle/>
+          <a:p>
+            <a:pPr algn="ctr"/>
+            <a:r>
+              <a:rPr lang="zh-CN" altLang="en-US" sz="1200" dirty="0" smtClean="0"/>
+              <a:t>材质引用</a:t>
+            </a:r>
+            <a:r>
+              <a:rPr lang="en-US" altLang="zh-CN" sz="1200" dirty="0" smtClean="0"/>
+              <a:t>(</a:t>
+            </a:r>
+            <a:r>
+              <a:rPr lang="en-US" altLang="zh-CN" sz="1200" dirty="0" err="1" smtClean="0"/>
+              <a:t>MaterialGuid</a:t>
+            </a:r>
+            <a:r>
+              <a:rPr lang="en-US" altLang="zh-CN" sz="1200" dirty="0" smtClean="0"/>
+              <a:t>)</a:t>
+            </a:r>
+            <a:endParaRPr lang="zh-CN" altLang="en-US" sz="1200" dirty="0"/>
+          </a:p>
+        </p:txBody>
+      </p:sp>
+      <p:cxnSp>
+        <p:nvCxnSpPr>
+          <p:cNvPr id="51" name="直接连接符 14"/>
+          <p:cNvCxnSpPr>
+            <a:stCxn id="41" idx="2"/>
+            <a:endCxn id="50" idx="1"/>
+          </p:cNvCxnSpPr>
+          <p:nvPr/>
+        </p:nvCxnSpPr>
+        <p:spPr>
+          <a:xfrm rot="16200000" flipH="1">
+            <a:off x="3170319" y="4042573"/>
+            <a:ext cx="1036342" cy="272716"/>
+          </a:xfrm>
+          <a:prstGeom prst="bentConnector2">
+            <a:avLst/>
+          </a:prstGeom>
+          <a:ln>
+            <a:tailEnd type="triangle" w="med" len="lg"/>
+          </a:ln>
+        </p:spPr>
+        <p:style>
+          <a:lnRef idx="1">
+            <a:schemeClr val="accent1"/>
+          </a:lnRef>
+          <a:fillRef idx="0">
+            <a:schemeClr val="accent1"/>
+          </a:fillRef>
+          <a:effectRef idx="0">
+            <a:schemeClr val="accent1"/>
+          </a:effectRef>
+          <a:fontRef idx="minor">
+            <a:schemeClr val="tx1"/>
+          </a:fontRef>
+        </p:style>
+      </p:cxnSp>
+      <p:sp>
+        <p:nvSpPr>
+          <p:cNvPr id="4" name="矩形 3"/>
+          <p:cNvSpPr/>
+          <p:nvPr/>
+        </p:nvSpPr>
+        <p:spPr>
+          <a:xfrm>
+            <a:off x="2689914" y="2747447"/>
+            <a:ext cx="3764172" cy="369332"/>
+          </a:xfrm>
+          <a:prstGeom prst="rect">
+            <a:avLst/>
+          </a:prstGeom>
+        </p:spPr>
+        <p:txBody>
+          <a:bodyPr wrap="none">
+            <a:spAutoFit/>
+          </a:bodyPr>
+          <a:lstStyle/>
+          <a:p>
+            <a:r>
+              <a:rPr lang="zh-CN" altLang="en-US"/>
+              <a:t> //..........................................................</a:t>
+            </a:r>
+          </a:p>
+        </p:txBody>
+      </p:sp>
     </p:spTree>
     <p:extLst>
       <p:ext uri="{BB962C8B-B14F-4D97-AF65-F5344CB8AC3E}">
-        <p14:creationId xmlns:p14="http://schemas.microsoft.com/office/powerpoint/2010/main" val="4094731615"/>
+        <p14:creationId xmlns:p14="http://schemas.microsoft.com/office/powerpoint/2010/main" val="3907088809"/>
       </p:ext>
     </p:extLst>
   </p:cSld>
@@ -6607,12 +6503,12 @@
           <a:lstStyle/>
           <a:p>
             <a:r>
+              <a:rPr lang="zh-CN" altLang="en-US" smtClean="0"/>
+              <a:t>资源结构 </a:t>
+            </a:r>
+            <a:r>
               <a:rPr lang="en-US" altLang="zh-CN" smtClean="0"/>
-              <a:t>WEB – </a:t>
-            </a:r>
-            <a:r>
-              <a:rPr lang="zh-CN" altLang="en-US"/>
-              <a:t>前台</a:t>
+              <a:t>- Scene</a:t>
             </a:r>
             <a:endParaRPr lang="zh-CN" altLang="en-US" dirty="0"/>
           </a:p>
@@ -6626,8 +6522,8 @@
         </p:nvSpPr>
         <p:spPr>
           <a:xfrm>
-            <a:off x="755576" y="916682"/>
-            <a:ext cx="1008112" cy="216024"/>
+            <a:off x="395536" y="836476"/>
+            <a:ext cx="1368152" cy="216024"/>
           </a:xfrm>
           <a:prstGeom prst="roundRect">
             <a:avLst/>
@@ -6653,9 +6549,14 @@
           <a:p>
             <a:pPr algn="ctr"/>
             <a:r>
-              <a:rPr lang="zh-CN" altLang="en-US" sz="1200"/>
-              <a:t>站点</a:t>
-            </a:r>
+              <a:rPr lang="zh-CN" altLang="en-US" sz="1200" smtClean="0"/>
+              <a:t>场景</a:t>
+            </a:r>
+            <a:r>
+              <a:rPr lang="en-US" altLang="zh-CN" sz="1200" smtClean="0"/>
+              <a:t>(Scene)</a:t>
+            </a:r>
+            <a:endParaRPr lang="zh-CN" altLang="en-US" sz="1200" dirty="0"/>
           </a:p>
         </p:txBody>
       </p:sp>
@@ -6667,7 +6568,7 @@
         </p:nvSpPr>
         <p:spPr>
           <a:xfrm>
-            <a:off x="1695777" y="1281124"/>
+            <a:off x="1490047" y="2580421"/>
             <a:ext cx="1420493" cy="216024"/>
           </a:xfrm>
           <a:prstGeom prst="roundRect">
@@ -6676,13 +6577,13 @@
         </p:spPr>
         <p:style>
           <a:lnRef idx="1">
-            <a:schemeClr val="accent6"/>
+            <a:schemeClr val="accent4"/>
           </a:lnRef>
           <a:fillRef idx="2">
-            <a:schemeClr val="accent6"/>
+            <a:schemeClr val="accent4"/>
           </a:fillRef>
           <a:effectRef idx="1">
-            <a:schemeClr val="accent6"/>
+            <a:schemeClr val="accent4"/>
           </a:effectRef>
           <a:fontRef idx="minor">
             <a:schemeClr val="dk1"/>
@@ -6694,9 +6595,18 @@
           <a:p>
             <a:pPr algn="ctr"/>
             <a:r>
+              <a:rPr lang="zh-CN" altLang="en-US" sz="1200" smtClean="0"/>
+              <a:t>显示</a:t>
+            </a:r>
+            <a:r>
               <a:rPr lang="zh-CN" altLang="en-US" sz="1200"/>
-              <a:t>首页</a:t>
-            </a:r>
+              <a:t>层</a:t>
+            </a:r>
+            <a:r>
+              <a:rPr lang="en-US" altLang="zh-CN" sz="1200" smtClean="0"/>
+              <a:t>(DisplayLayer)</a:t>
+            </a:r>
+            <a:endParaRPr lang="zh-CN" altLang="en-US" sz="1200" dirty="0"/>
           </a:p>
         </p:txBody>
       </p:sp>
@@ -6711,8 +6621,8 @@
         </p:nvCxnSpPr>
         <p:spPr>
           <a:xfrm rot="16200000" flipH="1">
-            <a:off x="1349489" y="1042848"/>
-            <a:ext cx="256430" cy="436145"/>
+            <a:off x="466863" y="1665248"/>
+            <a:ext cx="1635933" cy="410435"/>
           </a:xfrm>
           <a:prstGeom prst="bentConnector2">
             <a:avLst/>
@@ -6738,13 +6648,13 @@
       </p:cxnSp>
       <p:sp>
         <p:nvSpPr>
-          <p:cNvPr id="36" name="圆角矩形 35"/>
+          <p:cNvPr id="107" name="圆角矩形 106"/>
           <p:cNvSpPr/>
           <p:nvPr/>
         </p:nvSpPr>
         <p:spPr>
           <a:xfrm>
-            <a:off x="1706958" y="3103334"/>
+            <a:off x="1456232" y="1227096"/>
             <a:ext cx="1420493" cy="216024"/>
           </a:xfrm>
           <a:prstGeom prst="roundRect">
@@ -6771,30 +6681,30 @@
           <a:p>
             <a:pPr algn="ctr"/>
             <a:r>
-              <a:rPr lang="zh-CN" altLang="en-US" sz="1200"/>
-              <a:t>用户</a:t>
-            </a:r>
-            <a:r>
-              <a:rPr lang="zh-CN" altLang="en-US" sz="1200" smtClean="0"/>
-              <a:t>空间</a:t>
-            </a:r>
-            <a:endParaRPr lang="zh-CN" altLang="en-US" sz="1200"/>
+              <a:rPr lang="zh-CN" altLang="en-US" sz="1200" dirty="0" smtClean="0"/>
+              <a:t>区域</a:t>
+            </a:r>
+            <a:r>
+              <a:rPr lang="en-US" altLang="zh-CN" sz="1200" dirty="0" smtClean="0"/>
+              <a:t>(Region)</a:t>
+            </a:r>
+            <a:endParaRPr lang="zh-CN" altLang="en-US" sz="1200" dirty="0"/>
           </a:p>
         </p:txBody>
       </p:sp>
       <p:cxnSp>
         <p:nvCxnSpPr>
-          <p:cNvPr id="38" name="直接连接符 14"/>
+          <p:cNvPr id="108" name="直接连接符 14"/>
           <p:cNvCxnSpPr>
             <a:stCxn id="3" idx="2"/>
-            <a:endCxn id="36" idx="1"/>
+            <a:endCxn id="107" idx="1"/>
           </p:cNvCxnSpPr>
           <p:nvPr/>
         </p:nvCxnSpPr>
         <p:spPr>
           <a:xfrm rot="16200000" flipH="1">
-            <a:off x="443975" y="1948363"/>
-            <a:ext cx="2078640" cy="447326"/>
+            <a:off x="1126618" y="1005494"/>
+            <a:ext cx="282608" cy="376620"/>
           </a:xfrm>
           <a:prstGeom prst="bentConnector2">
             <a:avLst/>
@@ -6820,13 +6730,13 @@
       </p:cxnSp>
       <p:sp>
         <p:nvSpPr>
-          <p:cNvPr id="42" name="圆角矩形 41"/>
+          <p:cNvPr id="113" name="圆角矩形 112"/>
           <p:cNvSpPr/>
           <p:nvPr/>
         </p:nvSpPr>
         <p:spPr>
           <a:xfrm>
-            <a:off x="1695776" y="3467775"/>
+            <a:off x="2842909" y="1869480"/>
             <a:ext cx="1420493" cy="216024"/>
           </a:xfrm>
           <a:prstGeom prst="roundRect">
@@ -6853,26 +6763,30 @@
           <a:p>
             <a:pPr algn="ctr"/>
             <a:r>
-              <a:rPr lang="zh-CN" altLang="en-US" sz="1200" smtClean="0"/>
-              <a:t>论坛</a:t>
-            </a:r>
-            <a:endParaRPr lang="zh-CN" altLang="en-US" sz="1200"/>
+              <a:rPr lang="zh-CN" altLang="en-US" sz="1200" dirty="0"/>
+              <a:t>相机</a:t>
+            </a:r>
+            <a:r>
+              <a:rPr lang="en-US" altLang="zh-CN" sz="1200" dirty="0" smtClean="0"/>
+              <a:t>(Camera)</a:t>
+            </a:r>
+            <a:endParaRPr lang="zh-CN" altLang="en-US" sz="1200" dirty="0"/>
           </a:p>
         </p:txBody>
       </p:sp>
       <p:cxnSp>
         <p:nvCxnSpPr>
-          <p:cNvPr id="43" name="直接连接符 14"/>
+          <p:cNvPr id="114" name="直接连接符 14"/>
           <p:cNvCxnSpPr>
-            <a:stCxn id="3" idx="2"/>
-            <a:endCxn id="42" idx="1"/>
+            <a:stCxn id="107" idx="2"/>
+            <a:endCxn id="113" idx="1"/>
           </p:cNvCxnSpPr>
           <p:nvPr/>
         </p:nvCxnSpPr>
         <p:spPr>
           <a:xfrm rot="16200000" flipH="1">
-            <a:off x="256164" y="2136174"/>
-            <a:ext cx="2443081" cy="436144"/>
+            <a:off x="2237508" y="1372091"/>
+            <a:ext cx="534372" cy="676430"/>
           </a:xfrm>
           <a:prstGeom prst="bentConnector2">
             <a:avLst/>
@@ -6898,13 +6812,13 @@
       </p:cxnSp>
       <p:sp>
         <p:nvSpPr>
-          <p:cNvPr id="15" name="圆角矩形 14"/>
+          <p:cNvPr id="121" name="圆角矩形 120"/>
           <p:cNvSpPr/>
           <p:nvPr/>
         </p:nvSpPr>
         <p:spPr>
           <a:xfrm>
-            <a:off x="2685706" y="1645566"/>
+            <a:off x="2842909" y="2206091"/>
             <a:ext cx="1420493" cy="216024"/>
           </a:xfrm>
           <a:prstGeom prst="roundRect">
@@ -6931,72 +6845,30 @@
           <a:p>
             <a:pPr algn="ctr"/>
             <a:r>
-              <a:rPr lang="zh-CN" altLang="en-US" sz="1200" smtClean="0"/>
-              <a:t>资源列表</a:t>
-            </a:r>
-            <a:endParaRPr lang="zh-CN" altLang="en-US" sz="1200"/>
-          </a:p>
-        </p:txBody>
-      </p:sp>
-      <p:sp>
-        <p:nvSpPr>
-          <p:cNvPr id="16" name="圆角矩形 15"/>
-          <p:cNvSpPr/>
-          <p:nvPr/>
-        </p:nvSpPr>
-        <p:spPr>
-          <a:xfrm>
-            <a:off x="2685704" y="2374450"/>
-            <a:ext cx="1420493" cy="216024"/>
-          </a:xfrm>
-          <a:prstGeom prst="roundRect">
-            <a:avLst/>
-          </a:prstGeom>
-        </p:spPr>
-        <p:style>
-          <a:lnRef idx="1">
-            <a:schemeClr val="dk1"/>
-          </a:lnRef>
-          <a:fillRef idx="2">
-            <a:schemeClr val="dk1"/>
-          </a:fillRef>
-          <a:effectRef idx="1">
-            <a:schemeClr val="dk1"/>
-          </a:effectRef>
-          <a:fontRef idx="minor">
-            <a:schemeClr val="dk1"/>
-          </a:fontRef>
-        </p:style>
-        <p:txBody>
-          <a:bodyPr lIns="0" tIns="0" rIns="0" bIns="0" rtlCol="0" anchor="ctr" anchorCtr="1"/>
-          <a:lstStyle/>
-          <a:p>
-            <a:pPr algn="ctr"/>
-            <a:r>
-              <a:rPr lang="zh-CN" altLang="en-US" sz="1200"/>
-              <a:t>新闻</a:t>
-            </a:r>
-            <a:r>
-              <a:rPr lang="zh-CN" altLang="en-US" sz="1200" smtClean="0"/>
-              <a:t>列表</a:t>
-            </a:r>
-            <a:endParaRPr lang="zh-CN" altLang="en-US" sz="1200"/>
+              <a:rPr lang="zh-CN" altLang="en-US" sz="1200" dirty="0" smtClean="0"/>
+              <a:t>主光源</a:t>
+            </a:r>
+            <a:r>
+              <a:rPr lang="en-US" altLang="zh-CN" sz="1200" dirty="0" smtClean="0"/>
+              <a:t>(Light)</a:t>
+            </a:r>
+            <a:endParaRPr lang="zh-CN" altLang="en-US" sz="1200" dirty="0"/>
           </a:p>
         </p:txBody>
       </p:sp>
       <p:cxnSp>
         <p:nvCxnSpPr>
-          <p:cNvPr id="17" name="直接连接符 14"/>
+          <p:cNvPr id="122" name="直接连接符 14"/>
           <p:cNvCxnSpPr>
-            <a:stCxn id="31" idx="2"/>
-            <a:endCxn id="15" idx="1"/>
+            <a:stCxn id="107" idx="2"/>
+            <a:endCxn id="121" idx="1"/>
           </p:cNvCxnSpPr>
           <p:nvPr/>
         </p:nvCxnSpPr>
         <p:spPr>
           <a:xfrm rot="16200000" flipH="1">
-            <a:off x="2417650" y="1485522"/>
-            <a:ext cx="256430" cy="279682"/>
+            <a:off x="2069203" y="1540396"/>
+            <a:ext cx="870983" cy="676430"/>
           </a:xfrm>
           <a:prstGeom prst="bentConnector2">
             <a:avLst/>
@@ -7020,19 +6892,65 @@
           </a:fontRef>
         </p:style>
       </p:cxnSp>
+      <p:sp>
+        <p:nvSpPr>
+          <p:cNvPr id="29" name="圆角矩形 28"/>
+          <p:cNvSpPr/>
+          <p:nvPr/>
+        </p:nvSpPr>
+        <p:spPr>
+          <a:xfrm>
+            <a:off x="2842908" y="1527153"/>
+            <a:ext cx="1420493" cy="216024"/>
+          </a:xfrm>
+          <a:prstGeom prst="roundRect">
+            <a:avLst/>
+          </a:prstGeom>
+        </p:spPr>
+        <p:style>
+          <a:lnRef idx="1">
+            <a:schemeClr val="accent6"/>
+          </a:lnRef>
+          <a:fillRef idx="2">
+            <a:schemeClr val="accent6"/>
+          </a:fillRef>
+          <a:effectRef idx="1">
+            <a:schemeClr val="accent6"/>
+          </a:effectRef>
+          <a:fontRef idx="minor">
+            <a:schemeClr val="dk1"/>
+          </a:fontRef>
+        </p:style>
+        <p:txBody>
+          <a:bodyPr lIns="0" tIns="0" rIns="0" bIns="0" rtlCol="0" anchor="ctr" anchorCtr="1"/>
+          <a:lstStyle/>
+          <a:p>
+            <a:pPr algn="ctr"/>
+            <a:r>
+              <a:rPr lang="zh-CN" altLang="en-US" sz="1200" smtClean="0"/>
+              <a:t>材质</a:t>
+            </a:r>
+            <a:r>
+              <a:rPr lang="en-US" altLang="zh-CN" sz="1200" smtClean="0"/>
+              <a:t>(Material)</a:t>
+            </a:r>
+            <a:endParaRPr lang="zh-CN" altLang="en-US" sz="1200" dirty="0"/>
+          </a:p>
+        </p:txBody>
+      </p:sp>
       <p:cxnSp>
         <p:nvCxnSpPr>
-          <p:cNvPr id="20" name="直接连接符 14"/>
+          <p:cNvPr id="30" name="直接连接符 14"/>
           <p:cNvCxnSpPr>
-            <a:stCxn id="31" idx="2"/>
-            <a:endCxn id="16" idx="1"/>
+            <a:stCxn id="107" idx="2"/>
+            <a:endCxn id="29" idx="1"/>
           </p:cNvCxnSpPr>
           <p:nvPr/>
         </p:nvCxnSpPr>
         <p:spPr>
           <a:xfrm rot="16200000" flipH="1">
-            <a:off x="2053207" y="1849965"/>
-            <a:ext cx="985314" cy="279680"/>
+            <a:off x="2408671" y="1200927"/>
+            <a:ext cx="192045" cy="676429"/>
           </a:xfrm>
           <a:prstGeom prst="bentConnector2">
             <a:avLst/>
@@ -7058,13 +6976,13 @@
       </p:cxnSp>
       <p:sp>
         <p:nvSpPr>
-          <p:cNvPr id="26" name="圆角矩形 25"/>
+          <p:cNvPr id="41" name="圆角矩形 40"/>
           <p:cNvSpPr/>
           <p:nvPr/>
         </p:nvSpPr>
         <p:spPr>
           <a:xfrm>
-            <a:off x="2685703" y="2738892"/>
+            <a:off x="2845976" y="2975358"/>
             <a:ext cx="1420493" cy="216024"/>
           </a:xfrm>
           <a:prstGeom prst="roundRect">
@@ -7073,16 +6991,16 @@
         </p:spPr>
         <p:style>
           <a:lnRef idx="1">
+            <a:schemeClr val="accent4"/>
+          </a:lnRef>
+          <a:fillRef idx="2">
+            <a:schemeClr val="accent4"/>
+          </a:fillRef>
+          <a:effectRef idx="1">
+            <a:schemeClr val="accent4"/>
+          </a:effectRef>
+          <a:fontRef idx="minor">
             <a:schemeClr val="dk1"/>
-          </a:lnRef>
-          <a:fillRef idx="2">
-            <a:schemeClr val="dk1"/>
-          </a:fillRef>
-          <a:effectRef idx="1">
-            <a:schemeClr val="dk1"/>
-          </a:effectRef>
-          <a:fontRef idx="minor">
-            <a:schemeClr val="dk1"/>
           </a:fontRef>
         </p:style>
         <p:txBody>
@@ -7091,30 +7009,38 @@
           <a:p>
             <a:pPr algn="ctr"/>
             <a:r>
-              <a:rPr lang="zh-CN" altLang="en-US" sz="1200"/>
-              <a:t>人员</a:t>
-            </a:r>
-            <a:r>
               <a:rPr lang="zh-CN" altLang="en-US" sz="1200" smtClean="0"/>
-              <a:t>列表</a:t>
-            </a:r>
-            <a:endParaRPr lang="zh-CN" altLang="en-US" sz="1200"/>
+              <a:t>精灵</a:t>
+            </a:r>
+            <a:r>
+              <a:rPr lang="en-US" altLang="zh-CN" sz="1200" smtClean="0"/>
+              <a:t> (</a:t>
+            </a:r>
+            <a:r>
+              <a:rPr lang="en-US" altLang="zh-CN" sz="1200"/>
+              <a:t>Sprite</a:t>
+            </a:r>
+            <a:r>
+              <a:rPr lang="en-US" altLang="zh-CN" sz="1200" smtClean="0"/>
+              <a:t>)</a:t>
+            </a:r>
+            <a:endParaRPr lang="zh-CN" altLang="en-US" sz="1200" dirty="0"/>
           </a:p>
         </p:txBody>
       </p:sp>
       <p:cxnSp>
         <p:nvCxnSpPr>
-          <p:cNvPr id="27" name="直接连接符 14"/>
+          <p:cNvPr id="44" name="直接连接符 14"/>
           <p:cNvCxnSpPr>
             <a:stCxn id="31" idx="2"/>
-            <a:endCxn id="26" idx="1"/>
+            <a:endCxn id="41" idx="1"/>
           </p:cNvCxnSpPr>
           <p:nvPr/>
         </p:nvCxnSpPr>
         <p:spPr>
           <a:xfrm rot="16200000" flipH="1">
-            <a:off x="1870985" y="2032186"/>
-            <a:ext cx="1349756" cy="279679"/>
+            <a:off x="2379673" y="2617066"/>
+            <a:ext cx="286925" cy="645682"/>
           </a:xfrm>
           <a:prstGeom prst="bentConnector2">
             <a:avLst/>
@@ -7138,65 +7064,19 @@
           </a:fontRef>
         </p:style>
       </p:cxnSp>
-      <p:sp>
-        <p:nvSpPr>
-          <p:cNvPr id="39" name="圆角矩形 38"/>
-          <p:cNvSpPr/>
-          <p:nvPr/>
-        </p:nvSpPr>
-        <p:spPr>
-          <a:xfrm>
-            <a:off x="2685705" y="2010008"/>
-            <a:ext cx="1420493" cy="216024"/>
-          </a:xfrm>
-          <a:prstGeom prst="roundRect">
-            <a:avLst/>
-          </a:prstGeom>
-        </p:spPr>
-        <p:style>
-          <a:lnRef idx="1">
-            <a:schemeClr val="accent2"/>
-          </a:lnRef>
-          <a:fillRef idx="2">
-            <a:schemeClr val="accent2"/>
-          </a:fillRef>
-          <a:effectRef idx="1">
-            <a:schemeClr val="accent2"/>
-          </a:effectRef>
-          <a:fontRef idx="minor">
-            <a:schemeClr val="dk1"/>
-          </a:fontRef>
-        </p:style>
-        <p:txBody>
-          <a:bodyPr lIns="0" tIns="0" rIns="0" bIns="0" rtlCol="0" anchor="ctr" anchorCtr="1"/>
-          <a:lstStyle/>
-          <a:p>
-            <a:pPr algn="ctr"/>
-            <a:r>
-              <a:rPr lang="zh-CN" altLang="en-US" sz="1200"/>
-              <a:t>悬赏</a:t>
-            </a:r>
-            <a:r>
-              <a:rPr lang="zh-CN" altLang="en-US" sz="1200" smtClean="0"/>
-              <a:t>列表</a:t>
-            </a:r>
-            <a:endParaRPr lang="zh-CN" altLang="en-US" sz="1200"/>
-          </a:p>
-        </p:txBody>
-      </p:sp>
       <p:cxnSp>
         <p:nvCxnSpPr>
-          <p:cNvPr id="40" name="直接连接符 14"/>
+          <p:cNvPr id="18" name="直接连接符 14"/>
           <p:cNvCxnSpPr>
-            <a:stCxn id="31" idx="2"/>
-            <a:endCxn id="39" idx="1"/>
+            <a:stCxn id="41" idx="2"/>
+            <a:endCxn id="20" idx="1"/>
           </p:cNvCxnSpPr>
           <p:nvPr/>
         </p:nvCxnSpPr>
         <p:spPr>
           <a:xfrm rot="16200000" flipH="1">
-            <a:off x="2235428" y="1667743"/>
-            <a:ext cx="620872" cy="279681"/>
+            <a:off x="3661780" y="3085824"/>
+            <a:ext cx="228599" cy="439713"/>
           </a:xfrm>
           <a:prstGeom prst="bentConnector2">
             <a:avLst/>
@@ -7222,14 +7102,14 @@
       </p:cxnSp>
       <p:sp>
         <p:nvSpPr>
-          <p:cNvPr id="49" name="圆角矩形 48"/>
+          <p:cNvPr id="20" name="圆角矩形 19"/>
           <p:cNvSpPr/>
           <p:nvPr/>
         </p:nvSpPr>
         <p:spPr>
           <a:xfrm>
-            <a:off x="4860033" y="1279586"/>
-            <a:ext cx="1080120" cy="216024"/>
+            <a:off x="3995936" y="3311969"/>
+            <a:ext cx="1420493" cy="216024"/>
           </a:xfrm>
           <a:prstGeom prst="roundRect">
             <a:avLst/>
@@ -7237,13 +7117,13 @@
         </p:spPr>
         <p:style>
           <a:lnRef idx="1">
-            <a:schemeClr val="accent6"/>
+            <a:schemeClr val="accent4"/>
           </a:lnRef>
           <a:fillRef idx="2">
-            <a:schemeClr val="accent6"/>
+            <a:schemeClr val="accent4"/>
           </a:fillRef>
           <a:effectRef idx="1">
-            <a:schemeClr val="accent6"/>
+            <a:schemeClr val="accent4"/>
           </a:effectRef>
           <a:fontRef idx="minor">
             <a:schemeClr val="dk1"/>
@@ -7255,27 +7135,82 @@
           <a:p>
             <a:pPr algn="ctr"/>
             <a:r>
+              <a:rPr lang="zh-CN" altLang="en-US" sz="1200" smtClean="0"/>
+              <a:t>显示对象</a:t>
+            </a:r>
+            <a:r>
+              <a:rPr lang="en-US" altLang="zh-CN" sz="1200" smtClean="0"/>
+              <a:t>(Display)</a:t>
+            </a:r>
+            <a:endParaRPr lang="zh-CN" altLang="en-US" sz="1200" dirty="0"/>
+          </a:p>
+        </p:txBody>
+      </p:sp>
+      <p:sp>
+        <p:nvSpPr>
+          <p:cNvPr id="24" name="圆角矩形 23"/>
+          <p:cNvSpPr/>
+          <p:nvPr/>
+        </p:nvSpPr>
+        <p:spPr>
+          <a:xfrm>
+            <a:off x="3998113" y="3636006"/>
+            <a:ext cx="1420493" cy="216024"/>
+          </a:xfrm>
+          <a:prstGeom prst="roundRect">
+            <a:avLst/>
+          </a:prstGeom>
+        </p:spPr>
+        <p:style>
+          <a:lnRef idx="1">
+            <a:schemeClr val="accent4"/>
+          </a:lnRef>
+          <a:fillRef idx="2">
+            <a:schemeClr val="accent4"/>
+          </a:fillRef>
+          <a:effectRef idx="1">
+            <a:schemeClr val="accent4"/>
+          </a:effectRef>
+          <a:fontRef idx="minor">
+            <a:schemeClr val="dk1"/>
+          </a:fontRef>
+        </p:style>
+        <p:txBody>
+          <a:bodyPr lIns="0" tIns="0" rIns="0" bIns="0" rtlCol="0" anchor="ctr" anchorCtr="1"/>
+          <a:lstStyle/>
+          <a:p>
+            <a:pPr algn="ctr"/>
+            <a:r>
               <a:rPr lang="zh-CN" altLang="en-US" sz="1200"/>
-              <a:t>用户</a:t>
-            </a:r>
+              <a:t>事件</a:t>
+            </a:r>
+            <a:r>
+              <a:rPr lang="zh-CN" altLang="en-US" sz="1200" smtClean="0"/>
+              <a:t>对象</a:t>
+            </a:r>
+            <a:r>
+              <a:rPr lang="en-US" altLang="zh-CN" sz="1200" smtClean="0"/>
+              <a:t>(Event)</a:t>
+            </a:r>
+            <a:endParaRPr lang="zh-CN" altLang="en-US" sz="1200" dirty="0"/>
           </a:p>
         </p:txBody>
       </p:sp>
       <p:cxnSp>
         <p:nvCxnSpPr>
-          <p:cNvPr id="50" name="直接连接符 14"/>
+          <p:cNvPr id="25" name="直接连接符 14"/>
           <p:cNvCxnSpPr>
-            <a:stCxn id="31" idx="3"/>
-            <a:endCxn id="49" idx="1"/>
+            <a:stCxn id="41" idx="2"/>
+            <a:endCxn id="24" idx="1"/>
           </p:cNvCxnSpPr>
           <p:nvPr/>
         </p:nvCxnSpPr>
         <p:spPr>
-          <a:xfrm flipV="1">
-            <a:off x="3116270" y="1387598"/>
-            <a:ext cx="1743763" cy="1538"/>
-          </a:xfrm>
-          <a:prstGeom prst="straightConnector1">
+          <a:xfrm rot="16200000" flipH="1">
+            <a:off x="3500850" y="3246755"/>
+            <a:ext cx="552636" cy="441890"/>
+          </a:xfrm>
+          <a:prstGeom prst="bentConnector2">
             <a:avLst/>
           </a:prstGeom>
           <a:ln>
@@ -7299,14 +7234,14 @@
       </p:cxnSp>
       <p:sp>
         <p:nvSpPr>
-          <p:cNvPr id="52" name="圆角矩形 51"/>
+          <p:cNvPr id="32" name="圆角矩形 31"/>
           <p:cNvSpPr/>
           <p:nvPr/>
         </p:nvSpPr>
         <p:spPr>
           <a:xfrm>
-            <a:off x="4860032" y="1605587"/>
-            <a:ext cx="1080121" cy="216024"/>
+            <a:off x="3995935" y="3960043"/>
+            <a:ext cx="1420493" cy="216024"/>
           </a:xfrm>
           <a:prstGeom prst="roundRect">
             <a:avLst/>
@@ -7314,13 +7249,13 @@
         </p:spPr>
         <p:style>
           <a:lnRef idx="1">
-            <a:schemeClr val="accent2"/>
+            <a:schemeClr val="accent4"/>
           </a:lnRef>
           <a:fillRef idx="2">
-            <a:schemeClr val="accent2"/>
+            <a:schemeClr val="accent4"/>
           </a:fillRef>
           <a:effectRef idx="1">
-            <a:schemeClr val="accent2"/>
+            <a:schemeClr val="accent4"/>
           </a:effectRef>
           <a:fontRef idx="minor">
             <a:schemeClr val="dk1"/>
@@ -7332,185 +7267,33 @@
           <a:p>
             <a:pPr algn="ctr"/>
             <a:r>
-              <a:rPr lang="zh-CN" altLang="en-US" sz="1200"/>
-              <a:t>充值</a:t>
-            </a:r>
+              <a:rPr lang="zh-CN" altLang="en-US" sz="1200" smtClean="0"/>
+              <a:t>处理对象</a:t>
+            </a:r>
+            <a:r>
+              <a:rPr lang="en-US" altLang="zh-CN" sz="1200" smtClean="0"/>
+              <a:t>(Processor)</a:t>
+            </a:r>
+            <a:endParaRPr lang="zh-CN" altLang="en-US" sz="1200" dirty="0"/>
           </a:p>
         </p:txBody>
       </p:sp>
       <p:cxnSp>
         <p:nvCxnSpPr>
-          <p:cNvPr id="53" name="直接连接符 14"/>
+          <p:cNvPr id="33" name="直接连接符 14"/>
           <p:cNvCxnSpPr>
-            <a:stCxn id="31" idx="3"/>
-            <a:endCxn id="52" idx="1"/>
+            <a:stCxn id="41" idx="2"/>
+            <a:endCxn id="32" idx="1"/>
           </p:cNvCxnSpPr>
           <p:nvPr/>
         </p:nvCxnSpPr>
         <p:spPr>
-          <a:xfrm>
-            <a:off x="3116270" y="1389136"/>
-            <a:ext cx="1743762" cy="324463"/>
-          </a:xfrm>
-          <a:prstGeom prst="straightConnector1">
-            <a:avLst/>
-          </a:prstGeom>
-          <a:ln>
-            <a:tailEnd type="triangle" w="med" len="lg"/>
-          </a:ln>
-        </p:spPr>
-        <p:style>
-          <a:lnRef idx="1">
-            <a:schemeClr val="accent1"/>
-          </a:lnRef>
-          <a:fillRef idx="0">
-            <a:schemeClr val="accent1"/>
-          </a:fillRef>
-          <a:effectRef idx="0">
-            <a:schemeClr val="accent1"/>
-          </a:effectRef>
-          <a:fontRef idx="minor">
-            <a:schemeClr val="tx1"/>
-          </a:fontRef>
-        </p:style>
-      </p:cxnSp>
-      <p:sp>
-        <p:nvSpPr>
-          <p:cNvPr id="60" name="圆角矩形 59"/>
-          <p:cNvSpPr/>
-          <p:nvPr/>
-        </p:nvSpPr>
-        <p:spPr>
-          <a:xfrm>
-            <a:off x="6396548" y="1279586"/>
-            <a:ext cx="1080120" cy="216024"/>
-          </a:xfrm>
-          <a:prstGeom prst="roundRect">
-            <a:avLst/>
-          </a:prstGeom>
-        </p:spPr>
-        <p:style>
-          <a:lnRef idx="1">
-            <a:schemeClr val="accent6"/>
-          </a:lnRef>
-          <a:fillRef idx="2">
-            <a:schemeClr val="accent6"/>
-          </a:fillRef>
-          <a:effectRef idx="1">
-            <a:schemeClr val="accent6"/>
-          </a:effectRef>
-          <a:fontRef idx="minor">
-            <a:schemeClr val="dk1"/>
-          </a:fontRef>
-        </p:style>
-        <p:txBody>
-          <a:bodyPr lIns="0" tIns="0" rIns="0" bIns="0" rtlCol="0" anchor="ctr" anchorCtr="1"/>
-          <a:lstStyle/>
-          <a:p>
-            <a:pPr algn="ctr"/>
-            <a:r>
-              <a:rPr lang="zh-CN" altLang="en-US" sz="1200"/>
-              <a:t>注册</a:t>
-            </a:r>
-          </a:p>
-        </p:txBody>
-      </p:sp>
-      <p:sp>
-        <p:nvSpPr>
-          <p:cNvPr id="61" name="圆角矩形 60"/>
-          <p:cNvSpPr/>
-          <p:nvPr/>
-        </p:nvSpPr>
-        <p:spPr>
-          <a:xfrm>
-            <a:off x="6396548" y="1607777"/>
-            <a:ext cx="1080120" cy="216024"/>
-          </a:xfrm>
-          <a:prstGeom prst="roundRect">
-            <a:avLst/>
-          </a:prstGeom>
-        </p:spPr>
-        <p:style>
-          <a:lnRef idx="1">
-            <a:schemeClr val="accent6"/>
-          </a:lnRef>
-          <a:fillRef idx="2">
-            <a:schemeClr val="accent6"/>
-          </a:fillRef>
-          <a:effectRef idx="1">
-            <a:schemeClr val="accent6"/>
-          </a:effectRef>
-          <a:fontRef idx="minor">
-            <a:schemeClr val="dk1"/>
-          </a:fontRef>
-        </p:style>
-        <p:txBody>
-          <a:bodyPr lIns="0" tIns="0" rIns="0" bIns="0" rtlCol="0" anchor="ctr" anchorCtr="1"/>
-          <a:lstStyle/>
-          <a:p>
-            <a:pPr algn="ctr"/>
-            <a:r>
-              <a:rPr lang="zh-CN" altLang="en-US" sz="1200" smtClean="0"/>
-              <a:t>登录</a:t>
-            </a:r>
-            <a:endParaRPr lang="zh-CN" altLang="en-US" sz="1200"/>
-          </a:p>
-        </p:txBody>
-      </p:sp>
-      <p:cxnSp>
-        <p:nvCxnSpPr>
-          <p:cNvPr id="62" name="直接连接符 14"/>
-          <p:cNvCxnSpPr>
-            <a:stCxn id="49" idx="3"/>
-            <a:endCxn id="60" idx="1"/>
-          </p:cNvCxnSpPr>
-          <p:nvPr/>
-        </p:nvCxnSpPr>
-        <p:spPr>
-          <a:xfrm>
-            <a:off x="5940153" y="1387598"/>
-            <a:ext cx="456395" cy="0"/>
-          </a:xfrm>
-          <a:prstGeom prst="straightConnector1">
-            <a:avLst/>
-          </a:prstGeom>
-          <a:ln>
-            <a:tailEnd type="triangle" w="med" len="lg"/>
-          </a:ln>
-        </p:spPr>
-        <p:style>
-          <a:lnRef idx="1">
-            <a:schemeClr val="accent1"/>
-          </a:lnRef>
-          <a:fillRef idx="0">
-            <a:schemeClr val="accent1"/>
-          </a:fillRef>
-          <a:effectRef idx="0">
-            <a:schemeClr val="accent1"/>
-          </a:effectRef>
-          <a:fontRef idx="minor">
-            <a:schemeClr val="tx1"/>
-          </a:fontRef>
-        </p:style>
-      </p:cxnSp>
-      <p:cxnSp>
-        <p:nvCxnSpPr>
-          <p:cNvPr id="66" name="直接连接符 14"/>
-          <p:cNvCxnSpPr>
-            <a:stCxn id="49" idx="3"/>
-            <a:endCxn id="61" idx="1"/>
-          </p:cNvCxnSpPr>
-          <p:nvPr/>
-        </p:nvCxnSpPr>
-        <p:spPr>
-          <a:xfrm>
-            <a:off x="5940153" y="1387598"/>
-            <a:ext cx="456395" cy="328191"/>
-          </a:xfrm>
-          <a:prstGeom prst="bentConnector3">
-            <a:avLst>
-              <a:gd name="adj1" fmla="val 50000"/>
-            </a:avLst>
+          <a:xfrm rot="16200000" flipH="1">
+            <a:off x="3337743" y="3409862"/>
+            <a:ext cx="876673" cy="439712"/>
+          </a:xfrm>
+          <a:prstGeom prst="bentConnector2">
+            <a:avLst/>
           </a:prstGeom>
           <a:ln>
             <a:tailEnd type="triangle" w="med" len="lg"/>
@@ -7534,7 +7317,7 @@
     </p:spTree>
     <p:extLst>
       <p:ext uri="{BB962C8B-B14F-4D97-AF65-F5344CB8AC3E}">
-        <p14:creationId xmlns:p14="http://schemas.microsoft.com/office/powerpoint/2010/main" val="2364541809"/>
+        <p14:creationId xmlns:p14="http://schemas.microsoft.com/office/powerpoint/2010/main" val="4094731615"/>
       </p:ext>
     </p:extLst>
   </p:cSld>
@@ -7590,16 +7373,8 @@
               <a:t>WEB – </a:t>
             </a:r>
             <a:r>
-              <a:rPr lang="zh-CN" altLang="en-US" smtClean="0"/>
-              <a:t>前台 </a:t>
-            </a:r>
-            <a:r>
-              <a:rPr lang="en-US" altLang="zh-CN" smtClean="0"/>
-              <a:t>– </a:t>
-            </a:r>
-            <a:r>
-              <a:rPr lang="zh-CN" altLang="en-US" smtClean="0"/>
-              <a:t>用户空间</a:t>
+              <a:rPr lang="zh-CN" altLang="en-US"/>
+              <a:t>前台</a:t>
             </a:r>
             <a:endParaRPr lang="zh-CN" altLang="en-US" dirty="0"/>
           </a:p>
@@ -7613,7 +7388,7 @@
         </p:nvSpPr>
         <p:spPr>
           <a:xfrm>
-            <a:off x="1043608" y="1060698"/>
+            <a:off x="755576" y="916682"/>
             <a:ext cx="1008112" cy="216024"/>
           </a:xfrm>
           <a:prstGeom prst="roundRect">
@@ -7641,13 +7416,8 @@
             <a:pPr algn="ctr"/>
             <a:r>
               <a:rPr lang="zh-CN" altLang="en-US" sz="1200"/>
-              <a:t>用户</a:t>
-            </a:r>
-            <a:r>
-              <a:rPr lang="zh-CN" altLang="en-US" sz="1200" smtClean="0"/>
-              <a:t>空间</a:t>
-            </a:r>
-            <a:endParaRPr lang="zh-CN" altLang="en-US" sz="1200"/>
+              <a:t>站点</a:t>
+            </a:r>
           </a:p>
         </p:txBody>
       </p:sp>
@@ -7659,7 +7429,7 @@
         </p:nvSpPr>
         <p:spPr>
           <a:xfrm>
-            <a:off x="1979637" y="1445947"/>
+            <a:off x="1695777" y="1281124"/>
             <a:ext cx="1420493" cy="216024"/>
           </a:xfrm>
           <a:prstGeom prst="roundRect">
@@ -7668,13 +7438,13 @@
         </p:spPr>
         <p:style>
           <a:lnRef idx="1">
-            <a:schemeClr val="accent2"/>
+            <a:schemeClr val="accent6"/>
           </a:lnRef>
           <a:fillRef idx="2">
-            <a:schemeClr val="accent2"/>
+            <a:schemeClr val="accent6"/>
           </a:fillRef>
           <a:effectRef idx="1">
-            <a:schemeClr val="accent2"/>
+            <a:schemeClr val="accent6"/>
           </a:effectRef>
           <a:fontRef idx="minor">
             <a:schemeClr val="dk1"/>
@@ -7686,10 +7456,9 @@
           <a:p>
             <a:pPr algn="ctr"/>
             <a:r>
-              <a:rPr lang="zh-CN" altLang="en-US" sz="1200" smtClean="0"/>
-              <a:t>我的信息</a:t>
-            </a:r>
-            <a:endParaRPr lang="zh-CN" altLang="en-US" sz="1200"/>
+              <a:rPr lang="zh-CN" altLang="en-US" sz="1200"/>
+              <a:t>首页</a:t>
+            </a:r>
           </a:p>
         </p:txBody>
       </p:sp>
@@ -7704,8 +7473,8 @@
         </p:nvCxnSpPr>
         <p:spPr>
           <a:xfrm rot="16200000" flipH="1">
-            <a:off x="1625032" y="1199353"/>
-            <a:ext cx="277237" cy="431973"/>
+            <a:off x="1349489" y="1042848"/>
+            <a:ext cx="256430" cy="436145"/>
           </a:xfrm>
           <a:prstGeom prst="bentConnector2">
             <a:avLst/>
@@ -7737,7 +7506,7 @@
         </p:nvSpPr>
         <p:spPr>
           <a:xfrm>
-            <a:off x="1979637" y="2040089"/>
+            <a:off x="1706958" y="3103334"/>
             <a:ext cx="1420493" cy="216024"/>
           </a:xfrm>
           <a:prstGeom prst="roundRect">
@@ -7746,13 +7515,13 @@
         </p:spPr>
         <p:style>
           <a:lnRef idx="1">
-            <a:schemeClr val="accent2"/>
+            <a:schemeClr val="accent6"/>
           </a:lnRef>
           <a:fillRef idx="2">
-            <a:schemeClr val="accent2"/>
+            <a:schemeClr val="accent6"/>
           </a:fillRef>
           <a:effectRef idx="1">
-            <a:schemeClr val="accent2"/>
+            <a:schemeClr val="accent6"/>
           </a:effectRef>
           <a:fontRef idx="minor">
             <a:schemeClr val="dk1"/>
@@ -7764,8 +7533,12 @@
           <a:p>
             <a:pPr algn="ctr"/>
             <a:r>
+              <a:rPr lang="zh-CN" altLang="en-US" sz="1200"/>
+              <a:t>用户</a:t>
+            </a:r>
+            <a:r>
               <a:rPr lang="zh-CN" altLang="en-US" sz="1200" smtClean="0"/>
-              <a:t>我的项目</a:t>
+              <a:t>空间</a:t>
             </a:r>
             <a:endParaRPr lang="zh-CN" altLang="en-US" sz="1200"/>
           </a:p>
@@ -7782,8 +7555,8 @@
         </p:nvCxnSpPr>
         <p:spPr>
           <a:xfrm rot="16200000" flipH="1">
-            <a:off x="1327961" y="1496424"/>
-            <a:ext cx="871379" cy="431973"/>
+            <a:off x="443975" y="1948363"/>
+            <a:ext cx="2078640" cy="447326"/>
           </a:xfrm>
           <a:prstGeom prst="bentConnector2">
             <a:avLst/>
@@ -7815,7 +7588,7 @@
         </p:nvSpPr>
         <p:spPr>
           <a:xfrm>
-            <a:off x="1979637" y="3590522"/>
+            <a:off x="1695776" y="3467775"/>
             <a:ext cx="1420493" cy="216024"/>
           </a:xfrm>
           <a:prstGeom prst="roundRect">
@@ -7843,7 +7616,7 @@
             <a:pPr algn="ctr"/>
             <a:r>
               <a:rPr lang="zh-CN" altLang="en-US" sz="1200" smtClean="0"/>
-              <a:t>共享空间</a:t>
+              <a:t>论坛</a:t>
             </a:r>
             <a:endParaRPr lang="zh-CN" altLang="en-US" sz="1200"/>
           </a:p>
@@ -7860,8 +7633,8 @@
         </p:nvCxnSpPr>
         <p:spPr>
           <a:xfrm rot="16200000" flipH="1">
-            <a:off x="552744" y="2271641"/>
-            <a:ext cx="2421812" cy="431973"/>
+            <a:off x="256164" y="2136174"/>
+            <a:ext cx="2443081" cy="436144"/>
           </a:xfrm>
           <a:prstGeom prst="bentConnector2">
             <a:avLst/>
@@ -7887,13 +7660,13 @@
       </p:cxnSp>
       <p:sp>
         <p:nvSpPr>
-          <p:cNvPr id="47" name="圆角矩形 46"/>
+          <p:cNvPr id="15" name="圆角矩形 14"/>
           <p:cNvSpPr/>
           <p:nvPr/>
         </p:nvSpPr>
         <p:spPr>
           <a:xfrm>
-            <a:off x="1979636" y="4458648"/>
+            <a:off x="2685706" y="1645566"/>
             <a:ext cx="1420493" cy="216024"/>
           </a:xfrm>
           <a:prstGeom prst="roundRect">
@@ -7921,7 +7694,53 @@
             <a:pPr algn="ctr"/>
             <a:r>
               <a:rPr lang="zh-CN" altLang="en-US" sz="1200" smtClean="0"/>
-              <a:t>前往论坛</a:t>
+              <a:t>资源列表</a:t>
+            </a:r>
+            <a:endParaRPr lang="zh-CN" altLang="en-US" sz="1200"/>
+          </a:p>
+        </p:txBody>
+      </p:sp>
+      <p:sp>
+        <p:nvSpPr>
+          <p:cNvPr id="16" name="圆角矩形 15"/>
+          <p:cNvSpPr/>
+          <p:nvPr/>
+        </p:nvSpPr>
+        <p:spPr>
+          <a:xfrm>
+            <a:off x="2685704" y="2374450"/>
+            <a:ext cx="1420493" cy="216024"/>
+          </a:xfrm>
+          <a:prstGeom prst="roundRect">
+            <a:avLst/>
+          </a:prstGeom>
+        </p:spPr>
+        <p:style>
+          <a:lnRef idx="1">
+            <a:schemeClr val="dk1"/>
+          </a:lnRef>
+          <a:fillRef idx="2">
+            <a:schemeClr val="dk1"/>
+          </a:fillRef>
+          <a:effectRef idx="1">
+            <a:schemeClr val="dk1"/>
+          </a:effectRef>
+          <a:fontRef idx="minor">
+            <a:schemeClr val="dk1"/>
+          </a:fontRef>
+        </p:style>
+        <p:txBody>
+          <a:bodyPr lIns="0" tIns="0" rIns="0" bIns="0" rtlCol="0" anchor="ctr" anchorCtr="1"/>
+          <a:lstStyle/>
+          <a:p>
+            <a:pPr algn="ctr"/>
+            <a:r>
+              <a:rPr lang="zh-CN" altLang="en-US" sz="1200"/>
+              <a:t>新闻</a:t>
+            </a:r>
+            <a:r>
+              <a:rPr lang="zh-CN" altLang="en-US" sz="1200" smtClean="0"/>
+              <a:t>列表</a:t>
             </a:r>
             <a:endParaRPr lang="zh-CN" altLang="en-US" sz="1200"/>
           </a:p>
@@ -7929,85 +7748,7 @@
       </p:sp>
       <p:cxnSp>
         <p:nvCxnSpPr>
-          <p:cNvPr id="48" name="直接连接符 14"/>
-          <p:cNvCxnSpPr>
-            <a:stCxn id="3" idx="2"/>
-            <a:endCxn id="47" idx="1"/>
-          </p:cNvCxnSpPr>
-          <p:nvPr/>
-        </p:nvCxnSpPr>
-        <p:spPr>
-          <a:xfrm rot="16200000" flipH="1">
-            <a:off x="118681" y="2705705"/>
-            <a:ext cx="3289938" cy="431972"/>
-          </a:xfrm>
-          <a:prstGeom prst="bentConnector2">
-            <a:avLst/>
-          </a:prstGeom>
-          <a:ln>
-            <a:tailEnd type="triangle" w="med" len="lg"/>
-          </a:ln>
-        </p:spPr>
-        <p:style>
-          <a:lnRef idx="1">
-            <a:schemeClr val="accent1"/>
-          </a:lnRef>
-          <a:fillRef idx="0">
-            <a:schemeClr val="accent1"/>
-          </a:fillRef>
-          <a:effectRef idx="0">
-            <a:schemeClr val="accent1"/>
-          </a:effectRef>
-          <a:fontRef idx="minor">
-            <a:schemeClr val="tx1"/>
-          </a:fontRef>
-        </p:style>
-      </p:cxnSp>
-      <p:sp>
-        <p:nvSpPr>
-          <p:cNvPr id="15" name="圆角矩形 14"/>
-          <p:cNvSpPr/>
-          <p:nvPr/>
-        </p:nvSpPr>
-        <p:spPr>
-          <a:xfrm>
-            <a:off x="3707904" y="1725207"/>
-            <a:ext cx="1420493" cy="216024"/>
-          </a:xfrm>
-          <a:prstGeom prst="roundRect">
-            <a:avLst/>
-          </a:prstGeom>
-        </p:spPr>
-        <p:style>
-          <a:lnRef idx="1">
-            <a:schemeClr val="accent2"/>
-          </a:lnRef>
-          <a:fillRef idx="2">
-            <a:schemeClr val="accent2"/>
-          </a:fillRef>
-          <a:effectRef idx="1">
-            <a:schemeClr val="accent2"/>
-          </a:effectRef>
-          <a:fontRef idx="minor">
-            <a:schemeClr val="dk1"/>
-          </a:fontRef>
-        </p:style>
-        <p:txBody>
-          <a:bodyPr lIns="0" tIns="0" rIns="0" bIns="0" rtlCol="0" anchor="ctr" anchorCtr="1"/>
-          <a:lstStyle/>
-          <a:p>
-            <a:pPr algn="ctr"/>
-            <a:r>
-              <a:rPr lang="zh-CN" altLang="en-US" sz="1200" smtClean="0"/>
-              <a:t>个人信息</a:t>
-            </a:r>
-            <a:endParaRPr lang="zh-CN" altLang="en-US" sz="1200"/>
-          </a:p>
-        </p:txBody>
-      </p:sp>
-      <p:cxnSp>
-        <p:nvCxnSpPr>
-          <p:cNvPr id="16" name="直接连接符 14"/>
+          <p:cNvPr id="17" name="直接连接符 14"/>
           <p:cNvCxnSpPr>
             <a:stCxn id="31" idx="2"/>
             <a:endCxn id="15" idx="1"/>
@@ -8016,8 +7757,8 @@
         </p:nvCxnSpPr>
         <p:spPr>
           <a:xfrm rot="16200000" flipH="1">
-            <a:off x="3113270" y="1238585"/>
-            <a:ext cx="171248" cy="1018020"/>
+            <a:off x="2417650" y="1485522"/>
+            <a:ext cx="256430" cy="279682"/>
           </a:xfrm>
           <a:prstGeom prst="bentConnector2">
             <a:avLst/>
@@ -8041,61 +7782,19 @@
           </a:fontRef>
         </p:style>
       </p:cxnSp>
-      <p:sp>
-        <p:nvSpPr>
-          <p:cNvPr id="25" name="圆角矩形 24"/>
-          <p:cNvSpPr/>
-          <p:nvPr/>
-        </p:nvSpPr>
-        <p:spPr>
-          <a:xfrm>
-            <a:off x="3707904" y="2300542"/>
-            <a:ext cx="1420493" cy="216024"/>
-          </a:xfrm>
-          <a:prstGeom prst="roundRect">
-            <a:avLst/>
-          </a:prstGeom>
-        </p:spPr>
-        <p:style>
-          <a:lnRef idx="1">
-            <a:schemeClr val="dk1"/>
-          </a:lnRef>
-          <a:fillRef idx="2">
-            <a:schemeClr val="dk1"/>
-          </a:fillRef>
-          <a:effectRef idx="1">
-            <a:schemeClr val="dk1"/>
-          </a:effectRef>
-          <a:fontRef idx="minor">
-            <a:schemeClr val="dk1"/>
-          </a:fontRef>
-        </p:style>
-        <p:txBody>
-          <a:bodyPr lIns="0" tIns="0" rIns="0" bIns="0" rtlCol="0" anchor="ctr" anchorCtr="1"/>
-          <a:lstStyle/>
-          <a:p>
-            <a:pPr algn="ctr"/>
-            <a:r>
-              <a:rPr lang="zh-CN" altLang="en-US" sz="1200" smtClean="0"/>
-              <a:t>项目列表</a:t>
-            </a:r>
-            <a:endParaRPr lang="zh-CN" altLang="en-US" sz="1200"/>
-          </a:p>
-        </p:txBody>
-      </p:sp>
       <p:cxnSp>
         <p:nvCxnSpPr>
-          <p:cNvPr id="26" name="直接连接符 14"/>
+          <p:cNvPr id="20" name="直接连接符 14"/>
           <p:cNvCxnSpPr>
-            <a:stCxn id="36" idx="2"/>
-            <a:endCxn id="25" idx="1"/>
+            <a:stCxn id="31" idx="2"/>
+            <a:endCxn id="16" idx="1"/>
           </p:cNvCxnSpPr>
           <p:nvPr/>
         </p:nvCxnSpPr>
         <p:spPr>
           <a:xfrm rot="16200000" flipH="1">
-            <a:off x="3122674" y="1823323"/>
-            <a:ext cx="152441" cy="1018020"/>
+            <a:off x="2053207" y="1849965"/>
+            <a:ext cx="985314" cy="279680"/>
           </a:xfrm>
           <a:prstGeom prst="bentConnector2">
             <a:avLst/>
@@ -8121,13 +7820,13 @@
       </p:cxnSp>
       <p:sp>
         <p:nvSpPr>
-          <p:cNvPr id="30" name="圆角矩形 29"/>
+          <p:cNvPr id="26" name="圆角矩形 25"/>
           <p:cNvSpPr/>
           <p:nvPr/>
         </p:nvSpPr>
         <p:spPr>
           <a:xfrm>
-            <a:off x="3707904" y="2620000"/>
+            <a:off x="2685703" y="2738892"/>
             <a:ext cx="1420493" cy="216024"/>
           </a:xfrm>
           <a:prstGeom prst="roundRect">
@@ -8136,16 +7835,16 @@
         </p:spPr>
         <p:style>
           <a:lnRef idx="1">
-            <a:schemeClr val="accent2"/>
+            <a:schemeClr val="dk1"/>
           </a:lnRef>
           <a:fillRef idx="2">
-            <a:schemeClr val="accent2"/>
+            <a:schemeClr val="dk1"/>
           </a:fillRef>
           <a:effectRef idx="1">
-            <a:schemeClr val="accent2"/>
-          </a:effectRef>
-          <a:fontRef idx="minor">
             <a:schemeClr val="dk1"/>
+          </a:effectRef>
+          <a:fontRef idx="minor">
+            <a:schemeClr val="dk1"/>
           </a:fontRef>
         </p:style>
         <p:txBody>
@@ -8155,7 +7854,7 @@
             <a:pPr algn="ctr"/>
             <a:r>
               <a:rPr lang="zh-CN" altLang="en-US" sz="1200"/>
-              <a:t>资源</a:t>
+              <a:t>人员</a:t>
             </a:r>
             <a:r>
               <a:rPr lang="zh-CN" altLang="en-US" sz="1200" smtClean="0"/>
@@ -8165,107 +7864,19 @@
           </a:p>
         </p:txBody>
       </p:sp>
-      <p:sp>
-        <p:nvSpPr>
-          <p:cNvPr id="32" name="圆角矩形 31"/>
-          <p:cNvSpPr/>
-          <p:nvPr/>
-        </p:nvSpPr>
-        <p:spPr>
-          <a:xfrm>
-            <a:off x="3707904" y="2947821"/>
-            <a:ext cx="1420493" cy="216024"/>
-          </a:xfrm>
-          <a:prstGeom prst="roundRect">
-            <a:avLst/>
-          </a:prstGeom>
-        </p:spPr>
-        <p:style>
-          <a:lnRef idx="1">
-            <a:schemeClr val="dk1"/>
-          </a:lnRef>
-          <a:fillRef idx="2">
-            <a:schemeClr val="dk1"/>
-          </a:fillRef>
-          <a:effectRef idx="1">
-            <a:schemeClr val="dk1"/>
-          </a:effectRef>
-          <a:fontRef idx="minor">
-            <a:schemeClr val="dk1"/>
-          </a:fontRef>
-        </p:style>
-        <p:txBody>
-          <a:bodyPr lIns="0" tIns="0" rIns="0" bIns="0" rtlCol="0" anchor="ctr" anchorCtr="1"/>
-          <a:lstStyle/>
-          <a:p>
-            <a:pPr algn="ctr"/>
-            <a:r>
-              <a:rPr lang="zh-CN" altLang="en-US" sz="1200" smtClean="0"/>
-              <a:t>发布列表</a:t>
-            </a:r>
-            <a:endParaRPr lang="zh-CN" altLang="en-US" sz="1200"/>
-          </a:p>
-        </p:txBody>
-      </p:sp>
-      <p:sp>
-        <p:nvSpPr>
-          <p:cNvPr id="33" name="圆角矩形 32"/>
-          <p:cNvSpPr/>
-          <p:nvPr/>
-        </p:nvSpPr>
-        <p:spPr>
-          <a:xfrm>
-            <a:off x="3707904" y="3275641"/>
-            <a:ext cx="1420493" cy="216024"/>
-          </a:xfrm>
-          <a:prstGeom prst="roundRect">
-            <a:avLst/>
-          </a:prstGeom>
-        </p:spPr>
-        <p:style>
-          <a:lnRef idx="1">
-            <a:schemeClr val="dk1"/>
-          </a:lnRef>
-          <a:fillRef idx="2">
-            <a:schemeClr val="dk1"/>
-          </a:fillRef>
-          <a:effectRef idx="1">
-            <a:schemeClr val="dk1"/>
-          </a:effectRef>
-          <a:fontRef idx="minor">
-            <a:schemeClr val="dk1"/>
-          </a:fontRef>
-        </p:style>
-        <p:txBody>
-          <a:bodyPr lIns="0" tIns="0" rIns="0" bIns="0" rtlCol="0" anchor="ctr" anchorCtr="1"/>
-          <a:lstStyle/>
-          <a:p>
-            <a:pPr algn="ctr"/>
-            <a:r>
-              <a:rPr lang="zh-CN" altLang="en-US" sz="1200"/>
-              <a:t>团队</a:t>
-            </a:r>
-            <a:r>
-              <a:rPr lang="zh-CN" altLang="en-US" sz="1200" smtClean="0"/>
-              <a:t>列表</a:t>
-            </a:r>
-            <a:endParaRPr lang="zh-CN" altLang="en-US" sz="1200"/>
-          </a:p>
-        </p:txBody>
-      </p:sp>
       <p:cxnSp>
         <p:nvCxnSpPr>
-          <p:cNvPr id="35" name="直接连接符 14"/>
+          <p:cNvPr id="27" name="直接连接符 14"/>
           <p:cNvCxnSpPr>
-            <a:stCxn id="36" idx="2"/>
-            <a:endCxn id="30" idx="1"/>
+            <a:stCxn id="31" idx="2"/>
+            <a:endCxn id="26" idx="1"/>
           </p:cNvCxnSpPr>
           <p:nvPr/>
         </p:nvCxnSpPr>
         <p:spPr>
           <a:xfrm rot="16200000" flipH="1">
-            <a:off x="2962945" y="1983052"/>
-            <a:ext cx="471899" cy="1018020"/>
+            <a:off x="1870985" y="2032186"/>
+            <a:ext cx="1349756" cy="279679"/>
           </a:xfrm>
           <a:prstGeom prst="bentConnector2">
             <a:avLst/>
@@ -8289,55 +7900,65 @@
           </a:fontRef>
         </p:style>
       </p:cxnSp>
-      <p:cxnSp>
-        <p:nvCxnSpPr>
-          <p:cNvPr id="37" name="直接连接符 14"/>
-          <p:cNvCxnSpPr>
-            <a:stCxn id="36" idx="2"/>
-            <a:endCxn id="32" idx="1"/>
-          </p:cNvCxnSpPr>
-          <p:nvPr/>
-        </p:nvCxnSpPr>
-        <p:spPr>
-          <a:xfrm rot="16200000" flipH="1">
-            <a:off x="2799034" y="2146963"/>
-            <a:ext cx="799720" cy="1018020"/>
-          </a:xfrm>
-          <a:prstGeom prst="bentConnector2">
-            <a:avLst/>
-          </a:prstGeom>
-          <a:ln>
-            <a:tailEnd type="triangle" w="med" len="lg"/>
-          </a:ln>
-        </p:spPr>
-        <p:style>
-          <a:lnRef idx="1">
-            <a:schemeClr val="accent1"/>
-          </a:lnRef>
-          <a:fillRef idx="0">
-            <a:schemeClr val="accent1"/>
-          </a:fillRef>
-          <a:effectRef idx="0">
-            <a:schemeClr val="accent1"/>
-          </a:effectRef>
-          <a:fontRef idx="minor">
-            <a:schemeClr val="tx1"/>
-          </a:fontRef>
-        </p:style>
-      </p:cxnSp>
+      <p:sp>
+        <p:nvSpPr>
+          <p:cNvPr id="39" name="圆角矩形 38"/>
+          <p:cNvSpPr/>
+          <p:nvPr/>
+        </p:nvSpPr>
+        <p:spPr>
+          <a:xfrm>
+            <a:off x="2685705" y="2010008"/>
+            <a:ext cx="1420493" cy="216024"/>
+          </a:xfrm>
+          <a:prstGeom prst="roundRect">
+            <a:avLst/>
+          </a:prstGeom>
+        </p:spPr>
+        <p:style>
+          <a:lnRef idx="1">
+            <a:schemeClr val="accent2"/>
+          </a:lnRef>
+          <a:fillRef idx="2">
+            <a:schemeClr val="accent2"/>
+          </a:fillRef>
+          <a:effectRef idx="1">
+            <a:schemeClr val="accent2"/>
+          </a:effectRef>
+          <a:fontRef idx="minor">
+            <a:schemeClr val="dk1"/>
+          </a:fontRef>
+        </p:style>
+        <p:txBody>
+          <a:bodyPr lIns="0" tIns="0" rIns="0" bIns="0" rtlCol="0" anchor="ctr" anchorCtr="1"/>
+          <a:lstStyle/>
+          <a:p>
+            <a:pPr algn="ctr"/>
+            <a:r>
+              <a:rPr lang="zh-CN" altLang="en-US" sz="1200"/>
+              <a:t>悬赏</a:t>
+            </a:r>
+            <a:r>
+              <a:rPr lang="zh-CN" altLang="en-US" sz="1200" smtClean="0"/>
+              <a:t>列表</a:t>
+            </a:r>
+            <a:endParaRPr lang="zh-CN" altLang="en-US" sz="1200"/>
+          </a:p>
+        </p:txBody>
+      </p:sp>
       <p:cxnSp>
         <p:nvCxnSpPr>
           <p:cNvPr id="40" name="直接连接符 14"/>
           <p:cNvCxnSpPr>
-            <a:stCxn id="36" idx="2"/>
-            <a:endCxn id="33" idx="1"/>
+            <a:stCxn id="31" idx="2"/>
+            <a:endCxn id="39" idx="1"/>
           </p:cNvCxnSpPr>
           <p:nvPr/>
         </p:nvCxnSpPr>
         <p:spPr>
           <a:xfrm rot="16200000" flipH="1">
-            <a:off x="2635124" y="2310873"/>
-            <a:ext cx="1127540" cy="1018020"/>
+            <a:off x="2235428" y="1667743"/>
+            <a:ext cx="620872" cy="279681"/>
           </a:xfrm>
           <a:prstGeom prst="bentConnector2">
             <a:avLst/>
@@ -8363,14 +7984,14 @@
       </p:cxnSp>
       <p:sp>
         <p:nvSpPr>
-          <p:cNvPr id="45" name="圆角矩形 44"/>
+          <p:cNvPr id="49" name="圆角矩形 48"/>
           <p:cNvSpPr/>
           <p:nvPr/>
         </p:nvSpPr>
         <p:spPr>
           <a:xfrm>
-            <a:off x="5652120" y="2620000"/>
-            <a:ext cx="1420493" cy="216024"/>
+            <a:off x="4860033" y="1279586"/>
+            <a:ext cx="1080120" cy="216024"/>
           </a:xfrm>
           <a:prstGeom prst="roundRect">
             <a:avLst/>
@@ -8378,13 +7999,13 @@
         </p:spPr>
         <p:style>
           <a:lnRef idx="1">
-            <a:schemeClr val="accent2"/>
+            <a:schemeClr val="accent6"/>
           </a:lnRef>
           <a:fillRef idx="2">
-            <a:schemeClr val="accent2"/>
+            <a:schemeClr val="accent6"/>
           </a:fillRef>
           <a:effectRef idx="1">
-            <a:schemeClr val="accent2"/>
+            <a:schemeClr val="accent6"/>
           </a:effectRef>
           <a:fontRef idx="minor">
             <a:schemeClr val="dk1"/>
@@ -8397,29 +8018,24 @@
             <a:pPr algn="ctr"/>
             <a:r>
               <a:rPr lang="zh-CN" altLang="en-US" sz="1200"/>
-              <a:t>上传</a:t>
-            </a:r>
-            <a:r>
-              <a:rPr lang="zh-CN" altLang="en-US" sz="1200" smtClean="0"/>
-              <a:t>资源</a:t>
-            </a:r>
-            <a:endParaRPr lang="zh-CN" altLang="en-US" sz="1200"/>
+              <a:t>用户</a:t>
+            </a:r>
           </a:p>
         </p:txBody>
       </p:sp>
       <p:cxnSp>
         <p:nvCxnSpPr>
-          <p:cNvPr id="46" name="直接连接符 14"/>
+          <p:cNvPr id="50" name="直接连接符 14"/>
           <p:cNvCxnSpPr>
-            <a:stCxn id="30" idx="3"/>
-            <a:endCxn id="45" idx="1"/>
+            <a:stCxn id="31" idx="3"/>
+            <a:endCxn id="49" idx="1"/>
           </p:cNvCxnSpPr>
           <p:nvPr/>
         </p:nvCxnSpPr>
         <p:spPr>
-          <a:xfrm>
-            <a:off x="5128397" y="2728012"/>
-            <a:ext cx="523723" cy="0"/>
+          <a:xfrm flipV="1">
+            <a:off x="3116270" y="1387598"/>
+            <a:ext cx="1743763" cy="1538"/>
           </a:xfrm>
           <a:prstGeom prst="straightConnector1">
             <a:avLst/>
@@ -8445,14 +8061,14 @@
       </p:cxnSp>
       <p:sp>
         <p:nvSpPr>
-          <p:cNvPr id="74" name="圆角矩形 73"/>
+          <p:cNvPr id="52" name="圆角矩形 51"/>
           <p:cNvSpPr/>
           <p:nvPr/>
         </p:nvSpPr>
         <p:spPr>
           <a:xfrm>
-            <a:off x="3707904" y="3869010"/>
-            <a:ext cx="1420493" cy="216024"/>
+            <a:off x="4860032" y="1605587"/>
+            <a:ext cx="1080121" cy="216024"/>
           </a:xfrm>
           <a:prstGeom prst="roundRect">
             <a:avLst/>
@@ -8460,16 +8076,16 @@
         </p:spPr>
         <p:style>
           <a:lnRef idx="1">
+            <a:schemeClr val="accent2"/>
+          </a:lnRef>
+          <a:fillRef idx="2">
+            <a:schemeClr val="accent2"/>
+          </a:fillRef>
+          <a:effectRef idx="1">
+            <a:schemeClr val="accent2"/>
+          </a:effectRef>
+          <a:fontRef idx="minor">
             <a:schemeClr val="dk1"/>
-          </a:lnRef>
-          <a:fillRef idx="2">
-            <a:schemeClr val="dk1"/>
-          </a:fillRef>
-          <a:effectRef idx="1">
-            <a:schemeClr val="dk1"/>
-          </a:effectRef>
-          <a:fontRef idx="minor">
-            <a:schemeClr val="dk1"/>
           </a:fontRef>
         </p:style>
         <p:txBody>
@@ -8478,28 +8094,27 @@
           <a:p>
             <a:pPr algn="ctr"/>
             <a:r>
-              <a:rPr lang="zh-CN" altLang="en-US" sz="1200" smtClean="0"/>
-              <a:t>项目列表</a:t>
-            </a:r>
-            <a:endParaRPr lang="zh-CN" altLang="en-US" sz="1200"/>
+              <a:rPr lang="zh-CN" altLang="en-US" sz="1200"/>
+              <a:t>充值</a:t>
+            </a:r>
           </a:p>
         </p:txBody>
       </p:sp>
       <p:cxnSp>
         <p:nvCxnSpPr>
-          <p:cNvPr id="75" name="直接连接符 14"/>
+          <p:cNvPr id="53" name="直接连接符 14"/>
           <p:cNvCxnSpPr>
-            <a:stCxn id="42" idx="2"/>
-            <a:endCxn id="74" idx="1"/>
+            <a:stCxn id="31" idx="3"/>
+            <a:endCxn id="52" idx="1"/>
           </p:cNvCxnSpPr>
           <p:nvPr/>
         </p:nvCxnSpPr>
         <p:spPr>
-          <a:xfrm rot="16200000" flipH="1">
-            <a:off x="3113656" y="3382774"/>
-            <a:ext cx="170476" cy="1018020"/>
-          </a:xfrm>
-          <a:prstGeom prst="bentConnector2">
+          <a:xfrm>
+            <a:off x="3116270" y="1389136"/>
+            <a:ext cx="1743762" cy="324463"/>
+          </a:xfrm>
+          <a:prstGeom prst="straightConnector1">
             <a:avLst/>
           </a:prstGeom>
           <a:ln>
@@ -8523,14 +8138,14 @@
       </p:cxnSp>
       <p:sp>
         <p:nvSpPr>
-          <p:cNvPr id="81" name="圆角矩形 80"/>
+          <p:cNvPr id="60" name="圆角矩形 59"/>
           <p:cNvSpPr/>
           <p:nvPr/>
         </p:nvSpPr>
         <p:spPr>
           <a:xfrm>
-            <a:off x="3707904" y="4193047"/>
-            <a:ext cx="1420493" cy="216024"/>
+            <a:off x="6396548" y="1279586"/>
+            <a:ext cx="1080120" cy="216024"/>
           </a:xfrm>
           <a:prstGeom prst="roundRect">
             <a:avLst/>
@@ -8556,8 +8171,49 @@
           <a:p>
             <a:pPr algn="ctr"/>
             <a:r>
+              <a:rPr lang="zh-CN" altLang="en-US" sz="1200"/>
+              <a:t>注册</a:t>
+            </a:r>
+          </a:p>
+        </p:txBody>
+      </p:sp>
+      <p:sp>
+        <p:nvSpPr>
+          <p:cNvPr id="61" name="圆角矩形 60"/>
+          <p:cNvSpPr/>
+          <p:nvPr/>
+        </p:nvSpPr>
+        <p:spPr>
+          <a:xfrm>
+            <a:off x="6396548" y="1607777"/>
+            <a:ext cx="1080120" cy="216024"/>
+          </a:xfrm>
+          <a:prstGeom prst="roundRect">
+            <a:avLst/>
+          </a:prstGeom>
+        </p:spPr>
+        <p:style>
+          <a:lnRef idx="1">
+            <a:schemeClr val="accent6"/>
+          </a:lnRef>
+          <a:fillRef idx="2">
+            <a:schemeClr val="accent6"/>
+          </a:fillRef>
+          <a:effectRef idx="1">
+            <a:schemeClr val="accent6"/>
+          </a:effectRef>
+          <a:fontRef idx="minor">
+            <a:schemeClr val="dk1"/>
+          </a:fontRef>
+        </p:style>
+        <p:txBody>
+          <a:bodyPr lIns="0" tIns="0" rIns="0" bIns="0" rtlCol="0" anchor="ctr" anchorCtr="1"/>
+          <a:lstStyle/>
+          <a:p>
+            <a:pPr algn="ctr"/>
+            <a:r>
               <a:rPr lang="zh-CN" altLang="en-US" sz="1200" smtClean="0"/>
-              <a:t>资源列表</a:t>
+              <a:t>登录</a:t>
             </a:r>
             <a:endParaRPr lang="zh-CN" altLang="en-US" sz="1200"/>
           </a:p>
@@ -8565,20 +8221,58 @@
       </p:sp>
       <p:cxnSp>
         <p:nvCxnSpPr>
-          <p:cNvPr id="82" name="直接连接符 14"/>
+          <p:cNvPr id="62" name="直接连接符 14"/>
           <p:cNvCxnSpPr>
-            <a:stCxn id="42" idx="2"/>
-            <a:endCxn id="81" idx="1"/>
+            <a:stCxn id="49" idx="3"/>
+            <a:endCxn id="60" idx="1"/>
           </p:cNvCxnSpPr>
           <p:nvPr/>
         </p:nvCxnSpPr>
         <p:spPr>
-          <a:xfrm rot="16200000" flipH="1">
-            <a:off x="2951638" y="3544792"/>
-            <a:ext cx="494513" cy="1018020"/>
-          </a:xfrm>
-          <a:prstGeom prst="bentConnector2">
-            <a:avLst/>
+          <a:xfrm>
+            <a:off x="5940153" y="1387598"/>
+            <a:ext cx="456395" cy="0"/>
+          </a:xfrm>
+          <a:prstGeom prst="straightConnector1">
+            <a:avLst/>
+          </a:prstGeom>
+          <a:ln>
+            <a:tailEnd type="triangle" w="med" len="lg"/>
+          </a:ln>
+        </p:spPr>
+        <p:style>
+          <a:lnRef idx="1">
+            <a:schemeClr val="accent1"/>
+          </a:lnRef>
+          <a:fillRef idx="0">
+            <a:schemeClr val="accent1"/>
+          </a:fillRef>
+          <a:effectRef idx="0">
+            <a:schemeClr val="accent1"/>
+          </a:effectRef>
+          <a:fontRef idx="minor">
+            <a:schemeClr val="tx1"/>
+          </a:fontRef>
+        </p:style>
+      </p:cxnSp>
+      <p:cxnSp>
+        <p:nvCxnSpPr>
+          <p:cNvPr id="66" name="直接连接符 14"/>
+          <p:cNvCxnSpPr>
+            <a:stCxn id="49" idx="3"/>
+            <a:endCxn id="61" idx="1"/>
+          </p:cNvCxnSpPr>
+          <p:nvPr/>
+        </p:nvCxnSpPr>
+        <p:spPr>
+          <a:xfrm>
+            <a:off x="5940153" y="1387598"/>
+            <a:ext cx="456395" cy="328191"/>
+          </a:xfrm>
+          <a:prstGeom prst="bentConnector3">
+            <a:avLst>
+              <a:gd name="adj1" fmla="val 50000"/>
+            </a:avLst>
           </a:prstGeom>
           <a:ln>
             <a:tailEnd type="triangle" w="med" len="lg"/>
@@ -8602,7 +8296,7 @@
     </p:spTree>
     <p:extLst>
       <p:ext uri="{BB962C8B-B14F-4D97-AF65-F5344CB8AC3E}">
-        <p14:creationId xmlns:p14="http://schemas.microsoft.com/office/powerpoint/2010/main" val="1279786755"/>
+        <p14:creationId xmlns:p14="http://schemas.microsoft.com/office/powerpoint/2010/main" val="2364541809"/>
       </p:ext>
     </p:extLst>
   </p:cSld>
@@ -8658,8 +8352,16 @@
               <a:t>WEB – </a:t>
             </a:r>
             <a:r>
-              <a:rPr lang="zh-CN" altLang="en-US"/>
-              <a:t>后台</a:t>
+              <a:rPr lang="zh-CN" altLang="en-US" smtClean="0"/>
+              <a:t>前台 </a:t>
+            </a:r>
+            <a:r>
+              <a:rPr lang="en-US" altLang="zh-CN" smtClean="0"/>
+              <a:t>– </a:t>
+            </a:r>
+            <a:r>
+              <a:rPr lang="zh-CN" altLang="en-US" smtClean="0"/>
+              <a:t>用户空间</a:t>
             </a:r>
             <a:endParaRPr lang="zh-CN" altLang="en-US" dirty="0"/>
           </a:p>
@@ -8673,7 +8375,7 @@
         </p:nvSpPr>
         <p:spPr>
           <a:xfrm>
-            <a:off x="819883" y="1247186"/>
+            <a:off x="1043608" y="1060698"/>
             <a:ext cx="1008112" cy="216024"/>
           </a:xfrm>
           <a:prstGeom prst="roundRect">
@@ -8701,11 +8403,94 @@
             <a:pPr algn="ctr"/>
             <a:r>
               <a:rPr lang="zh-CN" altLang="en-US" sz="1200"/>
-              <a:t>站点</a:t>
-            </a:r>
-          </a:p>
-        </p:txBody>
-      </p:sp>
+              <a:t>用户</a:t>
+            </a:r>
+            <a:r>
+              <a:rPr lang="zh-CN" altLang="en-US" sz="1200" smtClean="0"/>
+              <a:t>空间</a:t>
+            </a:r>
+            <a:endParaRPr lang="zh-CN" altLang="en-US" sz="1200"/>
+          </a:p>
+        </p:txBody>
+      </p:sp>
+      <p:sp>
+        <p:nvSpPr>
+          <p:cNvPr id="31" name="圆角矩形 30"/>
+          <p:cNvSpPr/>
+          <p:nvPr/>
+        </p:nvSpPr>
+        <p:spPr>
+          <a:xfrm>
+            <a:off x="1979637" y="1445947"/>
+            <a:ext cx="1420493" cy="216024"/>
+          </a:xfrm>
+          <a:prstGeom prst="roundRect">
+            <a:avLst/>
+          </a:prstGeom>
+        </p:spPr>
+        <p:style>
+          <a:lnRef idx="1">
+            <a:schemeClr val="accent2"/>
+          </a:lnRef>
+          <a:fillRef idx="2">
+            <a:schemeClr val="accent2"/>
+          </a:fillRef>
+          <a:effectRef idx="1">
+            <a:schemeClr val="accent2"/>
+          </a:effectRef>
+          <a:fontRef idx="minor">
+            <a:schemeClr val="dk1"/>
+          </a:fontRef>
+        </p:style>
+        <p:txBody>
+          <a:bodyPr lIns="0" tIns="0" rIns="0" bIns="0" rtlCol="0" anchor="ctr" anchorCtr="1"/>
+          <a:lstStyle/>
+          <a:p>
+            <a:pPr algn="ctr"/>
+            <a:r>
+              <a:rPr lang="zh-CN" altLang="en-US" sz="1200" smtClean="0"/>
+              <a:t>我的信息</a:t>
+            </a:r>
+            <a:endParaRPr lang="zh-CN" altLang="en-US" sz="1200"/>
+          </a:p>
+        </p:txBody>
+      </p:sp>
+      <p:cxnSp>
+        <p:nvCxnSpPr>
+          <p:cNvPr id="34" name="直接连接符 14"/>
+          <p:cNvCxnSpPr>
+            <a:stCxn id="3" idx="2"/>
+            <a:endCxn id="31" idx="1"/>
+          </p:cNvCxnSpPr>
+          <p:nvPr/>
+        </p:nvCxnSpPr>
+        <p:spPr>
+          <a:xfrm rot="16200000" flipH="1">
+            <a:off x="1625032" y="1199353"/>
+            <a:ext cx="277237" cy="431973"/>
+          </a:xfrm>
+          <a:prstGeom prst="bentConnector2">
+            <a:avLst/>
+          </a:prstGeom>
+          <a:ln>
+            <a:tailEnd type="triangle" w="med" len="lg"/>
+          </a:ln>
+        </p:spPr>
+        <p:style>
+          <a:lnRef idx="1">
+            <a:schemeClr val="accent1"/>
+          </a:lnRef>
+          <a:fillRef idx="0">
+            <a:schemeClr val="accent1"/>
+          </a:fillRef>
+          <a:effectRef idx="0">
+            <a:schemeClr val="accent1"/>
+          </a:effectRef>
+          <a:fontRef idx="minor">
+            <a:schemeClr val="tx1"/>
+          </a:fontRef>
+        </p:style>
+      </p:cxnSp>
       <p:sp>
         <p:nvSpPr>
           <p:cNvPr id="36" name="圆角矩形 35"/>
@@ -8714,7 +8499,7 @@
         </p:nvSpPr>
         <p:spPr>
           <a:xfrm>
-            <a:off x="1974227" y="1597900"/>
+            <a:off x="1979637" y="2040089"/>
             <a:ext cx="1420493" cy="216024"/>
           </a:xfrm>
           <a:prstGeom prst="roundRect">
@@ -8723,13 +8508,13 @@
         </p:spPr>
         <p:style>
           <a:lnRef idx="1">
-            <a:schemeClr val="accent6"/>
+            <a:schemeClr val="accent2"/>
           </a:lnRef>
           <a:fillRef idx="2">
-            <a:schemeClr val="accent6"/>
+            <a:schemeClr val="accent2"/>
           </a:fillRef>
           <a:effectRef idx="1">
-            <a:schemeClr val="accent6"/>
+            <a:schemeClr val="accent2"/>
           </a:effectRef>
           <a:fontRef idx="minor">
             <a:schemeClr val="dk1"/>
@@ -8741,12 +8526,8 @@
           <a:p>
             <a:pPr algn="ctr"/>
             <a:r>
-              <a:rPr lang="zh-CN" altLang="en-US" sz="1200"/>
-              <a:t>共通</a:t>
-            </a:r>
-            <a:r>
               <a:rPr lang="zh-CN" altLang="en-US" sz="1200" smtClean="0"/>
-              <a:t>管理</a:t>
+              <a:t>我的项目</a:t>
             </a:r>
             <a:endParaRPr lang="zh-CN" altLang="en-US" sz="1200"/>
           </a:p>
@@ -8763,8 +8544,8 @@
         </p:nvCxnSpPr>
         <p:spPr>
           <a:xfrm rot="16200000" flipH="1">
-            <a:off x="1527732" y="1259417"/>
-            <a:ext cx="242702" cy="650288"/>
+            <a:off x="1327961" y="1496424"/>
+            <a:ext cx="871379" cy="431973"/>
           </a:xfrm>
           <a:prstGeom prst="bentConnector2">
             <a:avLst/>
@@ -8788,19 +8569,61 @@
           </a:fontRef>
         </p:style>
       </p:cxnSp>
+      <p:sp>
+        <p:nvSpPr>
+          <p:cNvPr id="42" name="圆角矩形 41"/>
+          <p:cNvSpPr/>
+          <p:nvPr/>
+        </p:nvSpPr>
+        <p:spPr>
+          <a:xfrm>
+            <a:off x="1979637" y="3590522"/>
+            <a:ext cx="1420493" cy="216024"/>
+          </a:xfrm>
+          <a:prstGeom prst="roundRect">
+            <a:avLst/>
+          </a:prstGeom>
+        </p:spPr>
+        <p:style>
+          <a:lnRef idx="1">
+            <a:schemeClr val="accent6"/>
+          </a:lnRef>
+          <a:fillRef idx="2">
+            <a:schemeClr val="accent6"/>
+          </a:fillRef>
+          <a:effectRef idx="1">
+            <a:schemeClr val="accent6"/>
+          </a:effectRef>
+          <a:fontRef idx="minor">
+            <a:schemeClr val="dk1"/>
+          </a:fontRef>
+        </p:style>
+        <p:txBody>
+          <a:bodyPr lIns="0" tIns="0" rIns="0" bIns="0" rtlCol="0" anchor="ctr" anchorCtr="1"/>
+          <a:lstStyle/>
+          <a:p>
+            <a:pPr algn="ctr"/>
+            <a:r>
+              <a:rPr lang="zh-CN" altLang="en-US" sz="1200" smtClean="0"/>
+              <a:t>共享空间</a:t>
+            </a:r>
+            <a:endParaRPr lang="zh-CN" altLang="en-US" sz="1200"/>
+          </a:p>
+        </p:txBody>
+      </p:sp>
       <p:cxnSp>
         <p:nvCxnSpPr>
           <p:cNvPr id="43" name="直接连接符 14"/>
           <p:cNvCxnSpPr>
             <a:stCxn id="3" idx="2"/>
-            <a:endCxn id="29" idx="1"/>
+            <a:endCxn id="42" idx="1"/>
           </p:cNvCxnSpPr>
           <p:nvPr/>
         </p:nvCxnSpPr>
         <p:spPr>
           <a:xfrm rot="16200000" flipH="1">
-            <a:off x="1122362" y="1664787"/>
-            <a:ext cx="1053443" cy="650288"/>
+            <a:off x="552744" y="2271641"/>
+            <a:ext cx="2421812" cy="431973"/>
           </a:xfrm>
           <a:prstGeom prst="bentConnector2">
             <a:avLst/>
@@ -8826,13 +8649,13 @@
       </p:cxnSp>
       <p:sp>
         <p:nvSpPr>
-          <p:cNvPr id="29" name="圆角矩形 28"/>
+          <p:cNvPr id="47" name="圆角矩形 46"/>
           <p:cNvSpPr/>
           <p:nvPr/>
         </p:nvSpPr>
         <p:spPr>
           <a:xfrm>
-            <a:off x="1974227" y="2408641"/>
+            <a:off x="1979636" y="4458648"/>
             <a:ext cx="1420493" cy="216024"/>
           </a:xfrm>
           <a:prstGeom prst="roundRect">
@@ -8859,8 +8682,242 @@
           <a:p>
             <a:pPr algn="ctr"/>
             <a:r>
+              <a:rPr lang="zh-CN" altLang="en-US" sz="1200" smtClean="0"/>
+              <a:t>前往论坛</a:t>
+            </a:r>
+            <a:endParaRPr lang="zh-CN" altLang="en-US" sz="1200"/>
+          </a:p>
+        </p:txBody>
+      </p:sp>
+      <p:cxnSp>
+        <p:nvCxnSpPr>
+          <p:cNvPr id="48" name="直接连接符 14"/>
+          <p:cNvCxnSpPr>
+            <a:stCxn id="3" idx="2"/>
+            <a:endCxn id="47" idx="1"/>
+          </p:cNvCxnSpPr>
+          <p:nvPr/>
+        </p:nvCxnSpPr>
+        <p:spPr>
+          <a:xfrm rot="16200000" flipH="1">
+            <a:off x="118681" y="2705705"/>
+            <a:ext cx="3289938" cy="431972"/>
+          </a:xfrm>
+          <a:prstGeom prst="bentConnector2">
+            <a:avLst/>
+          </a:prstGeom>
+          <a:ln>
+            <a:tailEnd type="triangle" w="med" len="lg"/>
+          </a:ln>
+        </p:spPr>
+        <p:style>
+          <a:lnRef idx="1">
+            <a:schemeClr val="accent1"/>
+          </a:lnRef>
+          <a:fillRef idx="0">
+            <a:schemeClr val="accent1"/>
+          </a:fillRef>
+          <a:effectRef idx="0">
+            <a:schemeClr val="accent1"/>
+          </a:effectRef>
+          <a:fontRef idx="minor">
+            <a:schemeClr val="tx1"/>
+          </a:fontRef>
+        </p:style>
+      </p:cxnSp>
+      <p:sp>
+        <p:nvSpPr>
+          <p:cNvPr id="15" name="圆角矩形 14"/>
+          <p:cNvSpPr/>
+          <p:nvPr/>
+        </p:nvSpPr>
+        <p:spPr>
+          <a:xfrm>
+            <a:off x="3707904" y="1725207"/>
+            <a:ext cx="1420493" cy="216024"/>
+          </a:xfrm>
+          <a:prstGeom prst="roundRect">
+            <a:avLst/>
+          </a:prstGeom>
+        </p:spPr>
+        <p:style>
+          <a:lnRef idx="1">
+            <a:schemeClr val="accent2"/>
+          </a:lnRef>
+          <a:fillRef idx="2">
+            <a:schemeClr val="accent2"/>
+          </a:fillRef>
+          <a:effectRef idx="1">
+            <a:schemeClr val="accent2"/>
+          </a:effectRef>
+          <a:fontRef idx="minor">
+            <a:schemeClr val="dk1"/>
+          </a:fontRef>
+        </p:style>
+        <p:txBody>
+          <a:bodyPr lIns="0" tIns="0" rIns="0" bIns="0" rtlCol="0" anchor="ctr" anchorCtr="1"/>
+          <a:lstStyle/>
+          <a:p>
+            <a:pPr algn="ctr"/>
+            <a:r>
+              <a:rPr lang="zh-CN" altLang="en-US" sz="1200" smtClean="0"/>
+              <a:t>个人信息</a:t>
+            </a:r>
+            <a:endParaRPr lang="zh-CN" altLang="en-US" sz="1200"/>
+          </a:p>
+        </p:txBody>
+      </p:sp>
+      <p:cxnSp>
+        <p:nvCxnSpPr>
+          <p:cNvPr id="16" name="直接连接符 14"/>
+          <p:cNvCxnSpPr>
+            <a:stCxn id="31" idx="2"/>
+            <a:endCxn id="15" idx="1"/>
+          </p:cNvCxnSpPr>
+          <p:nvPr/>
+        </p:nvCxnSpPr>
+        <p:spPr>
+          <a:xfrm rot="16200000" flipH="1">
+            <a:off x="3113270" y="1238585"/>
+            <a:ext cx="171248" cy="1018020"/>
+          </a:xfrm>
+          <a:prstGeom prst="bentConnector2">
+            <a:avLst/>
+          </a:prstGeom>
+          <a:ln>
+            <a:tailEnd type="triangle" w="med" len="lg"/>
+          </a:ln>
+        </p:spPr>
+        <p:style>
+          <a:lnRef idx="1">
+            <a:schemeClr val="accent1"/>
+          </a:lnRef>
+          <a:fillRef idx="0">
+            <a:schemeClr val="accent1"/>
+          </a:fillRef>
+          <a:effectRef idx="0">
+            <a:schemeClr val="accent1"/>
+          </a:effectRef>
+          <a:fontRef idx="minor">
+            <a:schemeClr val="tx1"/>
+          </a:fontRef>
+        </p:style>
+      </p:cxnSp>
+      <p:sp>
+        <p:nvSpPr>
+          <p:cNvPr id="25" name="圆角矩形 24"/>
+          <p:cNvSpPr/>
+          <p:nvPr/>
+        </p:nvSpPr>
+        <p:spPr>
+          <a:xfrm>
+            <a:off x="3707904" y="2300542"/>
+            <a:ext cx="1420493" cy="216024"/>
+          </a:xfrm>
+          <a:prstGeom prst="roundRect">
+            <a:avLst/>
+          </a:prstGeom>
+        </p:spPr>
+        <p:style>
+          <a:lnRef idx="1">
+            <a:schemeClr val="dk1"/>
+          </a:lnRef>
+          <a:fillRef idx="2">
+            <a:schemeClr val="dk1"/>
+          </a:fillRef>
+          <a:effectRef idx="1">
+            <a:schemeClr val="dk1"/>
+          </a:effectRef>
+          <a:fontRef idx="minor">
+            <a:schemeClr val="dk1"/>
+          </a:fontRef>
+        </p:style>
+        <p:txBody>
+          <a:bodyPr lIns="0" tIns="0" rIns="0" bIns="0" rtlCol="0" anchor="ctr" anchorCtr="1"/>
+          <a:lstStyle/>
+          <a:p>
+            <a:pPr algn="ctr"/>
+            <a:r>
+              <a:rPr lang="zh-CN" altLang="en-US" sz="1200" smtClean="0"/>
+              <a:t>项目列表</a:t>
+            </a:r>
+            <a:endParaRPr lang="zh-CN" altLang="en-US" sz="1200"/>
+          </a:p>
+        </p:txBody>
+      </p:sp>
+      <p:cxnSp>
+        <p:nvCxnSpPr>
+          <p:cNvPr id="26" name="直接连接符 14"/>
+          <p:cNvCxnSpPr>
+            <a:stCxn id="36" idx="2"/>
+            <a:endCxn id="25" idx="1"/>
+          </p:cNvCxnSpPr>
+          <p:nvPr/>
+        </p:nvCxnSpPr>
+        <p:spPr>
+          <a:xfrm rot="16200000" flipH="1">
+            <a:off x="3122674" y="1823323"/>
+            <a:ext cx="152441" cy="1018020"/>
+          </a:xfrm>
+          <a:prstGeom prst="bentConnector2">
+            <a:avLst/>
+          </a:prstGeom>
+          <a:ln>
+            <a:tailEnd type="triangle" w="med" len="lg"/>
+          </a:ln>
+        </p:spPr>
+        <p:style>
+          <a:lnRef idx="1">
+            <a:schemeClr val="accent1"/>
+          </a:lnRef>
+          <a:fillRef idx="0">
+            <a:schemeClr val="accent1"/>
+          </a:fillRef>
+          <a:effectRef idx="0">
+            <a:schemeClr val="accent1"/>
+          </a:effectRef>
+          <a:fontRef idx="minor">
+            <a:schemeClr val="tx1"/>
+          </a:fontRef>
+        </p:style>
+      </p:cxnSp>
+      <p:sp>
+        <p:nvSpPr>
+          <p:cNvPr id="30" name="圆角矩形 29"/>
+          <p:cNvSpPr/>
+          <p:nvPr/>
+        </p:nvSpPr>
+        <p:spPr>
+          <a:xfrm>
+            <a:off x="3707904" y="2620000"/>
+            <a:ext cx="1420493" cy="216024"/>
+          </a:xfrm>
+          <a:prstGeom prst="roundRect">
+            <a:avLst/>
+          </a:prstGeom>
+        </p:spPr>
+        <p:style>
+          <a:lnRef idx="1">
+            <a:schemeClr val="accent2"/>
+          </a:lnRef>
+          <a:fillRef idx="2">
+            <a:schemeClr val="accent2"/>
+          </a:fillRef>
+          <a:effectRef idx="1">
+            <a:schemeClr val="accent2"/>
+          </a:effectRef>
+          <a:fontRef idx="minor">
+            <a:schemeClr val="dk1"/>
+          </a:fontRef>
+        </p:style>
+        <p:txBody>
+          <a:bodyPr lIns="0" tIns="0" rIns="0" bIns="0" rtlCol="0" anchor="ctr" anchorCtr="1"/>
+          <a:lstStyle/>
+          <a:p>
+            <a:pPr algn="ctr"/>
+            <a:r>
               <a:rPr lang="zh-CN" altLang="en-US" sz="1200"/>
-              <a:t>业务</a:t>
+              <a:t>资源</a:t>
             </a:r>
             <a:r>
               <a:rPr lang="zh-CN" altLang="en-US" sz="1200" smtClean="0"/>
@@ -8872,13 +8929,13 @@
       </p:sp>
       <p:sp>
         <p:nvSpPr>
-          <p:cNvPr id="35" name="圆角矩形 34"/>
+          <p:cNvPr id="32" name="圆角矩形 31"/>
           <p:cNvSpPr/>
           <p:nvPr/>
         </p:nvSpPr>
         <p:spPr>
           <a:xfrm>
-            <a:off x="3415040" y="2768681"/>
+            <a:off x="3707904" y="2947821"/>
             <a:ext cx="1420493" cy="216024"/>
           </a:xfrm>
           <a:prstGeom prst="roundRect">
@@ -8887,16 +8944,16 @@
         </p:spPr>
         <p:style>
           <a:lnRef idx="1">
-            <a:schemeClr val="accent6"/>
+            <a:schemeClr val="dk1"/>
           </a:lnRef>
           <a:fillRef idx="2">
-            <a:schemeClr val="accent6"/>
+            <a:schemeClr val="dk1"/>
           </a:fillRef>
           <a:effectRef idx="1">
-            <a:schemeClr val="accent6"/>
-          </a:effectRef>
-          <a:fontRef idx="minor">
             <a:schemeClr val="dk1"/>
+          </a:effectRef>
+          <a:fontRef idx="minor">
+            <a:schemeClr val="dk1"/>
           </a:fontRef>
         </p:style>
         <p:txBody>
@@ -8906,25 +8963,107 @@
             <a:pPr algn="ctr"/>
             <a:r>
               <a:rPr lang="zh-CN" altLang="en-US" sz="1200" smtClean="0"/>
-              <a:t>用户列表</a:t>
+              <a:t>发布列表</a:t>
             </a:r>
             <a:endParaRPr lang="zh-CN" altLang="en-US" sz="1200"/>
           </a:p>
         </p:txBody>
       </p:sp>
+      <p:sp>
+        <p:nvSpPr>
+          <p:cNvPr id="33" name="圆角矩形 32"/>
+          <p:cNvSpPr/>
+          <p:nvPr/>
+        </p:nvSpPr>
+        <p:spPr>
+          <a:xfrm>
+            <a:off x="3707904" y="3275641"/>
+            <a:ext cx="1420493" cy="216024"/>
+          </a:xfrm>
+          <a:prstGeom prst="roundRect">
+            <a:avLst/>
+          </a:prstGeom>
+        </p:spPr>
+        <p:style>
+          <a:lnRef idx="1">
+            <a:schemeClr val="dk1"/>
+          </a:lnRef>
+          <a:fillRef idx="2">
+            <a:schemeClr val="dk1"/>
+          </a:fillRef>
+          <a:effectRef idx="1">
+            <a:schemeClr val="dk1"/>
+          </a:effectRef>
+          <a:fontRef idx="minor">
+            <a:schemeClr val="dk1"/>
+          </a:fontRef>
+        </p:style>
+        <p:txBody>
+          <a:bodyPr lIns="0" tIns="0" rIns="0" bIns="0" rtlCol="0" anchor="ctr" anchorCtr="1"/>
+          <a:lstStyle/>
+          <a:p>
+            <a:pPr algn="ctr"/>
+            <a:r>
+              <a:rPr lang="zh-CN" altLang="en-US" sz="1200"/>
+              <a:t>团队</a:t>
+            </a:r>
+            <a:r>
+              <a:rPr lang="zh-CN" altLang="en-US" sz="1200" smtClean="0"/>
+              <a:t>列表</a:t>
+            </a:r>
+            <a:endParaRPr lang="zh-CN" altLang="en-US" sz="1200"/>
+          </a:p>
+        </p:txBody>
+      </p:sp>
+      <p:cxnSp>
+        <p:nvCxnSpPr>
+          <p:cNvPr id="35" name="直接连接符 14"/>
+          <p:cNvCxnSpPr>
+            <a:stCxn id="36" idx="2"/>
+            <a:endCxn id="30" idx="1"/>
+          </p:cNvCxnSpPr>
+          <p:nvPr/>
+        </p:nvCxnSpPr>
+        <p:spPr>
+          <a:xfrm rot="16200000" flipH="1">
+            <a:off x="2962945" y="1983052"/>
+            <a:ext cx="471899" cy="1018020"/>
+          </a:xfrm>
+          <a:prstGeom prst="bentConnector2">
+            <a:avLst/>
+          </a:prstGeom>
+          <a:ln>
+            <a:tailEnd type="triangle" w="med" len="lg"/>
+          </a:ln>
+        </p:spPr>
+        <p:style>
+          <a:lnRef idx="1">
+            <a:schemeClr val="accent1"/>
+          </a:lnRef>
+          <a:fillRef idx="0">
+            <a:schemeClr val="accent1"/>
+          </a:fillRef>
+          <a:effectRef idx="0">
+            <a:schemeClr val="accent1"/>
+          </a:effectRef>
+          <a:fontRef idx="minor">
+            <a:schemeClr val="tx1"/>
+          </a:fontRef>
+        </p:style>
+      </p:cxnSp>
       <p:cxnSp>
         <p:nvCxnSpPr>
           <p:cNvPr id="37" name="直接连接符 14"/>
           <p:cNvCxnSpPr>
-            <a:stCxn id="29" idx="2"/>
-            <a:endCxn id="35" idx="1"/>
+            <a:stCxn id="36" idx="2"/>
+            <a:endCxn id="32" idx="1"/>
           </p:cNvCxnSpPr>
           <p:nvPr/>
         </p:nvCxnSpPr>
         <p:spPr>
           <a:xfrm rot="16200000" flipH="1">
-            <a:off x="2923743" y="2385396"/>
-            <a:ext cx="252028" cy="730566"/>
+            <a:off x="2799034" y="2146963"/>
+            <a:ext cx="799720" cy="1018020"/>
           </a:xfrm>
           <a:prstGeom prst="bentConnector2">
             <a:avLst/>
@@ -8948,61 +9087,257 @@
           </a:fontRef>
         </p:style>
       </p:cxnSp>
-      <p:sp>
-        <p:nvSpPr>
-          <p:cNvPr id="41" name="圆角矩形 40"/>
-          <p:cNvSpPr/>
-          <p:nvPr/>
-        </p:nvSpPr>
-        <p:spPr>
-          <a:xfrm>
-            <a:off x="3419872" y="1924794"/>
-            <a:ext cx="2088232" cy="216024"/>
-          </a:xfrm>
-          <a:prstGeom prst="roundRect">
-            <a:avLst/>
-          </a:prstGeom>
-        </p:spPr>
-        <p:style>
-          <a:lnRef idx="1">
-            <a:schemeClr val="accent6"/>
-          </a:lnRef>
-          <a:fillRef idx="2">
-            <a:schemeClr val="accent6"/>
-          </a:fillRef>
-          <a:effectRef idx="1">
-            <a:schemeClr val="accent6"/>
-          </a:effectRef>
-          <a:fontRef idx="minor">
-            <a:schemeClr val="dk1"/>
-          </a:fontRef>
-        </p:style>
-        <p:txBody>
-          <a:bodyPr lIns="0" tIns="0" rIns="0" bIns="0" rtlCol="0" anchor="ctr" anchorCtr="1"/>
-          <a:lstStyle/>
-          <a:p>
-            <a:pPr algn="ctr"/>
-            <a:r>
-              <a:rPr lang="zh-CN" altLang="en-US" sz="1200" smtClean="0"/>
-              <a:t>国家列表 （测试用）</a:t>
-            </a:r>
-            <a:endParaRPr lang="zh-CN" altLang="en-US" sz="1200"/>
-          </a:p>
-        </p:txBody>
-      </p:sp>
       <p:cxnSp>
         <p:nvCxnSpPr>
-          <p:cNvPr id="44" name="直接连接符 14"/>
+          <p:cNvPr id="40" name="直接连接符 14"/>
           <p:cNvCxnSpPr>
             <a:stCxn id="36" idx="2"/>
-            <a:endCxn id="41" idx="1"/>
+            <a:endCxn id="33" idx="1"/>
           </p:cNvCxnSpPr>
           <p:nvPr/>
         </p:nvCxnSpPr>
         <p:spPr>
           <a:xfrm rot="16200000" flipH="1">
-            <a:off x="2942732" y="1555666"/>
-            <a:ext cx="218882" cy="735398"/>
+            <a:off x="2635124" y="2310873"/>
+            <a:ext cx="1127540" cy="1018020"/>
+          </a:xfrm>
+          <a:prstGeom prst="bentConnector2">
+            <a:avLst/>
+          </a:prstGeom>
+          <a:ln>
+            <a:tailEnd type="triangle" w="med" len="lg"/>
+          </a:ln>
+        </p:spPr>
+        <p:style>
+          <a:lnRef idx="1">
+            <a:schemeClr val="accent1"/>
+          </a:lnRef>
+          <a:fillRef idx="0">
+            <a:schemeClr val="accent1"/>
+          </a:fillRef>
+          <a:effectRef idx="0">
+            <a:schemeClr val="accent1"/>
+          </a:effectRef>
+          <a:fontRef idx="minor">
+            <a:schemeClr val="tx1"/>
+          </a:fontRef>
+        </p:style>
+      </p:cxnSp>
+      <p:sp>
+        <p:nvSpPr>
+          <p:cNvPr id="45" name="圆角矩形 44"/>
+          <p:cNvSpPr/>
+          <p:nvPr/>
+        </p:nvSpPr>
+        <p:spPr>
+          <a:xfrm>
+            <a:off x="5652120" y="2620000"/>
+            <a:ext cx="1420493" cy="216024"/>
+          </a:xfrm>
+          <a:prstGeom prst="roundRect">
+            <a:avLst/>
+          </a:prstGeom>
+        </p:spPr>
+        <p:style>
+          <a:lnRef idx="1">
+            <a:schemeClr val="accent2"/>
+          </a:lnRef>
+          <a:fillRef idx="2">
+            <a:schemeClr val="accent2"/>
+          </a:fillRef>
+          <a:effectRef idx="1">
+            <a:schemeClr val="accent2"/>
+          </a:effectRef>
+          <a:fontRef idx="minor">
+            <a:schemeClr val="dk1"/>
+          </a:fontRef>
+        </p:style>
+        <p:txBody>
+          <a:bodyPr lIns="0" tIns="0" rIns="0" bIns="0" rtlCol="0" anchor="ctr" anchorCtr="1"/>
+          <a:lstStyle/>
+          <a:p>
+            <a:pPr algn="ctr"/>
+            <a:r>
+              <a:rPr lang="zh-CN" altLang="en-US" sz="1200"/>
+              <a:t>上传</a:t>
+            </a:r>
+            <a:r>
+              <a:rPr lang="zh-CN" altLang="en-US" sz="1200" smtClean="0"/>
+              <a:t>资源</a:t>
+            </a:r>
+            <a:endParaRPr lang="zh-CN" altLang="en-US" sz="1200"/>
+          </a:p>
+        </p:txBody>
+      </p:sp>
+      <p:cxnSp>
+        <p:nvCxnSpPr>
+          <p:cNvPr id="46" name="直接连接符 14"/>
+          <p:cNvCxnSpPr>
+            <a:stCxn id="30" idx="3"/>
+            <a:endCxn id="45" idx="1"/>
+          </p:cNvCxnSpPr>
+          <p:nvPr/>
+        </p:nvCxnSpPr>
+        <p:spPr>
+          <a:xfrm>
+            <a:off x="5128397" y="2728012"/>
+            <a:ext cx="523723" cy="0"/>
+          </a:xfrm>
+          <a:prstGeom prst="straightConnector1">
+            <a:avLst/>
+          </a:prstGeom>
+          <a:ln>
+            <a:tailEnd type="triangle" w="med" len="lg"/>
+          </a:ln>
+        </p:spPr>
+        <p:style>
+          <a:lnRef idx="1">
+            <a:schemeClr val="accent1"/>
+          </a:lnRef>
+          <a:fillRef idx="0">
+            <a:schemeClr val="accent1"/>
+          </a:fillRef>
+          <a:effectRef idx="0">
+            <a:schemeClr val="accent1"/>
+          </a:effectRef>
+          <a:fontRef idx="minor">
+            <a:schemeClr val="tx1"/>
+          </a:fontRef>
+        </p:style>
+      </p:cxnSp>
+      <p:sp>
+        <p:nvSpPr>
+          <p:cNvPr id="74" name="圆角矩形 73"/>
+          <p:cNvSpPr/>
+          <p:nvPr/>
+        </p:nvSpPr>
+        <p:spPr>
+          <a:xfrm>
+            <a:off x="3707904" y="3869010"/>
+            <a:ext cx="1420493" cy="216024"/>
+          </a:xfrm>
+          <a:prstGeom prst="roundRect">
+            <a:avLst/>
+          </a:prstGeom>
+        </p:spPr>
+        <p:style>
+          <a:lnRef idx="1">
+            <a:schemeClr val="dk1"/>
+          </a:lnRef>
+          <a:fillRef idx="2">
+            <a:schemeClr val="dk1"/>
+          </a:fillRef>
+          <a:effectRef idx="1">
+            <a:schemeClr val="dk1"/>
+          </a:effectRef>
+          <a:fontRef idx="minor">
+            <a:schemeClr val="dk1"/>
+          </a:fontRef>
+        </p:style>
+        <p:txBody>
+          <a:bodyPr lIns="0" tIns="0" rIns="0" bIns="0" rtlCol="0" anchor="ctr" anchorCtr="1"/>
+          <a:lstStyle/>
+          <a:p>
+            <a:pPr algn="ctr"/>
+            <a:r>
+              <a:rPr lang="zh-CN" altLang="en-US" sz="1200" smtClean="0"/>
+              <a:t>项目列表</a:t>
+            </a:r>
+            <a:endParaRPr lang="zh-CN" altLang="en-US" sz="1200"/>
+          </a:p>
+        </p:txBody>
+      </p:sp>
+      <p:cxnSp>
+        <p:nvCxnSpPr>
+          <p:cNvPr id="75" name="直接连接符 14"/>
+          <p:cNvCxnSpPr>
+            <a:stCxn id="42" idx="2"/>
+            <a:endCxn id="74" idx="1"/>
+          </p:cNvCxnSpPr>
+          <p:nvPr/>
+        </p:nvCxnSpPr>
+        <p:spPr>
+          <a:xfrm rot="16200000" flipH="1">
+            <a:off x="3113656" y="3382774"/>
+            <a:ext cx="170476" cy="1018020"/>
+          </a:xfrm>
+          <a:prstGeom prst="bentConnector2">
+            <a:avLst/>
+          </a:prstGeom>
+          <a:ln>
+            <a:tailEnd type="triangle" w="med" len="lg"/>
+          </a:ln>
+        </p:spPr>
+        <p:style>
+          <a:lnRef idx="1">
+            <a:schemeClr val="accent1"/>
+          </a:lnRef>
+          <a:fillRef idx="0">
+            <a:schemeClr val="accent1"/>
+          </a:fillRef>
+          <a:effectRef idx="0">
+            <a:schemeClr val="accent1"/>
+          </a:effectRef>
+          <a:fontRef idx="minor">
+            <a:schemeClr val="tx1"/>
+          </a:fontRef>
+        </p:style>
+      </p:cxnSp>
+      <p:sp>
+        <p:nvSpPr>
+          <p:cNvPr id="81" name="圆角矩形 80"/>
+          <p:cNvSpPr/>
+          <p:nvPr/>
+        </p:nvSpPr>
+        <p:spPr>
+          <a:xfrm>
+            <a:off x="3707904" y="4193047"/>
+            <a:ext cx="1420493" cy="216024"/>
+          </a:xfrm>
+          <a:prstGeom prst="roundRect">
+            <a:avLst/>
+          </a:prstGeom>
+        </p:spPr>
+        <p:style>
+          <a:lnRef idx="1">
+            <a:schemeClr val="accent6"/>
+          </a:lnRef>
+          <a:fillRef idx="2">
+            <a:schemeClr val="accent6"/>
+          </a:fillRef>
+          <a:effectRef idx="1">
+            <a:schemeClr val="accent6"/>
+          </a:effectRef>
+          <a:fontRef idx="minor">
+            <a:schemeClr val="dk1"/>
+          </a:fontRef>
+        </p:style>
+        <p:txBody>
+          <a:bodyPr lIns="0" tIns="0" rIns="0" bIns="0" rtlCol="0" anchor="ctr" anchorCtr="1"/>
+          <a:lstStyle/>
+          <a:p>
+            <a:pPr algn="ctr"/>
+            <a:r>
+              <a:rPr lang="zh-CN" altLang="en-US" sz="1200" smtClean="0"/>
+              <a:t>资源列表</a:t>
+            </a:r>
+            <a:endParaRPr lang="zh-CN" altLang="en-US" sz="1200"/>
+          </a:p>
+        </p:txBody>
+      </p:sp>
+      <p:cxnSp>
+        <p:nvCxnSpPr>
+          <p:cNvPr id="82" name="直接连接符 14"/>
+          <p:cNvCxnSpPr>
+            <a:stCxn id="42" idx="2"/>
+            <a:endCxn id="81" idx="1"/>
+          </p:cNvCxnSpPr>
+          <p:nvPr/>
+        </p:nvCxnSpPr>
+        <p:spPr>
+          <a:xfrm rot="16200000" flipH="1">
+            <a:off x="2951638" y="3544792"/>
+            <a:ext cx="494513" cy="1018020"/>
           </a:xfrm>
           <a:prstGeom prst="bentConnector2">
             <a:avLst/>
@@ -9029,7 +9364,7 @@
     </p:spTree>
     <p:extLst>
       <p:ext uri="{BB962C8B-B14F-4D97-AF65-F5344CB8AC3E}">
-        <p14:creationId xmlns:p14="http://schemas.microsoft.com/office/powerpoint/2010/main" val="1532287507"/>
+        <p14:creationId xmlns:p14="http://schemas.microsoft.com/office/powerpoint/2010/main" val="1279786755"/>
       </p:ext>
     </p:extLst>
   </p:cSld>
@@ -9081,6 +9416,433 @@
           <a:lstStyle/>
           <a:p>
             <a:r>
+              <a:rPr lang="en-US" altLang="zh-CN" smtClean="0"/>
+              <a:t>WEB – </a:t>
+            </a:r>
+            <a:r>
+              <a:rPr lang="zh-CN" altLang="en-US"/>
+              <a:t>后台</a:t>
+            </a:r>
+            <a:endParaRPr lang="zh-CN" altLang="en-US" dirty="0"/>
+          </a:p>
+        </p:txBody>
+      </p:sp>
+      <p:sp>
+        <p:nvSpPr>
+          <p:cNvPr id="3" name="圆角矩形 2"/>
+          <p:cNvSpPr/>
+          <p:nvPr/>
+        </p:nvSpPr>
+        <p:spPr>
+          <a:xfrm>
+            <a:off x="819883" y="1247186"/>
+            <a:ext cx="1008112" cy="216024"/>
+          </a:xfrm>
+          <a:prstGeom prst="roundRect">
+            <a:avLst/>
+          </a:prstGeom>
+        </p:spPr>
+        <p:style>
+          <a:lnRef idx="1">
+            <a:schemeClr val="accent6"/>
+          </a:lnRef>
+          <a:fillRef idx="2">
+            <a:schemeClr val="accent6"/>
+          </a:fillRef>
+          <a:effectRef idx="1">
+            <a:schemeClr val="accent6"/>
+          </a:effectRef>
+          <a:fontRef idx="minor">
+            <a:schemeClr val="dk1"/>
+          </a:fontRef>
+        </p:style>
+        <p:txBody>
+          <a:bodyPr lIns="0" tIns="0" rIns="0" bIns="0" rtlCol="0" anchor="ctr" anchorCtr="1"/>
+          <a:lstStyle/>
+          <a:p>
+            <a:pPr algn="ctr"/>
+            <a:r>
+              <a:rPr lang="zh-CN" altLang="en-US" sz="1200"/>
+              <a:t>站点</a:t>
+            </a:r>
+          </a:p>
+        </p:txBody>
+      </p:sp>
+      <p:sp>
+        <p:nvSpPr>
+          <p:cNvPr id="36" name="圆角矩形 35"/>
+          <p:cNvSpPr/>
+          <p:nvPr/>
+        </p:nvSpPr>
+        <p:spPr>
+          <a:xfrm>
+            <a:off x="1974227" y="1597900"/>
+            <a:ext cx="1420493" cy="216024"/>
+          </a:xfrm>
+          <a:prstGeom prst="roundRect">
+            <a:avLst/>
+          </a:prstGeom>
+        </p:spPr>
+        <p:style>
+          <a:lnRef idx="1">
+            <a:schemeClr val="accent6"/>
+          </a:lnRef>
+          <a:fillRef idx="2">
+            <a:schemeClr val="accent6"/>
+          </a:fillRef>
+          <a:effectRef idx="1">
+            <a:schemeClr val="accent6"/>
+          </a:effectRef>
+          <a:fontRef idx="minor">
+            <a:schemeClr val="dk1"/>
+          </a:fontRef>
+        </p:style>
+        <p:txBody>
+          <a:bodyPr lIns="0" tIns="0" rIns="0" bIns="0" rtlCol="0" anchor="ctr" anchorCtr="1"/>
+          <a:lstStyle/>
+          <a:p>
+            <a:pPr algn="ctr"/>
+            <a:r>
+              <a:rPr lang="zh-CN" altLang="en-US" sz="1200"/>
+              <a:t>共通</a:t>
+            </a:r>
+            <a:r>
+              <a:rPr lang="zh-CN" altLang="en-US" sz="1200" smtClean="0"/>
+              <a:t>管理</a:t>
+            </a:r>
+            <a:endParaRPr lang="zh-CN" altLang="en-US" sz="1200"/>
+          </a:p>
+        </p:txBody>
+      </p:sp>
+      <p:cxnSp>
+        <p:nvCxnSpPr>
+          <p:cNvPr id="38" name="直接连接符 14"/>
+          <p:cNvCxnSpPr>
+            <a:stCxn id="3" idx="2"/>
+            <a:endCxn id="36" idx="1"/>
+          </p:cNvCxnSpPr>
+          <p:nvPr/>
+        </p:nvCxnSpPr>
+        <p:spPr>
+          <a:xfrm rot="16200000" flipH="1">
+            <a:off x="1527732" y="1259417"/>
+            <a:ext cx="242702" cy="650288"/>
+          </a:xfrm>
+          <a:prstGeom prst="bentConnector2">
+            <a:avLst/>
+          </a:prstGeom>
+          <a:ln>
+            <a:tailEnd type="triangle" w="med" len="lg"/>
+          </a:ln>
+        </p:spPr>
+        <p:style>
+          <a:lnRef idx="1">
+            <a:schemeClr val="accent1"/>
+          </a:lnRef>
+          <a:fillRef idx="0">
+            <a:schemeClr val="accent1"/>
+          </a:fillRef>
+          <a:effectRef idx="0">
+            <a:schemeClr val="accent1"/>
+          </a:effectRef>
+          <a:fontRef idx="minor">
+            <a:schemeClr val="tx1"/>
+          </a:fontRef>
+        </p:style>
+      </p:cxnSp>
+      <p:cxnSp>
+        <p:nvCxnSpPr>
+          <p:cNvPr id="43" name="直接连接符 14"/>
+          <p:cNvCxnSpPr>
+            <a:stCxn id="3" idx="2"/>
+            <a:endCxn id="29" idx="1"/>
+          </p:cNvCxnSpPr>
+          <p:nvPr/>
+        </p:nvCxnSpPr>
+        <p:spPr>
+          <a:xfrm rot="16200000" flipH="1">
+            <a:off x="1122362" y="1664787"/>
+            <a:ext cx="1053443" cy="650288"/>
+          </a:xfrm>
+          <a:prstGeom prst="bentConnector2">
+            <a:avLst/>
+          </a:prstGeom>
+          <a:ln>
+            <a:tailEnd type="triangle" w="med" len="lg"/>
+          </a:ln>
+        </p:spPr>
+        <p:style>
+          <a:lnRef idx="1">
+            <a:schemeClr val="accent1"/>
+          </a:lnRef>
+          <a:fillRef idx="0">
+            <a:schemeClr val="accent1"/>
+          </a:fillRef>
+          <a:effectRef idx="0">
+            <a:schemeClr val="accent1"/>
+          </a:effectRef>
+          <a:fontRef idx="minor">
+            <a:schemeClr val="tx1"/>
+          </a:fontRef>
+        </p:style>
+      </p:cxnSp>
+      <p:sp>
+        <p:nvSpPr>
+          <p:cNvPr id="29" name="圆角矩形 28"/>
+          <p:cNvSpPr/>
+          <p:nvPr/>
+        </p:nvSpPr>
+        <p:spPr>
+          <a:xfrm>
+            <a:off x="1974227" y="2408641"/>
+            <a:ext cx="1420493" cy="216024"/>
+          </a:xfrm>
+          <a:prstGeom prst="roundRect">
+            <a:avLst/>
+          </a:prstGeom>
+        </p:spPr>
+        <p:style>
+          <a:lnRef idx="1">
+            <a:schemeClr val="accent6"/>
+          </a:lnRef>
+          <a:fillRef idx="2">
+            <a:schemeClr val="accent6"/>
+          </a:fillRef>
+          <a:effectRef idx="1">
+            <a:schemeClr val="accent6"/>
+          </a:effectRef>
+          <a:fontRef idx="minor">
+            <a:schemeClr val="dk1"/>
+          </a:fontRef>
+        </p:style>
+        <p:txBody>
+          <a:bodyPr lIns="0" tIns="0" rIns="0" bIns="0" rtlCol="0" anchor="ctr" anchorCtr="1"/>
+          <a:lstStyle/>
+          <a:p>
+            <a:pPr algn="ctr"/>
+            <a:r>
+              <a:rPr lang="zh-CN" altLang="en-US" sz="1200"/>
+              <a:t>业务</a:t>
+            </a:r>
+            <a:r>
+              <a:rPr lang="zh-CN" altLang="en-US" sz="1200" smtClean="0"/>
+              <a:t>列表</a:t>
+            </a:r>
+            <a:endParaRPr lang="zh-CN" altLang="en-US" sz="1200"/>
+          </a:p>
+        </p:txBody>
+      </p:sp>
+      <p:sp>
+        <p:nvSpPr>
+          <p:cNvPr id="35" name="圆角矩形 34"/>
+          <p:cNvSpPr/>
+          <p:nvPr/>
+        </p:nvSpPr>
+        <p:spPr>
+          <a:xfrm>
+            <a:off x="3415040" y="2768681"/>
+            <a:ext cx="1420493" cy="216024"/>
+          </a:xfrm>
+          <a:prstGeom prst="roundRect">
+            <a:avLst/>
+          </a:prstGeom>
+        </p:spPr>
+        <p:style>
+          <a:lnRef idx="1">
+            <a:schemeClr val="accent6"/>
+          </a:lnRef>
+          <a:fillRef idx="2">
+            <a:schemeClr val="accent6"/>
+          </a:fillRef>
+          <a:effectRef idx="1">
+            <a:schemeClr val="accent6"/>
+          </a:effectRef>
+          <a:fontRef idx="minor">
+            <a:schemeClr val="dk1"/>
+          </a:fontRef>
+        </p:style>
+        <p:txBody>
+          <a:bodyPr lIns="0" tIns="0" rIns="0" bIns="0" rtlCol="0" anchor="ctr" anchorCtr="1"/>
+          <a:lstStyle/>
+          <a:p>
+            <a:pPr algn="ctr"/>
+            <a:r>
+              <a:rPr lang="zh-CN" altLang="en-US" sz="1200" smtClean="0"/>
+              <a:t>用户列表</a:t>
+            </a:r>
+            <a:endParaRPr lang="zh-CN" altLang="en-US" sz="1200"/>
+          </a:p>
+        </p:txBody>
+      </p:sp>
+      <p:cxnSp>
+        <p:nvCxnSpPr>
+          <p:cNvPr id="37" name="直接连接符 14"/>
+          <p:cNvCxnSpPr>
+            <a:stCxn id="29" idx="2"/>
+            <a:endCxn id="35" idx="1"/>
+          </p:cNvCxnSpPr>
+          <p:nvPr/>
+        </p:nvCxnSpPr>
+        <p:spPr>
+          <a:xfrm rot="16200000" flipH="1">
+            <a:off x="2923743" y="2385396"/>
+            <a:ext cx="252028" cy="730566"/>
+          </a:xfrm>
+          <a:prstGeom prst="bentConnector2">
+            <a:avLst/>
+          </a:prstGeom>
+          <a:ln>
+            <a:tailEnd type="triangle" w="med" len="lg"/>
+          </a:ln>
+        </p:spPr>
+        <p:style>
+          <a:lnRef idx="1">
+            <a:schemeClr val="accent1"/>
+          </a:lnRef>
+          <a:fillRef idx="0">
+            <a:schemeClr val="accent1"/>
+          </a:fillRef>
+          <a:effectRef idx="0">
+            <a:schemeClr val="accent1"/>
+          </a:effectRef>
+          <a:fontRef idx="minor">
+            <a:schemeClr val="tx1"/>
+          </a:fontRef>
+        </p:style>
+      </p:cxnSp>
+      <p:sp>
+        <p:nvSpPr>
+          <p:cNvPr id="41" name="圆角矩形 40"/>
+          <p:cNvSpPr/>
+          <p:nvPr/>
+        </p:nvSpPr>
+        <p:spPr>
+          <a:xfrm>
+            <a:off x="3419872" y="1924794"/>
+            <a:ext cx="2088232" cy="216024"/>
+          </a:xfrm>
+          <a:prstGeom prst="roundRect">
+            <a:avLst/>
+          </a:prstGeom>
+        </p:spPr>
+        <p:style>
+          <a:lnRef idx="1">
+            <a:schemeClr val="accent6"/>
+          </a:lnRef>
+          <a:fillRef idx="2">
+            <a:schemeClr val="accent6"/>
+          </a:fillRef>
+          <a:effectRef idx="1">
+            <a:schemeClr val="accent6"/>
+          </a:effectRef>
+          <a:fontRef idx="minor">
+            <a:schemeClr val="dk1"/>
+          </a:fontRef>
+        </p:style>
+        <p:txBody>
+          <a:bodyPr lIns="0" tIns="0" rIns="0" bIns="0" rtlCol="0" anchor="ctr" anchorCtr="1"/>
+          <a:lstStyle/>
+          <a:p>
+            <a:pPr algn="ctr"/>
+            <a:r>
+              <a:rPr lang="zh-CN" altLang="en-US" sz="1200" smtClean="0"/>
+              <a:t>国家列表 （测试用）</a:t>
+            </a:r>
+            <a:endParaRPr lang="zh-CN" altLang="en-US" sz="1200"/>
+          </a:p>
+        </p:txBody>
+      </p:sp>
+      <p:cxnSp>
+        <p:nvCxnSpPr>
+          <p:cNvPr id="44" name="直接连接符 14"/>
+          <p:cNvCxnSpPr>
+            <a:stCxn id="36" idx="2"/>
+            <a:endCxn id="41" idx="1"/>
+          </p:cNvCxnSpPr>
+          <p:nvPr/>
+        </p:nvCxnSpPr>
+        <p:spPr>
+          <a:xfrm rot="16200000" flipH="1">
+            <a:off x="2942732" y="1555666"/>
+            <a:ext cx="218882" cy="735398"/>
+          </a:xfrm>
+          <a:prstGeom prst="bentConnector2">
+            <a:avLst/>
+          </a:prstGeom>
+          <a:ln>
+            <a:tailEnd type="triangle" w="med" len="lg"/>
+          </a:ln>
+        </p:spPr>
+        <p:style>
+          <a:lnRef idx="1">
+            <a:schemeClr val="accent1"/>
+          </a:lnRef>
+          <a:fillRef idx="0">
+            <a:schemeClr val="accent1"/>
+          </a:fillRef>
+          <a:effectRef idx="0">
+            <a:schemeClr val="accent1"/>
+          </a:effectRef>
+          <a:fontRef idx="minor">
+            <a:schemeClr val="tx1"/>
+          </a:fontRef>
+        </p:style>
+      </p:cxnSp>
+    </p:spTree>
+    <p:extLst>
+      <p:ext uri="{BB962C8B-B14F-4D97-AF65-F5344CB8AC3E}">
+        <p14:creationId xmlns:p14="http://schemas.microsoft.com/office/powerpoint/2010/main" val="1532287507"/>
+      </p:ext>
+    </p:extLst>
+  </p:cSld>
+  <p:clrMapOvr>
+    <a:masterClrMapping/>
+  </p:clrMapOvr>
+  <p:timing>
+    <p:tnLst>
+      <p:par>
+        <p:cTn id="1" dur="indefinite" restart="never" nodeType="tmRoot"/>
+      </p:par>
+    </p:tnLst>
+  </p:timing>
+</p:sld>
+</file>
+
+<file path=ppt/slides/slide17.xml><?xml version="1.0" encoding="utf-8"?>
+<p:sld xmlns:a="http://schemas.openxmlformats.org/drawingml/2006/main" xmlns:r="http://schemas.openxmlformats.org/officeDocument/2006/relationships" xmlns:p="http://schemas.openxmlformats.org/presentationml/2006/main">
+  <p:cSld>
+    <p:spTree>
+      <p:nvGrpSpPr>
+        <p:cNvPr id="1" name=""/>
+        <p:cNvGrpSpPr/>
+        <p:nvPr/>
+      </p:nvGrpSpPr>
+      <p:grpSpPr>
+        <a:xfrm>
+          <a:off x="0" y="0"/>
+          <a:ext cx="0" cy="0"/>
+          <a:chOff x="0" y="0"/>
+          <a:chExt cx="0" cy="0"/>
+        </a:xfrm>
+      </p:grpSpPr>
+      <p:sp>
+        <p:nvSpPr>
+          <p:cNvPr id="2" name="标题 1"/>
+          <p:cNvSpPr>
+            <a:spLocks noGrp="1"/>
+          </p:cNvSpPr>
+          <p:nvPr>
+            <p:ph type="title"/>
+          </p:nvPr>
+        </p:nvSpPr>
+        <p:spPr/>
+        <p:txBody>
+          <a:bodyPr>
+            <a:normAutofit fontScale="90000"/>
+          </a:bodyPr>
+          <a:lstStyle/>
+          <a:p>
+            <a:r>
               <a:rPr lang="zh-CN" altLang="en-US" smtClean="0"/>
               <a:t>工作重点</a:t>
             </a:r>
@@ -9344,7 +10106,7 @@
 </p:sld>
 </file>
 
-<file path=ppt/slides/slide17.xml><?xml version="1.0" encoding="utf-8"?>
+<file path=ppt/slides/slide18.xml><?xml version="1.0" encoding="utf-8"?>
 <p:sld xmlns:a="http://schemas.openxmlformats.org/drawingml/2006/main" xmlns:r="http://schemas.openxmlformats.org/officeDocument/2006/relationships" xmlns:p="http://schemas.openxmlformats.org/presentationml/2006/main">
   <p:cSld>
     <p:spTree>
@@ -15030,7 +15792,11 @@
             </a:r>
             <a:r>
               <a:rPr lang="en-US" altLang="zh-CN" smtClean="0"/>
-              <a:t>- Model</a:t>
+              <a:t>- </a:t>
+            </a:r>
+            <a:r>
+              <a:rPr lang="en-US" altLang="zh-CN" smtClean="0"/>
+              <a:t>Space</a:t>
             </a:r>
             <a:endParaRPr lang="zh-CN" altLang="en-US" dirty="0"/>
           </a:p>
@@ -15044,8 +15810,8 @@
         </p:nvSpPr>
         <p:spPr>
           <a:xfrm>
-            <a:off x="179512" y="836476"/>
-            <a:ext cx="1800200" cy="216024"/>
+            <a:off x="395536" y="836476"/>
+            <a:ext cx="1368152" cy="216024"/>
           </a:xfrm>
           <a:prstGeom prst="roundRect">
             <a:avLst/>
@@ -15072,11 +15838,11 @@
             <a:pPr algn="ctr"/>
             <a:r>
               <a:rPr lang="zh-CN" altLang="en-US" sz="1200" smtClean="0"/>
-              <a:t>模型</a:t>
+              <a:t>空间</a:t>
             </a:r>
             <a:r>
               <a:rPr lang="en-US" altLang="zh-CN" sz="1200" smtClean="0"/>
-              <a:t>(Model)</a:t>
+              <a:t>(Space)</a:t>
             </a:r>
             <a:endParaRPr lang="zh-CN" altLang="en-US" sz="1200" dirty="0"/>
           </a:p>
@@ -15090,7 +15856,7 @@
         </p:nvSpPr>
         <p:spPr>
           <a:xfrm>
-            <a:off x="2842907" y="3031582"/>
+            <a:off x="1489024" y="3070406"/>
             <a:ext cx="1420493" cy="216024"/>
           </a:xfrm>
           <a:prstGeom prst="roundRect">
@@ -15118,11 +15884,11 @@
             <a:pPr algn="ctr"/>
             <a:r>
               <a:rPr lang="zh-CN" altLang="en-US" sz="1200" smtClean="0"/>
-              <a:t>网格</a:t>
+              <a:t>显示集合</a:t>
             </a:r>
             <a:r>
               <a:rPr lang="en-US" altLang="zh-CN" sz="1200" smtClean="0"/>
-              <a:t>(Mesh)</a:t>
+              <a:t>(Displays)</a:t>
             </a:r>
             <a:endParaRPr lang="zh-CN" altLang="en-US" sz="1200" dirty="0"/>
           </a:p>
@@ -15133,14 +15899,14 @@
           <p:cNvPr id="34" name="直接连接符 14"/>
           <p:cNvCxnSpPr>
             <a:stCxn id="3" idx="2"/>
-            <a:endCxn id="45" idx="1"/>
+            <a:endCxn id="31" idx="1"/>
           </p:cNvCxnSpPr>
           <p:nvPr/>
         </p:nvCxnSpPr>
         <p:spPr>
           <a:xfrm rot="16200000" flipH="1">
-            <a:off x="474580" y="1657532"/>
-            <a:ext cx="1678117" cy="468052"/>
+            <a:off x="221359" y="1910753"/>
+            <a:ext cx="2125918" cy="409412"/>
           </a:xfrm>
           <a:prstGeom prst="bentConnector2">
             <a:avLst/>
@@ -15166,13 +15932,13 @@
       </p:cxnSp>
       <p:sp>
         <p:nvSpPr>
-          <p:cNvPr id="42" name="圆角矩形 41"/>
+          <p:cNvPr id="107" name="圆角矩形 106"/>
           <p:cNvSpPr/>
           <p:nvPr/>
         </p:nvSpPr>
         <p:spPr>
           <a:xfrm>
-            <a:off x="4116015" y="3308113"/>
+            <a:off x="1456232" y="1227096"/>
             <a:ext cx="1420493" cy="216024"/>
           </a:xfrm>
           <a:prstGeom prst="roundRect">
@@ -15181,13 +15947,13 @@
         </p:spPr>
         <p:style>
           <a:lnRef idx="1">
-            <a:schemeClr val="accent4"/>
+            <a:schemeClr val="accent6"/>
           </a:lnRef>
           <a:fillRef idx="2">
-            <a:schemeClr val="accent4"/>
+            <a:schemeClr val="accent6"/>
           </a:fillRef>
           <a:effectRef idx="1">
-            <a:schemeClr val="accent4"/>
+            <a:schemeClr val="accent6"/>
           </a:effectRef>
           <a:fontRef idx="minor">
             <a:schemeClr val="dk1"/>
@@ -15199,12 +15965,12 @@
           <a:p>
             <a:pPr algn="ctr"/>
             <a:r>
-              <a:rPr lang="zh-CN" altLang="en-US" sz="1200" smtClean="0"/>
-              <a:t>数据流</a:t>
-            </a:r>
-            <a:r>
-              <a:rPr lang="en-US" altLang="zh-CN" sz="1200" smtClean="0"/>
-              <a:t>(Stream)</a:t>
+              <a:rPr lang="zh-CN" altLang="en-US" sz="1200" dirty="0" smtClean="0"/>
+              <a:t>区域</a:t>
+            </a:r>
+            <a:r>
+              <a:rPr lang="en-US" altLang="zh-CN" sz="1200" dirty="0" smtClean="0"/>
+              <a:t>(Region)</a:t>
             </a:r>
             <a:endParaRPr lang="zh-CN" altLang="en-US" sz="1200" dirty="0"/>
           </a:p>
@@ -15212,17 +15978,17 @@
       </p:sp>
       <p:cxnSp>
         <p:nvCxnSpPr>
-          <p:cNvPr id="43" name="直接连接符 14"/>
+          <p:cNvPr id="108" name="直接连接符 14"/>
           <p:cNvCxnSpPr>
-            <a:stCxn id="31" idx="2"/>
-            <a:endCxn id="42" idx="1"/>
+            <a:stCxn id="3" idx="2"/>
+            <a:endCxn id="107" idx="1"/>
           </p:cNvCxnSpPr>
           <p:nvPr/>
         </p:nvCxnSpPr>
         <p:spPr>
           <a:xfrm rot="16200000" flipH="1">
-            <a:off x="3750325" y="3050434"/>
-            <a:ext cx="168519" cy="562861"/>
+            <a:off x="1126618" y="1005494"/>
+            <a:ext cx="282608" cy="376620"/>
           </a:xfrm>
           <a:prstGeom prst="bentConnector2">
             <a:avLst/>
@@ -15248,104 +16014,7 @@
       </p:cxnSp>
       <p:sp>
         <p:nvSpPr>
-          <p:cNvPr id="21" name="内容占位符 2"/>
-          <p:cNvSpPr>
-            <a:spLocks noGrp="1"/>
-          </p:cNvSpPr>
-          <p:nvPr>
-            <p:ph idx="1"/>
-          </p:nvPr>
-        </p:nvSpPr>
-        <p:spPr>
-          <a:xfrm>
-            <a:off x="3347864" y="4013026"/>
-            <a:ext cx="5544616" cy="1186469"/>
-          </a:xfrm>
-        </p:spPr>
-        <p:txBody>
-          <a:bodyPr>
-            <a:noAutofit/>
-          </a:bodyPr>
-          <a:lstStyle/>
-          <a:p>
-            <a:r>
-              <a:rPr lang="zh-CN" altLang="en-US" sz="1200" smtClean="0"/>
-              <a:t>每个模型自动创建一个模板。</a:t>
-            </a:r>
-            <a:endParaRPr lang="en-US" altLang="zh-CN" sz="1200" smtClean="0"/>
-          </a:p>
-          <a:p>
-            <a:r>
-              <a:rPr lang="zh-CN" altLang="en-US" sz="1200" smtClean="0"/>
-              <a:t>模型内只有数据结构，没有空间和材质信息。</a:t>
-            </a:r>
-            <a:endParaRPr lang="en-US" altLang="zh-CN" sz="1200" smtClean="0"/>
-          </a:p>
-          <a:p>
-            <a:r>
-              <a:rPr lang="zh-CN" altLang="en-US" sz="1200" smtClean="0"/>
-              <a:t>模板可以复制，引入其他模板内容。</a:t>
-            </a:r>
-            <a:endParaRPr lang="en-US" altLang="zh-CN" sz="1200" smtClean="0"/>
-          </a:p>
-          <a:p>
-            <a:r>
-              <a:rPr lang="zh-CN" altLang="en-US" sz="1200" smtClean="0"/>
-              <a:t>模板内增加空间和材质信息。</a:t>
-            </a:r>
-            <a:endParaRPr lang="en-US" altLang="zh-CN" sz="1200" smtClean="0"/>
-          </a:p>
-        </p:txBody>
-      </p:sp>
-      <p:sp>
-        <p:nvSpPr>
-          <p:cNvPr id="25" name="圆角矩形 24"/>
-          <p:cNvSpPr/>
-          <p:nvPr/>
-        </p:nvSpPr>
-        <p:spPr>
-          <a:xfrm>
-            <a:off x="1456232" y="1227096"/>
-            <a:ext cx="1420493" cy="216024"/>
-          </a:xfrm>
-          <a:prstGeom prst="roundRect">
-            <a:avLst/>
-          </a:prstGeom>
-        </p:spPr>
-        <p:style>
-          <a:lnRef idx="1">
-            <a:schemeClr val="accent6"/>
-          </a:lnRef>
-          <a:fillRef idx="2">
-            <a:schemeClr val="accent6"/>
-          </a:fillRef>
-          <a:effectRef idx="1">
-            <a:schemeClr val="accent6"/>
-          </a:effectRef>
-          <a:fontRef idx="minor">
-            <a:schemeClr val="dk1"/>
-          </a:fontRef>
-        </p:style>
-        <p:txBody>
-          <a:bodyPr lIns="0" tIns="0" rIns="0" bIns="0" rtlCol="0" anchor="ctr" anchorCtr="1"/>
-          <a:lstStyle/>
-          <a:p>
-            <a:pPr algn="ctr"/>
-            <a:r>
-              <a:rPr lang="zh-CN" altLang="en-US" sz="1200" dirty="0" smtClean="0"/>
-              <a:t>区域</a:t>
-            </a:r>
-            <a:r>
-              <a:rPr lang="en-US" altLang="zh-CN" sz="1200" dirty="0" smtClean="0"/>
-              <a:t>(Region)</a:t>
-            </a:r>
-            <a:endParaRPr lang="zh-CN" altLang="en-US" sz="1200" dirty="0"/>
-          </a:p>
-        </p:txBody>
-      </p:sp>
-      <p:sp>
-        <p:nvSpPr>
-          <p:cNvPr id="26" name="圆角矩形 25"/>
+          <p:cNvPr id="113" name="圆角矩形 112"/>
           <p:cNvSpPr/>
           <p:nvPr/>
         </p:nvSpPr>
@@ -15391,10 +16060,10 @@
       </p:sp>
       <p:cxnSp>
         <p:nvCxnSpPr>
-          <p:cNvPr id="27" name="直接连接符 14"/>
+          <p:cNvPr id="114" name="直接连接符 14"/>
           <p:cNvCxnSpPr>
-            <a:stCxn id="25" idx="2"/>
-            <a:endCxn id="26" idx="1"/>
+            <a:stCxn id="107" idx="2"/>
+            <a:endCxn id="113" idx="1"/>
           </p:cNvCxnSpPr>
           <p:nvPr/>
         </p:nvCxnSpPr>
@@ -15427,7 +16096,7 @@
       </p:cxnSp>
       <p:sp>
         <p:nvSpPr>
-          <p:cNvPr id="28" name="圆角矩形 27"/>
+          <p:cNvPr id="121" name="圆角矩形 120"/>
           <p:cNvSpPr/>
           <p:nvPr/>
         </p:nvSpPr>
@@ -15471,19 +16140,219 @@
           </a:p>
         </p:txBody>
       </p:sp>
+      <p:cxnSp>
+        <p:nvCxnSpPr>
+          <p:cNvPr id="122" name="直接连接符 14"/>
+          <p:cNvCxnSpPr>
+            <a:stCxn id="107" idx="2"/>
+            <a:endCxn id="121" idx="1"/>
+          </p:cNvCxnSpPr>
+          <p:nvPr/>
+        </p:nvCxnSpPr>
+        <p:spPr>
+          <a:xfrm rot="16200000" flipH="1">
+            <a:off x="2069203" y="1540396"/>
+            <a:ext cx="870983" cy="676430"/>
+          </a:xfrm>
+          <a:prstGeom prst="bentConnector2">
+            <a:avLst/>
+          </a:prstGeom>
+          <a:ln>
+            <a:tailEnd type="triangle" w="med" len="lg"/>
+          </a:ln>
+        </p:spPr>
+        <p:style>
+          <a:lnRef idx="1">
+            <a:schemeClr val="accent1"/>
+          </a:lnRef>
+          <a:fillRef idx="0">
+            <a:schemeClr val="accent1"/>
+          </a:fillRef>
+          <a:effectRef idx="0">
+            <a:schemeClr val="accent1"/>
+          </a:effectRef>
+          <a:fontRef idx="minor">
+            <a:schemeClr val="tx1"/>
+          </a:fontRef>
+        </p:style>
+      </p:cxnSp>
+      <p:sp>
+        <p:nvSpPr>
+          <p:cNvPr id="29" name="圆角矩形 28"/>
+          <p:cNvSpPr/>
+          <p:nvPr/>
+        </p:nvSpPr>
+        <p:spPr>
+          <a:xfrm>
+            <a:off x="2842908" y="1527153"/>
+            <a:ext cx="1420493" cy="216024"/>
+          </a:xfrm>
+          <a:prstGeom prst="roundRect">
+            <a:avLst/>
+          </a:prstGeom>
+        </p:spPr>
+        <p:style>
+          <a:lnRef idx="1">
+            <a:schemeClr val="accent6"/>
+          </a:lnRef>
+          <a:fillRef idx="2">
+            <a:schemeClr val="accent6"/>
+          </a:fillRef>
+          <a:effectRef idx="1">
+            <a:schemeClr val="accent6"/>
+          </a:effectRef>
+          <a:fontRef idx="minor">
+            <a:schemeClr val="dk1"/>
+          </a:fontRef>
+        </p:style>
+        <p:txBody>
+          <a:bodyPr lIns="0" tIns="0" rIns="0" bIns="0" rtlCol="0" anchor="ctr" anchorCtr="1"/>
+          <a:lstStyle/>
+          <a:p>
+            <a:pPr algn="ctr"/>
+            <a:r>
+              <a:rPr lang="zh-CN" altLang="en-US" sz="1200" smtClean="0"/>
+              <a:t>材质</a:t>
+            </a:r>
+            <a:r>
+              <a:rPr lang="en-US" altLang="zh-CN" sz="1200" smtClean="0"/>
+              <a:t>(Material)</a:t>
+            </a:r>
+            <a:endParaRPr lang="zh-CN" altLang="en-US" sz="1200" dirty="0"/>
+          </a:p>
+        </p:txBody>
+      </p:sp>
+      <p:cxnSp>
+        <p:nvCxnSpPr>
+          <p:cNvPr id="30" name="直接连接符 14"/>
+          <p:cNvCxnSpPr>
+            <a:stCxn id="107" idx="2"/>
+            <a:endCxn id="29" idx="1"/>
+          </p:cNvCxnSpPr>
+          <p:nvPr/>
+        </p:nvCxnSpPr>
+        <p:spPr>
+          <a:xfrm rot="16200000" flipH="1">
+            <a:off x="2408671" y="1200927"/>
+            <a:ext cx="192045" cy="676429"/>
+          </a:xfrm>
+          <a:prstGeom prst="bentConnector2">
+            <a:avLst/>
+          </a:prstGeom>
+          <a:ln>
+            <a:tailEnd type="triangle" w="med" len="lg"/>
+          </a:ln>
+        </p:spPr>
+        <p:style>
+          <a:lnRef idx="1">
+            <a:schemeClr val="accent1"/>
+          </a:lnRef>
+          <a:fillRef idx="0">
+            <a:schemeClr val="accent1"/>
+          </a:fillRef>
+          <a:effectRef idx="0">
+            <a:schemeClr val="accent1"/>
+          </a:effectRef>
+          <a:fontRef idx="minor">
+            <a:schemeClr val="tx1"/>
+          </a:fontRef>
+        </p:style>
+      </p:cxnSp>
+      <p:sp>
+        <p:nvSpPr>
+          <p:cNvPr id="41" name="圆角矩形 40"/>
+          <p:cNvSpPr/>
+          <p:nvPr/>
+        </p:nvSpPr>
+        <p:spPr>
+          <a:xfrm>
+            <a:off x="2699792" y="3466083"/>
+            <a:ext cx="1420493" cy="216024"/>
+          </a:xfrm>
+          <a:prstGeom prst="roundRect">
+            <a:avLst/>
+          </a:prstGeom>
+        </p:spPr>
+        <p:style>
+          <a:lnRef idx="1">
+            <a:schemeClr val="accent4"/>
+          </a:lnRef>
+          <a:fillRef idx="2">
+            <a:schemeClr val="accent4"/>
+          </a:fillRef>
+          <a:effectRef idx="1">
+            <a:schemeClr val="accent4"/>
+          </a:effectRef>
+          <a:fontRef idx="minor">
+            <a:schemeClr val="dk1"/>
+          </a:fontRef>
+        </p:style>
+        <p:txBody>
+          <a:bodyPr lIns="0" tIns="0" rIns="0" bIns="0" rtlCol="0" anchor="ctr" anchorCtr="1"/>
+          <a:lstStyle/>
+          <a:p>
+            <a:pPr algn="ctr"/>
+            <a:r>
+              <a:rPr lang="zh-CN" altLang="en-US" sz="1200" smtClean="0"/>
+              <a:t>精灵</a:t>
+            </a:r>
+            <a:r>
+              <a:rPr lang="en-US" altLang="zh-CN" sz="1200" smtClean="0"/>
+              <a:t>(Sprite)</a:t>
+            </a:r>
+            <a:endParaRPr lang="zh-CN" altLang="en-US" sz="1200" dirty="0"/>
+          </a:p>
+        </p:txBody>
+      </p:sp>
+      <p:cxnSp>
+        <p:nvCxnSpPr>
+          <p:cNvPr id="44" name="直接连接符 14"/>
+          <p:cNvCxnSpPr>
+            <a:stCxn id="31" idx="2"/>
+            <a:endCxn id="41" idx="1"/>
+          </p:cNvCxnSpPr>
+          <p:nvPr/>
+        </p:nvCxnSpPr>
+        <p:spPr>
+          <a:xfrm rot="16200000" flipH="1">
+            <a:off x="2305699" y="3180001"/>
+            <a:ext cx="287665" cy="500521"/>
+          </a:xfrm>
+          <a:prstGeom prst="bentConnector2">
+            <a:avLst/>
+          </a:prstGeom>
+          <a:ln>
+            <a:tailEnd type="triangle" w="med" len="lg"/>
+          </a:ln>
+        </p:spPr>
+        <p:style>
+          <a:lnRef idx="1">
+            <a:schemeClr val="accent1"/>
+          </a:lnRef>
+          <a:fillRef idx="0">
+            <a:schemeClr val="accent1"/>
+          </a:fillRef>
+          <a:effectRef idx="0">
+            <a:schemeClr val="accent1"/>
+          </a:effectRef>
+          <a:fontRef idx="minor">
+            <a:schemeClr val="tx1"/>
+          </a:fontRef>
+        </p:style>
+      </p:cxnSp>
       <p:cxnSp>
         <p:nvCxnSpPr>
           <p:cNvPr id="32" name="直接连接符 14"/>
           <p:cNvCxnSpPr>
-            <a:stCxn id="25" idx="2"/>
-            <a:endCxn id="28" idx="1"/>
+            <a:stCxn id="41" idx="2"/>
+            <a:endCxn id="42" idx="1"/>
           </p:cNvCxnSpPr>
           <p:nvPr/>
         </p:nvCxnSpPr>
         <p:spPr>
           <a:xfrm rot="16200000" flipH="1">
-            <a:off x="2069203" y="1540396"/>
-            <a:ext cx="870983" cy="676430"/>
+            <a:off x="3515341" y="3576805"/>
+            <a:ext cx="241111" cy="451714"/>
           </a:xfrm>
           <a:prstGeom prst="bentConnector2">
             <a:avLst/>
@@ -15509,13 +16378,13 @@
       </p:cxnSp>
       <p:sp>
         <p:nvSpPr>
-          <p:cNvPr id="33" name="圆角矩形 32"/>
+          <p:cNvPr id="46" name="圆角矩形 45"/>
           <p:cNvSpPr/>
           <p:nvPr/>
         </p:nvSpPr>
         <p:spPr>
           <a:xfrm>
-            <a:off x="2842908" y="1527153"/>
+            <a:off x="1489024" y="2678612"/>
             <a:ext cx="1420493" cy="216024"/>
           </a:xfrm>
           <a:prstGeom prst="roundRect">
@@ -15524,13 +16393,13 @@
         </p:spPr>
         <p:style>
           <a:lnRef idx="1">
-            <a:schemeClr val="accent6"/>
+            <a:schemeClr val="accent4"/>
           </a:lnRef>
           <a:fillRef idx="2">
-            <a:schemeClr val="accent6"/>
+            <a:schemeClr val="accent4"/>
           </a:fillRef>
           <a:effectRef idx="1">
-            <a:schemeClr val="accent6"/>
+            <a:schemeClr val="accent4"/>
           </a:effectRef>
           <a:fontRef idx="minor">
             <a:schemeClr val="dk1"/>
@@ -15543,11 +16412,11 @@
             <a:pPr algn="ctr"/>
             <a:r>
               <a:rPr lang="zh-CN" altLang="en-US" sz="1200" smtClean="0"/>
-              <a:t>材质</a:t>
+              <a:t>材质集合</a:t>
             </a:r>
             <a:r>
               <a:rPr lang="en-US" altLang="zh-CN" sz="1200" smtClean="0"/>
-              <a:t>(Material)</a:t>
+              <a:t>(Materials)</a:t>
             </a:r>
             <a:endParaRPr lang="zh-CN" altLang="en-US" sz="1200" dirty="0"/>
           </a:p>
@@ -15555,17 +16424,17 @@
       </p:sp>
       <p:cxnSp>
         <p:nvCxnSpPr>
-          <p:cNvPr id="35" name="直接连接符 14"/>
+          <p:cNvPr id="47" name="直接连接符 14"/>
           <p:cNvCxnSpPr>
-            <a:stCxn id="25" idx="2"/>
-            <a:endCxn id="33" idx="1"/>
+            <a:stCxn id="3" idx="2"/>
+            <a:endCxn id="46" idx="1"/>
           </p:cNvCxnSpPr>
           <p:nvPr/>
         </p:nvCxnSpPr>
         <p:spPr>
           <a:xfrm rot="16200000" flipH="1">
-            <a:off x="2408671" y="1200927"/>
-            <a:ext cx="192045" cy="676429"/>
+            <a:off x="417256" y="1714856"/>
+            <a:ext cx="1734124" cy="409412"/>
           </a:xfrm>
           <a:prstGeom prst="bentConnector2">
             <a:avLst/>
@@ -15589,19 +16458,217 @@
           </a:fontRef>
         </p:style>
       </p:cxnSp>
+      <p:sp>
+        <p:nvSpPr>
+          <p:cNvPr id="39" name="文本框 38"/>
+          <p:cNvSpPr txBox="1"/>
+          <p:nvPr/>
+        </p:nvSpPr>
+        <p:spPr>
+          <a:xfrm>
+            <a:off x="4663066" y="1555497"/>
+            <a:ext cx="2573230" cy="184666"/>
+          </a:xfrm>
+          <a:prstGeom prst="rect">
+            <a:avLst/>
+          </a:prstGeom>
+          <a:noFill/>
+        </p:spPr>
+        <p:txBody>
+          <a:bodyPr wrap="square" lIns="0" tIns="0" rIns="0" bIns="0" rtlCol="0">
+            <a:spAutoFit/>
+          </a:bodyPr>
+          <a:lstStyle/>
+          <a:p>
+            <a:r>
+              <a:rPr lang="zh-CN" altLang="en-US" sz="1200" smtClean="0"/>
+              <a:t>默认材质，当物件没有材质时候使用。</a:t>
+            </a:r>
+            <a:endParaRPr lang="zh-CN" altLang="en-US" sz="1200"/>
+          </a:p>
+        </p:txBody>
+      </p:sp>
+      <p:sp>
+        <p:nvSpPr>
+          <p:cNvPr id="40" name="文本框 39"/>
+          <p:cNvSpPr txBox="1"/>
+          <p:nvPr/>
+        </p:nvSpPr>
+        <p:spPr>
+          <a:xfrm>
+            <a:off x="3123826" y="2714226"/>
+            <a:ext cx="2573230" cy="184666"/>
+          </a:xfrm>
+          <a:prstGeom prst="rect">
+            <a:avLst/>
+          </a:prstGeom>
+          <a:noFill/>
+        </p:spPr>
+        <p:txBody>
+          <a:bodyPr wrap="square" lIns="0" tIns="0" rIns="0" bIns="0" rtlCol="0">
+            <a:spAutoFit/>
+          </a:bodyPr>
+          <a:lstStyle/>
+          <a:p>
+            <a:r>
+              <a:rPr lang="zh-CN" altLang="en-US" sz="1200" smtClean="0"/>
+              <a:t>当前空间下用到的所有材质集合。</a:t>
+            </a:r>
+            <a:endParaRPr lang="zh-CN" altLang="en-US" sz="1200"/>
+          </a:p>
+        </p:txBody>
+      </p:sp>
+      <p:sp>
+        <p:nvSpPr>
+          <p:cNvPr id="42" name="圆角矩形 41"/>
+          <p:cNvSpPr/>
+          <p:nvPr/>
+        </p:nvSpPr>
+        <p:spPr>
+          <a:xfrm>
+            <a:off x="3861753" y="3815206"/>
+            <a:ext cx="1420493" cy="216024"/>
+          </a:xfrm>
+          <a:prstGeom prst="roundRect">
+            <a:avLst/>
+          </a:prstGeom>
+        </p:spPr>
+        <p:style>
+          <a:lnRef idx="1">
+            <a:schemeClr val="accent4"/>
+          </a:lnRef>
+          <a:fillRef idx="2">
+            <a:schemeClr val="accent4"/>
+          </a:fillRef>
+          <a:effectRef idx="1">
+            <a:schemeClr val="accent4"/>
+          </a:effectRef>
+          <a:fontRef idx="minor">
+            <a:schemeClr val="dk1"/>
+          </a:fontRef>
+        </p:style>
+        <p:txBody>
+          <a:bodyPr lIns="0" tIns="0" rIns="0" bIns="0" rtlCol="0" anchor="ctr" anchorCtr="1"/>
+          <a:lstStyle/>
+          <a:p>
+            <a:pPr algn="ctr"/>
+            <a:r>
+              <a:rPr lang="zh-CN" altLang="en-US" sz="1200" smtClean="0"/>
+              <a:t>形状</a:t>
+            </a:r>
+            <a:r>
+              <a:rPr lang="en-US" altLang="zh-CN" sz="1200" smtClean="0"/>
+              <a:t>(Shape)</a:t>
+            </a:r>
+            <a:endParaRPr lang="zh-CN" altLang="en-US" sz="1200" dirty="0"/>
+          </a:p>
+        </p:txBody>
+      </p:sp>
+      <p:sp>
+        <p:nvSpPr>
+          <p:cNvPr id="43" name="文本框 42"/>
+          <p:cNvSpPr txBox="1"/>
+          <p:nvPr/>
+        </p:nvSpPr>
+        <p:spPr>
+          <a:xfrm>
+            <a:off x="3123826" y="3108073"/>
+            <a:ext cx="5562974" cy="184666"/>
+          </a:xfrm>
+          <a:prstGeom prst="rect">
+            <a:avLst/>
+          </a:prstGeom>
+          <a:noFill/>
+        </p:spPr>
+        <p:txBody>
+          <a:bodyPr wrap="square" lIns="0" tIns="0" rIns="0" bIns="0" rtlCol="0">
+            <a:spAutoFit/>
+          </a:bodyPr>
+          <a:lstStyle/>
+          <a:p>
+            <a:r>
+              <a:rPr lang="zh-CN" altLang="en-US" sz="1200" smtClean="0"/>
+              <a:t>当前空间下用到的所有显示对象</a:t>
+            </a:r>
+            <a:r>
+              <a:rPr lang="zh-CN" altLang="en-US" sz="1200" smtClean="0"/>
+              <a:t>，没有被放置到显示层上的话，是不显示的</a:t>
+            </a:r>
+            <a:r>
+              <a:rPr lang="zh-CN" altLang="en-US" sz="1200" smtClean="0"/>
+              <a:t>。</a:t>
+            </a:r>
+            <a:endParaRPr lang="zh-CN" altLang="en-US" sz="1200"/>
+          </a:p>
+        </p:txBody>
+      </p:sp>
+      <p:sp>
+        <p:nvSpPr>
+          <p:cNvPr id="49" name="圆角矩形 48"/>
+          <p:cNvSpPr/>
+          <p:nvPr/>
+        </p:nvSpPr>
+        <p:spPr>
+          <a:xfrm>
+            <a:off x="1494456" y="4188301"/>
+            <a:ext cx="1420493" cy="216024"/>
+          </a:xfrm>
+          <a:prstGeom prst="roundRect">
+            <a:avLst/>
+          </a:prstGeom>
+        </p:spPr>
+        <p:style>
+          <a:lnRef idx="1">
+            <a:schemeClr val="accent4"/>
+          </a:lnRef>
+          <a:fillRef idx="2">
+            <a:schemeClr val="accent4"/>
+          </a:fillRef>
+          <a:effectRef idx="1">
+            <a:schemeClr val="accent4"/>
+          </a:effectRef>
+          <a:fontRef idx="minor">
+            <a:schemeClr val="dk1"/>
+          </a:fontRef>
+        </p:style>
+        <p:txBody>
+          <a:bodyPr lIns="0" tIns="0" rIns="0" bIns="0" rtlCol="0" anchor="ctr" anchorCtr="1"/>
+          <a:lstStyle/>
+          <a:p>
+            <a:pPr algn="ctr"/>
+            <a:r>
+              <a:rPr lang="zh-CN" altLang="en-US" sz="1200" smtClean="0"/>
+              <a:t>显示</a:t>
+            </a:r>
+            <a:r>
+              <a:rPr lang="zh-CN" altLang="en-US" sz="1200" smtClean="0"/>
+              <a:t>层</a:t>
+            </a:r>
+            <a:r>
+              <a:rPr lang="zh-CN" altLang="en-US" sz="1200"/>
+              <a:t>集合</a:t>
+            </a:r>
+            <a:r>
+              <a:rPr lang="en-US" altLang="zh-CN" sz="1200" smtClean="0"/>
+              <a:t>(Layers)</a:t>
+            </a:r>
+            <a:endParaRPr lang="zh-CN" altLang="en-US" sz="1200" dirty="0"/>
+          </a:p>
+        </p:txBody>
+      </p:sp>
       <p:cxnSp>
         <p:nvCxnSpPr>
-          <p:cNvPr id="36" name="直接连接符 14"/>
+          <p:cNvPr id="52" name="直接连接符 14"/>
           <p:cNvCxnSpPr>
             <a:stCxn id="3" idx="2"/>
-            <a:endCxn id="25" idx="1"/>
+            <a:endCxn id="49" idx="1"/>
           </p:cNvCxnSpPr>
           <p:nvPr/>
         </p:nvCxnSpPr>
         <p:spPr>
           <a:xfrm rot="16200000" flipH="1">
-            <a:off x="1126618" y="1005494"/>
-            <a:ext cx="282608" cy="376620"/>
+            <a:off x="-334872" y="2466984"/>
+            <a:ext cx="3243813" cy="414844"/>
           </a:xfrm>
           <a:prstGeom prst="bentConnector2">
             <a:avLst/>
@@ -15627,90 +16694,38 @@
       </p:cxnSp>
       <p:sp>
         <p:nvSpPr>
-          <p:cNvPr id="45" name="圆角矩形 44"/>
-          <p:cNvSpPr/>
-          <p:nvPr/>
-        </p:nvSpPr>
-        <p:spPr>
-          <a:xfrm>
-            <a:off x="1547664" y="2622605"/>
-            <a:ext cx="1656184" cy="216024"/>
-          </a:xfrm>
-          <a:prstGeom prst="roundRect">
-            <a:avLst/>
-          </a:prstGeom>
-        </p:spPr>
-        <p:style>
-          <a:lnRef idx="1">
-            <a:schemeClr val="accent4"/>
-          </a:lnRef>
-          <a:fillRef idx="2">
-            <a:schemeClr val="accent4"/>
-          </a:fillRef>
-          <a:effectRef idx="1">
-            <a:schemeClr val="accent4"/>
-          </a:effectRef>
-          <a:fontRef idx="minor">
-            <a:schemeClr val="dk1"/>
-          </a:fontRef>
-        </p:style>
-        <p:txBody>
-          <a:bodyPr lIns="0" tIns="0" rIns="0" bIns="0" rtlCol="0" anchor="ctr" anchorCtr="1"/>
-          <a:lstStyle/>
-          <a:p>
-            <a:pPr algn="ctr"/>
+          <p:cNvPr id="53" name="文本框 52"/>
+          <p:cNvSpPr txBox="1"/>
+          <p:nvPr/>
+        </p:nvSpPr>
+        <p:spPr>
+          <a:xfrm>
+            <a:off x="3079425" y="4219659"/>
+            <a:ext cx="2573230" cy="184666"/>
+          </a:xfrm>
+          <a:prstGeom prst="rect">
+            <a:avLst/>
+          </a:prstGeom>
+          <a:noFill/>
+        </p:spPr>
+        <p:txBody>
+          <a:bodyPr wrap="square" lIns="0" tIns="0" rIns="0" bIns="0" rtlCol="0">
+            <a:spAutoFit/>
+          </a:bodyPr>
+          <a:lstStyle/>
+          <a:p>
             <a:r>
               <a:rPr lang="zh-CN" altLang="en-US" sz="1200" smtClean="0"/>
-              <a:t>模型显示</a:t>
-            </a:r>
-            <a:r>
-              <a:rPr lang="en-US" altLang="zh-CN" sz="1200" smtClean="0"/>
-              <a:t>(ModelDisplay)</a:t>
-            </a:r>
-            <a:endParaRPr lang="zh-CN" altLang="en-US" sz="1200" dirty="0"/>
-          </a:p>
-        </p:txBody>
-      </p:sp>
-      <p:cxnSp>
-        <p:nvCxnSpPr>
-          <p:cNvPr id="46" name="直接连接符 14"/>
-          <p:cNvCxnSpPr>
-            <a:stCxn id="45" idx="2"/>
-            <a:endCxn id="31" idx="1"/>
-          </p:cNvCxnSpPr>
-          <p:nvPr/>
-        </p:nvCxnSpPr>
-        <p:spPr>
-          <a:xfrm rot="16200000" flipH="1">
-            <a:off x="2458849" y="2755535"/>
-            <a:ext cx="300965" cy="467151"/>
-          </a:xfrm>
-          <a:prstGeom prst="bentConnector2">
-            <a:avLst/>
-          </a:prstGeom>
-          <a:ln>
-            <a:tailEnd type="triangle" w="med" len="lg"/>
-          </a:ln>
-        </p:spPr>
-        <p:style>
-          <a:lnRef idx="1">
-            <a:schemeClr val="accent1"/>
-          </a:lnRef>
-          <a:fillRef idx="0">
-            <a:schemeClr val="accent1"/>
-          </a:fillRef>
-          <a:effectRef idx="0">
-            <a:schemeClr val="accent1"/>
-          </a:effectRef>
-          <a:fontRef idx="minor">
-            <a:schemeClr val="tx1"/>
-          </a:fontRef>
-        </p:style>
-      </p:cxnSp>
+              <a:t>可显示的内容。</a:t>
+            </a:r>
+            <a:endParaRPr lang="zh-CN" altLang="en-US" sz="1200"/>
+          </a:p>
+        </p:txBody>
+      </p:sp>
     </p:spTree>
     <p:extLst>
       <p:ext uri="{BB962C8B-B14F-4D97-AF65-F5344CB8AC3E}">
-        <p14:creationId xmlns:p14="http://schemas.microsoft.com/office/powerpoint/2010/main" val="946105694"/>
+        <p14:creationId xmlns:p14="http://schemas.microsoft.com/office/powerpoint/2010/main" val="3648840442"/>
       </p:ext>
     </p:extLst>
   </p:cSld>
